--- a/Course Overview.pptx
+++ b/Course Overview.pptx
@@ -5407,22 +5407,129 @@
         </a:p>
       </dgm:t>
     </dgm:pt>
-    <dgm:pt modelId="{6D1CD2AF-18A2-4D62-9B74-2548BFAB7FD8}">
-      <dgm:prSet phldrT="[Text]"/>
+    <dgm:pt modelId="{74B4AA64-D156-4200-95AF-DCCC8698887D}">
+      <dgm:prSet phldrT="[Text]" custT="1"/>
       <dgm:spPr/>
       <dgm:t>
         <a:bodyPr/>
         <a:lstStyle/>
         <a:p>
           <a:r>
-            <a:rPr lang="en-US" dirty="0" smtClean="0"/>
-            <a:t>Initialization means that you want to give to your variables value as quickly as possible</a:t>
+            <a:rPr lang="en-US" sz="2000" b="1" dirty="0" err="1" smtClean="0">
+              <a:latin typeface="Buxton Sketch" panose="03080500000500000004" pitchFamily="66" charset="0"/>
+            </a:rPr>
+            <a:t>Kudvenkat</a:t>
           </a:r>
-          <a:endParaRPr lang="en-US" dirty="0"/>
+          <a:r>
+            <a:rPr lang="en-US" sz="2000" b="1" dirty="0" smtClean="0">
+              <a:latin typeface="Buxton Sketch" panose="03080500000500000004" pitchFamily="66" charset="0"/>
+            </a:rPr>
+            <a:t> </a:t>
+          </a:r>
+          <a:r>
+            <a:rPr lang="en-US" sz="2000" b="1" dirty="0" smtClean="0">
+              <a:latin typeface="Buxton Sketch" panose="03080500000500000004" pitchFamily="66" charset="0"/>
+            </a:rPr>
+            <a:t> - C</a:t>
+          </a:r>
+          <a:r>
+            <a:rPr lang="en-US" sz="2000" b="1" dirty="0" smtClean="0">
+              <a:latin typeface="Buxton Sketch" panose="03080500000500000004" pitchFamily="66" charset="0"/>
+            </a:rPr>
+            <a:t># tutorials for </a:t>
+          </a:r>
+          <a:r>
+            <a:rPr lang="en-US" sz="2000" b="1" dirty="0" smtClean="0">
+              <a:latin typeface="Buxton Sketch" panose="03080500000500000004" pitchFamily="66" charset="0"/>
+            </a:rPr>
+            <a:t>beginners.</a:t>
+          </a:r>
+        </a:p>
+        <a:p>
+          <a:r>
+            <a:rPr lang="en-US" sz="2000" dirty="0" smtClean="0">
+              <a:latin typeface="Buxton Sketch" panose="03080500000500000004" pitchFamily="66" charset="0"/>
+              <a:hlinkClick xmlns:r="http://schemas.openxmlformats.org/officeDocument/2006/relationships" r:id="rId1"/>
+            </a:rPr>
+            <a:t>https://www.youtube.com/watch?v=SXmVym6L8dw&amp;list=PLAC325451207E3105</a:t>
+          </a:r>
+          <a:endParaRPr lang="en-US" sz="2000" dirty="0" smtClean="0">
+            <a:latin typeface="Buxton Sketch" panose="03080500000500000004" pitchFamily="66" charset="0"/>
+          </a:endParaRPr>
+        </a:p>
+        <a:p>
+          <a:endParaRPr lang="en-US" sz="2000" dirty="0" smtClean="0">
+            <a:latin typeface="Buxton Sketch" panose="03080500000500000004" pitchFamily="66" charset="0"/>
+          </a:endParaRPr>
+        </a:p>
+        <a:p>
+          <a:r>
+            <a:rPr lang="bg-BG" sz="2000" dirty="0" smtClean="0">
+              <a:latin typeface="Buxton Sketch" panose="03080500000500000004" pitchFamily="66" charset="0"/>
+            </a:rPr>
+            <a:t>Стоян Черешаров - </a:t>
+          </a:r>
+          <a:r>
+            <a:rPr lang="bg-BG" sz="2000" b="0" i="0" dirty="0" smtClean="0">
+              <a:latin typeface="Buxton Sketch" panose="03080500000500000004" pitchFamily="66" charset="0"/>
+            </a:rPr>
+            <a:t>Работа с </a:t>
+          </a:r>
+          <a:r>
+            <a:rPr lang="en-US" sz="2000" b="0" i="0" dirty="0" err="1" smtClean="0">
+              <a:latin typeface="Buxton Sketch" panose="03080500000500000004" pitchFamily="66" charset="0"/>
+            </a:rPr>
+            <a:t>Git</a:t>
+          </a:r>
+          <a:r>
+            <a:rPr lang="en-US" sz="2000" b="0" i="0" dirty="0" smtClean="0">
+              <a:latin typeface="Buxton Sketch" panose="03080500000500000004" pitchFamily="66" charset="0"/>
+            </a:rPr>
+            <a:t> </a:t>
+          </a:r>
+          <a:r>
+            <a:rPr lang="bg-BG" sz="2000" b="0" i="0" dirty="0" smtClean="0">
+              <a:latin typeface="Buxton Sketch" panose="03080500000500000004" pitchFamily="66" charset="0"/>
+            </a:rPr>
+            <a:t>и </a:t>
+          </a:r>
+          <a:r>
+            <a:rPr lang="en-US" sz="2000" b="0" i="0" dirty="0" smtClean="0">
+              <a:latin typeface="Buxton Sketch" panose="03080500000500000004" pitchFamily="66" charset="0"/>
+            </a:rPr>
+            <a:t>GitHub </a:t>
+          </a:r>
+          <a:r>
+            <a:rPr lang="bg-BG" sz="2000" b="0" i="0" dirty="0" smtClean="0">
+              <a:latin typeface="Buxton Sketch" panose="03080500000500000004" pitchFamily="66" charset="0"/>
+            </a:rPr>
+            <a:t>във </a:t>
+          </a:r>
+          <a:r>
+            <a:rPr lang="en-US" sz="2000" b="0" i="0" dirty="0" err="1" smtClean="0">
+              <a:latin typeface="Buxton Sketch" panose="03080500000500000004" pitchFamily="66" charset="0"/>
+            </a:rPr>
+            <a:t>VisialStudio</a:t>
+          </a:r>
+          <a:r>
+            <a:rPr lang="en-US" sz="2000" b="0" i="0" dirty="0" smtClean="0">
+              <a:latin typeface="Buxton Sketch" panose="03080500000500000004" pitchFamily="66" charset="0"/>
+            </a:rPr>
+            <a:t>. </a:t>
+          </a:r>
+          <a:r>
+            <a:rPr lang="en-US" sz="2000" dirty="0" smtClean="0">
+              <a:latin typeface="Buxton Sketch" panose="03080500000500000004" pitchFamily="66" charset="0"/>
+            </a:rPr>
+            <a:t>https://www.youtube.com/user/coolcsn/videos</a:t>
+          </a:r>
+          <a:endParaRPr lang="en-US" sz="2000" b="1" dirty="0" smtClean="0">
+            <a:latin typeface="Buxton Sketch" panose="03080500000500000004" pitchFamily="66" charset="0"/>
+          </a:endParaRPr>
         </a:p>
       </dgm:t>
     </dgm:pt>
-    <dgm:pt modelId="{6ECC70EE-0B15-4B1E-9CB3-27C4997F91EE}" type="parTrans" cxnId="{D7654C8E-03CA-4118-97DE-B9BDCB4D1D34}">
+    <dgm:pt modelId="{9FFC59D3-D27C-40C7-99A6-EA187B0A38A7}" type="sibTrans" cxnId="{7ABE7916-443E-40CC-91F3-085085EE19CC}">
       <dgm:prSet/>
       <dgm:spPr/>
       <dgm:t>
@@ -5433,68 +5540,7 @@
         </a:p>
       </dgm:t>
     </dgm:pt>
-    <dgm:pt modelId="{5FDD024E-6A22-4E43-A49E-30F980BFB136}" type="sibTrans" cxnId="{D7654C8E-03CA-4118-97DE-B9BDCB4D1D34}">
-      <dgm:prSet/>
-      <dgm:spPr/>
-      <dgm:t>
-        <a:bodyPr/>
-        <a:lstStyle/>
-        <a:p>
-          <a:endParaRPr lang="en-US"/>
-        </a:p>
-      </dgm:t>
-    </dgm:pt>
-    <dgm:pt modelId="{74B4AA64-D156-4200-95AF-DCCC8698887D}">
-      <dgm:prSet phldrT="[Text]"/>
-      <dgm:spPr/>
-      <dgm:t>
-        <a:bodyPr/>
-        <a:lstStyle/>
-        <a:p>
-          <a:r>
-            <a:rPr lang="en-US" dirty="0" err="1" smtClean="0">
-              <a:latin typeface="Buxton Sketch" panose="03080500000500000004" pitchFamily="66" charset="0"/>
-            </a:rPr>
-            <a:t>Kudvenkat</a:t>
-          </a:r>
-          <a:r>
-            <a:rPr lang="en-US" dirty="0" smtClean="0">
-              <a:latin typeface="Buxton Sketch" panose="03080500000500000004" pitchFamily="66" charset="0"/>
-            </a:rPr>
-            <a:t> C# tutorials </a:t>
-          </a:r>
-          <a:r>
-            <a:rPr lang="en-US" smtClean="0">
-              <a:latin typeface="Buxton Sketch" panose="03080500000500000004" pitchFamily="66" charset="0"/>
-            </a:rPr>
-            <a:t>for beginners</a:t>
-          </a:r>
-        </a:p>
-        <a:p>
-          <a:r>
-            <a:rPr lang="en-US" dirty="0" smtClean="0">
-              <a:latin typeface="Buxton Sketch" panose="03080500000500000004" pitchFamily="66" charset="0"/>
-            </a:rPr>
-            <a:t>https://www.youtube.com/watch?v=SXmVym6L8dw&amp;list=PLAC325451207E3105</a:t>
-          </a:r>
-          <a:endParaRPr lang="en-US" dirty="0">
-            <a:latin typeface="Buxton Sketch" panose="03080500000500000004" pitchFamily="66" charset="0"/>
-          </a:endParaRPr>
-        </a:p>
-      </dgm:t>
-    </dgm:pt>
     <dgm:pt modelId="{ACE373D5-3555-4344-88B1-4890EE742329}" type="parTrans" cxnId="{7ABE7916-443E-40CC-91F3-085085EE19CC}">
-      <dgm:prSet/>
-      <dgm:spPr/>
-      <dgm:t>
-        <a:bodyPr/>
-        <a:lstStyle/>
-        <a:p>
-          <a:endParaRPr lang="en-US"/>
-        </a:p>
-      </dgm:t>
-    </dgm:pt>
-    <dgm:pt modelId="{9FFC59D3-D27C-40C7-99A6-EA187B0A38A7}" type="sibTrans" cxnId="{7ABE7916-443E-40CC-91F3-085085EE19CC}">
       <dgm:prSet/>
       <dgm:spPr/>
       <dgm:t>
@@ -5531,7 +5577,7 @@
       <dgm:spPr/>
     </dgm:pt>
     <dgm:pt modelId="{599D6219-B278-4C20-9A95-7F8F137EE331}" type="pres">
-      <dgm:prSet presAssocID="{13074064-CC0F-4FA0-BD5C-A3D31BBD00B3}" presName="tx1" presStyleLbl="revTx" presStyleIdx="0" presStyleCnt="3" custScaleX="153260"/>
+      <dgm:prSet presAssocID="{13074064-CC0F-4FA0-BD5C-A3D31BBD00B3}" presName="tx1" presStyleLbl="revTx" presStyleIdx="0" presStyleCnt="2" custScaleX="153260"/>
       <dgm:spPr/>
       <dgm:t>
         <a:bodyPr/>
@@ -5545,39 +5591,8 @@
       <dgm:prSet presAssocID="{13074064-CC0F-4FA0-BD5C-A3D31BBD00B3}" presName="vert1" presStyleCnt="0"/>
       <dgm:spPr/>
     </dgm:pt>
-    <dgm:pt modelId="{E1A52AE1-AD56-4614-9CCF-1BD67FC366A2}" type="pres">
-      <dgm:prSet presAssocID="{6D1CD2AF-18A2-4D62-9B74-2548BFAB7FD8}" presName="vertSpace2a" presStyleCnt="0"/>
-      <dgm:spPr/>
-    </dgm:pt>
-    <dgm:pt modelId="{FB48C2F4-1355-440A-80E0-CDB9354347C1}" type="pres">
-      <dgm:prSet presAssocID="{6D1CD2AF-18A2-4D62-9B74-2548BFAB7FD8}" presName="horz2" presStyleCnt="0"/>
-      <dgm:spPr/>
-    </dgm:pt>
-    <dgm:pt modelId="{9B5D7BF6-D0EA-4340-9FB5-8E0AE2BBDFDA}" type="pres">
-      <dgm:prSet presAssocID="{6D1CD2AF-18A2-4D62-9B74-2548BFAB7FD8}" presName="horzSpace2" presStyleCnt="0"/>
-      <dgm:spPr/>
-    </dgm:pt>
-    <dgm:pt modelId="{05370963-7260-4DEF-8575-DCB34FF7E0FE}" type="pres">
-      <dgm:prSet presAssocID="{6D1CD2AF-18A2-4D62-9B74-2548BFAB7FD8}" presName="tx2" presStyleLbl="revTx" presStyleIdx="1" presStyleCnt="3" custScaleY="9985"/>
-      <dgm:spPr/>
-      <dgm:t>
-        <a:bodyPr/>
-        <a:lstStyle/>
-        <a:p>
-          <a:endParaRPr lang="en-US"/>
-        </a:p>
-      </dgm:t>
-    </dgm:pt>
-    <dgm:pt modelId="{06576121-12CF-4348-88A7-619B6E9579C6}" type="pres">
-      <dgm:prSet presAssocID="{6D1CD2AF-18A2-4D62-9B74-2548BFAB7FD8}" presName="vert2" presStyleCnt="0"/>
-      <dgm:spPr/>
-    </dgm:pt>
-    <dgm:pt modelId="{92D2A74D-710A-4438-9789-88714527C313}" type="pres">
-      <dgm:prSet presAssocID="{6D1CD2AF-18A2-4D62-9B74-2548BFAB7FD8}" presName="thinLine2b" presStyleLbl="callout" presStyleIdx="0" presStyleCnt="2"/>
-      <dgm:spPr/>
-    </dgm:pt>
-    <dgm:pt modelId="{F9F1B3BC-48A4-4D1D-B297-D23151415B88}" type="pres">
-      <dgm:prSet presAssocID="{6D1CD2AF-18A2-4D62-9B74-2548BFAB7FD8}" presName="vertSpace2b" presStyleCnt="0"/>
+    <dgm:pt modelId="{C3D8BB17-26AD-4EAD-A32E-2253B2F65575}" type="pres">
+      <dgm:prSet presAssocID="{74B4AA64-D156-4200-95AF-DCCC8698887D}" presName="vertSpace2a" presStyleCnt="0"/>
       <dgm:spPr/>
     </dgm:pt>
     <dgm:pt modelId="{0A5A50CD-39C7-4D3C-B0D1-624FCD9BF538}" type="pres">
@@ -5589,7 +5604,7 @@
       <dgm:spPr/>
     </dgm:pt>
     <dgm:pt modelId="{F8106273-3EEB-4CE6-BD56-FDBCA776B834}" type="pres">
-      <dgm:prSet presAssocID="{74B4AA64-D156-4200-95AF-DCCC8698887D}" presName="tx2" presStyleLbl="revTx" presStyleIdx="2" presStyleCnt="3" custScaleY="12054"/>
+      <dgm:prSet presAssocID="{74B4AA64-D156-4200-95AF-DCCC8698887D}" presName="tx2" presStyleLbl="revTx" presStyleIdx="1" presStyleCnt="2" custScaleX="120574" custScaleY="100000"/>
       <dgm:spPr/>
       <dgm:t>
         <a:bodyPr/>
@@ -5604,7 +5619,7 @@
       <dgm:spPr/>
     </dgm:pt>
     <dgm:pt modelId="{B150277F-A2CA-4F1B-AA39-E3634A3B878C}" type="pres">
-      <dgm:prSet presAssocID="{74B4AA64-D156-4200-95AF-DCCC8698887D}" presName="thinLine2b" presStyleLbl="callout" presStyleIdx="1" presStyleCnt="2" custLinFactY="-500000" custLinFactNeighborX="410" custLinFactNeighborY="-538250"/>
+      <dgm:prSet presAssocID="{74B4AA64-D156-4200-95AF-DCCC8698887D}" presName="thinLine2b" presStyleLbl="callout" presStyleIdx="0" presStyleCnt="1" custLinFactY="-500000" custLinFactNeighborX="410" custLinFactNeighborY="-538250"/>
       <dgm:spPr/>
     </dgm:pt>
     <dgm:pt modelId="{3A135D6D-5CD5-493B-B295-1B37E3A1F782}" type="pres">
@@ -5613,30 +5628,22 @@
     </dgm:pt>
   </dgm:ptLst>
   <dgm:cxnLst>
+    <dgm:cxn modelId="{9EE648DE-C0C7-4A9A-B414-817020F5B9A7}" type="presOf" srcId="{13074064-CC0F-4FA0-BD5C-A3D31BBD00B3}" destId="{599D6219-B278-4C20-9A95-7F8F137EE331}" srcOrd="0" destOrd="0" presId="urn:microsoft.com/office/officeart/2008/layout/LinedList"/>
     <dgm:cxn modelId="{FAB16B57-F90D-4828-9E4E-A49686170778}" srcId="{9A943FFD-7656-4F48-A313-8873B00A9D66}" destId="{13074064-CC0F-4FA0-BD5C-A3D31BBD00B3}" srcOrd="0" destOrd="0" parTransId="{593E202D-F6D0-4025-BCED-F86ADF8138FA}" sibTransId="{46E49970-1C96-4D6A-9EA1-7819FC85BBB0}"/>
-    <dgm:cxn modelId="{D7654C8E-03CA-4118-97DE-B9BDCB4D1D34}" srcId="{13074064-CC0F-4FA0-BD5C-A3D31BBD00B3}" destId="{6D1CD2AF-18A2-4D62-9B74-2548BFAB7FD8}" srcOrd="0" destOrd="0" parTransId="{6ECC70EE-0B15-4B1E-9CB3-27C4997F91EE}" sibTransId="{5FDD024E-6A22-4E43-A49E-30F980BFB136}"/>
+    <dgm:cxn modelId="{96AA7AC4-A894-44ED-AB9B-18B5788D5FCB}" type="presOf" srcId="{74B4AA64-D156-4200-95AF-DCCC8698887D}" destId="{F8106273-3EEB-4CE6-BD56-FDBCA776B834}" srcOrd="0" destOrd="0" presId="urn:microsoft.com/office/officeart/2008/layout/LinedList"/>
+    <dgm:cxn modelId="{7ABE7916-443E-40CC-91F3-085085EE19CC}" srcId="{13074064-CC0F-4FA0-BD5C-A3D31BBD00B3}" destId="{74B4AA64-D156-4200-95AF-DCCC8698887D}" srcOrd="0" destOrd="0" parTransId="{ACE373D5-3555-4344-88B1-4890EE742329}" sibTransId="{9FFC59D3-D27C-40C7-99A6-EA187B0A38A7}"/>
     <dgm:cxn modelId="{F80D53AE-E94E-4067-B66C-4A763348376D}" type="presOf" srcId="{9A943FFD-7656-4F48-A313-8873B00A9D66}" destId="{760F0CC2-631E-4265-A1D0-AC73EB58A8A5}" srcOrd="0" destOrd="0" presId="urn:microsoft.com/office/officeart/2008/layout/LinedList"/>
-    <dgm:cxn modelId="{134154A0-C97C-403B-833B-84E81A7DE10C}" type="presOf" srcId="{6D1CD2AF-18A2-4D62-9B74-2548BFAB7FD8}" destId="{05370963-7260-4DEF-8575-DCB34FF7E0FE}" srcOrd="0" destOrd="0" presId="urn:microsoft.com/office/officeart/2008/layout/LinedList"/>
-    <dgm:cxn modelId="{96AA7AC4-A894-44ED-AB9B-18B5788D5FCB}" type="presOf" srcId="{74B4AA64-D156-4200-95AF-DCCC8698887D}" destId="{F8106273-3EEB-4CE6-BD56-FDBCA776B834}" srcOrd="0" destOrd="0" presId="urn:microsoft.com/office/officeart/2008/layout/LinedList"/>
-    <dgm:cxn modelId="{9EE648DE-C0C7-4A9A-B414-817020F5B9A7}" type="presOf" srcId="{13074064-CC0F-4FA0-BD5C-A3D31BBD00B3}" destId="{599D6219-B278-4C20-9A95-7F8F137EE331}" srcOrd="0" destOrd="0" presId="urn:microsoft.com/office/officeart/2008/layout/LinedList"/>
-    <dgm:cxn modelId="{7ABE7916-443E-40CC-91F3-085085EE19CC}" srcId="{13074064-CC0F-4FA0-BD5C-A3D31BBD00B3}" destId="{74B4AA64-D156-4200-95AF-DCCC8698887D}" srcOrd="1" destOrd="0" parTransId="{ACE373D5-3555-4344-88B1-4890EE742329}" sibTransId="{9FFC59D3-D27C-40C7-99A6-EA187B0A38A7}"/>
     <dgm:cxn modelId="{FB89B061-9B6B-4694-BE74-74EC57D79888}" type="presParOf" srcId="{760F0CC2-631E-4265-A1D0-AC73EB58A8A5}" destId="{E12C78D3-4B45-43FB-ABCC-83F3DB5D17F4}" srcOrd="0" destOrd="0" presId="urn:microsoft.com/office/officeart/2008/layout/LinedList"/>
     <dgm:cxn modelId="{B5A53C49-301A-4D45-8376-615402EE321A}" type="presParOf" srcId="{760F0CC2-631E-4265-A1D0-AC73EB58A8A5}" destId="{62C300C3-539A-4F84-8720-E8EFE909DF70}" srcOrd="1" destOrd="0" presId="urn:microsoft.com/office/officeart/2008/layout/LinedList"/>
     <dgm:cxn modelId="{DD38EDF8-F48B-4447-97EE-AE3E3569DBB2}" type="presParOf" srcId="{62C300C3-539A-4F84-8720-E8EFE909DF70}" destId="{599D6219-B278-4C20-9A95-7F8F137EE331}" srcOrd="0" destOrd="0" presId="urn:microsoft.com/office/officeart/2008/layout/LinedList"/>
     <dgm:cxn modelId="{8A631CD4-3641-43B6-9EF8-71129977DBDA}" type="presParOf" srcId="{62C300C3-539A-4F84-8720-E8EFE909DF70}" destId="{9BF63AE6-0BD0-4A4F-BF3C-6BFA6695BE17}" srcOrd="1" destOrd="0" presId="urn:microsoft.com/office/officeart/2008/layout/LinedList"/>
-    <dgm:cxn modelId="{E5586AFA-91DC-43D3-A71A-DCEF63931D16}" type="presParOf" srcId="{9BF63AE6-0BD0-4A4F-BF3C-6BFA6695BE17}" destId="{E1A52AE1-AD56-4614-9CCF-1BD67FC366A2}" srcOrd="0" destOrd="0" presId="urn:microsoft.com/office/officeart/2008/layout/LinedList"/>
-    <dgm:cxn modelId="{4F8CDE1F-00AF-437A-A64A-61886235AA2E}" type="presParOf" srcId="{9BF63AE6-0BD0-4A4F-BF3C-6BFA6695BE17}" destId="{FB48C2F4-1355-440A-80E0-CDB9354347C1}" srcOrd="1" destOrd="0" presId="urn:microsoft.com/office/officeart/2008/layout/LinedList"/>
-    <dgm:cxn modelId="{8885D988-0E28-4FC9-BB39-1BB9C035B8B9}" type="presParOf" srcId="{FB48C2F4-1355-440A-80E0-CDB9354347C1}" destId="{9B5D7BF6-D0EA-4340-9FB5-8E0AE2BBDFDA}" srcOrd="0" destOrd="0" presId="urn:microsoft.com/office/officeart/2008/layout/LinedList"/>
-    <dgm:cxn modelId="{B18572FA-4CE4-42BC-B256-AB801E47CC37}" type="presParOf" srcId="{FB48C2F4-1355-440A-80E0-CDB9354347C1}" destId="{05370963-7260-4DEF-8575-DCB34FF7E0FE}" srcOrd="1" destOrd="0" presId="urn:microsoft.com/office/officeart/2008/layout/LinedList"/>
-    <dgm:cxn modelId="{311BA596-83C8-4688-8961-DA1B65E7848C}" type="presParOf" srcId="{FB48C2F4-1355-440A-80E0-CDB9354347C1}" destId="{06576121-12CF-4348-88A7-619B6E9579C6}" srcOrd="2" destOrd="0" presId="urn:microsoft.com/office/officeart/2008/layout/LinedList"/>
-    <dgm:cxn modelId="{5EA1AE66-366D-4921-834D-EBFE944B54FB}" type="presParOf" srcId="{9BF63AE6-0BD0-4A4F-BF3C-6BFA6695BE17}" destId="{92D2A74D-710A-4438-9789-88714527C313}" srcOrd="2" destOrd="0" presId="urn:microsoft.com/office/officeart/2008/layout/LinedList"/>
-    <dgm:cxn modelId="{A03A806C-B039-4D48-9147-560D249FCA60}" type="presParOf" srcId="{9BF63AE6-0BD0-4A4F-BF3C-6BFA6695BE17}" destId="{F9F1B3BC-48A4-4D1D-B297-D23151415B88}" srcOrd="3" destOrd="0" presId="urn:microsoft.com/office/officeart/2008/layout/LinedList"/>
-    <dgm:cxn modelId="{E6E52507-BC3F-4AA8-A918-291FE4B2F2E1}" type="presParOf" srcId="{9BF63AE6-0BD0-4A4F-BF3C-6BFA6695BE17}" destId="{0A5A50CD-39C7-4D3C-B0D1-624FCD9BF538}" srcOrd="4" destOrd="0" presId="urn:microsoft.com/office/officeart/2008/layout/LinedList"/>
+    <dgm:cxn modelId="{B55A0378-A6E5-48D0-BC86-323609ABD9D1}" type="presParOf" srcId="{9BF63AE6-0BD0-4A4F-BF3C-6BFA6695BE17}" destId="{C3D8BB17-26AD-4EAD-A32E-2253B2F65575}" srcOrd="0" destOrd="0" presId="urn:microsoft.com/office/officeart/2008/layout/LinedList"/>
+    <dgm:cxn modelId="{E6E52507-BC3F-4AA8-A918-291FE4B2F2E1}" type="presParOf" srcId="{9BF63AE6-0BD0-4A4F-BF3C-6BFA6695BE17}" destId="{0A5A50CD-39C7-4D3C-B0D1-624FCD9BF538}" srcOrd="1" destOrd="0" presId="urn:microsoft.com/office/officeart/2008/layout/LinedList"/>
     <dgm:cxn modelId="{AF387BF6-A6CC-4EA4-942C-0C97D345FB22}" type="presParOf" srcId="{0A5A50CD-39C7-4D3C-B0D1-624FCD9BF538}" destId="{5D12FBE0-F33F-4A3C-A3B9-CB9532FEF93F}" srcOrd="0" destOrd="0" presId="urn:microsoft.com/office/officeart/2008/layout/LinedList"/>
     <dgm:cxn modelId="{AC10E0BA-E44B-4100-AB5C-24FEF81733AF}" type="presParOf" srcId="{0A5A50CD-39C7-4D3C-B0D1-624FCD9BF538}" destId="{F8106273-3EEB-4CE6-BD56-FDBCA776B834}" srcOrd="1" destOrd="0" presId="urn:microsoft.com/office/officeart/2008/layout/LinedList"/>
     <dgm:cxn modelId="{6D6C61D2-DD74-43A9-A306-E3D2F2061208}" type="presParOf" srcId="{0A5A50CD-39C7-4D3C-B0D1-624FCD9BF538}" destId="{C1B117F7-0C01-4648-8DAB-026E32972208}" srcOrd="2" destOrd="0" presId="urn:microsoft.com/office/officeart/2008/layout/LinedList"/>
-    <dgm:cxn modelId="{7D6C6DFB-A65A-48AA-8F18-9744FCA3FC9A}" type="presParOf" srcId="{9BF63AE6-0BD0-4A4F-BF3C-6BFA6695BE17}" destId="{B150277F-A2CA-4F1B-AA39-E3634A3B878C}" srcOrd="5" destOrd="0" presId="urn:microsoft.com/office/officeart/2008/layout/LinedList"/>
-    <dgm:cxn modelId="{50D71B5C-5D72-4056-85EB-61F13F74AEE5}" type="presParOf" srcId="{9BF63AE6-0BD0-4A4F-BF3C-6BFA6695BE17}" destId="{3A135D6D-5CD5-493B-B295-1B37E3A1F782}" srcOrd="6" destOrd="0" presId="urn:microsoft.com/office/officeart/2008/layout/LinedList"/>
+    <dgm:cxn modelId="{7D6C6DFB-A65A-48AA-8F18-9744FCA3FC9A}" type="presParOf" srcId="{9BF63AE6-0BD0-4A4F-BF3C-6BFA6695BE17}" destId="{B150277F-A2CA-4F1B-AA39-E3634A3B878C}" srcOrd="2" destOrd="0" presId="urn:microsoft.com/office/officeart/2008/layout/LinedList"/>
+    <dgm:cxn modelId="{50D71B5C-5D72-4056-85EB-61F13F74AEE5}" type="presParOf" srcId="{9BF63AE6-0BD0-4A4F-BF3C-6BFA6695BE17}" destId="{3A135D6D-5CD5-493B-B295-1B37E3A1F782}" srcOrd="3" destOrd="0" presId="urn:microsoft.com/office/officeart/2008/layout/LinedList"/>
   </dgm:cxnLst>
   <dgm:bg/>
   <dgm:whole/>
@@ -8439,22 +8446,22 @@
     </dgm:pt>
   </dgm:ptLst>
   <dgm:cxnLst>
+    <dgm:cxn modelId="{89668738-4A06-48A0-ADA1-E81F63ABA142}" srcId="{5DBF101F-0F35-4E21-834F-2D0370F875E2}" destId="{3C212A25-0B13-4130-B138-D80FD13744A6}" srcOrd="2" destOrd="0" parTransId="{43412D1B-5E60-443A-8E70-DE9D4E704809}" sibTransId="{7EEE66FA-BF9A-43A0-ADA2-FE1F6E1855D7}"/>
+    <dgm:cxn modelId="{82993F7F-9375-4623-BE0F-E11A2ED881FC}" type="presOf" srcId="{3C212A25-0B13-4130-B138-D80FD13744A6}" destId="{254D17AE-BCFB-4A21-A1FA-06E9765EE69A}" srcOrd="1" destOrd="0" presId="urn:microsoft.com/office/officeart/2005/8/layout/orgChart1"/>
+    <dgm:cxn modelId="{823C09DF-4066-4185-B4D2-80B89A1FF3CD}" srcId="{5DBF101F-0F35-4E21-834F-2D0370F875E2}" destId="{ED15561D-56C1-4B97-A225-B17AD9CFFD83}" srcOrd="1" destOrd="0" parTransId="{7D06307E-E72D-4C92-B922-9BC1410121D5}" sibTransId="{E6125EE4-66B5-47EC-B065-D7DAACD1A343}"/>
+    <dgm:cxn modelId="{FB50C092-1AC6-447A-8ECA-B92D7932BA37}" type="presOf" srcId="{ED15561D-56C1-4B97-A225-B17AD9CFFD83}" destId="{523C265F-BF3E-45A7-97E7-3CB6F72BBFF0}" srcOrd="0" destOrd="0" presId="urn:microsoft.com/office/officeart/2005/8/layout/orgChart1"/>
+    <dgm:cxn modelId="{B01D91DC-554F-453D-9B9C-0287793FEF7A}" type="presOf" srcId="{3C212A25-0B13-4130-B138-D80FD13744A6}" destId="{FB88D22D-616A-4763-8730-376C7E899E79}" srcOrd="0" destOrd="0" presId="urn:microsoft.com/office/officeart/2005/8/layout/orgChart1"/>
     <dgm:cxn modelId="{F70BC46C-C4E5-4BDD-AB2F-E6392A25640C}" srcId="{9F0C14E1-5E31-4BFB-93EF-64A72EB696B4}" destId="{5DBF101F-0F35-4E21-834F-2D0370F875E2}" srcOrd="0" destOrd="0" parTransId="{DFB5525A-85FE-4DD0-9919-DA9F0CCF7FC1}" sibTransId="{AB19A77E-F43A-4193-A579-3E00E108D152}"/>
-    <dgm:cxn modelId="{89668738-4A06-48A0-ADA1-E81F63ABA142}" srcId="{5DBF101F-0F35-4E21-834F-2D0370F875E2}" destId="{3C212A25-0B13-4130-B138-D80FD13744A6}" srcOrd="2" destOrd="0" parTransId="{43412D1B-5E60-443A-8E70-DE9D4E704809}" sibTransId="{7EEE66FA-BF9A-43A0-ADA2-FE1F6E1855D7}"/>
-    <dgm:cxn modelId="{FB50C092-1AC6-447A-8ECA-B92D7932BA37}" type="presOf" srcId="{ED15561D-56C1-4B97-A225-B17AD9CFFD83}" destId="{523C265F-BF3E-45A7-97E7-3CB6F72BBFF0}" srcOrd="0" destOrd="0" presId="urn:microsoft.com/office/officeart/2005/8/layout/orgChart1"/>
-    <dgm:cxn modelId="{823C09DF-4066-4185-B4D2-80B89A1FF3CD}" srcId="{5DBF101F-0F35-4E21-834F-2D0370F875E2}" destId="{ED15561D-56C1-4B97-A225-B17AD9CFFD83}" srcOrd="1" destOrd="0" parTransId="{7D06307E-E72D-4C92-B922-9BC1410121D5}" sibTransId="{E6125EE4-66B5-47EC-B065-D7DAACD1A343}"/>
+    <dgm:cxn modelId="{FD7431D9-52DC-4CFA-A587-3A5E27E8B047}" type="presOf" srcId="{FE303ED2-E91E-412E-9437-9D310539077B}" destId="{2614E269-8295-4197-BB5E-0D078F5030B2}" srcOrd="0" destOrd="0" presId="urn:microsoft.com/office/officeart/2005/8/layout/orgChart1"/>
+    <dgm:cxn modelId="{7C4B19F7-C135-41D5-8E39-013674826154}" type="presOf" srcId="{5DBF101F-0F35-4E21-834F-2D0370F875E2}" destId="{0359D7AD-5B93-4C43-9D98-56774F0D5194}" srcOrd="0" destOrd="0" presId="urn:microsoft.com/office/officeart/2005/8/layout/orgChart1"/>
+    <dgm:cxn modelId="{B98E2DD1-8CE7-407C-8B1A-1A31AFF5E217}" type="presOf" srcId="{FE303ED2-E91E-412E-9437-9D310539077B}" destId="{A906F8A3-A092-4062-9F84-7013F75341DA}" srcOrd="1" destOrd="0" presId="urn:microsoft.com/office/officeart/2005/8/layout/orgChart1"/>
+    <dgm:cxn modelId="{510C79DE-9E9F-4DC0-BC46-80BEFBF40866}" type="presOf" srcId="{67DCA957-B2F3-41EA-A1D6-69F2974D19A1}" destId="{C737B84A-2ADA-4BBE-9EAC-51D285811437}" srcOrd="0" destOrd="0" presId="urn:microsoft.com/office/officeart/2005/8/layout/orgChart1"/>
+    <dgm:cxn modelId="{BBD27F77-7864-43DF-9B2E-BCB603876EED}" type="presOf" srcId="{7D06307E-E72D-4C92-B922-9BC1410121D5}" destId="{28B83FEF-8929-4CA9-AA29-351DB9B1E4DC}" srcOrd="0" destOrd="0" presId="urn:microsoft.com/office/officeart/2005/8/layout/orgChart1"/>
     <dgm:cxn modelId="{FD365F2F-1A42-4B78-9ED5-1E84BD2A971D}" type="presOf" srcId="{9F0C14E1-5E31-4BFB-93EF-64A72EB696B4}" destId="{5D0B09FB-389A-42B8-9F76-AC54AAB7446D}" srcOrd="0" destOrd="0" presId="urn:microsoft.com/office/officeart/2005/8/layout/orgChart1"/>
-    <dgm:cxn modelId="{510C79DE-9E9F-4DC0-BC46-80BEFBF40866}" type="presOf" srcId="{67DCA957-B2F3-41EA-A1D6-69F2974D19A1}" destId="{C737B84A-2ADA-4BBE-9EAC-51D285811437}" srcOrd="0" destOrd="0" presId="urn:microsoft.com/office/officeart/2005/8/layout/orgChart1"/>
+    <dgm:cxn modelId="{79623BA5-3EE9-492F-9F67-A7A2848E39D4}" type="presOf" srcId="{ED15561D-56C1-4B97-A225-B17AD9CFFD83}" destId="{A5CF2B70-2E8B-4780-B74F-7777095946AC}" srcOrd="1" destOrd="0" presId="urn:microsoft.com/office/officeart/2005/8/layout/orgChart1"/>
+    <dgm:cxn modelId="{354ECFAA-0650-4348-9089-A5F0F4D0486F}" srcId="{5DBF101F-0F35-4E21-834F-2D0370F875E2}" destId="{FE303ED2-E91E-412E-9437-9D310539077B}" srcOrd="0" destOrd="0" parTransId="{67DCA957-B2F3-41EA-A1D6-69F2974D19A1}" sibTransId="{CE3C1A84-FDCD-4933-B8BB-69E7736BF902}"/>
     <dgm:cxn modelId="{9535BF3E-6D47-4915-8F7D-26552F5214B9}" type="presOf" srcId="{43412D1B-5E60-443A-8E70-DE9D4E704809}" destId="{F2FABC0A-7D27-41B6-A5B2-1681964D3E93}" srcOrd="0" destOrd="0" presId="urn:microsoft.com/office/officeart/2005/8/layout/orgChart1"/>
-    <dgm:cxn modelId="{BBD27F77-7864-43DF-9B2E-BCB603876EED}" type="presOf" srcId="{7D06307E-E72D-4C92-B922-9BC1410121D5}" destId="{28B83FEF-8929-4CA9-AA29-351DB9B1E4DC}" srcOrd="0" destOrd="0" presId="urn:microsoft.com/office/officeart/2005/8/layout/orgChart1"/>
-    <dgm:cxn modelId="{B98E2DD1-8CE7-407C-8B1A-1A31AFF5E217}" type="presOf" srcId="{FE303ED2-E91E-412E-9437-9D310539077B}" destId="{A906F8A3-A092-4062-9F84-7013F75341DA}" srcOrd="1" destOrd="0" presId="urn:microsoft.com/office/officeart/2005/8/layout/orgChart1"/>
-    <dgm:cxn modelId="{79623BA5-3EE9-492F-9F67-A7A2848E39D4}" type="presOf" srcId="{ED15561D-56C1-4B97-A225-B17AD9CFFD83}" destId="{A5CF2B70-2E8B-4780-B74F-7777095946AC}" srcOrd="1" destOrd="0" presId="urn:microsoft.com/office/officeart/2005/8/layout/orgChart1"/>
     <dgm:cxn modelId="{12598B40-AE2D-4BF4-A65C-B4CC62CF6BAA}" type="presOf" srcId="{5DBF101F-0F35-4E21-834F-2D0370F875E2}" destId="{0F3F96D0-4A8B-4629-A505-534193085623}" srcOrd="1" destOrd="0" presId="urn:microsoft.com/office/officeart/2005/8/layout/orgChart1"/>
-    <dgm:cxn modelId="{FD7431D9-52DC-4CFA-A587-3A5E27E8B047}" type="presOf" srcId="{FE303ED2-E91E-412E-9437-9D310539077B}" destId="{2614E269-8295-4197-BB5E-0D078F5030B2}" srcOrd="0" destOrd="0" presId="urn:microsoft.com/office/officeart/2005/8/layout/orgChart1"/>
-    <dgm:cxn modelId="{82993F7F-9375-4623-BE0F-E11A2ED881FC}" type="presOf" srcId="{3C212A25-0B13-4130-B138-D80FD13744A6}" destId="{254D17AE-BCFB-4A21-A1FA-06E9765EE69A}" srcOrd="1" destOrd="0" presId="urn:microsoft.com/office/officeart/2005/8/layout/orgChart1"/>
-    <dgm:cxn modelId="{7C4B19F7-C135-41D5-8E39-013674826154}" type="presOf" srcId="{5DBF101F-0F35-4E21-834F-2D0370F875E2}" destId="{0359D7AD-5B93-4C43-9D98-56774F0D5194}" srcOrd="0" destOrd="0" presId="urn:microsoft.com/office/officeart/2005/8/layout/orgChart1"/>
-    <dgm:cxn modelId="{354ECFAA-0650-4348-9089-A5F0F4D0486F}" srcId="{5DBF101F-0F35-4E21-834F-2D0370F875E2}" destId="{FE303ED2-E91E-412E-9437-9D310539077B}" srcOrd="0" destOrd="0" parTransId="{67DCA957-B2F3-41EA-A1D6-69F2974D19A1}" sibTransId="{CE3C1A84-FDCD-4933-B8BB-69E7736BF902}"/>
-    <dgm:cxn modelId="{B01D91DC-554F-453D-9B9C-0287793FEF7A}" type="presOf" srcId="{3C212A25-0B13-4130-B138-D80FD13744A6}" destId="{FB88D22D-616A-4763-8730-376C7E899E79}" srcOrd="0" destOrd="0" presId="urn:microsoft.com/office/officeart/2005/8/layout/orgChart1"/>
     <dgm:cxn modelId="{F3D59A19-B586-4E2E-B3DD-350E8083E5C6}" type="presParOf" srcId="{5D0B09FB-389A-42B8-9F76-AC54AAB7446D}" destId="{AF9557CA-7D0B-407C-B122-3806D3B80045}" srcOrd="0" destOrd="0" presId="urn:microsoft.com/office/officeart/2005/8/layout/orgChart1"/>
     <dgm:cxn modelId="{8CD5B951-A4B9-482B-984E-327DC9B435E8}" type="presParOf" srcId="{AF9557CA-7D0B-407C-B122-3806D3B80045}" destId="{C76704DA-2A6C-4F8D-B746-4F85018CD45A}" srcOrd="0" destOrd="0" presId="urn:microsoft.com/office/officeart/2005/8/layout/orgChart1"/>
     <dgm:cxn modelId="{EA691761-E62C-48CB-8E95-889D13D86C94}" type="presParOf" srcId="{C76704DA-2A6C-4F8D-B746-4F85018CD45A}" destId="{0359D7AD-5B93-4C43-9D98-56774F0D5194}" srcOrd="0" destOrd="0" presId="urn:microsoft.com/office/officeart/2005/8/layout/orgChart1"/>
@@ -9830,18 +9837,18 @@
     </dgm:pt>
   </dgm:ptLst>
   <dgm:cxnLst>
+    <dgm:cxn modelId="{3F461B40-14D3-4DE0-B156-B004FD9F8ED9}" type="presOf" srcId="{F53C9289-97E1-4D2D-97C9-1AAC80980444}" destId="{066BF7EA-934B-4060-B6BF-0796EB1E4F44}" srcOrd="0" destOrd="0" presId="urn:microsoft.com/office/officeart/2005/8/layout/orgChart1"/>
+    <dgm:cxn modelId="{9FD2703E-D7D4-488C-B86F-89B4AAEC8866}" type="presOf" srcId="{5026F749-70FD-4720-9858-7B81314E8CF0}" destId="{ACDE8485-05B1-406B-AD3C-368A19FF8F21}" srcOrd="0" destOrd="0" presId="urn:microsoft.com/office/officeart/2005/8/layout/orgChart1"/>
     <dgm:cxn modelId="{1A9B7C33-D180-4BAD-BAB0-48F9CC52E7D7}" srcId="{36FF7C4C-C18C-46F5-8FE8-C426B93A9095}" destId="{47581A9E-5E40-406D-BE0A-38AA3E89F7F8}" srcOrd="0" destOrd="0" parTransId="{B9257DBC-4964-4109-BE29-5A9463C79B30}" sibTransId="{36D4FCD3-96C9-4F49-A64F-A25212C98BE3}"/>
-    <dgm:cxn modelId="{3F461B40-14D3-4DE0-B156-B004FD9F8ED9}" type="presOf" srcId="{F53C9289-97E1-4D2D-97C9-1AAC80980444}" destId="{066BF7EA-934B-4060-B6BF-0796EB1E4F44}" srcOrd="0" destOrd="0" presId="urn:microsoft.com/office/officeart/2005/8/layout/orgChart1"/>
+    <dgm:cxn modelId="{12C6268D-B3F0-4C5C-B9B7-4269BF5D55F1}" type="presOf" srcId="{47581A9E-5E40-406D-BE0A-38AA3E89F7F8}" destId="{7C14404F-4974-49DB-96E9-942AA1195F7A}" srcOrd="1" destOrd="0" presId="urn:microsoft.com/office/officeart/2005/8/layout/orgChart1"/>
+    <dgm:cxn modelId="{5D9FF610-E795-476D-86FC-E015F8FDA489}" srcId="{47581A9E-5E40-406D-BE0A-38AA3E89F7F8}" destId="{EEC3C2B6-CCB3-4CDB-84D9-93741BAF41A2}" srcOrd="1" destOrd="0" parTransId="{EFFAFC6C-F906-450E-8595-D15AC71B243F}" sibTransId="{F512F933-B839-42F7-8E57-EDFA719F737F}"/>
+    <dgm:cxn modelId="{8AB80DB9-7B40-4065-83A0-8DAD0D36E386}" type="presOf" srcId="{EFFAFC6C-F906-450E-8595-D15AC71B243F}" destId="{973CA2BD-28A9-4084-9A56-C43D3E3B0316}" srcOrd="0" destOrd="0" presId="urn:microsoft.com/office/officeart/2005/8/layout/orgChart1"/>
     <dgm:cxn modelId="{9FC334A9-4E29-4794-8BF1-2134E895F76D}" type="presOf" srcId="{EEC3C2B6-CCB3-4CDB-84D9-93741BAF41A2}" destId="{54470973-FF4C-4094-83FC-25652F5582EF}" srcOrd="1" destOrd="0" presId="urn:microsoft.com/office/officeart/2005/8/layout/orgChart1"/>
-    <dgm:cxn modelId="{8AB80DB9-7B40-4065-83A0-8DAD0D36E386}" type="presOf" srcId="{EFFAFC6C-F906-450E-8595-D15AC71B243F}" destId="{973CA2BD-28A9-4084-9A56-C43D3E3B0316}" srcOrd="0" destOrd="0" presId="urn:microsoft.com/office/officeart/2005/8/layout/orgChart1"/>
-    <dgm:cxn modelId="{9FD2703E-D7D4-488C-B86F-89B4AAEC8866}" type="presOf" srcId="{5026F749-70FD-4720-9858-7B81314E8CF0}" destId="{ACDE8485-05B1-406B-AD3C-368A19FF8F21}" srcOrd="0" destOrd="0" presId="urn:microsoft.com/office/officeart/2005/8/layout/orgChart1"/>
+    <dgm:cxn modelId="{5C91C76A-FC00-4920-9159-50F3665C6692}" type="presOf" srcId="{5026F749-70FD-4720-9858-7B81314E8CF0}" destId="{5ABA39A4-A26D-4F82-AF53-3A39C640F9C3}" srcOrd="1" destOrd="0" presId="urn:microsoft.com/office/officeart/2005/8/layout/orgChart1"/>
+    <dgm:cxn modelId="{FF9EFE8B-F6D5-4585-A95F-EFE7E2BAD83F}" type="presOf" srcId="{36FF7C4C-C18C-46F5-8FE8-C426B93A9095}" destId="{F28535A8-9D85-4AB8-B7C4-4EDBC1F9E41B}" srcOrd="0" destOrd="0" presId="urn:microsoft.com/office/officeart/2005/8/layout/orgChart1"/>
+    <dgm:cxn modelId="{E0C3EF0D-090E-4E04-B581-91BAC77C7E75}" type="presOf" srcId="{EEC3C2B6-CCB3-4CDB-84D9-93741BAF41A2}" destId="{07BD9B31-3415-4AE7-BD62-D4E049D8396D}" srcOrd="0" destOrd="0" presId="urn:microsoft.com/office/officeart/2005/8/layout/orgChart1"/>
+    <dgm:cxn modelId="{3BFAD681-DCC6-47B1-AAF1-2EEA17BB839A}" type="presOf" srcId="{47581A9E-5E40-406D-BE0A-38AA3E89F7F8}" destId="{36FDA7F1-3CE0-45DA-99EE-C2DAE976718C}" srcOrd="0" destOrd="0" presId="urn:microsoft.com/office/officeart/2005/8/layout/orgChart1"/>
     <dgm:cxn modelId="{BC82667A-EDA1-43CA-B93C-FF9003F535FB}" srcId="{47581A9E-5E40-406D-BE0A-38AA3E89F7F8}" destId="{5026F749-70FD-4720-9858-7B81314E8CF0}" srcOrd="0" destOrd="0" parTransId="{F53C9289-97E1-4D2D-97C9-1AAC80980444}" sibTransId="{1A494AB9-3AE1-4FA4-9DB7-96C622E19841}"/>
-    <dgm:cxn modelId="{3BFAD681-DCC6-47B1-AAF1-2EEA17BB839A}" type="presOf" srcId="{47581A9E-5E40-406D-BE0A-38AA3E89F7F8}" destId="{36FDA7F1-3CE0-45DA-99EE-C2DAE976718C}" srcOrd="0" destOrd="0" presId="urn:microsoft.com/office/officeart/2005/8/layout/orgChart1"/>
-    <dgm:cxn modelId="{5D9FF610-E795-476D-86FC-E015F8FDA489}" srcId="{47581A9E-5E40-406D-BE0A-38AA3E89F7F8}" destId="{EEC3C2B6-CCB3-4CDB-84D9-93741BAF41A2}" srcOrd="1" destOrd="0" parTransId="{EFFAFC6C-F906-450E-8595-D15AC71B243F}" sibTransId="{F512F933-B839-42F7-8E57-EDFA719F737F}"/>
-    <dgm:cxn modelId="{12C6268D-B3F0-4C5C-B9B7-4269BF5D55F1}" type="presOf" srcId="{47581A9E-5E40-406D-BE0A-38AA3E89F7F8}" destId="{7C14404F-4974-49DB-96E9-942AA1195F7A}" srcOrd="1" destOrd="0" presId="urn:microsoft.com/office/officeart/2005/8/layout/orgChart1"/>
-    <dgm:cxn modelId="{5C91C76A-FC00-4920-9159-50F3665C6692}" type="presOf" srcId="{5026F749-70FD-4720-9858-7B81314E8CF0}" destId="{5ABA39A4-A26D-4F82-AF53-3A39C640F9C3}" srcOrd="1" destOrd="0" presId="urn:microsoft.com/office/officeart/2005/8/layout/orgChart1"/>
-    <dgm:cxn modelId="{E0C3EF0D-090E-4E04-B581-91BAC77C7E75}" type="presOf" srcId="{EEC3C2B6-CCB3-4CDB-84D9-93741BAF41A2}" destId="{07BD9B31-3415-4AE7-BD62-D4E049D8396D}" srcOrd="0" destOrd="0" presId="urn:microsoft.com/office/officeart/2005/8/layout/orgChart1"/>
-    <dgm:cxn modelId="{FF9EFE8B-F6D5-4585-A95F-EFE7E2BAD83F}" type="presOf" srcId="{36FF7C4C-C18C-46F5-8FE8-C426B93A9095}" destId="{F28535A8-9D85-4AB8-B7C4-4EDBC1F9E41B}" srcOrd="0" destOrd="0" presId="urn:microsoft.com/office/officeart/2005/8/layout/orgChart1"/>
     <dgm:cxn modelId="{F6821DBF-9971-46BE-A30B-50B3DE2134F5}" type="presParOf" srcId="{F28535A8-9D85-4AB8-B7C4-4EDBC1F9E41B}" destId="{1CB2309C-DD81-4BD9-A73C-645D5FDB1293}" srcOrd="0" destOrd="0" presId="urn:microsoft.com/office/officeart/2005/8/layout/orgChart1"/>
     <dgm:cxn modelId="{E911AD6C-0919-436D-B78F-19613774E640}" type="presParOf" srcId="{1CB2309C-DD81-4BD9-A73C-645D5FDB1293}" destId="{A2FA31AE-5C86-4A6F-87F7-2ACB8FE62327}" srcOrd="0" destOrd="0" presId="urn:microsoft.com/office/officeart/2005/8/layout/orgChart1"/>
     <dgm:cxn modelId="{3675E7BE-30B3-46E8-8476-632CA79381E9}" type="presParOf" srcId="{A2FA31AE-5C86-4A6F-87F7-2ACB8FE62327}" destId="{36FDA7F1-3CE0-45DA-99EE-C2DAE976718C}" srcOrd="0" destOrd="0" presId="urn:microsoft.com/office/officeart/2005/8/layout/orgChart1"/>
@@ -10083,7 +10090,7 @@
       <dsp:spPr>
         <a:xfrm>
           <a:off x="0" y="0"/>
-          <a:ext cx="2805247" cy="5388864"/>
+          <a:ext cx="2447388" cy="5388864"/>
         </a:xfrm>
         <a:prstGeom prst="rect">
           <a:avLst/>
@@ -10136,18 +10143,18 @@
       </dsp:txBody>
       <dsp:txXfrm>
         <a:off x="0" y="0"/>
-        <a:ext cx="2805247" cy="5388864"/>
+        <a:ext cx="2447388" cy="5388864"/>
       </dsp:txXfrm>
     </dsp:sp>
-    <dsp:sp modelId="{05370963-7260-4DEF-8575-DCB34FF7E0FE}">
+    <dsp:sp modelId="{F8106273-3EEB-4CE6-BD56-FDBCA776B834}">
       <dsp:nvSpPr>
         <dsp:cNvPr id="0" name=""/>
         <dsp:cNvSpPr/>
       </dsp:nvSpPr>
       <dsp:spPr>
         <a:xfrm>
-          <a:off x="2942525" y="269443"/>
-          <a:ext cx="7184258" cy="538078"/>
+          <a:off x="2567155" y="244709"/>
+          <a:ext cx="7557313" cy="4894183"/>
         </a:xfrm>
         <a:prstGeom prst="rect">
           <a:avLst/>
@@ -10171,12 +10178,12 @@
         <a:fontRef idx="minor"/>
       </dsp:style>
       <dsp:txBody>
-        <a:bodyPr spcFirstLastPara="0" vert="horz" wrap="square" lIns="57150" tIns="57150" rIns="57150" bIns="57150" numCol="1" spcCol="1270" anchor="t" anchorCtr="0">
+        <a:bodyPr spcFirstLastPara="0" vert="horz" wrap="square" lIns="76200" tIns="76200" rIns="76200" bIns="76200" numCol="1" spcCol="1270" anchor="t" anchorCtr="0">
           <a:noAutofit/>
         </a:bodyPr>
         <a:lstStyle/>
         <a:p>
-          <a:pPr lvl="0" algn="l" defTabSz="666750">
+          <a:pPr lvl="0" algn="l" defTabSz="889000">
             <a:lnSpc>
               <a:spcPct val="90000"/>
             </a:lnSpc>
@@ -10188,103 +10195,38 @@
             </a:spcAft>
           </a:pPr>
           <a:r>
-            <a:rPr lang="en-US" sz="1500" kern="1200" dirty="0" smtClean="0"/>
-            <a:t>Initialization means that you want to give to your variables value as quickly as possible</a:t>
+            <a:rPr lang="en-US" sz="2000" b="1" kern="1200" dirty="0" err="1" smtClean="0">
+              <a:latin typeface="Buxton Sketch" panose="03080500000500000004" pitchFamily="66" charset="0"/>
+            </a:rPr>
+            <a:t>Kudvenkat</a:t>
           </a:r>
-          <a:endParaRPr lang="en-US" sz="1500" kern="1200" dirty="0"/>
+          <a:r>
+            <a:rPr lang="en-US" sz="2000" b="1" kern="1200" dirty="0" smtClean="0">
+              <a:latin typeface="Buxton Sketch" panose="03080500000500000004" pitchFamily="66" charset="0"/>
+            </a:rPr>
+            <a:t> </a:t>
+          </a:r>
+          <a:r>
+            <a:rPr lang="en-US" sz="2000" b="1" kern="1200" dirty="0" smtClean="0">
+              <a:latin typeface="Buxton Sketch" panose="03080500000500000004" pitchFamily="66" charset="0"/>
+            </a:rPr>
+            <a:t> - C</a:t>
+          </a:r>
+          <a:r>
+            <a:rPr lang="en-US" sz="2000" b="1" kern="1200" dirty="0" smtClean="0">
+              <a:latin typeface="Buxton Sketch" panose="03080500000500000004" pitchFamily="66" charset="0"/>
+            </a:rPr>
+            <a:t># tutorials for </a:t>
+          </a:r>
+          <a:r>
+            <a:rPr lang="en-US" sz="2000" b="1" kern="1200" dirty="0" smtClean="0">
+              <a:latin typeface="Buxton Sketch" panose="03080500000500000004" pitchFamily="66" charset="0"/>
+            </a:rPr>
+            <a:t>beginners.</a:t>
+          </a:r>
         </a:p>
-      </dsp:txBody>
-      <dsp:txXfrm>
-        <a:off x="2942525" y="269443"/>
-        <a:ext cx="7184258" cy="538078"/>
-      </dsp:txXfrm>
-    </dsp:sp>
-    <dsp:sp modelId="{92D2A74D-710A-4438-9789-88714527C313}">
-      <dsp:nvSpPr>
-        <dsp:cNvPr id="0" name=""/>
-        <dsp:cNvSpPr/>
-      </dsp:nvSpPr>
-      <dsp:spPr>
-        <a:xfrm>
-          <a:off x="2805247" y="807521"/>
-          <a:ext cx="7321537" cy="0"/>
-        </a:xfrm>
-        <a:prstGeom prst="line">
-          <a:avLst/>
-        </a:prstGeom>
-        <a:solidFill>
-          <a:schemeClr val="accent1">
-            <a:hueOff val="0"/>
-            <a:satOff val="0"/>
-            <a:lumOff val="0"/>
-            <a:alphaOff val="0"/>
-          </a:schemeClr>
-        </a:solidFill>
-        <a:ln w="19050" cap="rnd" cmpd="sng" algn="ctr">
-          <a:solidFill>
-            <a:schemeClr val="accent1">
-              <a:tint val="50000"/>
-              <a:hueOff val="0"/>
-              <a:satOff val="0"/>
-              <a:lumOff val="0"/>
-              <a:alphaOff val="0"/>
-            </a:schemeClr>
-          </a:solidFill>
-          <a:prstDash val="solid"/>
-        </a:ln>
-        <a:effectLst/>
-      </dsp:spPr>
-      <dsp:style>
-        <a:lnRef idx="2">
-          <a:scrgbClr r="0" g="0" b="0"/>
-        </a:lnRef>
-        <a:fillRef idx="1">
-          <a:scrgbClr r="0" g="0" b="0"/>
-        </a:fillRef>
-        <a:effectRef idx="0">
-          <a:scrgbClr r="0" g="0" b="0"/>
-        </a:effectRef>
-        <a:fontRef idx="minor"/>
-      </dsp:style>
-    </dsp:sp>
-    <dsp:sp modelId="{F8106273-3EEB-4CE6-BD56-FDBCA776B834}">
-      <dsp:nvSpPr>
-        <dsp:cNvPr id="0" name=""/>
-        <dsp:cNvSpPr/>
-      </dsp:nvSpPr>
-      <dsp:spPr>
-        <a:xfrm>
-          <a:off x="2942525" y="1076964"/>
-          <a:ext cx="7184258" cy="649573"/>
-        </a:xfrm>
-        <a:prstGeom prst="rect">
-          <a:avLst/>
-        </a:prstGeom>
-        <a:noFill/>
-        <a:ln>
-          <a:noFill/>
-        </a:ln>
-        <a:effectLst/>
-      </dsp:spPr>
-      <dsp:style>
-        <a:lnRef idx="0">
-          <a:scrgbClr r="0" g="0" b="0"/>
-        </a:lnRef>
-        <a:fillRef idx="0">
-          <a:scrgbClr r="0" g="0" b="0"/>
-        </a:fillRef>
-        <a:effectRef idx="0">
-          <a:scrgbClr r="0" g="0" b="0"/>
-        </a:effectRef>
-        <a:fontRef idx="minor"/>
-      </dsp:style>
-      <dsp:txBody>
-        <a:bodyPr spcFirstLastPara="0" vert="horz" wrap="square" lIns="57150" tIns="57150" rIns="57150" bIns="57150" numCol="1" spcCol="1270" anchor="t" anchorCtr="0">
-          <a:noAutofit/>
-        </a:bodyPr>
-        <a:lstStyle/>
         <a:p>
-          <a:pPr lvl="0" algn="l" defTabSz="666750">
+          <a:pPr lvl="0" algn="l" defTabSz="889000">
             <a:lnSpc>
               <a:spcPct val="90000"/>
             </a:lnSpc>
@@ -10296,26 +10238,34 @@
             </a:spcAft>
           </a:pPr>
           <a:r>
-            <a:rPr lang="en-US" sz="1500" kern="1200" dirty="0" err="1" smtClean="0">
+            <a:rPr lang="en-US" sz="2000" kern="1200" dirty="0" smtClean="0">
               <a:latin typeface="Buxton Sketch" panose="03080500000500000004" pitchFamily="66" charset="0"/>
+              <a:hlinkClick xmlns:r="http://schemas.openxmlformats.org/officeDocument/2006/relationships" r:id="rId1"/>
             </a:rPr>
-            <a:t>Kudvenkat</a:t>
+            <a:t>https://www.youtube.com/watch?v=SXmVym6L8dw&amp;list=PLAC325451207E3105</a:t>
           </a:r>
-          <a:r>
-            <a:rPr lang="en-US" sz="1500" kern="1200" dirty="0" smtClean="0">
-              <a:latin typeface="Buxton Sketch" panose="03080500000500000004" pitchFamily="66" charset="0"/>
-            </a:rPr>
-            <a:t> C# tutorials </a:t>
-          </a:r>
-          <a:r>
-            <a:rPr lang="en-US" sz="1500" kern="1200" smtClean="0">
-              <a:latin typeface="Buxton Sketch" panose="03080500000500000004" pitchFamily="66" charset="0"/>
-            </a:rPr>
-            <a:t>for beginners</a:t>
-          </a:r>
+          <a:endParaRPr lang="en-US" sz="2000" kern="1200" dirty="0" smtClean="0">
+            <a:latin typeface="Buxton Sketch" panose="03080500000500000004" pitchFamily="66" charset="0"/>
+          </a:endParaRPr>
         </a:p>
         <a:p>
-          <a:pPr lvl="0" algn="l" defTabSz="666750">
+          <a:pPr lvl="0" algn="l" defTabSz="889000">
+            <a:lnSpc>
+              <a:spcPct val="90000"/>
+            </a:lnSpc>
+            <a:spcBef>
+              <a:spcPct val="0"/>
+            </a:spcBef>
+            <a:spcAft>
+              <a:spcPct val="35000"/>
+            </a:spcAft>
+          </a:pPr>
+          <a:endParaRPr lang="en-US" sz="2000" kern="1200" dirty="0" smtClean="0">
+            <a:latin typeface="Buxton Sketch" panose="03080500000500000004" pitchFamily="66" charset="0"/>
+          </a:endParaRPr>
+        </a:p>
+        <a:p>
+          <a:pPr lvl="0" algn="l" defTabSz="889000">
             <a:lnSpc>
               <a:spcPct val="90000"/>
             </a:lnSpc>
@@ -10327,19 +10277,73 @@
             </a:spcAft>
           </a:pPr>
           <a:r>
-            <a:rPr lang="en-US" sz="1500" kern="1200" dirty="0" smtClean="0">
+            <a:rPr lang="bg-BG" sz="2000" kern="1200" dirty="0" smtClean="0">
               <a:latin typeface="Buxton Sketch" panose="03080500000500000004" pitchFamily="66" charset="0"/>
             </a:rPr>
-            <a:t>https://www.youtube.com/watch?v=SXmVym6L8dw&amp;list=PLAC325451207E3105</a:t>
+            <a:t>Стоян Черешаров - </a:t>
           </a:r>
-          <a:endParaRPr lang="en-US" sz="1500" kern="1200" dirty="0">
+          <a:r>
+            <a:rPr lang="bg-BG" sz="2000" b="0" i="0" kern="1200" dirty="0" smtClean="0">
+              <a:latin typeface="Buxton Sketch" panose="03080500000500000004" pitchFamily="66" charset="0"/>
+            </a:rPr>
+            <a:t>Работа с </a:t>
+          </a:r>
+          <a:r>
+            <a:rPr lang="en-US" sz="2000" b="0" i="0" kern="1200" dirty="0" err="1" smtClean="0">
+              <a:latin typeface="Buxton Sketch" panose="03080500000500000004" pitchFamily="66" charset="0"/>
+            </a:rPr>
+            <a:t>Git</a:t>
+          </a:r>
+          <a:r>
+            <a:rPr lang="en-US" sz="2000" b="0" i="0" kern="1200" dirty="0" smtClean="0">
+              <a:latin typeface="Buxton Sketch" panose="03080500000500000004" pitchFamily="66" charset="0"/>
+            </a:rPr>
+            <a:t> </a:t>
+          </a:r>
+          <a:r>
+            <a:rPr lang="bg-BG" sz="2000" b="0" i="0" kern="1200" dirty="0" smtClean="0">
+              <a:latin typeface="Buxton Sketch" panose="03080500000500000004" pitchFamily="66" charset="0"/>
+            </a:rPr>
+            <a:t>и </a:t>
+          </a:r>
+          <a:r>
+            <a:rPr lang="en-US" sz="2000" b="0" i="0" kern="1200" dirty="0" smtClean="0">
+              <a:latin typeface="Buxton Sketch" panose="03080500000500000004" pitchFamily="66" charset="0"/>
+            </a:rPr>
+            <a:t>GitHub </a:t>
+          </a:r>
+          <a:r>
+            <a:rPr lang="bg-BG" sz="2000" b="0" i="0" kern="1200" dirty="0" smtClean="0">
+              <a:latin typeface="Buxton Sketch" panose="03080500000500000004" pitchFamily="66" charset="0"/>
+            </a:rPr>
+            <a:t>във </a:t>
+          </a:r>
+          <a:r>
+            <a:rPr lang="en-US" sz="2000" b="0" i="0" kern="1200" dirty="0" err="1" smtClean="0">
+              <a:latin typeface="Buxton Sketch" panose="03080500000500000004" pitchFamily="66" charset="0"/>
+            </a:rPr>
+            <a:t>VisialStudio</a:t>
+          </a:r>
+          <a:r>
+            <a:rPr lang="en-US" sz="2000" b="0" i="0" kern="1200" dirty="0" smtClean="0">
+              <a:latin typeface="Buxton Sketch" panose="03080500000500000004" pitchFamily="66" charset="0"/>
+            </a:rPr>
+            <a:t>. </a:t>
+          </a:r>
+          <a:r>
+            <a:rPr lang="en-US" sz="2000" kern="1200" dirty="0" smtClean="0">
+              <a:latin typeface="Buxton Sketch" panose="03080500000500000004" pitchFamily="66" charset="0"/>
+            </a:rPr>
+            <a:t>https://www.youtube.com/user/coolcsn/videos</a:t>
+          </a:r>
+          <a:endParaRPr lang="en-US" sz="2000" b="1" kern="1200" dirty="0" smtClean="0">
             <a:latin typeface="Buxton Sketch" panose="03080500000500000004" pitchFamily="66" charset="0"/>
           </a:endParaRPr>
         </a:p>
       </dsp:txBody>
       <dsp:txXfrm>
-        <a:off x="2942525" y="1076964"/>
-        <a:ext cx="7184258" cy="649573"/>
+        <a:off x="2567155" y="244709"/>
+        <a:ext cx="7557313" cy="4894183"/>
       </dsp:txXfrm>
     </dsp:sp>
     <dsp:sp modelId="{B150277F-A2CA-4F1B-AA39-E3634A3B878C}">
@@ -10349,8 +10353,8 @@
       </dsp:nvSpPr>
       <dsp:spPr>
         <a:xfrm>
-          <a:off x="2809887" y="96260"/>
-          <a:ext cx="7321537" cy="0"/>
+          <a:off x="2473577" y="3641745"/>
+          <a:ext cx="6387546" cy="0"/>
         </a:xfrm>
         <a:prstGeom prst="line">
           <a:avLst/>
@@ -15196,377 +15200,6 @@
       <dsp:cNvGrpSpPr/>
     </dsp:nvGrpSpPr>
     <dsp:grpSpPr/>
-    <dsp:sp modelId="{973CA2BD-28A9-4084-9A56-C43D3E3B0316}">
-      <dsp:nvSpPr>
-        <dsp:cNvPr id="0" name=""/>
-        <dsp:cNvSpPr/>
-      </dsp:nvSpPr>
-      <dsp:spPr>
-        <a:xfrm>
-          <a:off x="5417739" y="1087141"/>
-          <a:ext cx="2558008" cy="1308199"/>
-        </a:xfrm>
-        <a:custGeom>
-          <a:avLst/>
-          <a:gdLst/>
-          <a:ahLst/>
-          <a:cxnLst/>
-          <a:rect l="0" t="0" r="0" b="0"/>
-          <a:pathLst>
-            <a:path>
-              <a:moveTo>
-                <a:pt x="0" y="0"/>
-              </a:moveTo>
-              <a:lnTo>
-                <a:pt x="0" y="841247"/>
-              </a:lnTo>
-              <a:lnTo>
-                <a:pt x="2558008" y="841247"/>
-              </a:lnTo>
-              <a:lnTo>
-                <a:pt x="2558008" y="1308199"/>
-              </a:lnTo>
-            </a:path>
-          </a:pathLst>
-        </a:custGeom>
-        <a:noFill/>
-        <a:ln w="19050" cap="rnd" cmpd="sng" algn="ctr">
-          <a:solidFill>
-            <a:schemeClr val="accent1">
-              <a:shade val="60000"/>
-              <a:hueOff val="0"/>
-              <a:satOff val="0"/>
-              <a:lumOff val="0"/>
-              <a:alphaOff val="0"/>
-            </a:schemeClr>
-          </a:solidFill>
-          <a:prstDash val="solid"/>
-        </a:ln>
-        <a:effectLst/>
-      </dsp:spPr>
-      <dsp:style>
-        <a:lnRef idx="2">
-          <a:scrgbClr r="0" g="0" b="0"/>
-        </a:lnRef>
-        <a:fillRef idx="0">
-          <a:scrgbClr r="0" g="0" b="0"/>
-        </a:fillRef>
-        <a:effectRef idx="0">
-          <a:scrgbClr r="0" g="0" b="0"/>
-        </a:effectRef>
-        <a:fontRef idx="minor"/>
-      </dsp:style>
-    </dsp:sp>
-    <dsp:sp modelId="{066BF7EA-934B-4060-B6BF-0796EB1E4F44}">
-      <dsp:nvSpPr>
-        <dsp:cNvPr id="0" name=""/>
-        <dsp:cNvSpPr/>
-      </dsp:nvSpPr>
-      <dsp:spPr>
-        <a:xfrm>
-          <a:off x="2622119" y="1087141"/>
-          <a:ext cx="2795620" cy="1582522"/>
-        </a:xfrm>
-        <a:custGeom>
-          <a:avLst/>
-          <a:gdLst/>
-          <a:ahLst/>
-          <a:cxnLst/>
-          <a:rect l="0" t="0" r="0" b="0"/>
-          <a:pathLst>
-            <a:path>
-              <a:moveTo>
-                <a:pt x="2795620" y="0"/>
-              </a:moveTo>
-              <a:lnTo>
-                <a:pt x="2795620" y="1115570"/>
-              </a:lnTo>
-              <a:lnTo>
-                <a:pt x="0" y="1115570"/>
-              </a:lnTo>
-              <a:lnTo>
-                <a:pt x="0" y="1582522"/>
-              </a:lnTo>
-            </a:path>
-          </a:pathLst>
-        </a:custGeom>
-        <a:noFill/>
-        <a:ln w="19050" cap="rnd" cmpd="sng" algn="ctr">
-          <a:solidFill>
-            <a:schemeClr val="accent1">
-              <a:shade val="60000"/>
-              <a:hueOff val="0"/>
-              <a:satOff val="0"/>
-              <a:lumOff val="0"/>
-              <a:alphaOff val="0"/>
-            </a:schemeClr>
-          </a:solidFill>
-          <a:prstDash val="solid"/>
-        </a:ln>
-        <a:effectLst/>
-      </dsp:spPr>
-      <dsp:style>
-        <a:lnRef idx="2">
-          <a:scrgbClr r="0" g="0" b="0"/>
-        </a:lnRef>
-        <a:fillRef idx="0">
-          <a:scrgbClr r="0" g="0" b="0"/>
-        </a:fillRef>
-        <a:effectRef idx="0">
-          <a:scrgbClr r="0" g="0" b="0"/>
-        </a:effectRef>
-        <a:fontRef idx="minor"/>
-      </dsp:style>
-    </dsp:sp>
-    <dsp:sp modelId="{36FDA7F1-3CE0-45DA-99EE-C2DAE976718C}">
-      <dsp:nvSpPr>
-        <dsp:cNvPr id="0" name=""/>
-        <dsp:cNvSpPr/>
-      </dsp:nvSpPr>
-      <dsp:spPr>
-        <a:xfrm>
-          <a:off x="8988" y="256633"/>
-          <a:ext cx="10817501" cy="830507"/>
-        </a:xfrm>
-        <a:prstGeom prst="rect">
-          <a:avLst/>
-        </a:prstGeom>
-        <a:solidFill>
-          <a:schemeClr val="accent1">
-            <a:hueOff val="0"/>
-            <a:satOff val="0"/>
-            <a:lumOff val="0"/>
-            <a:alphaOff val="0"/>
-          </a:schemeClr>
-        </a:solidFill>
-        <a:ln w="19050" cap="rnd" cmpd="sng" algn="ctr">
-          <a:solidFill>
-            <a:schemeClr val="lt1">
-              <a:hueOff val="0"/>
-              <a:satOff val="0"/>
-              <a:lumOff val="0"/>
-              <a:alphaOff val="0"/>
-            </a:schemeClr>
-          </a:solidFill>
-          <a:prstDash val="solid"/>
-        </a:ln>
-        <a:effectLst/>
-      </dsp:spPr>
-      <dsp:style>
-        <a:lnRef idx="2">
-          <a:scrgbClr r="0" g="0" b="0"/>
-        </a:lnRef>
-        <a:fillRef idx="1">
-          <a:scrgbClr r="0" g="0" b="0"/>
-        </a:fillRef>
-        <a:effectRef idx="0">
-          <a:scrgbClr r="0" g="0" b="0"/>
-        </a:effectRef>
-        <a:fontRef idx="minor">
-          <a:schemeClr val="lt1"/>
-        </a:fontRef>
-      </dsp:style>
-      <dsp:txBody>
-        <a:bodyPr spcFirstLastPara="0" vert="horz" wrap="square" lIns="34290" tIns="34290" rIns="34290" bIns="34290" numCol="1" spcCol="1270" anchor="ctr" anchorCtr="0">
-          <a:noAutofit/>
-        </a:bodyPr>
-        <a:lstStyle/>
-        <a:p>
-          <a:pPr lvl="0" algn="ctr" defTabSz="2400300">
-            <a:lnSpc>
-              <a:spcPct val="90000"/>
-            </a:lnSpc>
-            <a:spcBef>
-              <a:spcPct val="0"/>
-            </a:spcBef>
-            <a:spcAft>
-              <a:spcPct val="35000"/>
-            </a:spcAft>
-          </a:pPr>
-          <a:r>
-            <a:rPr lang="en-US" sz="5400" kern="1200" dirty="0" smtClean="0">
-              <a:solidFill>
-                <a:srgbClr val="FFFF00"/>
-              </a:solidFill>
-              <a:latin typeface="Informal Roman" panose="030604020304060B0204" pitchFamily="66" charset="0"/>
-            </a:rPr>
-            <a:t>Arrays &amp; Abstract Data Types (ADT)</a:t>
-          </a:r>
-          <a:endParaRPr lang="en-US" sz="5400" kern="1200" dirty="0">
-            <a:solidFill>
-              <a:srgbClr val="FFFF00"/>
-            </a:solidFill>
-            <a:latin typeface="Informal Roman" panose="030604020304060B0204" pitchFamily="66" charset="0"/>
-          </a:endParaRPr>
-        </a:p>
-      </dsp:txBody>
-      <dsp:txXfrm>
-        <a:off x="8988" y="256633"/>
-        <a:ext cx="10817501" cy="830507"/>
-      </dsp:txXfrm>
-    </dsp:sp>
-    <dsp:sp modelId="{ACDE8485-05B1-406B-AD3C-368A19FF8F21}">
-      <dsp:nvSpPr>
-        <dsp:cNvPr id="0" name=""/>
-        <dsp:cNvSpPr/>
-      </dsp:nvSpPr>
-      <dsp:spPr>
-        <a:xfrm>
-          <a:off x="398538" y="2669664"/>
-          <a:ext cx="4447162" cy="393573"/>
-        </a:xfrm>
-        <a:prstGeom prst="rect">
-          <a:avLst/>
-        </a:prstGeom>
-        <a:solidFill>
-          <a:schemeClr val="accent1">
-            <a:hueOff val="0"/>
-            <a:satOff val="0"/>
-            <a:lumOff val="0"/>
-            <a:alphaOff val="0"/>
-          </a:schemeClr>
-        </a:solidFill>
-        <a:ln w="19050" cap="rnd" cmpd="sng" algn="ctr">
-          <a:solidFill>
-            <a:schemeClr val="lt1">
-              <a:hueOff val="0"/>
-              <a:satOff val="0"/>
-              <a:lumOff val="0"/>
-              <a:alphaOff val="0"/>
-            </a:schemeClr>
-          </a:solidFill>
-          <a:prstDash val="solid"/>
-        </a:ln>
-        <a:effectLst/>
-      </dsp:spPr>
-      <dsp:style>
-        <a:lnRef idx="2">
-          <a:scrgbClr r="0" g="0" b="0"/>
-        </a:lnRef>
-        <a:fillRef idx="1">
-          <a:scrgbClr r="0" g="0" b="0"/>
-        </a:fillRef>
-        <a:effectRef idx="0">
-          <a:scrgbClr r="0" g="0" b="0"/>
-        </a:effectRef>
-        <a:fontRef idx="minor">
-          <a:schemeClr val="lt1"/>
-        </a:fontRef>
-      </dsp:style>
-      <dsp:txBody>
-        <a:bodyPr spcFirstLastPara="0" vert="horz" wrap="square" lIns="20320" tIns="20320" rIns="20320" bIns="20320" numCol="1" spcCol="1270" anchor="ctr" anchorCtr="0">
-          <a:noAutofit/>
-        </a:bodyPr>
-        <a:lstStyle/>
-        <a:p>
-          <a:pPr lvl="0" algn="ctr" defTabSz="1422400">
-            <a:lnSpc>
-              <a:spcPct val="90000"/>
-            </a:lnSpc>
-            <a:spcBef>
-              <a:spcPct val="0"/>
-            </a:spcBef>
-            <a:spcAft>
-              <a:spcPct val="35000"/>
-            </a:spcAft>
-          </a:pPr>
-          <a:r>
-            <a:rPr lang="en-US" sz="3200" kern="1200" dirty="0" smtClean="0">
-              <a:latin typeface="Informal Roman" panose="030604020304060B0204" pitchFamily="66" charset="0"/>
-            </a:rPr>
-            <a:t>Creation of an Array</a:t>
-          </a:r>
-          <a:endParaRPr lang="en-US" sz="3200" kern="1200" dirty="0">
-            <a:latin typeface="Informal Roman" panose="030604020304060B0204" pitchFamily="66" charset="0"/>
-          </a:endParaRPr>
-        </a:p>
-      </dsp:txBody>
-      <dsp:txXfrm>
-        <a:off x="398538" y="2669664"/>
-        <a:ext cx="4447162" cy="393573"/>
-      </dsp:txXfrm>
-    </dsp:sp>
-    <dsp:sp modelId="{07BD9B31-3415-4AE7-BD62-D4E049D8396D}">
-      <dsp:nvSpPr>
-        <dsp:cNvPr id="0" name=""/>
-        <dsp:cNvSpPr/>
-      </dsp:nvSpPr>
-      <dsp:spPr>
-        <a:xfrm>
-          <a:off x="5752166" y="2395341"/>
-          <a:ext cx="4447162" cy="503307"/>
-        </a:xfrm>
-        <a:prstGeom prst="rect">
-          <a:avLst/>
-        </a:prstGeom>
-        <a:solidFill>
-          <a:schemeClr val="accent1">
-            <a:hueOff val="0"/>
-            <a:satOff val="0"/>
-            <a:lumOff val="0"/>
-            <a:alphaOff val="0"/>
-          </a:schemeClr>
-        </a:solidFill>
-        <a:ln w="19050" cap="rnd" cmpd="sng" algn="ctr">
-          <a:solidFill>
-            <a:schemeClr val="lt1">
-              <a:hueOff val="0"/>
-              <a:satOff val="0"/>
-              <a:lumOff val="0"/>
-              <a:alphaOff val="0"/>
-            </a:schemeClr>
-          </a:solidFill>
-          <a:prstDash val="solid"/>
-        </a:ln>
-        <a:effectLst/>
-      </dsp:spPr>
-      <dsp:style>
-        <a:lnRef idx="2">
-          <a:scrgbClr r="0" g="0" b="0"/>
-        </a:lnRef>
-        <a:fillRef idx="1">
-          <a:scrgbClr r="0" g="0" b="0"/>
-        </a:fillRef>
-        <a:effectRef idx="0">
-          <a:scrgbClr r="0" g="0" b="0"/>
-        </a:effectRef>
-        <a:fontRef idx="minor">
-          <a:schemeClr val="lt1"/>
-        </a:fontRef>
-      </dsp:style>
-      <dsp:txBody>
-        <a:bodyPr spcFirstLastPara="0" vert="horz" wrap="square" lIns="22860" tIns="22860" rIns="22860" bIns="22860" numCol="1" spcCol="1270" anchor="ctr" anchorCtr="0">
-          <a:noAutofit/>
-        </a:bodyPr>
-        <a:lstStyle/>
-        <a:p>
-          <a:pPr lvl="0" algn="ctr" defTabSz="1600200">
-            <a:lnSpc>
-              <a:spcPct val="90000"/>
-            </a:lnSpc>
-            <a:spcBef>
-              <a:spcPct val="0"/>
-            </a:spcBef>
-            <a:spcAft>
-              <a:spcPct val="35000"/>
-            </a:spcAft>
-          </a:pPr>
-          <a:r>
-            <a:rPr lang="en-US" sz="3600" kern="1200" dirty="0" smtClean="0">
-              <a:latin typeface="Informal Roman" panose="030604020304060B0204" pitchFamily="66" charset="0"/>
-            </a:rPr>
-            <a:t>ADT List</a:t>
-          </a:r>
-          <a:endParaRPr lang="en-US" sz="3600" kern="1200" dirty="0">
-            <a:latin typeface="Informal Roman" panose="030604020304060B0204" pitchFamily="66" charset="0"/>
-          </a:endParaRPr>
-        </a:p>
-      </dsp:txBody>
-      <dsp:txXfrm>
-        <a:off x="5752166" y="2395341"/>
-        <a:ext cx="4447162" cy="503307"/>
-      </dsp:txXfrm>
-    </dsp:sp>
   </dsp:spTree>
 </dsp:drawing>
 </file>
@@ -15579,87 +15212,6 @@
       <dsp:cNvGrpSpPr/>
     </dsp:nvGrpSpPr>
     <dsp:grpSpPr/>
-    <dsp:sp modelId="{451D6CD2-E606-4933-A45B-9415248AF59D}">
-      <dsp:nvSpPr>
-        <dsp:cNvPr id="0" name=""/>
-        <dsp:cNvSpPr/>
-      </dsp:nvSpPr>
-      <dsp:spPr>
-        <a:xfrm>
-          <a:off x="0" y="356592"/>
-          <a:ext cx="11881527" cy="646791"/>
-        </a:xfrm>
-        <a:prstGeom prst="rect">
-          <a:avLst/>
-        </a:prstGeom>
-        <a:solidFill>
-          <a:schemeClr val="accent1">
-            <a:hueOff val="0"/>
-            <a:satOff val="0"/>
-            <a:lumOff val="0"/>
-            <a:alphaOff val="0"/>
-          </a:schemeClr>
-        </a:solidFill>
-        <a:ln w="19050" cap="rnd" cmpd="sng" algn="ctr">
-          <a:solidFill>
-            <a:schemeClr val="lt1">
-              <a:hueOff val="0"/>
-              <a:satOff val="0"/>
-              <a:lumOff val="0"/>
-              <a:alphaOff val="0"/>
-            </a:schemeClr>
-          </a:solidFill>
-          <a:prstDash val="solid"/>
-        </a:ln>
-        <a:effectLst/>
-      </dsp:spPr>
-      <dsp:style>
-        <a:lnRef idx="2">
-          <a:scrgbClr r="0" g="0" b="0"/>
-        </a:lnRef>
-        <a:fillRef idx="1">
-          <a:scrgbClr r="0" g="0" b="0"/>
-        </a:fillRef>
-        <a:effectRef idx="0">
-          <a:scrgbClr r="0" g="0" b="0"/>
-        </a:effectRef>
-        <a:fontRef idx="minor">
-          <a:schemeClr val="lt1"/>
-        </a:fontRef>
-      </dsp:style>
-      <dsp:txBody>
-        <a:bodyPr spcFirstLastPara="0" vert="horz" wrap="square" lIns="38100" tIns="38100" rIns="38100" bIns="38100" numCol="1" spcCol="1270" anchor="ctr" anchorCtr="0">
-          <a:noAutofit/>
-        </a:bodyPr>
-        <a:lstStyle/>
-        <a:p>
-          <a:pPr lvl="0" algn="ctr" defTabSz="2667000">
-            <a:lnSpc>
-              <a:spcPct val="90000"/>
-            </a:lnSpc>
-            <a:spcBef>
-              <a:spcPct val="0"/>
-            </a:spcBef>
-            <a:spcAft>
-              <a:spcPct val="35000"/>
-            </a:spcAft>
-          </a:pPr>
-          <a:r>
-            <a:rPr lang="en-US" sz="6000" kern="1200" dirty="0" smtClean="0">
-              <a:solidFill>
-                <a:srgbClr val="FFFF00"/>
-              </a:solidFill>
-              <a:latin typeface="Informal Roman" panose="030604020304060B0204" pitchFamily="66" charset="0"/>
-            </a:rPr>
-            <a:t>Methods</a:t>
-          </a:r>
-        </a:p>
-      </dsp:txBody>
-      <dsp:txXfrm>
-        <a:off x="0" y="356592"/>
-        <a:ext cx="11881527" cy="646791"/>
-      </dsp:txXfrm>
-    </dsp:sp>
   </dsp:spTree>
 </dsp:drawing>
 </file>
@@ -30326,7 +29878,7 @@
           <a:p>
             <a:fld id="{86BC5D83-A6BD-448A-8B7D-D487C0AC34D1}" type="datetimeFigureOut">
               <a:rPr lang="en-US" smtClean="0"/>
-              <a:t>10/11/2016</a:t>
+              <a:t>10/13/2016</a:t>
             </a:fld>
             <a:endParaRPr lang="en-US"/>
           </a:p>
@@ -31768,7 +31320,7 @@
             <a:fld id="{B61BEF0D-F0BB-DE4B-95CE-6DB70DBA9567}" type="datetimeFigureOut">
               <a:rPr lang="en-US" dirty="0"/>
               <a:pPr/>
-              <a:t>10/11/2016</a:t>
+              <a:t>10/13/2016</a:t>
             </a:fld>
             <a:endParaRPr lang="en-US" dirty="0"/>
           </a:p>
@@ -32099,7 +31651,7 @@
             <a:fld id="{B61BEF0D-F0BB-DE4B-95CE-6DB70DBA9567}" type="datetimeFigureOut">
               <a:rPr lang="en-US" dirty="0"/>
               <a:pPr/>
-              <a:t>10/11/2016</a:t>
+              <a:t>10/13/2016</a:t>
             </a:fld>
             <a:endParaRPr lang="en-US" dirty="0"/>
           </a:p>
@@ -32374,7 +31926,7 @@
             <a:fld id="{B61BEF0D-F0BB-DE4B-95CE-6DB70DBA9567}" type="datetimeFigureOut">
               <a:rPr lang="en-US" dirty="0"/>
               <a:pPr/>
-              <a:t>10/11/2016</a:t>
+              <a:t>10/13/2016</a:t>
             </a:fld>
             <a:endParaRPr lang="en-US" dirty="0"/>
           </a:p>
@@ -32939,7 +32491,7 @@
             <a:fld id="{B61BEF0D-F0BB-DE4B-95CE-6DB70DBA9567}" type="datetimeFigureOut">
               <a:rPr lang="en-US" dirty="0"/>
               <a:pPr/>
-              <a:t>10/11/2016</a:t>
+              <a:t>10/13/2016</a:t>
             </a:fld>
             <a:endParaRPr lang="en-US" dirty="0"/>
           </a:p>
@@ -33214,7 +32766,7 @@
             <a:fld id="{B61BEF0D-F0BB-DE4B-95CE-6DB70DBA9567}" type="datetimeFigureOut">
               <a:rPr lang="en-US" dirty="0"/>
               <a:pPr/>
-              <a:t>10/11/2016</a:t>
+              <a:t>10/13/2016</a:t>
             </a:fld>
             <a:endParaRPr lang="en-US" dirty="0"/>
           </a:p>
@@ -33773,7 +33325,7 @@
             <a:fld id="{B61BEF0D-F0BB-DE4B-95CE-6DB70DBA9567}" type="datetimeFigureOut">
               <a:rPr lang="en-US" dirty="0"/>
               <a:pPr/>
-              <a:t>10/11/2016</a:t>
+              <a:t>10/13/2016</a:t>
             </a:fld>
             <a:endParaRPr lang="en-US" dirty="0"/>
           </a:p>
@@ -34097,7 +33649,7 @@
             <a:fld id="{B61BEF0D-F0BB-DE4B-95CE-6DB70DBA9567}" type="datetimeFigureOut">
               <a:rPr lang="en-US" dirty="0"/>
               <a:pPr/>
-              <a:t>10/11/2016</a:t>
+              <a:t>10/13/2016</a:t>
             </a:fld>
             <a:endParaRPr lang="en-US" dirty="0"/>
           </a:p>
@@ -34271,7 +33823,7 @@
             <a:fld id="{B61BEF0D-F0BB-DE4B-95CE-6DB70DBA9567}" type="datetimeFigureOut">
               <a:rPr lang="en-US" dirty="0"/>
               <a:pPr/>
-              <a:t>10/11/2016</a:t>
+              <a:t>10/13/2016</a:t>
             </a:fld>
             <a:endParaRPr lang="en-US" dirty="0"/>
           </a:p>
@@ -34506,7 +34058,7 @@
             <a:fld id="{B61BEF0D-F0BB-DE4B-95CE-6DB70DBA9567}" type="datetimeFigureOut">
               <a:rPr lang="en-US" dirty="0"/>
               <a:pPr/>
-              <a:t>10/11/2016</a:t>
+              <a:t>10/13/2016</a:t>
             </a:fld>
             <a:endParaRPr lang="en-US" dirty="0"/>
           </a:p>
@@ -34703,7 +34255,7 @@
             <a:fld id="{B61BEF0D-F0BB-DE4B-95CE-6DB70DBA9567}" type="datetimeFigureOut">
               <a:rPr lang="en-US" dirty="0"/>
               <a:pPr/>
-              <a:t>10/11/2016</a:t>
+              <a:t>10/13/2016</a:t>
             </a:fld>
             <a:endParaRPr lang="en-US" dirty="0"/>
           </a:p>
@@ -34976,7 +34528,7 @@
             <a:fld id="{B61BEF0D-F0BB-DE4B-95CE-6DB70DBA9567}" type="datetimeFigureOut">
               <a:rPr lang="en-US" dirty="0"/>
               <a:pPr/>
-              <a:t>10/11/2016</a:t>
+              <a:t>10/13/2016</a:t>
             </a:fld>
             <a:endParaRPr lang="en-US" dirty="0"/>
           </a:p>
@@ -35239,7 +34791,7 @@
             <a:fld id="{B61BEF0D-F0BB-DE4B-95CE-6DB70DBA9567}" type="datetimeFigureOut">
               <a:rPr lang="en-US" dirty="0"/>
               <a:pPr/>
-              <a:t>10/11/2016</a:t>
+              <a:t>10/13/2016</a:t>
             </a:fld>
             <a:endParaRPr lang="en-US" dirty="0"/>
           </a:p>
@@ -35610,7 +35162,7 @@
             <a:fld id="{B61BEF0D-F0BB-DE4B-95CE-6DB70DBA9567}" type="datetimeFigureOut">
               <a:rPr lang="en-US" dirty="0"/>
               <a:pPr/>
-              <a:t>10/11/2016</a:t>
+              <a:t>10/13/2016</a:t>
             </a:fld>
             <a:endParaRPr lang="en-US" dirty="0"/>
           </a:p>
@@ -35755,7 +35307,7 @@
             <a:fld id="{B61BEF0D-F0BB-DE4B-95CE-6DB70DBA9567}" type="datetimeFigureOut">
               <a:rPr lang="en-US" dirty="0"/>
               <a:pPr/>
-              <a:t>10/11/2016</a:t>
+              <a:t>10/13/2016</a:t>
             </a:fld>
             <a:endParaRPr lang="en-US" dirty="0"/>
           </a:p>
@@ -35877,7 +35429,7 @@
             <a:fld id="{B61BEF0D-F0BB-DE4B-95CE-6DB70DBA9567}" type="datetimeFigureOut">
               <a:rPr lang="en-US" dirty="0"/>
               <a:pPr/>
-              <a:t>10/11/2016</a:t>
+              <a:t>10/13/2016</a:t>
             </a:fld>
             <a:endParaRPr lang="en-US" dirty="0"/>
           </a:p>
@@ -36159,7 +35711,7 @@
             <a:fld id="{B61BEF0D-F0BB-DE4B-95CE-6DB70DBA9567}" type="datetimeFigureOut">
               <a:rPr lang="en-US" dirty="0"/>
               <a:pPr/>
-              <a:t>10/11/2016</a:t>
+              <a:t>10/13/2016</a:t>
             </a:fld>
             <a:endParaRPr lang="en-US" dirty="0"/>
           </a:p>
@@ -36480,7 +36032,7 @@
             <a:fld id="{B61BEF0D-F0BB-DE4B-95CE-6DB70DBA9567}" type="datetimeFigureOut">
               <a:rPr lang="en-US" dirty="0"/>
               <a:pPr/>
-              <a:t>10/11/2016</a:t>
+              <a:t>10/13/2016</a:t>
             </a:fld>
             <a:endParaRPr lang="en-US" dirty="0"/>
           </a:p>
@@ -36691,7 +36243,7 @@
             <a:fld id="{B61BEF0D-F0BB-DE4B-95CE-6DB70DBA9567}" type="datetimeFigureOut">
               <a:rPr lang="en-US" dirty="0"/>
               <a:pPr/>
-              <a:t>10/11/2016</a:t>
+              <a:t>10/13/2016</a:t>
             </a:fld>
             <a:endParaRPr lang="en-US" dirty="0"/>
           </a:p>
@@ -37327,7 +36879,7 @@
             <p:ph idx="1"/>
             <p:extLst>
               <p:ext uri="{D42A27DB-BD31-4B8C-83A1-F6EECF244321}">
-                <p14:modId xmlns:p14="http://schemas.microsoft.com/office/powerpoint/2010/main" val="3453154008"/>
+                <p14:modId xmlns:p14="http://schemas.microsoft.com/office/powerpoint/2010/main" val="2155433821"/>
               </p:ext>
             </p:extLst>
           </p:nvPr>

--- a/Course Overview.pptx
+++ b/Course Overview.pptx
@@ -5424,25 +5424,7 @@
             <a:rPr lang="en-US" sz="2000" b="1" dirty="0" smtClean="0">
               <a:latin typeface="Buxton Sketch" panose="03080500000500000004" pitchFamily="66" charset="0"/>
             </a:rPr>
-            <a:t> </a:t>
-          </a:r>
-          <a:r>
-            <a:rPr lang="en-US" sz="2000" b="1" dirty="0" smtClean="0">
-              <a:latin typeface="Buxton Sketch" panose="03080500000500000004" pitchFamily="66" charset="0"/>
-            </a:rPr>
-            <a:t> - C</a:t>
-          </a:r>
-          <a:r>
-            <a:rPr lang="en-US" sz="2000" b="1" dirty="0" smtClean="0">
-              <a:latin typeface="Buxton Sketch" panose="03080500000500000004" pitchFamily="66" charset="0"/>
-            </a:rPr>
-            <a:t># tutorials for </a:t>
-          </a:r>
-          <a:r>
-            <a:rPr lang="en-US" sz="2000" b="1" dirty="0" smtClean="0">
-              <a:latin typeface="Buxton Sketch" panose="03080500000500000004" pitchFamily="66" charset="0"/>
-            </a:rPr>
-            <a:t>beginners.</a:t>
+            <a:t>  - C# tutorials for beginners.</a:t>
           </a:r>
         </a:p>
         <a:p>
@@ -8446,22 +8428,22 @@
     </dgm:pt>
   </dgm:ptLst>
   <dgm:cxnLst>
+    <dgm:cxn modelId="{F70BC46C-C4E5-4BDD-AB2F-E6392A25640C}" srcId="{9F0C14E1-5E31-4BFB-93EF-64A72EB696B4}" destId="{5DBF101F-0F35-4E21-834F-2D0370F875E2}" srcOrd="0" destOrd="0" parTransId="{DFB5525A-85FE-4DD0-9919-DA9F0CCF7FC1}" sibTransId="{AB19A77E-F43A-4193-A579-3E00E108D152}"/>
     <dgm:cxn modelId="{89668738-4A06-48A0-ADA1-E81F63ABA142}" srcId="{5DBF101F-0F35-4E21-834F-2D0370F875E2}" destId="{3C212A25-0B13-4130-B138-D80FD13744A6}" srcOrd="2" destOrd="0" parTransId="{43412D1B-5E60-443A-8E70-DE9D4E704809}" sibTransId="{7EEE66FA-BF9A-43A0-ADA2-FE1F6E1855D7}"/>
+    <dgm:cxn modelId="{FB50C092-1AC6-447A-8ECA-B92D7932BA37}" type="presOf" srcId="{ED15561D-56C1-4B97-A225-B17AD9CFFD83}" destId="{523C265F-BF3E-45A7-97E7-3CB6F72BBFF0}" srcOrd="0" destOrd="0" presId="urn:microsoft.com/office/officeart/2005/8/layout/orgChart1"/>
+    <dgm:cxn modelId="{823C09DF-4066-4185-B4D2-80B89A1FF3CD}" srcId="{5DBF101F-0F35-4E21-834F-2D0370F875E2}" destId="{ED15561D-56C1-4B97-A225-B17AD9CFFD83}" srcOrd="1" destOrd="0" parTransId="{7D06307E-E72D-4C92-B922-9BC1410121D5}" sibTransId="{E6125EE4-66B5-47EC-B065-D7DAACD1A343}"/>
+    <dgm:cxn modelId="{FD365F2F-1A42-4B78-9ED5-1E84BD2A971D}" type="presOf" srcId="{9F0C14E1-5E31-4BFB-93EF-64A72EB696B4}" destId="{5D0B09FB-389A-42B8-9F76-AC54AAB7446D}" srcOrd="0" destOrd="0" presId="urn:microsoft.com/office/officeart/2005/8/layout/orgChart1"/>
+    <dgm:cxn modelId="{510C79DE-9E9F-4DC0-BC46-80BEFBF40866}" type="presOf" srcId="{67DCA957-B2F3-41EA-A1D6-69F2974D19A1}" destId="{C737B84A-2ADA-4BBE-9EAC-51D285811437}" srcOrd="0" destOrd="0" presId="urn:microsoft.com/office/officeart/2005/8/layout/orgChart1"/>
+    <dgm:cxn modelId="{9535BF3E-6D47-4915-8F7D-26552F5214B9}" type="presOf" srcId="{43412D1B-5E60-443A-8E70-DE9D4E704809}" destId="{F2FABC0A-7D27-41B6-A5B2-1681964D3E93}" srcOrd="0" destOrd="0" presId="urn:microsoft.com/office/officeart/2005/8/layout/orgChart1"/>
+    <dgm:cxn modelId="{BBD27F77-7864-43DF-9B2E-BCB603876EED}" type="presOf" srcId="{7D06307E-E72D-4C92-B922-9BC1410121D5}" destId="{28B83FEF-8929-4CA9-AA29-351DB9B1E4DC}" srcOrd="0" destOrd="0" presId="urn:microsoft.com/office/officeart/2005/8/layout/orgChart1"/>
+    <dgm:cxn modelId="{B98E2DD1-8CE7-407C-8B1A-1A31AFF5E217}" type="presOf" srcId="{FE303ED2-E91E-412E-9437-9D310539077B}" destId="{A906F8A3-A092-4062-9F84-7013F75341DA}" srcOrd="1" destOrd="0" presId="urn:microsoft.com/office/officeart/2005/8/layout/orgChart1"/>
+    <dgm:cxn modelId="{79623BA5-3EE9-492F-9F67-A7A2848E39D4}" type="presOf" srcId="{ED15561D-56C1-4B97-A225-B17AD9CFFD83}" destId="{A5CF2B70-2E8B-4780-B74F-7777095946AC}" srcOrd="1" destOrd="0" presId="urn:microsoft.com/office/officeart/2005/8/layout/orgChart1"/>
+    <dgm:cxn modelId="{12598B40-AE2D-4BF4-A65C-B4CC62CF6BAA}" type="presOf" srcId="{5DBF101F-0F35-4E21-834F-2D0370F875E2}" destId="{0F3F96D0-4A8B-4629-A505-534193085623}" srcOrd="1" destOrd="0" presId="urn:microsoft.com/office/officeart/2005/8/layout/orgChart1"/>
+    <dgm:cxn modelId="{FD7431D9-52DC-4CFA-A587-3A5E27E8B047}" type="presOf" srcId="{FE303ED2-E91E-412E-9437-9D310539077B}" destId="{2614E269-8295-4197-BB5E-0D078F5030B2}" srcOrd="0" destOrd="0" presId="urn:microsoft.com/office/officeart/2005/8/layout/orgChart1"/>
     <dgm:cxn modelId="{82993F7F-9375-4623-BE0F-E11A2ED881FC}" type="presOf" srcId="{3C212A25-0B13-4130-B138-D80FD13744A6}" destId="{254D17AE-BCFB-4A21-A1FA-06E9765EE69A}" srcOrd="1" destOrd="0" presId="urn:microsoft.com/office/officeart/2005/8/layout/orgChart1"/>
-    <dgm:cxn modelId="{823C09DF-4066-4185-B4D2-80B89A1FF3CD}" srcId="{5DBF101F-0F35-4E21-834F-2D0370F875E2}" destId="{ED15561D-56C1-4B97-A225-B17AD9CFFD83}" srcOrd="1" destOrd="0" parTransId="{7D06307E-E72D-4C92-B922-9BC1410121D5}" sibTransId="{E6125EE4-66B5-47EC-B065-D7DAACD1A343}"/>
-    <dgm:cxn modelId="{FB50C092-1AC6-447A-8ECA-B92D7932BA37}" type="presOf" srcId="{ED15561D-56C1-4B97-A225-B17AD9CFFD83}" destId="{523C265F-BF3E-45A7-97E7-3CB6F72BBFF0}" srcOrd="0" destOrd="0" presId="urn:microsoft.com/office/officeart/2005/8/layout/orgChart1"/>
+    <dgm:cxn modelId="{7C4B19F7-C135-41D5-8E39-013674826154}" type="presOf" srcId="{5DBF101F-0F35-4E21-834F-2D0370F875E2}" destId="{0359D7AD-5B93-4C43-9D98-56774F0D5194}" srcOrd="0" destOrd="0" presId="urn:microsoft.com/office/officeart/2005/8/layout/orgChart1"/>
+    <dgm:cxn modelId="{354ECFAA-0650-4348-9089-A5F0F4D0486F}" srcId="{5DBF101F-0F35-4E21-834F-2D0370F875E2}" destId="{FE303ED2-E91E-412E-9437-9D310539077B}" srcOrd="0" destOrd="0" parTransId="{67DCA957-B2F3-41EA-A1D6-69F2974D19A1}" sibTransId="{CE3C1A84-FDCD-4933-B8BB-69E7736BF902}"/>
     <dgm:cxn modelId="{B01D91DC-554F-453D-9B9C-0287793FEF7A}" type="presOf" srcId="{3C212A25-0B13-4130-B138-D80FD13744A6}" destId="{FB88D22D-616A-4763-8730-376C7E899E79}" srcOrd="0" destOrd="0" presId="urn:microsoft.com/office/officeart/2005/8/layout/orgChart1"/>
-    <dgm:cxn modelId="{F70BC46C-C4E5-4BDD-AB2F-E6392A25640C}" srcId="{9F0C14E1-5E31-4BFB-93EF-64A72EB696B4}" destId="{5DBF101F-0F35-4E21-834F-2D0370F875E2}" srcOrd="0" destOrd="0" parTransId="{DFB5525A-85FE-4DD0-9919-DA9F0CCF7FC1}" sibTransId="{AB19A77E-F43A-4193-A579-3E00E108D152}"/>
-    <dgm:cxn modelId="{FD7431D9-52DC-4CFA-A587-3A5E27E8B047}" type="presOf" srcId="{FE303ED2-E91E-412E-9437-9D310539077B}" destId="{2614E269-8295-4197-BB5E-0D078F5030B2}" srcOrd="0" destOrd="0" presId="urn:microsoft.com/office/officeart/2005/8/layout/orgChart1"/>
-    <dgm:cxn modelId="{7C4B19F7-C135-41D5-8E39-013674826154}" type="presOf" srcId="{5DBF101F-0F35-4E21-834F-2D0370F875E2}" destId="{0359D7AD-5B93-4C43-9D98-56774F0D5194}" srcOrd="0" destOrd="0" presId="urn:microsoft.com/office/officeart/2005/8/layout/orgChart1"/>
-    <dgm:cxn modelId="{B98E2DD1-8CE7-407C-8B1A-1A31AFF5E217}" type="presOf" srcId="{FE303ED2-E91E-412E-9437-9D310539077B}" destId="{A906F8A3-A092-4062-9F84-7013F75341DA}" srcOrd="1" destOrd="0" presId="urn:microsoft.com/office/officeart/2005/8/layout/orgChart1"/>
-    <dgm:cxn modelId="{510C79DE-9E9F-4DC0-BC46-80BEFBF40866}" type="presOf" srcId="{67DCA957-B2F3-41EA-A1D6-69F2974D19A1}" destId="{C737B84A-2ADA-4BBE-9EAC-51D285811437}" srcOrd="0" destOrd="0" presId="urn:microsoft.com/office/officeart/2005/8/layout/orgChart1"/>
-    <dgm:cxn modelId="{BBD27F77-7864-43DF-9B2E-BCB603876EED}" type="presOf" srcId="{7D06307E-E72D-4C92-B922-9BC1410121D5}" destId="{28B83FEF-8929-4CA9-AA29-351DB9B1E4DC}" srcOrd="0" destOrd="0" presId="urn:microsoft.com/office/officeart/2005/8/layout/orgChart1"/>
-    <dgm:cxn modelId="{FD365F2F-1A42-4B78-9ED5-1E84BD2A971D}" type="presOf" srcId="{9F0C14E1-5E31-4BFB-93EF-64A72EB696B4}" destId="{5D0B09FB-389A-42B8-9F76-AC54AAB7446D}" srcOrd="0" destOrd="0" presId="urn:microsoft.com/office/officeart/2005/8/layout/orgChart1"/>
-    <dgm:cxn modelId="{79623BA5-3EE9-492F-9F67-A7A2848E39D4}" type="presOf" srcId="{ED15561D-56C1-4B97-A225-B17AD9CFFD83}" destId="{A5CF2B70-2E8B-4780-B74F-7777095946AC}" srcOrd="1" destOrd="0" presId="urn:microsoft.com/office/officeart/2005/8/layout/orgChart1"/>
-    <dgm:cxn modelId="{354ECFAA-0650-4348-9089-A5F0F4D0486F}" srcId="{5DBF101F-0F35-4E21-834F-2D0370F875E2}" destId="{FE303ED2-E91E-412E-9437-9D310539077B}" srcOrd="0" destOrd="0" parTransId="{67DCA957-B2F3-41EA-A1D6-69F2974D19A1}" sibTransId="{CE3C1A84-FDCD-4933-B8BB-69E7736BF902}"/>
-    <dgm:cxn modelId="{9535BF3E-6D47-4915-8F7D-26552F5214B9}" type="presOf" srcId="{43412D1B-5E60-443A-8E70-DE9D4E704809}" destId="{F2FABC0A-7D27-41B6-A5B2-1681964D3E93}" srcOrd="0" destOrd="0" presId="urn:microsoft.com/office/officeart/2005/8/layout/orgChart1"/>
-    <dgm:cxn modelId="{12598B40-AE2D-4BF4-A65C-B4CC62CF6BAA}" type="presOf" srcId="{5DBF101F-0F35-4E21-834F-2D0370F875E2}" destId="{0F3F96D0-4A8B-4629-A505-534193085623}" srcOrd="1" destOrd="0" presId="urn:microsoft.com/office/officeart/2005/8/layout/orgChart1"/>
     <dgm:cxn modelId="{F3D59A19-B586-4E2E-B3DD-350E8083E5C6}" type="presParOf" srcId="{5D0B09FB-389A-42B8-9F76-AC54AAB7446D}" destId="{AF9557CA-7D0B-407C-B122-3806D3B80045}" srcOrd="0" destOrd="0" presId="urn:microsoft.com/office/officeart/2005/8/layout/orgChart1"/>
     <dgm:cxn modelId="{8CD5B951-A4B9-482B-984E-327DC9B435E8}" type="presParOf" srcId="{AF9557CA-7D0B-407C-B122-3806D3B80045}" destId="{C76704DA-2A6C-4F8D-B746-4F85018CD45A}" srcOrd="0" destOrd="0" presId="urn:microsoft.com/office/officeart/2005/8/layout/orgChart1"/>
     <dgm:cxn modelId="{EA691761-E62C-48CB-8E95-889D13D86C94}" type="presParOf" srcId="{C76704DA-2A6C-4F8D-B746-4F85018CD45A}" destId="{0359D7AD-5B93-4C43-9D98-56774F0D5194}" srcOrd="0" destOrd="0" presId="urn:microsoft.com/office/officeart/2005/8/layout/orgChart1"/>
@@ -9506,7 +9488,7 @@
   <dgm:whole/>
   <dgm:extLst>
     <a:ext uri="http://schemas.microsoft.com/office/drawing/2008/diagram">
-      <dsp:dataModelExt xmlns:dsp="http://schemas.microsoft.com/office/drawing/2008/diagram" relId="rId6" minVer="http://schemas.openxmlformats.org/drawingml/2006/diagram"/>
+      <dsp:dataModelExt xmlns:dsp="http://schemas.microsoft.com/office/drawing/2008/diagram" relId="rId7" minVer="http://schemas.openxmlformats.org/drawingml/2006/diagram"/>
     </a:ext>
   </dgm:extLst>
 </dgm:dataModel>
@@ -9837,18 +9819,18 @@
     </dgm:pt>
   </dgm:ptLst>
   <dgm:cxnLst>
+    <dgm:cxn modelId="{1A9B7C33-D180-4BAD-BAB0-48F9CC52E7D7}" srcId="{36FF7C4C-C18C-46F5-8FE8-C426B93A9095}" destId="{47581A9E-5E40-406D-BE0A-38AA3E89F7F8}" srcOrd="0" destOrd="0" parTransId="{B9257DBC-4964-4109-BE29-5A9463C79B30}" sibTransId="{36D4FCD3-96C9-4F49-A64F-A25212C98BE3}"/>
     <dgm:cxn modelId="{3F461B40-14D3-4DE0-B156-B004FD9F8ED9}" type="presOf" srcId="{F53C9289-97E1-4D2D-97C9-1AAC80980444}" destId="{066BF7EA-934B-4060-B6BF-0796EB1E4F44}" srcOrd="0" destOrd="0" presId="urn:microsoft.com/office/officeart/2005/8/layout/orgChart1"/>
+    <dgm:cxn modelId="{9FC334A9-4E29-4794-8BF1-2134E895F76D}" type="presOf" srcId="{EEC3C2B6-CCB3-4CDB-84D9-93741BAF41A2}" destId="{54470973-FF4C-4094-83FC-25652F5582EF}" srcOrd="1" destOrd="0" presId="urn:microsoft.com/office/officeart/2005/8/layout/orgChart1"/>
+    <dgm:cxn modelId="{8AB80DB9-7B40-4065-83A0-8DAD0D36E386}" type="presOf" srcId="{EFFAFC6C-F906-450E-8595-D15AC71B243F}" destId="{973CA2BD-28A9-4084-9A56-C43D3E3B0316}" srcOrd="0" destOrd="0" presId="urn:microsoft.com/office/officeart/2005/8/layout/orgChart1"/>
     <dgm:cxn modelId="{9FD2703E-D7D4-488C-B86F-89B4AAEC8866}" type="presOf" srcId="{5026F749-70FD-4720-9858-7B81314E8CF0}" destId="{ACDE8485-05B1-406B-AD3C-368A19FF8F21}" srcOrd="0" destOrd="0" presId="urn:microsoft.com/office/officeart/2005/8/layout/orgChart1"/>
-    <dgm:cxn modelId="{1A9B7C33-D180-4BAD-BAB0-48F9CC52E7D7}" srcId="{36FF7C4C-C18C-46F5-8FE8-C426B93A9095}" destId="{47581A9E-5E40-406D-BE0A-38AA3E89F7F8}" srcOrd="0" destOrd="0" parTransId="{B9257DBC-4964-4109-BE29-5A9463C79B30}" sibTransId="{36D4FCD3-96C9-4F49-A64F-A25212C98BE3}"/>
+    <dgm:cxn modelId="{BC82667A-EDA1-43CA-B93C-FF9003F535FB}" srcId="{47581A9E-5E40-406D-BE0A-38AA3E89F7F8}" destId="{5026F749-70FD-4720-9858-7B81314E8CF0}" srcOrd="0" destOrd="0" parTransId="{F53C9289-97E1-4D2D-97C9-1AAC80980444}" sibTransId="{1A494AB9-3AE1-4FA4-9DB7-96C622E19841}"/>
+    <dgm:cxn modelId="{3BFAD681-DCC6-47B1-AAF1-2EEA17BB839A}" type="presOf" srcId="{47581A9E-5E40-406D-BE0A-38AA3E89F7F8}" destId="{36FDA7F1-3CE0-45DA-99EE-C2DAE976718C}" srcOrd="0" destOrd="0" presId="urn:microsoft.com/office/officeart/2005/8/layout/orgChart1"/>
+    <dgm:cxn modelId="{5D9FF610-E795-476D-86FC-E015F8FDA489}" srcId="{47581A9E-5E40-406D-BE0A-38AA3E89F7F8}" destId="{EEC3C2B6-CCB3-4CDB-84D9-93741BAF41A2}" srcOrd="1" destOrd="0" parTransId="{EFFAFC6C-F906-450E-8595-D15AC71B243F}" sibTransId="{F512F933-B839-42F7-8E57-EDFA719F737F}"/>
     <dgm:cxn modelId="{12C6268D-B3F0-4C5C-B9B7-4269BF5D55F1}" type="presOf" srcId="{47581A9E-5E40-406D-BE0A-38AA3E89F7F8}" destId="{7C14404F-4974-49DB-96E9-942AA1195F7A}" srcOrd="1" destOrd="0" presId="urn:microsoft.com/office/officeart/2005/8/layout/orgChart1"/>
-    <dgm:cxn modelId="{5D9FF610-E795-476D-86FC-E015F8FDA489}" srcId="{47581A9E-5E40-406D-BE0A-38AA3E89F7F8}" destId="{EEC3C2B6-CCB3-4CDB-84D9-93741BAF41A2}" srcOrd="1" destOrd="0" parTransId="{EFFAFC6C-F906-450E-8595-D15AC71B243F}" sibTransId="{F512F933-B839-42F7-8E57-EDFA719F737F}"/>
-    <dgm:cxn modelId="{8AB80DB9-7B40-4065-83A0-8DAD0D36E386}" type="presOf" srcId="{EFFAFC6C-F906-450E-8595-D15AC71B243F}" destId="{973CA2BD-28A9-4084-9A56-C43D3E3B0316}" srcOrd="0" destOrd="0" presId="urn:microsoft.com/office/officeart/2005/8/layout/orgChart1"/>
-    <dgm:cxn modelId="{9FC334A9-4E29-4794-8BF1-2134E895F76D}" type="presOf" srcId="{EEC3C2B6-CCB3-4CDB-84D9-93741BAF41A2}" destId="{54470973-FF4C-4094-83FC-25652F5582EF}" srcOrd="1" destOrd="0" presId="urn:microsoft.com/office/officeart/2005/8/layout/orgChart1"/>
     <dgm:cxn modelId="{5C91C76A-FC00-4920-9159-50F3665C6692}" type="presOf" srcId="{5026F749-70FD-4720-9858-7B81314E8CF0}" destId="{5ABA39A4-A26D-4F82-AF53-3A39C640F9C3}" srcOrd="1" destOrd="0" presId="urn:microsoft.com/office/officeart/2005/8/layout/orgChart1"/>
+    <dgm:cxn modelId="{E0C3EF0D-090E-4E04-B581-91BAC77C7E75}" type="presOf" srcId="{EEC3C2B6-CCB3-4CDB-84D9-93741BAF41A2}" destId="{07BD9B31-3415-4AE7-BD62-D4E049D8396D}" srcOrd="0" destOrd="0" presId="urn:microsoft.com/office/officeart/2005/8/layout/orgChart1"/>
     <dgm:cxn modelId="{FF9EFE8B-F6D5-4585-A95F-EFE7E2BAD83F}" type="presOf" srcId="{36FF7C4C-C18C-46F5-8FE8-C426B93A9095}" destId="{F28535A8-9D85-4AB8-B7C4-4EDBC1F9E41B}" srcOrd="0" destOrd="0" presId="urn:microsoft.com/office/officeart/2005/8/layout/orgChart1"/>
-    <dgm:cxn modelId="{E0C3EF0D-090E-4E04-B581-91BAC77C7E75}" type="presOf" srcId="{EEC3C2B6-CCB3-4CDB-84D9-93741BAF41A2}" destId="{07BD9B31-3415-4AE7-BD62-D4E049D8396D}" srcOrd="0" destOrd="0" presId="urn:microsoft.com/office/officeart/2005/8/layout/orgChart1"/>
-    <dgm:cxn modelId="{3BFAD681-DCC6-47B1-AAF1-2EEA17BB839A}" type="presOf" srcId="{47581A9E-5E40-406D-BE0A-38AA3E89F7F8}" destId="{36FDA7F1-3CE0-45DA-99EE-C2DAE976718C}" srcOrd="0" destOrd="0" presId="urn:microsoft.com/office/officeart/2005/8/layout/orgChart1"/>
-    <dgm:cxn modelId="{BC82667A-EDA1-43CA-B93C-FF9003F535FB}" srcId="{47581A9E-5E40-406D-BE0A-38AA3E89F7F8}" destId="{5026F749-70FD-4720-9858-7B81314E8CF0}" srcOrd="0" destOrd="0" parTransId="{F53C9289-97E1-4D2D-97C9-1AAC80980444}" sibTransId="{1A494AB9-3AE1-4FA4-9DB7-96C622E19841}"/>
     <dgm:cxn modelId="{F6821DBF-9971-46BE-A30B-50B3DE2134F5}" type="presParOf" srcId="{F28535A8-9D85-4AB8-B7C4-4EDBC1F9E41B}" destId="{1CB2309C-DD81-4BD9-A73C-645D5FDB1293}" srcOrd="0" destOrd="0" presId="urn:microsoft.com/office/officeart/2005/8/layout/orgChart1"/>
     <dgm:cxn modelId="{E911AD6C-0919-436D-B78F-19613774E640}" type="presParOf" srcId="{1CB2309C-DD81-4BD9-A73C-645D5FDB1293}" destId="{A2FA31AE-5C86-4A6F-87F7-2ACB8FE62327}" srcOrd="0" destOrd="0" presId="urn:microsoft.com/office/officeart/2005/8/layout/orgChart1"/>
     <dgm:cxn modelId="{3675E7BE-30B3-46E8-8476-632CA79381E9}" type="presParOf" srcId="{A2FA31AE-5C86-4A6F-87F7-2ACB8FE62327}" destId="{36FDA7F1-3CE0-45DA-99EE-C2DAE976718C}" srcOrd="0" destOrd="0" presId="urn:microsoft.com/office/officeart/2005/8/layout/orgChart1"/>
@@ -10033,367 +10015,6 @@
       <dsp:cNvGrpSpPr/>
     </dsp:nvGrpSpPr>
     <dsp:grpSpPr/>
-    <dsp:sp modelId="{E12C78D3-4B45-43FB-ABCC-83F3DB5D17F4}">
-      <dsp:nvSpPr>
-        <dsp:cNvPr id="0" name=""/>
-        <dsp:cNvSpPr/>
-      </dsp:nvSpPr>
-      <dsp:spPr>
-        <a:xfrm>
-          <a:off x="0" y="0"/>
-          <a:ext cx="10131425" cy="0"/>
-        </a:xfrm>
-        <a:prstGeom prst="line">
-          <a:avLst/>
-        </a:prstGeom>
-        <a:solidFill>
-          <a:schemeClr val="accent1">
-            <a:hueOff val="0"/>
-            <a:satOff val="0"/>
-            <a:lumOff val="0"/>
-            <a:alphaOff val="0"/>
-          </a:schemeClr>
-        </a:solidFill>
-        <a:ln w="19050" cap="rnd" cmpd="sng" algn="ctr">
-          <a:solidFill>
-            <a:schemeClr val="accent1">
-              <a:hueOff val="0"/>
-              <a:satOff val="0"/>
-              <a:lumOff val="0"/>
-              <a:alphaOff val="0"/>
-            </a:schemeClr>
-          </a:solidFill>
-          <a:prstDash val="solid"/>
-        </a:ln>
-        <a:effectLst/>
-      </dsp:spPr>
-      <dsp:style>
-        <a:lnRef idx="2">
-          <a:scrgbClr r="0" g="0" b="0"/>
-        </a:lnRef>
-        <a:fillRef idx="1">
-          <a:scrgbClr r="0" g="0" b="0"/>
-        </a:fillRef>
-        <a:effectRef idx="0">
-          <a:scrgbClr r="0" g="0" b="0"/>
-        </a:effectRef>
-        <a:fontRef idx="minor">
-          <a:schemeClr val="lt1"/>
-        </a:fontRef>
-      </dsp:style>
-    </dsp:sp>
-    <dsp:sp modelId="{599D6219-B278-4C20-9A95-7F8F137EE331}">
-      <dsp:nvSpPr>
-        <dsp:cNvPr id="0" name=""/>
-        <dsp:cNvSpPr/>
-      </dsp:nvSpPr>
-      <dsp:spPr>
-        <a:xfrm>
-          <a:off x="0" y="0"/>
-          <a:ext cx="2447388" cy="5388864"/>
-        </a:xfrm>
-        <a:prstGeom prst="rect">
-          <a:avLst/>
-        </a:prstGeom>
-        <a:noFill/>
-        <a:ln>
-          <a:noFill/>
-        </a:ln>
-        <a:effectLst/>
-      </dsp:spPr>
-      <dsp:style>
-        <a:lnRef idx="0">
-          <a:scrgbClr r="0" g="0" b="0"/>
-        </a:lnRef>
-        <a:fillRef idx="0">
-          <a:scrgbClr r="0" g="0" b="0"/>
-        </a:fillRef>
-        <a:effectRef idx="0">
-          <a:scrgbClr r="0" g="0" b="0"/>
-        </a:effectRef>
-        <a:fontRef idx="minor"/>
-      </dsp:style>
-      <dsp:txBody>
-        <a:bodyPr spcFirstLastPara="0" vert="horz" wrap="square" lIns="243840" tIns="243840" rIns="243840" bIns="243840" numCol="1" spcCol="1270" anchor="t" anchorCtr="0">
-          <a:noAutofit/>
-        </a:bodyPr>
-        <a:lstStyle/>
-        <a:p>
-          <a:pPr lvl="0" algn="l" defTabSz="2844800">
-            <a:lnSpc>
-              <a:spcPct val="90000"/>
-            </a:lnSpc>
-            <a:spcBef>
-              <a:spcPct val="0"/>
-            </a:spcBef>
-            <a:spcAft>
-              <a:spcPct val="35000"/>
-            </a:spcAft>
-          </a:pPr>
-          <a:r>
-            <a:rPr lang="en-US" sz="6400" kern="1200" dirty="0" smtClean="0">
-              <a:latin typeface="Buxton Sketch" panose="03080500000500000004" pitchFamily="66" charset="0"/>
-            </a:rPr>
-            <a:t>Useful links</a:t>
-          </a:r>
-          <a:endParaRPr lang="en-US" sz="6400" kern="1200" dirty="0">
-            <a:latin typeface="Buxton Sketch" panose="03080500000500000004" pitchFamily="66" charset="0"/>
-          </a:endParaRPr>
-        </a:p>
-      </dsp:txBody>
-      <dsp:txXfrm>
-        <a:off x="0" y="0"/>
-        <a:ext cx="2447388" cy="5388864"/>
-      </dsp:txXfrm>
-    </dsp:sp>
-    <dsp:sp modelId="{F8106273-3EEB-4CE6-BD56-FDBCA776B834}">
-      <dsp:nvSpPr>
-        <dsp:cNvPr id="0" name=""/>
-        <dsp:cNvSpPr/>
-      </dsp:nvSpPr>
-      <dsp:spPr>
-        <a:xfrm>
-          <a:off x="2567155" y="244709"/>
-          <a:ext cx="7557313" cy="4894183"/>
-        </a:xfrm>
-        <a:prstGeom prst="rect">
-          <a:avLst/>
-        </a:prstGeom>
-        <a:noFill/>
-        <a:ln>
-          <a:noFill/>
-        </a:ln>
-        <a:effectLst/>
-      </dsp:spPr>
-      <dsp:style>
-        <a:lnRef idx="0">
-          <a:scrgbClr r="0" g="0" b="0"/>
-        </a:lnRef>
-        <a:fillRef idx="0">
-          <a:scrgbClr r="0" g="0" b="0"/>
-        </a:fillRef>
-        <a:effectRef idx="0">
-          <a:scrgbClr r="0" g="0" b="0"/>
-        </a:effectRef>
-        <a:fontRef idx="minor"/>
-      </dsp:style>
-      <dsp:txBody>
-        <a:bodyPr spcFirstLastPara="0" vert="horz" wrap="square" lIns="76200" tIns="76200" rIns="76200" bIns="76200" numCol="1" spcCol="1270" anchor="t" anchorCtr="0">
-          <a:noAutofit/>
-        </a:bodyPr>
-        <a:lstStyle/>
-        <a:p>
-          <a:pPr lvl="0" algn="l" defTabSz="889000">
-            <a:lnSpc>
-              <a:spcPct val="90000"/>
-            </a:lnSpc>
-            <a:spcBef>
-              <a:spcPct val="0"/>
-            </a:spcBef>
-            <a:spcAft>
-              <a:spcPct val="35000"/>
-            </a:spcAft>
-          </a:pPr>
-          <a:r>
-            <a:rPr lang="en-US" sz="2000" b="1" kern="1200" dirty="0" err="1" smtClean="0">
-              <a:latin typeface="Buxton Sketch" panose="03080500000500000004" pitchFamily="66" charset="0"/>
-            </a:rPr>
-            <a:t>Kudvenkat</a:t>
-          </a:r>
-          <a:r>
-            <a:rPr lang="en-US" sz="2000" b="1" kern="1200" dirty="0" smtClean="0">
-              <a:latin typeface="Buxton Sketch" panose="03080500000500000004" pitchFamily="66" charset="0"/>
-            </a:rPr>
-            <a:t> </a:t>
-          </a:r>
-          <a:r>
-            <a:rPr lang="en-US" sz="2000" b="1" kern="1200" dirty="0" smtClean="0">
-              <a:latin typeface="Buxton Sketch" panose="03080500000500000004" pitchFamily="66" charset="0"/>
-            </a:rPr>
-            <a:t> - C</a:t>
-          </a:r>
-          <a:r>
-            <a:rPr lang="en-US" sz="2000" b="1" kern="1200" dirty="0" smtClean="0">
-              <a:latin typeface="Buxton Sketch" panose="03080500000500000004" pitchFamily="66" charset="0"/>
-            </a:rPr>
-            <a:t># tutorials for </a:t>
-          </a:r>
-          <a:r>
-            <a:rPr lang="en-US" sz="2000" b="1" kern="1200" dirty="0" smtClean="0">
-              <a:latin typeface="Buxton Sketch" panose="03080500000500000004" pitchFamily="66" charset="0"/>
-            </a:rPr>
-            <a:t>beginners.</a:t>
-          </a:r>
-        </a:p>
-        <a:p>
-          <a:pPr lvl="0" algn="l" defTabSz="889000">
-            <a:lnSpc>
-              <a:spcPct val="90000"/>
-            </a:lnSpc>
-            <a:spcBef>
-              <a:spcPct val="0"/>
-            </a:spcBef>
-            <a:spcAft>
-              <a:spcPct val="35000"/>
-            </a:spcAft>
-          </a:pPr>
-          <a:r>
-            <a:rPr lang="en-US" sz="2000" kern="1200" dirty="0" smtClean="0">
-              <a:latin typeface="Buxton Sketch" panose="03080500000500000004" pitchFamily="66" charset="0"/>
-              <a:hlinkClick xmlns:r="http://schemas.openxmlformats.org/officeDocument/2006/relationships" r:id="rId1"/>
-            </a:rPr>
-            <a:t>https://www.youtube.com/watch?v=SXmVym6L8dw&amp;list=PLAC325451207E3105</a:t>
-          </a:r>
-          <a:endParaRPr lang="en-US" sz="2000" kern="1200" dirty="0" smtClean="0">
-            <a:latin typeface="Buxton Sketch" panose="03080500000500000004" pitchFamily="66" charset="0"/>
-          </a:endParaRPr>
-        </a:p>
-        <a:p>
-          <a:pPr lvl="0" algn="l" defTabSz="889000">
-            <a:lnSpc>
-              <a:spcPct val="90000"/>
-            </a:lnSpc>
-            <a:spcBef>
-              <a:spcPct val="0"/>
-            </a:spcBef>
-            <a:spcAft>
-              <a:spcPct val="35000"/>
-            </a:spcAft>
-          </a:pPr>
-          <a:endParaRPr lang="en-US" sz="2000" kern="1200" dirty="0" smtClean="0">
-            <a:latin typeface="Buxton Sketch" panose="03080500000500000004" pitchFamily="66" charset="0"/>
-          </a:endParaRPr>
-        </a:p>
-        <a:p>
-          <a:pPr lvl="0" algn="l" defTabSz="889000">
-            <a:lnSpc>
-              <a:spcPct val="90000"/>
-            </a:lnSpc>
-            <a:spcBef>
-              <a:spcPct val="0"/>
-            </a:spcBef>
-            <a:spcAft>
-              <a:spcPct val="35000"/>
-            </a:spcAft>
-          </a:pPr>
-          <a:r>
-            <a:rPr lang="bg-BG" sz="2000" kern="1200" dirty="0" smtClean="0">
-              <a:latin typeface="Buxton Sketch" panose="03080500000500000004" pitchFamily="66" charset="0"/>
-            </a:rPr>
-            <a:t>Стоян Черешаров - </a:t>
-          </a:r>
-          <a:r>
-            <a:rPr lang="bg-BG" sz="2000" b="0" i="0" kern="1200" dirty="0" smtClean="0">
-              <a:latin typeface="Buxton Sketch" panose="03080500000500000004" pitchFamily="66" charset="0"/>
-            </a:rPr>
-            <a:t>Работа с </a:t>
-          </a:r>
-          <a:r>
-            <a:rPr lang="en-US" sz="2000" b="0" i="0" kern="1200" dirty="0" err="1" smtClean="0">
-              <a:latin typeface="Buxton Sketch" panose="03080500000500000004" pitchFamily="66" charset="0"/>
-            </a:rPr>
-            <a:t>Git</a:t>
-          </a:r>
-          <a:r>
-            <a:rPr lang="en-US" sz="2000" b="0" i="0" kern="1200" dirty="0" smtClean="0">
-              <a:latin typeface="Buxton Sketch" panose="03080500000500000004" pitchFamily="66" charset="0"/>
-            </a:rPr>
-            <a:t> </a:t>
-          </a:r>
-          <a:r>
-            <a:rPr lang="bg-BG" sz="2000" b="0" i="0" kern="1200" dirty="0" smtClean="0">
-              <a:latin typeface="Buxton Sketch" panose="03080500000500000004" pitchFamily="66" charset="0"/>
-            </a:rPr>
-            <a:t>и </a:t>
-          </a:r>
-          <a:r>
-            <a:rPr lang="en-US" sz="2000" b="0" i="0" kern="1200" dirty="0" smtClean="0">
-              <a:latin typeface="Buxton Sketch" panose="03080500000500000004" pitchFamily="66" charset="0"/>
-            </a:rPr>
-            <a:t>GitHub </a:t>
-          </a:r>
-          <a:r>
-            <a:rPr lang="bg-BG" sz="2000" b="0" i="0" kern="1200" dirty="0" smtClean="0">
-              <a:latin typeface="Buxton Sketch" panose="03080500000500000004" pitchFamily="66" charset="0"/>
-            </a:rPr>
-            <a:t>във </a:t>
-          </a:r>
-          <a:r>
-            <a:rPr lang="en-US" sz="2000" b="0" i="0" kern="1200" dirty="0" err="1" smtClean="0">
-              <a:latin typeface="Buxton Sketch" panose="03080500000500000004" pitchFamily="66" charset="0"/>
-            </a:rPr>
-            <a:t>VisialStudio</a:t>
-          </a:r>
-          <a:r>
-            <a:rPr lang="en-US" sz="2000" b="0" i="0" kern="1200" dirty="0" smtClean="0">
-              <a:latin typeface="Buxton Sketch" panose="03080500000500000004" pitchFamily="66" charset="0"/>
-            </a:rPr>
-            <a:t>. </a:t>
-          </a:r>
-          <a:r>
-            <a:rPr lang="en-US" sz="2000" kern="1200" dirty="0" smtClean="0">
-              <a:latin typeface="Buxton Sketch" panose="03080500000500000004" pitchFamily="66" charset="0"/>
-            </a:rPr>
-            <a:t>https://www.youtube.com/user/coolcsn/videos</a:t>
-          </a:r>
-          <a:endParaRPr lang="en-US" sz="2000" b="1" kern="1200" dirty="0" smtClean="0">
-            <a:latin typeface="Buxton Sketch" panose="03080500000500000004" pitchFamily="66" charset="0"/>
-          </a:endParaRPr>
-        </a:p>
-      </dsp:txBody>
-      <dsp:txXfrm>
-        <a:off x="2567155" y="244709"/>
-        <a:ext cx="7557313" cy="4894183"/>
-      </dsp:txXfrm>
-    </dsp:sp>
-    <dsp:sp modelId="{B150277F-A2CA-4F1B-AA39-E3634A3B878C}">
-      <dsp:nvSpPr>
-        <dsp:cNvPr id="0" name=""/>
-        <dsp:cNvSpPr/>
-      </dsp:nvSpPr>
-      <dsp:spPr>
-        <a:xfrm>
-          <a:off x="2473577" y="3641745"/>
-          <a:ext cx="6387546" cy="0"/>
-        </a:xfrm>
-        <a:prstGeom prst="line">
-          <a:avLst/>
-        </a:prstGeom>
-        <a:solidFill>
-          <a:schemeClr val="accent1">
-            <a:hueOff val="0"/>
-            <a:satOff val="0"/>
-            <a:lumOff val="0"/>
-            <a:alphaOff val="0"/>
-          </a:schemeClr>
-        </a:solidFill>
-        <a:ln w="19050" cap="rnd" cmpd="sng" algn="ctr">
-          <a:solidFill>
-            <a:schemeClr val="accent1">
-              <a:tint val="50000"/>
-              <a:hueOff val="0"/>
-              <a:satOff val="0"/>
-              <a:lumOff val="0"/>
-              <a:alphaOff val="0"/>
-            </a:schemeClr>
-          </a:solidFill>
-          <a:prstDash val="solid"/>
-        </a:ln>
-        <a:effectLst/>
-      </dsp:spPr>
-      <dsp:style>
-        <a:lnRef idx="2">
-          <a:scrgbClr r="0" g="0" b="0"/>
-        </a:lnRef>
-        <a:fillRef idx="1">
-          <a:scrgbClr r="0" g="0" b="0"/>
-        </a:fillRef>
-        <a:effectRef idx="0">
-          <a:scrgbClr r="0" g="0" b="0"/>
-        </a:effectRef>
-        <a:fontRef idx="minor"/>
-      </dsp:style>
-    </dsp:sp>
   </dsp:spTree>
 </dsp:drawing>
 </file>
@@ -10406,1615 +10027,6 @@
       <dsp:cNvGrpSpPr/>
     </dsp:nvGrpSpPr>
     <dsp:grpSpPr/>
-    <dsp:sp modelId="{EE15B19E-6568-4DF1-BDBE-60A57902ABAE}">
-      <dsp:nvSpPr>
-        <dsp:cNvPr id="0" name=""/>
-        <dsp:cNvSpPr/>
-      </dsp:nvSpPr>
-      <dsp:spPr>
-        <a:xfrm>
-          <a:off x="9978779" y="2372192"/>
-          <a:ext cx="1194323" cy="2168237"/>
-        </a:xfrm>
-        <a:custGeom>
-          <a:avLst/>
-          <a:gdLst/>
-          <a:ahLst/>
-          <a:cxnLst/>
-          <a:rect l="0" t="0" r="0" b="0"/>
-          <a:pathLst>
-            <a:path>
-              <a:moveTo>
-                <a:pt x="0" y="0"/>
-              </a:moveTo>
-              <a:lnTo>
-                <a:pt x="1194323" y="2168237"/>
-              </a:lnTo>
-            </a:path>
-          </a:pathLst>
-        </a:custGeom>
-        <a:noFill/>
-        <a:ln w="19050" cap="rnd" cmpd="sng" algn="ctr">
-          <a:solidFill>
-            <a:schemeClr val="accent1">
-              <a:shade val="80000"/>
-              <a:hueOff val="0"/>
-              <a:satOff val="0"/>
-              <a:lumOff val="0"/>
-              <a:alphaOff val="0"/>
-            </a:schemeClr>
-          </a:solidFill>
-          <a:prstDash val="solid"/>
-        </a:ln>
-        <a:effectLst/>
-      </dsp:spPr>
-      <dsp:style>
-        <a:lnRef idx="2">
-          <a:scrgbClr r="0" g="0" b="0"/>
-        </a:lnRef>
-        <a:fillRef idx="0">
-          <a:scrgbClr r="0" g="0" b="0"/>
-        </a:fillRef>
-        <a:effectRef idx="0">
-          <a:scrgbClr r="0" g="0" b="0"/>
-        </a:effectRef>
-        <a:fontRef idx="minor"/>
-      </dsp:style>
-    </dsp:sp>
-    <dsp:sp modelId="{81D0F9E9-FC7E-4AB1-8790-9F606B0F98A3}">
-      <dsp:nvSpPr>
-        <dsp:cNvPr id="0" name=""/>
-        <dsp:cNvSpPr/>
-      </dsp:nvSpPr>
-      <dsp:spPr>
-        <a:xfrm>
-          <a:off x="5899258" y="1030610"/>
-          <a:ext cx="4079520" cy="274000"/>
-        </a:xfrm>
-        <a:custGeom>
-          <a:avLst/>
-          <a:gdLst/>
-          <a:ahLst/>
-          <a:cxnLst/>
-          <a:rect l="0" t="0" r="0" b="0"/>
-          <a:pathLst>
-            <a:path>
-              <a:moveTo>
-                <a:pt x="0" y="0"/>
-              </a:moveTo>
-              <a:lnTo>
-                <a:pt x="0" y="127919"/>
-              </a:lnTo>
-              <a:lnTo>
-                <a:pt x="4079520" y="127919"/>
-              </a:lnTo>
-              <a:lnTo>
-                <a:pt x="4079520" y="274000"/>
-              </a:lnTo>
-            </a:path>
-          </a:pathLst>
-        </a:custGeom>
-        <a:noFill/>
-        <a:ln w="19050" cap="rnd" cmpd="sng" algn="ctr">
-          <a:solidFill>
-            <a:schemeClr val="accent1">
-              <a:shade val="60000"/>
-              <a:hueOff val="0"/>
-              <a:satOff val="0"/>
-              <a:lumOff val="0"/>
-              <a:alphaOff val="0"/>
-            </a:schemeClr>
-          </a:solidFill>
-          <a:prstDash val="solid"/>
-        </a:ln>
-        <a:effectLst/>
-      </dsp:spPr>
-      <dsp:style>
-        <a:lnRef idx="2">
-          <a:scrgbClr r="0" g="0" b="0"/>
-        </a:lnRef>
-        <a:fillRef idx="0">
-          <a:scrgbClr r="0" g="0" b="0"/>
-        </a:fillRef>
-        <a:effectRef idx="0">
-          <a:scrgbClr r="0" g="0" b="0"/>
-        </a:effectRef>
-        <a:fontRef idx="minor"/>
-      </dsp:style>
-    </dsp:sp>
-    <dsp:sp modelId="{30F8120F-480B-4E7A-8A98-F48A7BBB2533}">
-      <dsp:nvSpPr>
-        <dsp:cNvPr id="0" name=""/>
-        <dsp:cNvSpPr/>
-      </dsp:nvSpPr>
-      <dsp:spPr>
-        <a:xfrm>
-          <a:off x="4209824" y="2277433"/>
-          <a:ext cx="1664387" cy="2268015"/>
-        </a:xfrm>
-        <a:custGeom>
-          <a:avLst/>
-          <a:gdLst/>
-          <a:ahLst/>
-          <a:cxnLst/>
-          <a:rect l="0" t="0" r="0" b="0"/>
-          <a:pathLst>
-            <a:path>
-              <a:moveTo>
-                <a:pt x="1664387" y="0"/>
-              </a:moveTo>
-              <a:lnTo>
-                <a:pt x="0" y="2268015"/>
-              </a:lnTo>
-            </a:path>
-          </a:pathLst>
-        </a:custGeom>
-        <a:noFill/>
-        <a:ln w="19050" cap="rnd" cmpd="sng" algn="ctr">
-          <a:solidFill>
-            <a:schemeClr val="accent1">
-              <a:shade val="80000"/>
-              <a:hueOff val="0"/>
-              <a:satOff val="0"/>
-              <a:lumOff val="0"/>
-              <a:alphaOff val="0"/>
-            </a:schemeClr>
-          </a:solidFill>
-          <a:prstDash val="solid"/>
-        </a:ln>
-        <a:effectLst/>
-      </dsp:spPr>
-      <dsp:style>
-        <a:lnRef idx="2">
-          <a:scrgbClr r="0" g="0" b="0"/>
-        </a:lnRef>
-        <a:fillRef idx="0">
-          <a:scrgbClr r="0" g="0" b="0"/>
-        </a:fillRef>
-        <a:effectRef idx="0">
-          <a:scrgbClr r="0" g="0" b="0"/>
-        </a:effectRef>
-        <a:fontRef idx="minor"/>
-      </dsp:style>
-    </dsp:sp>
-    <dsp:sp modelId="{DFE7F7D0-AC27-44A3-9CA2-8EF13AF968CF}">
-      <dsp:nvSpPr>
-        <dsp:cNvPr id="0" name=""/>
-        <dsp:cNvSpPr/>
-      </dsp:nvSpPr>
-      <dsp:spPr>
-        <a:xfrm>
-          <a:off x="5828492" y="1030610"/>
-          <a:ext cx="91440" cy="489784"/>
-        </a:xfrm>
-        <a:custGeom>
-          <a:avLst/>
-          <a:gdLst/>
-          <a:ahLst/>
-          <a:cxnLst/>
-          <a:rect l="0" t="0" r="0" b="0"/>
-          <a:pathLst>
-            <a:path>
-              <a:moveTo>
-                <a:pt x="70766" y="0"/>
-              </a:moveTo>
-              <a:lnTo>
-                <a:pt x="70766" y="343702"/>
-              </a:lnTo>
-              <a:lnTo>
-                <a:pt x="45720" y="343702"/>
-              </a:lnTo>
-              <a:lnTo>
-                <a:pt x="45720" y="489784"/>
-              </a:lnTo>
-            </a:path>
-          </a:pathLst>
-        </a:custGeom>
-        <a:noFill/>
-        <a:ln w="19050" cap="rnd" cmpd="sng" algn="ctr">
-          <a:solidFill>
-            <a:schemeClr val="accent1">
-              <a:shade val="60000"/>
-              <a:hueOff val="0"/>
-              <a:satOff val="0"/>
-              <a:lumOff val="0"/>
-              <a:alphaOff val="0"/>
-            </a:schemeClr>
-          </a:solidFill>
-          <a:prstDash val="solid"/>
-        </a:ln>
-        <a:effectLst/>
-      </dsp:spPr>
-      <dsp:style>
-        <a:lnRef idx="2">
-          <a:scrgbClr r="0" g="0" b="0"/>
-        </a:lnRef>
-        <a:fillRef idx="0">
-          <a:scrgbClr r="0" g="0" b="0"/>
-        </a:fillRef>
-        <a:effectRef idx="0">
-          <a:scrgbClr r="0" g="0" b="0"/>
-        </a:effectRef>
-        <a:fontRef idx="minor"/>
-      </dsp:style>
-    </dsp:sp>
-    <dsp:sp modelId="{77793F53-D11D-43C7-9AFA-5D40F0C710F4}">
-      <dsp:nvSpPr>
-        <dsp:cNvPr id="0" name=""/>
-        <dsp:cNvSpPr/>
-      </dsp:nvSpPr>
-      <dsp:spPr>
-        <a:xfrm>
-          <a:off x="2265697" y="2524645"/>
-          <a:ext cx="1470348" cy="2085840"/>
-        </a:xfrm>
-        <a:custGeom>
-          <a:avLst/>
-          <a:gdLst/>
-          <a:ahLst/>
-          <a:cxnLst/>
-          <a:rect l="0" t="0" r="0" b="0"/>
-          <a:pathLst>
-            <a:path>
-              <a:moveTo>
-                <a:pt x="0" y="0"/>
-              </a:moveTo>
-              <a:lnTo>
-                <a:pt x="1470348" y="2085840"/>
-              </a:lnTo>
-            </a:path>
-          </a:pathLst>
-        </a:custGeom>
-        <a:noFill/>
-        <a:ln w="19050" cap="rnd" cmpd="sng" algn="ctr">
-          <a:solidFill>
-            <a:schemeClr val="accent1">
-              <a:shade val="80000"/>
-              <a:hueOff val="0"/>
-              <a:satOff val="0"/>
-              <a:lumOff val="0"/>
-              <a:alphaOff val="0"/>
-            </a:schemeClr>
-          </a:solidFill>
-          <a:prstDash val="solid"/>
-        </a:ln>
-        <a:effectLst/>
-      </dsp:spPr>
-      <dsp:style>
-        <a:lnRef idx="2">
-          <a:scrgbClr r="0" g="0" b="0"/>
-        </a:lnRef>
-        <a:fillRef idx="0">
-          <a:scrgbClr r="0" g="0" b="0"/>
-        </a:fillRef>
-        <a:effectRef idx="0">
-          <a:scrgbClr r="0" g="0" b="0"/>
-        </a:effectRef>
-        <a:fontRef idx="minor"/>
-      </dsp:style>
-    </dsp:sp>
-    <dsp:sp modelId="{60B5D03D-50D5-487C-8731-01E7A216279A}">
-      <dsp:nvSpPr>
-        <dsp:cNvPr id="0" name=""/>
-        <dsp:cNvSpPr/>
-      </dsp:nvSpPr>
-      <dsp:spPr>
-        <a:xfrm>
-          <a:off x="2265697" y="1030610"/>
-          <a:ext cx="3633560" cy="462425"/>
-        </a:xfrm>
-        <a:custGeom>
-          <a:avLst/>
-          <a:gdLst/>
-          <a:ahLst/>
-          <a:cxnLst/>
-          <a:rect l="0" t="0" r="0" b="0"/>
-          <a:pathLst>
-            <a:path>
-              <a:moveTo>
-                <a:pt x="3633560" y="0"/>
-              </a:moveTo>
-              <a:lnTo>
-                <a:pt x="3633560" y="316343"/>
-              </a:lnTo>
-              <a:lnTo>
-                <a:pt x="0" y="316343"/>
-              </a:lnTo>
-              <a:lnTo>
-                <a:pt x="0" y="462425"/>
-              </a:lnTo>
-            </a:path>
-          </a:pathLst>
-        </a:custGeom>
-        <a:noFill/>
-        <a:ln w="19050" cap="rnd" cmpd="sng" algn="ctr">
-          <a:solidFill>
-            <a:schemeClr val="accent1">
-              <a:shade val="60000"/>
-              <a:hueOff val="0"/>
-              <a:satOff val="0"/>
-              <a:lumOff val="0"/>
-              <a:alphaOff val="0"/>
-            </a:schemeClr>
-          </a:solidFill>
-          <a:prstDash val="solid"/>
-        </a:ln>
-        <a:effectLst/>
-      </dsp:spPr>
-      <dsp:style>
-        <a:lnRef idx="2">
-          <a:scrgbClr r="0" g="0" b="0"/>
-        </a:lnRef>
-        <a:fillRef idx="0">
-          <a:scrgbClr r="0" g="0" b="0"/>
-        </a:fillRef>
-        <a:effectRef idx="0">
-          <a:scrgbClr r="0" g="0" b="0"/>
-        </a:effectRef>
-        <a:fontRef idx="minor"/>
-      </dsp:style>
-    </dsp:sp>
-    <dsp:sp modelId="{90C255C2-D8F8-4A6E-9BEA-5CDCF6AE41FC}">
-      <dsp:nvSpPr>
-        <dsp:cNvPr id="0" name=""/>
-        <dsp:cNvSpPr/>
-      </dsp:nvSpPr>
-      <dsp:spPr>
-        <a:xfrm>
-          <a:off x="1308162" y="99554"/>
-          <a:ext cx="9182192" cy="931056"/>
-        </a:xfrm>
-        <a:prstGeom prst="rect">
-          <a:avLst/>
-        </a:prstGeom>
-        <a:solidFill>
-          <a:schemeClr val="accent1">
-            <a:hueOff val="0"/>
-            <a:satOff val="0"/>
-            <a:lumOff val="0"/>
-            <a:alphaOff val="0"/>
-          </a:schemeClr>
-        </a:solidFill>
-        <a:ln w="19050" cap="rnd" cmpd="sng" algn="ctr">
-          <a:solidFill>
-            <a:schemeClr val="lt1">
-              <a:hueOff val="0"/>
-              <a:satOff val="0"/>
-              <a:lumOff val="0"/>
-              <a:alphaOff val="0"/>
-            </a:schemeClr>
-          </a:solidFill>
-          <a:prstDash val="solid"/>
-        </a:ln>
-        <a:effectLst/>
-      </dsp:spPr>
-      <dsp:style>
-        <a:lnRef idx="2">
-          <a:scrgbClr r="0" g="0" b="0"/>
-        </a:lnRef>
-        <a:fillRef idx="1">
-          <a:scrgbClr r="0" g="0" b="0"/>
-        </a:fillRef>
-        <a:effectRef idx="0">
-          <a:scrgbClr r="0" g="0" b="0"/>
-        </a:effectRef>
-        <a:fontRef idx="minor">
-          <a:schemeClr val="lt1"/>
-        </a:fontRef>
-      </dsp:style>
-      <dsp:txBody>
-        <a:bodyPr spcFirstLastPara="0" vert="horz" wrap="square" lIns="25400" tIns="25400" rIns="25400" bIns="25400" numCol="1" spcCol="1270" anchor="ctr" anchorCtr="0">
-          <a:noAutofit/>
-        </a:bodyPr>
-        <a:lstStyle/>
-        <a:p>
-          <a:pPr lvl="0" algn="ctr" defTabSz="1778000">
-            <a:lnSpc>
-              <a:spcPct val="90000"/>
-            </a:lnSpc>
-            <a:spcBef>
-              <a:spcPct val="0"/>
-            </a:spcBef>
-            <a:spcAft>
-              <a:spcPct val="35000"/>
-            </a:spcAft>
-          </a:pPr>
-          <a:r>
-            <a:rPr lang="en-US" sz="4000" kern="1200" dirty="0" smtClean="0">
-              <a:solidFill>
-                <a:srgbClr val="FFFF00"/>
-              </a:solidFill>
-              <a:latin typeface="Informal Roman" panose="030604020304060B0204" pitchFamily="66" charset="0"/>
-            </a:rPr>
-            <a:t>Primitive Types &amp; Variables</a:t>
-          </a:r>
-          <a:endParaRPr lang="en-US" sz="4000" kern="1200" dirty="0">
-            <a:solidFill>
-              <a:srgbClr val="FFFF00"/>
-            </a:solidFill>
-            <a:latin typeface="Informal Roman" panose="030604020304060B0204" pitchFamily="66" charset="0"/>
-          </a:endParaRPr>
-        </a:p>
-      </dsp:txBody>
-      <dsp:txXfrm>
-        <a:off x="1308162" y="99554"/>
-        <a:ext cx="9182192" cy="931056"/>
-      </dsp:txXfrm>
-    </dsp:sp>
-    <dsp:sp modelId="{C20FB165-149B-4467-8314-5BAE14E5CA8C}">
-      <dsp:nvSpPr>
-        <dsp:cNvPr id="0" name=""/>
-        <dsp:cNvSpPr/>
-      </dsp:nvSpPr>
-      <dsp:spPr>
-        <a:xfrm>
-          <a:off x="1204530" y="1493036"/>
-          <a:ext cx="2122333" cy="1031609"/>
-        </a:xfrm>
-        <a:prstGeom prst="rect">
-          <a:avLst/>
-        </a:prstGeom>
-        <a:solidFill>
-          <a:schemeClr val="accent1">
-            <a:hueOff val="0"/>
-            <a:satOff val="0"/>
-            <a:lumOff val="0"/>
-            <a:alphaOff val="0"/>
-          </a:schemeClr>
-        </a:solidFill>
-        <a:ln w="19050" cap="rnd" cmpd="sng" algn="ctr">
-          <a:solidFill>
-            <a:schemeClr val="lt1">
-              <a:hueOff val="0"/>
-              <a:satOff val="0"/>
-              <a:lumOff val="0"/>
-              <a:alphaOff val="0"/>
-            </a:schemeClr>
-          </a:solidFill>
-          <a:prstDash val="solid"/>
-        </a:ln>
-        <a:effectLst/>
-      </dsp:spPr>
-      <dsp:style>
-        <a:lnRef idx="2">
-          <a:scrgbClr r="0" g="0" b="0"/>
-        </a:lnRef>
-        <a:fillRef idx="1">
-          <a:scrgbClr r="0" g="0" b="0"/>
-        </a:fillRef>
-        <a:effectRef idx="0">
-          <a:scrgbClr r="0" g="0" b="0"/>
-        </a:effectRef>
-        <a:fontRef idx="minor">
-          <a:schemeClr val="lt1"/>
-        </a:fontRef>
-      </dsp:style>
-      <dsp:txBody>
-        <a:bodyPr spcFirstLastPara="0" vert="horz" wrap="square" lIns="25400" tIns="25400" rIns="25400" bIns="25400" numCol="1" spcCol="1270" anchor="ctr" anchorCtr="0">
-          <a:noAutofit/>
-        </a:bodyPr>
-        <a:lstStyle/>
-        <a:p>
-          <a:pPr lvl="0" algn="ctr" defTabSz="1778000">
-            <a:lnSpc>
-              <a:spcPct val="90000"/>
-            </a:lnSpc>
-            <a:spcBef>
-              <a:spcPct val="0"/>
-            </a:spcBef>
-            <a:spcAft>
-              <a:spcPct val="35000"/>
-            </a:spcAft>
-          </a:pPr>
-          <a:r>
-            <a:rPr lang="en-US" sz="4000" kern="1200" dirty="0" smtClean="0">
-              <a:latin typeface="Informal Roman" panose="030604020304060B0204" pitchFamily="66" charset="0"/>
-            </a:rPr>
-            <a:t>Data Types</a:t>
-          </a:r>
-          <a:endParaRPr lang="en-US" sz="4000" kern="1200" dirty="0">
-            <a:latin typeface="Informal Roman" panose="030604020304060B0204" pitchFamily="66" charset="0"/>
-          </a:endParaRPr>
-        </a:p>
-      </dsp:txBody>
-      <dsp:txXfrm>
-        <a:off x="1204530" y="1493036"/>
-        <a:ext cx="2122333" cy="1031609"/>
-      </dsp:txXfrm>
-    </dsp:sp>
-    <dsp:sp modelId="{7549AA70-C3D3-4FE9-939D-63B6EE6245FD}">
-      <dsp:nvSpPr>
-        <dsp:cNvPr id="0" name=""/>
-        <dsp:cNvSpPr/>
-      </dsp:nvSpPr>
-      <dsp:spPr>
-        <a:xfrm>
-          <a:off x="236926" y="2781374"/>
-          <a:ext cx="3499120" cy="3658224"/>
-        </a:xfrm>
-        <a:prstGeom prst="rect">
-          <a:avLst/>
-        </a:prstGeom>
-        <a:solidFill>
-          <a:schemeClr val="accent1">
-            <a:hueOff val="0"/>
-            <a:satOff val="0"/>
-            <a:lumOff val="0"/>
-            <a:alphaOff val="0"/>
-          </a:schemeClr>
-        </a:solidFill>
-        <a:ln w="19050" cap="rnd" cmpd="sng" algn="ctr">
-          <a:solidFill>
-            <a:schemeClr val="lt1">
-              <a:hueOff val="0"/>
-              <a:satOff val="0"/>
-              <a:lumOff val="0"/>
-              <a:alphaOff val="0"/>
-            </a:schemeClr>
-          </a:solidFill>
-          <a:prstDash val="solid"/>
-        </a:ln>
-        <a:effectLst/>
-      </dsp:spPr>
-      <dsp:style>
-        <a:lnRef idx="2">
-          <a:scrgbClr r="0" g="0" b="0"/>
-        </a:lnRef>
-        <a:fillRef idx="1">
-          <a:scrgbClr r="0" g="0" b="0"/>
-        </a:fillRef>
-        <a:effectRef idx="0">
-          <a:scrgbClr r="0" g="0" b="0"/>
-        </a:effectRef>
-        <a:fontRef idx="minor">
-          <a:schemeClr val="lt1"/>
-        </a:fontRef>
-      </dsp:style>
-      <dsp:txBody>
-        <a:bodyPr spcFirstLastPara="0" vert="horz" wrap="square" lIns="15240" tIns="15240" rIns="15240" bIns="15240" numCol="1" spcCol="1270" anchor="ctr" anchorCtr="0">
-          <a:noAutofit/>
-        </a:bodyPr>
-        <a:lstStyle/>
-        <a:p>
-          <a:pPr lvl="0" algn="l" defTabSz="1066800">
-            <a:lnSpc>
-              <a:spcPct val="90000"/>
-            </a:lnSpc>
-            <a:spcBef>
-              <a:spcPct val="0"/>
-            </a:spcBef>
-            <a:spcAft>
-              <a:spcPct val="35000"/>
-            </a:spcAft>
-          </a:pPr>
-          <a:r>
-            <a:rPr lang="en-US" sz="2400" b="1" kern="1200" dirty="0" smtClean="0">
-              <a:latin typeface="Buxton Sketch" panose="03080500000500000004" pitchFamily="66" charset="0"/>
-            </a:rPr>
-            <a:t>- </a:t>
-          </a:r>
-          <a:r>
-            <a:rPr lang="en-US" sz="2400" b="1" kern="1200" dirty="0" smtClean="0">
-              <a:solidFill>
-                <a:schemeClr val="bg1"/>
-              </a:solidFill>
-              <a:latin typeface="Buxton Sketch" panose="03080500000500000004" pitchFamily="66" charset="0"/>
-            </a:rPr>
-            <a:t>Name: </a:t>
-          </a:r>
-          <a:r>
-            <a:rPr lang="en-US" sz="2400" b="1" kern="1200" dirty="0" err="1" smtClean="0">
-              <a:latin typeface="Buxton Sketch" panose="03080500000500000004" pitchFamily="66" charset="0"/>
-            </a:rPr>
-            <a:t>int</a:t>
-          </a:r>
-          <a:r>
-            <a:rPr lang="en-US" sz="2400" b="1" kern="1200" dirty="0" smtClean="0">
-              <a:latin typeface="Buxton Sketch" panose="03080500000500000004" pitchFamily="66" charset="0"/>
-            </a:rPr>
-            <a:t>, double, string, char</a:t>
-          </a:r>
-        </a:p>
-        <a:p>
-          <a:pPr lvl="0" algn="l" defTabSz="1066800">
-            <a:lnSpc>
-              <a:spcPct val="90000"/>
-            </a:lnSpc>
-            <a:spcBef>
-              <a:spcPct val="0"/>
-            </a:spcBef>
-            <a:spcAft>
-              <a:spcPct val="35000"/>
-            </a:spcAft>
-          </a:pPr>
-          <a:r>
-            <a:rPr lang="en-US" sz="2400" b="1" kern="1200" dirty="0" smtClean="0">
-              <a:latin typeface="Buxton Sketch" panose="03080500000500000004" pitchFamily="66" charset="0"/>
-            </a:rPr>
-            <a:t>- </a:t>
-          </a:r>
-          <a:r>
-            <a:rPr lang="en-US" sz="2400" b="1" kern="1200" dirty="0" smtClean="0">
-              <a:solidFill>
-                <a:schemeClr val="bg1"/>
-              </a:solidFill>
-              <a:latin typeface="Buxton Sketch" panose="03080500000500000004" pitchFamily="66" charset="0"/>
-            </a:rPr>
-            <a:t>Size: </a:t>
-          </a:r>
-          <a:r>
-            <a:rPr lang="en-US" sz="2400" b="1" kern="1200" dirty="0" smtClean="0">
-              <a:latin typeface="Buxton Sketch" panose="03080500000500000004" pitchFamily="66" charset="0"/>
-            </a:rPr>
-            <a:t>4 bytes, 16 bytes ….</a:t>
-          </a:r>
-        </a:p>
-        <a:p>
-          <a:pPr lvl="0" algn="l" defTabSz="1066800">
-            <a:lnSpc>
-              <a:spcPct val="90000"/>
-            </a:lnSpc>
-            <a:spcBef>
-              <a:spcPct val="0"/>
-            </a:spcBef>
-            <a:spcAft>
-              <a:spcPct val="35000"/>
-            </a:spcAft>
-          </a:pPr>
-          <a:r>
-            <a:rPr lang="en-US" sz="2400" b="1" kern="1200" dirty="0" smtClean="0">
-              <a:latin typeface="Buxton Sketch" panose="03080500000500000004" pitchFamily="66" charset="0"/>
-            </a:rPr>
-            <a:t>- </a:t>
-          </a:r>
-          <a:r>
-            <a:rPr lang="en-US" sz="2400" b="1" kern="1200" dirty="0" smtClean="0">
-              <a:solidFill>
-                <a:schemeClr val="bg1"/>
-              </a:solidFill>
-              <a:latin typeface="Buxton Sketch" panose="03080500000500000004" pitchFamily="66" charset="0"/>
-            </a:rPr>
-            <a:t>Default value: </a:t>
-          </a:r>
-          <a:r>
-            <a:rPr lang="en-US" sz="2400" b="1" kern="1200" dirty="0" smtClean="0">
-              <a:latin typeface="Buxton Sketch" panose="03080500000500000004" pitchFamily="66" charset="0"/>
-            </a:rPr>
-            <a:t>0, null …</a:t>
-          </a:r>
-        </a:p>
-        <a:p>
-          <a:pPr lvl="0" algn="ctr" defTabSz="1066800">
-            <a:lnSpc>
-              <a:spcPct val="90000"/>
-            </a:lnSpc>
-            <a:spcBef>
-              <a:spcPct val="0"/>
-            </a:spcBef>
-            <a:spcAft>
-              <a:spcPct val="35000"/>
-            </a:spcAft>
-          </a:pPr>
-          <a:r>
-            <a:rPr lang="en-US" sz="2400" b="1" kern="1200" dirty="0" smtClean="0">
-              <a:solidFill>
-                <a:srgbClr val="FFFF00"/>
-              </a:solidFill>
-              <a:latin typeface="Buxton Sketch" panose="03080500000500000004" pitchFamily="66" charset="0"/>
-            </a:rPr>
-            <a:t>Example: </a:t>
-          </a:r>
-        </a:p>
-        <a:p>
-          <a:pPr lvl="0" algn="l" defTabSz="1066800">
-            <a:lnSpc>
-              <a:spcPct val="90000"/>
-            </a:lnSpc>
-            <a:spcBef>
-              <a:spcPct val="0"/>
-            </a:spcBef>
-            <a:spcAft>
-              <a:spcPct val="35000"/>
-            </a:spcAft>
-          </a:pPr>
-          <a:r>
-            <a:rPr lang="en-US" sz="2400" b="1" kern="1200" dirty="0" smtClean="0">
-              <a:solidFill>
-                <a:schemeClr val="bg2">
-                  <a:lumMod val="50000"/>
-                </a:schemeClr>
-              </a:solidFill>
-              <a:latin typeface="Buxton Sketch" panose="03080500000500000004" pitchFamily="66" charset="0"/>
-            </a:rPr>
-            <a:t> string</a:t>
-          </a:r>
-          <a:r>
-            <a:rPr lang="en-US" sz="2400" b="1" kern="1200" dirty="0" smtClean="0">
-              <a:latin typeface="Buxton Sketch" panose="03080500000500000004" pitchFamily="66" charset="0"/>
-            </a:rPr>
-            <a:t> name = “Bugs Bunny”</a:t>
-          </a:r>
-        </a:p>
-        <a:p>
-          <a:pPr lvl="0" algn="l" defTabSz="1066800">
-            <a:lnSpc>
-              <a:spcPct val="90000"/>
-            </a:lnSpc>
-            <a:spcBef>
-              <a:spcPct val="0"/>
-            </a:spcBef>
-            <a:spcAft>
-              <a:spcPct val="35000"/>
-            </a:spcAft>
-          </a:pPr>
-          <a:r>
-            <a:rPr lang="en-US" sz="2400" b="1" kern="1200" dirty="0" smtClean="0">
-              <a:solidFill>
-                <a:schemeClr val="bg2">
-                  <a:lumMod val="50000"/>
-                </a:schemeClr>
-              </a:solidFill>
-              <a:latin typeface="Buxton Sketch" panose="03080500000500000004" pitchFamily="66" charset="0"/>
-            </a:rPr>
-            <a:t> </a:t>
-          </a:r>
-          <a:r>
-            <a:rPr lang="en-US" sz="2400" b="1" kern="1200" dirty="0" err="1" smtClean="0">
-              <a:solidFill>
-                <a:schemeClr val="bg2">
-                  <a:lumMod val="50000"/>
-                </a:schemeClr>
-              </a:solidFill>
-              <a:latin typeface="Buxton Sketch" panose="03080500000500000004" pitchFamily="66" charset="0"/>
-            </a:rPr>
-            <a:t>int</a:t>
-          </a:r>
-          <a:r>
-            <a:rPr lang="en-US" sz="2400" b="1" kern="1200" dirty="0" smtClean="0">
-              <a:solidFill>
-                <a:schemeClr val="bg2">
-                  <a:lumMod val="50000"/>
-                </a:schemeClr>
-              </a:solidFill>
-              <a:latin typeface="Buxton Sketch" panose="03080500000500000004" pitchFamily="66" charset="0"/>
-            </a:rPr>
-            <a:t> </a:t>
-          </a:r>
-          <a:r>
-            <a:rPr lang="en-US" sz="2400" b="1" kern="1200" dirty="0" smtClean="0">
-              <a:latin typeface="Buxton Sketch" panose="03080500000500000004" pitchFamily="66" charset="0"/>
-            </a:rPr>
-            <a:t>number = 0;</a:t>
-          </a:r>
-        </a:p>
-        <a:p>
-          <a:pPr lvl="0" algn="l" defTabSz="1066800">
-            <a:lnSpc>
-              <a:spcPct val="90000"/>
-            </a:lnSpc>
-            <a:spcBef>
-              <a:spcPct val="0"/>
-            </a:spcBef>
-            <a:spcAft>
-              <a:spcPct val="35000"/>
-            </a:spcAft>
-          </a:pPr>
-          <a:r>
-            <a:rPr lang="en-US" sz="2400" b="1" kern="1200" dirty="0" smtClean="0">
-              <a:solidFill>
-                <a:schemeClr val="bg1"/>
-              </a:solidFill>
-              <a:latin typeface="Buxton Sketch" panose="03080500000500000004" pitchFamily="66" charset="0"/>
-            </a:rPr>
-            <a:t> bool </a:t>
-          </a:r>
-          <a:r>
-            <a:rPr lang="en-US" sz="2400" b="1" kern="1200" dirty="0" smtClean="0">
-              <a:latin typeface="Buxton Sketch" panose="03080500000500000004" pitchFamily="66" charset="0"/>
-            </a:rPr>
-            <a:t>male = true;</a:t>
-          </a:r>
-        </a:p>
-        <a:p>
-          <a:pPr lvl="0" algn="l" defTabSz="1066800">
-            <a:lnSpc>
-              <a:spcPct val="90000"/>
-            </a:lnSpc>
-            <a:spcBef>
-              <a:spcPct val="0"/>
-            </a:spcBef>
-            <a:spcAft>
-              <a:spcPct val="35000"/>
-            </a:spcAft>
-          </a:pPr>
-          <a:r>
-            <a:rPr lang="en-US" sz="2400" b="1" kern="1200" dirty="0" smtClean="0">
-              <a:solidFill>
-                <a:schemeClr val="bg2">
-                  <a:lumMod val="50000"/>
-                </a:schemeClr>
-              </a:solidFill>
-              <a:latin typeface="Informal Roman" panose="030604020304060B0204" pitchFamily="66" charset="0"/>
-            </a:rPr>
-            <a:t> </a:t>
-          </a:r>
-          <a:endParaRPr lang="en-US" sz="2400" kern="1200" dirty="0">
-            <a:latin typeface="Informal Roman" panose="030604020304060B0204" pitchFamily="66" charset="0"/>
-          </a:endParaRPr>
-        </a:p>
-      </dsp:txBody>
-      <dsp:txXfrm>
-        <a:off x="236926" y="2781374"/>
-        <a:ext cx="3499120" cy="3658224"/>
-      </dsp:txXfrm>
-    </dsp:sp>
-    <dsp:sp modelId="{895AB612-A75C-40B5-8D50-63BBED3726CA}">
-      <dsp:nvSpPr>
-        <dsp:cNvPr id="0" name=""/>
-        <dsp:cNvSpPr/>
-      </dsp:nvSpPr>
-      <dsp:spPr>
-        <a:xfrm>
-          <a:off x="4527156" y="1520395"/>
-          <a:ext cx="2694111" cy="757038"/>
-        </a:xfrm>
-        <a:prstGeom prst="rect">
-          <a:avLst/>
-        </a:prstGeom>
-        <a:solidFill>
-          <a:schemeClr val="accent1">
-            <a:hueOff val="0"/>
-            <a:satOff val="0"/>
-            <a:lumOff val="0"/>
-            <a:alphaOff val="0"/>
-          </a:schemeClr>
-        </a:solidFill>
-        <a:ln w="19050" cap="rnd" cmpd="sng" algn="ctr">
-          <a:solidFill>
-            <a:schemeClr val="lt1">
-              <a:hueOff val="0"/>
-              <a:satOff val="0"/>
-              <a:lumOff val="0"/>
-              <a:alphaOff val="0"/>
-            </a:schemeClr>
-          </a:solidFill>
-          <a:prstDash val="solid"/>
-        </a:ln>
-        <a:effectLst/>
-      </dsp:spPr>
-      <dsp:style>
-        <a:lnRef idx="2">
-          <a:scrgbClr r="0" g="0" b="0"/>
-        </a:lnRef>
-        <a:fillRef idx="1">
-          <a:scrgbClr r="0" g="0" b="0"/>
-        </a:fillRef>
-        <a:effectRef idx="0">
-          <a:scrgbClr r="0" g="0" b="0"/>
-        </a:effectRef>
-        <a:fontRef idx="minor">
-          <a:schemeClr val="lt1"/>
-        </a:fontRef>
-      </dsp:style>
-      <dsp:txBody>
-        <a:bodyPr spcFirstLastPara="0" vert="horz" wrap="square" lIns="25400" tIns="25400" rIns="25400" bIns="25400" numCol="1" spcCol="1270" anchor="ctr" anchorCtr="0">
-          <a:noAutofit/>
-        </a:bodyPr>
-        <a:lstStyle/>
-        <a:p>
-          <a:pPr lvl="0" algn="ctr" defTabSz="1778000">
-            <a:lnSpc>
-              <a:spcPct val="90000"/>
-            </a:lnSpc>
-            <a:spcBef>
-              <a:spcPct val="0"/>
-            </a:spcBef>
-            <a:spcAft>
-              <a:spcPct val="35000"/>
-            </a:spcAft>
-          </a:pPr>
-          <a:r>
-            <a:rPr lang="en-US" sz="4000" kern="1200" dirty="0" smtClean="0">
-              <a:latin typeface="Informal Roman" panose="030604020304060B0204" pitchFamily="66" charset="0"/>
-            </a:rPr>
-            <a:t>Variables</a:t>
-          </a:r>
-          <a:endParaRPr lang="en-US" sz="4000" kern="1200" dirty="0">
-            <a:latin typeface="Informal Roman" panose="030604020304060B0204" pitchFamily="66" charset="0"/>
-          </a:endParaRPr>
-        </a:p>
-      </dsp:txBody>
-      <dsp:txXfrm>
-        <a:off x="4527156" y="1520395"/>
-        <a:ext cx="2694111" cy="757038"/>
-      </dsp:txXfrm>
-    </dsp:sp>
-    <dsp:sp modelId="{0C797A68-FBD4-499D-B19D-9425146D7EE6}">
-      <dsp:nvSpPr>
-        <dsp:cNvPr id="0" name=""/>
-        <dsp:cNvSpPr/>
-      </dsp:nvSpPr>
-      <dsp:spPr>
-        <a:xfrm>
-          <a:off x="4209824" y="2662331"/>
-          <a:ext cx="3491899" cy="3766234"/>
-        </a:xfrm>
-        <a:prstGeom prst="rect">
-          <a:avLst/>
-        </a:prstGeom>
-        <a:solidFill>
-          <a:schemeClr val="accent1">
-            <a:hueOff val="0"/>
-            <a:satOff val="0"/>
-            <a:lumOff val="0"/>
-            <a:alphaOff val="0"/>
-          </a:schemeClr>
-        </a:solidFill>
-        <a:ln w="19050" cap="rnd" cmpd="sng" algn="ctr">
-          <a:solidFill>
-            <a:schemeClr val="lt1">
-              <a:hueOff val="0"/>
-              <a:satOff val="0"/>
-              <a:lumOff val="0"/>
-              <a:alphaOff val="0"/>
-            </a:schemeClr>
-          </a:solidFill>
-          <a:prstDash val="solid"/>
-        </a:ln>
-        <a:effectLst/>
-      </dsp:spPr>
-      <dsp:style>
-        <a:lnRef idx="2">
-          <a:scrgbClr r="0" g="0" b="0"/>
-        </a:lnRef>
-        <a:fillRef idx="1">
-          <a:scrgbClr r="0" g="0" b="0"/>
-        </a:fillRef>
-        <a:effectRef idx="0">
-          <a:scrgbClr r="0" g="0" b="0"/>
-        </a:effectRef>
-        <a:fontRef idx="minor">
-          <a:schemeClr val="lt1"/>
-        </a:fontRef>
-      </dsp:style>
-      <dsp:txBody>
-        <a:bodyPr spcFirstLastPara="0" vert="horz" wrap="square" lIns="15240" tIns="15240" rIns="15240" bIns="15240" numCol="1" spcCol="1270" anchor="ctr" anchorCtr="0">
-          <a:noAutofit/>
-        </a:bodyPr>
-        <a:lstStyle/>
-        <a:p>
-          <a:pPr lvl="0" algn="l" defTabSz="1066800">
-            <a:lnSpc>
-              <a:spcPct val="90000"/>
-            </a:lnSpc>
-            <a:spcBef>
-              <a:spcPct val="0"/>
-            </a:spcBef>
-            <a:spcAft>
-              <a:spcPct val="35000"/>
-            </a:spcAft>
-          </a:pPr>
-          <a:r>
-            <a:rPr lang="en-US" sz="2400" b="1" kern="1200" dirty="0" smtClean="0">
-              <a:latin typeface="Buxton Sketch" panose="03080500000500000004" pitchFamily="66" charset="0"/>
-            </a:rPr>
-            <a:t>- </a:t>
-          </a:r>
-          <a:r>
-            <a:rPr lang="en-US" sz="2400" b="1" kern="1200" dirty="0" smtClean="0">
-              <a:solidFill>
-                <a:schemeClr val="bg1"/>
-              </a:solidFill>
-              <a:latin typeface="Buxton Sketch" panose="03080500000500000004" pitchFamily="66" charset="0"/>
-            </a:rPr>
-            <a:t>Name(identifier): </a:t>
-          </a:r>
-          <a:r>
-            <a:rPr lang="en-US" sz="2400" b="1" kern="1200" dirty="0" smtClean="0">
-              <a:latin typeface="Buxton Sketch" panose="03080500000500000004" pitchFamily="66" charset="0"/>
-            </a:rPr>
-            <a:t>age, name</a:t>
-          </a:r>
-        </a:p>
-        <a:p>
-          <a:pPr lvl="0" algn="l" defTabSz="1066800">
-            <a:lnSpc>
-              <a:spcPct val="90000"/>
-            </a:lnSpc>
-            <a:spcBef>
-              <a:spcPct val="0"/>
-            </a:spcBef>
-            <a:spcAft>
-              <a:spcPct val="35000"/>
-            </a:spcAft>
-          </a:pPr>
-          <a:r>
-            <a:rPr lang="en-US" sz="2400" b="1" kern="1200" dirty="0" smtClean="0">
-              <a:latin typeface="Buxton Sketch" panose="03080500000500000004" pitchFamily="66" charset="0"/>
-            </a:rPr>
-            <a:t>- </a:t>
-          </a:r>
-          <a:r>
-            <a:rPr lang="en-US" sz="2400" b="1" kern="1200" dirty="0" smtClean="0">
-              <a:solidFill>
-                <a:schemeClr val="bg1"/>
-              </a:solidFill>
-              <a:latin typeface="Buxton Sketch" panose="03080500000500000004" pitchFamily="66" charset="0"/>
-            </a:rPr>
-            <a:t>Type: </a:t>
-          </a:r>
-          <a:r>
-            <a:rPr lang="en-US" sz="2400" b="1" kern="1200" dirty="0" err="1" smtClean="0">
-              <a:latin typeface="Buxton Sketch" panose="03080500000500000004" pitchFamily="66" charset="0"/>
-            </a:rPr>
-            <a:t>int</a:t>
-          </a:r>
-          <a:r>
-            <a:rPr lang="en-US" sz="2400" b="1" kern="1200" dirty="0" smtClean="0">
-              <a:latin typeface="Buxton Sketch" panose="03080500000500000004" pitchFamily="66" charset="0"/>
-            </a:rPr>
-            <a:t>, string, char</a:t>
-          </a:r>
-        </a:p>
-        <a:p>
-          <a:pPr lvl="0" algn="l" defTabSz="1066800">
-            <a:lnSpc>
-              <a:spcPct val="90000"/>
-            </a:lnSpc>
-            <a:spcBef>
-              <a:spcPct val="0"/>
-            </a:spcBef>
-            <a:spcAft>
-              <a:spcPct val="35000"/>
-            </a:spcAft>
-          </a:pPr>
-          <a:r>
-            <a:rPr lang="en-US" sz="2400" b="1" kern="1200" dirty="0" smtClean="0">
-              <a:latin typeface="Buxton Sketch" panose="03080500000500000004" pitchFamily="66" charset="0"/>
-            </a:rPr>
-            <a:t>- </a:t>
-          </a:r>
-          <a:r>
-            <a:rPr lang="en-US" sz="2400" b="1" kern="1200" dirty="0" smtClean="0">
-              <a:solidFill>
-                <a:schemeClr val="bg1"/>
-              </a:solidFill>
-              <a:latin typeface="Buxton Sketch" panose="03080500000500000004" pitchFamily="66" charset="0"/>
-            </a:rPr>
-            <a:t>Value: </a:t>
-          </a:r>
-          <a:r>
-            <a:rPr lang="en-US" sz="2400" b="1" kern="1200" dirty="0" smtClean="0">
-              <a:latin typeface="Buxton Sketch" panose="03080500000500000004" pitchFamily="66" charset="0"/>
-            </a:rPr>
-            <a:t>101, Daffy Duck, </a:t>
-          </a:r>
-          <a:r>
-            <a:rPr lang="en-US" sz="2400" b="1" kern="1200" dirty="0" smtClean="0">
-              <a:latin typeface="Buxton Sketch" panose="03080500000500000004" pitchFamily="66" charset="0"/>
-              <a:sym typeface="Wingdings" panose="05000000000000000000" pitchFamily="2" charset="2"/>
-            </a:rPr>
-            <a:t></a:t>
-          </a:r>
-        </a:p>
-        <a:p>
-          <a:pPr lvl="0" algn="ctr" defTabSz="1066800">
-            <a:lnSpc>
-              <a:spcPct val="90000"/>
-            </a:lnSpc>
-            <a:spcBef>
-              <a:spcPct val="0"/>
-            </a:spcBef>
-            <a:spcAft>
-              <a:spcPct val="35000"/>
-            </a:spcAft>
-          </a:pPr>
-          <a:r>
-            <a:rPr lang="en-US" sz="2400" b="1" kern="1200" dirty="0" smtClean="0">
-              <a:solidFill>
-                <a:srgbClr val="FFFF00"/>
-              </a:solidFill>
-              <a:latin typeface="Buxton Sketch" panose="03080500000500000004" pitchFamily="66" charset="0"/>
-              <a:sym typeface="Wingdings" panose="05000000000000000000" pitchFamily="2" charset="2"/>
-            </a:rPr>
-            <a:t>Example:</a:t>
-          </a:r>
-        </a:p>
-        <a:p>
-          <a:pPr lvl="0" algn="l" defTabSz="1066800">
-            <a:lnSpc>
-              <a:spcPct val="90000"/>
-            </a:lnSpc>
-            <a:spcBef>
-              <a:spcPct val="0"/>
-            </a:spcBef>
-            <a:spcAft>
-              <a:spcPct val="35000"/>
-            </a:spcAft>
-          </a:pPr>
-          <a:r>
-            <a:rPr lang="en-US" sz="2400" b="1" kern="1200" dirty="0" smtClean="0">
-              <a:latin typeface="Buxton Sketch" panose="03080500000500000004" pitchFamily="66" charset="0"/>
-              <a:sym typeface="Wingdings" panose="05000000000000000000" pitchFamily="2" charset="2"/>
-            </a:rPr>
-            <a:t> string </a:t>
-          </a:r>
-          <a:r>
-            <a:rPr lang="en-US" sz="2400" b="1" kern="1200" dirty="0" err="1" smtClean="0">
-              <a:solidFill>
-                <a:schemeClr val="bg2">
-                  <a:lumMod val="50000"/>
-                </a:schemeClr>
-              </a:solidFill>
-              <a:latin typeface="Buxton Sketch" panose="03080500000500000004" pitchFamily="66" charset="0"/>
-              <a:sym typeface="Wingdings" panose="05000000000000000000" pitchFamily="2" charset="2"/>
-            </a:rPr>
-            <a:t>myName</a:t>
-          </a:r>
-          <a:r>
-            <a:rPr lang="en-US" sz="2400" b="1" kern="1200" dirty="0" smtClean="0">
-              <a:solidFill>
-                <a:schemeClr val="bg2">
-                  <a:lumMod val="50000"/>
-                </a:schemeClr>
-              </a:solidFill>
-              <a:latin typeface="Buxton Sketch" panose="03080500000500000004" pitchFamily="66" charset="0"/>
-              <a:sym typeface="Wingdings" panose="05000000000000000000" pitchFamily="2" charset="2"/>
-            </a:rPr>
-            <a:t> </a:t>
-          </a:r>
-          <a:r>
-            <a:rPr lang="en-US" sz="2400" b="1" kern="1200" dirty="0" smtClean="0">
-              <a:solidFill>
-                <a:schemeClr val="tx1"/>
-              </a:solidFill>
-              <a:latin typeface="Buxton Sketch" panose="03080500000500000004" pitchFamily="66" charset="0"/>
-              <a:sym typeface="Wingdings" panose="05000000000000000000" pitchFamily="2" charset="2"/>
-            </a:rPr>
-            <a:t>= “Bugsy“;</a:t>
-          </a:r>
-        </a:p>
-        <a:p>
-          <a:pPr lvl="0" algn="l" defTabSz="1066800">
-            <a:lnSpc>
-              <a:spcPct val="90000"/>
-            </a:lnSpc>
-            <a:spcBef>
-              <a:spcPct val="0"/>
-            </a:spcBef>
-            <a:spcAft>
-              <a:spcPct val="35000"/>
-            </a:spcAft>
-          </a:pPr>
-          <a:r>
-            <a:rPr lang="en-US" sz="2400" b="1" kern="1200" dirty="0" smtClean="0">
-              <a:solidFill>
-                <a:schemeClr val="bg2">
-                  <a:lumMod val="50000"/>
-                </a:schemeClr>
-              </a:solidFill>
-              <a:latin typeface="Buxton Sketch" panose="03080500000500000004" pitchFamily="66" charset="0"/>
-              <a:sym typeface="Wingdings" panose="05000000000000000000" pitchFamily="2" charset="2"/>
-            </a:rPr>
-            <a:t> </a:t>
-          </a:r>
-          <a:r>
-            <a:rPr lang="en-US" sz="2400" b="1" kern="1200" dirty="0" err="1" smtClean="0">
-              <a:solidFill>
-                <a:schemeClr val="tx1"/>
-              </a:solidFill>
-              <a:latin typeface="Buxton Sketch" panose="03080500000500000004" pitchFamily="66" charset="0"/>
-              <a:sym typeface="Wingdings" panose="05000000000000000000" pitchFamily="2" charset="2"/>
-            </a:rPr>
-            <a:t>int</a:t>
-          </a:r>
-          <a:r>
-            <a:rPr lang="en-US" sz="2400" b="1" kern="1200" dirty="0" smtClean="0">
-              <a:solidFill>
-                <a:schemeClr val="tx1"/>
-              </a:solidFill>
-              <a:latin typeface="Buxton Sketch" panose="03080500000500000004" pitchFamily="66" charset="0"/>
-              <a:sym typeface="Wingdings" panose="05000000000000000000" pitchFamily="2" charset="2"/>
-            </a:rPr>
-            <a:t> </a:t>
-          </a:r>
-          <a:r>
-            <a:rPr lang="en-US" sz="2400" b="1" kern="1200" dirty="0" err="1" smtClean="0">
-              <a:solidFill>
-                <a:schemeClr val="bg1"/>
-              </a:solidFill>
-              <a:latin typeface="Buxton Sketch" panose="03080500000500000004" pitchFamily="66" charset="0"/>
-              <a:sym typeface="Wingdings" panose="05000000000000000000" pitchFamily="2" charset="2"/>
-            </a:rPr>
-            <a:t>myAge</a:t>
-          </a:r>
-          <a:r>
-            <a:rPr lang="en-US" sz="2400" b="1" kern="1200" dirty="0" smtClean="0">
-              <a:solidFill>
-                <a:schemeClr val="bg1"/>
-              </a:solidFill>
-              <a:latin typeface="Buxton Sketch" panose="03080500000500000004" pitchFamily="66" charset="0"/>
-              <a:sym typeface="Wingdings" panose="05000000000000000000" pitchFamily="2" charset="2"/>
-            </a:rPr>
-            <a:t> </a:t>
-          </a:r>
-          <a:r>
-            <a:rPr lang="en-US" sz="2400" b="1" kern="1200" dirty="0" smtClean="0">
-              <a:solidFill>
-                <a:schemeClr val="tx1"/>
-              </a:solidFill>
-              <a:latin typeface="Buxton Sketch" panose="03080500000500000004" pitchFamily="66" charset="0"/>
-              <a:sym typeface="Wingdings" panose="05000000000000000000" pitchFamily="2" charset="2"/>
-            </a:rPr>
-            <a:t>= 101;</a:t>
-          </a:r>
-        </a:p>
-        <a:p>
-          <a:pPr lvl="0" algn="l" defTabSz="1066800">
-            <a:lnSpc>
-              <a:spcPct val="90000"/>
-            </a:lnSpc>
-            <a:spcBef>
-              <a:spcPct val="0"/>
-            </a:spcBef>
-            <a:spcAft>
-              <a:spcPct val="35000"/>
-            </a:spcAft>
-          </a:pPr>
-          <a:r>
-            <a:rPr lang="en-US" sz="2400" b="1" kern="1200" dirty="0" smtClean="0">
-              <a:solidFill>
-                <a:schemeClr val="tx1"/>
-              </a:solidFill>
-              <a:latin typeface="Buxton Sketch" panose="03080500000500000004" pitchFamily="66" charset="0"/>
-              <a:sym typeface="Wingdings" panose="05000000000000000000" pitchFamily="2" charset="2"/>
-            </a:rPr>
-            <a:t> bool </a:t>
-          </a:r>
-          <a:r>
-            <a:rPr lang="en-US" sz="2400" b="1" kern="1200" dirty="0" smtClean="0">
-              <a:solidFill>
-                <a:schemeClr val="bg1"/>
-              </a:solidFill>
-              <a:latin typeface="Buxton Sketch" panose="03080500000500000004" pitchFamily="66" charset="0"/>
-              <a:sym typeface="Wingdings" panose="05000000000000000000" pitchFamily="2" charset="2"/>
-            </a:rPr>
-            <a:t>male</a:t>
-          </a:r>
-          <a:r>
-            <a:rPr lang="en-US" sz="2400" b="1" kern="1200" dirty="0" smtClean="0">
-              <a:solidFill>
-                <a:schemeClr val="tx1"/>
-              </a:solidFill>
-              <a:latin typeface="Buxton Sketch" panose="03080500000500000004" pitchFamily="66" charset="0"/>
-              <a:sym typeface="Wingdings" panose="05000000000000000000" pitchFamily="2" charset="2"/>
-            </a:rPr>
-            <a:t> = false;</a:t>
-          </a:r>
-          <a:endParaRPr lang="en-US" sz="2400" b="1" kern="1200" dirty="0" smtClean="0">
-            <a:solidFill>
-              <a:schemeClr val="bg1"/>
-            </a:solidFill>
-            <a:latin typeface="Buxton Sketch" panose="03080500000500000004" pitchFamily="66" charset="0"/>
-            <a:sym typeface="Wingdings" panose="05000000000000000000" pitchFamily="2" charset="2"/>
-          </a:endParaRPr>
-        </a:p>
-        <a:p>
-          <a:pPr lvl="0" algn="l" defTabSz="1066800">
-            <a:lnSpc>
-              <a:spcPct val="90000"/>
-            </a:lnSpc>
-            <a:spcBef>
-              <a:spcPct val="0"/>
-            </a:spcBef>
-            <a:spcAft>
-              <a:spcPct val="35000"/>
-            </a:spcAft>
-          </a:pPr>
-          <a:r>
-            <a:rPr lang="en-US" sz="2400" kern="1200" dirty="0" smtClean="0">
-              <a:latin typeface="Informal Roman" panose="030604020304060B0204" pitchFamily="66" charset="0"/>
-            </a:rPr>
-            <a:t> </a:t>
-          </a:r>
-          <a:endParaRPr lang="en-US" sz="2400" kern="1200" dirty="0">
-            <a:latin typeface="Informal Roman" panose="030604020304060B0204" pitchFamily="66" charset="0"/>
-          </a:endParaRPr>
-        </a:p>
-      </dsp:txBody>
-      <dsp:txXfrm>
-        <a:off x="4209824" y="2662331"/>
-        <a:ext cx="3491899" cy="3766234"/>
-      </dsp:txXfrm>
-    </dsp:sp>
-    <dsp:sp modelId="{24997362-E2FE-4324-9EA2-55AE0DA44CA4}">
-      <dsp:nvSpPr>
-        <dsp:cNvPr id="0" name=""/>
-        <dsp:cNvSpPr/>
-      </dsp:nvSpPr>
-      <dsp:spPr>
-        <a:xfrm>
-          <a:off x="9054129" y="1304611"/>
-          <a:ext cx="1849299" cy="1067580"/>
-        </a:xfrm>
-        <a:prstGeom prst="rect">
-          <a:avLst/>
-        </a:prstGeom>
-        <a:solidFill>
-          <a:schemeClr val="accent1">
-            <a:hueOff val="0"/>
-            <a:satOff val="0"/>
-            <a:lumOff val="0"/>
-            <a:alphaOff val="0"/>
-          </a:schemeClr>
-        </a:solidFill>
-        <a:ln w="19050" cap="rnd" cmpd="sng" algn="ctr">
-          <a:solidFill>
-            <a:schemeClr val="lt1">
-              <a:hueOff val="0"/>
-              <a:satOff val="0"/>
-              <a:lumOff val="0"/>
-              <a:alphaOff val="0"/>
-            </a:schemeClr>
-          </a:solidFill>
-          <a:prstDash val="solid"/>
-        </a:ln>
-        <a:effectLst/>
-      </dsp:spPr>
-      <dsp:style>
-        <a:lnRef idx="2">
-          <a:scrgbClr r="0" g="0" b="0"/>
-        </a:lnRef>
-        <a:fillRef idx="1">
-          <a:scrgbClr r="0" g="0" b="0"/>
-        </a:fillRef>
-        <a:effectRef idx="0">
-          <a:scrgbClr r="0" g="0" b="0"/>
-        </a:effectRef>
-        <a:fontRef idx="minor">
-          <a:schemeClr val="lt1"/>
-        </a:fontRef>
-      </dsp:style>
-      <dsp:txBody>
-        <a:bodyPr spcFirstLastPara="0" vert="horz" wrap="square" lIns="25400" tIns="25400" rIns="25400" bIns="25400" numCol="1" spcCol="1270" anchor="ctr" anchorCtr="0">
-          <a:noAutofit/>
-        </a:bodyPr>
-        <a:lstStyle/>
-        <a:p>
-          <a:pPr lvl="0" algn="ctr" defTabSz="1778000">
-            <a:lnSpc>
-              <a:spcPct val="90000"/>
-            </a:lnSpc>
-            <a:spcBef>
-              <a:spcPct val="0"/>
-            </a:spcBef>
-            <a:spcAft>
-              <a:spcPct val="35000"/>
-            </a:spcAft>
-          </a:pPr>
-          <a:r>
-            <a:rPr lang="en-US" sz="4000" kern="1200" dirty="0" smtClean="0">
-              <a:latin typeface="Informal Roman" panose="030604020304060B0204" pitchFamily="66" charset="0"/>
-            </a:rPr>
-            <a:t>Literals</a:t>
-          </a:r>
-          <a:endParaRPr lang="en-US" sz="4000" kern="1200" dirty="0">
-            <a:latin typeface="Informal Roman" panose="030604020304060B0204" pitchFamily="66" charset="0"/>
-          </a:endParaRPr>
-        </a:p>
-      </dsp:txBody>
-      <dsp:txXfrm>
-        <a:off x="9054129" y="1304611"/>
-        <a:ext cx="1849299" cy="1067580"/>
-      </dsp:txXfrm>
-    </dsp:sp>
-    <dsp:sp modelId="{F0D45978-6E3C-4653-B772-BCF7BA415A17}">
-      <dsp:nvSpPr>
-        <dsp:cNvPr id="0" name=""/>
-        <dsp:cNvSpPr/>
-      </dsp:nvSpPr>
-      <dsp:spPr>
-        <a:xfrm>
-          <a:off x="8112617" y="2586188"/>
-          <a:ext cx="3060484" cy="3908483"/>
-        </a:xfrm>
-        <a:prstGeom prst="rect">
-          <a:avLst/>
-        </a:prstGeom>
-        <a:solidFill>
-          <a:schemeClr val="accent1">
-            <a:hueOff val="0"/>
-            <a:satOff val="0"/>
-            <a:lumOff val="0"/>
-            <a:alphaOff val="0"/>
-          </a:schemeClr>
-        </a:solidFill>
-        <a:ln w="19050" cap="rnd" cmpd="sng" algn="ctr">
-          <a:solidFill>
-            <a:schemeClr val="lt1">
-              <a:hueOff val="0"/>
-              <a:satOff val="0"/>
-              <a:lumOff val="0"/>
-              <a:alphaOff val="0"/>
-            </a:schemeClr>
-          </a:solidFill>
-          <a:prstDash val="solid"/>
-        </a:ln>
-        <a:effectLst/>
-      </dsp:spPr>
-      <dsp:style>
-        <a:lnRef idx="2">
-          <a:scrgbClr r="0" g="0" b="0"/>
-        </a:lnRef>
-        <a:fillRef idx="1">
-          <a:scrgbClr r="0" g="0" b="0"/>
-        </a:fillRef>
-        <a:effectRef idx="0">
-          <a:scrgbClr r="0" g="0" b="0"/>
-        </a:effectRef>
-        <a:fontRef idx="minor">
-          <a:schemeClr val="lt1"/>
-        </a:fontRef>
-      </dsp:style>
-      <dsp:txBody>
-        <a:bodyPr spcFirstLastPara="0" vert="horz" wrap="square" lIns="15240" tIns="15240" rIns="15240" bIns="15240" numCol="1" spcCol="1270" anchor="ctr" anchorCtr="0">
-          <a:noAutofit/>
-        </a:bodyPr>
-        <a:lstStyle/>
-        <a:p>
-          <a:pPr lvl="0" algn="ctr" defTabSz="1066800">
-            <a:lnSpc>
-              <a:spcPct val="90000"/>
-            </a:lnSpc>
-            <a:spcBef>
-              <a:spcPct val="0"/>
-            </a:spcBef>
-            <a:spcAft>
-              <a:spcPct val="35000"/>
-            </a:spcAft>
-          </a:pPr>
-          <a:r>
-            <a:rPr lang="en-US" sz="2400" kern="1200" dirty="0" smtClean="0">
-              <a:latin typeface="Buxton Sketch" panose="03080500000500000004" pitchFamily="66" charset="0"/>
-            </a:rPr>
-            <a:t>Variable values who are set directly in the source code in the program.</a:t>
-          </a:r>
-        </a:p>
-        <a:p>
-          <a:pPr lvl="0" algn="ctr" defTabSz="1066800">
-            <a:lnSpc>
-              <a:spcPct val="90000"/>
-            </a:lnSpc>
-            <a:spcBef>
-              <a:spcPct val="0"/>
-            </a:spcBef>
-            <a:spcAft>
-              <a:spcPct val="35000"/>
-            </a:spcAft>
-          </a:pPr>
-          <a:r>
-            <a:rPr lang="en-US" sz="2400" kern="1200" dirty="0" smtClean="0">
-              <a:solidFill>
-                <a:srgbClr val="FFFF00"/>
-              </a:solidFill>
-              <a:latin typeface="Buxton Sketch" panose="03080500000500000004" pitchFamily="66" charset="0"/>
-            </a:rPr>
-            <a:t>Example:</a:t>
-          </a:r>
-        </a:p>
-        <a:p>
-          <a:pPr lvl="0" algn="ctr" defTabSz="1066800">
-            <a:lnSpc>
-              <a:spcPct val="90000"/>
-            </a:lnSpc>
-            <a:spcBef>
-              <a:spcPct val="0"/>
-            </a:spcBef>
-            <a:spcAft>
-              <a:spcPct val="35000"/>
-            </a:spcAft>
-          </a:pPr>
-          <a:r>
-            <a:rPr lang="en-US" sz="2400" kern="1200" dirty="0" smtClean="0">
-              <a:solidFill>
-                <a:schemeClr val="bg1"/>
-              </a:solidFill>
-              <a:latin typeface="Buxton Sketch" panose="03080500000500000004" pitchFamily="66" charset="0"/>
-            </a:rPr>
-            <a:t>“Bugsy”,</a:t>
-          </a:r>
-        </a:p>
-        <a:p>
-          <a:pPr lvl="0" algn="ctr" defTabSz="1066800">
-            <a:lnSpc>
-              <a:spcPct val="90000"/>
-            </a:lnSpc>
-            <a:spcBef>
-              <a:spcPct val="0"/>
-            </a:spcBef>
-            <a:spcAft>
-              <a:spcPct val="35000"/>
-            </a:spcAft>
-          </a:pPr>
-          <a:r>
-            <a:rPr lang="en-US" sz="2400" kern="1200" dirty="0" smtClean="0">
-              <a:solidFill>
-                <a:schemeClr val="bg1"/>
-              </a:solidFill>
-              <a:latin typeface="Buxton Sketch" panose="03080500000500000004" pitchFamily="66" charset="0"/>
-            </a:rPr>
-            <a:t>101,</a:t>
-          </a:r>
-        </a:p>
-        <a:p>
-          <a:pPr lvl="0" algn="ctr" defTabSz="1066800">
-            <a:lnSpc>
-              <a:spcPct val="90000"/>
-            </a:lnSpc>
-            <a:spcBef>
-              <a:spcPct val="0"/>
-            </a:spcBef>
-            <a:spcAft>
-              <a:spcPct val="35000"/>
-            </a:spcAft>
-          </a:pPr>
-          <a:r>
-            <a:rPr lang="en-US" sz="2400" kern="1200" dirty="0" smtClean="0">
-              <a:solidFill>
-                <a:schemeClr val="bg1"/>
-              </a:solidFill>
-              <a:latin typeface="Buxton Sketch" panose="03080500000500000004" pitchFamily="66" charset="0"/>
-            </a:rPr>
-            <a:t>true/false</a:t>
-          </a:r>
-        </a:p>
-        <a:p>
-          <a:pPr lvl="0" algn="ctr" defTabSz="1066800">
-            <a:lnSpc>
-              <a:spcPct val="90000"/>
-            </a:lnSpc>
-            <a:spcBef>
-              <a:spcPct val="0"/>
-            </a:spcBef>
-            <a:spcAft>
-              <a:spcPct val="35000"/>
-            </a:spcAft>
-          </a:pPr>
-          <a:r>
-            <a:rPr lang="en-US" sz="2400" kern="1200" dirty="0" smtClean="0">
-              <a:solidFill>
-                <a:srgbClr val="FFFF00"/>
-              </a:solidFill>
-              <a:latin typeface="Buxton Sketch" panose="03080500000500000004" pitchFamily="66" charset="0"/>
-            </a:rPr>
-            <a:t>…</a:t>
-          </a:r>
-        </a:p>
-        <a:p>
-          <a:pPr lvl="0" algn="ctr" defTabSz="1066800">
-            <a:lnSpc>
-              <a:spcPct val="90000"/>
-            </a:lnSpc>
-            <a:spcBef>
-              <a:spcPct val="0"/>
-            </a:spcBef>
-            <a:spcAft>
-              <a:spcPct val="35000"/>
-            </a:spcAft>
-          </a:pPr>
-          <a:endParaRPr lang="en-US" sz="2400" kern="1200" dirty="0">
-            <a:solidFill>
-              <a:srgbClr val="FFFF00"/>
-            </a:solidFill>
-            <a:latin typeface="Buxton Sketch" panose="03080500000500000004" pitchFamily="66" charset="0"/>
-          </a:endParaRPr>
-        </a:p>
-      </dsp:txBody>
-      <dsp:txXfrm>
-        <a:off x="8112617" y="2586188"/>
-        <a:ext cx="3060484" cy="3908483"/>
-      </dsp:txXfrm>
-    </dsp:sp>
   </dsp:spTree>
 </dsp:drawing>
 </file>
@@ -12027,1255 +10039,6 @@
       <dsp:cNvGrpSpPr/>
     </dsp:nvGrpSpPr>
     <dsp:grpSpPr/>
-    <dsp:sp modelId="{4C52E7E5-BAD1-426B-94E0-FAB160D34C3D}">
-      <dsp:nvSpPr>
-        <dsp:cNvPr id="0" name=""/>
-        <dsp:cNvSpPr/>
-      </dsp:nvSpPr>
-      <dsp:spPr>
-        <a:xfrm>
-          <a:off x="10471363" y="2955856"/>
-          <a:ext cx="1282256" cy="1908712"/>
-        </a:xfrm>
-        <a:custGeom>
-          <a:avLst/>
-          <a:gdLst/>
-          <a:ahLst/>
-          <a:cxnLst/>
-          <a:rect l="0" t="0" r="0" b="0"/>
-          <a:pathLst>
-            <a:path>
-              <a:moveTo>
-                <a:pt x="0" y="0"/>
-              </a:moveTo>
-              <a:lnTo>
-                <a:pt x="1282256" y="1908712"/>
-              </a:lnTo>
-            </a:path>
-          </a:pathLst>
-        </a:custGeom>
-        <a:noFill/>
-        <a:ln w="19050" cap="rnd" cmpd="sng" algn="ctr">
-          <a:solidFill>
-            <a:schemeClr val="accent1">
-              <a:shade val="80000"/>
-              <a:hueOff val="0"/>
-              <a:satOff val="0"/>
-              <a:lumOff val="0"/>
-              <a:alphaOff val="0"/>
-            </a:schemeClr>
-          </a:solidFill>
-          <a:prstDash val="solid"/>
-        </a:ln>
-        <a:effectLst/>
-      </dsp:spPr>
-      <dsp:style>
-        <a:lnRef idx="2">
-          <a:scrgbClr r="0" g="0" b="0"/>
-        </a:lnRef>
-        <a:fillRef idx="0">
-          <a:scrgbClr r="0" g="0" b="0"/>
-        </a:fillRef>
-        <a:effectRef idx="0">
-          <a:scrgbClr r="0" g="0" b="0"/>
-        </a:effectRef>
-        <a:fontRef idx="minor"/>
-      </dsp:style>
-    </dsp:sp>
-    <dsp:sp modelId="{480BC953-AD9A-4428-AA84-E07634D3A4EB}">
-      <dsp:nvSpPr>
-        <dsp:cNvPr id="0" name=""/>
-        <dsp:cNvSpPr/>
-      </dsp:nvSpPr>
-      <dsp:spPr>
-        <a:xfrm>
-          <a:off x="6171439" y="1225032"/>
-          <a:ext cx="4299923" cy="544402"/>
-        </a:xfrm>
-        <a:custGeom>
-          <a:avLst/>
-          <a:gdLst/>
-          <a:ahLst/>
-          <a:cxnLst/>
-          <a:rect l="0" t="0" r="0" b="0"/>
-          <a:pathLst>
-            <a:path>
-              <a:moveTo>
-                <a:pt x="0" y="0"/>
-              </a:moveTo>
-              <a:lnTo>
-                <a:pt x="0" y="383204"/>
-              </a:lnTo>
-              <a:lnTo>
-                <a:pt x="4299923" y="383204"/>
-              </a:lnTo>
-              <a:lnTo>
-                <a:pt x="4299923" y="544402"/>
-              </a:lnTo>
-            </a:path>
-          </a:pathLst>
-        </a:custGeom>
-        <a:noFill/>
-        <a:ln w="19050" cap="rnd" cmpd="sng" algn="ctr">
-          <a:solidFill>
-            <a:schemeClr val="accent1">
-              <a:shade val="60000"/>
-              <a:hueOff val="0"/>
-              <a:satOff val="0"/>
-              <a:lumOff val="0"/>
-              <a:alphaOff val="0"/>
-            </a:schemeClr>
-          </a:solidFill>
-          <a:prstDash val="solid"/>
-        </a:ln>
-        <a:effectLst/>
-      </dsp:spPr>
-      <dsp:style>
-        <a:lnRef idx="2">
-          <a:scrgbClr r="0" g="0" b="0"/>
-        </a:lnRef>
-        <a:fillRef idx="0">
-          <a:scrgbClr r="0" g="0" b="0"/>
-        </a:fillRef>
-        <a:effectRef idx="0">
-          <a:scrgbClr r="0" g="0" b="0"/>
-        </a:effectRef>
-        <a:fontRef idx="minor"/>
-      </dsp:style>
-    </dsp:sp>
-    <dsp:sp modelId="{FE45ACE3-8531-4E22-AAC7-3BF55A41324A}">
-      <dsp:nvSpPr>
-        <dsp:cNvPr id="0" name=""/>
-        <dsp:cNvSpPr/>
-      </dsp:nvSpPr>
-      <dsp:spPr>
-        <a:xfrm>
-          <a:off x="6700163" y="3054800"/>
-          <a:ext cx="977777" cy="1827653"/>
-        </a:xfrm>
-        <a:custGeom>
-          <a:avLst/>
-          <a:gdLst/>
-          <a:ahLst/>
-          <a:cxnLst/>
-          <a:rect l="0" t="0" r="0" b="0"/>
-          <a:pathLst>
-            <a:path>
-              <a:moveTo>
-                <a:pt x="0" y="0"/>
-              </a:moveTo>
-              <a:lnTo>
-                <a:pt x="977777" y="1827653"/>
-              </a:lnTo>
-            </a:path>
-          </a:pathLst>
-        </a:custGeom>
-        <a:noFill/>
-        <a:ln w="19050" cap="rnd" cmpd="sng" algn="ctr">
-          <a:solidFill>
-            <a:schemeClr val="accent1">
-              <a:shade val="80000"/>
-              <a:hueOff val="0"/>
-              <a:satOff val="0"/>
-              <a:lumOff val="0"/>
-              <a:alphaOff val="0"/>
-            </a:schemeClr>
-          </a:solidFill>
-          <a:prstDash val="solid"/>
-        </a:ln>
-        <a:effectLst/>
-      </dsp:spPr>
-      <dsp:style>
-        <a:lnRef idx="2">
-          <a:scrgbClr r="0" g="0" b="0"/>
-        </a:lnRef>
-        <a:fillRef idx="0">
-          <a:scrgbClr r="0" g="0" b="0"/>
-        </a:fillRef>
-        <a:effectRef idx="0">
-          <a:scrgbClr r="0" g="0" b="0"/>
-        </a:effectRef>
-        <a:fontRef idx="minor"/>
-      </dsp:style>
-    </dsp:sp>
-    <dsp:sp modelId="{8D3D58E2-AE76-4AFB-A69C-769F4EBC320E}">
-      <dsp:nvSpPr>
-        <dsp:cNvPr id="0" name=""/>
-        <dsp:cNvSpPr/>
-      </dsp:nvSpPr>
-      <dsp:spPr>
-        <a:xfrm>
-          <a:off x="6171439" y="1225032"/>
-          <a:ext cx="528723" cy="549368"/>
-        </a:xfrm>
-        <a:custGeom>
-          <a:avLst/>
-          <a:gdLst/>
-          <a:ahLst/>
-          <a:cxnLst/>
-          <a:rect l="0" t="0" r="0" b="0"/>
-          <a:pathLst>
-            <a:path>
-              <a:moveTo>
-                <a:pt x="0" y="0"/>
-              </a:moveTo>
-              <a:lnTo>
-                <a:pt x="0" y="388171"/>
-              </a:lnTo>
-              <a:lnTo>
-                <a:pt x="528723" y="388171"/>
-              </a:lnTo>
-              <a:lnTo>
-                <a:pt x="528723" y="549368"/>
-              </a:lnTo>
-            </a:path>
-          </a:pathLst>
-        </a:custGeom>
-        <a:noFill/>
-        <a:ln w="19050" cap="rnd" cmpd="sng" algn="ctr">
-          <a:solidFill>
-            <a:schemeClr val="accent1">
-              <a:shade val="60000"/>
-              <a:hueOff val="0"/>
-              <a:satOff val="0"/>
-              <a:lumOff val="0"/>
-              <a:alphaOff val="0"/>
-            </a:schemeClr>
-          </a:solidFill>
-          <a:prstDash val="solid"/>
-        </a:ln>
-        <a:effectLst/>
-      </dsp:spPr>
-      <dsp:style>
-        <a:lnRef idx="2">
-          <a:scrgbClr r="0" g="0" b="0"/>
-        </a:lnRef>
-        <a:fillRef idx="0">
-          <a:scrgbClr r="0" g="0" b="0"/>
-        </a:fillRef>
-        <a:effectRef idx="0">
-          <a:scrgbClr r="0" g="0" b="0"/>
-        </a:effectRef>
-        <a:fontRef idx="minor"/>
-      </dsp:style>
-    </dsp:sp>
-    <dsp:sp modelId="{A874216B-57B8-4634-9EE1-88F4BE1EDA9E}">
-      <dsp:nvSpPr>
-        <dsp:cNvPr id="0" name=""/>
-        <dsp:cNvSpPr/>
-      </dsp:nvSpPr>
-      <dsp:spPr>
-        <a:xfrm>
-          <a:off x="2127773" y="2276408"/>
-          <a:ext cx="1541830" cy="2727112"/>
-        </a:xfrm>
-        <a:custGeom>
-          <a:avLst/>
-          <a:gdLst/>
-          <a:ahLst/>
-          <a:cxnLst/>
-          <a:rect l="0" t="0" r="0" b="0"/>
-          <a:pathLst>
-            <a:path>
-              <a:moveTo>
-                <a:pt x="0" y="0"/>
-              </a:moveTo>
-              <a:lnTo>
-                <a:pt x="1541830" y="2727112"/>
-              </a:lnTo>
-            </a:path>
-          </a:pathLst>
-        </a:custGeom>
-        <a:noFill/>
-        <a:ln w="19050" cap="rnd" cmpd="sng" algn="ctr">
-          <a:solidFill>
-            <a:schemeClr val="accent1">
-              <a:shade val="80000"/>
-              <a:hueOff val="0"/>
-              <a:satOff val="0"/>
-              <a:lumOff val="0"/>
-              <a:alphaOff val="0"/>
-            </a:schemeClr>
-          </a:solidFill>
-          <a:prstDash val="solid"/>
-        </a:ln>
-        <a:effectLst/>
-      </dsp:spPr>
-      <dsp:style>
-        <a:lnRef idx="2">
-          <a:scrgbClr r="0" g="0" b="0"/>
-        </a:lnRef>
-        <a:fillRef idx="0">
-          <a:scrgbClr r="0" g="0" b="0"/>
-        </a:fillRef>
-        <a:effectRef idx="0">
-          <a:scrgbClr r="0" g="0" b="0"/>
-        </a:effectRef>
-        <a:fontRef idx="minor"/>
-      </dsp:style>
-    </dsp:sp>
-    <dsp:sp modelId="{C8797DB0-4FF9-4E6E-8258-45F7EF678479}">
-      <dsp:nvSpPr>
-        <dsp:cNvPr id="0" name=""/>
-        <dsp:cNvSpPr/>
-      </dsp:nvSpPr>
-      <dsp:spPr>
-        <a:xfrm>
-          <a:off x="2127773" y="1225032"/>
-          <a:ext cx="4043665" cy="371130"/>
-        </a:xfrm>
-        <a:custGeom>
-          <a:avLst/>
-          <a:gdLst/>
-          <a:ahLst/>
-          <a:cxnLst/>
-          <a:rect l="0" t="0" r="0" b="0"/>
-          <a:pathLst>
-            <a:path>
-              <a:moveTo>
-                <a:pt x="4043665" y="0"/>
-              </a:moveTo>
-              <a:lnTo>
-                <a:pt x="4043665" y="209932"/>
-              </a:lnTo>
-              <a:lnTo>
-                <a:pt x="0" y="209932"/>
-              </a:lnTo>
-              <a:lnTo>
-                <a:pt x="0" y="371130"/>
-              </a:lnTo>
-            </a:path>
-          </a:pathLst>
-        </a:custGeom>
-        <a:noFill/>
-        <a:ln w="19050" cap="rnd" cmpd="sng" algn="ctr">
-          <a:solidFill>
-            <a:schemeClr val="accent1">
-              <a:shade val="60000"/>
-              <a:hueOff val="0"/>
-              <a:satOff val="0"/>
-              <a:lumOff val="0"/>
-              <a:alphaOff val="0"/>
-            </a:schemeClr>
-          </a:solidFill>
-          <a:prstDash val="solid"/>
-        </a:ln>
-        <a:effectLst/>
-      </dsp:spPr>
-      <dsp:style>
-        <a:lnRef idx="2">
-          <a:scrgbClr r="0" g="0" b="0"/>
-        </a:lnRef>
-        <a:fillRef idx="0">
-          <a:scrgbClr r="0" g="0" b="0"/>
-        </a:fillRef>
-        <a:effectRef idx="0">
-          <a:scrgbClr r="0" g="0" b="0"/>
-        </a:effectRef>
-        <a:fontRef idx="minor"/>
-      </dsp:style>
-    </dsp:sp>
-    <dsp:sp modelId="{7731F29D-6438-4D40-B4F9-0F774625BC16}">
-      <dsp:nvSpPr>
-        <dsp:cNvPr id="0" name=""/>
-        <dsp:cNvSpPr/>
-      </dsp:nvSpPr>
-      <dsp:spPr>
-        <a:xfrm>
-          <a:off x="1422131" y="153069"/>
-          <a:ext cx="9498615" cy="1071963"/>
-        </a:xfrm>
-        <a:prstGeom prst="rect">
-          <a:avLst/>
-        </a:prstGeom>
-        <a:solidFill>
-          <a:schemeClr val="accent1">
-            <a:hueOff val="0"/>
-            <a:satOff val="0"/>
-            <a:lumOff val="0"/>
-            <a:alphaOff val="0"/>
-          </a:schemeClr>
-        </a:solidFill>
-        <a:ln w="19050" cap="rnd" cmpd="sng" algn="ctr">
-          <a:solidFill>
-            <a:schemeClr val="lt1">
-              <a:hueOff val="0"/>
-              <a:satOff val="0"/>
-              <a:lumOff val="0"/>
-              <a:alphaOff val="0"/>
-            </a:schemeClr>
-          </a:solidFill>
-          <a:prstDash val="solid"/>
-        </a:ln>
-        <a:effectLst/>
-      </dsp:spPr>
-      <dsp:style>
-        <a:lnRef idx="2">
-          <a:scrgbClr r="0" g="0" b="0"/>
-        </a:lnRef>
-        <a:fillRef idx="1">
-          <a:scrgbClr r="0" g="0" b="0"/>
-        </a:fillRef>
-        <a:effectRef idx="0">
-          <a:scrgbClr r="0" g="0" b="0"/>
-        </a:effectRef>
-        <a:fontRef idx="minor">
-          <a:schemeClr val="lt1"/>
-        </a:fontRef>
-      </dsp:style>
-      <dsp:txBody>
-        <a:bodyPr spcFirstLastPara="0" vert="horz" wrap="square" lIns="41910" tIns="41910" rIns="41910" bIns="41910" numCol="1" spcCol="1270" anchor="ctr" anchorCtr="0">
-          <a:noAutofit/>
-        </a:bodyPr>
-        <a:lstStyle/>
-        <a:p>
-          <a:pPr lvl="0" algn="ctr" defTabSz="2933700">
-            <a:lnSpc>
-              <a:spcPct val="90000"/>
-            </a:lnSpc>
-            <a:spcBef>
-              <a:spcPct val="0"/>
-            </a:spcBef>
-            <a:spcAft>
-              <a:spcPct val="35000"/>
-            </a:spcAft>
-          </a:pPr>
-          <a:r>
-            <a:rPr lang="en-US" sz="6600" kern="1200" dirty="0" smtClean="0">
-              <a:solidFill>
-                <a:srgbClr val="FFFF00"/>
-              </a:solidFill>
-              <a:latin typeface="Informal Roman" panose="030604020304060B0204" pitchFamily="66" charset="0"/>
-            </a:rPr>
-            <a:t>Operators &amp; Expressions</a:t>
-          </a:r>
-          <a:endParaRPr lang="en-US" sz="6600" kern="1200" dirty="0">
-            <a:solidFill>
-              <a:srgbClr val="FFFF00"/>
-            </a:solidFill>
-            <a:latin typeface="Informal Roman" panose="030604020304060B0204" pitchFamily="66" charset="0"/>
-          </a:endParaRPr>
-        </a:p>
-      </dsp:txBody>
-      <dsp:txXfrm>
-        <a:off x="1422131" y="153069"/>
-        <a:ext cx="9498615" cy="1071963"/>
-      </dsp:txXfrm>
-    </dsp:sp>
-    <dsp:sp modelId="{EC83E2CD-FD27-4A0C-95C1-BE71FA51466A}">
-      <dsp:nvSpPr>
-        <dsp:cNvPr id="0" name=""/>
-        <dsp:cNvSpPr/>
-      </dsp:nvSpPr>
-      <dsp:spPr>
-        <a:xfrm>
-          <a:off x="967481" y="1596162"/>
-          <a:ext cx="2320583" cy="680245"/>
-        </a:xfrm>
-        <a:prstGeom prst="rect">
-          <a:avLst/>
-        </a:prstGeom>
-        <a:solidFill>
-          <a:schemeClr val="accent1">
-            <a:hueOff val="0"/>
-            <a:satOff val="0"/>
-            <a:lumOff val="0"/>
-            <a:alphaOff val="0"/>
-          </a:schemeClr>
-        </a:solidFill>
-        <a:ln w="19050" cap="rnd" cmpd="sng" algn="ctr">
-          <a:solidFill>
-            <a:schemeClr val="lt1">
-              <a:hueOff val="0"/>
-              <a:satOff val="0"/>
-              <a:lumOff val="0"/>
-              <a:alphaOff val="0"/>
-            </a:schemeClr>
-          </a:solidFill>
-          <a:prstDash val="solid"/>
-        </a:ln>
-        <a:effectLst/>
-      </dsp:spPr>
-      <dsp:style>
-        <a:lnRef idx="2">
-          <a:scrgbClr r="0" g="0" b="0"/>
-        </a:lnRef>
-        <a:fillRef idx="1">
-          <a:scrgbClr r="0" g="0" b="0"/>
-        </a:fillRef>
-        <a:effectRef idx="0">
-          <a:scrgbClr r="0" g="0" b="0"/>
-        </a:effectRef>
-        <a:fontRef idx="minor">
-          <a:schemeClr val="lt1"/>
-        </a:fontRef>
-      </dsp:style>
-      <dsp:txBody>
-        <a:bodyPr spcFirstLastPara="0" vert="horz" wrap="square" lIns="30480" tIns="30480" rIns="30480" bIns="30480" numCol="1" spcCol="1270" anchor="ctr" anchorCtr="0">
-          <a:noAutofit/>
-        </a:bodyPr>
-        <a:lstStyle/>
-        <a:p>
-          <a:pPr lvl="0" algn="ctr" defTabSz="2133600">
-            <a:lnSpc>
-              <a:spcPct val="90000"/>
-            </a:lnSpc>
-            <a:spcBef>
-              <a:spcPct val="0"/>
-            </a:spcBef>
-            <a:spcAft>
-              <a:spcPct val="35000"/>
-            </a:spcAft>
-          </a:pPr>
-          <a:r>
-            <a:rPr lang="en-US" sz="4800" kern="1200" dirty="0" smtClean="0">
-              <a:latin typeface="Informal Roman" panose="030604020304060B0204" pitchFamily="66" charset="0"/>
-            </a:rPr>
-            <a:t>Operators</a:t>
-          </a:r>
-          <a:endParaRPr lang="en-US" sz="4800" kern="1200" dirty="0">
-            <a:latin typeface="Informal Roman" panose="030604020304060B0204" pitchFamily="66" charset="0"/>
-          </a:endParaRPr>
-        </a:p>
-      </dsp:txBody>
-      <dsp:txXfrm>
-        <a:off x="967481" y="1596162"/>
-        <a:ext cx="2320583" cy="680245"/>
-      </dsp:txXfrm>
-    </dsp:sp>
-    <dsp:sp modelId="{A6764457-61FC-42C4-982E-0A59AEE325A5}">
-      <dsp:nvSpPr>
-        <dsp:cNvPr id="0" name=""/>
-        <dsp:cNvSpPr/>
-      </dsp:nvSpPr>
-      <dsp:spPr>
-        <a:xfrm>
-          <a:off x="315821" y="3555671"/>
-          <a:ext cx="3353782" cy="2895697"/>
-        </a:xfrm>
-        <a:prstGeom prst="rect">
-          <a:avLst/>
-        </a:prstGeom>
-        <a:solidFill>
-          <a:schemeClr val="accent1">
-            <a:hueOff val="0"/>
-            <a:satOff val="0"/>
-            <a:lumOff val="0"/>
-            <a:alphaOff val="0"/>
-          </a:schemeClr>
-        </a:solidFill>
-        <a:ln w="19050" cap="rnd" cmpd="sng" algn="ctr">
-          <a:solidFill>
-            <a:schemeClr val="lt1">
-              <a:hueOff val="0"/>
-              <a:satOff val="0"/>
-              <a:lumOff val="0"/>
-              <a:alphaOff val="0"/>
-            </a:schemeClr>
-          </a:solidFill>
-          <a:prstDash val="solid"/>
-        </a:ln>
-        <a:effectLst/>
-      </dsp:spPr>
-      <dsp:style>
-        <a:lnRef idx="2">
-          <a:scrgbClr r="0" g="0" b="0"/>
-        </a:lnRef>
-        <a:fillRef idx="1">
-          <a:scrgbClr r="0" g="0" b="0"/>
-        </a:fillRef>
-        <a:effectRef idx="0">
-          <a:scrgbClr r="0" g="0" b="0"/>
-        </a:effectRef>
-        <a:fontRef idx="minor">
-          <a:schemeClr val="lt1"/>
-        </a:fontRef>
-      </dsp:style>
-      <dsp:txBody>
-        <a:bodyPr spcFirstLastPara="0" vert="horz" wrap="square" lIns="15240" tIns="15240" rIns="15240" bIns="15240" numCol="1" spcCol="1270" anchor="ctr" anchorCtr="0">
-          <a:noAutofit/>
-        </a:bodyPr>
-        <a:lstStyle/>
-        <a:p>
-          <a:pPr lvl="0" algn="ctr" defTabSz="1066800">
-            <a:lnSpc>
-              <a:spcPct val="90000"/>
-            </a:lnSpc>
-            <a:spcBef>
-              <a:spcPct val="0"/>
-            </a:spcBef>
-            <a:spcAft>
-              <a:spcPct val="35000"/>
-            </a:spcAft>
-          </a:pPr>
-          <a:r>
-            <a:rPr lang="en-US" sz="2400" kern="1200" dirty="0" smtClean="0">
-              <a:latin typeface="Buxton Sketch" panose="03080500000500000004" pitchFamily="66" charset="0"/>
-            </a:rPr>
-            <a:t> - </a:t>
-          </a:r>
-          <a:r>
-            <a:rPr lang="en-US" sz="2400" kern="1200" dirty="0" err="1" smtClean="0">
-              <a:latin typeface="Buxton Sketch" panose="03080500000500000004" pitchFamily="66" charset="0"/>
-            </a:rPr>
-            <a:t>Aritchmetic</a:t>
-          </a:r>
-          <a:r>
-            <a:rPr lang="en-US" sz="2400" kern="1200" dirty="0" smtClean="0">
-              <a:latin typeface="Buxton Sketch" panose="03080500000500000004" pitchFamily="66" charset="0"/>
-            </a:rPr>
-            <a:t>: </a:t>
-          </a:r>
-          <a:r>
-            <a:rPr lang="en-US" sz="2400" kern="1200" dirty="0" smtClean="0">
-              <a:solidFill>
-                <a:schemeClr val="bg1"/>
-              </a:solidFill>
-              <a:latin typeface="Buxton Sketch" panose="03080500000500000004" pitchFamily="66" charset="0"/>
-            </a:rPr>
-            <a:t>+ - / * </a:t>
-          </a:r>
-        </a:p>
-        <a:p>
-          <a:pPr lvl="0" algn="ctr" defTabSz="1066800">
-            <a:lnSpc>
-              <a:spcPct val="90000"/>
-            </a:lnSpc>
-            <a:spcBef>
-              <a:spcPct val="0"/>
-            </a:spcBef>
-            <a:spcAft>
-              <a:spcPct val="35000"/>
-            </a:spcAft>
-          </a:pPr>
-          <a:r>
-            <a:rPr lang="en-US" sz="2400" kern="1200" dirty="0" smtClean="0">
-              <a:solidFill>
-                <a:schemeClr val="bg1"/>
-              </a:solidFill>
-              <a:latin typeface="Buxton Sketch" panose="03080500000500000004" pitchFamily="66" charset="0"/>
-            </a:rPr>
-            <a:t> </a:t>
-          </a:r>
-          <a:r>
-            <a:rPr lang="en-US" sz="2400" kern="1200" dirty="0" smtClean="0">
-              <a:solidFill>
-                <a:schemeClr val="tx1"/>
-              </a:solidFill>
-              <a:latin typeface="Buxton Sketch" panose="03080500000500000004" pitchFamily="66" charset="0"/>
-            </a:rPr>
-            <a:t>- Logical: </a:t>
-          </a:r>
-          <a:r>
-            <a:rPr lang="en-US" sz="2400" kern="1200" dirty="0" smtClean="0">
-              <a:solidFill>
-                <a:schemeClr val="bg1"/>
-              </a:solidFill>
-              <a:latin typeface="Buxton Sketch" panose="03080500000500000004" pitchFamily="66" charset="0"/>
-            </a:rPr>
-            <a:t>&amp;&amp; || ! ^</a:t>
-          </a:r>
-        </a:p>
-        <a:p>
-          <a:pPr lvl="0" algn="ctr" defTabSz="1066800">
-            <a:lnSpc>
-              <a:spcPct val="90000"/>
-            </a:lnSpc>
-            <a:spcBef>
-              <a:spcPct val="0"/>
-            </a:spcBef>
-            <a:spcAft>
-              <a:spcPct val="35000"/>
-            </a:spcAft>
-          </a:pPr>
-          <a:r>
-            <a:rPr lang="en-US" sz="2400" kern="1200" dirty="0" smtClean="0">
-              <a:solidFill>
-                <a:schemeClr val="bg1"/>
-              </a:solidFill>
-              <a:latin typeface="Buxton Sketch" panose="03080500000500000004" pitchFamily="66" charset="0"/>
-            </a:rPr>
-            <a:t>  </a:t>
-          </a:r>
-          <a:r>
-            <a:rPr lang="en-US" sz="2400" kern="1200" dirty="0" smtClean="0">
-              <a:solidFill>
-                <a:schemeClr val="tx1"/>
-              </a:solidFill>
-              <a:latin typeface="Buxton Sketch" panose="03080500000500000004" pitchFamily="66" charset="0"/>
-            </a:rPr>
-            <a:t>- Assignment: </a:t>
-          </a:r>
-          <a:r>
-            <a:rPr lang="en-US" sz="2400" kern="1200" dirty="0" smtClean="0">
-              <a:solidFill>
-                <a:schemeClr val="bg1"/>
-              </a:solidFill>
-              <a:latin typeface="Buxton Sketch" panose="03080500000500000004" pitchFamily="66" charset="0"/>
-            </a:rPr>
-            <a:t>= += *=</a:t>
-          </a:r>
-        </a:p>
-        <a:p>
-          <a:pPr lvl="0" algn="ctr" defTabSz="1066800">
-            <a:lnSpc>
-              <a:spcPct val="90000"/>
-            </a:lnSpc>
-            <a:spcBef>
-              <a:spcPct val="0"/>
-            </a:spcBef>
-            <a:spcAft>
-              <a:spcPct val="35000"/>
-            </a:spcAft>
-          </a:pPr>
-          <a:r>
-            <a:rPr lang="en-US" sz="2400" kern="1200" dirty="0" smtClean="0">
-              <a:solidFill>
-                <a:schemeClr val="bg1"/>
-              </a:solidFill>
-              <a:latin typeface="Buxton Sketch" panose="03080500000500000004" pitchFamily="66" charset="0"/>
-            </a:rPr>
-            <a:t> </a:t>
-          </a:r>
-          <a:r>
-            <a:rPr lang="en-US" sz="2400" kern="1200" dirty="0" smtClean="0">
-              <a:solidFill>
-                <a:schemeClr val="tx1"/>
-              </a:solidFill>
-              <a:latin typeface="Buxton Sketch" panose="03080500000500000004" pitchFamily="66" charset="0"/>
-            </a:rPr>
-            <a:t>- Comparison, Binary,          Concatenation …</a:t>
-          </a:r>
-          <a:endParaRPr lang="en-US" sz="2400" kern="1200" dirty="0" smtClean="0">
-            <a:solidFill>
-              <a:schemeClr val="bg1"/>
-            </a:solidFill>
-            <a:latin typeface="Buxton Sketch" panose="03080500000500000004" pitchFamily="66" charset="0"/>
-          </a:endParaRPr>
-        </a:p>
-        <a:p>
-          <a:pPr lvl="0" algn="l" defTabSz="1066800">
-            <a:lnSpc>
-              <a:spcPct val="90000"/>
-            </a:lnSpc>
-            <a:spcBef>
-              <a:spcPct val="0"/>
-            </a:spcBef>
-            <a:spcAft>
-              <a:spcPct val="35000"/>
-            </a:spcAft>
-          </a:pPr>
-          <a:endParaRPr lang="en-US" sz="2400" kern="1200" dirty="0">
-            <a:solidFill>
-              <a:schemeClr val="tx1"/>
-            </a:solidFill>
-            <a:latin typeface="Buxton Sketch" panose="03080500000500000004" pitchFamily="66" charset="0"/>
-          </a:endParaRPr>
-        </a:p>
-      </dsp:txBody>
-      <dsp:txXfrm>
-        <a:off x="315821" y="3555671"/>
-        <a:ext cx="3353782" cy="2895697"/>
-      </dsp:txXfrm>
-    </dsp:sp>
-    <dsp:sp modelId="{CADE0652-8354-4A90-88AA-970476A78989}">
-      <dsp:nvSpPr>
-        <dsp:cNvPr id="0" name=""/>
-        <dsp:cNvSpPr/>
-      </dsp:nvSpPr>
-      <dsp:spPr>
-        <a:xfrm>
-          <a:off x="4584807" y="1774401"/>
-          <a:ext cx="4230712" cy="1280399"/>
-        </a:xfrm>
-        <a:prstGeom prst="rect">
-          <a:avLst/>
-        </a:prstGeom>
-        <a:solidFill>
-          <a:schemeClr val="accent1">
-            <a:hueOff val="0"/>
-            <a:satOff val="0"/>
-            <a:lumOff val="0"/>
-            <a:alphaOff val="0"/>
-          </a:schemeClr>
-        </a:solidFill>
-        <a:ln w="19050" cap="rnd" cmpd="sng" algn="ctr">
-          <a:solidFill>
-            <a:schemeClr val="lt1">
-              <a:hueOff val="0"/>
-              <a:satOff val="0"/>
-              <a:lumOff val="0"/>
-              <a:alphaOff val="0"/>
-            </a:schemeClr>
-          </a:solidFill>
-          <a:prstDash val="solid"/>
-        </a:ln>
-        <a:effectLst/>
-      </dsp:spPr>
-      <dsp:style>
-        <a:lnRef idx="2">
-          <a:scrgbClr r="0" g="0" b="0"/>
-        </a:lnRef>
-        <a:fillRef idx="1">
-          <a:scrgbClr r="0" g="0" b="0"/>
-        </a:fillRef>
-        <a:effectRef idx="0">
-          <a:scrgbClr r="0" g="0" b="0"/>
-        </a:effectRef>
-        <a:fontRef idx="minor">
-          <a:schemeClr val="lt1"/>
-        </a:fontRef>
-      </dsp:style>
-      <dsp:txBody>
-        <a:bodyPr spcFirstLastPara="0" vert="horz" wrap="square" lIns="30480" tIns="30480" rIns="30480" bIns="30480" numCol="1" spcCol="1270" anchor="ctr" anchorCtr="0">
-          <a:noAutofit/>
-        </a:bodyPr>
-        <a:lstStyle/>
-        <a:p>
-          <a:pPr lvl="0" algn="ctr" defTabSz="2133600">
-            <a:lnSpc>
-              <a:spcPct val="90000"/>
-            </a:lnSpc>
-            <a:spcBef>
-              <a:spcPct val="0"/>
-            </a:spcBef>
-            <a:spcAft>
-              <a:spcPct val="35000"/>
-            </a:spcAft>
-          </a:pPr>
-          <a:r>
-            <a:rPr lang="en-US" sz="4800" kern="1200" dirty="0" smtClean="0">
-              <a:latin typeface="Informal Roman" panose="030604020304060B0204" pitchFamily="66" charset="0"/>
-            </a:rPr>
-            <a:t>Type Conversion &amp; Casting</a:t>
-          </a:r>
-          <a:endParaRPr lang="en-US" sz="4800" kern="1200" dirty="0">
-            <a:latin typeface="Informal Roman" panose="030604020304060B0204" pitchFamily="66" charset="0"/>
-          </a:endParaRPr>
-        </a:p>
-      </dsp:txBody>
-      <dsp:txXfrm>
-        <a:off x="4584807" y="1774401"/>
-        <a:ext cx="4230712" cy="1280399"/>
-      </dsp:txXfrm>
-    </dsp:sp>
-    <dsp:sp modelId="{B49C1B7F-AAAB-45F8-822D-909FA2221400}">
-      <dsp:nvSpPr>
-        <dsp:cNvPr id="0" name=""/>
-        <dsp:cNvSpPr/>
-      </dsp:nvSpPr>
-      <dsp:spPr>
-        <a:xfrm>
-          <a:off x="4292011" y="3493349"/>
-          <a:ext cx="3385930" cy="2778208"/>
-        </a:xfrm>
-        <a:prstGeom prst="rect">
-          <a:avLst/>
-        </a:prstGeom>
-        <a:solidFill>
-          <a:schemeClr val="accent1">
-            <a:hueOff val="0"/>
-            <a:satOff val="0"/>
-            <a:lumOff val="0"/>
-            <a:alphaOff val="0"/>
-          </a:schemeClr>
-        </a:solidFill>
-        <a:ln w="19050" cap="rnd" cmpd="sng" algn="ctr">
-          <a:solidFill>
-            <a:schemeClr val="lt1">
-              <a:hueOff val="0"/>
-              <a:satOff val="0"/>
-              <a:lumOff val="0"/>
-              <a:alphaOff val="0"/>
-            </a:schemeClr>
-          </a:solidFill>
-          <a:prstDash val="solid"/>
-        </a:ln>
-        <a:effectLst/>
-      </dsp:spPr>
-      <dsp:style>
-        <a:lnRef idx="2">
-          <a:scrgbClr r="0" g="0" b="0"/>
-        </a:lnRef>
-        <a:fillRef idx="1">
-          <a:scrgbClr r="0" g="0" b="0"/>
-        </a:fillRef>
-        <a:effectRef idx="0">
-          <a:scrgbClr r="0" g="0" b="0"/>
-        </a:effectRef>
-        <a:fontRef idx="minor">
-          <a:schemeClr val="lt1"/>
-        </a:fontRef>
-      </dsp:style>
-      <dsp:txBody>
-        <a:bodyPr spcFirstLastPara="0" vert="horz" wrap="square" lIns="17780" tIns="17780" rIns="17780" bIns="17780" numCol="1" spcCol="1270" anchor="ctr" anchorCtr="0">
-          <a:noAutofit/>
-        </a:bodyPr>
-        <a:lstStyle/>
-        <a:p>
-          <a:pPr lvl="0" algn="ctr" defTabSz="1244600">
-            <a:lnSpc>
-              <a:spcPct val="90000"/>
-            </a:lnSpc>
-            <a:spcBef>
-              <a:spcPct val="0"/>
-            </a:spcBef>
-            <a:spcAft>
-              <a:spcPct val="35000"/>
-            </a:spcAft>
-          </a:pPr>
-          <a:r>
-            <a:rPr lang="en-US" sz="2800" kern="1200" dirty="0" smtClean="0">
-              <a:latin typeface="Buxton Sketch" panose="03080500000500000004" pitchFamily="66" charset="0"/>
-            </a:rPr>
-            <a:t>- Implicit conversion</a:t>
-          </a:r>
-        </a:p>
-        <a:p>
-          <a:pPr lvl="0" algn="ctr" defTabSz="1244600">
-            <a:lnSpc>
-              <a:spcPct val="90000"/>
-            </a:lnSpc>
-            <a:spcBef>
-              <a:spcPct val="0"/>
-            </a:spcBef>
-            <a:spcAft>
-              <a:spcPct val="35000"/>
-            </a:spcAft>
-          </a:pPr>
-          <a:r>
-            <a:rPr lang="en-US" sz="2800" kern="1200" dirty="0" smtClean="0">
-              <a:latin typeface="Buxton Sketch" panose="03080500000500000004" pitchFamily="66" charset="0"/>
-            </a:rPr>
-            <a:t>- Explicit conversion</a:t>
-          </a:r>
-        </a:p>
-        <a:p>
-          <a:pPr lvl="0" algn="ctr" defTabSz="1244600">
-            <a:lnSpc>
-              <a:spcPct val="90000"/>
-            </a:lnSpc>
-            <a:spcBef>
-              <a:spcPct val="0"/>
-            </a:spcBef>
-            <a:spcAft>
-              <a:spcPct val="35000"/>
-            </a:spcAft>
-          </a:pPr>
-          <a:r>
-            <a:rPr lang="en-US" sz="2800" kern="1200" dirty="0" smtClean="0">
-              <a:latin typeface="Buxton Sketch" panose="03080500000500000004" pitchFamily="66" charset="0"/>
-            </a:rPr>
-            <a:t>- Conversion from/to string data type</a:t>
-          </a:r>
-          <a:endParaRPr lang="en-US" sz="2800" kern="1200" dirty="0">
-            <a:latin typeface="Buxton Sketch" panose="03080500000500000004" pitchFamily="66" charset="0"/>
-          </a:endParaRPr>
-        </a:p>
-      </dsp:txBody>
-      <dsp:txXfrm>
-        <a:off x="4292011" y="3493349"/>
-        <a:ext cx="3385930" cy="2778208"/>
-      </dsp:txXfrm>
-    </dsp:sp>
-    <dsp:sp modelId="{A196E2DD-6D76-475C-B7F7-7557DDF33801}">
-      <dsp:nvSpPr>
-        <dsp:cNvPr id="0" name=""/>
-        <dsp:cNvSpPr/>
-      </dsp:nvSpPr>
-      <dsp:spPr>
-        <a:xfrm>
-          <a:off x="9378528" y="1769434"/>
-          <a:ext cx="2185669" cy="1186421"/>
-        </a:xfrm>
-        <a:prstGeom prst="rect">
-          <a:avLst/>
-        </a:prstGeom>
-        <a:solidFill>
-          <a:schemeClr val="accent1">
-            <a:hueOff val="0"/>
-            <a:satOff val="0"/>
-            <a:lumOff val="0"/>
-            <a:alphaOff val="0"/>
-          </a:schemeClr>
-        </a:solidFill>
-        <a:ln w="19050" cap="rnd" cmpd="sng" algn="ctr">
-          <a:solidFill>
-            <a:schemeClr val="lt1">
-              <a:hueOff val="0"/>
-              <a:satOff val="0"/>
-              <a:lumOff val="0"/>
-              <a:alphaOff val="0"/>
-            </a:schemeClr>
-          </a:solidFill>
-          <a:prstDash val="solid"/>
-        </a:ln>
-        <a:effectLst/>
-      </dsp:spPr>
-      <dsp:style>
-        <a:lnRef idx="2">
-          <a:scrgbClr r="0" g="0" b="0"/>
-        </a:lnRef>
-        <a:fillRef idx="1">
-          <a:scrgbClr r="0" g="0" b="0"/>
-        </a:fillRef>
-        <a:effectRef idx="0">
-          <a:scrgbClr r="0" g="0" b="0"/>
-        </a:effectRef>
-        <a:fontRef idx="minor">
-          <a:schemeClr val="lt1"/>
-        </a:fontRef>
-      </dsp:style>
-      <dsp:txBody>
-        <a:bodyPr spcFirstLastPara="0" vert="horz" wrap="square" lIns="25400" tIns="25400" rIns="25400" bIns="25400" numCol="1" spcCol="1270" anchor="ctr" anchorCtr="0">
-          <a:noAutofit/>
-        </a:bodyPr>
-        <a:lstStyle/>
-        <a:p>
-          <a:pPr lvl="0" algn="ctr" defTabSz="1778000">
-            <a:lnSpc>
-              <a:spcPct val="90000"/>
-            </a:lnSpc>
-            <a:spcBef>
-              <a:spcPct val="0"/>
-            </a:spcBef>
-            <a:spcAft>
-              <a:spcPct val="35000"/>
-            </a:spcAft>
-          </a:pPr>
-          <a:r>
-            <a:rPr lang="en-US" sz="4000" kern="1200" dirty="0" smtClean="0">
-              <a:latin typeface="Informal Roman" panose="030604020304060B0204" pitchFamily="66" charset="0"/>
-            </a:rPr>
-            <a:t>Expressions</a:t>
-          </a:r>
-          <a:endParaRPr lang="en-US" sz="4000" kern="1200" dirty="0">
-            <a:latin typeface="Informal Roman" panose="030604020304060B0204" pitchFamily="66" charset="0"/>
-          </a:endParaRPr>
-        </a:p>
-      </dsp:txBody>
-      <dsp:txXfrm>
-        <a:off x="9378528" y="1769434"/>
-        <a:ext cx="2185669" cy="1186421"/>
-      </dsp:txXfrm>
-    </dsp:sp>
-    <dsp:sp modelId="{D3DF0737-B8C9-4078-B43F-0952CFB9222D}">
-      <dsp:nvSpPr>
-        <dsp:cNvPr id="0" name=""/>
-        <dsp:cNvSpPr/>
-      </dsp:nvSpPr>
-      <dsp:spPr>
-        <a:xfrm>
-          <a:off x="8952222" y="3201981"/>
-          <a:ext cx="2801397" cy="3325174"/>
-        </a:xfrm>
-        <a:prstGeom prst="rect">
-          <a:avLst/>
-        </a:prstGeom>
-        <a:solidFill>
-          <a:schemeClr val="accent1">
-            <a:hueOff val="0"/>
-            <a:satOff val="0"/>
-            <a:lumOff val="0"/>
-            <a:alphaOff val="0"/>
-          </a:schemeClr>
-        </a:solidFill>
-        <a:ln w="19050" cap="rnd" cmpd="sng" algn="ctr">
-          <a:solidFill>
-            <a:schemeClr val="lt1">
-              <a:hueOff val="0"/>
-              <a:satOff val="0"/>
-              <a:lumOff val="0"/>
-              <a:alphaOff val="0"/>
-            </a:schemeClr>
-          </a:solidFill>
-          <a:prstDash val="solid"/>
-        </a:ln>
-        <a:effectLst/>
-      </dsp:spPr>
-      <dsp:style>
-        <a:lnRef idx="2">
-          <a:scrgbClr r="0" g="0" b="0"/>
-        </a:lnRef>
-        <a:fillRef idx="1">
-          <a:scrgbClr r="0" g="0" b="0"/>
-        </a:fillRef>
-        <a:effectRef idx="0">
-          <a:scrgbClr r="0" g="0" b="0"/>
-        </a:effectRef>
-        <a:fontRef idx="minor">
-          <a:schemeClr val="lt1"/>
-        </a:fontRef>
-      </dsp:style>
-      <dsp:txBody>
-        <a:bodyPr spcFirstLastPara="0" vert="horz" wrap="square" lIns="17780" tIns="17780" rIns="17780" bIns="17780" numCol="1" spcCol="1270" anchor="ctr" anchorCtr="0">
-          <a:noAutofit/>
-        </a:bodyPr>
-        <a:lstStyle/>
-        <a:p>
-          <a:pPr lvl="0" algn="ctr" defTabSz="1244600">
-            <a:lnSpc>
-              <a:spcPct val="90000"/>
-            </a:lnSpc>
-            <a:spcBef>
-              <a:spcPct val="0"/>
-            </a:spcBef>
-            <a:spcAft>
-              <a:spcPct val="35000"/>
-            </a:spcAft>
-          </a:pPr>
-          <a:r>
-            <a:rPr lang="en-US" sz="2800" kern="1200" dirty="0" smtClean="0">
-              <a:solidFill>
-                <a:schemeClr val="bg1"/>
-              </a:solidFill>
-              <a:latin typeface="Buxton Sketch" panose="03080500000500000004" pitchFamily="66" charset="0"/>
-            </a:rPr>
-            <a:t>// Surface of circle</a:t>
-          </a:r>
-        </a:p>
-        <a:p>
-          <a:pPr lvl="0" algn="ctr" defTabSz="1244600">
-            <a:lnSpc>
-              <a:spcPct val="90000"/>
-            </a:lnSpc>
-            <a:spcBef>
-              <a:spcPct val="0"/>
-            </a:spcBef>
-            <a:spcAft>
-              <a:spcPct val="35000"/>
-            </a:spcAft>
-          </a:pPr>
-          <a:r>
-            <a:rPr lang="en-US" sz="2800" kern="1200" dirty="0" smtClean="0">
-              <a:latin typeface="Buxton Sketch" panose="03080500000500000004" pitchFamily="66" charset="0"/>
-            </a:rPr>
-            <a:t>double </a:t>
-          </a:r>
-          <a:r>
-            <a:rPr lang="en-US" sz="2800" kern="1200" dirty="0" smtClean="0">
-              <a:solidFill>
-                <a:srgbClr val="00B0F0"/>
-              </a:solidFill>
-              <a:latin typeface="Buxton Sketch" panose="03080500000500000004" pitchFamily="66" charset="0"/>
-            </a:rPr>
-            <a:t>surface</a:t>
-          </a:r>
-          <a:r>
-            <a:rPr lang="en-US" sz="2800" kern="1200" dirty="0" smtClean="0">
-              <a:latin typeface="Buxton Sketch" panose="03080500000500000004" pitchFamily="66" charset="0"/>
-            </a:rPr>
-            <a:t> = </a:t>
-          </a:r>
-          <a:r>
-            <a:rPr lang="en-US" sz="2800" kern="1200" dirty="0" err="1" smtClean="0">
-              <a:latin typeface="Buxton Sketch" panose="03080500000500000004" pitchFamily="66" charset="0"/>
-            </a:rPr>
-            <a:t>Math.Pi</a:t>
-          </a:r>
-          <a:r>
-            <a:rPr lang="en-US" sz="2800" kern="1200" dirty="0" smtClean="0">
-              <a:latin typeface="Buxton Sketch" panose="03080500000500000004" pitchFamily="66" charset="0"/>
-            </a:rPr>
-            <a:t> * r * r;</a:t>
-          </a:r>
-        </a:p>
-        <a:p>
-          <a:pPr lvl="0" algn="ctr" defTabSz="1244600">
-            <a:lnSpc>
-              <a:spcPct val="90000"/>
-            </a:lnSpc>
-            <a:spcBef>
-              <a:spcPct val="0"/>
-            </a:spcBef>
-            <a:spcAft>
-              <a:spcPct val="35000"/>
-            </a:spcAft>
-          </a:pPr>
-          <a:r>
-            <a:rPr lang="en-US" sz="2800" kern="1200" dirty="0" smtClean="0">
-              <a:solidFill>
-                <a:schemeClr val="bg1"/>
-              </a:solidFill>
-              <a:latin typeface="Buxton Sketch" panose="03080500000500000004" pitchFamily="66" charset="0"/>
-            </a:rPr>
-            <a:t>// Perimeter of circle</a:t>
-          </a:r>
-        </a:p>
-        <a:p>
-          <a:pPr lvl="0" algn="ctr" defTabSz="1244600">
-            <a:lnSpc>
-              <a:spcPct val="90000"/>
-            </a:lnSpc>
-            <a:spcBef>
-              <a:spcPct val="0"/>
-            </a:spcBef>
-            <a:spcAft>
-              <a:spcPct val="35000"/>
-            </a:spcAft>
-          </a:pPr>
-          <a:r>
-            <a:rPr lang="en-US" sz="2800" kern="1200" dirty="0" smtClean="0">
-              <a:latin typeface="Buxton Sketch" panose="03080500000500000004" pitchFamily="66" charset="0"/>
-            </a:rPr>
-            <a:t>double </a:t>
-          </a:r>
-          <a:r>
-            <a:rPr lang="en-US" sz="2800" kern="1200" dirty="0" smtClean="0">
-              <a:solidFill>
-                <a:srgbClr val="00B0F0"/>
-              </a:solidFill>
-              <a:latin typeface="Buxton Sketch" panose="03080500000500000004" pitchFamily="66" charset="0"/>
-            </a:rPr>
-            <a:t>perimeter</a:t>
-          </a:r>
-          <a:r>
-            <a:rPr lang="en-US" sz="2800" kern="1200" dirty="0" smtClean="0">
-              <a:latin typeface="Buxton Sketch" panose="03080500000500000004" pitchFamily="66" charset="0"/>
-            </a:rPr>
-            <a:t> = </a:t>
-          </a:r>
-        </a:p>
-        <a:p>
-          <a:pPr lvl="0" algn="ctr" defTabSz="1244600">
-            <a:lnSpc>
-              <a:spcPct val="90000"/>
-            </a:lnSpc>
-            <a:spcBef>
-              <a:spcPct val="0"/>
-            </a:spcBef>
-            <a:spcAft>
-              <a:spcPct val="35000"/>
-            </a:spcAft>
-          </a:pPr>
-          <a:r>
-            <a:rPr lang="en-US" sz="2800" kern="1200" dirty="0" smtClean="0">
-              <a:latin typeface="Buxton Sketch" panose="03080500000500000004" pitchFamily="66" charset="0"/>
-            </a:rPr>
-            <a:t>2 * </a:t>
-          </a:r>
-          <a:r>
-            <a:rPr lang="en-US" sz="2800" kern="1200" dirty="0" err="1" smtClean="0">
-              <a:latin typeface="Buxton Sketch" panose="03080500000500000004" pitchFamily="66" charset="0"/>
-            </a:rPr>
-            <a:t>Math.Pi</a:t>
-          </a:r>
-          <a:r>
-            <a:rPr lang="en-US" sz="2800" kern="1200" dirty="0" smtClean="0">
-              <a:latin typeface="Buxton Sketch" panose="03080500000500000004" pitchFamily="66" charset="0"/>
-            </a:rPr>
-            <a:t> * r;</a:t>
-          </a:r>
-          <a:endParaRPr lang="en-US" sz="2800" kern="1200" dirty="0">
-            <a:latin typeface="Buxton Sketch" panose="03080500000500000004" pitchFamily="66" charset="0"/>
-          </a:endParaRPr>
-        </a:p>
-      </dsp:txBody>
-      <dsp:txXfrm>
-        <a:off x="8952222" y="3201981"/>
-        <a:ext cx="2801397" cy="3325174"/>
-      </dsp:txXfrm>
-    </dsp:sp>
   </dsp:spTree>
 </dsp:drawing>
 </file>
@@ -13288,564 +10051,6 @@
       <dsp:cNvGrpSpPr/>
     </dsp:nvGrpSpPr>
     <dsp:grpSpPr/>
-    <dsp:sp modelId="{F2FABC0A-7D27-41B6-A5B2-1681964D3E93}">
-      <dsp:nvSpPr>
-        <dsp:cNvPr id="0" name=""/>
-        <dsp:cNvSpPr/>
-      </dsp:nvSpPr>
-      <dsp:spPr>
-        <a:xfrm>
-          <a:off x="5616536" y="1278022"/>
-          <a:ext cx="3882497" cy="414328"/>
-        </a:xfrm>
-        <a:custGeom>
-          <a:avLst/>
-          <a:gdLst/>
-          <a:ahLst/>
-          <a:cxnLst/>
-          <a:rect l="0" t="0" r="0" b="0"/>
-          <a:pathLst>
-            <a:path>
-              <a:moveTo>
-                <a:pt x="0" y="0"/>
-              </a:moveTo>
-              <a:lnTo>
-                <a:pt x="0" y="79704"/>
-              </a:lnTo>
-              <a:lnTo>
-                <a:pt x="3882497" y="79704"/>
-              </a:lnTo>
-              <a:lnTo>
-                <a:pt x="3882497" y="414328"/>
-              </a:lnTo>
-            </a:path>
-          </a:pathLst>
-        </a:custGeom>
-        <a:noFill/>
-        <a:ln w="19050" cap="rnd" cmpd="sng" algn="ctr">
-          <a:solidFill>
-            <a:schemeClr val="accent1">
-              <a:shade val="60000"/>
-              <a:hueOff val="0"/>
-              <a:satOff val="0"/>
-              <a:lumOff val="0"/>
-              <a:alphaOff val="0"/>
-            </a:schemeClr>
-          </a:solidFill>
-          <a:prstDash val="solid"/>
-        </a:ln>
-        <a:effectLst/>
-      </dsp:spPr>
-      <dsp:style>
-        <a:lnRef idx="2">
-          <a:scrgbClr r="0" g="0" b="0"/>
-        </a:lnRef>
-        <a:fillRef idx="0">
-          <a:scrgbClr r="0" g="0" b="0"/>
-        </a:fillRef>
-        <a:effectRef idx="0">
-          <a:scrgbClr r="0" g="0" b="0"/>
-        </a:effectRef>
-        <a:fontRef idx="minor"/>
-      </dsp:style>
-    </dsp:sp>
-    <dsp:sp modelId="{28B83FEF-8929-4CA9-AA29-351DB9B1E4DC}">
-      <dsp:nvSpPr>
-        <dsp:cNvPr id="0" name=""/>
-        <dsp:cNvSpPr/>
-      </dsp:nvSpPr>
-      <dsp:spPr>
-        <a:xfrm>
-          <a:off x="5463661" y="1278022"/>
-          <a:ext cx="152875" cy="537405"/>
-        </a:xfrm>
-        <a:custGeom>
-          <a:avLst/>
-          <a:gdLst/>
-          <a:ahLst/>
-          <a:cxnLst/>
-          <a:rect l="0" t="0" r="0" b="0"/>
-          <a:pathLst>
-            <a:path>
-              <a:moveTo>
-                <a:pt x="152875" y="0"/>
-              </a:moveTo>
-              <a:lnTo>
-                <a:pt x="152875" y="202782"/>
-              </a:lnTo>
-              <a:lnTo>
-                <a:pt x="0" y="202782"/>
-              </a:lnTo>
-              <a:lnTo>
-                <a:pt x="0" y="537405"/>
-              </a:lnTo>
-            </a:path>
-          </a:pathLst>
-        </a:custGeom>
-        <a:noFill/>
-        <a:ln w="19050" cap="rnd" cmpd="sng" algn="ctr">
-          <a:solidFill>
-            <a:schemeClr val="accent1">
-              <a:shade val="60000"/>
-              <a:hueOff val="0"/>
-              <a:satOff val="0"/>
-              <a:lumOff val="0"/>
-              <a:alphaOff val="0"/>
-            </a:schemeClr>
-          </a:solidFill>
-          <a:prstDash val="solid"/>
-        </a:ln>
-        <a:effectLst/>
-      </dsp:spPr>
-      <dsp:style>
-        <a:lnRef idx="2">
-          <a:scrgbClr r="0" g="0" b="0"/>
-        </a:lnRef>
-        <a:fillRef idx="0">
-          <a:scrgbClr r="0" g="0" b="0"/>
-        </a:fillRef>
-        <a:effectRef idx="0">
-          <a:scrgbClr r="0" g="0" b="0"/>
-        </a:effectRef>
-        <a:fontRef idx="minor"/>
-      </dsp:style>
-    </dsp:sp>
-    <dsp:sp modelId="{C737B84A-2ADA-4BBE-9EAC-51D285811437}">
-      <dsp:nvSpPr>
-        <dsp:cNvPr id="0" name=""/>
-        <dsp:cNvSpPr/>
-      </dsp:nvSpPr>
-      <dsp:spPr>
-        <a:xfrm>
-          <a:off x="1598724" y="1278022"/>
-          <a:ext cx="4017812" cy="484646"/>
-        </a:xfrm>
-        <a:custGeom>
-          <a:avLst/>
-          <a:gdLst/>
-          <a:ahLst/>
-          <a:cxnLst/>
-          <a:rect l="0" t="0" r="0" b="0"/>
-          <a:pathLst>
-            <a:path>
-              <a:moveTo>
-                <a:pt x="4017812" y="0"/>
-              </a:moveTo>
-              <a:lnTo>
-                <a:pt x="4017812" y="150023"/>
-              </a:lnTo>
-              <a:lnTo>
-                <a:pt x="0" y="150023"/>
-              </a:lnTo>
-              <a:lnTo>
-                <a:pt x="0" y="484646"/>
-              </a:lnTo>
-            </a:path>
-          </a:pathLst>
-        </a:custGeom>
-        <a:noFill/>
-        <a:ln w="19050" cap="rnd" cmpd="sng" algn="ctr">
-          <a:solidFill>
-            <a:schemeClr val="accent1">
-              <a:shade val="60000"/>
-              <a:hueOff val="0"/>
-              <a:satOff val="0"/>
-              <a:lumOff val="0"/>
-              <a:alphaOff val="0"/>
-            </a:schemeClr>
-          </a:solidFill>
-          <a:prstDash val="solid"/>
-        </a:ln>
-        <a:effectLst/>
-      </dsp:spPr>
-      <dsp:style>
-        <a:lnRef idx="2">
-          <a:scrgbClr r="0" g="0" b="0"/>
-        </a:lnRef>
-        <a:fillRef idx="0">
-          <a:scrgbClr r="0" g="0" b="0"/>
-        </a:fillRef>
-        <a:effectRef idx="0">
-          <a:scrgbClr r="0" g="0" b="0"/>
-        </a:effectRef>
-        <a:fontRef idx="minor"/>
-      </dsp:style>
-    </dsp:sp>
-    <dsp:sp modelId="{0359D7AD-5B93-4C43-9D98-56774F0D5194}">
-      <dsp:nvSpPr>
-        <dsp:cNvPr id="0" name=""/>
-        <dsp:cNvSpPr/>
-      </dsp:nvSpPr>
-      <dsp:spPr>
-        <a:xfrm>
-          <a:off x="1273868" y="333953"/>
-          <a:ext cx="8685337" cy="944069"/>
-        </a:xfrm>
-        <a:prstGeom prst="rect">
-          <a:avLst/>
-        </a:prstGeom>
-        <a:solidFill>
-          <a:schemeClr val="accent1">
-            <a:hueOff val="0"/>
-            <a:satOff val="0"/>
-            <a:lumOff val="0"/>
-            <a:alphaOff val="0"/>
-          </a:schemeClr>
-        </a:solidFill>
-        <a:ln w="19050" cap="rnd" cmpd="sng" algn="ctr">
-          <a:solidFill>
-            <a:schemeClr val="lt1">
-              <a:hueOff val="0"/>
-              <a:satOff val="0"/>
-              <a:lumOff val="0"/>
-              <a:alphaOff val="0"/>
-            </a:schemeClr>
-          </a:solidFill>
-          <a:prstDash val="solid"/>
-        </a:ln>
-        <a:effectLst/>
-      </dsp:spPr>
-      <dsp:style>
-        <a:lnRef idx="2">
-          <a:scrgbClr r="0" g="0" b="0"/>
-        </a:lnRef>
-        <a:fillRef idx="1">
-          <a:scrgbClr r="0" g="0" b="0"/>
-        </a:fillRef>
-        <a:effectRef idx="0">
-          <a:scrgbClr r="0" g="0" b="0"/>
-        </a:effectRef>
-        <a:fontRef idx="minor">
-          <a:schemeClr val="lt1"/>
-        </a:fontRef>
-      </dsp:style>
-      <dsp:txBody>
-        <a:bodyPr spcFirstLastPara="0" vert="horz" wrap="square" lIns="39370" tIns="39370" rIns="39370" bIns="39370" numCol="1" spcCol="1270" anchor="ctr" anchorCtr="0">
-          <a:noAutofit/>
-        </a:bodyPr>
-        <a:lstStyle/>
-        <a:p>
-          <a:pPr lvl="0" algn="ctr" defTabSz="2755900">
-            <a:lnSpc>
-              <a:spcPct val="90000"/>
-            </a:lnSpc>
-            <a:spcBef>
-              <a:spcPct val="0"/>
-            </a:spcBef>
-            <a:spcAft>
-              <a:spcPct val="35000"/>
-            </a:spcAft>
-          </a:pPr>
-          <a:r>
-            <a:rPr lang="en-US" sz="6200" kern="1200" dirty="0" smtClean="0">
-              <a:solidFill>
-                <a:srgbClr val="FFFF00"/>
-              </a:solidFill>
-              <a:latin typeface="Informal Roman" panose="030604020304060B0204" pitchFamily="66" charset="0"/>
-            </a:rPr>
-            <a:t>Conditional Statements</a:t>
-          </a:r>
-          <a:endParaRPr lang="en-US" sz="6200" kern="1200" dirty="0">
-            <a:solidFill>
-              <a:srgbClr val="FFFF00"/>
-            </a:solidFill>
-            <a:latin typeface="Informal Roman" panose="030604020304060B0204" pitchFamily="66" charset="0"/>
-          </a:endParaRPr>
-        </a:p>
-      </dsp:txBody>
-      <dsp:txXfrm>
-        <a:off x="1273868" y="333953"/>
-        <a:ext cx="8685337" cy="944069"/>
-      </dsp:txXfrm>
-    </dsp:sp>
-    <dsp:sp modelId="{2614E269-8295-4197-BB5E-0D078F5030B2}">
-      <dsp:nvSpPr>
-        <dsp:cNvPr id="0" name=""/>
-        <dsp:cNvSpPr/>
-      </dsp:nvSpPr>
-      <dsp:spPr>
-        <a:xfrm>
-          <a:off x="5277" y="1762669"/>
-          <a:ext cx="3186893" cy="1593446"/>
-        </a:xfrm>
-        <a:prstGeom prst="rect">
-          <a:avLst/>
-        </a:prstGeom>
-        <a:solidFill>
-          <a:schemeClr val="accent1">
-            <a:hueOff val="0"/>
-            <a:satOff val="0"/>
-            <a:lumOff val="0"/>
-            <a:alphaOff val="0"/>
-          </a:schemeClr>
-        </a:solidFill>
-        <a:ln w="19050" cap="rnd" cmpd="sng" algn="ctr">
-          <a:solidFill>
-            <a:schemeClr val="lt1">
-              <a:hueOff val="0"/>
-              <a:satOff val="0"/>
-              <a:lumOff val="0"/>
-              <a:alphaOff val="0"/>
-            </a:schemeClr>
-          </a:solidFill>
-          <a:prstDash val="solid"/>
-        </a:ln>
-        <a:effectLst/>
-      </dsp:spPr>
-      <dsp:style>
-        <a:lnRef idx="2">
-          <a:scrgbClr r="0" g="0" b="0"/>
-        </a:lnRef>
-        <a:fillRef idx="1">
-          <a:scrgbClr r="0" g="0" b="0"/>
-        </a:fillRef>
-        <a:effectRef idx="0">
-          <a:scrgbClr r="0" g="0" b="0"/>
-        </a:effectRef>
-        <a:fontRef idx="minor">
-          <a:schemeClr val="lt1"/>
-        </a:fontRef>
-      </dsp:style>
-      <dsp:txBody>
-        <a:bodyPr spcFirstLastPara="0" vert="horz" wrap="square" lIns="20320" tIns="20320" rIns="20320" bIns="20320" numCol="1" spcCol="1270" anchor="ctr" anchorCtr="0">
-          <a:noAutofit/>
-        </a:bodyPr>
-        <a:lstStyle/>
-        <a:p>
-          <a:pPr lvl="0" algn="ctr" defTabSz="1422400">
-            <a:lnSpc>
-              <a:spcPct val="90000"/>
-            </a:lnSpc>
-            <a:spcBef>
-              <a:spcPct val="0"/>
-            </a:spcBef>
-            <a:spcAft>
-              <a:spcPct val="35000"/>
-            </a:spcAft>
-          </a:pPr>
-          <a:r>
-            <a:rPr lang="en-US" sz="3200" kern="1200" dirty="0" smtClean="0">
-              <a:latin typeface="Informal Roman" panose="030604020304060B0204" pitchFamily="66" charset="0"/>
-            </a:rPr>
-            <a:t>Comparison Operators &amp; Boolean Expressions</a:t>
-          </a:r>
-          <a:endParaRPr lang="en-US" sz="3200" kern="1200" dirty="0">
-            <a:latin typeface="Informal Roman" panose="030604020304060B0204" pitchFamily="66" charset="0"/>
-          </a:endParaRPr>
-        </a:p>
-      </dsp:txBody>
-      <dsp:txXfrm>
-        <a:off x="5277" y="1762669"/>
-        <a:ext cx="3186893" cy="1593446"/>
-      </dsp:txXfrm>
-    </dsp:sp>
-    <dsp:sp modelId="{523C265F-BF3E-45A7-97E7-3CB6F72BBFF0}">
-      <dsp:nvSpPr>
-        <dsp:cNvPr id="0" name=""/>
-        <dsp:cNvSpPr/>
-      </dsp:nvSpPr>
-      <dsp:spPr>
-        <a:xfrm>
-          <a:off x="3870214" y="1815428"/>
-          <a:ext cx="3186893" cy="918430"/>
-        </a:xfrm>
-        <a:prstGeom prst="rect">
-          <a:avLst/>
-        </a:prstGeom>
-        <a:solidFill>
-          <a:schemeClr val="accent1">
-            <a:hueOff val="0"/>
-            <a:satOff val="0"/>
-            <a:lumOff val="0"/>
-            <a:alphaOff val="0"/>
-          </a:schemeClr>
-        </a:solidFill>
-        <a:ln w="19050" cap="rnd" cmpd="sng" algn="ctr">
-          <a:solidFill>
-            <a:schemeClr val="lt1">
-              <a:hueOff val="0"/>
-              <a:satOff val="0"/>
-              <a:lumOff val="0"/>
-              <a:alphaOff val="0"/>
-            </a:schemeClr>
-          </a:solidFill>
-          <a:prstDash val="solid"/>
-        </a:ln>
-        <a:effectLst/>
-      </dsp:spPr>
-      <dsp:style>
-        <a:lnRef idx="2">
-          <a:scrgbClr r="0" g="0" b="0"/>
-        </a:lnRef>
-        <a:fillRef idx="1">
-          <a:scrgbClr r="0" g="0" b="0"/>
-        </a:fillRef>
-        <a:effectRef idx="0">
-          <a:scrgbClr r="0" g="0" b="0"/>
-        </a:effectRef>
-        <a:fontRef idx="minor">
-          <a:schemeClr val="lt1"/>
-        </a:fontRef>
-      </dsp:style>
-      <dsp:txBody>
-        <a:bodyPr spcFirstLastPara="0" vert="horz" wrap="square" lIns="20320" tIns="20320" rIns="20320" bIns="20320" numCol="1" spcCol="1270" anchor="ctr" anchorCtr="0">
-          <a:noAutofit/>
-        </a:bodyPr>
-        <a:lstStyle/>
-        <a:p>
-          <a:pPr lvl="0" algn="ctr" defTabSz="1422400">
-            <a:lnSpc>
-              <a:spcPct val="90000"/>
-            </a:lnSpc>
-            <a:spcBef>
-              <a:spcPct val="0"/>
-            </a:spcBef>
-            <a:spcAft>
-              <a:spcPct val="35000"/>
-            </a:spcAft>
-          </a:pPr>
-          <a:r>
-            <a:rPr lang="en-US" sz="3200" kern="1200" dirty="0" smtClean="0">
-              <a:latin typeface="Informal Roman" panose="030604020304060B0204" pitchFamily="66" charset="0"/>
-            </a:rPr>
-            <a:t>“</a:t>
-          </a:r>
-          <a:r>
-            <a:rPr lang="en-US" sz="3200" kern="1200" dirty="0" smtClean="0">
-              <a:solidFill>
-                <a:schemeClr val="bg2"/>
-              </a:solidFill>
-              <a:latin typeface="Informal Roman" panose="030604020304060B0204" pitchFamily="66" charset="0"/>
-            </a:rPr>
-            <a:t>if</a:t>
-          </a:r>
-          <a:r>
-            <a:rPr lang="en-US" sz="3200" kern="1200" dirty="0" smtClean="0">
-              <a:latin typeface="Informal Roman" panose="030604020304060B0204" pitchFamily="66" charset="0"/>
-            </a:rPr>
-            <a:t>” &amp;“</a:t>
-          </a:r>
-          <a:r>
-            <a:rPr lang="en-US" sz="3200" kern="1200" dirty="0" smtClean="0">
-              <a:solidFill>
-                <a:schemeClr val="bg2"/>
-              </a:solidFill>
-              <a:latin typeface="Informal Roman" panose="030604020304060B0204" pitchFamily="66" charset="0"/>
-            </a:rPr>
-            <a:t>if-else</a:t>
-          </a:r>
-          <a:r>
-            <a:rPr lang="en-US" sz="3200" kern="1200" dirty="0" smtClean="0">
-              <a:latin typeface="Informal Roman" panose="030604020304060B0204" pitchFamily="66" charset="0"/>
-            </a:rPr>
-            <a:t>” Statements</a:t>
-          </a:r>
-          <a:endParaRPr lang="en-US" sz="3200" kern="1200" dirty="0">
-            <a:latin typeface="Informal Roman" panose="030604020304060B0204" pitchFamily="66" charset="0"/>
-          </a:endParaRPr>
-        </a:p>
-      </dsp:txBody>
-      <dsp:txXfrm>
-        <a:off x="3870214" y="1815428"/>
-        <a:ext cx="3186893" cy="918430"/>
-      </dsp:txXfrm>
-    </dsp:sp>
-    <dsp:sp modelId="{FB88D22D-616A-4763-8730-376C7E899E79}">
-      <dsp:nvSpPr>
-        <dsp:cNvPr id="0" name=""/>
-        <dsp:cNvSpPr/>
-      </dsp:nvSpPr>
-      <dsp:spPr>
-        <a:xfrm>
-          <a:off x="7691172" y="1692350"/>
-          <a:ext cx="3615722" cy="697961"/>
-        </a:xfrm>
-        <a:prstGeom prst="rect">
-          <a:avLst/>
-        </a:prstGeom>
-        <a:solidFill>
-          <a:schemeClr val="accent1">
-            <a:hueOff val="0"/>
-            <a:satOff val="0"/>
-            <a:lumOff val="0"/>
-            <a:alphaOff val="0"/>
-          </a:schemeClr>
-        </a:solidFill>
-        <a:ln w="19050" cap="rnd" cmpd="sng" algn="ctr">
-          <a:solidFill>
-            <a:schemeClr val="lt1">
-              <a:hueOff val="0"/>
-              <a:satOff val="0"/>
-              <a:lumOff val="0"/>
-              <a:alphaOff val="0"/>
-            </a:schemeClr>
-          </a:solidFill>
-          <a:prstDash val="solid"/>
-        </a:ln>
-        <a:effectLst/>
-      </dsp:spPr>
-      <dsp:style>
-        <a:lnRef idx="2">
-          <a:scrgbClr r="0" g="0" b="0"/>
-        </a:lnRef>
-        <a:fillRef idx="1">
-          <a:scrgbClr r="0" g="0" b="0"/>
-        </a:fillRef>
-        <a:effectRef idx="0">
-          <a:scrgbClr r="0" g="0" b="0"/>
-        </a:effectRef>
-        <a:fontRef idx="minor">
-          <a:schemeClr val="lt1"/>
-        </a:fontRef>
-      </dsp:style>
-      <dsp:txBody>
-        <a:bodyPr spcFirstLastPara="0" vert="horz" wrap="square" lIns="20320" tIns="20320" rIns="20320" bIns="20320" numCol="1" spcCol="1270" anchor="ctr" anchorCtr="0">
-          <a:noAutofit/>
-        </a:bodyPr>
-        <a:lstStyle/>
-        <a:p>
-          <a:pPr lvl="0" algn="ctr" defTabSz="1422400">
-            <a:lnSpc>
-              <a:spcPct val="90000"/>
-            </a:lnSpc>
-            <a:spcBef>
-              <a:spcPct val="0"/>
-            </a:spcBef>
-            <a:spcAft>
-              <a:spcPct val="35000"/>
-            </a:spcAft>
-          </a:pPr>
-          <a:r>
-            <a:rPr lang="en-US" sz="3200" kern="1200" dirty="0" smtClean="0">
-              <a:latin typeface="Informal Roman" panose="030604020304060B0204" pitchFamily="66" charset="0"/>
-            </a:rPr>
-            <a:t>“</a:t>
-          </a:r>
-          <a:r>
-            <a:rPr lang="en-US" sz="3200" kern="1200" dirty="0" smtClean="0">
-              <a:solidFill>
-                <a:schemeClr val="bg2"/>
-              </a:solidFill>
-              <a:latin typeface="Informal Roman" panose="030604020304060B0204" pitchFamily="66" charset="0"/>
-            </a:rPr>
-            <a:t>switch-case</a:t>
-          </a:r>
-          <a:r>
-            <a:rPr lang="en-US" sz="3200" kern="1200" dirty="0" smtClean="0">
-              <a:latin typeface="Informal Roman" panose="030604020304060B0204" pitchFamily="66" charset="0"/>
-            </a:rPr>
-            <a:t>” Statement</a:t>
-          </a:r>
-          <a:endParaRPr lang="en-US" sz="3200" kern="1200" dirty="0">
-            <a:latin typeface="Informal Roman" panose="030604020304060B0204" pitchFamily="66" charset="0"/>
-          </a:endParaRPr>
-        </a:p>
-      </dsp:txBody>
-      <dsp:txXfrm>
-        <a:off x="7691172" y="1692350"/>
-        <a:ext cx="3615722" cy="697961"/>
-      </dsp:txXfrm>
-    </dsp:sp>
   </dsp:spTree>
 </dsp:drawing>
 </file>
@@ -29878,7 +26083,7 @@
           <a:p>
             <a:fld id="{86BC5D83-A6BD-448A-8B7D-D487C0AC34D1}" type="datetimeFigureOut">
               <a:rPr lang="en-US" smtClean="0"/>
-              <a:t>10/13/2016</a:t>
+              <a:t>10/18/2016</a:t>
             </a:fld>
             <a:endParaRPr lang="en-US"/>
           </a:p>
@@ -31090,6 +27295,233 @@
 </p:notes>
 </file>
 
+<file path=ppt/notesSlides/notesSlide3.xml><?xml version="1.0" encoding="utf-8"?>
+<p:notes xmlns:a="http://schemas.openxmlformats.org/drawingml/2006/main" xmlns:r="http://schemas.openxmlformats.org/officeDocument/2006/relationships" xmlns:p="http://schemas.openxmlformats.org/presentationml/2006/main">
+  <p:cSld>
+    <p:spTree>
+      <p:nvGrpSpPr>
+        <p:cNvPr id="1" name=""/>
+        <p:cNvGrpSpPr/>
+        <p:nvPr/>
+      </p:nvGrpSpPr>
+      <p:grpSpPr>
+        <a:xfrm>
+          <a:off x="0" y="0"/>
+          <a:ext cx="0" cy="0"/>
+          <a:chOff x="0" y="0"/>
+          <a:chExt cx="0" cy="0"/>
+        </a:xfrm>
+      </p:grpSpPr>
+      <p:sp>
+        <p:nvSpPr>
+          <p:cNvPr id="2" name="Slide Image Placeholder 1"/>
+          <p:cNvSpPr>
+            <a:spLocks noGrp="1" noRot="1" noChangeAspect="1"/>
+          </p:cNvSpPr>
+          <p:nvPr>
+            <p:ph type="sldImg"/>
+          </p:nvPr>
+        </p:nvSpPr>
+        <p:spPr/>
+      </p:sp>
+      <p:sp>
+        <p:nvSpPr>
+          <p:cNvPr id="3" name="Notes Placeholder 2"/>
+          <p:cNvSpPr>
+            <a:spLocks noGrp="1"/>
+          </p:cNvSpPr>
+          <p:nvPr>
+            <p:ph type="body" idx="1"/>
+          </p:nvPr>
+        </p:nvSpPr>
+        <p:spPr/>
+        <p:txBody>
+          <a:bodyPr/>
+          <a:lstStyle/>
+          <a:p>
+            <a:r>
+              <a:rPr lang="en-US" sz="1200" b="0" i="0" kern="1200" dirty="0" smtClean="0">
+                <a:solidFill>
+                  <a:schemeClr val="tx1"/>
+                </a:solidFill>
+                <a:effectLst/>
+                <a:latin typeface="+mn-lt"/>
+                <a:ea typeface="+mn-ea"/>
+                <a:cs typeface="+mn-cs"/>
+              </a:rPr>
+              <a:t>A </a:t>
+            </a:r>
+            <a:r>
+              <a:rPr lang="en-US" sz="1200" b="1" i="0" kern="1200" dirty="0" smtClean="0">
+                <a:solidFill>
+                  <a:schemeClr val="tx1"/>
+                </a:solidFill>
+                <a:effectLst/>
+                <a:latin typeface="+mn-lt"/>
+                <a:ea typeface="+mn-ea"/>
+                <a:cs typeface="+mn-cs"/>
+              </a:rPr>
+              <a:t>loop</a:t>
+            </a:r>
+            <a:r>
+              <a:rPr lang="en-US" sz="1200" b="0" i="0" kern="1200" dirty="0" smtClean="0">
+                <a:solidFill>
+                  <a:schemeClr val="tx1"/>
+                </a:solidFill>
+                <a:effectLst/>
+                <a:latin typeface="+mn-lt"/>
+                <a:ea typeface="+mn-ea"/>
+                <a:cs typeface="+mn-cs"/>
+              </a:rPr>
+              <a:t> is a basic programming construct that allows </a:t>
+            </a:r>
+            <a:r>
+              <a:rPr lang="en-US" sz="1200" b="1" i="0" kern="1200" dirty="0" smtClean="0">
+                <a:solidFill>
+                  <a:schemeClr val="tx1"/>
+                </a:solidFill>
+                <a:effectLst/>
+                <a:latin typeface="+mn-lt"/>
+                <a:ea typeface="+mn-ea"/>
+                <a:cs typeface="+mn-cs"/>
+              </a:rPr>
+              <a:t>repeated execution of a fragment</a:t>
+            </a:r>
+            <a:r>
+              <a:rPr lang="en-US" sz="1200" b="0" i="0" kern="1200" dirty="0" smtClean="0">
+                <a:solidFill>
+                  <a:schemeClr val="tx1"/>
+                </a:solidFill>
+                <a:effectLst/>
+                <a:latin typeface="+mn-lt"/>
+                <a:ea typeface="+mn-ea"/>
+                <a:cs typeface="+mn-cs"/>
+              </a:rPr>
+              <a:t> of source code. Depending on the type of the loop, the code in it is repeated a fixed number of times or repeats until a given condition is true (exists).</a:t>
+            </a:r>
+          </a:p>
+          <a:p>
+            <a:endParaRPr lang="en-US" sz="1200" b="0" i="0" kern="1200" dirty="0" smtClean="0">
+              <a:solidFill>
+                <a:schemeClr val="tx1"/>
+              </a:solidFill>
+              <a:effectLst/>
+              <a:latin typeface="+mn-lt"/>
+              <a:ea typeface="+mn-ea"/>
+              <a:cs typeface="+mn-cs"/>
+            </a:endParaRPr>
+          </a:p>
+          <a:p>
+            <a:r>
+              <a:rPr lang="en-US" sz="1200" b="0" i="0" kern="1200" dirty="0" smtClean="0">
+                <a:solidFill>
+                  <a:schemeClr val="tx1"/>
+                </a:solidFill>
+                <a:effectLst/>
+                <a:latin typeface="+mn-lt"/>
+                <a:ea typeface="+mn-ea"/>
+                <a:cs typeface="+mn-cs"/>
+              </a:rPr>
+              <a:t>// For-Loop</a:t>
+            </a:r>
+          </a:p>
+          <a:p>
+            <a:r>
+              <a:rPr lang="en-US" sz="1200" b="0" i="0" kern="1200" dirty="0" smtClean="0">
+                <a:solidFill>
+                  <a:schemeClr val="tx1"/>
+                </a:solidFill>
+                <a:effectLst/>
+                <a:latin typeface="+mn-lt"/>
+                <a:ea typeface="+mn-ea"/>
+                <a:cs typeface="+mn-cs"/>
+              </a:rPr>
+              <a:t>for (initialization; condition; update)</a:t>
+            </a:r>
+          </a:p>
+          <a:p>
+            <a:r>
+              <a:rPr lang="en-US" sz="1200" b="0" i="0" kern="1200" dirty="0" smtClean="0">
+                <a:solidFill>
+                  <a:schemeClr val="tx1"/>
+                </a:solidFill>
+                <a:effectLst/>
+                <a:latin typeface="+mn-lt"/>
+                <a:ea typeface="+mn-ea"/>
+                <a:cs typeface="+mn-cs"/>
+              </a:rPr>
+              <a:t>{</a:t>
+            </a:r>
+          </a:p>
+          <a:p>
+            <a:r>
+              <a:rPr lang="en-US" sz="1200" b="0" i="0" kern="1200" dirty="0" smtClean="0">
+                <a:solidFill>
+                  <a:schemeClr val="tx1"/>
+                </a:solidFill>
+                <a:effectLst/>
+                <a:latin typeface="+mn-lt"/>
+                <a:ea typeface="+mn-ea"/>
+                <a:cs typeface="+mn-cs"/>
+              </a:rPr>
+              <a:t>        loop's body;</a:t>
+            </a:r>
+          </a:p>
+          <a:p>
+            <a:r>
+              <a:rPr lang="en-US" sz="1200" b="0" i="0" kern="1200" dirty="0" smtClean="0">
+                <a:solidFill>
+                  <a:schemeClr val="tx1"/>
+                </a:solidFill>
+                <a:effectLst/>
+                <a:latin typeface="+mn-lt"/>
+                <a:ea typeface="+mn-ea"/>
+                <a:cs typeface="+mn-cs"/>
+              </a:rPr>
+              <a:t>}</a:t>
+            </a:r>
+          </a:p>
+          <a:p>
+            <a:endParaRPr lang="en-US" dirty="0"/>
+          </a:p>
+        </p:txBody>
+      </p:sp>
+      <p:sp>
+        <p:nvSpPr>
+          <p:cNvPr id="4" name="Slide Number Placeholder 3"/>
+          <p:cNvSpPr>
+            <a:spLocks noGrp="1"/>
+          </p:cNvSpPr>
+          <p:nvPr>
+            <p:ph type="sldNum" sz="quarter" idx="10"/>
+          </p:nvPr>
+        </p:nvSpPr>
+        <p:spPr/>
+        <p:txBody>
+          <a:bodyPr/>
+          <a:lstStyle/>
+          <a:p>
+            <a:fld id="{D3B49648-22DD-4E34-A945-180958939B56}" type="slidenum">
+              <a:rPr lang="en-US" smtClean="0"/>
+              <a:t>7</a:t>
+            </a:fld>
+            <a:endParaRPr lang="en-US"/>
+          </a:p>
+        </p:txBody>
+      </p:sp>
+    </p:spTree>
+    <p:extLst>
+      <p:ext uri="{BB962C8B-B14F-4D97-AF65-F5344CB8AC3E}">
+        <p14:creationId xmlns:p14="http://schemas.microsoft.com/office/powerpoint/2010/main" val="1588222486"/>
+      </p:ext>
+    </p:extLst>
+  </p:cSld>
+  <p:clrMapOvr>
+    <a:masterClrMapping/>
+  </p:clrMapOvr>
+</p:notes>
+</file>
+
 <file path=ppt/slideLayouts/slideLayout1.xml><?xml version="1.0" encoding="utf-8"?>
 <p:sldLayout xmlns:a="http://schemas.openxmlformats.org/drawingml/2006/main" xmlns:r="http://schemas.openxmlformats.org/officeDocument/2006/relationships" xmlns:p="http://schemas.openxmlformats.org/presentationml/2006/main" type="title" preserve="1">
   <p:cSld name="Title Slide">
@@ -31320,7 +27752,7 @@
             <a:fld id="{B61BEF0D-F0BB-DE4B-95CE-6DB70DBA9567}" type="datetimeFigureOut">
               <a:rPr lang="en-US" dirty="0"/>
               <a:pPr/>
-              <a:t>10/13/2016</a:t>
+              <a:t>10/18/2016</a:t>
             </a:fld>
             <a:endParaRPr lang="en-US" dirty="0"/>
           </a:p>
@@ -31651,7 +28083,7 @@
             <a:fld id="{B61BEF0D-F0BB-DE4B-95CE-6DB70DBA9567}" type="datetimeFigureOut">
               <a:rPr lang="en-US" dirty="0"/>
               <a:pPr/>
-              <a:t>10/13/2016</a:t>
+              <a:t>10/18/2016</a:t>
             </a:fld>
             <a:endParaRPr lang="en-US" dirty="0"/>
           </a:p>
@@ -31926,7 +28358,7 @@
             <a:fld id="{B61BEF0D-F0BB-DE4B-95CE-6DB70DBA9567}" type="datetimeFigureOut">
               <a:rPr lang="en-US" dirty="0"/>
               <a:pPr/>
-              <a:t>10/13/2016</a:t>
+              <a:t>10/18/2016</a:t>
             </a:fld>
             <a:endParaRPr lang="en-US" dirty="0"/>
           </a:p>
@@ -32491,7 +28923,7 @@
             <a:fld id="{B61BEF0D-F0BB-DE4B-95CE-6DB70DBA9567}" type="datetimeFigureOut">
               <a:rPr lang="en-US" dirty="0"/>
               <a:pPr/>
-              <a:t>10/13/2016</a:t>
+              <a:t>10/18/2016</a:t>
             </a:fld>
             <a:endParaRPr lang="en-US" dirty="0"/>
           </a:p>
@@ -32766,7 +29198,7 @@
             <a:fld id="{B61BEF0D-F0BB-DE4B-95CE-6DB70DBA9567}" type="datetimeFigureOut">
               <a:rPr lang="en-US" dirty="0"/>
               <a:pPr/>
-              <a:t>10/13/2016</a:t>
+              <a:t>10/18/2016</a:t>
             </a:fld>
             <a:endParaRPr lang="en-US" dirty="0"/>
           </a:p>
@@ -33325,7 +29757,7 @@
             <a:fld id="{B61BEF0D-F0BB-DE4B-95CE-6DB70DBA9567}" type="datetimeFigureOut">
               <a:rPr lang="en-US" dirty="0"/>
               <a:pPr/>
-              <a:t>10/13/2016</a:t>
+              <a:t>10/18/2016</a:t>
             </a:fld>
             <a:endParaRPr lang="en-US" dirty="0"/>
           </a:p>
@@ -33649,7 +30081,7 @@
             <a:fld id="{B61BEF0D-F0BB-DE4B-95CE-6DB70DBA9567}" type="datetimeFigureOut">
               <a:rPr lang="en-US" dirty="0"/>
               <a:pPr/>
-              <a:t>10/13/2016</a:t>
+              <a:t>10/18/2016</a:t>
             </a:fld>
             <a:endParaRPr lang="en-US" dirty="0"/>
           </a:p>
@@ -33823,7 +30255,7 @@
             <a:fld id="{B61BEF0D-F0BB-DE4B-95CE-6DB70DBA9567}" type="datetimeFigureOut">
               <a:rPr lang="en-US" dirty="0"/>
               <a:pPr/>
-              <a:t>10/13/2016</a:t>
+              <a:t>10/18/2016</a:t>
             </a:fld>
             <a:endParaRPr lang="en-US" dirty="0"/>
           </a:p>
@@ -34058,7 +30490,7 @@
             <a:fld id="{B61BEF0D-F0BB-DE4B-95CE-6DB70DBA9567}" type="datetimeFigureOut">
               <a:rPr lang="en-US" dirty="0"/>
               <a:pPr/>
-              <a:t>10/13/2016</a:t>
+              <a:t>10/18/2016</a:t>
             </a:fld>
             <a:endParaRPr lang="en-US" dirty="0"/>
           </a:p>
@@ -34255,7 +30687,7 @@
             <a:fld id="{B61BEF0D-F0BB-DE4B-95CE-6DB70DBA9567}" type="datetimeFigureOut">
               <a:rPr lang="en-US" dirty="0"/>
               <a:pPr/>
-              <a:t>10/13/2016</a:t>
+              <a:t>10/18/2016</a:t>
             </a:fld>
             <a:endParaRPr lang="en-US" dirty="0"/>
           </a:p>
@@ -34528,7 +30960,7 @@
             <a:fld id="{B61BEF0D-F0BB-DE4B-95CE-6DB70DBA9567}" type="datetimeFigureOut">
               <a:rPr lang="en-US" dirty="0"/>
               <a:pPr/>
-              <a:t>10/13/2016</a:t>
+              <a:t>10/18/2016</a:t>
             </a:fld>
             <a:endParaRPr lang="en-US" dirty="0"/>
           </a:p>
@@ -34791,7 +31223,7 @@
             <a:fld id="{B61BEF0D-F0BB-DE4B-95CE-6DB70DBA9567}" type="datetimeFigureOut">
               <a:rPr lang="en-US" dirty="0"/>
               <a:pPr/>
-              <a:t>10/13/2016</a:t>
+              <a:t>10/18/2016</a:t>
             </a:fld>
             <a:endParaRPr lang="en-US" dirty="0"/>
           </a:p>
@@ -35162,7 +31594,7 @@
             <a:fld id="{B61BEF0D-F0BB-DE4B-95CE-6DB70DBA9567}" type="datetimeFigureOut">
               <a:rPr lang="en-US" dirty="0"/>
               <a:pPr/>
-              <a:t>10/13/2016</a:t>
+              <a:t>10/18/2016</a:t>
             </a:fld>
             <a:endParaRPr lang="en-US" dirty="0"/>
           </a:p>
@@ -35307,7 +31739,7 @@
             <a:fld id="{B61BEF0D-F0BB-DE4B-95CE-6DB70DBA9567}" type="datetimeFigureOut">
               <a:rPr lang="en-US" dirty="0"/>
               <a:pPr/>
-              <a:t>10/13/2016</a:t>
+              <a:t>10/18/2016</a:t>
             </a:fld>
             <a:endParaRPr lang="en-US" dirty="0"/>
           </a:p>
@@ -35429,7 +31861,7 @@
             <a:fld id="{B61BEF0D-F0BB-DE4B-95CE-6DB70DBA9567}" type="datetimeFigureOut">
               <a:rPr lang="en-US" dirty="0"/>
               <a:pPr/>
-              <a:t>10/13/2016</a:t>
+              <a:t>10/18/2016</a:t>
             </a:fld>
             <a:endParaRPr lang="en-US" dirty="0"/>
           </a:p>
@@ -35711,7 +32143,7 @@
             <a:fld id="{B61BEF0D-F0BB-DE4B-95CE-6DB70DBA9567}" type="datetimeFigureOut">
               <a:rPr lang="en-US" dirty="0"/>
               <a:pPr/>
-              <a:t>10/13/2016</a:t>
+              <a:t>10/18/2016</a:t>
             </a:fld>
             <a:endParaRPr lang="en-US" dirty="0"/>
           </a:p>
@@ -36032,7 +32464,7 @@
             <a:fld id="{B61BEF0D-F0BB-DE4B-95CE-6DB70DBA9567}" type="datetimeFigureOut">
               <a:rPr lang="en-US" dirty="0"/>
               <a:pPr/>
-              <a:t>10/13/2016</a:t>
+              <a:t>10/18/2016</a:t>
             </a:fld>
             <a:endParaRPr lang="en-US" dirty="0"/>
           </a:p>
@@ -36243,7 +32675,7 @@
             <a:fld id="{B61BEF0D-F0BB-DE4B-95CE-6DB70DBA9567}" type="datetimeFigureOut">
               <a:rPr lang="en-US" dirty="0"/>
               <a:pPr/>
-              <a:t>10/13/2016</a:t>
+              <a:t>10/18/2016</a:t>
             </a:fld>
             <a:endParaRPr lang="en-US" dirty="0"/>
           </a:p>
@@ -38239,7 +34671,7 @@
         </p:xfrm>
         <a:graphic>
           <a:graphicData uri="http://schemas.openxmlformats.org/drawingml/2006/diagram">
-            <dgm:relIds xmlns:dgm="http://schemas.openxmlformats.org/drawingml/2006/diagram" xmlns:r="http://schemas.openxmlformats.org/officeDocument/2006/relationships" r:dm="rId2" r:lo="rId3" r:qs="rId4" r:cs="rId5"/>
+            <dgm:relIds xmlns:dgm="http://schemas.openxmlformats.org/drawingml/2006/diagram" xmlns:r="http://schemas.openxmlformats.org/officeDocument/2006/relationships" r:dm="rId3" r:lo="rId4" r:qs="rId5" r:cs="rId6"/>
           </a:graphicData>
         </a:graphic>
       </p:graphicFrame>

--- a/Course Overview.pptx
+++ b/Course Overview.pptx
@@ -5502,8 +5502,44 @@
           <a:r>
             <a:rPr lang="en-US" sz="2000" dirty="0" smtClean="0">
               <a:latin typeface="Buxton Sketch" panose="03080500000500000004" pitchFamily="66" charset="0"/>
+              <a:hlinkClick xmlns:r="http://schemas.openxmlformats.org/officeDocument/2006/relationships" r:id="rId2"/>
             </a:rPr>
-            <a:t>https://www.youtube.com/user/coolcsn/videos</a:t>
+            <a:t>https://</a:t>
+          </a:r>
+          <a:r>
+            <a:rPr lang="en-US" sz="2000" dirty="0" smtClean="0">
+              <a:latin typeface="Buxton Sketch" panose="03080500000500000004" pitchFamily="66" charset="0"/>
+              <a:hlinkClick xmlns:r="http://schemas.openxmlformats.org/officeDocument/2006/relationships" r:id="rId2"/>
+            </a:rPr>
+            <a:t>www.youtube.com/user/coolcsn/videos</a:t>
+          </a:r>
+          <a:endParaRPr lang="en-US" sz="2000" dirty="0" smtClean="0">
+            <a:latin typeface="Buxton Sketch" panose="03080500000500000004" pitchFamily="66" charset="0"/>
+          </a:endParaRPr>
+        </a:p>
+        <a:p>
+          <a:r>
+            <a:rPr lang="bg-BG" sz="2000" b="1" dirty="0" smtClean="0">
+              <a:latin typeface="Buxton Sketch" panose="03080500000500000004" pitchFamily="66" charset="0"/>
+            </a:rPr>
+            <a:t>Любен Киков – задачи </a:t>
+          </a:r>
+          <a:r>
+            <a:rPr lang="bg-BG" sz="2000" b="1" smtClean="0">
+              <a:latin typeface="Buxton Sketch" panose="03080500000500000004" pitchFamily="66" charset="0"/>
+            </a:rPr>
+            <a:t>от СофтУни.</a:t>
+          </a:r>
+          <a:endParaRPr lang="bg-BG" sz="2000" b="1" dirty="0" smtClean="0">
+            <a:latin typeface="Buxton Sketch" panose="03080500000500000004" pitchFamily="66" charset="0"/>
+          </a:endParaRPr>
+        </a:p>
+        <a:p>
+          <a:r>
+            <a:rPr lang="en-US" sz="2000" b="1" dirty="0" smtClean="0">
+              <a:latin typeface="Buxton Sketch" panose="03080500000500000004" pitchFamily="66" charset="0"/>
+            </a:rPr>
+            <a:t>https://www.youtube.com/playlist?list=PLW9cNZuPMHVR_VHWPQoie_a5a9vFxbxLY</a:t>
           </a:r>
           <a:endParaRPr lang="en-US" sz="2000" b="1" dirty="0" smtClean="0">
             <a:latin typeface="Buxton Sketch" panose="03080500000500000004" pitchFamily="66" charset="0"/>
@@ -8428,22 +8464,22 @@
     </dgm:pt>
   </dgm:ptLst>
   <dgm:cxnLst>
+    <dgm:cxn modelId="{89668738-4A06-48A0-ADA1-E81F63ABA142}" srcId="{5DBF101F-0F35-4E21-834F-2D0370F875E2}" destId="{3C212A25-0B13-4130-B138-D80FD13744A6}" srcOrd="2" destOrd="0" parTransId="{43412D1B-5E60-443A-8E70-DE9D4E704809}" sibTransId="{7EEE66FA-BF9A-43A0-ADA2-FE1F6E1855D7}"/>
+    <dgm:cxn modelId="{82993F7F-9375-4623-BE0F-E11A2ED881FC}" type="presOf" srcId="{3C212A25-0B13-4130-B138-D80FD13744A6}" destId="{254D17AE-BCFB-4A21-A1FA-06E9765EE69A}" srcOrd="1" destOrd="0" presId="urn:microsoft.com/office/officeart/2005/8/layout/orgChart1"/>
+    <dgm:cxn modelId="{823C09DF-4066-4185-B4D2-80B89A1FF3CD}" srcId="{5DBF101F-0F35-4E21-834F-2D0370F875E2}" destId="{ED15561D-56C1-4B97-A225-B17AD9CFFD83}" srcOrd="1" destOrd="0" parTransId="{7D06307E-E72D-4C92-B922-9BC1410121D5}" sibTransId="{E6125EE4-66B5-47EC-B065-D7DAACD1A343}"/>
+    <dgm:cxn modelId="{FB50C092-1AC6-447A-8ECA-B92D7932BA37}" type="presOf" srcId="{ED15561D-56C1-4B97-A225-B17AD9CFFD83}" destId="{523C265F-BF3E-45A7-97E7-3CB6F72BBFF0}" srcOrd="0" destOrd="0" presId="urn:microsoft.com/office/officeart/2005/8/layout/orgChart1"/>
+    <dgm:cxn modelId="{B01D91DC-554F-453D-9B9C-0287793FEF7A}" type="presOf" srcId="{3C212A25-0B13-4130-B138-D80FD13744A6}" destId="{FB88D22D-616A-4763-8730-376C7E899E79}" srcOrd="0" destOrd="0" presId="urn:microsoft.com/office/officeart/2005/8/layout/orgChart1"/>
     <dgm:cxn modelId="{F70BC46C-C4E5-4BDD-AB2F-E6392A25640C}" srcId="{9F0C14E1-5E31-4BFB-93EF-64A72EB696B4}" destId="{5DBF101F-0F35-4E21-834F-2D0370F875E2}" srcOrd="0" destOrd="0" parTransId="{DFB5525A-85FE-4DD0-9919-DA9F0CCF7FC1}" sibTransId="{AB19A77E-F43A-4193-A579-3E00E108D152}"/>
-    <dgm:cxn modelId="{89668738-4A06-48A0-ADA1-E81F63ABA142}" srcId="{5DBF101F-0F35-4E21-834F-2D0370F875E2}" destId="{3C212A25-0B13-4130-B138-D80FD13744A6}" srcOrd="2" destOrd="0" parTransId="{43412D1B-5E60-443A-8E70-DE9D4E704809}" sibTransId="{7EEE66FA-BF9A-43A0-ADA2-FE1F6E1855D7}"/>
-    <dgm:cxn modelId="{FB50C092-1AC6-447A-8ECA-B92D7932BA37}" type="presOf" srcId="{ED15561D-56C1-4B97-A225-B17AD9CFFD83}" destId="{523C265F-BF3E-45A7-97E7-3CB6F72BBFF0}" srcOrd="0" destOrd="0" presId="urn:microsoft.com/office/officeart/2005/8/layout/orgChart1"/>
-    <dgm:cxn modelId="{823C09DF-4066-4185-B4D2-80B89A1FF3CD}" srcId="{5DBF101F-0F35-4E21-834F-2D0370F875E2}" destId="{ED15561D-56C1-4B97-A225-B17AD9CFFD83}" srcOrd="1" destOrd="0" parTransId="{7D06307E-E72D-4C92-B922-9BC1410121D5}" sibTransId="{E6125EE4-66B5-47EC-B065-D7DAACD1A343}"/>
+    <dgm:cxn modelId="{FD7431D9-52DC-4CFA-A587-3A5E27E8B047}" type="presOf" srcId="{FE303ED2-E91E-412E-9437-9D310539077B}" destId="{2614E269-8295-4197-BB5E-0D078F5030B2}" srcOrd="0" destOrd="0" presId="urn:microsoft.com/office/officeart/2005/8/layout/orgChart1"/>
+    <dgm:cxn modelId="{7C4B19F7-C135-41D5-8E39-013674826154}" type="presOf" srcId="{5DBF101F-0F35-4E21-834F-2D0370F875E2}" destId="{0359D7AD-5B93-4C43-9D98-56774F0D5194}" srcOrd="0" destOrd="0" presId="urn:microsoft.com/office/officeart/2005/8/layout/orgChart1"/>
+    <dgm:cxn modelId="{B98E2DD1-8CE7-407C-8B1A-1A31AFF5E217}" type="presOf" srcId="{FE303ED2-E91E-412E-9437-9D310539077B}" destId="{A906F8A3-A092-4062-9F84-7013F75341DA}" srcOrd="1" destOrd="0" presId="urn:microsoft.com/office/officeart/2005/8/layout/orgChart1"/>
+    <dgm:cxn modelId="{510C79DE-9E9F-4DC0-BC46-80BEFBF40866}" type="presOf" srcId="{67DCA957-B2F3-41EA-A1D6-69F2974D19A1}" destId="{C737B84A-2ADA-4BBE-9EAC-51D285811437}" srcOrd="0" destOrd="0" presId="urn:microsoft.com/office/officeart/2005/8/layout/orgChart1"/>
+    <dgm:cxn modelId="{BBD27F77-7864-43DF-9B2E-BCB603876EED}" type="presOf" srcId="{7D06307E-E72D-4C92-B922-9BC1410121D5}" destId="{28B83FEF-8929-4CA9-AA29-351DB9B1E4DC}" srcOrd="0" destOrd="0" presId="urn:microsoft.com/office/officeart/2005/8/layout/orgChart1"/>
     <dgm:cxn modelId="{FD365F2F-1A42-4B78-9ED5-1E84BD2A971D}" type="presOf" srcId="{9F0C14E1-5E31-4BFB-93EF-64A72EB696B4}" destId="{5D0B09FB-389A-42B8-9F76-AC54AAB7446D}" srcOrd="0" destOrd="0" presId="urn:microsoft.com/office/officeart/2005/8/layout/orgChart1"/>
-    <dgm:cxn modelId="{510C79DE-9E9F-4DC0-BC46-80BEFBF40866}" type="presOf" srcId="{67DCA957-B2F3-41EA-A1D6-69F2974D19A1}" destId="{C737B84A-2ADA-4BBE-9EAC-51D285811437}" srcOrd="0" destOrd="0" presId="urn:microsoft.com/office/officeart/2005/8/layout/orgChart1"/>
+    <dgm:cxn modelId="{79623BA5-3EE9-492F-9F67-A7A2848E39D4}" type="presOf" srcId="{ED15561D-56C1-4B97-A225-B17AD9CFFD83}" destId="{A5CF2B70-2E8B-4780-B74F-7777095946AC}" srcOrd="1" destOrd="0" presId="urn:microsoft.com/office/officeart/2005/8/layout/orgChart1"/>
+    <dgm:cxn modelId="{354ECFAA-0650-4348-9089-A5F0F4D0486F}" srcId="{5DBF101F-0F35-4E21-834F-2D0370F875E2}" destId="{FE303ED2-E91E-412E-9437-9D310539077B}" srcOrd="0" destOrd="0" parTransId="{67DCA957-B2F3-41EA-A1D6-69F2974D19A1}" sibTransId="{CE3C1A84-FDCD-4933-B8BB-69E7736BF902}"/>
     <dgm:cxn modelId="{9535BF3E-6D47-4915-8F7D-26552F5214B9}" type="presOf" srcId="{43412D1B-5E60-443A-8E70-DE9D4E704809}" destId="{F2FABC0A-7D27-41B6-A5B2-1681964D3E93}" srcOrd="0" destOrd="0" presId="urn:microsoft.com/office/officeart/2005/8/layout/orgChart1"/>
-    <dgm:cxn modelId="{BBD27F77-7864-43DF-9B2E-BCB603876EED}" type="presOf" srcId="{7D06307E-E72D-4C92-B922-9BC1410121D5}" destId="{28B83FEF-8929-4CA9-AA29-351DB9B1E4DC}" srcOrd="0" destOrd="0" presId="urn:microsoft.com/office/officeart/2005/8/layout/orgChart1"/>
-    <dgm:cxn modelId="{B98E2DD1-8CE7-407C-8B1A-1A31AFF5E217}" type="presOf" srcId="{FE303ED2-E91E-412E-9437-9D310539077B}" destId="{A906F8A3-A092-4062-9F84-7013F75341DA}" srcOrd="1" destOrd="0" presId="urn:microsoft.com/office/officeart/2005/8/layout/orgChart1"/>
-    <dgm:cxn modelId="{79623BA5-3EE9-492F-9F67-A7A2848E39D4}" type="presOf" srcId="{ED15561D-56C1-4B97-A225-B17AD9CFFD83}" destId="{A5CF2B70-2E8B-4780-B74F-7777095946AC}" srcOrd="1" destOrd="0" presId="urn:microsoft.com/office/officeart/2005/8/layout/orgChart1"/>
     <dgm:cxn modelId="{12598B40-AE2D-4BF4-A65C-B4CC62CF6BAA}" type="presOf" srcId="{5DBF101F-0F35-4E21-834F-2D0370F875E2}" destId="{0F3F96D0-4A8B-4629-A505-534193085623}" srcOrd="1" destOrd="0" presId="urn:microsoft.com/office/officeart/2005/8/layout/orgChart1"/>
-    <dgm:cxn modelId="{FD7431D9-52DC-4CFA-A587-3A5E27E8B047}" type="presOf" srcId="{FE303ED2-E91E-412E-9437-9D310539077B}" destId="{2614E269-8295-4197-BB5E-0D078F5030B2}" srcOrd="0" destOrd="0" presId="urn:microsoft.com/office/officeart/2005/8/layout/orgChart1"/>
-    <dgm:cxn modelId="{82993F7F-9375-4623-BE0F-E11A2ED881FC}" type="presOf" srcId="{3C212A25-0B13-4130-B138-D80FD13744A6}" destId="{254D17AE-BCFB-4A21-A1FA-06E9765EE69A}" srcOrd="1" destOrd="0" presId="urn:microsoft.com/office/officeart/2005/8/layout/orgChart1"/>
-    <dgm:cxn modelId="{7C4B19F7-C135-41D5-8E39-013674826154}" type="presOf" srcId="{5DBF101F-0F35-4E21-834F-2D0370F875E2}" destId="{0359D7AD-5B93-4C43-9D98-56774F0D5194}" srcOrd="0" destOrd="0" presId="urn:microsoft.com/office/officeart/2005/8/layout/orgChart1"/>
-    <dgm:cxn modelId="{354ECFAA-0650-4348-9089-A5F0F4D0486F}" srcId="{5DBF101F-0F35-4E21-834F-2D0370F875E2}" destId="{FE303ED2-E91E-412E-9437-9D310539077B}" srcOrd="0" destOrd="0" parTransId="{67DCA957-B2F3-41EA-A1D6-69F2974D19A1}" sibTransId="{CE3C1A84-FDCD-4933-B8BB-69E7736BF902}"/>
-    <dgm:cxn modelId="{B01D91DC-554F-453D-9B9C-0287793FEF7A}" type="presOf" srcId="{3C212A25-0B13-4130-B138-D80FD13744A6}" destId="{FB88D22D-616A-4763-8730-376C7E899E79}" srcOrd="0" destOrd="0" presId="urn:microsoft.com/office/officeart/2005/8/layout/orgChart1"/>
     <dgm:cxn modelId="{F3D59A19-B586-4E2E-B3DD-350E8083E5C6}" type="presParOf" srcId="{5D0B09FB-389A-42B8-9F76-AC54AAB7446D}" destId="{AF9557CA-7D0B-407C-B122-3806D3B80045}" srcOrd="0" destOrd="0" presId="urn:microsoft.com/office/officeart/2005/8/layout/orgChart1"/>
     <dgm:cxn modelId="{8CD5B951-A4B9-482B-984E-327DC9B435E8}" type="presParOf" srcId="{AF9557CA-7D0B-407C-B122-3806D3B80045}" destId="{C76704DA-2A6C-4F8D-B746-4F85018CD45A}" srcOrd="0" destOrd="0" presId="urn:microsoft.com/office/officeart/2005/8/layout/orgChart1"/>
     <dgm:cxn modelId="{EA691761-E62C-48CB-8E95-889D13D86C94}" type="presParOf" srcId="{C76704DA-2A6C-4F8D-B746-4F85018CD45A}" destId="{0359D7AD-5B93-4C43-9D98-56774F0D5194}" srcOrd="0" destOrd="0" presId="urn:microsoft.com/office/officeart/2005/8/layout/orgChart1"/>
@@ -9819,18 +9855,18 @@
     </dgm:pt>
   </dgm:ptLst>
   <dgm:cxnLst>
+    <dgm:cxn modelId="{3F461B40-14D3-4DE0-B156-B004FD9F8ED9}" type="presOf" srcId="{F53C9289-97E1-4D2D-97C9-1AAC80980444}" destId="{066BF7EA-934B-4060-B6BF-0796EB1E4F44}" srcOrd="0" destOrd="0" presId="urn:microsoft.com/office/officeart/2005/8/layout/orgChart1"/>
+    <dgm:cxn modelId="{9FD2703E-D7D4-488C-B86F-89B4AAEC8866}" type="presOf" srcId="{5026F749-70FD-4720-9858-7B81314E8CF0}" destId="{ACDE8485-05B1-406B-AD3C-368A19FF8F21}" srcOrd="0" destOrd="0" presId="urn:microsoft.com/office/officeart/2005/8/layout/orgChart1"/>
     <dgm:cxn modelId="{1A9B7C33-D180-4BAD-BAB0-48F9CC52E7D7}" srcId="{36FF7C4C-C18C-46F5-8FE8-C426B93A9095}" destId="{47581A9E-5E40-406D-BE0A-38AA3E89F7F8}" srcOrd="0" destOrd="0" parTransId="{B9257DBC-4964-4109-BE29-5A9463C79B30}" sibTransId="{36D4FCD3-96C9-4F49-A64F-A25212C98BE3}"/>
-    <dgm:cxn modelId="{3F461B40-14D3-4DE0-B156-B004FD9F8ED9}" type="presOf" srcId="{F53C9289-97E1-4D2D-97C9-1AAC80980444}" destId="{066BF7EA-934B-4060-B6BF-0796EB1E4F44}" srcOrd="0" destOrd="0" presId="urn:microsoft.com/office/officeart/2005/8/layout/orgChart1"/>
+    <dgm:cxn modelId="{12C6268D-B3F0-4C5C-B9B7-4269BF5D55F1}" type="presOf" srcId="{47581A9E-5E40-406D-BE0A-38AA3E89F7F8}" destId="{7C14404F-4974-49DB-96E9-942AA1195F7A}" srcOrd="1" destOrd="0" presId="urn:microsoft.com/office/officeart/2005/8/layout/orgChart1"/>
+    <dgm:cxn modelId="{5D9FF610-E795-476D-86FC-E015F8FDA489}" srcId="{47581A9E-5E40-406D-BE0A-38AA3E89F7F8}" destId="{EEC3C2B6-CCB3-4CDB-84D9-93741BAF41A2}" srcOrd="1" destOrd="0" parTransId="{EFFAFC6C-F906-450E-8595-D15AC71B243F}" sibTransId="{F512F933-B839-42F7-8E57-EDFA719F737F}"/>
+    <dgm:cxn modelId="{8AB80DB9-7B40-4065-83A0-8DAD0D36E386}" type="presOf" srcId="{EFFAFC6C-F906-450E-8595-D15AC71B243F}" destId="{973CA2BD-28A9-4084-9A56-C43D3E3B0316}" srcOrd="0" destOrd="0" presId="urn:microsoft.com/office/officeart/2005/8/layout/orgChart1"/>
     <dgm:cxn modelId="{9FC334A9-4E29-4794-8BF1-2134E895F76D}" type="presOf" srcId="{EEC3C2B6-CCB3-4CDB-84D9-93741BAF41A2}" destId="{54470973-FF4C-4094-83FC-25652F5582EF}" srcOrd="1" destOrd="0" presId="urn:microsoft.com/office/officeart/2005/8/layout/orgChart1"/>
-    <dgm:cxn modelId="{8AB80DB9-7B40-4065-83A0-8DAD0D36E386}" type="presOf" srcId="{EFFAFC6C-F906-450E-8595-D15AC71B243F}" destId="{973CA2BD-28A9-4084-9A56-C43D3E3B0316}" srcOrd="0" destOrd="0" presId="urn:microsoft.com/office/officeart/2005/8/layout/orgChart1"/>
-    <dgm:cxn modelId="{9FD2703E-D7D4-488C-B86F-89B4AAEC8866}" type="presOf" srcId="{5026F749-70FD-4720-9858-7B81314E8CF0}" destId="{ACDE8485-05B1-406B-AD3C-368A19FF8F21}" srcOrd="0" destOrd="0" presId="urn:microsoft.com/office/officeart/2005/8/layout/orgChart1"/>
+    <dgm:cxn modelId="{5C91C76A-FC00-4920-9159-50F3665C6692}" type="presOf" srcId="{5026F749-70FD-4720-9858-7B81314E8CF0}" destId="{5ABA39A4-A26D-4F82-AF53-3A39C640F9C3}" srcOrd="1" destOrd="0" presId="urn:microsoft.com/office/officeart/2005/8/layout/orgChart1"/>
+    <dgm:cxn modelId="{FF9EFE8B-F6D5-4585-A95F-EFE7E2BAD83F}" type="presOf" srcId="{36FF7C4C-C18C-46F5-8FE8-C426B93A9095}" destId="{F28535A8-9D85-4AB8-B7C4-4EDBC1F9E41B}" srcOrd="0" destOrd="0" presId="urn:microsoft.com/office/officeart/2005/8/layout/orgChart1"/>
+    <dgm:cxn modelId="{E0C3EF0D-090E-4E04-B581-91BAC77C7E75}" type="presOf" srcId="{EEC3C2B6-CCB3-4CDB-84D9-93741BAF41A2}" destId="{07BD9B31-3415-4AE7-BD62-D4E049D8396D}" srcOrd="0" destOrd="0" presId="urn:microsoft.com/office/officeart/2005/8/layout/orgChart1"/>
+    <dgm:cxn modelId="{3BFAD681-DCC6-47B1-AAF1-2EEA17BB839A}" type="presOf" srcId="{47581A9E-5E40-406D-BE0A-38AA3E89F7F8}" destId="{36FDA7F1-3CE0-45DA-99EE-C2DAE976718C}" srcOrd="0" destOrd="0" presId="urn:microsoft.com/office/officeart/2005/8/layout/orgChart1"/>
     <dgm:cxn modelId="{BC82667A-EDA1-43CA-B93C-FF9003F535FB}" srcId="{47581A9E-5E40-406D-BE0A-38AA3E89F7F8}" destId="{5026F749-70FD-4720-9858-7B81314E8CF0}" srcOrd="0" destOrd="0" parTransId="{F53C9289-97E1-4D2D-97C9-1AAC80980444}" sibTransId="{1A494AB9-3AE1-4FA4-9DB7-96C622E19841}"/>
-    <dgm:cxn modelId="{3BFAD681-DCC6-47B1-AAF1-2EEA17BB839A}" type="presOf" srcId="{47581A9E-5E40-406D-BE0A-38AA3E89F7F8}" destId="{36FDA7F1-3CE0-45DA-99EE-C2DAE976718C}" srcOrd="0" destOrd="0" presId="urn:microsoft.com/office/officeart/2005/8/layout/orgChart1"/>
-    <dgm:cxn modelId="{5D9FF610-E795-476D-86FC-E015F8FDA489}" srcId="{47581A9E-5E40-406D-BE0A-38AA3E89F7F8}" destId="{EEC3C2B6-CCB3-4CDB-84D9-93741BAF41A2}" srcOrd="1" destOrd="0" parTransId="{EFFAFC6C-F906-450E-8595-D15AC71B243F}" sibTransId="{F512F933-B839-42F7-8E57-EDFA719F737F}"/>
-    <dgm:cxn modelId="{12C6268D-B3F0-4C5C-B9B7-4269BF5D55F1}" type="presOf" srcId="{47581A9E-5E40-406D-BE0A-38AA3E89F7F8}" destId="{7C14404F-4974-49DB-96E9-942AA1195F7A}" srcOrd="1" destOrd="0" presId="urn:microsoft.com/office/officeart/2005/8/layout/orgChart1"/>
-    <dgm:cxn modelId="{5C91C76A-FC00-4920-9159-50F3665C6692}" type="presOf" srcId="{5026F749-70FD-4720-9858-7B81314E8CF0}" destId="{5ABA39A4-A26D-4F82-AF53-3A39C640F9C3}" srcOrd="1" destOrd="0" presId="urn:microsoft.com/office/officeart/2005/8/layout/orgChart1"/>
-    <dgm:cxn modelId="{E0C3EF0D-090E-4E04-B581-91BAC77C7E75}" type="presOf" srcId="{EEC3C2B6-CCB3-4CDB-84D9-93741BAF41A2}" destId="{07BD9B31-3415-4AE7-BD62-D4E049D8396D}" srcOrd="0" destOrd="0" presId="urn:microsoft.com/office/officeart/2005/8/layout/orgChart1"/>
-    <dgm:cxn modelId="{FF9EFE8B-F6D5-4585-A95F-EFE7E2BAD83F}" type="presOf" srcId="{36FF7C4C-C18C-46F5-8FE8-C426B93A9095}" destId="{F28535A8-9D85-4AB8-B7C4-4EDBC1F9E41B}" srcOrd="0" destOrd="0" presId="urn:microsoft.com/office/officeart/2005/8/layout/orgChart1"/>
     <dgm:cxn modelId="{F6821DBF-9971-46BE-A30B-50B3DE2134F5}" type="presParOf" srcId="{F28535A8-9D85-4AB8-B7C4-4EDBC1F9E41B}" destId="{1CB2309C-DD81-4BD9-A73C-645D5FDB1293}" srcOrd="0" destOrd="0" presId="urn:microsoft.com/office/officeart/2005/8/layout/orgChart1"/>
     <dgm:cxn modelId="{E911AD6C-0919-436D-B78F-19613774E640}" type="presParOf" srcId="{1CB2309C-DD81-4BD9-A73C-645D5FDB1293}" destId="{A2FA31AE-5C86-4A6F-87F7-2ACB8FE62327}" srcOrd="0" destOrd="0" presId="urn:microsoft.com/office/officeart/2005/8/layout/orgChart1"/>
     <dgm:cxn modelId="{3675E7BE-30B3-46E8-8476-632CA79381E9}" type="presParOf" srcId="{A2FA31AE-5C86-4A6F-87F7-2ACB8FE62327}" destId="{36FDA7F1-3CE0-45DA-99EE-C2DAE976718C}" srcOrd="0" destOrd="0" presId="urn:microsoft.com/office/officeart/2005/8/layout/orgChart1"/>
@@ -10015,6 +10051,407 @@
       <dsp:cNvGrpSpPr/>
     </dsp:nvGrpSpPr>
     <dsp:grpSpPr/>
+    <dsp:sp modelId="{E12C78D3-4B45-43FB-ABCC-83F3DB5D17F4}">
+      <dsp:nvSpPr>
+        <dsp:cNvPr id="0" name=""/>
+        <dsp:cNvSpPr/>
+      </dsp:nvSpPr>
+      <dsp:spPr>
+        <a:xfrm>
+          <a:off x="0" y="2631"/>
+          <a:ext cx="10131425" cy="0"/>
+        </a:xfrm>
+        <a:prstGeom prst="line">
+          <a:avLst/>
+        </a:prstGeom>
+        <a:solidFill>
+          <a:schemeClr val="accent1">
+            <a:hueOff val="0"/>
+            <a:satOff val="0"/>
+            <a:lumOff val="0"/>
+            <a:alphaOff val="0"/>
+          </a:schemeClr>
+        </a:solidFill>
+        <a:ln w="19050" cap="rnd" cmpd="sng" algn="ctr">
+          <a:solidFill>
+            <a:schemeClr val="accent1">
+              <a:hueOff val="0"/>
+              <a:satOff val="0"/>
+              <a:lumOff val="0"/>
+              <a:alphaOff val="0"/>
+            </a:schemeClr>
+          </a:solidFill>
+          <a:prstDash val="solid"/>
+        </a:ln>
+        <a:effectLst/>
+      </dsp:spPr>
+      <dsp:style>
+        <a:lnRef idx="2">
+          <a:scrgbClr r="0" g="0" b="0"/>
+        </a:lnRef>
+        <a:fillRef idx="1">
+          <a:scrgbClr r="0" g="0" b="0"/>
+        </a:fillRef>
+        <a:effectRef idx="0">
+          <a:scrgbClr r="0" g="0" b="0"/>
+        </a:effectRef>
+        <a:fontRef idx="minor">
+          <a:schemeClr val="lt1"/>
+        </a:fontRef>
+      </dsp:style>
+    </dsp:sp>
+    <dsp:sp modelId="{599D6219-B278-4C20-9A95-7F8F137EE331}">
+      <dsp:nvSpPr>
+        <dsp:cNvPr id="0" name=""/>
+        <dsp:cNvSpPr/>
+      </dsp:nvSpPr>
+      <dsp:spPr>
+        <a:xfrm>
+          <a:off x="0" y="2631"/>
+          <a:ext cx="2447388" cy="5383601"/>
+        </a:xfrm>
+        <a:prstGeom prst="rect">
+          <a:avLst/>
+        </a:prstGeom>
+        <a:noFill/>
+        <a:ln>
+          <a:noFill/>
+        </a:ln>
+        <a:effectLst/>
+      </dsp:spPr>
+      <dsp:style>
+        <a:lnRef idx="0">
+          <a:scrgbClr r="0" g="0" b="0"/>
+        </a:lnRef>
+        <a:fillRef idx="0">
+          <a:scrgbClr r="0" g="0" b="0"/>
+        </a:fillRef>
+        <a:effectRef idx="0">
+          <a:scrgbClr r="0" g="0" b="0"/>
+        </a:effectRef>
+        <a:fontRef idx="minor"/>
+      </dsp:style>
+      <dsp:txBody>
+        <a:bodyPr spcFirstLastPara="0" vert="horz" wrap="square" lIns="243840" tIns="243840" rIns="243840" bIns="243840" numCol="1" spcCol="1270" anchor="t" anchorCtr="0">
+          <a:noAutofit/>
+        </a:bodyPr>
+        <a:lstStyle/>
+        <a:p>
+          <a:pPr lvl="0" algn="l" defTabSz="2844800">
+            <a:lnSpc>
+              <a:spcPct val="90000"/>
+            </a:lnSpc>
+            <a:spcBef>
+              <a:spcPct val="0"/>
+            </a:spcBef>
+            <a:spcAft>
+              <a:spcPct val="35000"/>
+            </a:spcAft>
+          </a:pPr>
+          <a:r>
+            <a:rPr lang="en-US" sz="6400" kern="1200" dirty="0" smtClean="0">
+              <a:latin typeface="Buxton Sketch" panose="03080500000500000004" pitchFamily="66" charset="0"/>
+            </a:rPr>
+            <a:t>Useful links</a:t>
+          </a:r>
+          <a:endParaRPr lang="en-US" sz="6400" kern="1200" dirty="0">
+            <a:latin typeface="Buxton Sketch" panose="03080500000500000004" pitchFamily="66" charset="0"/>
+          </a:endParaRPr>
+        </a:p>
+      </dsp:txBody>
+      <dsp:txXfrm>
+        <a:off x="0" y="2631"/>
+        <a:ext cx="2447388" cy="5383601"/>
+      </dsp:txXfrm>
+    </dsp:sp>
+    <dsp:sp modelId="{F8106273-3EEB-4CE6-BD56-FDBCA776B834}">
+      <dsp:nvSpPr>
+        <dsp:cNvPr id="0" name=""/>
+        <dsp:cNvSpPr/>
+      </dsp:nvSpPr>
+      <dsp:spPr>
+        <a:xfrm>
+          <a:off x="2567155" y="247101"/>
+          <a:ext cx="7557313" cy="4889403"/>
+        </a:xfrm>
+        <a:prstGeom prst="rect">
+          <a:avLst/>
+        </a:prstGeom>
+        <a:noFill/>
+        <a:ln>
+          <a:noFill/>
+        </a:ln>
+        <a:effectLst/>
+      </dsp:spPr>
+      <dsp:style>
+        <a:lnRef idx="0">
+          <a:scrgbClr r="0" g="0" b="0"/>
+        </a:lnRef>
+        <a:fillRef idx="0">
+          <a:scrgbClr r="0" g="0" b="0"/>
+        </a:fillRef>
+        <a:effectRef idx="0">
+          <a:scrgbClr r="0" g="0" b="0"/>
+        </a:effectRef>
+        <a:fontRef idx="minor"/>
+      </dsp:style>
+      <dsp:txBody>
+        <a:bodyPr spcFirstLastPara="0" vert="horz" wrap="square" lIns="76200" tIns="76200" rIns="76200" bIns="76200" numCol="1" spcCol="1270" anchor="t" anchorCtr="0">
+          <a:noAutofit/>
+        </a:bodyPr>
+        <a:lstStyle/>
+        <a:p>
+          <a:pPr lvl="0" algn="l" defTabSz="889000">
+            <a:lnSpc>
+              <a:spcPct val="90000"/>
+            </a:lnSpc>
+            <a:spcBef>
+              <a:spcPct val="0"/>
+            </a:spcBef>
+            <a:spcAft>
+              <a:spcPct val="35000"/>
+            </a:spcAft>
+          </a:pPr>
+          <a:r>
+            <a:rPr lang="en-US" sz="2000" b="1" kern="1200" dirty="0" err="1" smtClean="0">
+              <a:latin typeface="Buxton Sketch" panose="03080500000500000004" pitchFamily="66" charset="0"/>
+            </a:rPr>
+            <a:t>Kudvenkat</a:t>
+          </a:r>
+          <a:r>
+            <a:rPr lang="en-US" sz="2000" b="1" kern="1200" dirty="0" smtClean="0">
+              <a:latin typeface="Buxton Sketch" panose="03080500000500000004" pitchFamily="66" charset="0"/>
+            </a:rPr>
+            <a:t>  - C# tutorials for beginners.</a:t>
+          </a:r>
+        </a:p>
+        <a:p>
+          <a:pPr lvl="0" algn="l" defTabSz="889000">
+            <a:lnSpc>
+              <a:spcPct val="90000"/>
+            </a:lnSpc>
+            <a:spcBef>
+              <a:spcPct val="0"/>
+            </a:spcBef>
+            <a:spcAft>
+              <a:spcPct val="35000"/>
+            </a:spcAft>
+          </a:pPr>
+          <a:r>
+            <a:rPr lang="en-US" sz="2000" kern="1200" dirty="0" smtClean="0">
+              <a:latin typeface="Buxton Sketch" panose="03080500000500000004" pitchFamily="66" charset="0"/>
+              <a:hlinkClick xmlns:r="http://schemas.openxmlformats.org/officeDocument/2006/relationships" r:id="rId1"/>
+            </a:rPr>
+            <a:t>https://www.youtube.com/watch?v=SXmVym6L8dw&amp;list=PLAC325451207E3105</a:t>
+          </a:r>
+          <a:endParaRPr lang="en-US" sz="2000" kern="1200" dirty="0" smtClean="0">
+            <a:latin typeface="Buxton Sketch" panose="03080500000500000004" pitchFamily="66" charset="0"/>
+          </a:endParaRPr>
+        </a:p>
+        <a:p>
+          <a:pPr lvl="0" algn="l" defTabSz="889000">
+            <a:lnSpc>
+              <a:spcPct val="90000"/>
+            </a:lnSpc>
+            <a:spcBef>
+              <a:spcPct val="0"/>
+            </a:spcBef>
+            <a:spcAft>
+              <a:spcPct val="35000"/>
+            </a:spcAft>
+          </a:pPr>
+          <a:endParaRPr lang="en-US" sz="2000" kern="1200" dirty="0" smtClean="0">
+            <a:latin typeface="Buxton Sketch" panose="03080500000500000004" pitchFamily="66" charset="0"/>
+          </a:endParaRPr>
+        </a:p>
+        <a:p>
+          <a:pPr lvl="0" algn="l" defTabSz="889000">
+            <a:lnSpc>
+              <a:spcPct val="90000"/>
+            </a:lnSpc>
+            <a:spcBef>
+              <a:spcPct val="0"/>
+            </a:spcBef>
+            <a:spcAft>
+              <a:spcPct val="35000"/>
+            </a:spcAft>
+          </a:pPr>
+          <a:r>
+            <a:rPr lang="bg-BG" sz="2000" kern="1200" dirty="0" smtClean="0">
+              <a:latin typeface="Buxton Sketch" panose="03080500000500000004" pitchFamily="66" charset="0"/>
+            </a:rPr>
+            <a:t>Стоян Черешаров - </a:t>
+          </a:r>
+          <a:r>
+            <a:rPr lang="bg-BG" sz="2000" b="0" i="0" kern="1200" dirty="0" smtClean="0">
+              <a:latin typeface="Buxton Sketch" panose="03080500000500000004" pitchFamily="66" charset="0"/>
+            </a:rPr>
+            <a:t>Работа с </a:t>
+          </a:r>
+          <a:r>
+            <a:rPr lang="en-US" sz="2000" b="0" i="0" kern="1200" dirty="0" err="1" smtClean="0">
+              <a:latin typeface="Buxton Sketch" panose="03080500000500000004" pitchFamily="66" charset="0"/>
+            </a:rPr>
+            <a:t>Git</a:t>
+          </a:r>
+          <a:r>
+            <a:rPr lang="en-US" sz="2000" b="0" i="0" kern="1200" dirty="0" smtClean="0">
+              <a:latin typeface="Buxton Sketch" panose="03080500000500000004" pitchFamily="66" charset="0"/>
+            </a:rPr>
+            <a:t> </a:t>
+          </a:r>
+          <a:r>
+            <a:rPr lang="bg-BG" sz="2000" b="0" i="0" kern="1200" dirty="0" smtClean="0">
+              <a:latin typeface="Buxton Sketch" panose="03080500000500000004" pitchFamily="66" charset="0"/>
+            </a:rPr>
+            <a:t>и </a:t>
+          </a:r>
+          <a:r>
+            <a:rPr lang="en-US" sz="2000" b="0" i="0" kern="1200" dirty="0" smtClean="0">
+              <a:latin typeface="Buxton Sketch" panose="03080500000500000004" pitchFamily="66" charset="0"/>
+            </a:rPr>
+            <a:t>GitHub </a:t>
+          </a:r>
+          <a:r>
+            <a:rPr lang="bg-BG" sz="2000" b="0" i="0" kern="1200" dirty="0" smtClean="0">
+              <a:latin typeface="Buxton Sketch" panose="03080500000500000004" pitchFamily="66" charset="0"/>
+            </a:rPr>
+            <a:t>във </a:t>
+          </a:r>
+          <a:r>
+            <a:rPr lang="en-US" sz="2000" b="0" i="0" kern="1200" dirty="0" err="1" smtClean="0">
+              <a:latin typeface="Buxton Sketch" panose="03080500000500000004" pitchFamily="66" charset="0"/>
+            </a:rPr>
+            <a:t>VisialStudio</a:t>
+          </a:r>
+          <a:r>
+            <a:rPr lang="en-US" sz="2000" b="0" i="0" kern="1200" dirty="0" smtClean="0">
+              <a:latin typeface="Buxton Sketch" panose="03080500000500000004" pitchFamily="66" charset="0"/>
+            </a:rPr>
+            <a:t>. </a:t>
+          </a:r>
+          <a:r>
+            <a:rPr lang="en-US" sz="2000" kern="1200" dirty="0" smtClean="0">
+              <a:latin typeface="Buxton Sketch" panose="03080500000500000004" pitchFamily="66" charset="0"/>
+              <a:hlinkClick xmlns:r="http://schemas.openxmlformats.org/officeDocument/2006/relationships" r:id="rId2"/>
+            </a:rPr>
+            <a:t>https://</a:t>
+          </a:r>
+          <a:r>
+            <a:rPr lang="en-US" sz="2000" kern="1200" dirty="0" smtClean="0">
+              <a:latin typeface="Buxton Sketch" panose="03080500000500000004" pitchFamily="66" charset="0"/>
+              <a:hlinkClick xmlns:r="http://schemas.openxmlformats.org/officeDocument/2006/relationships" r:id="rId2"/>
+            </a:rPr>
+            <a:t>www.youtube.com/user/coolcsn/videos</a:t>
+          </a:r>
+          <a:endParaRPr lang="en-US" sz="2000" kern="1200" dirty="0" smtClean="0">
+            <a:latin typeface="Buxton Sketch" panose="03080500000500000004" pitchFamily="66" charset="0"/>
+          </a:endParaRPr>
+        </a:p>
+        <a:p>
+          <a:pPr lvl="0" algn="l" defTabSz="889000">
+            <a:lnSpc>
+              <a:spcPct val="90000"/>
+            </a:lnSpc>
+            <a:spcBef>
+              <a:spcPct val="0"/>
+            </a:spcBef>
+            <a:spcAft>
+              <a:spcPct val="35000"/>
+            </a:spcAft>
+          </a:pPr>
+          <a:r>
+            <a:rPr lang="bg-BG" sz="2000" b="1" kern="1200" dirty="0" smtClean="0">
+              <a:latin typeface="Buxton Sketch" panose="03080500000500000004" pitchFamily="66" charset="0"/>
+            </a:rPr>
+            <a:t>Любен Киков – задачи </a:t>
+          </a:r>
+          <a:r>
+            <a:rPr lang="bg-BG" sz="2000" b="1" kern="1200" smtClean="0">
+              <a:latin typeface="Buxton Sketch" panose="03080500000500000004" pitchFamily="66" charset="0"/>
+            </a:rPr>
+            <a:t>от СофтУни.</a:t>
+          </a:r>
+          <a:endParaRPr lang="bg-BG" sz="2000" b="1" kern="1200" dirty="0" smtClean="0">
+            <a:latin typeface="Buxton Sketch" panose="03080500000500000004" pitchFamily="66" charset="0"/>
+          </a:endParaRPr>
+        </a:p>
+        <a:p>
+          <a:pPr lvl="0" algn="l" defTabSz="889000">
+            <a:lnSpc>
+              <a:spcPct val="90000"/>
+            </a:lnSpc>
+            <a:spcBef>
+              <a:spcPct val="0"/>
+            </a:spcBef>
+            <a:spcAft>
+              <a:spcPct val="35000"/>
+            </a:spcAft>
+          </a:pPr>
+          <a:r>
+            <a:rPr lang="en-US" sz="2000" b="1" kern="1200" dirty="0" smtClean="0">
+              <a:latin typeface="Buxton Sketch" panose="03080500000500000004" pitchFamily="66" charset="0"/>
+            </a:rPr>
+            <a:t>https://www.youtube.com/playlist?list=PLW9cNZuPMHVR_VHWPQoie_a5a9vFxbxLY</a:t>
+          </a:r>
+          <a:endParaRPr lang="en-US" sz="2000" b="1" kern="1200" dirty="0" smtClean="0">
+            <a:latin typeface="Buxton Sketch" panose="03080500000500000004" pitchFamily="66" charset="0"/>
+          </a:endParaRPr>
+        </a:p>
+      </dsp:txBody>
+      <dsp:txXfrm>
+        <a:off x="2567155" y="247101"/>
+        <a:ext cx="7557313" cy="4889403"/>
+      </dsp:txXfrm>
+    </dsp:sp>
+    <dsp:sp modelId="{B150277F-A2CA-4F1B-AA39-E3634A3B878C}">
+      <dsp:nvSpPr>
+        <dsp:cNvPr id="0" name=""/>
+        <dsp:cNvSpPr/>
+      </dsp:nvSpPr>
+      <dsp:spPr>
+        <a:xfrm>
+          <a:off x="2473577" y="3640644"/>
+          <a:ext cx="6387546" cy="0"/>
+        </a:xfrm>
+        <a:prstGeom prst="line">
+          <a:avLst/>
+        </a:prstGeom>
+        <a:solidFill>
+          <a:schemeClr val="accent1">
+            <a:hueOff val="0"/>
+            <a:satOff val="0"/>
+            <a:lumOff val="0"/>
+            <a:alphaOff val="0"/>
+          </a:schemeClr>
+        </a:solidFill>
+        <a:ln w="19050" cap="rnd" cmpd="sng" algn="ctr">
+          <a:solidFill>
+            <a:schemeClr val="accent1">
+              <a:tint val="50000"/>
+              <a:hueOff val="0"/>
+              <a:satOff val="0"/>
+              <a:lumOff val="0"/>
+              <a:alphaOff val="0"/>
+            </a:schemeClr>
+          </a:solidFill>
+          <a:prstDash val="solid"/>
+        </a:ln>
+        <a:effectLst/>
+      </dsp:spPr>
+      <dsp:style>
+        <a:lnRef idx="2">
+          <a:scrgbClr r="0" g="0" b="0"/>
+        </a:lnRef>
+        <a:fillRef idx="1">
+          <a:scrgbClr r="0" g="0" b="0"/>
+        </a:fillRef>
+        <a:effectRef idx="0">
+          <a:scrgbClr r="0" g="0" b="0"/>
+        </a:effectRef>
+        <a:fontRef idx="minor"/>
+      </dsp:style>
+    </dsp:sp>
   </dsp:spTree>
 </dsp:drawing>
 </file>
@@ -10063,1336 +10500,6 @@
       <dsp:cNvGrpSpPr/>
     </dsp:nvGrpSpPr>
     <dsp:grpSpPr/>
-    <dsp:sp modelId="{99D3BF18-CCDF-4358-8A14-45F1F6A05946}">
-      <dsp:nvSpPr>
-        <dsp:cNvPr id="0" name=""/>
-        <dsp:cNvSpPr/>
-      </dsp:nvSpPr>
-      <dsp:spPr>
-        <a:xfrm>
-          <a:off x="5947690" y="1624078"/>
-          <a:ext cx="3590962" cy="575631"/>
-        </a:xfrm>
-        <a:custGeom>
-          <a:avLst/>
-          <a:gdLst/>
-          <a:ahLst/>
-          <a:cxnLst/>
-          <a:rect l="0" t="0" r="0" b="0"/>
-          <a:pathLst>
-            <a:path>
-              <a:moveTo>
-                <a:pt x="0" y="0"/>
-              </a:moveTo>
-              <a:lnTo>
-                <a:pt x="0" y="327478"/>
-              </a:lnTo>
-              <a:lnTo>
-                <a:pt x="3590962" y="327478"/>
-              </a:lnTo>
-              <a:lnTo>
-                <a:pt x="3590962" y="575631"/>
-              </a:lnTo>
-            </a:path>
-          </a:pathLst>
-        </a:custGeom>
-        <a:noFill/>
-        <a:ln w="19050" cap="rnd" cmpd="sng" algn="ctr">
-          <a:solidFill>
-            <a:schemeClr val="accent1">
-              <a:shade val="60000"/>
-              <a:hueOff val="0"/>
-              <a:satOff val="0"/>
-              <a:lumOff val="0"/>
-              <a:alphaOff val="0"/>
-            </a:schemeClr>
-          </a:solidFill>
-          <a:prstDash val="solid"/>
-        </a:ln>
-        <a:effectLst/>
-      </dsp:spPr>
-      <dsp:style>
-        <a:lnRef idx="2">
-          <a:scrgbClr r="0" g="0" b="0"/>
-        </a:lnRef>
-        <a:fillRef idx="0">
-          <a:scrgbClr r="0" g="0" b="0"/>
-        </a:fillRef>
-        <a:effectRef idx="0">
-          <a:scrgbClr r="0" g="0" b="0"/>
-        </a:effectRef>
-        <a:fontRef idx="minor"/>
-      </dsp:style>
-    </dsp:sp>
-    <dsp:sp modelId="{90E5611E-82EF-4AB6-ACD8-DB08B317B831}">
-      <dsp:nvSpPr>
-        <dsp:cNvPr id="0" name=""/>
-        <dsp:cNvSpPr/>
-      </dsp:nvSpPr>
-      <dsp:spPr>
-        <a:xfrm>
-          <a:off x="5614799" y="1624078"/>
-          <a:ext cx="332891" cy="535968"/>
-        </a:xfrm>
-        <a:custGeom>
-          <a:avLst/>
-          <a:gdLst/>
-          <a:ahLst/>
-          <a:cxnLst/>
-          <a:rect l="0" t="0" r="0" b="0"/>
-          <a:pathLst>
-            <a:path>
-              <a:moveTo>
-                <a:pt x="332891" y="0"/>
-              </a:moveTo>
-              <a:lnTo>
-                <a:pt x="332891" y="287815"/>
-              </a:lnTo>
-              <a:lnTo>
-                <a:pt x="0" y="287815"/>
-              </a:lnTo>
-              <a:lnTo>
-                <a:pt x="0" y="535968"/>
-              </a:lnTo>
-            </a:path>
-          </a:pathLst>
-        </a:custGeom>
-        <a:noFill/>
-        <a:ln w="19050" cap="rnd" cmpd="sng" algn="ctr">
-          <a:solidFill>
-            <a:schemeClr val="accent1">
-              <a:shade val="60000"/>
-              <a:hueOff val="0"/>
-              <a:satOff val="0"/>
-              <a:lumOff val="0"/>
-              <a:alphaOff val="0"/>
-            </a:schemeClr>
-          </a:solidFill>
-          <a:prstDash val="solid"/>
-        </a:ln>
-        <a:effectLst/>
-      </dsp:spPr>
-      <dsp:style>
-        <a:lnRef idx="2">
-          <a:scrgbClr r="0" g="0" b="0"/>
-        </a:lnRef>
-        <a:fillRef idx="0">
-          <a:scrgbClr r="0" g="0" b="0"/>
-        </a:fillRef>
-        <a:effectRef idx="0">
-          <a:scrgbClr r="0" g="0" b="0"/>
-        </a:effectRef>
-        <a:fontRef idx="minor"/>
-      </dsp:style>
-    </dsp:sp>
-    <dsp:sp modelId="{35A1BAA1-3B15-492E-9E7C-2562CD8D223E}">
-      <dsp:nvSpPr>
-        <dsp:cNvPr id="0" name=""/>
-        <dsp:cNvSpPr/>
-      </dsp:nvSpPr>
-      <dsp:spPr>
-        <a:xfrm>
-          <a:off x="1981910" y="1624078"/>
-          <a:ext cx="3965780" cy="535968"/>
-        </a:xfrm>
-        <a:custGeom>
-          <a:avLst/>
-          <a:gdLst/>
-          <a:ahLst/>
-          <a:cxnLst/>
-          <a:rect l="0" t="0" r="0" b="0"/>
-          <a:pathLst>
-            <a:path>
-              <a:moveTo>
-                <a:pt x="3965780" y="0"/>
-              </a:moveTo>
-              <a:lnTo>
-                <a:pt x="3965780" y="287815"/>
-              </a:lnTo>
-              <a:lnTo>
-                <a:pt x="0" y="287815"/>
-              </a:lnTo>
-              <a:lnTo>
-                <a:pt x="0" y="535968"/>
-              </a:lnTo>
-            </a:path>
-          </a:pathLst>
-        </a:custGeom>
-        <a:noFill/>
-        <a:ln w="19050" cap="rnd" cmpd="sng" algn="ctr">
-          <a:solidFill>
-            <a:schemeClr val="accent1">
-              <a:shade val="60000"/>
-              <a:hueOff val="0"/>
-              <a:satOff val="0"/>
-              <a:lumOff val="0"/>
-              <a:alphaOff val="0"/>
-            </a:schemeClr>
-          </a:solidFill>
-          <a:prstDash val="solid"/>
-        </a:ln>
-        <a:effectLst/>
-      </dsp:spPr>
-      <dsp:style>
-        <a:lnRef idx="2">
-          <a:scrgbClr r="0" g="0" b="0"/>
-        </a:lnRef>
-        <a:fillRef idx="0">
-          <a:scrgbClr r="0" g="0" b="0"/>
-        </a:fillRef>
-        <a:effectRef idx="0">
-          <a:scrgbClr r="0" g="0" b="0"/>
-        </a:effectRef>
-        <a:fontRef idx="minor"/>
-      </dsp:style>
-    </dsp:sp>
-    <dsp:sp modelId="{C64EB97F-321C-4C39-8BEA-081097216017}">
-      <dsp:nvSpPr>
-        <dsp:cNvPr id="0" name=""/>
-        <dsp:cNvSpPr/>
-      </dsp:nvSpPr>
-      <dsp:spPr>
-        <a:xfrm>
-          <a:off x="4766009" y="0"/>
-          <a:ext cx="2363361" cy="1624078"/>
-        </a:xfrm>
-        <a:prstGeom prst="rect">
-          <a:avLst/>
-        </a:prstGeom>
-        <a:solidFill>
-          <a:schemeClr val="accent1">
-            <a:hueOff val="0"/>
-            <a:satOff val="0"/>
-            <a:lumOff val="0"/>
-            <a:alphaOff val="0"/>
-          </a:schemeClr>
-        </a:solidFill>
-        <a:ln w="19050" cap="rnd" cmpd="sng" algn="ctr">
-          <a:solidFill>
-            <a:schemeClr val="lt1">
-              <a:hueOff val="0"/>
-              <a:satOff val="0"/>
-              <a:lumOff val="0"/>
-              <a:alphaOff val="0"/>
-            </a:schemeClr>
-          </a:solidFill>
-          <a:prstDash val="solid"/>
-        </a:ln>
-        <a:effectLst/>
-      </dsp:spPr>
-      <dsp:style>
-        <a:lnRef idx="2">
-          <a:scrgbClr r="0" g="0" b="0"/>
-        </a:lnRef>
-        <a:fillRef idx="1">
-          <a:scrgbClr r="0" g="0" b="0"/>
-        </a:fillRef>
-        <a:effectRef idx="0">
-          <a:scrgbClr r="0" g="0" b="0"/>
-        </a:effectRef>
-        <a:fontRef idx="minor">
-          <a:schemeClr val="lt1"/>
-        </a:fontRef>
-      </dsp:style>
-      <dsp:txBody>
-        <a:bodyPr spcFirstLastPara="0" vert="horz" wrap="square" lIns="41275" tIns="41275" rIns="41275" bIns="41275" numCol="1" spcCol="1270" anchor="ctr" anchorCtr="0">
-          <a:noAutofit/>
-        </a:bodyPr>
-        <a:lstStyle/>
-        <a:p>
-          <a:pPr lvl="0" algn="ctr" defTabSz="2889250">
-            <a:lnSpc>
-              <a:spcPct val="90000"/>
-            </a:lnSpc>
-            <a:spcBef>
-              <a:spcPct val="0"/>
-            </a:spcBef>
-            <a:spcAft>
-              <a:spcPct val="35000"/>
-            </a:spcAft>
-          </a:pPr>
-          <a:r>
-            <a:rPr lang="en-US" sz="6500" kern="1200" dirty="0" smtClean="0">
-              <a:solidFill>
-                <a:srgbClr val="FFFF00"/>
-              </a:solidFill>
-              <a:latin typeface="Informal Roman" panose="030604020304060B0204" pitchFamily="66" charset="0"/>
-            </a:rPr>
-            <a:t>Loops</a:t>
-          </a:r>
-          <a:endParaRPr lang="en-US" sz="6500" kern="1200" dirty="0">
-            <a:solidFill>
-              <a:srgbClr val="FFFF00"/>
-            </a:solidFill>
-            <a:latin typeface="Informal Roman" panose="030604020304060B0204" pitchFamily="66" charset="0"/>
-          </a:endParaRPr>
-        </a:p>
-      </dsp:txBody>
-      <dsp:txXfrm>
-        <a:off x="4766009" y="0"/>
-        <a:ext cx="2363361" cy="1624078"/>
-      </dsp:txXfrm>
-    </dsp:sp>
-    <dsp:sp modelId="{7E667D03-8B49-4B4A-BDB0-10855DA49168}">
-      <dsp:nvSpPr>
-        <dsp:cNvPr id="0" name=""/>
-        <dsp:cNvSpPr/>
-      </dsp:nvSpPr>
-      <dsp:spPr>
-        <a:xfrm>
-          <a:off x="14151" y="2160047"/>
-          <a:ext cx="3935517" cy="3530401"/>
-        </a:xfrm>
-        <a:prstGeom prst="rect">
-          <a:avLst/>
-        </a:prstGeom>
-        <a:solidFill>
-          <a:schemeClr val="accent1">
-            <a:hueOff val="0"/>
-            <a:satOff val="0"/>
-            <a:lumOff val="0"/>
-            <a:alphaOff val="0"/>
-          </a:schemeClr>
-        </a:solidFill>
-        <a:ln w="19050" cap="rnd" cmpd="sng" algn="ctr">
-          <a:solidFill>
-            <a:schemeClr val="lt1">
-              <a:hueOff val="0"/>
-              <a:satOff val="0"/>
-              <a:lumOff val="0"/>
-              <a:alphaOff val="0"/>
-            </a:schemeClr>
-          </a:solidFill>
-          <a:prstDash val="solid"/>
-        </a:ln>
-        <a:effectLst/>
-      </dsp:spPr>
-      <dsp:style>
-        <a:lnRef idx="2">
-          <a:scrgbClr r="0" g="0" b="0"/>
-        </a:lnRef>
-        <a:fillRef idx="1">
-          <a:scrgbClr r="0" g="0" b="0"/>
-        </a:fillRef>
-        <a:effectRef idx="0">
-          <a:scrgbClr r="0" g="0" b="0"/>
-        </a:effectRef>
-        <a:fontRef idx="minor">
-          <a:schemeClr val="lt1"/>
-        </a:fontRef>
-      </dsp:style>
-      <dsp:txBody>
-        <a:bodyPr spcFirstLastPara="0" vert="horz" wrap="square" lIns="17780" tIns="17780" rIns="17780" bIns="17780" numCol="1" spcCol="1270" anchor="ctr" anchorCtr="0">
-          <a:noAutofit/>
-        </a:bodyPr>
-        <a:lstStyle/>
-        <a:p>
-          <a:pPr lvl="0" algn="ctr" defTabSz="1244600">
-            <a:lnSpc>
-              <a:spcPct val="90000"/>
-            </a:lnSpc>
-            <a:spcBef>
-              <a:spcPct val="0"/>
-            </a:spcBef>
-            <a:spcAft>
-              <a:spcPct val="35000"/>
-            </a:spcAft>
-          </a:pPr>
-          <a:endParaRPr lang="en-US" sz="2800" kern="1200" dirty="0" smtClean="0">
-            <a:solidFill>
-              <a:srgbClr val="FFFF00"/>
-            </a:solidFill>
-            <a:latin typeface="Buxton Sketch" panose="03080500000500000004" pitchFamily="66" charset="0"/>
-          </a:endParaRPr>
-        </a:p>
-        <a:p>
-          <a:pPr lvl="0" algn="ctr" defTabSz="1244600">
-            <a:lnSpc>
-              <a:spcPct val="90000"/>
-            </a:lnSpc>
-            <a:spcBef>
-              <a:spcPct val="0"/>
-            </a:spcBef>
-            <a:spcAft>
-              <a:spcPct val="35000"/>
-            </a:spcAft>
-          </a:pPr>
-          <a:r>
-            <a:rPr lang="en-US" sz="2800" kern="1200" dirty="0" smtClean="0">
-              <a:solidFill>
-                <a:srgbClr val="FFFF00"/>
-              </a:solidFill>
-              <a:latin typeface="Buxton Sketch" panose="03080500000500000004" pitchFamily="66" charset="0"/>
-            </a:rPr>
-            <a:t>While Loops</a:t>
-          </a:r>
-        </a:p>
-        <a:p>
-          <a:pPr lvl="0" algn="l" defTabSz="1244600">
-            <a:lnSpc>
-              <a:spcPct val="90000"/>
-            </a:lnSpc>
-            <a:spcBef>
-              <a:spcPct val="0"/>
-            </a:spcBef>
-            <a:spcAft>
-              <a:spcPct val="35000"/>
-            </a:spcAft>
-          </a:pPr>
-          <a:r>
-            <a:rPr lang="en-US" sz="2000" kern="1200" dirty="0" smtClean="0">
-              <a:latin typeface="Buxton Sketch" panose="03080500000500000004" pitchFamily="66" charset="0"/>
-            </a:rPr>
-            <a:t>string </a:t>
-          </a:r>
-          <a:r>
-            <a:rPr lang="en-US" sz="2000" kern="1200" dirty="0" err="1" smtClean="0">
-              <a:solidFill>
-                <a:srgbClr val="00B0F0"/>
-              </a:solidFill>
-              <a:latin typeface="Buxton Sketch" panose="03080500000500000004" pitchFamily="66" charset="0"/>
-            </a:rPr>
-            <a:t>myName</a:t>
-          </a:r>
-          <a:r>
-            <a:rPr lang="en-US" sz="2000" kern="1200" dirty="0" smtClean="0">
-              <a:latin typeface="Buxton Sketch" panose="03080500000500000004" pitchFamily="66" charset="0"/>
-            </a:rPr>
-            <a:t> = </a:t>
-          </a:r>
-          <a:r>
-            <a:rPr lang="en-US" sz="2000" kern="1200" dirty="0" err="1" smtClean="0">
-              <a:solidFill>
-                <a:srgbClr val="00B050"/>
-              </a:solidFill>
-              <a:latin typeface="Buxton Sketch" panose="03080500000500000004" pitchFamily="66" charset="0"/>
-            </a:rPr>
-            <a:t>Console</a:t>
-          </a:r>
-          <a:r>
-            <a:rPr lang="en-US" sz="2000" kern="1200" dirty="0" err="1" smtClean="0">
-              <a:latin typeface="Buxton Sketch" panose="03080500000500000004" pitchFamily="66" charset="0"/>
-            </a:rPr>
-            <a:t>.ReadLine</a:t>
-          </a:r>
-          <a:r>
-            <a:rPr lang="en-US" sz="2000" kern="1200" dirty="0" smtClean="0">
-              <a:latin typeface="Buxton Sketch" panose="03080500000500000004" pitchFamily="66" charset="0"/>
-            </a:rPr>
-            <a:t>();</a:t>
-          </a:r>
-        </a:p>
-        <a:p>
-          <a:pPr lvl="0" algn="l" defTabSz="1244600">
-            <a:lnSpc>
-              <a:spcPct val="90000"/>
-            </a:lnSpc>
-            <a:spcBef>
-              <a:spcPct val="0"/>
-            </a:spcBef>
-            <a:spcAft>
-              <a:spcPct val="35000"/>
-            </a:spcAft>
-          </a:pPr>
-          <a:r>
-            <a:rPr lang="en-US" sz="2000" kern="1200" dirty="0" smtClean="0">
-              <a:latin typeface="Buxton Sketch" panose="03080500000500000004" pitchFamily="66" charset="0"/>
-            </a:rPr>
-            <a:t>while(</a:t>
-          </a:r>
-          <a:r>
-            <a:rPr lang="en-US" sz="2000" kern="1200" dirty="0" err="1" smtClean="0">
-              <a:solidFill>
-                <a:srgbClr val="00B0F0"/>
-              </a:solidFill>
-              <a:latin typeface="Buxton Sketch" panose="03080500000500000004" pitchFamily="66" charset="0"/>
-            </a:rPr>
-            <a:t>myName</a:t>
-          </a:r>
-          <a:r>
-            <a:rPr lang="en-US" sz="2000" kern="1200" dirty="0" smtClean="0">
-              <a:latin typeface="Buxton Sketch" panose="03080500000500000004" pitchFamily="66" charset="0"/>
-            </a:rPr>
-            <a:t> != “Bugs Bunny”)</a:t>
-          </a:r>
-        </a:p>
-        <a:p>
-          <a:pPr lvl="0" algn="l" defTabSz="1244600">
-            <a:lnSpc>
-              <a:spcPct val="90000"/>
-            </a:lnSpc>
-            <a:spcBef>
-              <a:spcPct val="0"/>
-            </a:spcBef>
-            <a:spcAft>
-              <a:spcPct val="35000"/>
-            </a:spcAft>
-          </a:pPr>
-          <a:r>
-            <a:rPr lang="en-US" sz="2000" kern="1200" dirty="0" smtClean="0">
-              <a:latin typeface="Buxton Sketch" panose="03080500000500000004" pitchFamily="66" charset="0"/>
-            </a:rPr>
-            <a:t>{</a:t>
-          </a:r>
-        </a:p>
-        <a:p>
-          <a:pPr lvl="0" algn="l" defTabSz="1244600">
-            <a:lnSpc>
-              <a:spcPct val="90000"/>
-            </a:lnSpc>
-            <a:spcBef>
-              <a:spcPct val="0"/>
-            </a:spcBef>
-            <a:spcAft>
-              <a:spcPct val="35000"/>
-            </a:spcAft>
-          </a:pPr>
-          <a:r>
-            <a:rPr lang="en-US" sz="2000" kern="1200" dirty="0" smtClean="0">
-              <a:latin typeface="Buxton Sketch" panose="03080500000500000004" pitchFamily="66" charset="0"/>
-            </a:rPr>
-            <a:t>    </a:t>
-          </a:r>
-          <a:r>
-            <a:rPr lang="en-US" sz="2000" kern="1200" dirty="0" err="1" smtClean="0">
-              <a:solidFill>
-                <a:srgbClr val="00B050"/>
-              </a:solidFill>
-              <a:latin typeface="Buxton Sketch" panose="03080500000500000004" pitchFamily="66" charset="0"/>
-            </a:rPr>
-            <a:t>Console</a:t>
-          </a:r>
-          <a:r>
-            <a:rPr lang="en-US" sz="2000" kern="1200" dirty="0" err="1" smtClean="0">
-              <a:latin typeface="Buxton Sketch" panose="03080500000500000004" pitchFamily="66" charset="0"/>
-            </a:rPr>
-            <a:t>.WriteLine</a:t>
-          </a:r>
-          <a:r>
-            <a:rPr lang="en-US" sz="2000" kern="1200" dirty="0" smtClean="0">
-              <a:latin typeface="Buxton Sketch" panose="03080500000500000004" pitchFamily="66" charset="0"/>
-            </a:rPr>
-            <a:t>(“Enter your name!”);</a:t>
-          </a:r>
-        </a:p>
-        <a:p>
-          <a:pPr lvl="0" algn="l" defTabSz="1244600">
-            <a:lnSpc>
-              <a:spcPct val="90000"/>
-            </a:lnSpc>
-            <a:spcBef>
-              <a:spcPct val="0"/>
-            </a:spcBef>
-            <a:spcAft>
-              <a:spcPct val="35000"/>
-            </a:spcAft>
-          </a:pPr>
-          <a:r>
-            <a:rPr lang="en-US" sz="2000" kern="1200" dirty="0" smtClean="0">
-              <a:latin typeface="Buxton Sketch" panose="03080500000500000004" pitchFamily="66" charset="0"/>
-            </a:rPr>
-            <a:t>    </a:t>
-          </a:r>
-          <a:r>
-            <a:rPr lang="en-US" sz="2000" kern="1200" dirty="0" err="1" smtClean="0">
-              <a:solidFill>
-                <a:srgbClr val="00B0F0"/>
-              </a:solidFill>
-              <a:latin typeface="Buxton Sketch" panose="03080500000500000004" pitchFamily="66" charset="0"/>
-            </a:rPr>
-            <a:t>myName</a:t>
-          </a:r>
-          <a:r>
-            <a:rPr lang="en-US" sz="2000" kern="1200" dirty="0" smtClean="0">
-              <a:latin typeface="Buxton Sketch" panose="03080500000500000004" pitchFamily="66" charset="0"/>
-            </a:rPr>
-            <a:t> = </a:t>
-          </a:r>
-          <a:r>
-            <a:rPr lang="en-US" sz="2000" kern="1200" dirty="0" err="1" smtClean="0">
-              <a:solidFill>
-                <a:srgbClr val="00B050"/>
-              </a:solidFill>
-              <a:latin typeface="Buxton Sketch" panose="03080500000500000004" pitchFamily="66" charset="0"/>
-            </a:rPr>
-            <a:t>Console</a:t>
-          </a:r>
-          <a:r>
-            <a:rPr lang="en-US" sz="2000" kern="1200" dirty="0" err="1" smtClean="0">
-              <a:latin typeface="Buxton Sketch" panose="03080500000500000004" pitchFamily="66" charset="0"/>
-            </a:rPr>
-            <a:t>.ReadLIne</a:t>
-          </a:r>
-          <a:r>
-            <a:rPr lang="en-US" sz="2000" kern="1200" dirty="0" smtClean="0">
-              <a:latin typeface="Buxton Sketch" panose="03080500000500000004" pitchFamily="66" charset="0"/>
-            </a:rPr>
-            <a:t>();	</a:t>
-          </a:r>
-        </a:p>
-        <a:p>
-          <a:pPr lvl="0" algn="l" defTabSz="1244600">
-            <a:lnSpc>
-              <a:spcPct val="90000"/>
-            </a:lnSpc>
-            <a:spcBef>
-              <a:spcPct val="0"/>
-            </a:spcBef>
-            <a:spcAft>
-              <a:spcPct val="35000"/>
-            </a:spcAft>
-          </a:pPr>
-          <a:r>
-            <a:rPr lang="en-US" sz="2000" kern="1200" dirty="0" smtClean="0">
-              <a:latin typeface="Buxton Sketch" panose="03080500000500000004" pitchFamily="66" charset="0"/>
-            </a:rPr>
-            <a:t>}</a:t>
-          </a:r>
-        </a:p>
-        <a:p>
-          <a:pPr lvl="0" algn="ctr" defTabSz="1244600">
-            <a:lnSpc>
-              <a:spcPct val="90000"/>
-            </a:lnSpc>
-            <a:spcBef>
-              <a:spcPct val="0"/>
-            </a:spcBef>
-            <a:spcAft>
-              <a:spcPct val="35000"/>
-            </a:spcAft>
-          </a:pPr>
-          <a:endParaRPr lang="en-US" sz="2800" kern="1200" dirty="0">
-            <a:latin typeface="Buxton Sketch" panose="03080500000500000004" pitchFamily="66" charset="0"/>
-          </a:endParaRPr>
-        </a:p>
-      </dsp:txBody>
-      <dsp:txXfrm>
-        <a:off x="14151" y="2160047"/>
-        <a:ext cx="3935517" cy="3530401"/>
-      </dsp:txXfrm>
-    </dsp:sp>
-    <dsp:sp modelId="{BC0C9976-79C2-4CCD-9FCC-AEDADFE68DB4}">
-      <dsp:nvSpPr>
-        <dsp:cNvPr id="0" name=""/>
-        <dsp:cNvSpPr/>
-      </dsp:nvSpPr>
-      <dsp:spPr>
-        <a:xfrm>
-          <a:off x="4433118" y="2160047"/>
-          <a:ext cx="2363361" cy="3968817"/>
-        </a:xfrm>
-        <a:prstGeom prst="rect">
-          <a:avLst/>
-        </a:prstGeom>
-        <a:solidFill>
-          <a:schemeClr val="accent1">
-            <a:hueOff val="0"/>
-            <a:satOff val="0"/>
-            <a:lumOff val="0"/>
-            <a:alphaOff val="0"/>
-          </a:schemeClr>
-        </a:solidFill>
-        <a:ln w="19050" cap="rnd" cmpd="sng" algn="ctr">
-          <a:solidFill>
-            <a:schemeClr val="lt1">
-              <a:hueOff val="0"/>
-              <a:satOff val="0"/>
-              <a:lumOff val="0"/>
-              <a:alphaOff val="0"/>
-            </a:schemeClr>
-          </a:solidFill>
-          <a:prstDash val="solid"/>
-        </a:ln>
-        <a:effectLst/>
-      </dsp:spPr>
-      <dsp:style>
-        <a:lnRef idx="2">
-          <a:scrgbClr r="0" g="0" b="0"/>
-        </a:lnRef>
-        <a:fillRef idx="1">
-          <a:scrgbClr r="0" g="0" b="0"/>
-        </a:fillRef>
-        <a:effectRef idx="0">
-          <a:scrgbClr r="0" g="0" b="0"/>
-        </a:effectRef>
-        <a:fontRef idx="minor">
-          <a:schemeClr val="lt1"/>
-        </a:fontRef>
-      </dsp:style>
-      <dsp:txBody>
-        <a:bodyPr spcFirstLastPara="0" vert="horz" wrap="square" lIns="20320" tIns="20320" rIns="20320" bIns="20320" numCol="1" spcCol="1270" anchor="ctr" anchorCtr="0">
-          <a:noAutofit/>
-        </a:bodyPr>
-        <a:lstStyle/>
-        <a:p>
-          <a:pPr lvl="0" algn="ctr" defTabSz="1422400">
-            <a:lnSpc>
-              <a:spcPct val="90000"/>
-            </a:lnSpc>
-            <a:spcBef>
-              <a:spcPct val="0"/>
-            </a:spcBef>
-            <a:spcAft>
-              <a:spcPct val="35000"/>
-            </a:spcAft>
-          </a:pPr>
-          <a:endParaRPr lang="en-US" sz="3200" kern="1200" dirty="0" smtClean="0">
-            <a:solidFill>
-              <a:srgbClr val="FFFF00"/>
-            </a:solidFill>
-            <a:latin typeface="Buxton Sketch" panose="03080500000500000004" pitchFamily="66" charset="0"/>
-          </a:endParaRPr>
-        </a:p>
-        <a:p>
-          <a:pPr lvl="0" algn="ctr" defTabSz="1422400">
-            <a:lnSpc>
-              <a:spcPct val="90000"/>
-            </a:lnSpc>
-            <a:spcBef>
-              <a:spcPct val="0"/>
-            </a:spcBef>
-            <a:spcAft>
-              <a:spcPct val="35000"/>
-            </a:spcAft>
-          </a:pPr>
-          <a:r>
-            <a:rPr lang="en-US" sz="2800" kern="1200" dirty="0" smtClean="0">
-              <a:solidFill>
-                <a:srgbClr val="FFFF00"/>
-              </a:solidFill>
-              <a:latin typeface="Buxton Sketch" panose="03080500000500000004" pitchFamily="66" charset="0"/>
-            </a:rPr>
-            <a:t>Do-While Loops</a:t>
-          </a:r>
-        </a:p>
-        <a:p>
-          <a:pPr lvl="0" algn="ctr" defTabSz="1422400">
-            <a:lnSpc>
-              <a:spcPct val="90000"/>
-            </a:lnSpc>
-            <a:spcBef>
-              <a:spcPct val="0"/>
-            </a:spcBef>
-            <a:spcAft>
-              <a:spcPct val="35000"/>
-            </a:spcAft>
-          </a:pPr>
-          <a:r>
-            <a:rPr lang="en-US" sz="2800" kern="1200" dirty="0" err="1" smtClean="0">
-              <a:solidFill>
-                <a:srgbClr val="FFFF00"/>
-              </a:solidFill>
-              <a:latin typeface="Buxton Sketch" panose="03080500000500000004" pitchFamily="66" charset="0"/>
-            </a:rPr>
-            <a:t>Foreach</a:t>
-          </a:r>
-          <a:r>
-            <a:rPr lang="en-US" sz="2800" kern="1200" dirty="0" smtClean="0">
-              <a:solidFill>
-                <a:srgbClr val="FFFF00"/>
-              </a:solidFill>
-              <a:latin typeface="Buxton Sketch" panose="03080500000500000004" pitchFamily="66" charset="0"/>
-            </a:rPr>
-            <a:t> Loop</a:t>
-          </a:r>
-        </a:p>
-        <a:p>
-          <a:pPr lvl="0" algn="ctr" defTabSz="1422400">
-            <a:lnSpc>
-              <a:spcPct val="90000"/>
-            </a:lnSpc>
-            <a:spcBef>
-              <a:spcPct val="0"/>
-            </a:spcBef>
-            <a:spcAft>
-              <a:spcPct val="35000"/>
-            </a:spcAft>
-          </a:pPr>
-          <a:r>
-            <a:rPr lang="en-US" sz="2800" kern="1200" dirty="0" smtClean="0">
-              <a:solidFill>
-                <a:srgbClr val="FFFF00"/>
-              </a:solidFill>
-              <a:latin typeface="Buxton Sketch" panose="03080500000500000004" pitchFamily="66" charset="0"/>
-            </a:rPr>
-            <a:t>Nested Loops </a:t>
-          </a:r>
-          <a:r>
-            <a:rPr lang="en-US" sz="2800" kern="1200" dirty="0" smtClean="0">
-              <a:solidFill>
-                <a:schemeClr val="tx1"/>
-              </a:solidFill>
-              <a:latin typeface="Buxton Sketch" panose="03080500000500000004" pitchFamily="66" charset="0"/>
-            </a:rPr>
-            <a:t>-&gt; programming construct consisting several loops located into each other.</a:t>
-          </a:r>
-        </a:p>
-        <a:p>
-          <a:pPr lvl="0" algn="ctr" defTabSz="1422400">
-            <a:lnSpc>
-              <a:spcPct val="90000"/>
-            </a:lnSpc>
-            <a:spcBef>
-              <a:spcPct val="0"/>
-            </a:spcBef>
-            <a:spcAft>
-              <a:spcPct val="35000"/>
-            </a:spcAft>
-          </a:pPr>
-          <a:endParaRPr lang="en-US" sz="3200" kern="1200" dirty="0">
-            <a:solidFill>
-              <a:srgbClr val="FFFF00"/>
-            </a:solidFill>
-            <a:latin typeface="Buxton Sketch" panose="03080500000500000004" pitchFamily="66" charset="0"/>
-          </a:endParaRPr>
-        </a:p>
-      </dsp:txBody>
-      <dsp:txXfrm>
-        <a:off x="4433118" y="2160047"/>
-        <a:ext cx="2363361" cy="3968817"/>
-      </dsp:txXfrm>
-    </dsp:sp>
-    <dsp:sp modelId="{CECD2C1A-D1AF-4B3F-BCEC-0C6E19DFFA0D}">
-      <dsp:nvSpPr>
-        <dsp:cNvPr id="0" name=""/>
-        <dsp:cNvSpPr/>
-      </dsp:nvSpPr>
-      <dsp:spPr>
-        <a:xfrm>
-          <a:off x="7200945" y="2199710"/>
-          <a:ext cx="4675414" cy="4402257"/>
-        </a:xfrm>
-        <a:prstGeom prst="rect">
-          <a:avLst/>
-        </a:prstGeom>
-        <a:solidFill>
-          <a:schemeClr val="accent1">
-            <a:hueOff val="0"/>
-            <a:satOff val="0"/>
-            <a:lumOff val="0"/>
-            <a:alphaOff val="0"/>
-          </a:schemeClr>
-        </a:solidFill>
-        <a:ln w="19050" cap="rnd" cmpd="sng" algn="ctr">
-          <a:solidFill>
-            <a:schemeClr val="lt1">
-              <a:hueOff val="0"/>
-              <a:satOff val="0"/>
-              <a:lumOff val="0"/>
-              <a:alphaOff val="0"/>
-            </a:schemeClr>
-          </a:solidFill>
-          <a:prstDash val="solid"/>
-        </a:ln>
-        <a:effectLst/>
-      </dsp:spPr>
-      <dsp:style>
-        <a:lnRef idx="2">
-          <a:scrgbClr r="0" g="0" b="0"/>
-        </a:lnRef>
-        <a:fillRef idx="1">
-          <a:scrgbClr r="0" g="0" b="0"/>
-        </a:fillRef>
-        <a:effectRef idx="0">
-          <a:scrgbClr r="0" g="0" b="0"/>
-        </a:effectRef>
-        <a:fontRef idx="minor">
-          <a:schemeClr val="lt1"/>
-        </a:fontRef>
-      </dsp:style>
-      <dsp:txBody>
-        <a:bodyPr spcFirstLastPara="0" vert="horz" wrap="square" lIns="17780" tIns="17780" rIns="17780" bIns="17780" numCol="1" spcCol="1270" anchor="ctr" anchorCtr="0">
-          <a:noAutofit/>
-        </a:bodyPr>
-        <a:lstStyle/>
-        <a:p>
-          <a:pPr lvl="0" algn="ctr" defTabSz="1244600">
-            <a:lnSpc>
-              <a:spcPct val="90000"/>
-            </a:lnSpc>
-            <a:spcBef>
-              <a:spcPct val="0"/>
-            </a:spcBef>
-            <a:spcAft>
-              <a:spcPct val="35000"/>
-            </a:spcAft>
-          </a:pPr>
-          <a:endParaRPr lang="en-US" sz="2800" kern="1200" dirty="0" smtClean="0">
-            <a:solidFill>
-              <a:srgbClr val="FFFF00"/>
-            </a:solidFill>
-            <a:latin typeface="Buxton Sketch" panose="03080500000500000004" pitchFamily="66" charset="0"/>
-          </a:endParaRPr>
-        </a:p>
-        <a:p>
-          <a:pPr lvl="0" algn="ctr" defTabSz="1244600">
-            <a:lnSpc>
-              <a:spcPct val="90000"/>
-            </a:lnSpc>
-            <a:spcBef>
-              <a:spcPct val="0"/>
-            </a:spcBef>
-            <a:spcAft>
-              <a:spcPct val="35000"/>
-            </a:spcAft>
-          </a:pPr>
-          <a:endParaRPr lang="en-US" sz="2800" kern="1200" dirty="0" smtClean="0">
-            <a:solidFill>
-              <a:srgbClr val="FFFF00"/>
-            </a:solidFill>
-            <a:latin typeface="Buxton Sketch" panose="03080500000500000004" pitchFamily="66" charset="0"/>
-          </a:endParaRPr>
-        </a:p>
-        <a:p>
-          <a:pPr lvl="0" algn="ctr" defTabSz="1244600">
-            <a:lnSpc>
-              <a:spcPct val="90000"/>
-            </a:lnSpc>
-            <a:spcBef>
-              <a:spcPct val="0"/>
-            </a:spcBef>
-            <a:spcAft>
-              <a:spcPct val="35000"/>
-            </a:spcAft>
-          </a:pPr>
-          <a:endParaRPr lang="en-US" sz="2800" kern="1200" dirty="0" smtClean="0">
-            <a:solidFill>
-              <a:srgbClr val="FFFF00"/>
-            </a:solidFill>
-            <a:latin typeface="Buxton Sketch" panose="03080500000500000004" pitchFamily="66" charset="0"/>
-          </a:endParaRPr>
-        </a:p>
-        <a:p>
-          <a:pPr lvl="0" algn="ctr" defTabSz="1244600">
-            <a:lnSpc>
-              <a:spcPct val="90000"/>
-            </a:lnSpc>
-            <a:spcBef>
-              <a:spcPct val="0"/>
-            </a:spcBef>
-            <a:spcAft>
-              <a:spcPct val="35000"/>
-            </a:spcAft>
-          </a:pPr>
-          <a:r>
-            <a:rPr lang="en-US" sz="2800" kern="1200" dirty="0" smtClean="0">
-              <a:solidFill>
-                <a:srgbClr val="FFFF00"/>
-              </a:solidFill>
-              <a:latin typeface="Buxton Sketch" panose="03080500000500000004" pitchFamily="66" charset="0"/>
-            </a:rPr>
-            <a:t>For Loop</a:t>
-          </a:r>
-        </a:p>
-        <a:p>
-          <a:pPr lvl="0" algn="just" defTabSz="1244600">
-            <a:lnSpc>
-              <a:spcPct val="90000"/>
-            </a:lnSpc>
-            <a:spcBef>
-              <a:spcPct val="0"/>
-            </a:spcBef>
-            <a:spcAft>
-              <a:spcPct val="35000"/>
-            </a:spcAft>
-          </a:pPr>
-          <a:r>
-            <a:rPr lang="en-US" sz="2000" kern="1200" dirty="0" smtClean="0">
-              <a:solidFill>
-                <a:schemeClr val="tx1"/>
-              </a:solidFill>
-              <a:latin typeface="Buxton Sketch" panose="03080500000500000004" pitchFamily="66" charset="0"/>
-            </a:rPr>
-            <a:t>for(</a:t>
-          </a:r>
-          <a:r>
-            <a:rPr lang="en-US" sz="2000" kern="1200" dirty="0" err="1" smtClean="0">
-              <a:solidFill>
-                <a:schemeClr val="tx1"/>
-              </a:solidFill>
-              <a:latin typeface="Buxton Sketch" panose="03080500000500000004" pitchFamily="66" charset="0"/>
-            </a:rPr>
-            <a:t>i</a:t>
-          </a:r>
-          <a:r>
-            <a:rPr lang="en-US" sz="2000" kern="1200" dirty="0" smtClean="0">
-              <a:solidFill>
-                <a:schemeClr val="tx1"/>
-              </a:solidFill>
-              <a:latin typeface="Buxton Sketch" panose="03080500000500000004" pitchFamily="66" charset="0"/>
-            </a:rPr>
-            <a:t> = 0; </a:t>
-          </a:r>
-          <a:r>
-            <a:rPr lang="en-US" sz="2000" kern="1200" dirty="0" err="1" smtClean="0">
-              <a:solidFill>
-                <a:schemeClr val="tx1"/>
-              </a:solidFill>
-              <a:latin typeface="Buxton Sketch" panose="03080500000500000004" pitchFamily="66" charset="0"/>
-            </a:rPr>
-            <a:t>i</a:t>
-          </a:r>
-          <a:r>
-            <a:rPr lang="en-US" sz="2000" kern="1200" dirty="0" smtClean="0">
-              <a:solidFill>
-                <a:schemeClr val="tx1"/>
-              </a:solidFill>
-              <a:latin typeface="Buxton Sketch" panose="03080500000500000004" pitchFamily="66" charset="0"/>
-            </a:rPr>
-            <a:t> &lt;= 10; </a:t>
-          </a:r>
-          <a:r>
-            <a:rPr lang="en-US" sz="2000" kern="1200" dirty="0" err="1" smtClean="0">
-              <a:solidFill>
-                <a:schemeClr val="tx1"/>
-              </a:solidFill>
-              <a:latin typeface="Buxton Sketch" panose="03080500000500000004" pitchFamily="66" charset="0"/>
-            </a:rPr>
-            <a:t>i</a:t>
-          </a:r>
-          <a:r>
-            <a:rPr lang="en-US" sz="2000" kern="1200" dirty="0" smtClean="0">
-              <a:solidFill>
-                <a:schemeClr val="tx1"/>
-              </a:solidFill>
-              <a:latin typeface="Buxton Sketch" panose="03080500000500000004" pitchFamily="66" charset="0"/>
-            </a:rPr>
-            <a:t>++)</a:t>
-          </a:r>
-        </a:p>
-        <a:p>
-          <a:pPr lvl="0" algn="just" defTabSz="1244600">
-            <a:lnSpc>
-              <a:spcPct val="90000"/>
-            </a:lnSpc>
-            <a:spcBef>
-              <a:spcPct val="0"/>
-            </a:spcBef>
-            <a:spcAft>
-              <a:spcPct val="35000"/>
-            </a:spcAft>
-          </a:pPr>
-          <a:r>
-            <a:rPr lang="en-US" sz="2000" kern="1200" dirty="0" smtClean="0">
-              <a:solidFill>
-                <a:schemeClr val="tx1"/>
-              </a:solidFill>
-              <a:latin typeface="Buxton Sketch" panose="03080500000500000004" pitchFamily="66" charset="0"/>
-            </a:rPr>
-            <a:t>{</a:t>
-          </a:r>
-        </a:p>
-        <a:p>
-          <a:pPr lvl="0" algn="just" defTabSz="1244600">
-            <a:lnSpc>
-              <a:spcPct val="90000"/>
-            </a:lnSpc>
-            <a:spcBef>
-              <a:spcPct val="0"/>
-            </a:spcBef>
-            <a:spcAft>
-              <a:spcPct val="35000"/>
-            </a:spcAft>
-          </a:pPr>
-          <a:r>
-            <a:rPr lang="en-US" sz="2000" kern="1200" dirty="0" smtClean="0">
-              <a:solidFill>
-                <a:schemeClr val="tx1"/>
-              </a:solidFill>
-              <a:latin typeface="Buxton Sketch" panose="03080500000500000004" pitchFamily="66" charset="0"/>
-            </a:rPr>
-            <a:t>    </a:t>
-          </a:r>
-          <a:r>
-            <a:rPr lang="en-US" sz="2000" kern="1200" dirty="0" err="1" smtClean="0">
-              <a:solidFill>
-                <a:srgbClr val="00B050"/>
-              </a:solidFill>
-              <a:latin typeface="Buxton Sketch" panose="03080500000500000004" pitchFamily="66" charset="0"/>
-            </a:rPr>
-            <a:t>Console</a:t>
-          </a:r>
-          <a:r>
-            <a:rPr lang="en-US" sz="2000" kern="1200" dirty="0" err="1" smtClean="0">
-              <a:solidFill>
-                <a:schemeClr val="tx1"/>
-              </a:solidFill>
-              <a:latin typeface="Buxton Sketch" panose="03080500000500000004" pitchFamily="66" charset="0"/>
-            </a:rPr>
-            <a:t>.WriteLine</a:t>
-          </a:r>
-          <a:r>
-            <a:rPr lang="en-US" sz="2000" kern="1200" dirty="0" smtClean="0">
-              <a:solidFill>
-                <a:schemeClr val="tx1"/>
-              </a:solidFill>
-              <a:latin typeface="Buxton Sketch" panose="03080500000500000004" pitchFamily="66" charset="0"/>
-            </a:rPr>
-            <a:t>(“Your name is </a:t>
-          </a:r>
-          <a:r>
-            <a:rPr lang="en-US" sz="2000" kern="1200" dirty="0" smtClean="0">
-              <a:solidFill>
-                <a:srgbClr val="00B0F0"/>
-              </a:solidFill>
-              <a:latin typeface="Buxton Sketch" panose="03080500000500000004" pitchFamily="66" charset="0"/>
-            </a:rPr>
-            <a:t>Daffy Duck</a:t>
-          </a:r>
-          <a:r>
-            <a:rPr lang="en-US" sz="2000" kern="1200" dirty="0" smtClean="0">
-              <a:solidFill>
-                <a:schemeClr val="tx1"/>
-              </a:solidFill>
-              <a:latin typeface="Buxton Sketch" panose="03080500000500000004" pitchFamily="66" charset="0"/>
-            </a:rPr>
-            <a:t>”);</a:t>
-          </a:r>
-        </a:p>
-        <a:p>
-          <a:pPr lvl="0" algn="just" defTabSz="1244600">
-            <a:lnSpc>
-              <a:spcPct val="90000"/>
-            </a:lnSpc>
-            <a:spcBef>
-              <a:spcPct val="0"/>
-            </a:spcBef>
-            <a:spcAft>
-              <a:spcPct val="35000"/>
-            </a:spcAft>
-          </a:pPr>
-          <a:r>
-            <a:rPr lang="en-US" sz="2000" kern="1200" dirty="0" smtClean="0">
-              <a:solidFill>
-                <a:schemeClr val="tx1"/>
-              </a:solidFill>
-              <a:latin typeface="Buxton Sketch" panose="03080500000500000004" pitchFamily="66" charset="0"/>
-            </a:rPr>
-            <a:t>}</a:t>
-          </a:r>
-        </a:p>
-        <a:p>
-          <a:pPr lvl="0" algn="just" defTabSz="1244600">
-            <a:lnSpc>
-              <a:spcPct val="90000"/>
-            </a:lnSpc>
-            <a:spcBef>
-              <a:spcPct val="0"/>
-            </a:spcBef>
-            <a:spcAft>
-              <a:spcPct val="35000"/>
-            </a:spcAft>
-          </a:pPr>
-          <a:endParaRPr lang="en-US" sz="2000" kern="1200" dirty="0" smtClean="0">
-            <a:solidFill>
-              <a:schemeClr val="tx1"/>
-            </a:solidFill>
-            <a:latin typeface="Buxton Sketch" panose="03080500000500000004" pitchFamily="66" charset="0"/>
-          </a:endParaRPr>
-        </a:p>
-        <a:p>
-          <a:pPr lvl="0" algn="just" defTabSz="1244600">
-            <a:lnSpc>
-              <a:spcPct val="90000"/>
-            </a:lnSpc>
-            <a:spcBef>
-              <a:spcPct val="0"/>
-            </a:spcBef>
-            <a:spcAft>
-              <a:spcPct val="35000"/>
-            </a:spcAft>
-          </a:pPr>
-          <a:r>
-            <a:rPr lang="en-US" sz="2000" kern="1200" dirty="0" smtClean="0">
-              <a:solidFill>
-                <a:schemeClr val="tx1"/>
-              </a:solidFill>
-              <a:latin typeface="Buxton Sketch" panose="03080500000500000004" pitchFamily="66" charset="0"/>
-            </a:rPr>
-            <a:t>// Your name is </a:t>
-          </a:r>
-          <a:r>
-            <a:rPr lang="en-US" sz="2000" kern="1200" dirty="0" smtClean="0">
-              <a:solidFill>
-                <a:srgbClr val="00B0F0"/>
-              </a:solidFill>
-              <a:latin typeface="Buxton Sketch" panose="03080500000500000004" pitchFamily="66" charset="0"/>
-            </a:rPr>
-            <a:t>Daffy Duck</a:t>
-          </a:r>
-        </a:p>
-        <a:p>
-          <a:pPr lvl="0" algn="just" defTabSz="1244600">
-            <a:lnSpc>
-              <a:spcPct val="90000"/>
-            </a:lnSpc>
-            <a:spcBef>
-              <a:spcPct val="0"/>
-            </a:spcBef>
-            <a:spcAft>
-              <a:spcPct val="35000"/>
-            </a:spcAft>
-          </a:pPr>
-          <a:r>
-            <a:rPr lang="en-US" sz="2000" kern="1200" dirty="0" smtClean="0">
-              <a:solidFill>
-                <a:schemeClr val="tx1"/>
-              </a:solidFill>
-              <a:latin typeface="Buxton Sketch" panose="03080500000500000004" pitchFamily="66" charset="0"/>
-            </a:rPr>
-            <a:t>// Your name is </a:t>
-          </a:r>
-          <a:r>
-            <a:rPr lang="en-US" sz="2000" kern="1200" dirty="0" smtClean="0">
-              <a:solidFill>
-                <a:srgbClr val="00B0F0"/>
-              </a:solidFill>
-              <a:latin typeface="Buxton Sketch" panose="03080500000500000004" pitchFamily="66" charset="0"/>
-            </a:rPr>
-            <a:t>Daffy Duck</a:t>
-          </a:r>
-        </a:p>
-        <a:p>
-          <a:pPr lvl="0" algn="just" defTabSz="1244600">
-            <a:lnSpc>
-              <a:spcPct val="90000"/>
-            </a:lnSpc>
-            <a:spcBef>
-              <a:spcPct val="0"/>
-            </a:spcBef>
-            <a:spcAft>
-              <a:spcPct val="35000"/>
-            </a:spcAft>
-          </a:pPr>
-          <a:r>
-            <a:rPr lang="en-US" sz="2000" kern="1200" dirty="0" smtClean="0">
-              <a:solidFill>
-                <a:schemeClr val="tx1"/>
-              </a:solidFill>
-              <a:latin typeface="Buxton Sketch" panose="03080500000500000004" pitchFamily="66" charset="0"/>
-            </a:rPr>
-            <a:t>// Your name is </a:t>
-          </a:r>
-          <a:r>
-            <a:rPr lang="en-US" sz="2000" kern="1200" dirty="0" smtClean="0">
-              <a:solidFill>
-                <a:srgbClr val="00B0F0"/>
-              </a:solidFill>
-              <a:latin typeface="Buxton Sketch" panose="03080500000500000004" pitchFamily="66" charset="0"/>
-            </a:rPr>
-            <a:t>Daffy Duck</a:t>
-          </a:r>
-        </a:p>
-        <a:p>
-          <a:pPr lvl="0" algn="just" defTabSz="1244600">
-            <a:lnSpc>
-              <a:spcPct val="90000"/>
-            </a:lnSpc>
-            <a:spcBef>
-              <a:spcPct val="0"/>
-            </a:spcBef>
-            <a:spcAft>
-              <a:spcPct val="35000"/>
-            </a:spcAft>
-          </a:pPr>
-          <a:r>
-            <a:rPr lang="en-US" sz="2000" kern="1200" dirty="0" smtClean="0">
-              <a:solidFill>
-                <a:schemeClr val="tx1"/>
-              </a:solidFill>
-              <a:latin typeface="Buxton Sketch" panose="03080500000500000004" pitchFamily="66" charset="0"/>
-            </a:rPr>
-            <a:t>… 10 times will be looped</a:t>
-          </a:r>
-          <a:endParaRPr lang="en-US" sz="2400" kern="1200" dirty="0" smtClean="0">
-            <a:solidFill>
-              <a:schemeClr val="tx1"/>
-            </a:solidFill>
-            <a:latin typeface="Buxton Sketch" panose="03080500000500000004" pitchFamily="66" charset="0"/>
-          </a:endParaRPr>
-        </a:p>
-        <a:p>
-          <a:pPr lvl="0" algn="ctr" defTabSz="1244600">
-            <a:lnSpc>
-              <a:spcPct val="90000"/>
-            </a:lnSpc>
-            <a:spcBef>
-              <a:spcPct val="0"/>
-            </a:spcBef>
-            <a:spcAft>
-              <a:spcPct val="35000"/>
-            </a:spcAft>
-          </a:pPr>
-          <a:endParaRPr lang="en-US" sz="2800" kern="1200" dirty="0" smtClean="0">
-            <a:solidFill>
-              <a:srgbClr val="FFFF00"/>
-            </a:solidFill>
-            <a:latin typeface="Buxton Sketch" panose="03080500000500000004" pitchFamily="66" charset="0"/>
-          </a:endParaRPr>
-        </a:p>
-        <a:p>
-          <a:pPr lvl="0" algn="ctr" defTabSz="1244600">
-            <a:lnSpc>
-              <a:spcPct val="90000"/>
-            </a:lnSpc>
-            <a:spcBef>
-              <a:spcPct val="0"/>
-            </a:spcBef>
-            <a:spcAft>
-              <a:spcPct val="35000"/>
-            </a:spcAft>
-          </a:pPr>
-          <a:endParaRPr lang="en-US" sz="2800" kern="1200" dirty="0" smtClean="0">
-            <a:solidFill>
-              <a:srgbClr val="FFFF00"/>
-            </a:solidFill>
-            <a:latin typeface="Buxton Sketch" panose="03080500000500000004" pitchFamily="66" charset="0"/>
-          </a:endParaRPr>
-        </a:p>
-        <a:p>
-          <a:pPr lvl="0" algn="ctr" defTabSz="1244600">
-            <a:lnSpc>
-              <a:spcPct val="90000"/>
-            </a:lnSpc>
-            <a:spcBef>
-              <a:spcPct val="0"/>
-            </a:spcBef>
-            <a:spcAft>
-              <a:spcPct val="35000"/>
-            </a:spcAft>
-          </a:pPr>
-          <a:endParaRPr lang="en-US" sz="2800" kern="1200" dirty="0" smtClean="0">
-            <a:solidFill>
-              <a:srgbClr val="FFFF00"/>
-            </a:solidFill>
-            <a:latin typeface="Buxton Sketch" panose="03080500000500000004" pitchFamily="66" charset="0"/>
-          </a:endParaRPr>
-        </a:p>
-        <a:p>
-          <a:pPr lvl="0" algn="ctr" defTabSz="1244600">
-            <a:lnSpc>
-              <a:spcPct val="90000"/>
-            </a:lnSpc>
-            <a:spcBef>
-              <a:spcPct val="0"/>
-            </a:spcBef>
-            <a:spcAft>
-              <a:spcPct val="35000"/>
-            </a:spcAft>
-          </a:pPr>
-          <a:endParaRPr lang="en-US" sz="2800" kern="1200" dirty="0">
-            <a:solidFill>
-              <a:srgbClr val="FFFF00"/>
-            </a:solidFill>
-            <a:latin typeface="Buxton Sketch" panose="03080500000500000004" pitchFamily="66" charset="0"/>
-          </a:endParaRPr>
-        </a:p>
-      </dsp:txBody>
-      <dsp:txXfrm>
-        <a:off x="7200945" y="2199710"/>
-        <a:ext cx="4675414" cy="4402257"/>
-      </dsp:txXfrm>
-    </dsp:sp>
   </dsp:spTree>
 </dsp:drawing>
 </file>
@@ -26083,7 +25190,7 @@
           <a:p>
             <a:fld id="{86BC5D83-A6BD-448A-8B7D-D487C0AC34D1}" type="datetimeFigureOut">
               <a:rPr lang="en-US" smtClean="0"/>
-              <a:t>10/18/2016</a:t>
+              <a:t>10/25/2016</a:t>
             </a:fld>
             <a:endParaRPr lang="en-US"/>
           </a:p>
@@ -27752,7 +26859,7 @@
             <a:fld id="{B61BEF0D-F0BB-DE4B-95CE-6DB70DBA9567}" type="datetimeFigureOut">
               <a:rPr lang="en-US" dirty="0"/>
               <a:pPr/>
-              <a:t>10/18/2016</a:t>
+              <a:t>10/25/2016</a:t>
             </a:fld>
             <a:endParaRPr lang="en-US" dirty="0"/>
           </a:p>
@@ -28083,7 +27190,7 @@
             <a:fld id="{B61BEF0D-F0BB-DE4B-95CE-6DB70DBA9567}" type="datetimeFigureOut">
               <a:rPr lang="en-US" dirty="0"/>
               <a:pPr/>
-              <a:t>10/18/2016</a:t>
+              <a:t>10/25/2016</a:t>
             </a:fld>
             <a:endParaRPr lang="en-US" dirty="0"/>
           </a:p>
@@ -28358,7 +27465,7 @@
             <a:fld id="{B61BEF0D-F0BB-DE4B-95CE-6DB70DBA9567}" type="datetimeFigureOut">
               <a:rPr lang="en-US" dirty="0"/>
               <a:pPr/>
-              <a:t>10/18/2016</a:t>
+              <a:t>10/25/2016</a:t>
             </a:fld>
             <a:endParaRPr lang="en-US" dirty="0"/>
           </a:p>
@@ -28923,7 +28030,7 @@
             <a:fld id="{B61BEF0D-F0BB-DE4B-95CE-6DB70DBA9567}" type="datetimeFigureOut">
               <a:rPr lang="en-US" dirty="0"/>
               <a:pPr/>
-              <a:t>10/18/2016</a:t>
+              <a:t>10/25/2016</a:t>
             </a:fld>
             <a:endParaRPr lang="en-US" dirty="0"/>
           </a:p>
@@ -29198,7 +28305,7 @@
             <a:fld id="{B61BEF0D-F0BB-DE4B-95CE-6DB70DBA9567}" type="datetimeFigureOut">
               <a:rPr lang="en-US" dirty="0"/>
               <a:pPr/>
-              <a:t>10/18/2016</a:t>
+              <a:t>10/25/2016</a:t>
             </a:fld>
             <a:endParaRPr lang="en-US" dirty="0"/>
           </a:p>
@@ -29757,7 +28864,7 @@
             <a:fld id="{B61BEF0D-F0BB-DE4B-95CE-6DB70DBA9567}" type="datetimeFigureOut">
               <a:rPr lang="en-US" dirty="0"/>
               <a:pPr/>
-              <a:t>10/18/2016</a:t>
+              <a:t>10/25/2016</a:t>
             </a:fld>
             <a:endParaRPr lang="en-US" dirty="0"/>
           </a:p>
@@ -30081,7 +29188,7 @@
             <a:fld id="{B61BEF0D-F0BB-DE4B-95CE-6DB70DBA9567}" type="datetimeFigureOut">
               <a:rPr lang="en-US" dirty="0"/>
               <a:pPr/>
-              <a:t>10/18/2016</a:t>
+              <a:t>10/25/2016</a:t>
             </a:fld>
             <a:endParaRPr lang="en-US" dirty="0"/>
           </a:p>
@@ -30255,7 +29362,7 @@
             <a:fld id="{B61BEF0D-F0BB-DE4B-95CE-6DB70DBA9567}" type="datetimeFigureOut">
               <a:rPr lang="en-US" dirty="0"/>
               <a:pPr/>
-              <a:t>10/18/2016</a:t>
+              <a:t>10/25/2016</a:t>
             </a:fld>
             <a:endParaRPr lang="en-US" dirty="0"/>
           </a:p>
@@ -30490,7 +29597,7 @@
             <a:fld id="{B61BEF0D-F0BB-DE4B-95CE-6DB70DBA9567}" type="datetimeFigureOut">
               <a:rPr lang="en-US" dirty="0"/>
               <a:pPr/>
-              <a:t>10/18/2016</a:t>
+              <a:t>10/25/2016</a:t>
             </a:fld>
             <a:endParaRPr lang="en-US" dirty="0"/>
           </a:p>
@@ -30687,7 +29794,7 @@
             <a:fld id="{B61BEF0D-F0BB-DE4B-95CE-6DB70DBA9567}" type="datetimeFigureOut">
               <a:rPr lang="en-US" dirty="0"/>
               <a:pPr/>
-              <a:t>10/18/2016</a:t>
+              <a:t>10/25/2016</a:t>
             </a:fld>
             <a:endParaRPr lang="en-US" dirty="0"/>
           </a:p>
@@ -30960,7 +30067,7 @@
             <a:fld id="{B61BEF0D-F0BB-DE4B-95CE-6DB70DBA9567}" type="datetimeFigureOut">
               <a:rPr lang="en-US" dirty="0"/>
               <a:pPr/>
-              <a:t>10/18/2016</a:t>
+              <a:t>10/25/2016</a:t>
             </a:fld>
             <a:endParaRPr lang="en-US" dirty="0"/>
           </a:p>
@@ -31223,7 +30330,7 @@
             <a:fld id="{B61BEF0D-F0BB-DE4B-95CE-6DB70DBA9567}" type="datetimeFigureOut">
               <a:rPr lang="en-US" dirty="0"/>
               <a:pPr/>
-              <a:t>10/18/2016</a:t>
+              <a:t>10/25/2016</a:t>
             </a:fld>
             <a:endParaRPr lang="en-US" dirty="0"/>
           </a:p>
@@ -31594,7 +30701,7 @@
             <a:fld id="{B61BEF0D-F0BB-DE4B-95CE-6DB70DBA9567}" type="datetimeFigureOut">
               <a:rPr lang="en-US" dirty="0"/>
               <a:pPr/>
-              <a:t>10/18/2016</a:t>
+              <a:t>10/25/2016</a:t>
             </a:fld>
             <a:endParaRPr lang="en-US" dirty="0"/>
           </a:p>
@@ -31739,7 +30846,7 @@
             <a:fld id="{B61BEF0D-F0BB-DE4B-95CE-6DB70DBA9567}" type="datetimeFigureOut">
               <a:rPr lang="en-US" dirty="0"/>
               <a:pPr/>
-              <a:t>10/18/2016</a:t>
+              <a:t>10/25/2016</a:t>
             </a:fld>
             <a:endParaRPr lang="en-US" dirty="0"/>
           </a:p>
@@ -31861,7 +30968,7 @@
             <a:fld id="{B61BEF0D-F0BB-DE4B-95CE-6DB70DBA9567}" type="datetimeFigureOut">
               <a:rPr lang="en-US" dirty="0"/>
               <a:pPr/>
-              <a:t>10/18/2016</a:t>
+              <a:t>10/25/2016</a:t>
             </a:fld>
             <a:endParaRPr lang="en-US" dirty="0"/>
           </a:p>
@@ -32143,7 +31250,7 @@
             <a:fld id="{B61BEF0D-F0BB-DE4B-95CE-6DB70DBA9567}" type="datetimeFigureOut">
               <a:rPr lang="en-US" dirty="0"/>
               <a:pPr/>
-              <a:t>10/18/2016</a:t>
+              <a:t>10/25/2016</a:t>
             </a:fld>
             <a:endParaRPr lang="en-US" dirty="0"/>
           </a:p>
@@ -32464,7 +31571,7 @@
             <a:fld id="{B61BEF0D-F0BB-DE4B-95CE-6DB70DBA9567}" type="datetimeFigureOut">
               <a:rPr lang="en-US" dirty="0"/>
               <a:pPr/>
-              <a:t>10/18/2016</a:t>
+              <a:t>10/25/2016</a:t>
             </a:fld>
             <a:endParaRPr lang="en-US" dirty="0"/>
           </a:p>
@@ -32675,7 +31782,7 @@
             <a:fld id="{B61BEF0D-F0BB-DE4B-95CE-6DB70DBA9567}" type="datetimeFigureOut">
               <a:rPr lang="en-US" dirty="0"/>
               <a:pPr/>
-              <a:t>10/18/2016</a:t>
+              <a:t>10/25/2016</a:t>
             </a:fld>
             <a:endParaRPr lang="en-US" dirty="0"/>
           </a:p>
@@ -33311,7 +32418,7 @@
             <p:ph idx="1"/>
             <p:extLst>
               <p:ext uri="{D42A27DB-BD31-4B8C-83A1-F6EECF244321}">
-                <p14:modId xmlns:p14="http://schemas.microsoft.com/office/powerpoint/2010/main" val="2155433821"/>
+                <p14:modId xmlns:p14="http://schemas.microsoft.com/office/powerpoint/2010/main" val="2742284952"/>
               </p:ext>
             </p:extLst>
           </p:nvPr>

--- a/Course Overview.pptx
+++ b/Course Overview.pptx
@@ -5504,14 +5504,7 @@
               <a:latin typeface="Buxton Sketch" panose="03080500000500000004" pitchFamily="66" charset="0"/>
               <a:hlinkClick xmlns:r="http://schemas.openxmlformats.org/officeDocument/2006/relationships" r:id="rId2"/>
             </a:rPr>
-            <a:t>https://</a:t>
-          </a:r>
-          <a:r>
-            <a:rPr lang="en-US" sz="2000" dirty="0" smtClean="0">
-              <a:latin typeface="Buxton Sketch" panose="03080500000500000004" pitchFamily="66" charset="0"/>
-              <a:hlinkClick xmlns:r="http://schemas.openxmlformats.org/officeDocument/2006/relationships" r:id="rId2"/>
-            </a:rPr>
-            <a:t>www.youtube.com/user/coolcsn/videos</a:t>
+            <a:t>https://www.youtube.com/user/coolcsn/videos</a:t>
           </a:r>
           <a:endParaRPr lang="en-US" sz="2000" dirty="0" smtClean="0">
             <a:latin typeface="Buxton Sketch" panose="03080500000500000004" pitchFamily="66" charset="0"/>
@@ -5541,9 +5534,6 @@
             </a:rPr>
             <a:t>https://www.youtube.com/playlist?list=PLW9cNZuPMHVR_VHWPQoie_a5a9vFxbxLY</a:t>
           </a:r>
-          <a:endParaRPr lang="en-US" sz="2000" b="1" dirty="0" smtClean="0">
-            <a:latin typeface="Buxton Sketch" panose="03080500000500000004" pitchFamily="66" charset="0"/>
-          </a:endParaRPr>
         </a:p>
       </dgm:t>
     </dgm:pt>
@@ -8464,22 +8454,22 @@
     </dgm:pt>
   </dgm:ptLst>
   <dgm:cxnLst>
+    <dgm:cxn modelId="{F70BC46C-C4E5-4BDD-AB2F-E6392A25640C}" srcId="{9F0C14E1-5E31-4BFB-93EF-64A72EB696B4}" destId="{5DBF101F-0F35-4E21-834F-2D0370F875E2}" srcOrd="0" destOrd="0" parTransId="{DFB5525A-85FE-4DD0-9919-DA9F0CCF7FC1}" sibTransId="{AB19A77E-F43A-4193-A579-3E00E108D152}"/>
     <dgm:cxn modelId="{89668738-4A06-48A0-ADA1-E81F63ABA142}" srcId="{5DBF101F-0F35-4E21-834F-2D0370F875E2}" destId="{3C212A25-0B13-4130-B138-D80FD13744A6}" srcOrd="2" destOrd="0" parTransId="{43412D1B-5E60-443A-8E70-DE9D4E704809}" sibTransId="{7EEE66FA-BF9A-43A0-ADA2-FE1F6E1855D7}"/>
+    <dgm:cxn modelId="{FB50C092-1AC6-447A-8ECA-B92D7932BA37}" type="presOf" srcId="{ED15561D-56C1-4B97-A225-B17AD9CFFD83}" destId="{523C265F-BF3E-45A7-97E7-3CB6F72BBFF0}" srcOrd="0" destOrd="0" presId="urn:microsoft.com/office/officeart/2005/8/layout/orgChart1"/>
+    <dgm:cxn modelId="{823C09DF-4066-4185-B4D2-80B89A1FF3CD}" srcId="{5DBF101F-0F35-4E21-834F-2D0370F875E2}" destId="{ED15561D-56C1-4B97-A225-B17AD9CFFD83}" srcOrd="1" destOrd="0" parTransId="{7D06307E-E72D-4C92-B922-9BC1410121D5}" sibTransId="{E6125EE4-66B5-47EC-B065-D7DAACD1A343}"/>
+    <dgm:cxn modelId="{FD365F2F-1A42-4B78-9ED5-1E84BD2A971D}" type="presOf" srcId="{9F0C14E1-5E31-4BFB-93EF-64A72EB696B4}" destId="{5D0B09FB-389A-42B8-9F76-AC54AAB7446D}" srcOrd="0" destOrd="0" presId="urn:microsoft.com/office/officeart/2005/8/layout/orgChart1"/>
+    <dgm:cxn modelId="{510C79DE-9E9F-4DC0-BC46-80BEFBF40866}" type="presOf" srcId="{67DCA957-B2F3-41EA-A1D6-69F2974D19A1}" destId="{C737B84A-2ADA-4BBE-9EAC-51D285811437}" srcOrd="0" destOrd="0" presId="urn:microsoft.com/office/officeart/2005/8/layout/orgChart1"/>
+    <dgm:cxn modelId="{9535BF3E-6D47-4915-8F7D-26552F5214B9}" type="presOf" srcId="{43412D1B-5E60-443A-8E70-DE9D4E704809}" destId="{F2FABC0A-7D27-41B6-A5B2-1681964D3E93}" srcOrd="0" destOrd="0" presId="urn:microsoft.com/office/officeart/2005/8/layout/orgChart1"/>
+    <dgm:cxn modelId="{BBD27F77-7864-43DF-9B2E-BCB603876EED}" type="presOf" srcId="{7D06307E-E72D-4C92-B922-9BC1410121D5}" destId="{28B83FEF-8929-4CA9-AA29-351DB9B1E4DC}" srcOrd="0" destOrd="0" presId="urn:microsoft.com/office/officeart/2005/8/layout/orgChart1"/>
+    <dgm:cxn modelId="{B98E2DD1-8CE7-407C-8B1A-1A31AFF5E217}" type="presOf" srcId="{FE303ED2-E91E-412E-9437-9D310539077B}" destId="{A906F8A3-A092-4062-9F84-7013F75341DA}" srcOrd="1" destOrd="0" presId="urn:microsoft.com/office/officeart/2005/8/layout/orgChart1"/>
+    <dgm:cxn modelId="{79623BA5-3EE9-492F-9F67-A7A2848E39D4}" type="presOf" srcId="{ED15561D-56C1-4B97-A225-B17AD9CFFD83}" destId="{A5CF2B70-2E8B-4780-B74F-7777095946AC}" srcOrd="1" destOrd="0" presId="urn:microsoft.com/office/officeart/2005/8/layout/orgChart1"/>
+    <dgm:cxn modelId="{12598B40-AE2D-4BF4-A65C-B4CC62CF6BAA}" type="presOf" srcId="{5DBF101F-0F35-4E21-834F-2D0370F875E2}" destId="{0F3F96D0-4A8B-4629-A505-534193085623}" srcOrd="1" destOrd="0" presId="urn:microsoft.com/office/officeart/2005/8/layout/orgChart1"/>
+    <dgm:cxn modelId="{FD7431D9-52DC-4CFA-A587-3A5E27E8B047}" type="presOf" srcId="{FE303ED2-E91E-412E-9437-9D310539077B}" destId="{2614E269-8295-4197-BB5E-0D078F5030B2}" srcOrd="0" destOrd="0" presId="urn:microsoft.com/office/officeart/2005/8/layout/orgChart1"/>
     <dgm:cxn modelId="{82993F7F-9375-4623-BE0F-E11A2ED881FC}" type="presOf" srcId="{3C212A25-0B13-4130-B138-D80FD13744A6}" destId="{254D17AE-BCFB-4A21-A1FA-06E9765EE69A}" srcOrd="1" destOrd="0" presId="urn:microsoft.com/office/officeart/2005/8/layout/orgChart1"/>
-    <dgm:cxn modelId="{823C09DF-4066-4185-B4D2-80B89A1FF3CD}" srcId="{5DBF101F-0F35-4E21-834F-2D0370F875E2}" destId="{ED15561D-56C1-4B97-A225-B17AD9CFFD83}" srcOrd="1" destOrd="0" parTransId="{7D06307E-E72D-4C92-B922-9BC1410121D5}" sibTransId="{E6125EE4-66B5-47EC-B065-D7DAACD1A343}"/>
-    <dgm:cxn modelId="{FB50C092-1AC6-447A-8ECA-B92D7932BA37}" type="presOf" srcId="{ED15561D-56C1-4B97-A225-B17AD9CFFD83}" destId="{523C265F-BF3E-45A7-97E7-3CB6F72BBFF0}" srcOrd="0" destOrd="0" presId="urn:microsoft.com/office/officeart/2005/8/layout/orgChart1"/>
+    <dgm:cxn modelId="{7C4B19F7-C135-41D5-8E39-013674826154}" type="presOf" srcId="{5DBF101F-0F35-4E21-834F-2D0370F875E2}" destId="{0359D7AD-5B93-4C43-9D98-56774F0D5194}" srcOrd="0" destOrd="0" presId="urn:microsoft.com/office/officeart/2005/8/layout/orgChart1"/>
+    <dgm:cxn modelId="{354ECFAA-0650-4348-9089-A5F0F4D0486F}" srcId="{5DBF101F-0F35-4E21-834F-2D0370F875E2}" destId="{FE303ED2-E91E-412E-9437-9D310539077B}" srcOrd="0" destOrd="0" parTransId="{67DCA957-B2F3-41EA-A1D6-69F2974D19A1}" sibTransId="{CE3C1A84-FDCD-4933-B8BB-69E7736BF902}"/>
     <dgm:cxn modelId="{B01D91DC-554F-453D-9B9C-0287793FEF7A}" type="presOf" srcId="{3C212A25-0B13-4130-B138-D80FD13744A6}" destId="{FB88D22D-616A-4763-8730-376C7E899E79}" srcOrd="0" destOrd="0" presId="urn:microsoft.com/office/officeart/2005/8/layout/orgChart1"/>
-    <dgm:cxn modelId="{F70BC46C-C4E5-4BDD-AB2F-E6392A25640C}" srcId="{9F0C14E1-5E31-4BFB-93EF-64A72EB696B4}" destId="{5DBF101F-0F35-4E21-834F-2D0370F875E2}" srcOrd="0" destOrd="0" parTransId="{DFB5525A-85FE-4DD0-9919-DA9F0CCF7FC1}" sibTransId="{AB19A77E-F43A-4193-A579-3E00E108D152}"/>
-    <dgm:cxn modelId="{FD7431D9-52DC-4CFA-A587-3A5E27E8B047}" type="presOf" srcId="{FE303ED2-E91E-412E-9437-9D310539077B}" destId="{2614E269-8295-4197-BB5E-0D078F5030B2}" srcOrd="0" destOrd="0" presId="urn:microsoft.com/office/officeart/2005/8/layout/orgChart1"/>
-    <dgm:cxn modelId="{7C4B19F7-C135-41D5-8E39-013674826154}" type="presOf" srcId="{5DBF101F-0F35-4E21-834F-2D0370F875E2}" destId="{0359D7AD-5B93-4C43-9D98-56774F0D5194}" srcOrd="0" destOrd="0" presId="urn:microsoft.com/office/officeart/2005/8/layout/orgChart1"/>
-    <dgm:cxn modelId="{B98E2DD1-8CE7-407C-8B1A-1A31AFF5E217}" type="presOf" srcId="{FE303ED2-E91E-412E-9437-9D310539077B}" destId="{A906F8A3-A092-4062-9F84-7013F75341DA}" srcOrd="1" destOrd="0" presId="urn:microsoft.com/office/officeart/2005/8/layout/orgChart1"/>
-    <dgm:cxn modelId="{510C79DE-9E9F-4DC0-BC46-80BEFBF40866}" type="presOf" srcId="{67DCA957-B2F3-41EA-A1D6-69F2974D19A1}" destId="{C737B84A-2ADA-4BBE-9EAC-51D285811437}" srcOrd="0" destOrd="0" presId="urn:microsoft.com/office/officeart/2005/8/layout/orgChart1"/>
-    <dgm:cxn modelId="{BBD27F77-7864-43DF-9B2E-BCB603876EED}" type="presOf" srcId="{7D06307E-E72D-4C92-B922-9BC1410121D5}" destId="{28B83FEF-8929-4CA9-AA29-351DB9B1E4DC}" srcOrd="0" destOrd="0" presId="urn:microsoft.com/office/officeart/2005/8/layout/orgChart1"/>
-    <dgm:cxn modelId="{FD365F2F-1A42-4B78-9ED5-1E84BD2A971D}" type="presOf" srcId="{9F0C14E1-5E31-4BFB-93EF-64A72EB696B4}" destId="{5D0B09FB-389A-42B8-9F76-AC54AAB7446D}" srcOrd="0" destOrd="0" presId="urn:microsoft.com/office/officeart/2005/8/layout/orgChart1"/>
-    <dgm:cxn modelId="{79623BA5-3EE9-492F-9F67-A7A2848E39D4}" type="presOf" srcId="{ED15561D-56C1-4B97-A225-B17AD9CFFD83}" destId="{A5CF2B70-2E8B-4780-B74F-7777095946AC}" srcOrd="1" destOrd="0" presId="urn:microsoft.com/office/officeart/2005/8/layout/orgChart1"/>
-    <dgm:cxn modelId="{354ECFAA-0650-4348-9089-A5F0F4D0486F}" srcId="{5DBF101F-0F35-4E21-834F-2D0370F875E2}" destId="{FE303ED2-E91E-412E-9437-9D310539077B}" srcOrd="0" destOrd="0" parTransId="{67DCA957-B2F3-41EA-A1D6-69F2974D19A1}" sibTransId="{CE3C1A84-FDCD-4933-B8BB-69E7736BF902}"/>
-    <dgm:cxn modelId="{9535BF3E-6D47-4915-8F7D-26552F5214B9}" type="presOf" srcId="{43412D1B-5E60-443A-8E70-DE9D4E704809}" destId="{F2FABC0A-7D27-41B6-A5B2-1681964D3E93}" srcOrd="0" destOrd="0" presId="urn:microsoft.com/office/officeart/2005/8/layout/orgChart1"/>
-    <dgm:cxn modelId="{12598B40-AE2D-4BF4-A65C-B4CC62CF6BAA}" type="presOf" srcId="{5DBF101F-0F35-4E21-834F-2D0370F875E2}" destId="{0F3F96D0-4A8B-4629-A505-534193085623}" srcOrd="1" destOrd="0" presId="urn:microsoft.com/office/officeart/2005/8/layout/orgChart1"/>
     <dgm:cxn modelId="{F3D59A19-B586-4E2E-B3DD-350E8083E5C6}" type="presParOf" srcId="{5D0B09FB-389A-42B8-9F76-AC54AAB7446D}" destId="{AF9557CA-7D0B-407C-B122-3806D3B80045}" srcOrd="0" destOrd="0" presId="urn:microsoft.com/office/officeart/2005/8/layout/orgChart1"/>
     <dgm:cxn modelId="{8CD5B951-A4B9-482B-984E-327DC9B435E8}" type="presParOf" srcId="{AF9557CA-7D0B-407C-B122-3806D3B80045}" destId="{C76704DA-2A6C-4F8D-B746-4F85018CD45A}" srcOrd="0" destOrd="0" presId="urn:microsoft.com/office/officeart/2005/8/layout/orgChart1"/>
     <dgm:cxn modelId="{EA691761-E62C-48CB-8E95-889D13D86C94}" type="presParOf" srcId="{C76704DA-2A6C-4F8D-B746-4F85018CD45A}" destId="{0359D7AD-5B93-4C43-9D98-56774F0D5194}" srcOrd="0" destOrd="0" presId="urn:microsoft.com/office/officeart/2005/8/layout/orgChart1"/>
@@ -9855,18 +9845,18 @@
     </dgm:pt>
   </dgm:ptLst>
   <dgm:cxnLst>
+    <dgm:cxn modelId="{1A9B7C33-D180-4BAD-BAB0-48F9CC52E7D7}" srcId="{36FF7C4C-C18C-46F5-8FE8-C426B93A9095}" destId="{47581A9E-5E40-406D-BE0A-38AA3E89F7F8}" srcOrd="0" destOrd="0" parTransId="{B9257DBC-4964-4109-BE29-5A9463C79B30}" sibTransId="{36D4FCD3-96C9-4F49-A64F-A25212C98BE3}"/>
     <dgm:cxn modelId="{3F461B40-14D3-4DE0-B156-B004FD9F8ED9}" type="presOf" srcId="{F53C9289-97E1-4D2D-97C9-1AAC80980444}" destId="{066BF7EA-934B-4060-B6BF-0796EB1E4F44}" srcOrd="0" destOrd="0" presId="urn:microsoft.com/office/officeart/2005/8/layout/orgChart1"/>
+    <dgm:cxn modelId="{9FC334A9-4E29-4794-8BF1-2134E895F76D}" type="presOf" srcId="{EEC3C2B6-CCB3-4CDB-84D9-93741BAF41A2}" destId="{54470973-FF4C-4094-83FC-25652F5582EF}" srcOrd="1" destOrd="0" presId="urn:microsoft.com/office/officeart/2005/8/layout/orgChart1"/>
+    <dgm:cxn modelId="{8AB80DB9-7B40-4065-83A0-8DAD0D36E386}" type="presOf" srcId="{EFFAFC6C-F906-450E-8595-D15AC71B243F}" destId="{973CA2BD-28A9-4084-9A56-C43D3E3B0316}" srcOrd="0" destOrd="0" presId="urn:microsoft.com/office/officeart/2005/8/layout/orgChart1"/>
     <dgm:cxn modelId="{9FD2703E-D7D4-488C-B86F-89B4AAEC8866}" type="presOf" srcId="{5026F749-70FD-4720-9858-7B81314E8CF0}" destId="{ACDE8485-05B1-406B-AD3C-368A19FF8F21}" srcOrd="0" destOrd="0" presId="urn:microsoft.com/office/officeart/2005/8/layout/orgChart1"/>
-    <dgm:cxn modelId="{1A9B7C33-D180-4BAD-BAB0-48F9CC52E7D7}" srcId="{36FF7C4C-C18C-46F5-8FE8-C426B93A9095}" destId="{47581A9E-5E40-406D-BE0A-38AA3E89F7F8}" srcOrd="0" destOrd="0" parTransId="{B9257DBC-4964-4109-BE29-5A9463C79B30}" sibTransId="{36D4FCD3-96C9-4F49-A64F-A25212C98BE3}"/>
+    <dgm:cxn modelId="{BC82667A-EDA1-43CA-B93C-FF9003F535FB}" srcId="{47581A9E-5E40-406D-BE0A-38AA3E89F7F8}" destId="{5026F749-70FD-4720-9858-7B81314E8CF0}" srcOrd="0" destOrd="0" parTransId="{F53C9289-97E1-4D2D-97C9-1AAC80980444}" sibTransId="{1A494AB9-3AE1-4FA4-9DB7-96C622E19841}"/>
+    <dgm:cxn modelId="{3BFAD681-DCC6-47B1-AAF1-2EEA17BB839A}" type="presOf" srcId="{47581A9E-5E40-406D-BE0A-38AA3E89F7F8}" destId="{36FDA7F1-3CE0-45DA-99EE-C2DAE976718C}" srcOrd="0" destOrd="0" presId="urn:microsoft.com/office/officeart/2005/8/layout/orgChart1"/>
+    <dgm:cxn modelId="{5D9FF610-E795-476D-86FC-E015F8FDA489}" srcId="{47581A9E-5E40-406D-BE0A-38AA3E89F7F8}" destId="{EEC3C2B6-CCB3-4CDB-84D9-93741BAF41A2}" srcOrd="1" destOrd="0" parTransId="{EFFAFC6C-F906-450E-8595-D15AC71B243F}" sibTransId="{F512F933-B839-42F7-8E57-EDFA719F737F}"/>
     <dgm:cxn modelId="{12C6268D-B3F0-4C5C-B9B7-4269BF5D55F1}" type="presOf" srcId="{47581A9E-5E40-406D-BE0A-38AA3E89F7F8}" destId="{7C14404F-4974-49DB-96E9-942AA1195F7A}" srcOrd="1" destOrd="0" presId="urn:microsoft.com/office/officeart/2005/8/layout/orgChart1"/>
-    <dgm:cxn modelId="{5D9FF610-E795-476D-86FC-E015F8FDA489}" srcId="{47581A9E-5E40-406D-BE0A-38AA3E89F7F8}" destId="{EEC3C2B6-CCB3-4CDB-84D9-93741BAF41A2}" srcOrd="1" destOrd="0" parTransId="{EFFAFC6C-F906-450E-8595-D15AC71B243F}" sibTransId="{F512F933-B839-42F7-8E57-EDFA719F737F}"/>
-    <dgm:cxn modelId="{8AB80DB9-7B40-4065-83A0-8DAD0D36E386}" type="presOf" srcId="{EFFAFC6C-F906-450E-8595-D15AC71B243F}" destId="{973CA2BD-28A9-4084-9A56-C43D3E3B0316}" srcOrd="0" destOrd="0" presId="urn:microsoft.com/office/officeart/2005/8/layout/orgChart1"/>
-    <dgm:cxn modelId="{9FC334A9-4E29-4794-8BF1-2134E895F76D}" type="presOf" srcId="{EEC3C2B6-CCB3-4CDB-84D9-93741BAF41A2}" destId="{54470973-FF4C-4094-83FC-25652F5582EF}" srcOrd="1" destOrd="0" presId="urn:microsoft.com/office/officeart/2005/8/layout/orgChart1"/>
     <dgm:cxn modelId="{5C91C76A-FC00-4920-9159-50F3665C6692}" type="presOf" srcId="{5026F749-70FD-4720-9858-7B81314E8CF0}" destId="{5ABA39A4-A26D-4F82-AF53-3A39C640F9C3}" srcOrd="1" destOrd="0" presId="urn:microsoft.com/office/officeart/2005/8/layout/orgChart1"/>
+    <dgm:cxn modelId="{E0C3EF0D-090E-4E04-B581-91BAC77C7E75}" type="presOf" srcId="{EEC3C2B6-CCB3-4CDB-84D9-93741BAF41A2}" destId="{07BD9B31-3415-4AE7-BD62-D4E049D8396D}" srcOrd="0" destOrd="0" presId="urn:microsoft.com/office/officeart/2005/8/layout/orgChart1"/>
     <dgm:cxn modelId="{FF9EFE8B-F6D5-4585-A95F-EFE7E2BAD83F}" type="presOf" srcId="{36FF7C4C-C18C-46F5-8FE8-C426B93A9095}" destId="{F28535A8-9D85-4AB8-B7C4-4EDBC1F9E41B}" srcOrd="0" destOrd="0" presId="urn:microsoft.com/office/officeart/2005/8/layout/orgChart1"/>
-    <dgm:cxn modelId="{E0C3EF0D-090E-4E04-B581-91BAC77C7E75}" type="presOf" srcId="{EEC3C2B6-CCB3-4CDB-84D9-93741BAF41A2}" destId="{07BD9B31-3415-4AE7-BD62-D4E049D8396D}" srcOrd="0" destOrd="0" presId="urn:microsoft.com/office/officeart/2005/8/layout/orgChart1"/>
-    <dgm:cxn modelId="{3BFAD681-DCC6-47B1-AAF1-2EEA17BB839A}" type="presOf" srcId="{47581A9E-5E40-406D-BE0A-38AA3E89F7F8}" destId="{36FDA7F1-3CE0-45DA-99EE-C2DAE976718C}" srcOrd="0" destOrd="0" presId="urn:microsoft.com/office/officeart/2005/8/layout/orgChart1"/>
-    <dgm:cxn modelId="{BC82667A-EDA1-43CA-B93C-FF9003F535FB}" srcId="{47581A9E-5E40-406D-BE0A-38AA3E89F7F8}" destId="{5026F749-70FD-4720-9858-7B81314E8CF0}" srcOrd="0" destOrd="0" parTransId="{F53C9289-97E1-4D2D-97C9-1AAC80980444}" sibTransId="{1A494AB9-3AE1-4FA4-9DB7-96C622E19841}"/>
     <dgm:cxn modelId="{F6821DBF-9971-46BE-A30B-50B3DE2134F5}" type="presParOf" srcId="{F28535A8-9D85-4AB8-B7C4-4EDBC1F9E41B}" destId="{1CB2309C-DD81-4BD9-A73C-645D5FDB1293}" srcOrd="0" destOrd="0" presId="urn:microsoft.com/office/officeart/2005/8/layout/orgChart1"/>
     <dgm:cxn modelId="{E911AD6C-0919-436D-B78F-19613774E640}" type="presParOf" srcId="{1CB2309C-DD81-4BD9-A73C-645D5FDB1293}" destId="{A2FA31AE-5C86-4A6F-87F7-2ACB8FE62327}" srcOrd="0" destOrd="0" presId="urn:microsoft.com/office/officeart/2005/8/layout/orgChart1"/>
     <dgm:cxn modelId="{3675E7BE-30B3-46E8-8476-632CA79381E9}" type="presParOf" srcId="{A2FA31AE-5C86-4A6F-87F7-2ACB8FE62327}" destId="{36FDA7F1-3CE0-45DA-99EE-C2DAE976718C}" srcOrd="0" destOrd="0" presId="urn:microsoft.com/office/officeart/2005/8/layout/orgChart1"/>
@@ -10051,407 +10041,6 @@
       <dsp:cNvGrpSpPr/>
     </dsp:nvGrpSpPr>
     <dsp:grpSpPr/>
-    <dsp:sp modelId="{E12C78D3-4B45-43FB-ABCC-83F3DB5D17F4}">
-      <dsp:nvSpPr>
-        <dsp:cNvPr id="0" name=""/>
-        <dsp:cNvSpPr/>
-      </dsp:nvSpPr>
-      <dsp:spPr>
-        <a:xfrm>
-          <a:off x="0" y="2631"/>
-          <a:ext cx="10131425" cy="0"/>
-        </a:xfrm>
-        <a:prstGeom prst="line">
-          <a:avLst/>
-        </a:prstGeom>
-        <a:solidFill>
-          <a:schemeClr val="accent1">
-            <a:hueOff val="0"/>
-            <a:satOff val="0"/>
-            <a:lumOff val="0"/>
-            <a:alphaOff val="0"/>
-          </a:schemeClr>
-        </a:solidFill>
-        <a:ln w="19050" cap="rnd" cmpd="sng" algn="ctr">
-          <a:solidFill>
-            <a:schemeClr val="accent1">
-              <a:hueOff val="0"/>
-              <a:satOff val="0"/>
-              <a:lumOff val="0"/>
-              <a:alphaOff val="0"/>
-            </a:schemeClr>
-          </a:solidFill>
-          <a:prstDash val="solid"/>
-        </a:ln>
-        <a:effectLst/>
-      </dsp:spPr>
-      <dsp:style>
-        <a:lnRef idx="2">
-          <a:scrgbClr r="0" g="0" b="0"/>
-        </a:lnRef>
-        <a:fillRef idx="1">
-          <a:scrgbClr r="0" g="0" b="0"/>
-        </a:fillRef>
-        <a:effectRef idx="0">
-          <a:scrgbClr r="0" g="0" b="0"/>
-        </a:effectRef>
-        <a:fontRef idx="minor">
-          <a:schemeClr val="lt1"/>
-        </a:fontRef>
-      </dsp:style>
-    </dsp:sp>
-    <dsp:sp modelId="{599D6219-B278-4C20-9A95-7F8F137EE331}">
-      <dsp:nvSpPr>
-        <dsp:cNvPr id="0" name=""/>
-        <dsp:cNvSpPr/>
-      </dsp:nvSpPr>
-      <dsp:spPr>
-        <a:xfrm>
-          <a:off x="0" y="2631"/>
-          <a:ext cx="2447388" cy="5383601"/>
-        </a:xfrm>
-        <a:prstGeom prst="rect">
-          <a:avLst/>
-        </a:prstGeom>
-        <a:noFill/>
-        <a:ln>
-          <a:noFill/>
-        </a:ln>
-        <a:effectLst/>
-      </dsp:spPr>
-      <dsp:style>
-        <a:lnRef idx="0">
-          <a:scrgbClr r="0" g="0" b="0"/>
-        </a:lnRef>
-        <a:fillRef idx="0">
-          <a:scrgbClr r="0" g="0" b="0"/>
-        </a:fillRef>
-        <a:effectRef idx="0">
-          <a:scrgbClr r="0" g="0" b="0"/>
-        </a:effectRef>
-        <a:fontRef idx="minor"/>
-      </dsp:style>
-      <dsp:txBody>
-        <a:bodyPr spcFirstLastPara="0" vert="horz" wrap="square" lIns="243840" tIns="243840" rIns="243840" bIns="243840" numCol="1" spcCol="1270" anchor="t" anchorCtr="0">
-          <a:noAutofit/>
-        </a:bodyPr>
-        <a:lstStyle/>
-        <a:p>
-          <a:pPr lvl="0" algn="l" defTabSz="2844800">
-            <a:lnSpc>
-              <a:spcPct val="90000"/>
-            </a:lnSpc>
-            <a:spcBef>
-              <a:spcPct val="0"/>
-            </a:spcBef>
-            <a:spcAft>
-              <a:spcPct val="35000"/>
-            </a:spcAft>
-          </a:pPr>
-          <a:r>
-            <a:rPr lang="en-US" sz="6400" kern="1200" dirty="0" smtClean="0">
-              <a:latin typeface="Buxton Sketch" panose="03080500000500000004" pitchFamily="66" charset="0"/>
-            </a:rPr>
-            <a:t>Useful links</a:t>
-          </a:r>
-          <a:endParaRPr lang="en-US" sz="6400" kern="1200" dirty="0">
-            <a:latin typeface="Buxton Sketch" panose="03080500000500000004" pitchFamily="66" charset="0"/>
-          </a:endParaRPr>
-        </a:p>
-      </dsp:txBody>
-      <dsp:txXfrm>
-        <a:off x="0" y="2631"/>
-        <a:ext cx="2447388" cy="5383601"/>
-      </dsp:txXfrm>
-    </dsp:sp>
-    <dsp:sp modelId="{F8106273-3EEB-4CE6-BD56-FDBCA776B834}">
-      <dsp:nvSpPr>
-        <dsp:cNvPr id="0" name=""/>
-        <dsp:cNvSpPr/>
-      </dsp:nvSpPr>
-      <dsp:spPr>
-        <a:xfrm>
-          <a:off x="2567155" y="247101"/>
-          <a:ext cx="7557313" cy="4889403"/>
-        </a:xfrm>
-        <a:prstGeom prst="rect">
-          <a:avLst/>
-        </a:prstGeom>
-        <a:noFill/>
-        <a:ln>
-          <a:noFill/>
-        </a:ln>
-        <a:effectLst/>
-      </dsp:spPr>
-      <dsp:style>
-        <a:lnRef idx="0">
-          <a:scrgbClr r="0" g="0" b="0"/>
-        </a:lnRef>
-        <a:fillRef idx="0">
-          <a:scrgbClr r="0" g="0" b="0"/>
-        </a:fillRef>
-        <a:effectRef idx="0">
-          <a:scrgbClr r="0" g="0" b="0"/>
-        </a:effectRef>
-        <a:fontRef idx="minor"/>
-      </dsp:style>
-      <dsp:txBody>
-        <a:bodyPr spcFirstLastPara="0" vert="horz" wrap="square" lIns="76200" tIns="76200" rIns="76200" bIns="76200" numCol="1" spcCol="1270" anchor="t" anchorCtr="0">
-          <a:noAutofit/>
-        </a:bodyPr>
-        <a:lstStyle/>
-        <a:p>
-          <a:pPr lvl="0" algn="l" defTabSz="889000">
-            <a:lnSpc>
-              <a:spcPct val="90000"/>
-            </a:lnSpc>
-            <a:spcBef>
-              <a:spcPct val="0"/>
-            </a:spcBef>
-            <a:spcAft>
-              <a:spcPct val="35000"/>
-            </a:spcAft>
-          </a:pPr>
-          <a:r>
-            <a:rPr lang="en-US" sz="2000" b="1" kern="1200" dirty="0" err="1" smtClean="0">
-              <a:latin typeface="Buxton Sketch" panose="03080500000500000004" pitchFamily="66" charset="0"/>
-            </a:rPr>
-            <a:t>Kudvenkat</a:t>
-          </a:r>
-          <a:r>
-            <a:rPr lang="en-US" sz="2000" b="1" kern="1200" dirty="0" smtClean="0">
-              <a:latin typeface="Buxton Sketch" panose="03080500000500000004" pitchFamily="66" charset="0"/>
-            </a:rPr>
-            <a:t>  - C# tutorials for beginners.</a:t>
-          </a:r>
-        </a:p>
-        <a:p>
-          <a:pPr lvl="0" algn="l" defTabSz="889000">
-            <a:lnSpc>
-              <a:spcPct val="90000"/>
-            </a:lnSpc>
-            <a:spcBef>
-              <a:spcPct val="0"/>
-            </a:spcBef>
-            <a:spcAft>
-              <a:spcPct val="35000"/>
-            </a:spcAft>
-          </a:pPr>
-          <a:r>
-            <a:rPr lang="en-US" sz="2000" kern="1200" dirty="0" smtClean="0">
-              <a:latin typeface="Buxton Sketch" panose="03080500000500000004" pitchFamily="66" charset="0"/>
-              <a:hlinkClick xmlns:r="http://schemas.openxmlformats.org/officeDocument/2006/relationships" r:id="rId1"/>
-            </a:rPr>
-            <a:t>https://www.youtube.com/watch?v=SXmVym6L8dw&amp;list=PLAC325451207E3105</a:t>
-          </a:r>
-          <a:endParaRPr lang="en-US" sz="2000" kern="1200" dirty="0" smtClean="0">
-            <a:latin typeface="Buxton Sketch" panose="03080500000500000004" pitchFamily="66" charset="0"/>
-          </a:endParaRPr>
-        </a:p>
-        <a:p>
-          <a:pPr lvl="0" algn="l" defTabSz="889000">
-            <a:lnSpc>
-              <a:spcPct val="90000"/>
-            </a:lnSpc>
-            <a:spcBef>
-              <a:spcPct val="0"/>
-            </a:spcBef>
-            <a:spcAft>
-              <a:spcPct val="35000"/>
-            </a:spcAft>
-          </a:pPr>
-          <a:endParaRPr lang="en-US" sz="2000" kern="1200" dirty="0" smtClean="0">
-            <a:latin typeface="Buxton Sketch" panose="03080500000500000004" pitchFamily="66" charset="0"/>
-          </a:endParaRPr>
-        </a:p>
-        <a:p>
-          <a:pPr lvl="0" algn="l" defTabSz="889000">
-            <a:lnSpc>
-              <a:spcPct val="90000"/>
-            </a:lnSpc>
-            <a:spcBef>
-              <a:spcPct val="0"/>
-            </a:spcBef>
-            <a:spcAft>
-              <a:spcPct val="35000"/>
-            </a:spcAft>
-          </a:pPr>
-          <a:r>
-            <a:rPr lang="bg-BG" sz="2000" kern="1200" dirty="0" smtClean="0">
-              <a:latin typeface="Buxton Sketch" panose="03080500000500000004" pitchFamily="66" charset="0"/>
-            </a:rPr>
-            <a:t>Стоян Черешаров - </a:t>
-          </a:r>
-          <a:r>
-            <a:rPr lang="bg-BG" sz="2000" b="0" i="0" kern="1200" dirty="0" smtClean="0">
-              <a:latin typeface="Buxton Sketch" panose="03080500000500000004" pitchFamily="66" charset="0"/>
-            </a:rPr>
-            <a:t>Работа с </a:t>
-          </a:r>
-          <a:r>
-            <a:rPr lang="en-US" sz="2000" b="0" i="0" kern="1200" dirty="0" err="1" smtClean="0">
-              <a:latin typeface="Buxton Sketch" panose="03080500000500000004" pitchFamily="66" charset="0"/>
-            </a:rPr>
-            <a:t>Git</a:t>
-          </a:r>
-          <a:r>
-            <a:rPr lang="en-US" sz="2000" b="0" i="0" kern="1200" dirty="0" smtClean="0">
-              <a:latin typeface="Buxton Sketch" panose="03080500000500000004" pitchFamily="66" charset="0"/>
-            </a:rPr>
-            <a:t> </a:t>
-          </a:r>
-          <a:r>
-            <a:rPr lang="bg-BG" sz="2000" b="0" i="0" kern="1200" dirty="0" smtClean="0">
-              <a:latin typeface="Buxton Sketch" panose="03080500000500000004" pitchFamily="66" charset="0"/>
-            </a:rPr>
-            <a:t>и </a:t>
-          </a:r>
-          <a:r>
-            <a:rPr lang="en-US" sz="2000" b="0" i="0" kern="1200" dirty="0" smtClean="0">
-              <a:latin typeface="Buxton Sketch" panose="03080500000500000004" pitchFamily="66" charset="0"/>
-            </a:rPr>
-            <a:t>GitHub </a:t>
-          </a:r>
-          <a:r>
-            <a:rPr lang="bg-BG" sz="2000" b="0" i="0" kern="1200" dirty="0" smtClean="0">
-              <a:latin typeface="Buxton Sketch" panose="03080500000500000004" pitchFamily="66" charset="0"/>
-            </a:rPr>
-            <a:t>във </a:t>
-          </a:r>
-          <a:r>
-            <a:rPr lang="en-US" sz="2000" b="0" i="0" kern="1200" dirty="0" err="1" smtClean="0">
-              <a:latin typeface="Buxton Sketch" panose="03080500000500000004" pitchFamily="66" charset="0"/>
-            </a:rPr>
-            <a:t>VisialStudio</a:t>
-          </a:r>
-          <a:r>
-            <a:rPr lang="en-US" sz="2000" b="0" i="0" kern="1200" dirty="0" smtClean="0">
-              <a:latin typeface="Buxton Sketch" panose="03080500000500000004" pitchFamily="66" charset="0"/>
-            </a:rPr>
-            <a:t>. </a:t>
-          </a:r>
-          <a:r>
-            <a:rPr lang="en-US" sz="2000" kern="1200" dirty="0" smtClean="0">
-              <a:latin typeface="Buxton Sketch" panose="03080500000500000004" pitchFamily="66" charset="0"/>
-              <a:hlinkClick xmlns:r="http://schemas.openxmlformats.org/officeDocument/2006/relationships" r:id="rId2"/>
-            </a:rPr>
-            <a:t>https://</a:t>
-          </a:r>
-          <a:r>
-            <a:rPr lang="en-US" sz="2000" kern="1200" dirty="0" smtClean="0">
-              <a:latin typeface="Buxton Sketch" panose="03080500000500000004" pitchFamily="66" charset="0"/>
-              <a:hlinkClick xmlns:r="http://schemas.openxmlformats.org/officeDocument/2006/relationships" r:id="rId2"/>
-            </a:rPr>
-            <a:t>www.youtube.com/user/coolcsn/videos</a:t>
-          </a:r>
-          <a:endParaRPr lang="en-US" sz="2000" kern="1200" dirty="0" smtClean="0">
-            <a:latin typeface="Buxton Sketch" panose="03080500000500000004" pitchFamily="66" charset="0"/>
-          </a:endParaRPr>
-        </a:p>
-        <a:p>
-          <a:pPr lvl="0" algn="l" defTabSz="889000">
-            <a:lnSpc>
-              <a:spcPct val="90000"/>
-            </a:lnSpc>
-            <a:spcBef>
-              <a:spcPct val="0"/>
-            </a:spcBef>
-            <a:spcAft>
-              <a:spcPct val="35000"/>
-            </a:spcAft>
-          </a:pPr>
-          <a:r>
-            <a:rPr lang="bg-BG" sz="2000" b="1" kern="1200" dirty="0" smtClean="0">
-              <a:latin typeface="Buxton Sketch" panose="03080500000500000004" pitchFamily="66" charset="0"/>
-            </a:rPr>
-            <a:t>Любен Киков – задачи </a:t>
-          </a:r>
-          <a:r>
-            <a:rPr lang="bg-BG" sz="2000" b="1" kern="1200" smtClean="0">
-              <a:latin typeface="Buxton Sketch" panose="03080500000500000004" pitchFamily="66" charset="0"/>
-            </a:rPr>
-            <a:t>от СофтУни.</a:t>
-          </a:r>
-          <a:endParaRPr lang="bg-BG" sz="2000" b="1" kern="1200" dirty="0" smtClean="0">
-            <a:latin typeface="Buxton Sketch" panose="03080500000500000004" pitchFamily="66" charset="0"/>
-          </a:endParaRPr>
-        </a:p>
-        <a:p>
-          <a:pPr lvl="0" algn="l" defTabSz="889000">
-            <a:lnSpc>
-              <a:spcPct val="90000"/>
-            </a:lnSpc>
-            <a:spcBef>
-              <a:spcPct val="0"/>
-            </a:spcBef>
-            <a:spcAft>
-              <a:spcPct val="35000"/>
-            </a:spcAft>
-          </a:pPr>
-          <a:r>
-            <a:rPr lang="en-US" sz="2000" b="1" kern="1200" dirty="0" smtClean="0">
-              <a:latin typeface="Buxton Sketch" panose="03080500000500000004" pitchFamily="66" charset="0"/>
-            </a:rPr>
-            <a:t>https://www.youtube.com/playlist?list=PLW9cNZuPMHVR_VHWPQoie_a5a9vFxbxLY</a:t>
-          </a:r>
-          <a:endParaRPr lang="en-US" sz="2000" b="1" kern="1200" dirty="0" smtClean="0">
-            <a:latin typeface="Buxton Sketch" panose="03080500000500000004" pitchFamily="66" charset="0"/>
-          </a:endParaRPr>
-        </a:p>
-      </dsp:txBody>
-      <dsp:txXfrm>
-        <a:off x="2567155" y="247101"/>
-        <a:ext cx="7557313" cy="4889403"/>
-      </dsp:txXfrm>
-    </dsp:sp>
-    <dsp:sp modelId="{B150277F-A2CA-4F1B-AA39-E3634A3B878C}">
-      <dsp:nvSpPr>
-        <dsp:cNvPr id="0" name=""/>
-        <dsp:cNvSpPr/>
-      </dsp:nvSpPr>
-      <dsp:spPr>
-        <a:xfrm>
-          <a:off x="2473577" y="3640644"/>
-          <a:ext cx="6387546" cy="0"/>
-        </a:xfrm>
-        <a:prstGeom prst="line">
-          <a:avLst/>
-        </a:prstGeom>
-        <a:solidFill>
-          <a:schemeClr val="accent1">
-            <a:hueOff val="0"/>
-            <a:satOff val="0"/>
-            <a:lumOff val="0"/>
-            <a:alphaOff val="0"/>
-          </a:schemeClr>
-        </a:solidFill>
-        <a:ln w="19050" cap="rnd" cmpd="sng" algn="ctr">
-          <a:solidFill>
-            <a:schemeClr val="accent1">
-              <a:tint val="50000"/>
-              <a:hueOff val="0"/>
-              <a:satOff val="0"/>
-              <a:lumOff val="0"/>
-              <a:alphaOff val="0"/>
-            </a:schemeClr>
-          </a:solidFill>
-          <a:prstDash val="solid"/>
-        </a:ln>
-        <a:effectLst/>
-      </dsp:spPr>
-      <dsp:style>
-        <a:lnRef idx="2">
-          <a:scrgbClr r="0" g="0" b="0"/>
-        </a:lnRef>
-        <a:fillRef idx="1">
-          <a:scrgbClr r="0" g="0" b="0"/>
-        </a:fillRef>
-        <a:effectRef idx="0">
-          <a:scrgbClr r="0" g="0" b="0"/>
-        </a:effectRef>
-        <a:fontRef idx="minor"/>
-      </dsp:style>
-    </dsp:sp>
   </dsp:spTree>
 </dsp:drawing>
 </file>
@@ -10512,6 +10101,377 @@
       <dsp:cNvGrpSpPr/>
     </dsp:nvGrpSpPr>
     <dsp:grpSpPr/>
+    <dsp:sp modelId="{973CA2BD-28A9-4084-9A56-C43D3E3B0316}">
+      <dsp:nvSpPr>
+        <dsp:cNvPr id="0" name=""/>
+        <dsp:cNvSpPr/>
+      </dsp:nvSpPr>
+      <dsp:spPr>
+        <a:xfrm>
+          <a:off x="5417739" y="1087141"/>
+          <a:ext cx="2558008" cy="1308199"/>
+        </a:xfrm>
+        <a:custGeom>
+          <a:avLst/>
+          <a:gdLst/>
+          <a:ahLst/>
+          <a:cxnLst/>
+          <a:rect l="0" t="0" r="0" b="0"/>
+          <a:pathLst>
+            <a:path>
+              <a:moveTo>
+                <a:pt x="0" y="0"/>
+              </a:moveTo>
+              <a:lnTo>
+                <a:pt x="0" y="841247"/>
+              </a:lnTo>
+              <a:lnTo>
+                <a:pt x="2558008" y="841247"/>
+              </a:lnTo>
+              <a:lnTo>
+                <a:pt x="2558008" y="1308199"/>
+              </a:lnTo>
+            </a:path>
+          </a:pathLst>
+        </a:custGeom>
+        <a:noFill/>
+        <a:ln w="19050" cap="rnd" cmpd="sng" algn="ctr">
+          <a:solidFill>
+            <a:schemeClr val="accent1">
+              <a:shade val="60000"/>
+              <a:hueOff val="0"/>
+              <a:satOff val="0"/>
+              <a:lumOff val="0"/>
+              <a:alphaOff val="0"/>
+            </a:schemeClr>
+          </a:solidFill>
+          <a:prstDash val="solid"/>
+        </a:ln>
+        <a:effectLst/>
+      </dsp:spPr>
+      <dsp:style>
+        <a:lnRef idx="2">
+          <a:scrgbClr r="0" g="0" b="0"/>
+        </a:lnRef>
+        <a:fillRef idx="0">
+          <a:scrgbClr r="0" g="0" b="0"/>
+        </a:fillRef>
+        <a:effectRef idx="0">
+          <a:scrgbClr r="0" g="0" b="0"/>
+        </a:effectRef>
+        <a:fontRef idx="minor"/>
+      </dsp:style>
+    </dsp:sp>
+    <dsp:sp modelId="{066BF7EA-934B-4060-B6BF-0796EB1E4F44}">
+      <dsp:nvSpPr>
+        <dsp:cNvPr id="0" name=""/>
+        <dsp:cNvSpPr/>
+      </dsp:nvSpPr>
+      <dsp:spPr>
+        <a:xfrm>
+          <a:off x="2622119" y="1087141"/>
+          <a:ext cx="2795620" cy="1582522"/>
+        </a:xfrm>
+        <a:custGeom>
+          <a:avLst/>
+          <a:gdLst/>
+          <a:ahLst/>
+          <a:cxnLst/>
+          <a:rect l="0" t="0" r="0" b="0"/>
+          <a:pathLst>
+            <a:path>
+              <a:moveTo>
+                <a:pt x="2795620" y="0"/>
+              </a:moveTo>
+              <a:lnTo>
+                <a:pt x="2795620" y="1115570"/>
+              </a:lnTo>
+              <a:lnTo>
+                <a:pt x="0" y="1115570"/>
+              </a:lnTo>
+              <a:lnTo>
+                <a:pt x="0" y="1582522"/>
+              </a:lnTo>
+            </a:path>
+          </a:pathLst>
+        </a:custGeom>
+        <a:noFill/>
+        <a:ln w="19050" cap="rnd" cmpd="sng" algn="ctr">
+          <a:solidFill>
+            <a:schemeClr val="accent1">
+              <a:shade val="60000"/>
+              <a:hueOff val="0"/>
+              <a:satOff val="0"/>
+              <a:lumOff val="0"/>
+              <a:alphaOff val="0"/>
+            </a:schemeClr>
+          </a:solidFill>
+          <a:prstDash val="solid"/>
+        </a:ln>
+        <a:effectLst/>
+      </dsp:spPr>
+      <dsp:style>
+        <a:lnRef idx="2">
+          <a:scrgbClr r="0" g="0" b="0"/>
+        </a:lnRef>
+        <a:fillRef idx="0">
+          <a:scrgbClr r="0" g="0" b="0"/>
+        </a:fillRef>
+        <a:effectRef idx="0">
+          <a:scrgbClr r="0" g="0" b="0"/>
+        </a:effectRef>
+        <a:fontRef idx="minor"/>
+      </dsp:style>
+    </dsp:sp>
+    <dsp:sp modelId="{36FDA7F1-3CE0-45DA-99EE-C2DAE976718C}">
+      <dsp:nvSpPr>
+        <dsp:cNvPr id="0" name=""/>
+        <dsp:cNvSpPr/>
+      </dsp:nvSpPr>
+      <dsp:spPr>
+        <a:xfrm>
+          <a:off x="8988" y="256633"/>
+          <a:ext cx="10817501" cy="830507"/>
+        </a:xfrm>
+        <a:prstGeom prst="rect">
+          <a:avLst/>
+        </a:prstGeom>
+        <a:solidFill>
+          <a:schemeClr val="accent1">
+            <a:hueOff val="0"/>
+            <a:satOff val="0"/>
+            <a:lumOff val="0"/>
+            <a:alphaOff val="0"/>
+          </a:schemeClr>
+        </a:solidFill>
+        <a:ln w="19050" cap="rnd" cmpd="sng" algn="ctr">
+          <a:solidFill>
+            <a:schemeClr val="lt1">
+              <a:hueOff val="0"/>
+              <a:satOff val="0"/>
+              <a:lumOff val="0"/>
+              <a:alphaOff val="0"/>
+            </a:schemeClr>
+          </a:solidFill>
+          <a:prstDash val="solid"/>
+        </a:ln>
+        <a:effectLst/>
+      </dsp:spPr>
+      <dsp:style>
+        <a:lnRef idx="2">
+          <a:scrgbClr r="0" g="0" b="0"/>
+        </a:lnRef>
+        <a:fillRef idx="1">
+          <a:scrgbClr r="0" g="0" b="0"/>
+        </a:fillRef>
+        <a:effectRef idx="0">
+          <a:scrgbClr r="0" g="0" b="0"/>
+        </a:effectRef>
+        <a:fontRef idx="minor">
+          <a:schemeClr val="lt1"/>
+        </a:fontRef>
+      </dsp:style>
+      <dsp:txBody>
+        <a:bodyPr spcFirstLastPara="0" vert="horz" wrap="square" lIns="34290" tIns="34290" rIns="34290" bIns="34290" numCol="1" spcCol="1270" anchor="ctr" anchorCtr="0">
+          <a:noAutofit/>
+        </a:bodyPr>
+        <a:lstStyle/>
+        <a:p>
+          <a:pPr lvl="0" algn="ctr" defTabSz="2400300">
+            <a:lnSpc>
+              <a:spcPct val="90000"/>
+            </a:lnSpc>
+            <a:spcBef>
+              <a:spcPct val="0"/>
+            </a:spcBef>
+            <a:spcAft>
+              <a:spcPct val="35000"/>
+            </a:spcAft>
+          </a:pPr>
+          <a:r>
+            <a:rPr lang="en-US" sz="5400" kern="1200" dirty="0" smtClean="0">
+              <a:solidFill>
+                <a:srgbClr val="FFFF00"/>
+              </a:solidFill>
+              <a:latin typeface="Informal Roman" panose="030604020304060B0204" pitchFamily="66" charset="0"/>
+            </a:rPr>
+            <a:t>Arrays &amp; Abstract Data Types (ADT)</a:t>
+          </a:r>
+          <a:endParaRPr lang="en-US" sz="5400" kern="1200" dirty="0">
+            <a:solidFill>
+              <a:srgbClr val="FFFF00"/>
+            </a:solidFill>
+            <a:latin typeface="Informal Roman" panose="030604020304060B0204" pitchFamily="66" charset="0"/>
+          </a:endParaRPr>
+        </a:p>
+      </dsp:txBody>
+      <dsp:txXfrm>
+        <a:off x="8988" y="256633"/>
+        <a:ext cx="10817501" cy="830507"/>
+      </dsp:txXfrm>
+    </dsp:sp>
+    <dsp:sp modelId="{ACDE8485-05B1-406B-AD3C-368A19FF8F21}">
+      <dsp:nvSpPr>
+        <dsp:cNvPr id="0" name=""/>
+        <dsp:cNvSpPr/>
+      </dsp:nvSpPr>
+      <dsp:spPr>
+        <a:xfrm>
+          <a:off x="398538" y="2669664"/>
+          <a:ext cx="4447162" cy="393573"/>
+        </a:xfrm>
+        <a:prstGeom prst="rect">
+          <a:avLst/>
+        </a:prstGeom>
+        <a:solidFill>
+          <a:schemeClr val="accent1">
+            <a:hueOff val="0"/>
+            <a:satOff val="0"/>
+            <a:lumOff val="0"/>
+            <a:alphaOff val="0"/>
+          </a:schemeClr>
+        </a:solidFill>
+        <a:ln w="19050" cap="rnd" cmpd="sng" algn="ctr">
+          <a:solidFill>
+            <a:schemeClr val="lt1">
+              <a:hueOff val="0"/>
+              <a:satOff val="0"/>
+              <a:lumOff val="0"/>
+              <a:alphaOff val="0"/>
+            </a:schemeClr>
+          </a:solidFill>
+          <a:prstDash val="solid"/>
+        </a:ln>
+        <a:effectLst/>
+      </dsp:spPr>
+      <dsp:style>
+        <a:lnRef idx="2">
+          <a:scrgbClr r="0" g="0" b="0"/>
+        </a:lnRef>
+        <a:fillRef idx="1">
+          <a:scrgbClr r="0" g="0" b="0"/>
+        </a:fillRef>
+        <a:effectRef idx="0">
+          <a:scrgbClr r="0" g="0" b="0"/>
+        </a:effectRef>
+        <a:fontRef idx="minor">
+          <a:schemeClr val="lt1"/>
+        </a:fontRef>
+      </dsp:style>
+      <dsp:txBody>
+        <a:bodyPr spcFirstLastPara="0" vert="horz" wrap="square" lIns="20320" tIns="20320" rIns="20320" bIns="20320" numCol="1" spcCol="1270" anchor="ctr" anchorCtr="0">
+          <a:noAutofit/>
+        </a:bodyPr>
+        <a:lstStyle/>
+        <a:p>
+          <a:pPr lvl="0" algn="ctr" defTabSz="1422400">
+            <a:lnSpc>
+              <a:spcPct val="90000"/>
+            </a:lnSpc>
+            <a:spcBef>
+              <a:spcPct val="0"/>
+            </a:spcBef>
+            <a:spcAft>
+              <a:spcPct val="35000"/>
+            </a:spcAft>
+          </a:pPr>
+          <a:r>
+            <a:rPr lang="en-US" sz="3200" kern="1200" dirty="0" smtClean="0">
+              <a:latin typeface="Informal Roman" panose="030604020304060B0204" pitchFamily="66" charset="0"/>
+            </a:rPr>
+            <a:t>Creation of an Array</a:t>
+          </a:r>
+          <a:endParaRPr lang="en-US" sz="3200" kern="1200" dirty="0">
+            <a:latin typeface="Informal Roman" panose="030604020304060B0204" pitchFamily="66" charset="0"/>
+          </a:endParaRPr>
+        </a:p>
+      </dsp:txBody>
+      <dsp:txXfrm>
+        <a:off x="398538" y="2669664"/>
+        <a:ext cx="4447162" cy="393573"/>
+      </dsp:txXfrm>
+    </dsp:sp>
+    <dsp:sp modelId="{07BD9B31-3415-4AE7-BD62-D4E049D8396D}">
+      <dsp:nvSpPr>
+        <dsp:cNvPr id="0" name=""/>
+        <dsp:cNvSpPr/>
+      </dsp:nvSpPr>
+      <dsp:spPr>
+        <a:xfrm>
+          <a:off x="5752166" y="2395341"/>
+          <a:ext cx="4447162" cy="503307"/>
+        </a:xfrm>
+        <a:prstGeom prst="rect">
+          <a:avLst/>
+        </a:prstGeom>
+        <a:solidFill>
+          <a:schemeClr val="accent1">
+            <a:hueOff val="0"/>
+            <a:satOff val="0"/>
+            <a:lumOff val="0"/>
+            <a:alphaOff val="0"/>
+          </a:schemeClr>
+        </a:solidFill>
+        <a:ln w="19050" cap="rnd" cmpd="sng" algn="ctr">
+          <a:solidFill>
+            <a:schemeClr val="lt1">
+              <a:hueOff val="0"/>
+              <a:satOff val="0"/>
+              <a:lumOff val="0"/>
+              <a:alphaOff val="0"/>
+            </a:schemeClr>
+          </a:solidFill>
+          <a:prstDash val="solid"/>
+        </a:ln>
+        <a:effectLst/>
+      </dsp:spPr>
+      <dsp:style>
+        <a:lnRef idx="2">
+          <a:scrgbClr r="0" g="0" b="0"/>
+        </a:lnRef>
+        <a:fillRef idx="1">
+          <a:scrgbClr r="0" g="0" b="0"/>
+        </a:fillRef>
+        <a:effectRef idx="0">
+          <a:scrgbClr r="0" g="0" b="0"/>
+        </a:effectRef>
+        <a:fontRef idx="minor">
+          <a:schemeClr val="lt1"/>
+        </a:fontRef>
+      </dsp:style>
+      <dsp:txBody>
+        <a:bodyPr spcFirstLastPara="0" vert="horz" wrap="square" lIns="22860" tIns="22860" rIns="22860" bIns="22860" numCol="1" spcCol="1270" anchor="ctr" anchorCtr="0">
+          <a:noAutofit/>
+        </a:bodyPr>
+        <a:lstStyle/>
+        <a:p>
+          <a:pPr lvl="0" algn="ctr" defTabSz="1600200">
+            <a:lnSpc>
+              <a:spcPct val="90000"/>
+            </a:lnSpc>
+            <a:spcBef>
+              <a:spcPct val="0"/>
+            </a:spcBef>
+            <a:spcAft>
+              <a:spcPct val="35000"/>
+            </a:spcAft>
+          </a:pPr>
+          <a:r>
+            <a:rPr lang="en-US" sz="3600" kern="1200" dirty="0" smtClean="0">
+              <a:latin typeface="Informal Roman" panose="030604020304060B0204" pitchFamily="66" charset="0"/>
+            </a:rPr>
+            <a:t>ADT List</a:t>
+          </a:r>
+          <a:endParaRPr lang="en-US" sz="3600" kern="1200" dirty="0">
+            <a:latin typeface="Informal Roman" panose="030604020304060B0204" pitchFamily="66" charset="0"/>
+          </a:endParaRPr>
+        </a:p>
+      </dsp:txBody>
+      <dsp:txXfrm>
+        <a:off x="5752166" y="2395341"/>
+        <a:ext cx="4447162" cy="503307"/>
+      </dsp:txXfrm>
+    </dsp:sp>
   </dsp:spTree>
 </dsp:drawing>
 </file>
@@ -10524,6 +10484,87 @@
       <dsp:cNvGrpSpPr/>
     </dsp:nvGrpSpPr>
     <dsp:grpSpPr/>
+    <dsp:sp modelId="{451D6CD2-E606-4933-A45B-9415248AF59D}">
+      <dsp:nvSpPr>
+        <dsp:cNvPr id="0" name=""/>
+        <dsp:cNvSpPr/>
+      </dsp:nvSpPr>
+      <dsp:spPr>
+        <a:xfrm>
+          <a:off x="0" y="356592"/>
+          <a:ext cx="11881527" cy="646791"/>
+        </a:xfrm>
+        <a:prstGeom prst="rect">
+          <a:avLst/>
+        </a:prstGeom>
+        <a:solidFill>
+          <a:schemeClr val="accent1">
+            <a:hueOff val="0"/>
+            <a:satOff val="0"/>
+            <a:lumOff val="0"/>
+            <a:alphaOff val="0"/>
+          </a:schemeClr>
+        </a:solidFill>
+        <a:ln w="19050" cap="rnd" cmpd="sng" algn="ctr">
+          <a:solidFill>
+            <a:schemeClr val="lt1">
+              <a:hueOff val="0"/>
+              <a:satOff val="0"/>
+              <a:lumOff val="0"/>
+              <a:alphaOff val="0"/>
+            </a:schemeClr>
+          </a:solidFill>
+          <a:prstDash val="solid"/>
+        </a:ln>
+        <a:effectLst/>
+      </dsp:spPr>
+      <dsp:style>
+        <a:lnRef idx="2">
+          <a:scrgbClr r="0" g="0" b="0"/>
+        </a:lnRef>
+        <a:fillRef idx="1">
+          <a:scrgbClr r="0" g="0" b="0"/>
+        </a:fillRef>
+        <a:effectRef idx="0">
+          <a:scrgbClr r="0" g="0" b="0"/>
+        </a:effectRef>
+        <a:fontRef idx="minor">
+          <a:schemeClr val="lt1"/>
+        </a:fontRef>
+      </dsp:style>
+      <dsp:txBody>
+        <a:bodyPr spcFirstLastPara="0" vert="horz" wrap="square" lIns="38100" tIns="38100" rIns="38100" bIns="38100" numCol="1" spcCol="1270" anchor="ctr" anchorCtr="0">
+          <a:noAutofit/>
+        </a:bodyPr>
+        <a:lstStyle/>
+        <a:p>
+          <a:pPr lvl="0" algn="ctr" defTabSz="2667000">
+            <a:lnSpc>
+              <a:spcPct val="90000"/>
+            </a:lnSpc>
+            <a:spcBef>
+              <a:spcPct val="0"/>
+            </a:spcBef>
+            <a:spcAft>
+              <a:spcPct val="35000"/>
+            </a:spcAft>
+          </a:pPr>
+          <a:r>
+            <a:rPr lang="en-US" sz="6000" kern="1200" dirty="0" smtClean="0">
+              <a:solidFill>
+                <a:srgbClr val="FFFF00"/>
+              </a:solidFill>
+              <a:latin typeface="Informal Roman" panose="030604020304060B0204" pitchFamily="66" charset="0"/>
+            </a:rPr>
+            <a:t>Methods</a:t>
+          </a:r>
+        </a:p>
+      </dsp:txBody>
+      <dsp:txXfrm>
+        <a:off x="0" y="356592"/>
+        <a:ext cx="11881527" cy="646791"/>
+      </dsp:txXfrm>
+    </dsp:sp>
   </dsp:spTree>
 </dsp:drawing>
 </file>
@@ -25190,7 +25231,7 @@
           <a:p>
             <a:fld id="{86BC5D83-A6BD-448A-8B7D-D487C0AC34D1}" type="datetimeFigureOut">
               <a:rPr lang="en-US" smtClean="0"/>
-              <a:t>10/25/2016</a:t>
+              <a:t>11/4/2016</a:t>
             </a:fld>
             <a:endParaRPr lang="en-US"/>
           </a:p>
@@ -26859,7 +26900,7 @@
             <a:fld id="{B61BEF0D-F0BB-DE4B-95CE-6DB70DBA9567}" type="datetimeFigureOut">
               <a:rPr lang="en-US" dirty="0"/>
               <a:pPr/>
-              <a:t>10/25/2016</a:t>
+              <a:t>11/4/2016</a:t>
             </a:fld>
             <a:endParaRPr lang="en-US" dirty="0"/>
           </a:p>
@@ -27190,7 +27231,7 @@
             <a:fld id="{B61BEF0D-F0BB-DE4B-95CE-6DB70DBA9567}" type="datetimeFigureOut">
               <a:rPr lang="en-US" dirty="0"/>
               <a:pPr/>
-              <a:t>10/25/2016</a:t>
+              <a:t>11/4/2016</a:t>
             </a:fld>
             <a:endParaRPr lang="en-US" dirty="0"/>
           </a:p>
@@ -27465,7 +27506,7 @@
             <a:fld id="{B61BEF0D-F0BB-DE4B-95CE-6DB70DBA9567}" type="datetimeFigureOut">
               <a:rPr lang="en-US" dirty="0"/>
               <a:pPr/>
-              <a:t>10/25/2016</a:t>
+              <a:t>11/4/2016</a:t>
             </a:fld>
             <a:endParaRPr lang="en-US" dirty="0"/>
           </a:p>
@@ -28030,7 +28071,7 @@
             <a:fld id="{B61BEF0D-F0BB-DE4B-95CE-6DB70DBA9567}" type="datetimeFigureOut">
               <a:rPr lang="en-US" dirty="0"/>
               <a:pPr/>
-              <a:t>10/25/2016</a:t>
+              <a:t>11/4/2016</a:t>
             </a:fld>
             <a:endParaRPr lang="en-US" dirty="0"/>
           </a:p>
@@ -28305,7 +28346,7 @@
             <a:fld id="{B61BEF0D-F0BB-DE4B-95CE-6DB70DBA9567}" type="datetimeFigureOut">
               <a:rPr lang="en-US" dirty="0"/>
               <a:pPr/>
-              <a:t>10/25/2016</a:t>
+              <a:t>11/4/2016</a:t>
             </a:fld>
             <a:endParaRPr lang="en-US" dirty="0"/>
           </a:p>
@@ -28864,7 +28905,7 @@
             <a:fld id="{B61BEF0D-F0BB-DE4B-95CE-6DB70DBA9567}" type="datetimeFigureOut">
               <a:rPr lang="en-US" dirty="0"/>
               <a:pPr/>
-              <a:t>10/25/2016</a:t>
+              <a:t>11/4/2016</a:t>
             </a:fld>
             <a:endParaRPr lang="en-US" dirty="0"/>
           </a:p>
@@ -29188,7 +29229,7 @@
             <a:fld id="{B61BEF0D-F0BB-DE4B-95CE-6DB70DBA9567}" type="datetimeFigureOut">
               <a:rPr lang="en-US" dirty="0"/>
               <a:pPr/>
-              <a:t>10/25/2016</a:t>
+              <a:t>11/4/2016</a:t>
             </a:fld>
             <a:endParaRPr lang="en-US" dirty="0"/>
           </a:p>
@@ -29362,7 +29403,7 @@
             <a:fld id="{B61BEF0D-F0BB-DE4B-95CE-6DB70DBA9567}" type="datetimeFigureOut">
               <a:rPr lang="en-US" dirty="0"/>
               <a:pPr/>
-              <a:t>10/25/2016</a:t>
+              <a:t>11/4/2016</a:t>
             </a:fld>
             <a:endParaRPr lang="en-US" dirty="0"/>
           </a:p>
@@ -29597,7 +29638,7 @@
             <a:fld id="{B61BEF0D-F0BB-DE4B-95CE-6DB70DBA9567}" type="datetimeFigureOut">
               <a:rPr lang="en-US" dirty="0"/>
               <a:pPr/>
-              <a:t>10/25/2016</a:t>
+              <a:t>11/4/2016</a:t>
             </a:fld>
             <a:endParaRPr lang="en-US" dirty="0"/>
           </a:p>
@@ -29794,7 +29835,7 @@
             <a:fld id="{B61BEF0D-F0BB-DE4B-95CE-6DB70DBA9567}" type="datetimeFigureOut">
               <a:rPr lang="en-US" dirty="0"/>
               <a:pPr/>
-              <a:t>10/25/2016</a:t>
+              <a:t>11/4/2016</a:t>
             </a:fld>
             <a:endParaRPr lang="en-US" dirty="0"/>
           </a:p>
@@ -30067,7 +30108,7 @@
             <a:fld id="{B61BEF0D-F0BB-DE4B-95CE-6DB70DBA9567}" type="datetimeFigureOut">
               <a:rPr lang="en-US" dirty="0"/>
               <a:pPr/>
-              <a:t>10/25/2016</a:t>
+              <a:t>11/4/2016</a:t>
             </a:fld>
             <a:endParaRPr lang="en-US" dirty="0"/>
           </a:p>
@@ -30330,7 +30371,7 @@
             <a:fld id="{B61BEF0D-F0BB-DE4B-95CE-6DB70DBA9567}" type="datetimeFigureOut">
               <a:rPr lang="en-US" dirty="0"/>
               <a:pPr/>
-              <a:t>10/25/2016</a:t>
+              <a:t>11/4/2016</a:t>
             </a:fld>
             <a:endParaRPr lang="en-US" dirty="0"/>
           </a:p>
@@ -30701,7 +30742,7 @@
             <a:fld id="{B61BEF0D-F0BB-DE4B-95CE-6DB70DBA9567}" type="datetimeFigureOut">
               <a:rPr lang="en-US" dirty="0"/>
               <a:pPr/>
-              <a:t>10/25/2016</a:t>
+              <a:t>11/4/2016</a:t>
             </a:fld>
             <a:endParaRPr lang="en-US" dirty="0"/>
           </a:p>
@@ -30846,7 +30887,7 @@
             <a:fld id="{B61BEF0D-F0BB-DE4B-95CE-6DB70DBA9567}" type="datetimeFigureOut">
               <a:rPr lang="en-US" dirty="0"/>
               <a:pPr/>
-              <a:t>10/25/2016</a:t>
+              <a:t>11/4/2016</a:t>
             </a:fld>
             <a:endParaRPr lang="en-US" dirty="0"/>
           </a:p>
@@ -30968,7 +31009,7 @@
             <a:fld id="{B61BEF0D-F0BB-DE4B-95CE-6DB70DBA9567}" type="datetimeFigureOut">
               <a:rPr lang="en-US" dirty="0"/>
               <a:pPr/>
-              <a:t>10/25/2016</a:t>
+              <a:t>11/4/2016</a:t>
             </a:fld>
             <a:endParaRPr lang="en-US" dirty="0"/>
           </a:p>
@@ -31250,7 +31291,7 @@
             <a:fld id="{B61BEF0D-F0BB-DE4B-95CE-6DB70DBA9567}" type="datetimeFigureOut">
               <a:rPr lang="en-US" dirty="0"/>
               <a:pPr/>
-              <a:t>10/25/2016</a:t>
+              <a:t>11/4/2016</a:t>
             </a:fld>
             <a:endParaRPr lang="en-US" dirty="0"/>
           </a:p>
@@ -31571,7 +31612,7 @@
             <a:fld id="{B61BEF0D-F0BB-DE4B-95CE-6DB70DBA9567}" type="datetimeFigureOut">
               <a:rPr lang="en-US" dirty="0"/>
               <a:pPr/>
-              <a:t>10/25/2016</a:t>
+              <a:t>11/4/2016</a:t>
             </a:fld>
             <a:endParaRPr lang="en-US" dirty="0"/>
           </a:p>
@@ -31782,7 +31823,7 @@
             <a:fld id="{B61BEF0D-F0BB-DE4B-95CE-6DB70DBA9567}" type="datetimeFigureOut">
               <a:rPr lang="en-US" dirty="0"/>
               <a:pPr/>
-              <a:t>10/25/2016</a:t>
+              <a:t>11/4/2016</a:t>
             </a:fld>
             <a:endParaRPr lang="en-US" dirty="0"/>
           </a:p>
@@ -34613,8 +34654,17 @@
               <a:rPr lang="en-US" dirty="0">
                 <a:latin typeface="Buxton Sketch" panose="03080500000500000004" pitchFamily="66" charset="0"/>
               </a:rPr>
-              <a:t>    Method Body</a:t>
-            </a:r>
+              <a:t>    Method </a:t>
+            </a:r>
+            <a:r>
+              <a:rPr lang="en-US" dirty="0" smtClean="0">
+                <a:latin typeface="Buxton Sketch" panose="03080500000500000004" pitchFamily="66" charset="0"/>
+              </a:rPr>
+              <a:t>Body Logic</a:t>
+            </a:r>
+            <a:endParaRPr lang="en-US" dirty="0">
+              <a:latin typeface="Buxton Sketch" panose="03080500000500000004" pitchFamily="66" charset="0"/>
+            </a:endParaRPr>
           </a:p>
           <a:p>
             <a:pPr lvl="0"/>

--- a/Course Overview.pptx
+++ b/Course Overview.pptx
@@ -5,7 +5,7 @@
     <p:sldMasterId id="2147483648" r:id="rId1"/>
   </p:sldMasterIdLst>
   <p:notesMasterIdLst>
-    <p:notesMasterId r:id="rId11"/>
+    <p:notesMasterId r:id="rId12"/>
   </p:notesMasterIdLst>
   <p:sldIdLst>
     <p:sldId id="256" r:id="rId2"/>
@@ -17,6 +17,7 @@
     <p:sldId id="261" r:id="rId8"/>
     <p:sldId id="262" r:id="rId9"/>
     <p:sldId id="264" r:id="rId10"/>
+    <p:sldId id="265" r:id="rId11"/>
   </p:sldIdLst>
   <p:sldSz cx="12192000" cy="6858000"/>
   <p:notesSz cx="6858000" cy="9144000"/>
@@ -116,8 +117,30 @@
     </a:lvl9pPr>
   </p:defaultTextStyle>
   <p:extLst>
+    <p:ext uri="{521415D9-36F7-43E2-AB2F-B90AF26B5E84}">
+      <p14:sectionLst xmlns:p14="http://schemas.microsoft.com/office/powerpoint/2010/main">
+        <p14:section name="Intro" id="{8250D7B8-AB17-4903-8BF9-9CE2A7840528}">
+          <p14:sldIdLst>
+            <p14:sldId id="256"/>
+            <p14:sldId id="263"/>
+            <p14:sldId id="257"/>
+            <p14:sldId id="258"/>
+            <p14:sldId id="259"/>
+            <p14:sldId id="260"/>
+            <p14:sldId id="261"/>
+            <p14:sldId id="262"/>
+            <p14:sldId id="264"/>
+          </p14:sldIdLst>
+        </p14:section>
+        <p14:section name="Exc 2" id="{63ECFD2D-D4E3-4657-820A-BAF01DFDB71D}">
+          <p14:sldIdLst>
+            <p14:sldId id="265"/>
+          </p14:sldIdLst>
+        </p14:section>
+      </p14:sectionLst>
+    </p:ext>
     <p:ext uri="{EFAFB233-063F-42B5-8137-9DF3F51BA10A}">
-      <p15:sldGuideLst xmlns:p15="http://schemas.microsoft.com/office/powerpoint/2012/main"/>
+      <p15:sldGuideLst xmlns:p15="http://schemas.microsoft.com/office/powerpoint/2012/main" xmlns=""/>
     </p:ext>
   </p:extLst>
 </p:presentation>
@@ -8454,22 +8477,22 @@
     </dgm:pt>
   </dgm:ptLst>
   <dgm:cxnLst>
+    <dgm:cxn modelId="{89668738-4A06-48A0-ADA1-E81F63ABA142}" srcId="{5DBF101F-0F35-4E21-834F-2D0370F875E2}" destId="{3C212A25-0B13-4130-B138-D80FD13744A6}" srcOrd="2" destOrd="0" parTransId="{43412D1B-5E60-443A-8E70-DE9D4E704809}" sibTransId="{7EEE66FA-BF9A-43A0-ADA2-FE1F6E1855D7}"/>
+    <dgm:cxn modelId="{82993F7F-9375-4623-BE0F-E11A2ED881FC}" type="presOf" srcId="{3C212A25-0B13-4130-B138-D80FD13744A6}" destId="{254D17AE-BCFB-4A21-A1FA-06E9765EE69A}" srcOrd="1" destOrd="0" presId="urn:microsoft.com/office/officeart/2005/8/layout/orgChart1"/>
+    <dgm:cxn modelId="{823C09DF-4066-4185-B4D2-80B89A1FF3CD}" srcId="{5DBF101F-0F35-4E21-834F-2D0370F875E2}" destId="{ED15561D-56C1-4B97-A225-B17AD9CFFD83}" srcOrd="1" destOrd="0" parTransId="{7D06307E-E72D-4C92-B922-9BC1410121D5}" sibTransId="{E6125EE4-66B5-47EC-B065-D7DAACD1A343}"/>
+    <dgm:cxn modelId="{FB50C092-1AC6-447A-8ECA-B92D7932BA37}" type="presOf" srcId="{ED15561D-56C1-4B97-A225-B17AD9CFFD83}" destId="{523C265F-BF3E-45A7-97E7-3CB6F72BBFF0}" srcOrd="0" destOrd="0" presId="urn:microsoft.com/office/officeart/2005/8/layout/orgChart1"/>
+    <dgm:cxn modelId="{B01D91DC-554F-453D-9B9C-0287793FEF7A}" type="presOf" srcId="{3C212A25-0B13-4130-B138-D80FD13744A6}" destId="{FB88D22D-616A-4763-8730-376C7E899E79}" srcOrd="0" destOrd="0" presId="urn:microsoft.com/office/officeart/2005/8/layout/orgChart1"/>
     <dgm:cxn modelId="{F70BC46C-C4E5-4BDD-AB2F-E6392A25640C}" srcId="{9F0C14E1-5E31-4BFB-93EF-64A72EB696B4}" destId="{5DBF101F-0F35-4E21-834F-2D0370F875E2}" srcOrd="0" destOrd="0" parTransId="{DFB5525A-85FE-4DD0-9919-DA9F0CCF7FC1}" sibTransId="{AB19A77E-F43A-4193-A579-3E00E108D152}"/>
-    <dgm:cxn modelId="{89668738-4A06-48A0-ADA1-E81F63ABA142}" srcId="{5DBF101F-0F35-4E21-834F-2D0370F875E2}" destId="{3C212A25-0B13-4130-B138-D80FD13744A6}" srcOrd="2" destOrd="0" parTransId="{43412D1B-5E60-443A-8E70-DE9D4E704809}" sibTransId="{7EEE66FA-BF9A-43A0-ADA2-FE1F6E1855D7}"/>
-    <dgm:cxn modelId="{FB50C092-1AC6-447A-8ECA-B92D7932BA37}" type="presOf" srcId="{ED15561D-56C1-4B97-A225-B17AD9CFFD83}" destId="{523C265F-BF3E-45A7-97E7-3CB6F72BBFF0}" srcOrd="0" destOrd="0" presId="urn:microsoft.com/office/officeart/2005/8/layout/orgChart1"/>
-    <dgm:cxn modelId="{823C09DF-4066-4185-B4D2-80B89A1FF3CD}" srcId="{5DBF101F-0F35-4E21-834F-2D0370F875E2}" destId="{ED15561D-56C1-4B97-A225-B17AD9CFFD83}" srcOrd="1" destOrd="0" parTransId="{7D06307E-E72D-4C92-B922-9BC1410121D5}" sibTransId="{E6125EE4-66B5-47EC-B065-D7DAACD1A343}"/>
+    <dgm:cxn modelId="{FD7431D9-52DC-4CFA-A587-3A5E27E8B047}" type="presOf" srcId="{FE303ED2-E91E-412E-9437-9D310539077B}" destId="{2614E269-8295-4197-BB5E-0D078F5030B2}" srcOrd="0" destOrd="0" presId="urn:microsoft.com/office/officeart/2005/8/layout/orgChart1"/>
+    <dgm:cxn modelId="{7C4B19F7-C135-41D5-8E39-013674826154}" type="presOf" srcId="{5DBF101F-0F35-4E21-834F-2D0370F875E2}" destId="{0359D7AD-5B93-4C43-9D98-56774F0D5194}" srcOrd="0" destOrd="0" presId="urn:microsoft.com/office/officeart/2005/8/layout/orgChart1"/>
+    <dgm:cxn modelId="{B98E2DD1-8CE7-407C-8B1A-1A31AFF5E217}" type="presOf" srcId="{FE303ED2-E91E-412E-9437-9D310539077B}" destId="{A906F8A3-A092-4062-9F84-7013F75341DA}" srcOrd="1" destOrd="0" presId="urn:microsoft.com/office/officeart/2005/8/layout/orgChart1"/>
+    <dgm:cxn modelId="{510C79DE-9E9F-4DC0-BC46-80BEFBF40866}" type="presOf" srcId="{67DCA957-B2F3-41EA-A1D6-69F2974D19A1}" destId="{C737B84A-2ADA-4BBE-9EAC-51D285811437}" srcOrd="0" destOrd="0" presId="urn:microsoft.com/office/officeart/2005/8/layout/orgChart1"/>
+    <dgm:cxn modelId="{BBD27F77-7864-43DF-9B2E-BCB603876EED}" type="presOf" srcId="{7D06307E-E72D-4C92-B922-9BC1410121D5}" destId="{28B83FEF-8929-4CA9-AA29-351DB9B1E4DC}" srcOrd="0" destOrd="0" presId="urn:microsoft.com/office/officeart/2005/8/layout/orgChart1"/>
     <dgm:cxn modelId="{FD365F2F-1A42-4B78-9ED5-1E84BD2A971D}" type="presOf" srcId="{9F0C14E1-5E31-4BFB-93EF-64A72EB696B4}" destId="{5D0B09FB-389A-42B8-9F76-AC54AAB7446D}" srcOrd="0" destOrd="0" presId="urn:microsoft.com/office/officeart/2005/8/layout/orgChart1"/>
-    <dgm:cxn modelId="{510C79DE-9E9F-4DC0-BC46-80BEFBF40866}" type="presOf" srcId="{67DCA957-B2F3-41EA-A1D6-69F2974D19A1}" destId="{C737B84A-2ADA-4BBE-9EAC-51D285811437}" srcOrd="0" destOrd="0" presId="urn:microsoft.com/office/officeart/2005/8/layout/orgChart1"/>
+    <dgm:cxn modelId="{79623BA5-3EE9-492F-9F67-A7A2848E39D4}" type="presOf" srcId="{ED15561D-56C1-4B97-A225-B17AD9CFFD83}" destId="{A5CF2B70-2E8B-4780-B74F-7777095946AC}" srcOrd="1" destOrd="0" presId="urn:microsoft.com/office/officeart/2005/8/layout/orgChart1"/>
+    <dgm:cxn modelId="{354ECFAA-0650-4348-9089-A5F0F4D0486F}" srcId="{5DBF101F-0F35-4E21-834F-2D0370F875E2}" destId="{FE303ED2-E91E-412E-9437-9D310539077B}" srcOrd="0" destOrd="0" parTransId="{67DCA957-B2F3-41EA-A1D6-69F2974D19A1}" sibTransId="{CE3C1A84-FDCD-4933-B8BB-69E7736BF902}"/>
     <dgm:cxn modelId="{9535BF3E-6D47-4915-8F7D-26552F5214B9}" type="presOf" srcId="{43412D1B-5E60-443A-8E70-DE9D4E704809}" destId="{F2FABC0A-7D27-41B6-A5B2-1681964D3E93}" srcOrd="0" destOrd="0" presId="urn:microsoft.com/office/officeart/2005/8/layout/orgChart1"/>
-    <dgm:cxn modelId="{BBD27F77-7864-43DF-9B2E-BCB603876EED}" type="presOf" srcId="{7D06307E-E72D-4C92-B922-9BC1410121D5}" destId="{28B83FEF-8929-4CA9-AA29-351DB9B1E4DC}" srcOrd="0" destOrd="0" presId="urn:microsoft.com/office/officeart/2005/8/layout/orgChart1"/>
-    <dgm:cxn modelId="{B98E2DD1-8CE7-407C-8B1A-1A31AFF5E217}" type="presOf" srcId="{FE303ED2-E91E-412E-9437-9D310539077B}" destId="{A906F8A3-A092-4062-9F84-7013F75341DA}" srcOrd="1" destOrd="0" presId="urn:microsoft.com/office/officeart/2005/8/layout/orgChart1"/>
-    <dgm:cxn modelId="{79623BA5-3EE9-492F-9F67-A7A2848E39D4}" type="presOf" srcId="{ED15561D-56C1-4B97-A225-B17AD9CFFD83}" destId="{A5CF2B70-2E8B-4780-B74F-7777095946AC}" srcOrd="1" destOrd="0" presId="urn:microsoft.com/office/officeart/2005/8/layout/orgChart1"/>
     <dgm:cxn modelId="{12598B40-AE2D-4BF4-A65C-B4CC62CF6BAA}" type="presOf" srcId="{5DBF101F-0F35-4E21-834F-2D0370F875E2}" destId="{0F3F96D0-4A8B-4629-A505-534193085623}" srcOrd="1" destOrd="0" presId="urn:microsoft.com/office/officeart/2005/8/layout/orgChart1"/>
-    <dgm:cxn modelId="{FD7431D9-52DC-4CFA-A587-3A5E27E8B047}" type="presOf" srcId="{FE303ED2-E91E-412E-9437-9D310539077B}" destId="{2614E269-8295-4197-BB5E-0D078F5030B2}" srcOrd="0" destOrd="0" presId="urn:microsoft.com/office/officeart/2005/8/layout/orgChart1"/>
-    <dgm:cxn modelId="{82993F7F-9375-4623-BE0F-E11A2ED881FC}" type="presOf" srcId="{3C212A25-0B13-4130-B138-D80FD13744A6}" destId="{254D17AE-BCFB-4A21-A1FA-06E9765EE69A}" srcOrd="1" destOrd="0" presId="urn:microsoft.com/office/officeart/2005/8/layout/orgChart1"/>
-    <dgm:cxn modelId="{7C4B19F7-C135-41D5-8E39-013674826154}" type="presOf" srcId="{5DBF101F-0F35-4E21-834F-2D0370F875E2}" destId="{0359D7AD-5B93-4C43-9D98-56774F0D5194}" srcOrd="0" destOrd="0" presId="urn:microsoft.com/office/officeart/2005/8/layout/orgChart1"/>
-    <dgm:cxn modelId="{354ECFAA-0650-4348-9089-A5F0F4D0486F}" srcId="{5DBF101F-0F35-4E21-834F-2D0370F875E2}" destId="{FE303ED2-E91E-412E-9437-9D310539077B}" srcOrd="0" destOrd="0" parTransId="{67DCA957-B2F3-41EA-A1D6-69F2974D19A1}" sibTransId="{CE3C1A84-FDCD-4933-B8BB-69E7736BF902}"/>
-    <dgm:cxn modelId="{B01D91DC-554F-453D-9B9C-0287793FEF7A}" type="presOf" srcId="{3C212A25-0B13-4130-B138-D80FD13744A6}" destId="{FB88D22D-616A-4763-8730-376C7E899E79}" srcOrd="0" destOrd="0" presId="urn:microsoft.com/office/officeart/2005/8/layout/orgChart1"/>
     <dgm:cxn modelId="{F3D59A19-B586-4E2E-B3DD-350E8083E5C6}" type="presParOf" srcId="{5D0B09FB-389A-42B8-9F76-AC54AAB7446D}" destId="{AF9557CA-7D0B-407C-B122-3806D3B80045}" srcOrd="0" destOrd="0" presId="urn:microsoft.com/office/officeart/2005/8/layout/orgChart1"/>
     <dgm:cxn modelId="{8CD5B951-A4B9-482B-984E-327DC9B435E8}" type="presParOf" srcId="{AF9557CA-7D0B-407C-B122-3806D3B80045}" destId="{C76704DA-2A6C-4F8D-B746-4F85018CD45A}" srcOrd="0" destOrd="0" presId="urn:microsoft.com/office/officeart/2005/8/layout/orgChart1"/>
     <dgm:cxn modelId="{EA691761-E62C-48CB-8E95-889D13D86C94}" type="presParOf" srcId="{C76704DA-2A6C-4F8D-B746-4F85018CD45A}" destId="{0359D7AD-5B93-4C43-9D98-56774F0D5194}" srcOrd="0" destOrd="0" presId="urn:microsoft.com/office/officeart/2005/8/layout/orgChart1"/>
@@ -9845,18 +9868,18 @@
     </dgm:pt>
   </dgm:ptLst>
   <dgm:cxnLst>
+    <dgm:cxn modelId="{3F461B40-14D3-4DE0-B156-B004FD9F8ED9}" type="presOf" srcId="{F53C9289-97E1-4D2D-97C9-1AAC80980444}" destId="{066BF7EA-934B-4060-B6BF-0796EB1E4F44}" srcOrd="0" destOrd="0" presId="urn:microsoft.com/office/officeart/2005/8/layout/orgChart1"/>
+    <dgm:cxn modelId="{9FD2703E-D7D4-488C-B86F-89B4AAEC8866}" type="presOf" srcId="{5026F749-70FD-4720-9858-7B81314E8CF0}" destId="{ACDE8485-05B1-406B-AD3C-368A19FF8F21}" srcOrd="0" destOrd="0" presId="urn:microsoft.com/office/officeart/2005/8/layout/orgChart1"/>
     <dgm:cxn modelId="{1A9B7C33-D180-4BAD-BAB0-48F9CC52E7D7}" srcId="{36FF7C4C-C18C-46F5-8FE8-C426B93A9095}" destId="{47581A9E-5E40-406D-BE0A-38AA3E89F7F8}" srcOrd="0" destOrd="0" parTransId="{B9257DBC-4964-4109-BE29-5A9463C79B30}" sibTransId="{36D4FCD3-96C9-4F49-A64F-A25212C98BE3}"/>
-    <dgm:cxn modelId="{3F461B40-14D3-4DE0-B156-B004FD9F8ED9}" type="presOf" srcId="{F53C9289-97E1-4D2D-97C9-1AAC80980444}" destId="{066BF7EA-934B-4060-B6BF-0796EB1E4F44}" srcOrd="0" destOrd="0" presId="urn:microsoft.com/office/officeart/2005/8/layout/orgChart1"/>
+    <dgm:cxn modelId="{12C6268D-B3F0-4C5C-B9B7-4269BF5D55F1}" type="presOf" srcId="{47581A9E-5E40-406D-BE0A-38AA3E89F7F8}" destId="{7C14404F-4974-49DB-96E9-942AA1195F7A}" srcOrd="1" destOrd="0" presId="urn:microsoft.com/office/officeart/2005/8/layout/orgChart1"/>
+    <dgm:cxn modelId="{5D9FF610-E795-476D-86FC-E015F8FDA489}" srcId="{47581A9E-5E40-406D-BE0A-38AA3E89F7F8}" destId="{EEC3C2B6-CCB3-4CDB-84D9-93741BAF41A2}" srcOrd="1" destOrd="0" parTransId="{EFFAFC6C-F906-450E-8595-D15AC71B243F}" sibTransId="{F512F933-B839-42F7-8E57-EDFA719F737F}"/>
+    <dgm:cxn modelId="{8AB80DB9-7B40-4065-83A0-8DAD0D36E386}" type="presOf" srcId="{EFFAFC6C-F906-450E-8595-D15AC71B243F}" destId="{973CA2BD-28A9-4084-9A56-C43D3E3B0316}" srcOrd="0" destOrd="0" presId="urn:microsoft.com/office/officeart/2005/8/layout/orgChart1"/>
     <dgm:cxn modelId="{9FC334A9-4E29-4794-8BF1-2134E895F76D}" type="presOf" srcId="{EEC3C2B6-CCB3-4CDB-84D9-93741BAF41A2}" destId="{54470973-FF4C-4094-83FC-25652F5582EF}" srcOrd="1" destOrd="0" presId="urn:microsoft.com/office/officeart/2005/8/layout/orgChart1"/>
-    <dgm:cxn modelId="{8AB80DB9-7B40-4065-83A0-8DAD0D36E386}" type="presOf" srcId="{EFFAFC6C-F906-450E-8595-D15AC71B243F}" destId="{973CA2BD-28A9-4084-9A56-C43D3E3B0316}" srcOrd="0" destOrd="0" presId="urn:microsoft.com/office/officeart/2005/8/layout/orgChart1"/>
-    <dgm:cxn modelId="{9FD2703E-D7D4-488C-B86F-89B4AAEC8866}" type="presOf" srcId="{5026F749-70FD-4720-9858-7B81314E8CF0}" destId="{ACDE8485-05B1-406B-AD3C-368A19FF8F21}" srcOrd="0" destOrd="0" presId="urn:microsoft.com/office/officeart/2005/8/layout/orgChart1"/>
+    <dgm:cxn modelId="{5C91C76A-FC00-4920-9159-50F3665C6692}" type="presOf" srcId="{5026F749-70FD-4720-9858-7B81314E8CF0}" destId="{5ABA39A4-A26D-4F82-AF53-3A39C640F9C3}" srcOrd="1" destOrd="0" presId="urn:microsoft.com/office/officeart/2005/8/layout/orgChart1"/>
+    <dgm:cxn modelId="{FF9EFE8B-F6D5-4585-A95F-EFE7E2BAD83F}" type="presOf" srcId="{36FF7C4C-C18C-46F5-8FE8-C426B93A9095}" destId="{F28535A8-9D85-4AB8-B7C4-4EDBC1F9E41B}" srcOrd="0" destOrd="0" presId="urn:microsoft.com/office/officeart/2005/8/layout/orgChart1"/>
+    <dgm:cxn modelId="{E0C3EF0D-090E-4E04-B581-91BAC77C7E75}" type="presOf" srcId="{EEC3C2B6-CCB3-4CDB-84D9-93741BAF41A2}" destId="{07BD9B31-3415-4AE7-BD62-D4E049D8396D}" srcOrd="0" destOrd="0" presId="urn:microsoft.com/office/officeart/2005/8/layout/orgChart1"/>
+    <dgm:cxn modelId="{3BFAD681-DCC6-47B1-AAF1-2EEA17BB839A}" type="presOf" srcId="{47581A9E-5E40-406D-BE0A-38AA3E89F7F8}" destId="{36FDA7F1-3CE0-45DA-99EE-C2DAE976718C}" srcOrd="0" destOrd="0" presId="urn:microsoft.com/office/officeart/2005/8/layout/orgChart1"/>
     <dgm:cxn modelId="{BC82667A-EDA1-43CA-B93C-FF9003F535FB}" srcId="{47581A9E-5E40-406D-BE0A-38AA3E89F7F8}" destId="{5026F749-70FD-4720-9858-7B81314E8CF0}" srcOrd="0" destOrd="0" parTransId="{F53C9289-97E1-4D2D-97C9-1AAC80980444}" sibTransId="{1A494AB9-3AE1-4FA4-9DB7-96C622E19841}"/>
-    <dgm:cxn modelId="{3BFAD681-DCC6-47B1-AAF1-2EEA17BB839A}" type="presOf" srcId="{47581A9E-5E40-406D-BE0A-38AA3E89F7F8}" destId="{36FDA7F1-3CE0-45DA-99EE-C2DAE976718C}" srcOrd="0" destOrd="0" presId="urn:microsoft.com/office/officeart/2005/8/layout/orgChart1"/>
-    <dgm:cxn modelId="{5D9FF610-E795-476D-86FC-E015F8FDA489}" srcId="{47581A9E-5E40-406D-BE0A-38AA3E89F7F8}" destId="{EEC3C2B6-CCB3-4CDB-84D9-93741BAF41A2}" srcOrd="1" destOrd="0" parTransId="{EFFAFC6C-F906-450E-8595-D15AC71B243F}" sibTransId="{F512F933-B839-42F7-8E57-EDFA719F737F}"/>
-    <dgm:cxn modelId="{12C6268D-B3F0-4C5C-B9B7-4269BF5D55F1}" type="presOf" srcId="{47581A9E-5E40-406D-BE0A-38AA3E89F7F8}" destId="{7C14404F-4974-49DB-96E9-942AA1195F7A}" srcOrd="1" destOrd="0" presId="urn:microsoft.com/office/officeart/2005/8/layout/orgChart1"/>
-    <dgm:cxn modelId="{5C91C76A-FC00-4920-9159-50F3665C6692}" type="presOf" srcId="{5026F749-70FD-4720-9858-7B81314E8CF0}" destId="{5ABA39A4-A26D-4F82-AF53-3A39C640F9C3}" srcOrd="1" destOrd="0" presId="urn:microsoft.com/office/officeart/2005/8/layout/orgChart1"/>
-    <dgm:cxn modelId="{E0C3EF0D-090E-4E04-B581-91BAC77C7E75}" type="presOf" srcId="{EEC3C2B6-CCB3-4CDB-84D9-93741BAF41A2}" destId="{07BD9B31-3415-4AE7-BD62-D4E049D8396D}" srcOrd="0" destOrd="0" presId="urn:microsoft.com/office/officeart/2005/8/layout/orgChart1"/>
-    <dgm:cxn modelId="{FF9EFE8B-F6D5-4585-A95F-EFE7E2BAD83F}" type="presOf" srcId="{36FF7C4C-C18C-46F5-8FE8-C426B93A9095}" destId="{F28535A8-9D85-4AB8-B7C4-4EDBC1F9E41B}" srcOrd="0" destOrd="0" presId="urn:microsoft.com/office/officeart/2005/8/layout/orgChart1"/>
     <dgm:cxn modelId="{F6821DBF-9971-46BE-A30B-50B3DE2134F5}" type="presParOf" srcId="{F28535A8-9D85-4AB8-B7C4-4EDBC1F9E41B}" destId="{1CB2309C-DD81-4BD9-A73C-645D5FDB1293}" srcOrd="0" destOrd="0" presId="urn:microsoft.com/office/officeart/2005/8/layout/orgChart1"/>
     <dgm:cxn modelId="{E911AD6C-0919-436D-B78F-19613774E640}" type="presParOf" srcId="{1CB2309C-DD81-4BD9-A73C-645D5FDB1293}" destId="{A2FA31AE-5C86-4A6F-87F7-2ACB8FE62327}" srcOrd="0" destOrd="0" presId="urn:microsoft.com/office/officeart/2005/8/layout/orgChart1"/>
     <dgm:cxn modelId="{3675E7BE-30B3-46E8-8476-632CA79381E9}" type="presParOf" srcId="{A2FA31AE-5C86-4A6F-87F7-2ACB8FE62327}" destId="{36FDA7F1-3CE0-45DA-99EE-C2DAE976718C}" srcOrd="0" destOrd="0" presId="urn:microsoft.com/office/officeart/2005/8/layout/orgChart1"/>
@@ -10041,6 +10064,397 @@
       <dsp:cNvGrpSpPr/>
     </dsp:nvGrpSpPr>
     <dsp:grpSpPr/>
+    <dsp:sp modelId="{E12C78D3-4B45-43FB-ABCC-83F3DB5D17F4}">
+      <dsp:nvSpPr>
+        <dsp:cNvPr id="0" name=""/>
+        <dsp:cNvSpPr/>
+      </dsp:nvSpPr>
+      <dsp:spPr>
+        <a:xfrm>
+          <a:off x="0" y="0"/>
+          <a:ext cx="10131425" cy="0"/>
+        </a:xfrm>
+        <a:prstGeom prst="line">
+          <a:avLst/>
+        </a:prstGeom>
+        <a:solidFill>
+          <a:schemeClr val="accent1">
+            <a:hueOff val="0"/>
+            <a:satOff val="0"/>
+            <a:lumOff val="0"/>
+            <a:alphaOff val="0"/>
+          </a:schemeClr>
+        </a:solidFill>
+        <a:ln w="19050" cap="rnd" cmpd="sng" algn="ctr">
+          <a:solidFill>
+            <a:schemeClr val="accent1">
+              <a:hueOff val="0"/>
+              <a:satOff val="0"/>
+              <a:lumOff val="0"/>
+              <a:alphaOff val="0"/>
+            </a:schemeClr>
+          </a:solidFill>
+          <a:prstDash val="solid"/>
+        </a:ln>
+        <a:effectLst/>
+      </dsp:spPr>
+      <dsp:style>
+        <a:lnRef idx="2">
+          <a:scrgbClr r="0" g="0" b="0"/>
+        </a:lnRef>
+        <a:fillRef idx="1">
+          <a:scrgbClr r="0" g="0" b="0"/>
+        </a:fillRef>
+        <a:effectRef idx="0">
+          <a:scrgbClr r="0" g="0" b="0"/>
+        </a:effectRef>
+        <a:fontRef idx="minor">
+          <a:schemeClr val="lt1"/>
+        </a:fontRef>
+      </dsp:style>
+    </dsp:sp>
+    <dsp:sp modelId="{599D6219-B278-4C20-9A95-7F8F137EE331}">
+      <dsp:nvSpPr>
+        <dsp:cNvPr id="0" name=""/>
+        <dsp:cNvSpPr/>
+      </dsp:nvSpPr>
+      <dsp:spPr>
+        <a:xfrm>
+          <a:off x="0" y="0"/>
+          <a:ext cx="2447388" cy="5388864"/>
+        </a:xfrm>
+        <a:prstGeom prst="rect">
+          <a:avLst/>
+        </a:prstGeom>
+        <a:noFill/>
+        <a:ln>
+          <a:noFill/>
+        </a:ln>
+        <a:effectLst/>
+      </dsp:spPr>
+      <dsp:style>
+        <a:lnRef idx="0">
+          <a:scrgbClr r="0" g="0" b="0"/>
+        </a:lnRef>
+        <a:fillRef idx="0">
+          <a:scrgbClr r="0" g="0" b="0"/>
+        </a:fillRef>
+        <a:effectRef idx="0">
+          <a:scrgbClr r="0" g="0" b="0"/>
+        </a:effectRef>
+        <a:fontRef idx="minor"/>
+      </dsp:style>
+      <dsp:txBody>
+        <a:bodyPr spcFirstLastPara="0" vert="horz" wrap="square" lIns="247650" tIns="247650" rIns="247650" bIns="247650" numCol="1" spcCol="1270" anchor="t" anchorCtr="0">
+          <a:noAutofit/>
+        </a:bodyPr>
+        <a:lstStyle/>
+        <a:p>
+          <a:pPr lvl="0" algn="l" defTabSz="2889250">
+            <a:lnSpc>
+              <a:spcPct val="90000"/>
+            </a:lnSpc>
+            <a:spcBef>
+              <a:spcPct val="0"/>
+            </a:spcBef>
+            <a:spcAft>
+              <a:spcPct val="35000"/>
+            </a:spcAft>
+          </a:pPr>
+          <a:r>
+            <a:rPr lang="en-US" sz="6500" kern="1200" dirty="0" smtClean="0">
+              <a:latin typeface="Buxton Sketch" panose="03080500000500000004" pitchFamily="66" charset="0"/>
+            </a:rPr>
+            <a:t>Useful links</a:t>
+          </a:r>
+          <a:endParaRPr lang="en-US" sz="6500" kern="1200" dirty="0">
+            <a:latin typeface="Buxton Sketch" panose="03080500000500000004" pitchFamily="66" charset="0"/>
+          </a:endParaRPr>
+        </a:p>
+      </dsp:txBody>
+      <dsp:txXfrm>
+        <a:off x="0" y="0"/>
+        <a:ext cx="2447388" cy="5388864"/>
+      </dsp:txXfrm>
+    </dsp:sp>
+    <dsp:sp modelId="{F8106273-3EEB-4CE6-BD56-FDBCA776B834}">
+      <dsp:nvSpPr>
+        <dsp:cNvPr id="0" name=""/>
+        <dsp:cNvSpPr/>
+      </dsp:nvSpPr>
+      <dsp:spPr>
+        <a:xfrm>
+          <a:off x="2567155" y="244709"/>
+          <a:ext cx="7557313" cy="4894183"/>
+        </a:xfrm>
+        <a:prstGeom prst="rect">
+          <a:avLst/>
+        </a:prstGeom>
+        <a:noFill/>
+        <a:ln>
+          <a:noFill/>
+        </a:ln>
+        <a:effectLst/>
+      </dsp:spPr>
+      <dsp:style>
+        <a:lnRef idx="0">
+          <a:scrgbClr r="0" g="0" b="0"/>
+        </a:lnRef>
+        <a:fillRef idx="0">
+          <a:scrgbClr r="0" g="0" b="0"/>
+        </a:fillRef>
+        <a:effectRef idx="0">
+          <a:scrgbClr r="0" g="0" b="0"/>
+        </a:effectRef>
+        <a:fontRef idx="minor"/>
+      </dsp:style>
+      <dsp:txBody>
+        <a:bodyPr spcFirstLastPara="0" vert="horz" wrap="square" lIns="76200" tIns="76200" rIns="76200" bIns="76200" numCol="1" spcCol="1270" anchor="t" anchorCtr="0">
+          <a:noAutofit/>
+        </a:bodyPr>
+        <a:lstStyle/>
+        <a:p>
+          <a:pPr lvl="0" algn="l" defTabSz="889000">
+            <a:lnSpc>
+              <a:spcPct val="90000"/>
+            </a:lnSpc>
+            <a:spcBef>
+              <a:spcPct val="0"/>
+            </a:spcBef>
+            <a:spcAft>
+              <a:spcPct val="35000"/>
+            </a:spcAft>
+          </a:pPr>
+          <a:r>
+            <a:rPr lang="en-US" sz="2000" b="1" kern="1200" dirty="0" err="1" smtClean="0">
+              <a:latin typeface="Buxton Sketch" panose="03080500000500000004" pitchFamily="66" charset="0"/>
+            </a:rPr>
+            <a:t>Kudvenkat</a:t>
+          </a:r>
+          <a:r>
+            <a:rPr lang="en-US" sz="2000" b="1" kern="1200" dirty="0" smtClean="0">
+              <a:latin typeface="Buxton Sketch" panose="03080500000500000004" pitchFamily="66" charset="0"/>
+            </a:rPr>
+            <a:t>  - C# tutorials for beginners.</a:t>
+          </a:r>
+        </a:p>
+        <a:p>
+          <a:pPr lvl="0" algn="l" defTabSz="889000">
+            <a:lnSpc>
+              <a:spcPct val="90000"/>
+            </a:lnSpc>
+            <a:spcBef>
+              <a:spcPct val="0"/>
+            </a:spcBef>
+            <a:spcAft>
+              <a:spcPct val="35000"/>
+            </a:spcAft>
+          </a:pPr>
+          <a:r>
+            <a:rPr lang="en-US" sz="2000" kern="1200" dirty="0" smtClean="0">
+              <a:latin typeface="Buxton Sketch" panose="03080500000500000004" pitchFamily="66" charset="0"/>
+              <a:hlinkClick xmlns:r="http://schemas.openxmlformats.org/officeDocument/2006/relationships" r:id="rId1"/>
+            </a:rPr>
+            <a:t>https://www.youtube.com/watch?v=SXmVym6L8dw&amp;list=PLAC325451207E3105</a:t>
+          </a:r>
+          <a:endParaRPr lang="en-US" sz="2000" kern="1200" dirty="0" smtClean="0">
+            <a:latin typeface="Buxton Sketch" panose="03080500000500000004" pitchFamily="66" charset="0"/>
+          </a:endParaRPr>
+        </a:p>
+        <a:p>
+          <a:pPr lvl="0" algn="l" defTabSz="889000">
+            <a:lnSpc>
+              <a:spcPct val="90000"/>
+            </a:lnSpc>
+            <a:spcBef>
+              <a:spcPct val="0"/>
+            </a:spcBef>
+            <a:spcAft>
+              <a:spcPct val="35000"/>
+            </a:spcAft>
+          </a:pPr>
+          <a:endParaRPr lang="en-US" sz="2000" kern="1200" dirty="0" smtClean="0">
+            <a:latin typeface="Buxton Sketch" panose="03080500000500000004" pitchFamily="66" charset="0"/>
+          </a:endParaRPr>
+        </a:p>
+        <a:p>
+          <a:pPr lvl="0" algn="l" defTabSz="889000">
+            <a:lnSpc>
+              <a:spcPct val="90000"/>
+            </a:lnSpc>
+            <a:spcBef>
+              <a:spcPct val="0"/>
+            </a:spcBef>
+            <a:spcAft>
+              <a:spcPct val="35000"/>
+            </a:spcAft>
+          </a:pPr>
+          <a:r>
+            <a:rPr lang="bg-BG" sz="2000" kern="1200" dirty="0" smtClean="0">
+              <a:latin typeface="Buxton Sketch" panose="03080500000500000004" pitchFamily="66" charset="0"/>
+            </a:rPr>
+            <a:t>Стоян Черешаров - </a:t>
+          </a:r>
+          <a:r>
+            <a:rPr lang="bg-BG" sz="2000" b="0" i="0" kern="1200" dirty="0" smtClean="0">
+              <a:latin typeface="Buxton Sketch" panose="03080500000500000004" pitchFamily="66" charset="0"/>
+            </a:rPr>
+            <a:t>Работа с </a:t>
+          </a:r>
+          <a:r>
+            <a:rPr lang="en-US" sz="2000" b="0" i="0" kern="1200" dirty="0" err="1" smtClean="0">
+              <a:latin typeface="Buxton Sketch" panose="03080500000500000004" pitchFamily="66" charset="0"/>
+            </a:rPr>
+            <a:t>Git</a:t>
+          </a:r>
+          <a:r>
+            <a:rPr lang="en-US" sz="2000" b="0" i="0" kern="1200" dirty="0" smtClean="0">
+              <a:latin typeface="Buxton Sketch" panose="03080500000500000004" pitchFamily="66" charset="0"/>
+            </a:rPr>
+            <a:t> </a:t>
+          </a:r>
+          <a:r>
+            <a:rPr lang="bg-BG" sz="2000" b="0" i="0" kern="1200" dirty="0" smtClean="0">
+              <a:latin typeface="Buxton Sketch" panose="03080500000500000004" pitchFamily="66" charset="0"/>
+            </a:rPr>
+            <a:t>и </a:t>
+          </a:r>
+          <a:r>
+            <a:rPr lang="en-US" sz="2000" b="0" i="0" kern="1200" dirty="0" smtClean="0">
+              <a:latin typeface="Buxton Sketch" panose="03080500000500000004" pitchFamily="66" charset="0"/>
+            </a:rPr>
+            <a:t>GitHub </a:t>
+          </a:r>
+          <a:r>
+            <a:rPr lang="bg-BG" sz="2000" b="0" i="0" kern="1200" dirty="0" smtClean="0">
+              <a:latin typeface="Buxton Sketch" panose="03080500000500000004" pitchFamily="66" charset="0"/>
+            </a:rPr>
+            <a:t>във </a:t>
+          </a:r>
+          <a:r>
+            <a:rPr lang="en-US" sz="2000" b="0" i="0" kern="1200" dirty="0" err="1" smtClean="0">
+              <a:latin typeface="Buxton Sketch" panose="03080500000500000004" pitchFamily="66" charset="0"/>
+            </a:rPr>
+            <a:t>VisialStudio</a:t>
+          </a:r>
+          <a:r>
+            <a:rPr lang="en-US" sz="2000" b="0" i="0" kern="1200" dirty="0" smtClean="0">
+              <a:latin typeface="Buxton Sketch" panose="03080500000500000004" pitchFamily="66" charset="0"/>
+            </a:rPr>
+            <a:t>. </a:t>
+          </a:r>
+          <a:r>
+            <a:rPr lang="en-US" sz="2000" kern="1200" dirty="0" smtClean="0">
+              <a:latin typeface="Buxton Sketch" panose="03080500000500000004" pitchFamily="66" charset="0"/>
+              <a:hlinkClick xmlns:r="http://schemas.openxmlformats.org/officeDocument/2006/relationships" r:id="rId2"/>
+            </a:rPr>
+            <a:t>https://www.youtube.com/user/coolcsn/videos</a:t>
+          </a:r>
+          <a:endParaRPr lang="en-US" sz="2000" kern="1200" dirty="0" smtClean="0">
+            <a:latin typeface="Buxton Sketch" panose="03080500000500000004" pitchFamily="66" charset="0"/>
+          </a:endParaRPr>
+        </a:p>
+        <a:p>
+          <a:pPr lvl="0" algn="l" defTabSz="889000">
+            <a:lnSpc>
+              <a:spcPct val="90000"/>
+            </a:lnSpc>
+            <a:spcBef>
+              <a:spcPct val="0"/>
+            </a:spcBef>
+            <a:spcAft>
+              <a:spcPct val="35000"/>
+            </a:spcAft>
+          </a:pPr>
+          <a:r>
+            <a:rPr lang="bg-BG" sz="2000" b="1" kern="1200" dirty="0" smtClean="0">
+              <a:latin typeface="Buxton Sketch" panose="03080500000500000004" pitchFamily="66" charset="0"/>
+            </a:rPr>
+            <a:t>Любен Киков – задачи </a:t>
+          </a:r>
+          <a:r>
+            <a:rPr lang="bg-BG" sz="2000" b="1" kern="1200" smtClean="0">
+              <a:latin typeface="Buxton Sketch" panose="03080500000500000004" pitchFamily="66" charset="0"/>
+            </a:rPr>
+            <a:t>от СофтУни.</a:t>
+          </a:r>
+          <a:endParaRPr lang="bg-BG" sz="2000" b="1" kern="1200" dirty="0" smtClean="0">
+            <a:latin typeface="Buxton Sketch" panose="03080500000500000004" pitchFamily="66" charset="0"/>
+          </a:endParaRPr>
+        </a:p>
+        <a:p>
+          <a:pPr lvl="0" algn="l" defTabSz="889000">
+            <a:lnSpc>
+              <a:spcPct val="90000"/>
+            </a:lnSpc>
+            <a:spcBef>
+              <a:spcPct val="0"/>
+            </a:spcBef>
+            <a:spcAft>
+              <a:spcPct val="35000"/>
+            </a:spcAft>
+          </a:pPr>
+          <a:r>
+            <a:rPr lang="en-US" sz="2000" b="1" kern="1200" dirty="0" smtClean="0">
+              <a:latin typeface="Buxton Sketch" panose="03080500000500000004" pitchFamily="66" charset="0"/>
+            </a:rPr>
+            <a:t>https://www.youtube.com/playlist?list=PLW9cNZuPMHVR_VHWPQoie_a5a9vFxbxLY</a:t>
+          </a:r>
+        </a:p>
+      </dsp:txBody>
+      <dsp:txXfrm>
+        <a:off x="2567155" y="244709"/>
+        <a:ext cx="7557313" cy="4894183"/>
+      </dsp:txXfrm>
+    </dsp:sp>
+    <dsp:sp modelId="{B150277F-A2CA-4F1B-AA39-E3634A3B878C}">
+      <dsp:nvSpPr>
+        <dsp:cNvPr id="0" name=""/>
+        <dsp:cNvSpPr/>
+      </dsp:nvSpPr>
+      <dsp:spPr>
+        <a:xfrm>
+          <a:off x="2473577" y="3641745"/>
+          <a:ext cx="6387546" cy="0"/>
+        </a:xfrm>
+        <a:prstGeom prst="line">
+          <a:avLst/>
+        </a:prstGeom>
+        <a:solidFill>
+          <a:schemeClr val="accent1">
+            <a:hueOff val="0"/>
+            <a:satOff val="0"/>
+            <a:lumOff val="0"/>
+            <a:alphaOff val="0"/>
+          </a:schemeClr>
+        </a:solidFill>
+        <a:ln w="19050" cap="rnd" cmpd="sng" algn="ctr">
+          <a:solidFill>
+            <a:schemeClr val="accent1">
+              <a:tint val="50000"/>
+              <a:hueOff val="0"/>
+              <a:satOff val="0"/>
+              <a:lumOff val="0"/>
+              <a:alphaOff val="0"/>
+            </a:schemeClr>
+          </a:solidFill>
+          <a:prstDash val="solid"/>
+        </a:ln>
+        <a:effectLst/>
+      </dsp:spPr>
+      <dsp:style>
+        <a:lnRef idx="2">
+          <a:scrgbClr r="0" g="0" b="0"/>
+        </a:lnRef>
+        <a:fillRef idx="1">
+          <a:scrgbClr r="0" g="0" b="0"/>
+        </a:fillRef>
+        <a:effectRef idx="0">
+          <a:scrgbClr r="0" g="0" b="0"/>
+        </a:effectRef>
+        <a:fontRef idx="minor"/>
+      </dsp:style>
+    </dsp:sp>
   </dsp:spTree>
 </dsp:drawing>
 </file>
@@ -10053,6 +10467,1615 @@
       <dsp:cNvGrpSpPr/>
     </dsp:nvGrpSpPr>
     <dsp:grpSpPr/>
+    <dsp:sp modelId="{EE15B19E-6568-4DF1-BDBE-60A57902ABAE}">
+      <dsp:nvSpPr>
+        <dsp:cNvPr id="0" name=""/>
+        <dsp:cNvSpPr/>
+      </dsp:nvSpPr>
+      <dsp:spPr>
+        <a:xfrm>
+          <a:off x="9978779" y="2372192"/>
+          <a:ext cx="1194323" cy="2168237"/>
+        </a:xfrm>
+        <a:custGeom>
+          <a:avLst/>
+          <a:gdLst/>
+          <a:ahLst/>
+          <a:cxnLst/>
+          <a:rect l="0" t="0" r="0" b="0"/>
+          <a:pathLst>
+            <a:path>
+              <a:moveTo>
+                <a:pt x="0" y="0"/>
+              </a:moveTo>
+              <a:lnTo>
+                <a:pt x="1194323" y="2168237"/>
+              </a:lnTo>
+            </a:path>
+          </a:pathLst>
+        </a:custGeom>
+        <a:noFill/>
+        <a:ln w="19050" cap="rnd" cmpd="sng" algn="ctr">
+          <a:solidFill>
+            <a:schemeClr val="accent1">
+              <a:shade val="80000"/>
+              <a:hueOff val="0"/>
+              <a:satOff val="0"/>
+              <a:lumOff val="0"/>
+              <a:alphaOff val="0"/>
+            </a:schemeClr>
+          </a:solidFill>
+          <a:prstDash val="solid"/>
+        </a:ln>
+        <a:effectLst/>
+      </dsp:spPr>
+      <dsp:style>
+        <a:lnRef idx="2">
+          <a:scrgbClr r="0" g="0" b="0"/>
+        </a:lnRef>
+        <a:fillRef idx="0">
+          <a:scrgbClr r="0" g="0" b="0"/>
+        </a:fillRef>
+        <a:effectRef idx="0">
+          <a:scrgbClr r="0" g="0" b="0"/>
+        </a:effectRef>
+        <a:fontRef idx="minor"/>
+      </dsp:style>
+    </dsp:sp>
+    <dsp:sp modelId="{81D0F9E9-FC7E-4AB1-8790-9F606B0F98A3}">
+      <dsp:nvSpPr>
+        <dsp:cNvPr id="0" name=""/>
+        <dsp:cNvSpPr/>
+      </dsp:nvSpPr>
+      <dsp:spPr>
+        <a:xfrm>
+          <a:off x="5899258" y="1030610"/>
+          <a:ext cx="4079520" cy="274000"/>
+        </a:xfrm>
+        <a:custGeom>
+          <a:avLst/>
+          <a:gdLst/>
+          <a:ahLst/>
+          <a:cxnLst/>
+          <a:rect l="0" t="0" r="0" b="0"/>
+          <a:pathLst>
+            <a:path>
+              <a:moveTo>
+                <a:pt x="0" y="0"/>
+              </a:moveTo>
+              <a:lnTo>
+                <a:pt x="0" y="127919"/>
+              </a:lnTo>
+              <a:lnTo>
+                <a:pt x="4079520" y="127919"/>
+              </a:lnTo>
+              <a:lnTo>
+                <a:pt x="4079520" y="274000"/>
+              </a:lnTo>
+            </a:path>
+          </a:pathLst>
+        </a:custGeom>
+        <a:noFill/>
+        <a:ln w="19050" cap="rnd" cmpd="sng" algn="ctr">
+          <a:solidFill>
+            <a:schemeClr val="accent1">
+              <a:shade val="60000"/>
+              <a:hueOff val="0"/>
+              <a:satOff val="0"/>
+              <a:lumOff val="0"/>
+              <a:alphaOff val="0"/>
+            </a:schemeClr>
+          </a:solidFill>
+          <a:prstDash val="solid"/>
+        </a:ln>
+        <a:effectLst/>
+      </dsp:spPr>
+      <dsp:style>
+        <a:lnRef idx="2">
+          <a:scrgbClr r="0" g="0" b="0"/>
+        </a:lnRef>
+        <a:fillRef idx="0">
+          <a:scrgbClr r="0" g="0" b="0"/>
+        </a:fillRef>
+        <a:effectRef idx="0">
+          <a:scrgbClr r="0" g="0" b="0"/>
+        </a:effectRef>
+        <a:fontRef idx="minor"/>
+      </dsp:style>
+    </dsp:sp>
+    <dsp:sp modelId="{30F8120F-480B-4E7A-8A98-F48A7BBB2533}">
+      <dsp:nvSpPr>
+        <dsp:cNvPr id="0" name=""/>
+        <dsp:cNvSpPr/>
+      </dsp:nvSpPr>
+      <dsp:spPr>
+        <a:xfrm>
+          <a:off x="4209824" y="2277433"/>
+          <a:ext cx="1664387" cy="2268015"/>
+        </a:xfrm>
+        <a:custGeom>
+          <a:avLst/>
+          <a:gdLst/>
+          <a:ahLst/>
+          <a:cxnLst/>
+          <a:rect l="0" t="0" r="0" b="0"/>
+          <a:pathLst>
+            <a:path>
+              <a:moveTo>
+                <a:pt x="1664387" y="0"/>
+              </a:moveTo>
+              <a:lnTo>
+                <a:pt x="0" y="2268015"/>
+              </a:lnTo>
+            </a:path>
+          </a:pathLst>
+        </a:custGeom>
+        <a:noFill/>
+        <a:ln w="19050" cap="rnd" cmpd="sng" algn="ctr">
+          <a:solidFill>
+            <a:schemeClr val="accent1">
+              <a:shade val="80000"/>
+              <a:hueOff val="0"/>
+              <a:satOff val="0"/>
+              <a:lumOff val="0"/>
+              <a:alphaOff val="0"/>
+            </a:schemeClr>
+          </a:solidFill>
+          <a:prstDash val="solid"/>
+        </a:ln>
+        <a:effectLst/>
+      </dsp:spPr>
+      <dsp:style>
+        <a:lnRef idx="2">
+          <a:scrgbClr r="0" g="0" b="0"/>
+        </a:lnRef>
+        <a:fillRef idx="0">
+          <a:scrgbClr r="0" g="0" b="0"/>
+        </a:fillRef>
+        <a:effectRef idx="0">
+          <a:scrgbClr r="0" g="0" b="0"/>
+        </a:effectRef>
+        <a:fontRef idx="minor"/>
+      </dsp:style>
+    </dsp:sp>
+    <dsp:sp modelId="{DFE7F7D0-AC27-44A3-9CA2-8EF13AF968CF}">
+      <dsp:nvSpPr>
+        <dsp:cNvPr id="0" name=""/>
+        <dsp:cNvSpPr/>
+      </dsp:nvSpPr>
+      <dsp:spPr>
+        <a:xfrm>
+          <a:off x="5828492" y="1030610"/>
+          <a:ext cx="91440" cy="489784"/>
+        </a:xfrm>
+        <a:custGeom>
+          <a:avLst/>
+          <a:gdLst/>
+          <a:ahLst/>
+          <a:cxnLst/>
+          <a:rect l="0" t="0" r="0" b="0"/>
+          <a:pathLst>
+            <a:path>
+              <a:moveTo>
+                <a:pt x="70766" y="0"/>
+              </a:moveTo>
+              <a:lnTo>
+                <a:pt x="70766" y="343702"/>
+              </a:lnTo>
+              <a:lnTo>
+                <a:pt x="45720" y="343702"/>
+              </a:lnTo>
+              <a:lnTo>
+                <a:pt x="45720" y="489784"/>
+              </a:lnTo>
+            </a:path>
+          </a:pathLst>
+        </a:custGeom>
+        <a:noFill/>
+        <a:ln w="19050" cap="rnd" cmpd="sng" algn="ctr">
+          <a:solidFill>
+            <a:schemeClr val="accent1">
+              <a:shade val="60000"/>
+              <a:hueOff val="0"/>
+              <a:satOff val="0"/>
+              <a:lumOff val="0"/>
+              <a:alphaOff val="0"/>
+            </a:schemeClr>
+          </a:solidFill>
+          <a:prstDash val="solid"/>
+        </a:ln>
+        <a:effectLst/>
+      </dsp:spPr>
+      <dsp:style>
+        <a:lnRef idx="2">
+          <a:scrgbClr r="0" g="0" b="0"/>
+        </a:lnRef>
+        <a:fillRef idx="0">
+          <a:scrgbClr r="0" g="0" b="0"/>
+        </a:fillRef>
+        <a:effectRef idx="0">
+          <a:scrgbClr r="0" g="0" b="0"/>
+        </a:effectRef>
+        <a:fontRef idx="minor"/>
+      </dsp:style>
+    </dsp:sp>
+    <dsp:sp modelId="{77793F53-D11D-43C7-9AFA-5D40F0C710F4}">
+      <dsp:nvSpPr>
+        <dsp:cNvPr id="0" name=""/>
+        <dsp:cNvSpPr/>
+      </dsp:nvSpPr>
+      <dsp:spPr>
+        <a:xfrm>
+          <a:off x="2265697" y="2524645"/>
+          <a:ext cx="1470348" cy="2085840"/>
+        </a:xfrm>
+        <a:custGeom>
+          <a:avLst/>
+          <a:gdLst/>
+          <a:ahLst/>
+          <a:cxnLst/>
+          <a:rect l="0" t="0" r="0" b="0"/>
+          <a:pathLst>
+            <a:path>
+              <a:moveTo>
+                <a:pt x="0" y="0"/>
+              </a:moveTo>
+              <a:lnTo>
+                <a:pt x="1470348" y="2085840"/>
+              </a:lnTo>
+            </a:path>
+          </a:pathLst>
+        </a:custGeom>
+        <a:noFill/>
+        <a:ln w="19050" cap="rnd" cmpd="sng" algn="ctr">
+          <a:solidFill>
+            <a:schemeClr val="accent1">
+              <a:shade val="80000"/>
+              <a:hueOff val="0"/>
+              <a:satOff val="0"/>
+              <a:lumOff val="0"/>
+              <a:alphaOff val="0"/>
+            </a:schemeClr>
+          </a:solidFill>
+          <a:prstDash val="solid"/>
+        </a:ln>
+        <a:effectLst/>
+      </dsp:spPr>
+      <dsp:style>
+        <a:lnRef idx="2">
+          <a:scrgbClr r="0" g="0" b="0"/>
+        </a:lnRef>
+        <a:fillRef idx="0">
+          <a:scrgbClr r="0" g="0" b="0"/>
+        </a:fillRef>
+        <a:effectRef idx="0">
+          <a:scrgbClr r="0" g="0" b="0"/>
+        </a:effectRef>
+        <a:fontRef idx="minor"/>
+      </dsp:style>
+    </dsp:sp>
+    <dsp:sp modelId="{60B5D03D-50D5-487C-8731-01E7A216279A}">
+      <dsp:nvSpPr>
+        <dsp:cNvPr id="0" name=""/>
+        <dsp:cNvSpPr/>
+      </dsp:nvSpPr>
+      <dsp:spPr>
+        <a:xfrm>
+          <a:off x="2265697" y="1030610"/>
+          <a:ext cx="3633560" cy="462425"/>
+        </a:xfrm>
+        <a:custGeom>
+          <a:avLst/>
+          <a:gdLst/>
+          <a:ahLst/>
+          <a:cxnLst/>
+          <a:rect l="0" t="0" r="0" b="0"/>
+          <a:pathLst>
+            <a:path>
+              <a:moveTo>
+                <a:pt x="3633560" y="0"/>
+              </a:moveTo>
+              <a:lnTo>
+                <a:pt x="3633560" y="316343"/>
+              </a:lnTo>
+              <a:lnTo>
+                <a:pt x="0" y="316343"/>
+              </a:lnTo>
+              <a:lnTo>
+                <a:pt x="0" y="462425"/>
+              </a:lnTo>
+            </a:path>
+          </a:pathLst>
+        </a:custGeom>
+        <a:noFill/>
+        <a:ln w="19050" cap="rnd" cmpd="sng" algn="ctr">
+          <a:solidFill>
+            <a:schemeClr val="accent1">
+              <a:shade val="60000"/>
+              <a:hueOff val="0"/>
+              <a:satOff val="0"/>
+              <a:lumOff val="0"/>
+              <a:alphaOff val="0"/>
+            </a:schemeClr>
+          </a:solidFill>
+          <a:prstDash val="solid"/>
+        </a:ln>
+        <a:effectLst/>
+      </dsp:spPr>
+      <dsp:style>
+        <a:lnRef idx="2">
+          <a:scrgbClr r="0" g="0" b="0"/>
+        </a:lnRef>
+        <a:fillRef idx="0">
+          <a:scrgbClr r="0" g="0" b="0"/>
+        </a:fillRef>
+        <a:effectRef idx="0">
+          <a:scrgbClr r="0" g="0" b="0"/>
+        </a:effectRef>
+        <a:fontRef idx="minor"/>
+      </dsp:style>
+    </dsp:sp>
+    <dsp:sp modelId="{90C255C2-D8F8-4A6E-9BEA-5CDCF6AE41FC}">
+      <dsp:nvSpPr>
+        <dsp:cNvPr id="0" name=""/>
+        <dsp:cNvSpPr/>
+      </dsp:nvSpPr>
+      <dsp:spPr>
+        <a:xfrm>
+          <a:off x="1308162" y="99554"/>
+          <a:ext cx="9182192" cy="931056"/>
+        </a:xfrm>
+        <a:prstGeom prst="rect">
+          <a:avLst/>
+        </a:prstGeom>
+        <a:solidFill>
+          <a:schemeClr val="accent1">
+            <a:hueOff val="0"/>
+            <a:satOff val="0"/>
+            <a:lumOff val="0"/>
+            <a:alphaOff val="0"/>
+          </a:schemeClr>
+        </a:solidFill>
+        <a:ln w="19050" cap="rnd" cmpd="sng" algn="ctr">
+          <a:solidFill>
+            <a:schemeClr val="lt1">
+              <a:hueOff val="0"/>
+              <a:satOff val="0"/>
+              <a:lumOff val="0"/>
+              <a:alphaOff val="0"/>
+            </a:schemeClr>
+          </a:solidFill>
+          <a:prstDash val="solid"/>
+        </a:ln>
+        <a:effectLst/>
+      </dsp:spPr>
+      <dsp:style>
+        <a:lnRef idx="2">
+          <a:scrgbClr r="0" g="0" b="0"/>
+        </a:lnRef>
+        <a:fillRef idx="1">
+          <a:scrgbClr r="0" g="0" b="0"/>
+        </a:fillRef>
+        <a:effectRef idx="0">
+          <a:scrgbClr r="0" g="0" b="0"/>
+        </a:effectRef>
+        <a:fontRef idx="minor">
+          <a:schemeClr val="lt1"/>
+        </a:fontRef>
+      </dsp:style>
+      <dsp:txBody>
+        <a:bodyPr spcFirstLastPara="0" vert="horz" wrap="square" lIns="25400" tIns="25400" rIns="25400" bIns="25400" numCol="1" spcCol="1270" anchor="ctr" anchorCtr="0">
+          <a:noAutofit/>
+        </a:bodyPr>
+        <a:lstStyle/>
+        <a:p>
+          <a:pPr lvl="0" algn="ctr" defTabSz="1778000">
+            <a:lnSpc>
+              <a:spcPct val="90000"/>
+            </a:lnSpc>
+            <a:spcBef>
+              <a:spcPct val="0"/>
+            </a:spcBef>
+            <a:spcAft>
+              <a:spcPct val="35000"/>
+            </a:spcAft>
+          </a:pPr>
+          <a:r>
+            <a:rPr lang="en-US" sz="4000" kern="1200" dirty="0" smtClean="0">
+              <a:solidFill>
+                <a:srgbClr val="FFFF00"/>
+              </a:solidFill>
+              <a:latin typeface="Informal Roman" panose="030604020304060B0204" pitchFamily="66" charset="0"/>
+            </a:rPr>
+            <a:t>Primitive Types &amp; Variables</a:t>
+          </a:r>
+          <a:endParaRPr lang="en-US" sz="4000" kern="1200" dirty="0">
+            <a:solidFill>
+              <a:srgbClr val="FFFF00"/>
+            </a:solidFill>
+            <a:latin typeface="Informal Roman" panose="030604020304060B0204" pitchFamily="66" charset="0"/>
+          </a:endParaRPr>
+        </a:p>
+      </dsp:txBody>
+      <dsp:txXfrm>
+        <a:off x="1308162" y="99554"/>
+        <a:ext cx="9182192" cy="931056"/>
+      </dsp:txXfrm>
+    </dsp:sp>
+    <dsp:sp modelId="{C20FB165-149B-4467-8314-5BAE14E5CA8C}">
+      <dsp:nvSpPr>
+        <dsp:cNvPr id="0" name=""/>
+        <dsp:cNvSpPr/>
+      </dsp:nvSpPr>
+      <dsp:spPr>
+        <a:xfrm>
+          <a:off x="1204530" y="1493036"/>
+          <a:ext cx="2122333" cy="1031609"/>
+        </a:xfrm>
+        <a:prstGeom prst="rect">
+          <a:avLst/>
+        </a:prstGeom>
+        <a:solidFill>
+          <a:schemeClr val="accent1">
+            <a:hueOff val="0"/>
+            <a:satOff val="0"/>
+            <a:lumOff val="0"/>
+            <a:alphaOff val="0"/>
+          </a:schemeClr>
+        </a:solidFill>
+        <a:ln w="19050" cap="rnd" cmpd="sng" algn="ctr">
+          <a:solidFill>
+            <a:schemeClr val="lt1">
+              <a:hueOff val="0"/>
+              <a:satOff val="0"/>
+              <a:lumOff val="0"/>
+              <a:alphaOff val="0"/>
+            </a:schemeClr>
+          </a:solidFill>
+          <a:prstDash val="solid"/>
+        </a:ln>
+        <a:effectLst/>
+      </dsp:spPr>
+      <dsp:style>
+        <a:lnRef idx="2">
+          <a:scrgbClr r="0" g="0" b="0"/>
+        </a:lnRef>
+        <a:fillRef idx="1">
+          <a:scrgbClr r="0" g="0" b="0"/>
+        </a:fillRef>
+        <a:effectRef idx="0">
+          <a:scrgbClr r="0" g="0" b="0"/>
+        </a:effectRef>
+        <a:fontRef idx="minor">
+          <a:schemeClr val="lt1"/>
+        </a:fontRef>
+      </dsp:style>
+      <dsp:txBody>
+        <a:bodyPr spcFirstLastPara="0" vert="horz" wrap="square" lIns="25400" tIns="25400" rIns="25400" bIns="25400" numCol="1" spcCol="1270" anchor="ctr" anchorCtr="0">
+          <a:noAutofit/>
+        </a:bodyPr>
+        <a:lstStyle/>
+        <a:p>
+          <a:pPr lvl="0" algn="ctr" defTabSz="1778000">
+            <a:lnSpc>
+              <a:spcPct val="90000"/>
+            </a:lnSpc>
+            <a:spcBef>
+              <a:spcPct val="0"/>
+            </a:spcBef>
+            <a:spcAft>
+              <a:spcPct val="35000"/>
+            </a:spcAft>
+          </a:pPr>
+          <a:r>
+            <a:rPr lang="en-US" sz="4000" kern="1200" dirty="0" smtClean="0">
+              <a:latin typeface="Informal Roman" panose="030604020304060B0204" pitchFamily="66" charset="0"/>
+            </a:rPr>
+            <a:t>Data Types</a:t>
+          </a:r>
+          <a:endParaRPr lang="en-US" sz="4000" kern="1200" dirty="0">
+            <a:latin typeface="Informal Roman" panose="030604020304060B0204" pitchFamily="66" charset="0"/>
+          </a:endParaRPr>
+        </a:p>
+      </dsp:txBody>
+      <dsp:txXfrm>
+        <a:off x="1204530" y="1493036"/>
+        <a:ext cx="2122333" cy="1031609"/>
+      </dsp:txXfrm>
+    </dsp:sp>
+    <dsp:sp modelId="{7549AA70-C3D3-4FE9-939D-63B6EE6245FD}">
+      <dsp:nvSpPr>
+        <dsp:cNvPr id="0" name=""/>
+        <dsp:cNvSpPr/>
+      </dsp:nvSpPr>
+      <dsp:spPr>
+        <a:xfrm>
+          <a:off x="236926" y="2781374"/>
+          <a:ext cx="3499120" cy="3658224"/>
+        </a:xfrm>
+        <a:prstGeom prst="rect">
+          <a:avLst/>
+        </a:prstGeom>
+        <a:solidFill>
+          <a:schemeClr val="accent1">
+            <a:hueOff val="0"/>
+            <a:satOff val="0"/>
+            <a:lumOff val="0"/>
+            <a:alphaOff val="0"/>
+          </a:schemeClr>
+        </a:solidFill>
+        <a:ln w="19050" cap="rnd" cmpd="sng" algn="ctr">
+          <a:solidFill>
+            <a:schemeClr val="lt1">
+              <a:hueOff val="0"/>
+              <a:satOff val="0"/>
+              <a:lumOff val="0"/>
+              <a:alphaOff val="0"/>
+            </a:schemeClr>
+          </a:solidFill>
+          <a:prstDash val="solid"/>
+        </a:ln>
+        <a:effectLst/>
+      </dsp:spPr>
+      <dsp:style>
+        <a:lnRef idx="2">
+          <a:scrgbClr r="0" g="0" b="0"/>
+        </a:lnRef>
+        <a:fillRef idx="1">
+          <a:scrgbClr r="0" g="0" b="0"/>
+        </a:fillRef>
+        <a:effectRef idx="0">
+          <a:scrgbClr r="0" g="0" b="0"/>
+        </a:effectRef>
+        <a:fontRef idx="minor">
+          <a:schemeClr val="lt1"/>
+        </a:fontRef>
+      </dsp:style>
+      <dsp:txBody>
+        <a:bodyPr spcFirstLastPara="0" vert="horz" wrap="square" lIns="15240" tIns="15240" rIns="15240" bIns="15240" numCol="1" spcCol="1270" anchor="ctr" anchorCtr="0">
+          <a:noAutofit/>
+        </a:bodyPr>
+        <a:lstStyle/>
+        <a:p>
+          <a:pPr lvl="0" algn="l" defTabSz="1066800">
+            <a:lnSpc>
+              <a:spcPct val="90000"/>
+            </a:lnSpc>
+            <a:spcBef>
+              <a:spcPct val="0"/>
+            </a:spcBef>
+            <a:spcAft>
+              <a:spcPct val="35000"/>
+            </a:spcAft>
+          </a:pPr>
+          <a:r>
+            <a:rPr lang="en-US" sz="2400" b="1" kern="1200" dirty="0" smtClean="0">
+              <a:latin typeface="Buxton Sketch" panose="03080500000500000004" pitchFamily="66" charset="0"/>
+            </a:rPr>
+            <a:t>- </a:t>
+          </a:r>
+          <a:r>
+            <a:rPr lang="en-US" sz="2400" b="1" kern="1200" dirty="0" smtClean="0">
+              <a:solidFill>
+                <a:schemeClr val="bg1"/>
+              </a:solidFill>
+              <a:latin typeface="Buxton Sketch" panose="03080500000500000004" pitchFamily="66" charset="0"/>
+            </a:rPr>
+            <a:t>Name: </a:t>
+          </a:r>
+          <a:r>
+            <a:rPr lang="en-US" sz="2400" b="1" kern="1200" dirty="0" err="1" smtClean="0">
+              <a:latin typeface="Buxton Sketch" panose="03080500000500000004" pitchFamily="66" charset="0"/>
+            </a:rPr>
+            <a:t>int</a:t>
+          </a:r>
+          <a:r>
+            <a:rPr lang="en-US" sz="2400" b="1" kern="1200" dirty="0" smtClean="0">
+              <a:latin typeface="Buxton Sketch" panose="03080500000500000004" pitchFamily="66" charset="0"/>
+            </a:rPr>
+            <a:t>, double, string, char</a:t>
+          </a:r>
+        </a:p>
+        <a:p>
+          <a:pPr lvl="0" algn="l" defTabSz="1066800">
+            <a:lnSpc>
+              <a:spcPct val="90000"/>
+            </a:lnSpc>
+            <a:spcBef>
+              <a:spcPct val="0"/>
+            </a:spcBef>
+            <a:spcAft>
+              <a:spcPct val="35000"/>
+            </a:spcAft>
+          </a:pPr>
+          <a:r>
+            <a:rPr lang="en-US" sz="2400" b="1" kern="1200" dirty="0" smtClean="0">
+              <a:latin typeface="Buxton Sketch" panose="03080500000500000004" pitchFamily="66" charset="0"/>
+            </a:rPr>
+            <a:t>- </a:t>
+          </a:r>
+          <a:r>
+            <a:rPr lang="en-US" sz="2400" b="1" kern="1200" dirty="0" smtClean="0">
+              <a:solidFill>
+                <a:schemeClr val="bg1"/>
+              </a:solidFill>
+              <a:latin typeface="Buxton Sketch" panose="03080500000500000004" pitchFamily="66" charset="0"/>
+            </a:rPr>
+            <a:t>Size: </a:t>
+          </a:r>
+          <a:r>
+            <a:rPr lang="en-US" sz="2400" b="1" kern="1200" dirty="0" smtClean="0">
+              <a:latin typeface="Buxton Sketch" panose="03080500000500000004" pitchFamily="66" charset="0"/>
+            </a:rPr>
+            <a:t>4 bytes, 16 bytes ….</a:t>
+          </a:r>
+        </a:p>
+        <a:p>
+          <a:pPr lvl="0" algn="l" defTabSz="1066800">
+            <a:lnSpc>
+              <a:spcPct val="90000"/>
+            </a:lnSpc>
+            <a:spcBef>
+              <a:spcPct val="0"/>
+            </a:spcBef>
+            <a:spcAft>
+              <a:spcPct val="35000"/>
+            </a:spcAft>
+          </a:pPr>
+          <a:r>
+            <a:rPr lang="en-US" sz="2400" b="1" kern="1200" dirty="0" smtClean="0">
+              <a:latin typeface="Buxton Sketch" panose="03080500000500000004" pitchFamily="66" charset="0"/>
+            </a:rPr>
+            <a:t>- </a:t>
+          </a:r>
+          <a:r>
+            <a:rPr lang="en-US" sz="2400" b="1" kern="1200" dirty="0" smtClean="0">
+              <a:solidFill>
+                <a:schemeClr val="bg1"/>
+              </a:solidFill>
+              <a:latin typeface="Buxton Sketch" panose="03080500000500000004" pitchFamily="66" charset="0"/>
+            </a:rPr>
+            <a:t>Default value: </a:t>
+          </a:r>
+          <a:r>
+            <a:rPr lang="en-US" sz="2400" b="1" kern="1200" dirty="0" smtClean="0">
+              <a:latin typeface="Buxton Sketch" panose="03080500000500000004" pitchFamily="66" charset="0"/>
+            </a:rPr>
+            <a:t>0, null …</a:t>
+          </a:r>
+        </a:p>
+        <a:p>
+          <a:pPr lvl="0" algn="ctr" defTabSz="1066800">
+            <a:lnSpc>
+              <a:spcPct val="90000"/>
+            </a:lnSpc>
+            <a:spcBef>
+              <a:spcPct val="0"/>
+            </a:spcBef>
+            <a:spcAft>
+              <a:spcPct val="35000"/>
+            </a:spcAft>
+          </a:pPr>
+          <a:r>
+            <a:rPr lang="en-US" sz="2400" b="1" kern="1200" dirty="0" smtClean="0">
+              <a:solidFill>
+                <a:srgbClr val="FFFF00"/>
+              </a:solidFill>
+              <a:latin typeface="Buxton Sketch" panose="03080500000500000004" pitchFamily="66" charset="0"/>
+            </a:rPr>
+            <a:t>Example: </a:t>
+          </a:r>
+        </a:p>
+        <a:p>
+          <a:pPr lvl="0" algn="l" defTabSz="1066800">
+            <a:lnSpc>
+              <a:spcPct val="90000"/>
+            </a:lnSpc>
+            <a:spcBef>
+              <a:spcPct val="0"/>
+            </a:spcBef>
+            <a:spcAft>
+              <a:spcPct val="35000"/>
+            </a:spcAft>
+          </a:pPr>
+          <a:r>
+            <a:rPr lang="en-US" sz="2400" b="1" kern="1200" dirty="0" smtClean="0">
+              <a:solidFill>
+                <a:schemeClr val="bg2">
+                  <a:lumMod val="50000"/>
+                </a:schemeClr>
+              </a:solidFill>
+              <a:latin typeface="Buxton Sketch" panose="03080500000500000004" pitchFamily="66" charset="0"/>
+            </a:rPr>
+            <a:t> string</a:t>
+          </a:r>
+          <a:r>
+            <a:rPr lang="en-US" sz="2400" b="1" kern="1200" dirty="0" smtClean="0">
+              <a:latin typeface="Buxton Sketch" panose="03080500000500000004" pitchFamily="66" charset="0"/>
+            </a:rPr>
+            <a:t> name = “Bugs Bunny”</a:t>
+          </a:r>
+        </a:p>
+        <a:p>
+          <a:pPr lvl="0" algn="l" defTabSz="1066800">
+            <a:lnSpc>
+              <a:spcPct val="90000"/>
+            </a:lnSpc>
+            <a:spcBef>
+              <a:spcPct val="0"/>
+            </a:spcBef>
+            <a:spcAft>
+              <a:spcPct val="35000"/>
+            </a:spcAft>
+          </a:pPr>
+          <a:r>
+            <a:rPr lang="en-US" sz="2400" b="1" kern="1200" dirty="0" smtClean="0">
+              <a:solidFill>
+                <a:schemeClr val="bg2">
+                  <a:lumMod val="50000"/>
+                </a:schemeClr>
+              </a:solidFill>
+              <a:latin typeface="Buxton Sketch" panose="03080500000500000004" pitchFamily="66" charset="0"/>
+            </a:rPr>
+            <a:t> </a:t>
+          </a:r>
+          <a:r>
+            <a:rPr lang="en-US" sz="2400" b="1" kern="1200" dirty="0" err="1" smtClean="0">
+              <a:solidFill>
+                <a:schemeClr val="bg2">
+                  <a:lumMod val="50000"/>
+                </a:schemeClr>
+              </a:solidFill>
+              <a:latin typeface="Buxton Sketch" panose="03080500000500000004" pitchFamily="66" charset="0"/>
+            </a:rPr>
+            <a:t>int</a:t>
+          </a:r>
+          <a:r>
+            <a:rPr lang="en-US" sz="2400" b="1" kern="1200" dirty="0" smtClean="0">
+              <a:solidFill>
+                <a:schemeClr val="bg2">
+                  <a:lumMod val="50000"/>
+                </a:schemeClr>
+              </a:solidFill>
+              <a:latin typeface="Buxton Sketch" panose="03080500000500000004" pitchFamily="66" charset="0"/>
+            </a:rPr>
+            <a:t> </a:t>
+          </a:r>
+          <a:r>
+            <a:rPr lang="en-US" sz="2400" b="1" kern="1200" dirty="0" smtClean="0">
+              <a:latin typeface="Buxton Sketch" panose="03080500000500000004" pitchFamily="66" charset="0"/>
+            </a:rPr>
+            <a:t>number = 0;</a:t>
+          </a:r>
+        </a:p>
+        <a:p>
+          <a:pPr lvl="0" algn="l" defTabSz="1066800">
+            <a:lnSpc>
+              <a:spcPct val="90000"/>
+            </a:lnSpc>
+            <a:spcBef>
+              <a:spcPct val="0"/>
+            </a:spcBef>
+            <a:spcAft>
+              <a:spcPct val="35000"/>
+            </a:spcAft>
+          </a:pPr>
+          <a:r>
+            <a:rPr lang="en-US" sz="2400" b="1" kern="1200" dirty="0" smtClean="0">
+              <a:solidFill>
+                <a:schemeClr val="bg1"/>
+              </a:solidFill>
+              <a:latin typeface="Buxton Sketch" panose="03080500000500000004" pitchFamily="66" charset="0"/>
+            </a:rPr>
+            <a:t> bool </a:t>
+          </a:r>
+          <a:r>
+            <a:rPr lang="en-US" sz="2400" b="1" kern="1200" dirty="0" smtClean="0">
+              <a:latin typeface="Buxton Sketch" panose="03080500000500000004" pitchFamily="66" charset="0"/>
+            </a:rPr>
+            <a:t>male = true;</a:t>
+          </a:r>
+        </a:p>
+        <a:p>
+          <a:pPr lvl="0" algn="l" defTabSz="1066800">
+            <a:lnSpc>
+              <a:spcPct val="90000"/>
+            </a:lnSpc>
+            <a:spcBef>
+              <a:spcPct val="0"/>
+            </a:spcBef>
+            <a:spcAft>
+              <a:spcPct val="35000"/>
+            </a:spcAft>
+          </a:pPr>
+          <a:r>
+            <a:rPr lang="en-US" sz="2400" b="1" kern="1200" dirty="0" smtClean="0">
+              <a:solidFill>
+                <a:schemeClr val="bg2">
+                  <a:lumMod val="50000"/>
+                </a:schemeClr>
+              </a:solidFill>
+              <a:latin typeface="Informal Roman" panose="030604020304060B0204" pitchFamily="66" charset="0"/>
+            </a:rPr>
+            <a:t> </a:t>
+          </a:r>
+          <a:endParaRPr lang="en-US" sz="2400" kern="1200" dirty="0">
+            <a:latin typeface="Informal Roman" panose="030604020304060B0204" pitchFamily="66" charset="0"/>
+          </a:endParaRPr>
+        </a:p>
+      </dsp:txBody>
+      <dsp:txXfrm>
+        <a:off x="236926" y="2781374"/>
+        <a:ext cx="3499120" cy="3658224"/>
+      </dsp:txXfrm>
+    </dsp:sp>
+    <dsp:sp modelId="{895AB612-A75C-40B5-8D50-63BBED3726CA}">
+      <dsp:nvSpPr>
+        <dsp:cNvPr id="0" name=""/>
+        <dsp:cNvSpPr/>
+      </dsp:nvSpPr>
+      <dsp:spPr>
+        <a:xfrm>
+          <a:off x="4527156" y="1520395"/>
+          <a:ext cx="2694111" cy="757038"/>
+        </a:xfrm>
+        <a:prstGeom prst="rect">
+          <a:avLst/>
+        </a:prstGeom>
+        <a:solidFill>
+          <a:schemeClr val="accent1">
+            <a:hueOff val="0"/>
+            <a:satOff val="0"/>
+            <a:lumOff val="0"/>
+            <a:alphaOff val="0"/>
+          </a:schemeClr>
+        </a:solidFill>
+        <a:ln w="19050" cap="rnd" cmpd="sng" algn="ctr">
+          <a:solidFill>
+            <a:schemeClr val="lt1">
+              <a:hueOff val="0"/>
+              <a:satOff val="0"/>
+              <a:lumOff val="0"/>
+              <a:alphaOff val="0"/>
+            </a:schemeClr>
+          </a:solidFill>
+          <a:prstDash val="solid"/>
+        </a:ln>
+        <a:effectLst/>
+      </dsp:spPr>
+      <dsp:style>
+        <a:lnRef idx="2">
+          <a:scrgbClr r="0" g="0" b="0"/>
+        </a:lnRef>
+        <a:fillRef idx="1">
+          <a:scrgbClr r="0" g="0" b="0"/>
+        </a:fillRef>
+        <a:effectRef idx="0">
+          <a:scrgbClr r="0" g="0" b="0"/>
+        </a:effectRef>
+        <a:fontRef idx="minor">
+          <a:schemeClr val="lt1"/>
+        </a:fontRef>
+      </dsp:style>
+      <dsp:txBody>
+        <a:bodyPr spcFirstLastPara="0" vert="horz" wrap="square" lIns="25400" tIns="25400" rIns="25400" bIns="25400" numCol="1" spcCol="1270" anchor="ctr" anchorCtr="0">
+          <a:noAutofit/>
+        </a:bodyPr>
+        <a:lstStyle/>
+        <a:p>
+          <a:pPr lvl="0" algn="ctr" defTabSz="1778000">
+            <a:lnSpc>
+              <a:spcPct val="90000"/>
+            </a:lnSpc>
+            <a:spcBef>
+              <a:spcPct val="0"/>
+            </a:spcBef>
+            <a:spcAft>
+              <a:spcPct val="35000"/>
+            </a:spcAft>
+          </a:pPr>
+          <a:r>
+            <a:rPr lang="en-US" sz="4000" kern="1200" dirty="0" smtClean="0">
+              <a:latin typeface="Informal Roman" panose="030604020304060B0204" pitchFamily="66" charset="0"/>
+            </a:rPr>
+            <a:t>Variables</a:t>
+          </a:r>
+          <a:endParaRPr lang="en-US" sz="4000" kern="1200" dirty="0">
+            <a:latin typeface="Informal Roman" panose="030604020304060B0204" pitchFamily="66" charset="0"/>
+          </a:endParaRPr>
+        </a:p>
+      </dsp:txBody>
+      <dsp:txXfrm>
+        <a:off x="4527156" y="1520395"/>
+        <a:ext cx="2694111" cy="757038"/>
+      </dsp:txXfrm>
+    </dsp:sp>
+    <dsp:sp modelId="{0C797A68-FBD4-499D-B19D-9425146D7EE6}">
+      <dsp:nvSpPr>
+        <dsp:cNvPr id="0" name=""/>
+        <dsp:cNvSpPr/>
+      </dsp:nvSpPr>
+      <dsp:spPr>
+        <a:xfrm>
+          <a:off x="4209824" y="2662331"/>
+          <a:ext cx="3491899" cy="3766234"/>
+        </a:xfrm>
+        <a:prstGeom prst="rect">
+          <a:avLst/>
+        </a:prstGeom>
+        <a:solidFill>
+          <a:schemeClr val="accent1">
+            <a:hueOff val="0"/>
+            <a:satOff val="0"/>
+            <a:lumOff val="0"/>
+            <a:alphaOff val="0"/>
+          </a:schemeClr>
+        </a:solidFill>
+        <a:ln w="19050" cap="rnd" cmpd="sng" algn="ctr">
+          <a:solidFill>
+            <a:schemeClr val="lt1">
+              <a:hueOff val="0"/>
+              <a:satOff val="0"/>
+              <a:lumOff val="0"/>
+              <a:alphaOff val="0"/>
+            </a:schemeClr>
+          </a:solidFill>
+          <a:prstDash val="solid"/>
+        </a:ln>
+        <a:effectLst/>
+      </dsp:spPr>
+      <dsp:style>
+        <a:lnRef idx="2">
+          <a:scrgbClr r="0" g="0" b="0"/>
+        </a:lnRef>
+        <a:fillRef idx="1">
+          <a:scrgbClr r="0" g="0" b="0"/>
+        </a:fillRef>
+        <a:effectRef idx="0">
+          <a:scrgbClr r="0" g="0" b="0"/>
+        </a:effectRef>
+        <a:fontRef idx="minor">
+          <a:schemeClr val="lt1"/>
+        </a:fontRef>
+      </dsp:style>
+      <dsp:txBody>
+        <a:bodyPr spcFirstLastPara="0" vert="horz" wrap="square" lIns="15240" tIns="15240" rIns="15240" bIns="15240" numCol="1" spcCol="1270" anchor="ctr" anchorCtr="0">
+          <a:noAutofit/>
+        </a:bodyPr>
+        <a:lstStyle/>
+        <a:p>
+          <a:pPr lvl="0" algn="l" defTabSz="1066800">
+            <a:lnSpc>
+              <a:spcPct val="90000"/>
+            </a:lnSpc>
+            <a:spcBef>
+              <a:spcPct val="0"/>
+            </a:spcBef>
+            <a:spcAft>
+              <a:spcPct val="35000"/>
+            </a:spcAft>
+          </a:pPr>
+          <a:r>
+            <a:rPr lang="en-US" sz="2400" b="1" kern="1200" dirty="0" smtClean="0">
+              <a:latin typeface="Buxton Sketch" panose="03080500000500000004" pitchFamily="66" charset="0"/>
+            </a:rPr>
+            <a:t>- </a:t>
+          </a:r>
+          <a:r>
+            <a:rPr lang="en-US" sz="2400" b="1" kern="1200" dirty="0" smtClean="0">
+              <a:solidFill>
+                <a:schemeClr val="bg1"/>
+              </a:solidFill>
+              <a:latin typeface="Buxton Sketch" panose="03080500000500000004" pitchFamily="66" charset="0"/>
+            </a:rPr>
+            <a:t>Name(identifier): </a:t>
+          </a:r>
+          <a:r>
+            <a:rPr lang="en-US" sz="2400" b="1" kern="1200" dirty="0" smtClean="0">
+              <a:latin typeface="Buxton Sketch" panose="03080500000500000004" pitchFamily="66" charset="0"/>
+            </a:rPr>
+            <a:t>age, name</a:t>
+          </a:r>
+        </a:p>
+        <a:p>
+          <a:pPr lvl="0" algn="l" defTabSz="1066800">
+            <a:lnSpc>
+              <a:spcPct val="90000"/>
+            </a:lnSpc>
+            <a:spcBef>
+              <a:spcPct val="0"/>
+            </a:spcBef>
+            <a:spcAft>
+              <a:spcPct val="35000"/>
+            </a:spcAft>
+          </a:pPr>
+          <a:r>
+            <a:rPr lang="en-US" sz="2400" b="1" kern="1200" dirty="0" smtClean="0">
+              <a:latin typeface="Buxton Sketch" panose="03080500000500000004" pitchFamily="66" charset="0"/>
+            </a:rPr>
+            <a:t>- </a:t>
+          </a:r>
+          <a:r>
+            <a:rPr lang="en-US" sz="2400" b="1" kern="1200" dirty="0" smtClean="0">
+              <a:solidFill>
+                <a:schemeClr val="bg1"/>
+              </a:solidFill>
+              <a:latin typeface="Buxton Sketch" panose="03080500000500000004" pitchFamily="66" charset="0"/>
+            </a:rPr>
+            <a:t>Type: </a:t>
+          </a:r>
+          <a:r>
+            <a:rPr lang="en-US" sz="2400" b="1" kern="1200" dirty="0" err="1" smtClean="0">
+              <a:latin typeface="Buxton Sketch" panose="03080500000500000004" pitchFamily="66" charset="0"/>
+            </a:rPr>
+            <a:t>int</a:t>
+          </a:r>
+          <a:r>
+            <a:rPr lang="en-US" sz="2400" b="1" kern="1200" dirty="0" smtClean="0">
+              <a:latin typeface="Buxton Sketch" panose="03080500000500000004" pitchFamily="66" charset="0"/>
+            </a:rPr>
+            <a:t>, string, char</a:t>
+          </a:r>
+        </a:p>
+        <a:p>
+          <a:pPr lvl="0" algn="l" defTabSz="1066800">
+            <a:lnSpc>
+              <a:spcPct val="90000"/>
+            </a:lnSpc>
+            <a:spcBef>
+              <a:spcPct val="0"/>
+            </a:spcBef>
+            <a:spcAft>
+              <a:spcPct val="35000"/>
+            </a:spcAft>
+          </a:pPr>
+          <a:r>
+            <a:rPr lang="en-US" sz="2400" b="1" kern="1200" dirty="0" smtClean="0">
+              <a:latin typeface="Buxton Sketch" panose="03080500000500000004" pitchFamily="66" charset="0"/>
+            </a:rPr>
+            <a:t>- </a:t>
+          </a:r>
+          <a:r>
+            <a:rPr lang="en-US" sz="2400" b="1" kern="1200" dirty="0" smtClean="0">
+              <a:solidFill>
+                <a:schemeClr val="bg1"/>
+              </a:solidFill>
+              <a:latin typeface="Buxton Sketch" panose="03080500000500000004" pitchFamily="66" charset="0"/>
+            </a:rPr>
+            <a:t>Value: </a:t>
+          </a:r>
+          <a:r>
+            <a:rPr lang="en-US" sz="2400" b="1" kern="1200" dirty="0" smtClean="0">
+              <a:latin typeface="Buxton Sketch" panose="03080500000500000004" pitchFamily="66" charset="0"/>
+            </a:rPr>
+            <a:t>101, Daffy Duck, </a:t>
+          </a:r>
+          <a:r>
+            <a:rPr lang="en-US" sz="2400" b="1" kern="1200" dirty="0" smtClean="0">
+              <a:latin typeface="Buxton Sketch" panose="03080500000500000004" pitchFamily="66" charset="0"/>
+              <a:sym typeface="Wingdings" panose="05000000000000000000" pitchFamily="2" charset="2"/>
+            </a:rPr>
+            <a:t></a:t>
+          </a:r>
+        </a:p>
+        <a:p>
+          <a:pPr lvl="0" algn="ctr" defTabSz="1066800">
+            <a:lnSpc>
+              <a:spcPct val="90000"/>
+            </a:lnSpc>
+            <a:spcBef>
+              <a:spcPct val="0"/>
+            </a:spcBef>
+            <a:spcAft>
+              <a:spcPct val="35000"/>
+            </a:spcAft>
+          </a:pPr>
+          <a:r>
+            <a:rPr lang="en-US" sz="2400" b="1" kern="1200" dirty="0" smtClean="0">
+              <a:solidFill>
+                <a:srgbClr val="FFFF00"/>
+              </a:solidFill>
+              <a:latin typeface="Buxton Sketch" panose="03080500000500000004" pitchFamily="66" charset="0"/>
+              <a:sym typeface="Wingdings" panose="05000000000000000000" pitchFamily="2" charset="2"/>
+            </a:rPr>
+            <a:t>Example:</a:t>
+          </a:r>
+        </a:p>
+        <a:p>
+          <a:pPr lvl="0" algn="l" defTabSz="1066800">
+            <a:lnSpc>
+              <a:spcPct val="90000"/>
+            </a:lnSpc>
+            <a:spcBef>
+              <a:spcPct val="0"/>
+            </a:spcBef>
+            <a:spcAft>
+              <a:spcPct val="35000"/>
+            </a:spcAft>
+          </a:pPr>
+          <a:r>
+            <a:rPr lang="en-US" sz="2400" b="1" kern="1200" dirty="0" smtClean="0">
+              <a:latin typeface="Buxton Sketch" panose="03080500000500000004" pitchFamily="66" charset="0"/>
+              <a:sym typeface="Wingdings" panose="05000000000000000000" pitchFamily="2" charset="2"/>
+            </a:rPr>
+            <a:t> string </a:t>
+          </a:r>
+          <a:r>
+            <a:rPr lang="en-US" sz="2400" b="1" kern="1200" dirty="0" err="1" smtClean="0">
+              <a:solidFill>
+                <a:schemeClr val="bg2">
+                  <a:lumMod val="50000"/>
+                </a:schemeClr>
+              </a:solidFill>
+              <a:latin typeface="Buxton Sketch" panose="03080500000500000004" pitchFamily="66" charset="0"/>
+              <a:sym typeface="Wingdings" panose="05000000000000000000" pitchFamily="2" charset="2"/>
+            </a:rPr>
+            <a:t>myName</a:t>
+          </a:r>
+          <a:r>
+            <a:rPr lang="en-US" sz="2400" b="1" kern="1200" dirty="0" smtClean="0">
+              <a:solidFill>
+                <a:schemeClr val="bg2">
+                  <a:lumMod val="50000"/>
+                </a:schemeClr>
+              </a:solidFill>
+              <a:latin typeface="Buxton Sketch" panose="03080500000500000004" pitchFamily="66" charset="0"/>
+              <a:sym typeface="Wingdings" panose="05000000000000000000" pitchFamily="2" charset="2"/>
+            </a:rPr>
+            <a:t> </a:t>
+          </a:r>
+          <a:r>
+            <a:rPr lang="en-US" sz="2400" b="1" kern="1200" dirty="0" smtClean="0">
+              <a:solidFill>
+                <a:schemeClr val="tx1"/>
+              </a:solidFill>
+              <a:latin typeface="Buxton Sketch" panose="03080500000500000004" pitchFamily="66" charset="0"/>
+              <a:sym typeface="Wingdings" panose="05000000000000000000" pitchFamily="2" charset="2"/>
+            </a:rPr>
+            <a:t>= “Bugsy“;</a:t>
+          </a:r>
+        </a:p>
+        <a:p>
+          <a:pPr lvl="0" algn="l" defTabSz="1066800">
+            <a:lnSpc>
+              <a:spcPct val="90000"/>
+            </a:lnSpc>
+            <a:spcBef>
+              <a:spcPct val="0"/>
+            </a:spcBef>
+            <a:spcAft>
+              <a:spcPct val="35000"/>
+            </a:spcAft>
+          </a:pPr>
+          <a:r>
+            <a:rPr lang="en-US" sz="2400" b="1" kern="1200" dirty="0" smtClean="0">
+              <a:solidFill>
+                <a:schemeClr val="bg2">
+                  <a:lumMod val="50000"/>
+                </a:schemeClr>
+              </a:solidFill>
+              <a:latin typeface="Buxton Sketch" panose="03080500000500000004" pitchFamily="66" charset="0"/>
+              <a:sym typeface="Wingdings" panose="05000000000000000000" pitchFamily="2" charset="2"/>
+            </a:rPr>
+            <a:t> </a:t>
+          </a:r>
+          <a:r>
+            <a:rPr lang="en-US" sz="2400" b="1" kern="1200" dirty="0" err="1" smtClean="0">
+              <a:solidFill>
+                <a:schemeClr val="tx1"/>
+              </a:solidFill>
+              <a:latin typeface="Buxton Sketch" panose="03080500000500000004" pitchFamily="66" charset="0"/>
+              <a:sym typeface="Wingdings" panose="05000000000000000000" pitchFamily="2" charset="2"/>
+            </a:rPr>
+            <a:t>int</a:t>
+          </a:r>
+          <a:r>
+            <a:rPr lang="en-US" sz="2400" b="1" kern="1200" dirty="0" smtClean="0">
+              <a:solidFill>
+                <a:schemeClr val="tx1"/>
+              </a:solidFill>
+              <a:latin typeface="Buxton Sketch" panose="03080500000500000004" pitchFamily="66" charset="0"/>
+              <a:sym typeface="Wingdings" panose="05000000000000000000" pitchFamily="2" charset="2"/>
+            </a:rPr>
+            <a:t> </a:t>
+          </a:r>
+          <a:r>
+            <a:rPr lang="en-US" sz="2400" b="1" kern="1200" dirty="0" err="1" smtClean="0">
+              <a:solidFill>
+                <a:schemeClr val="bg1"/>
+              </a:solidFill>
+              <a:latin typeface="Buxton Sketch" panose="03080500000500000004" pitchFamily="66" charset="0"/>
+              <a:sym typeface="Wingdings" panose="05000000000000000000" pitchFamily="2" charset="2"/>
+            </a:rPr>
+            <a:t>myAge</a:t>
+          </a:r>
+          <a:r>
+            <a:rPr lang="en-US" sz="2400" b="1" kern="1200" dirty="0" smtClean="0">
+              <a:solidFill>
+                <a:schemeClr val="bg1"/>
+              </a:solidFill>
+              <a:latin typeface="Buxton Sketch" panose="03080500000500000004" pitchFamily="66" charset="0"/>
+              <a:sym typeface="Wingdings" panose="05000000000000000000" pitchFamily="2" charset="2"/>
+            </a:rPr>
+            <a:t> </a:t>
+          </a:r>
+          <a:r>
+            <a:rPr lang="en-US" sz="2400" b="1" kern="1200" dirty="0" smtClean="0">
+              <a:solidFill>
+                <a:schemeClr val="tx1"/>
+              </a:solidFill>
+              <a:latin typeface="Buxton Sketch" panose="03080500000500000004" pitchFamily="66" charset="0"/>
+              <a:sym typeface="Wingdings" panose="05000000000000000000" pitchFamily="2" charset="2"/>
+            </a:rPr>
+            <a:t>= 101;</a:t>
+          </a:r>
+        </a:p>
+        <a:p>
+          <a:pPr lvl="0" algn="l" defTabSz="1066800">
+            <a:lnSpc>
+              <a:spcPct val="90000"/>
+            </a:lnSpc>
+            <a:spcBef>
+              <a:spcPct val="0"/>
+            </a:spcBef>
+            <a:spcAft>
+              <a:spcPct val="35000"/>
+            </a:spcAft>
+          </a:pPr>
+          <a:r>
+            <a:rPr lang="en-US" sz="2400" b="1" kern="1200" dirty="0" smtClean="0">
+              <a:solidFill>
+                <a:schemeClr val="tx1"/>
+              </a:solidFill>
+              <a:latin typeface="Buxton Sketch" panose="03080500000500000004" pitchFamily="66" charset="0"/>
+              <a:sym typeface="Wingdings" panose="05000000000000000000" pitchFamily="2" charset="2"/>
+            </a:rPr>
+            <a:t> bool </a:t>
+          </a:r>
+          <a:r>
+            <a:rPr lang="en-US" sz="2400" b="1" kern="1200" dirty="0" smtClean="0">
+              <a:solidFill>
+                <a:schemeClr val="bg1"/>
+              </a:solidFill>
+              <a:latin typeface="Buxton Sketch" panose="03080500000500000004" pitchFamily="66" charset="0"/>
+              <a:sym typeface="Wingdings" panose="05000000000000000000" pitchFamily="2" charset="2"/>
+            </a:rPr>
+            <a:t>male</a:t>
+          </a:r>
+          <a:r>
+            <a:rPr lang="en-US" sz="2400" b="1" kern="1200" dirty="0" smtClean="0">
+              <a:solidFill>
+                <a:schemeClr val="tx1"/>
+              </a:solidFill>
+              <a:latin typeface="Buxton Sketch" panose="03080500000500000004" pitchFamily="66" charset="0"/>
+              <a:sym typeface="Wingdings" panose="05000000000000000000" pitchFamily="2" charset="2"/>
+            </a:rPr>
+            <a:t> = false;</a:t>
+          </a:r>
+          <a:endParaRPr lang="en-US" sz="2400" b="1" kern="1200" dirty="0" smtClean="0">
+            <a:solidFill>
+              <a:schemeClr val="bg1"/>
+            </a:solidFill>
+            <a:latin typeface="Buxton Sketch" panose="03080500000500000004" pitchFamily="66" charset="0"/>
+            <a:sym typeface="Wingdings" panose="05000000000000000000" pitchFamily="2" charset="2"/>
+          </a:endParaRPr>
+        </a:p>
+        <a:p>
+          <a:pPr lvl="0" algn="l" defTabSz="1066800">
+            <a:lnSpc>
+              <a:spcPct val="90000"/>
+            </a:lnSpc>
+            <a:spcBef>
+              <a:spcPct val="0"/>
+            </a:spcBef>
+            <a:spcAft>
+              <a:spcPct val="35000"/>
+            </a:spcAft>
+          </a:pPr>
+          <a:r>
+            <a:rPr lang="en-US" sz="2400" kern="1200" dirty="0" smtClean="0">
+              <a:latin typeface="Informal Roman" panose="030604020304060B0204" pitchFamily="66" charset="0"/>
+            </a:rPr>
+            <a:t> </a:t>
+          </a:r>
+          <a:endParaRPr lang="en-US" sz="2400" kern="1200" dirty="0">
+            <a:latin typeface="Informal Roman" panose="030604020304060B0204" pitchFamily="66" charset="0"/>
+          </a:endParaRPr>
+        </a:p>
+      </dsp:txBody>
+      <dsp:txXfrm>
+        <a:off x="4209824" y="2662331"/>
+        <a:ext cx="3491899" cy="3766234"/>
+      </dsp:txXfrm>
+    </dsp:sp>
+    <dsp:sp modelId="{24997362-E2FE-4324-9EA2-55AE0DA44CA4}">
+      <dsp:nvSpPr>
+        <dsp:cNvPr id="0" name=""/>
+        <dsp:cNvSpPr/>
+      </dsp:nvSpPr>
+      <dsp:spPr>
+        <a:xfrm>
+          <a:off x="9054129" y="1304611"/>
+          <a:ext cx="1849299" cy="1067580"/>
+        </a:xfrm>
+        <a:prstGeom prst="rect">
+          <a:avLst/>
+        </a:prstGeom>
+        <a:solidFill>
+          <a:schemeClr val="accent1">
+            <a:hueOff val="0"/>
+            <a:satOff val="0"/>
+            <a:lumOff val="0"/>
+            <a:alphaOff val="0"/>
+          </a:schemeClr>
+        </a:solidFill>
+        <a:ln w="19050" cap="rnd" cmpd="sng" algn="ctr">
+          <a:solidFill>
+            <a:schemeClr val="lt1">
+              <a:hueOff val="0"/>
+              <a:satOff val="0"/>
+              <a:lumOff val="0"/>
+              <a:alphaOff val="0"/>
+            </a:schemeClr>
+          </a:solidFill>
+          <a:prstDash val="solid"/>
+        </a:ln>
+        <a:effectLst/>
+      </dsp:spPr>
+      <dsp:style>
+        <a:lnRef idx="2">
+          <a:scrgbClr r="0" g="0" b="0"/>
+        </a:lnRef>
+        <a:fillRef idx="1">
+          <a:scrgbClr r="0" g="0" b="0"/>
+        </a:fillRef>
+        <a:effectRef idx="0">
+          <a:scrgbClr r="0" g="0" b="0"/>
+        </a:effectRef>
+        <a:fontRef idx="minor">
+          <a:schemeClr val="lt1"/>
+        </a:fontRef>
+      </dsp:style>
+      <dsp:txBody>
+        <a:bodyPr spcFirstLastPara="0" vert="horz" wrap="square" lIns="25400" tIns="25400" rIns="25400" bIns="25400" numCol="1" spcCol="1270" anchor="ctr" anchorCtr="0">
+          <a:noAutofit/>
+        </a:bodyPr>
+        <a:lstStyle/>
+        <a:p>
+          <a:pPr lvl="0" algn="ctr" defTabSz="1778000">
+            <a:lnSpc>
+              <a:spcPct val="90000"/>
+            </a:lnSpc>
+            <a:spcBef>
+              <a:spcPct val="0"/>
+            </a:spcBef>
+            <a:spcAft>
+              <a:spcPct val="35000"/>
+            </a:spcAft>
+          </a:pPr>
+          <a:r>
+            <a:rPr lang="en-US" sz="4000" kern="1200" dirty="0" smtClean="0">
+              <a:latin typeface="Informal Roman" panose="030604020304060B0204" pitchFamily="66" charset="0"/>
+            </a:rPr>
+            <a:t>Literals</a:t>
+          </a:r>
+          <a:endParaRPr lang="en-US" sz="4000" kern="1200" dirty="0">
+            <a:latin typeface="Informal Roman" panose="030604020304060B0204" pitchFamily="66" charset="0"/>
+          </a:endParaRPr>
+        </a:p>
+      </dsp:txBody>
+      <dsp:txXfrm>
+        <a:off x="9054129" y="1304611"/>
+        <a:ext cx="1849299" cy="1067580"/>
+      </dsp:txXfrm>
+    </dsp:sp>
+    <dsp:sp modelId="{F0D45978-6E3C-4653-B772-BCF7BA415A17}">
+      <dsp:nvSpPr>
+        <dsp:cNvPr id="0" name=""/>
+        <dsp:cNvSpPr/>
+      </dsp:nvSpPr>
+      <dsp:spPr>
+        <a:xfrm>
+          <a:off x="8112617" y="2586188"/>
+          <a:ext cx="3060484" cy="3908483"/>
+        </a:xfrm>
+        <a:prstGeom prst="rect">
+          <a:avLst/>
+        </a:prstGeom>
+        <a:solidFill>
+          <a:schemeClr val="accent1">
+            <a:hueOff val="0"/>
+            <a:satOff val="0"/>
+            <a:lumOff val="0"/>
+            <a:alphaOff val="0"/>
+          </a:schemeClr>
+        </a:solidFill>
+        <a:ln w="19050" cap="rnd" cmpd="sng" algn="ctr">
+          <a:solidFill>
+            <a:schemeClr val="lt1">
+              <a:hueOff val="0"/>
+              <a:satOff val="0"/>
+              <a:lumOff val="0"/>
+              <a:alphaOff val="0"/>
+            </a:schemeClr>
+          </a:solidFill>
+          <a:prstDash val="solid"/>
+        </a:ln>
+        <a:effectLst/>
+      </dsp:spPr>
+      <dsp:style>
+        <a:lnRef idx="2">
+          <a:scrgbClr r="0" g="0" b="0"/>
+        </a:lnRef>
+        <a:fillRef idx="1">
+          <a:scrgbClr r="0" g="0" b="0"/>
+        </a:fillRef>
+        <a:effectRef idx="0">
+          <a:scrgbClr r="0" g="0" b="0"/>
+        </a:effectRef>
+        <a:fontRef idx="minor">
+          <a:schemeClr val="lt1"/>
+        </a:fontRef>
+      </dsp:style>
+      <dsp:txBody>
+        <a:bodyPr spcFirstLastPara="0" vert="horz" wrap="square" lIns="15240" tIns="15240" rIns="15240" bIns="15240" numCol="1" spcCol="1270" anchor="ctr" anchorCtr="0">
+          <a:noAutofit/>
+        </a:bodyPr>
+        <a:lstStyle/>
+        <a:p>
+          <a:pPr lvl="0" algn="ctr" defTabSz="1066800">
+            <a:lnSpc>
+              <a:spcPct val="90000"/>
+            </a:lnSpc>
+            <a:spcBef>
+              <a:spcPct val="0"/>
+            </a:spcBef>
+            <a:spcAft>
+              <a:spcPct val="35000"/>
+            </a:spcAft>
+          </a:pPr>
+          <a:r>
+            <a:rPr lang="en-US" sz="2400" kern="1200" dirty="0" smtClean="0">
+              <a:latin typeface="Buxton Sketch" panose="03080500000500000004" pitchFamily="66" charset="0"/>
+            </a:rPr>
+            <a:t>Variable values who are set directly in the source code in the program.</a:t>
+          </a:r>
+        </a:p>
+        <a:p>
+          <a:pPr lvl="0" algn="ctr" defTabSz="1066800">
+            <a:lnSpc>
+              <a:spcPct val="90000"/>
+            </a:lnSpc>
+            <a:spcBef>
+              <a:spcPct val="0"/>
+            </a:spcBef>
+            <a:spcAft>
+              <a:spcPct val="35000"/>
+            </a:spcAft>
+          </a:pPr>
+          <a:r>
+            <a:rPr lang="en-US" sz="2400" kern="1200" dirty="0" smtClean="0">
+              <a:solidFill>
+                <a:srgbClr val="FFFF00"/>
+              </a:solidFill>
+              <a:latin typeface="Buxton Sketch" panose="03080500000500000004" pitchFamily="66" charset="0"/>
+            </a:rPr>
+            <a:t>Example:</a:t>
+          </a:r>
+        </a:p>
+        <a:p>
+          <a:pPr lvl="0" algn="ctr" defTabSz="1066800">
+            <a:lnSpc>
+              <a:spcPct val="90000"/>
+            </a:lnSpc>
+            <a:spcBef>
+              <a:spcPct val="0"/>
+            </a:spcBef>
+            <a:spcAft>
+              <a:spcPct val="35000"/>
+            </a:spcAft>
+          </a:pPr>
+          <a:r>
+            <a:rPr lang="en-US" sz="2400" kern="1200" dirty="0" smtClean="0">
+              <a:solidFill>
+                <a:schemeClr val="bg1"/>
+              </a:solidFill>
+              <a:latin typeface="Buxton Sketch" panose="03080500000500000004" pitchFamily="66" charset="0"/>
+            </a:rPr>
+            <a:t>“Bugsy”,</a:t>
+          </a:r>
+        </a:p>
+        <a:p>
+          <a:pPr lvl="0" algn="ctr" defTabSz="1066800">
+            <a:lnSpc>
+              <a:spcPct val="90000"/>
+            </a:lnSpc>
+            <a:spcBef>
+              <a:spcPct val="0"/>
+            </a:spcBef>
+            <a:spcAft>
+              <a:spcPct val="35000"/>
+            </a:spcAft>
+          </a:pPr>
+          <a:r>
+            <a:rPr lang="en-US" sz="2400" kern="1200" dirty="0" smtClean="0">
+              <a:solidFill>
+                <a:schemeClr val="bg1"/>
+              </a:solidFill>
+              <a:latin typeface="Buxton Sketch" panose="03080500000500000004" pitchFamily="66" charset="0"/>
+            </a:rPr>
+            <a:t>101,</a:t>
+          </a:r>
+        </a:p>
+        <a:p>
+          <a:pPr lvl="0" algn="ctr" defTabSz="1066800">
+            <a:lnSpc>
+              <a:spcPct val="90000"/>
+            </a:lnSpc>
+            <a:spcBef>
+              <a:spcPct val="0"/>
+            </a:spcBef>
+            <a:spcAft>
+              <a:spcPct val="35000"/>
+            </a:spcAft>
+          </a:pPr>
+          <a:r>
+            <a:rPr lang="en-US" sz="2400" kern="1200" dirty="0" smtClean="0">
+              <a:solidFill>
+                <a:schemeClr val="bg1"/>
+              </a:solidFill>
+              <a:latin typeface="Buxton Sketch" panose="03080500000500000004" pitchFamily="66" charset="0"/>
+            </a:rPr>
+            <a:t>true/false</a:t>
+          </a:r>
+        </a:p>
+        <a:p>
+          <a:pPr lvl="0" algn="ctr" defTabSz="1066800">
+            <a:lnSpc>
+              <a:spcPct val="90000"/>
+            </a:lnSpc>
+            <a:spcBef>
+              <a:spcPct val="0"/>
+            </a:spcBef>
+            <a:spcAft>
+              <a:spcPct val="35000"/>
+            </a:spcAft>
+          </a:pPr>
+          <a:r>
+            <a:rPr lang="en-US" sz="2400" kern="1200" dirty="0" smtClean="0">
+              <a:solidFill>
+                <a:srgbClr val="FFFF00"/>
+              </a:solidFill>
+              <a:latin typeface="Buxton Sketch" panose="03080500000500000004" pitchFamily="66" charset="0"/>
+            </a:rPr>
+            <a:t>…</a:t>
+          </a:r>
+        </a:p>
+        <a:p>
+          <a:pPr lvl="0" algn="ctr" defTabSz="1066800">
+            <a:lnSpc>
+              <a:spcPct val="90000"/>
+            </a:lnSpc>
+            <a:spcBef>
+              <a:spcPct val="0"/>
+            </a:spcBef>
+            <a:spcAft>
+              <a:spcPct val="35000"/>
+            </a:spcAft>
+          </a:pPr>
+          <a:endParaRPr lang="en-US" sz="2400" kern="1200" dirty="0">
+            <a:solidFill>
+              <a:srgbClr val="FFFF00"/>
+            </a:solidFill>
+            <a:latin typeface="Buxton Sketch" panose="03080500000500000004" pitchFamily="66" charset="0"/>
+          </a:endParaRPr>
+        </a:p>
+      </dsp:txBody>
+      <dsp:txXfrm>
+        <a:off x="8112617" y="2586188"/>
+        <a:ext cx="3060484" cy="3908483"/>
+      </dsp:txXfrm>
+    </dsp:sp>
   </dsp:spTree>
 </dsp:drawing>
 </file>
@@ -10065,6 +12088,1255 @@
       <dsp:cNvGrpSpPr/>
     </dsp:nvGrpSpPr>
     <dsp:grpSpPr/>
+    <dsp:sp modelId="{4C52E7E5-BAD1-426B-94E0-FAB160D34C3D}">
+      <dsp:nvSpPr>
+        <dsp:cNvPr id="0" name=""/>
+        <dsp:cNvSpPr/>
+      </dsp:nvSpPr>
+      <dsp:spPr>
+        <a:xfrm>
+          <a:off x="10471363" y="2955856"/>
+          <a:ext cx="1282256" cy="1908712"/>
+        </a:xfrm>
+        <a:custGeom>
+          <a:avLst/>
+          <a:gdLst/>
+          <a:ahLst/>
+          <a:cxnLst/>
+          <a:rect l="0" t="0" r="0" b="0"/>
+          <a:pathLst>
+            <a:path>
+              <a:moveTo>
+                <a:pt x="0" y="0"/>
+              </a:moveTo>
+              <a:lnTo>
+                <a:pt x="1282256" y="1908712"/>
+              </a:lnTo>
+            </a:path>
+          </a:pathLst>
+        </a:custGeom>
+        <a:noFill/>
+        <a:ln w="19050" cap="rnd" cmpd="sng" algn="ctr">
+          <a:solidFill>
+            <a:schemeClr val="accent1">
+              <a:shade val="80000"/>
+              <a:hueOff val="0"/>
+              <a:satOff val="0"/>
+              <a:lumOff val="0"/>
+              <a:alphaOff val="0"/>
+            </a:schemeClr>
+          </a:solidFill>
+          <a:prstDash val="solid"/>
+        </a:ln>
+        <a:effectLst/>
+      </dsp:spPr>
+      <dsp:style>
+        <a:lnRef idx="2">
+          <a:scrgbClr r="0" g="0" b="0"/>
+        </a:lnRef>
+        <a:fillRef idx="0">
+          <a:scrgbClr r="0" g="0" b="0"/>
+        </a:fillRef>
+        <a:effectRef idx="0">
+          <a:scrgbClr r="0" g="0" b="0"/>
+        </a:effectRef>
+        <a:fontRef idx="minor"/>
+      </dsp:style>
+    </dsp:sp>
+    <dsp:sp modelId="{480BC953-AD9A-4428-AA84-E07634D3A4EB}">
+      <dsp:nvSpPr>
+        <dsp:cNvPr id="0" name=""/>
+        <dsp:cNvSpPr/>
+      </dsp:nvSpPr>
+      <dsp:spPr>
+        <a:xfrm>
+          <a:off x="6171439" y="1225032"/>
+          <a:ext cx="4299923" cy="544402"/>
+        </a:xfrm>
+        <a:custGeom>
+          <a:avLst/>
+          <a:gdLst/>
+          <a:ahLst/>
+          <a:cxnLst/>
+          <a:rect l="0" t="0" r="0" b="0"/>
+          <a:pathLst>
+            <a:path>
+              <a:moveTo>
+                <a:pt x="0" y="0"/>
+              </a:moveTo>
+              <a:lnTo>
+                <a:pt x="0" y="383204"/>
+              </a:lnTo>
+              <a:lnTo>
+                <a:pt x="4299923" y="383204"/>
+              </a:lnTo>
+              <a:lnTo>
+                <a:pt x="4299923" y="544402"/>
+              </a:lnTo>
+            </a:path>
+          </a:pathLst>
+        </a:custGeom>
+        <a:noFill/>
+        <a:ln w="19050" cap="rnd" cmpd="sng" algn="ctr">
+          <a:solidFill>
+            <a:schemeClr val="accent1">
+              <a:shade val="60000"/>
+              <a:hueOff val="0"/>
+              <a:satOff val="0"/>
+              <a:lumOff val="0"/>
+              <a:alphaOff val="0"/>
+            </a:schemeClr>
+          </a:solidFill>
+          <a:prstDash val="solid"/>
+        </a:ln>
+        <a:effectLst/>
+      </dsp:spPr>
+      <dsp:style>
+        <a:lnRef idx="2">
+          <a:scrgbClr r="0" g="0" b="0"/>
+        </a:lnRef>
+        <a:fillRef idx="0">
+          <a:scrgbClr r="0" g="0" b="0"/>
+        </a:fillRef>
+        <a:effectRef idx="0">
+          <a:scrgbClr r="0" g="0" b="0"/>
+        </a:effectRef>
+        <a:fontRef idx="minor"/>
+      </dsp:style>
+    </dsp:sp>
+    <dsp:sp modelId="{FE45ACE3-8531-4E22-AAC7-3BF55A41324A}">
+      <dsp:nvSpPr>
+        <dsp:cNvPr id="0" name=""/>
+        <dsp:cNvSpPr/>
+      </dsp:nvSpPr>
+      <dsp:spPr>
+        <a:xfrm>
+          <a:off x="6700163" y="3054800"/>
+          <a:ext cx="977777" cy="1827653"/>
+        </a:xfrm>
+        <a:custGeom>
+          <a:avLst/>
+          <a:gdLst/>
+          <a:ahLst/>
+          <a:cxnLst/>
+          <a:rect l="0" t="0" r="0" b="0"/>
+          <a:pathLst>
+            <a:path>
+              <a:moveTo>
+                <a:pt x="0" y="0"/>
+              </a:moveTo>
+              <a:lnTo>
+                <a:pt x="977777" y="1827653"/>
+              </a:lnTo>
+            </a:path>
+          </a:pathLst>
+        </a:custGeom>
+        <a:noFill/>
+        <a:ln w="19050" cap="rnd" cmpd="sng" algn="ctr">
+          <a:solidFill>
+            <a:schemeClr val="accent1">
+              <a:shade val="80000"/>
+              <a:hueOff val="0"/>
+              <a:satOff val="0"/>
+              <a:lumOff val="0"/>
+              <a:alphaOff val="0"/>
+            </a:schemeClr>
+          </a:solidFill>
+          <a:prstDash val="solid"/>
+        </a:ln>
+        <a:effectLst/>
+      </dsp:spPr>
+      <dsp:style>
+        <a:lnRef idx="2">
+          <a:scrgbClr r="0" g="0" b="0"/>
+        </a:lnRef>
+        <a:fillRef idx="0">
+          <a:scrgbClr r="0" g="0" b="0"/>
+        </a:fillRef>
+        <a:effectRef idx="0">
+          <a:scrgbClr r="0" g="0" b="0"/>
+        </a:effectRef>
+        <a:fontRef idx="minor"/>
+      </dsp:style>
+    </dsp:sp>
+    <dsp:sp modelId="{8D3D58E2-AE76-4AFB-A69C-769F4EBC320E}">
+      <dsp:nvSpPr>
+        <dsp:cNvPr id="0" name=""/>
+        <dsp:cNvSpPr/>
+      </dsp:nvSpPr>
+      <dsp:spPr>
+        <a:xfrm>
+          <a:off x="6171439" y="1225032"/>
+          <a:ext cx="528723" cy="549368"/>
+        </a:xfrm>
+        <a:custGeom>
+          <a:avLst/>
+          <a:gdLst/>
+          <a:ahLst/>
+          <a:cxnLst/>
+          <a:rect l="0" t="0" r="0" b="0"/>
+          <a:pathLst>
+            <a:path>
+              <a:moveTo>
+                <a:pt x="0" y="0"/>
+              </a:moveTo>
+              <a:lnTo>
+                <a:pt x="0" y="388171"/>
+              </a:lnTo>
+              <a:lnTo>
+                <a:pt x="528723" y="388171"/>
+              </a:lnTo>
+              <a:lnTo>
+                <a:pt x="528723" y="549368"/>
+              </a:lnTo>
+            </a:path>
+          </a:pathLst>
+        </a:custGeom>
+        <a:noFill/>
+        <a:ln w="19050" cap="rnd" cmpd="sng" algn="ctr">
+          <a:solidFill>
+            <a:schemeClr val="accent1">
+              <a:shade val="60000"/>
+              <a:hueOff val="0"/>
+              <a:satOff val="0"/>
+              <a:lumOff val="0"/>
+              <a:alphaOff val="0"/>
+            </a:schemeClr>
+          </a:solidFill>
+          <a:prstDash val="solid"/>
+        </a:ln>
+        <a:effectLst/>
+      </dsp:spPr>
+      <dsp:style>
+        <a:lnRef idx="2">
+          <a:scrgbClr r="0" g="0" b="0"/>
+        </a:lnRef>
+        <a:fillRef idx="0">
+          <a:scrgbClr r="0" g="0" b="0"/>
+        </a:fillRef>
+        <a:effectRef idx="0">
+          <a:scrgbClr r="0" g="0" b="0"/>
+        </a:effectRef>
+        <a:fontRef idx="minor"/>
+      </dsp:style>
+    </dsp:sp>
+    <dsp:sp modelId="{A874216B-57B8-4634-9EE1-88F4BE1EDA9E}">
+      <dsp:nvSpPr>
+        <dsp:cNvPr id="0" name=""/>
+        <dsp:cNvSpPr/>
+      </dsp:nvSpPr>
+      <dsp:spPr>
+        <a:xfrm>
+          <a:off x="2127773" y="2276408"/>
+          <a:ext cx="1541830" cy="2727112"/>
+        </a:xfrm>
+        <a:custGeom>
+          <a:avLst/>
+          <a:gdLst/>
+          <a:ahLst/>
+          <a:cxnLst/>
+          <a:rect l="0" t="0" r="0" b="0"/>
+          <a:pathLst>
+            <a:path>
+              <a:moveTo>
+                <a:pt x="0" y="0"/>
+              </a:moveTo>
+              <a:lnTo>
+                <a:pt x="1541830" y="2727112"/>
+              </a:lnTo>
+            </a:path>
+          </a:pathLst>
+        </a:custGeom>
+        <a:noFill/>
+        <a:ln w="19050" cap="rnd" cmpd="sng" algn="ctr">
+          <a:solidFill>
+            <a:schemeClr val="accent1">
+              <a:shade val="80000"/>
+              <a:hueOff val="0"/>
+              <a:satOff val="0"/>
+              <a:lumOff val="0"/>
+              <a:alphaOff val="0"/>
+            </a:schemeClr>
+          </a:solidFill>
+          <a:prstDash val="solid"/>
+        </a:ln>
+        <a:effectLst/>
+      </dsp:spPr>
+      <dsp:style>
+        <a:lnRef idx="2">
+          <a:scrgbClr r="0" g="0" b="0"/>
+        </a:lnRef>
+        <a:fillRef idx="0">
+          <a:scrgbClr r="0" g="0" b="0"/>
+        </a:fillRef>
+        <a:effectRef idx="0">
+          <a:scrgbClr r="0" g="0" b="0"/>
+        </a:effectRef>
+        <a:fontRef idx="minor"/>
+      </dsp:style>
+    </dsp:sp>
+    <dsp:sp modelId="{C8797DB0-4FF9-4E6E-8258-45F7EF678479}">
+      <dsp:nvSpPr>
+        <dsp:cNvPr id="0" name=""/>
+        <dsp:cNvSpPr/>
+      </dsp:nvSpPr>
+      <dsp:spPr>
+        <a:xfrm>
+          <a:off x="2127773" y="1225032"/>
+          <a:ext cx="4043665" cy="371130"/>
+        </a:xfrm>
+        <a:custGeom>
+          <a:avLst/>
+          <a:gdLst/>
+          <a:ahLst/>
+          <a:cxnLst/>
+          <a:rect l="0" t="0" r="0" b="0"/>
+          <a:pathLst>
+            <a:path>
+              <a:moveTo>
+                <a:pt x="4043665" y="0"/>
+              </a:moveTo>
+              <a:lnTo>
+                <a:pt x="4043665" y="209932"/>
+              </a:lnTo>
+              <a:lnTo>
+                <a:pt x="0" y="209932"/>
+              </a:lnTo>
+              <a:lnTo>
+                <a:pt x="0" y="371130"/>
+              </a:lnTo>
+            </a:path>
+          </a:pathLst>
+        </a:custGeom>
+        <a:noFill/>
+        <a:ln w="19050" cap="rnd" cmpd="sng" algn="ctr">
+          <a:solidFill>
+            <a:schemeClr val="accent1">
+              <a:shade val="60000"/>
+              <a:hueOff val="0"/>
+              <a:satOff val="0"/>
+              <a:lumOff val="0"/>
+              <a:alphaOff val="0"/>
+            </a:schemeClr>
+          </a:solidFill>
+          <a:prstDash val="solid"/>
+        </a:ln>
+        <a:effectLst/>
+      </dsp:spPr>
+      <dsp:style>
+        <a:lnRef idx="2">
+          <a:scrgbClr r="0" g="0" b="0"/>
+        </a:lnRef>
+        <a:fillRef idx="0">
+          <a:scrgbClr r="0" g="0" b="0"/>
+        </a:fillRef>
+        <a:effectRef idx="0">
+          <a:scrgbClr r="0" g="0" b="0"/>
+        </a:effectRef>
+        <a:fontRef idx="minor"/>
+      </dsp:style>
+    </dsp:sp>
+    <dsp:sp modelId="{7731F29D-6438-4D40-B4F9-0F774625BC16}">
+      <dsp:nvSpPr>
+        <dsp:cNvPr id="0" name=""/>
+        <dsp:cNvSpPr/>
+      </dsp:nvSpPr>
+      <dsp:spPr>
+        <a:xfrm>
+          <a:off x="1422131" y="153069"/>
+          <a:ext cx="9498615" cy="1071963"/>
+        </a:xfrm>
+        <a:prstGeom prst="rect">
+          <a:avLst/>
+        </a:prstGeom>
+        <a:solidFill>
+          <a:schemeClr val="accent1">
+            <a:hueOff val="0"/>
+            <a:satOff val="0"/>
+            <a:lumOff val="0"/>
+            <a:alphaOff val="0"/>
+          </a:schemeClr>
+        </a:solidFill>
+        <a:ln w="19050" cap="rnd" cmpd="sng" algn="ctr">
+          <a:solidFill>
+            <a:schemeClr val="lt1">
+              <a:hueOff val="0"/>
+              <a:satOff val="0"/>
+              <a:lumOff val="0"/>
+              <a:alphaOff val="0"/>
+            </a:schemeClr>
+          </a:solidFill>
+          <a:prstDash val="solid"/>
+        </a:ln>
+        <a:effectLst/>
+      </dsp:spPr>
+      <dsp:style>
+        <a:lnRef idx="2">
+          <a:scrgbClr r="0" g="0" b="0"/>
+        </a:lnRef>
+        <a:fillRef idx="1">
+          <a:scrgbClr r="0" g="0" b="0"/>
+        </a:fillRef>
+        <a:effectRef idx="0">
+          <a:scrgbClr r="0" g="0" b="0"/>
+        </a:effectRef>
+        <a:fontRef idx="minor">
+          <a:schemeClr val="lt1"/>
+        </a:fontRef>
+      </dsp:style>
+      <dsp:txBody>
+        <a:bodyPr spcFirstLastPara="0" vert="horz" wrap="square" lIns="41910" tIns="41910" rIns="41910" bIns="41910" numCol="1" spcCol="1270" anchor="ctr" anchorCtr="0">
+          <a:noAutofit/>
+        </a:bodyPr>
+        <a:lstStyle/>
+        <a:p>
+          <a:pPr lvl="0" algn="ctr" defTabSz="2933700">
+            <a:lnSpc>
+              <a:spcPct val="90000"/>
+            </a:lnSpc>
+            <a:spcBef>
+              <a:spcPct val="0"/>
+            </a:spcBef>
+            <a:spcAft>
+              <a:spcPct val="35000"/>
+            </a:spcAft>
+          </a:pPr>
+          <a:r>
+            <a:rPr lang="en-US" sz="6600" kern="1200" dirty="0" smtClean="0">
+              <a:solidFill>
+                <a:srgbClr val="FFFF00"/>
+              </a:solidFill>
+              <a:latin typeface="Informal Roman" panose="030604020304060B0204" pitchFamily="66" charset="0"/>
+            </a:rPr>
+            <a:t>Operators &amp; Expressions</a:t>
+          </a:r>
+          <a:endParaRPr lang="en-US" sz="6600" kern="1200" dirty="0">
+            <a:solidFill>
+              <a:srgbClr val="FFFF00"/>
+            </a:solidFill>
+            <a:latin typeface="Informal Roman" panose="030604020304060B0204" pitchFamily="66" charset="0"/>
+          </a:endParaRPr>
+        </a:p>
+      </dsp:txBody>
+      <dsp:txXfrm>
+        <a:off x="1422131" y="153069"/>
+        <a:ext cx="9498615" cy="1071963"/>
+      </dsp:txXfrm>
+    </dsp:sp>
+    <dsp:sp modelId="{EC83E2CD-FD27-4A0C-95C1-BE71FA51466A}">
+      <dsp:nvSpPr>
+        <dsp:cNvPr id="0" name=""/>
+        <dsp:cNvSpPr/>
+      </dsp:nvSpPr>
+      <dsp:spPr>
+        <a:xfrm>
+          <a:off x="967481" y="1596162"/>
+          <a:ext cx="2320583" cy="680245"/>
+        </a:xfrm>
+        <a:prstGeom prst="rect">
+          <a:avLst/>
+        </a:prstGeom>
+        <a:solidFill>
+          <a:schemeClr val="accent1">
+            <a:hueOff val="0"/>
+            <a:satOff val="0"/>
+            <a:lumOff val="0"/>
+            <a:alphaOff val="0"/>
+          </a:schemeClr>
+        </a:solidFill>
+        <a:ln w="19050" cap="rnd" cmpd="sng" algn="ctr">
+          <a:solidFill>
+            <a:schemeClr val="lt1">
+              <a:hueOff val="0"/>
+              <a:satOff val="0"/>
+              <a:lumOff val="0"/>
+              <a:alphaOff val="0"/>
+            </a:schemeClr>
+          </a:solidFill>
+          <a:prstDash val="solid"/>
+        </a:ln>
+        <a:effectLst/>
+      </dsp:spPr>
+      <dsp:style>
+        <a:lnRef idx="2">
+          <a:scrgbClr r="0" g="0" b="0"/>
+        </a:lnRef>
+        <a:fillRef idx="1">
+          <a:scrgbClr r="0" g="0" b="0"/>
+        </a:fillRef>
+        <a:effectRef idx="0">
+          <a:scrgbClr r="0" g="0" b="0"/>
+        </a:effectRef>
+        <a:fontRef idx="minor">
+          <a:schemeClr val="lt1"/>
+        </a:fontRef>
+      </dsp:style>
+      <dsp:txBody>
+        <a:bodyPr spcFirstLastPara="0" vert="horz" wrap="square" lIns="30480" tIns="30480" rIns="30480" bIns="30480" numCol="1" spcCol="1270" anchor="ctr" anchorCtr="0">
+          <a:noAutofit/>
+        </a:bodyPr>
+        <a:lstStyle/>
+        <a:p>
+          <a:pPr lvl="0" algn="ctr" defTabSz="2133600">
+            <a:lnSpc>
+              <a:spcPct val="90000"/>
+            </a:lnSpc>
+            <a:spcBef>
+              <a:spcPct val="0"/>
+            </a:spcBef>
+            <a:spcAft>
+              <a:spcPct val="35000"/>
+            </a:spcAft>
+          </a:pPr>
+          <a:r>
+            <a:rPr lang="en-US" sz="4800" kern="1200" dirty="0" smtClean="0">
+              <a:latin typeface="Informal Roman" panose="030604020304060B0204" pitchFamily="66" charset="0"/>
+            </a:rPr>
+            <a:t>Operators</a:t>
+          </a:r>
+          <a:endParaRPr lang="en-US" sz="4800" kern="1200" dirty="0">
+            <a:latin typeface="Informal Roman" panose="030604020304060B0204" pitchFamily="66" charset="0"/>
+          </a:endParaRPr>
+        </a:p>
+      </dsp:txBody>
+      <dsp:txXfrm>
+        <a:off x="967481" y="1596162"/>
+        <a:ext cx="2320583" cy="680245"/>
+      </dsp:txXfrm>
+    </dsp:sp>
+    <dsp:sp modelId="{A6764457-61FC-42C4-982E-0A59AEE325A5}">
+      <dsp:nvSpPr>
+        <dsp:cNvPr id="0" name=""/>
+        <dsp:cNvSpPr/>
+      </dsp:nvSpPr>
+      <dsp:spPr>
+        <a:xfrm>
+          <a:off x="315821" y="3555671"/>
+          <a:ext cx="3353782" cy="2895697"/>
+        </a:xfrm>
+        <a:prstGeom prst="rect">
+          <a:avLst/>
+        </a:prstGeom>
+        <a:solidFill>
+          <a:schemeClr val="accent1">
+            <a:hueOff val="0"/>
+            <a:satOff val="0"/>
+            <a:lumOff val="0"/>
+            <a:alphaOff val="0"/>
+          </a:schemeClr>
+        </a:solidFill>
+        <a:ln w="19050" cap="rnd" cmpd="sng" algn="ctr">
+          <a:solidFill>
+            <a:schemeClr val="lt1">
+              <a:hueOff val="0"/>
+              <a:satOff val="0"/>
+              <a:lumOff val="0"/>
+              <a:alphaOff val="0"/>
+            </a:schemeClr>
+          </a:solidFill>
+          <a:prstDash val="solid"/>
+        </a:ln>
+        <a:effectLst/>
+      </dsp:spPr>
+      <dsp:style>
+        <a:lnRef idx="2">
+          <a:scrgbClr r="0" g="0" b="0"/>
+        </a:lnRef>
+        <a:fillRef idx="1">
+          <a:scrgbClr r="0" g="0" b="0"/>
+        </a:fillRef>
+        <a:effectRef idx="0">
+          <a:scrgbClr r="0" g="0" b="0"/>
+        </a:effectRef>
+        <a:fontRef idx="minor">
+          <a:schemeClr val="lt1"/>
+        </a:fontRef>
+      </dsp:style>
+      <dsp:txBody>
+        <a:bodyPr spcFirstLastPara="0" vert="horz" wrap="square" lIns="15240" tIns="15240" rIns="15240" bIns="15240" numCol="1" spcCol="1270" anchor="ctr" anchorCtr="0">
+          <a:noAutofit/>
+        </a:bodyPr>
+        <a:lstStyle/>
+        <a:p>
+          <a:pPr lvl="0" algn="ctr" defTabSz="1066800">
+            <a:lnSpc>
+              <a:spcPct val="90000"/>
+            </a:lnSpc>
+            <a:spcBef>
+              <a:spcPct val="0"/>
+            </a:spcBef>
+            <a:spcAft>
+              <a:spcPct val="35000"/>
+            </a:spcAft>
+          </a:pPr>
+          <a:r>
+            <a:rPr lang="en-US" sz="2400" kern="1200" dirty="0" smtClean="0">
+              <a:latin typeface="Buxton Sketch" panose="03080500000500000004" pitchFamily="66" charset="0"/>
+            </a:rPr>
+            <a:t> - </a:t>
+          </a:r>
+          <a:r>
+            <a:rPr lang="en-US" sz="2400" kern="1200" dirty="0" err="1" smtClean="0">
+              <a:latin typeface="Buxton Sketch" panose="03080500000500000004" pitchFamily="66" charset="0"/>
+            </a:rPr>
+            <a:t>Aritchmetic</a:t>
+          </a:r>
+          <a:r>
+            <a:rPr lang="en-US" sz="2400" kern="1200" dirty="0" smtClean="0">
+              <a:latin typeface="Buxton Sketch" panose="03080500000500000004" pitchFamily="66" charset="0"/>
+            </a:rPr>
+            <a:t>: </a:t>
+          </a:r>
+          <a:r>
+            <a:rPr lang="en-US" sz="2400" kern="1200" dirty="0" smtClean="0">
+              <a:solidFill>
+                <a:schemeClr val="bg1"/>
+              </a:solidFill>
+              <a:latin typeface="Buxton Sketch" panose="03080500000500000004" pitchFamily="66" charset="0"/>
+            </a:rPr>
+            <a:t>+ - / * </a:t>
+          </a:r>
+        </a:p>
+        <a:p>
+          <a:pPr lvl="0" algn="ctr" defTabSz="1066800">
+            <a:lnSpc>
+              <a:spcPct val="90000"/>
+            </a:lnSpc>
+            <a:spcBef>
+              <a:spcPct val="0"/>
+            </a:spcBef>
+            <a:spcAft>
+              <a:spcPct val="35000"/>
+            </a:spcAft>
+          </a:pPr>
+          <a:r>
+            <a:rPr lang="en-US" sz="2400" kern="1200" dirty="0" smtClean="0">
+              <a:solidFill>
+                <a:schemeClr val="bg1"/>
+              </a:solidFill>
+              <a:latin typeface="Buxton Sketch" panose="03080500000500000004" pitchFamily="66" charset="0"/>
+            </a:rPr>
+            <a:t> </a:t>
+          </a:r>
+          <a:r>
+            <a:rPr lang="en-US" sz="2400" kern="1200" dirty="0" smtClean="0">
+              <a:solidFill>
+                <a:schemeClr val="tx1"/>
+              </a:solidFill>
+              <a:latin typeface="Buxton Sketch" panose="03080500000500000004" pitchFamily="66" charset="0"/>
+            </a:rPr>
+            <a:t>- Logical: </a:t>
+          </a:r>
+          <a:r>
+            <a:rPr lang="en-US" sz="2400" kern="1200" dirty="0" smtClean="0">
+              <a:solidFill>
+                <a:schemeClr val="bg1"/>
+              </a:solidFill>
+              <a:latin typeface="Buxton Sketch" panose="03080500000500000004" pitchFamily="66" charset="0"/>
+            </a:rPr>
+            <a:t>&amp;&amp; || ! ^</a:t>
+          </a:r>
+        </a:p>
+        <a:p>
+          <a:pPr lvl="0" algn="ctr" defTabSz="1066800">
+            <a:lnSpc>
+              <a:spcPct val="90000"/>
+            </a:lnSpc>
+            <a:spcBef>
+              <a:spcPct val="0"/>
+            </a:spcBef>
+            <a:spcAft>
+              <a:spcPct val="35000"/>
+            </a:spcAft>
+          </a:pPr>
+          <a:r>
+            <a:rPr lang="en-US" sz="2400" kern="1200" dirty="0" smtClean="0">
+              <a:solidFill>
+                <a:schemeClr val="bg1"/>
+              </a:solidFill>
+              <a:latin typeface="Buxton Sketch" panose="03080500000500000004" pitchFamily="66" charset="0"/>
+            </a:rPr>
+            <a:t>  </a:t>
+          </a:r>
+          <a:r>
+            <a:rPr lang="en-US" sz="2400" kern="1200" dirty="0" smtClean="0">
+              <a:solidFill>
+                <a:schemeClr val="tx1"/>
+              </a:solidFill>
+              <a:latin typeface="Buxton Sketch" panose="03080500000500000004" pitchFamily="66" charset="0"/>
+            </a:rPr>
+            <a:t>- Assignment: </a:t>
+          </a:r>
+          <a:r>
+            <a:rPr lang="en-US" sz="2400" kern="1200" dirty="0" smtClean="0">
+              <a:solidFill>
+                <a:schemeClr val="bg1"/>
+              </a:solidFill>
+              <a:latin typeface="Buxton Sketch" panose="03080500000500000004" pitchFamily="66" charset="0"/>
+            </a:rPr>
+            <a:t>= += *=</a:t>
+          </a:r>
+        </a:p>
+        <a:p>
+          <a:pPr lvl="0" algn="ctr" defTabSz="1066800">
+            <a:lnSpc>
+              <a:spcPct val="90000"/>
+            </a:lnSpc>
+            <a:spcBef>
+              <a:spcPct val="0"/>
+            </a:spcBef>
+            <a:spcAft>
+              <a:spcPct val="35000"/>
+            </a:spcAft>
+          </a:pPr>
+          <a:r>
+            <a:rPr lang="en-US" sz="2400" kern="1200" dirty="0" smtClean="0">
+              <a:solidFill>
+                <a:schemeClr val="bg1"/>
+              </a:solidFill>
+              <a:latin typeface="Buxton Sketch" panose="03080500000500000004" pitchFamily="66" charset="0"/>
+            </a:rPr>
+            <a:t> </a:t>
+          </a:r>
+          <a:r>
+            <a:rPr lang="en-US" sz="2400" kern="1200" dirty="0" smtClean="0">
+              <a:solidFill>
+                <a:schemeClr val="tx1"/>
+              </a:solidFill>
+              <a:latin typeface="Buxton Sketch" panose="03080500000500000004" pitchFamily="66" charset="0"/>
+            </a:rPr>
+            <a:t>- Comparison, Binary,          Concatenation …</a:t>
+          </a:r>
+          <a:endParaRPr lang="en-US" sz="2400" kern="1200" dirty="0" smtClean="0">
+            <a:solidFill>
+              <a:schemeClr val="bg1"/>
+            </a:solidFill>
+            <a:latin typeface="Buxton Sketch" panose="03080500000500000004" pitchFamily="66" charset="0"/>
+          </a:endParaRPr>
+        </a:p>
+        <a:p>
+          <a:pPr lvl="0" algn="l" defTabSz="1066800">
+            <a:lnSpc>
+              <a:spcPct val="90000"/>
+            </a:lnSpc>
+            <a:spcBef>
+              <a:spcPct val="0"/>
+            </a:spcBef>
+            <a:spcAft>
+              <a:spcPct val="35000"/>
+            </a:spcAft>
+          </a:pPr>
+          <a:endParaRPr lang="en-US" sz="2400" kern="1200" dirty="0">
+            <a:solidFill>
+              <a:schemeClr val="tx1"/>
+            </a:solidFill>
+            <a:latin typeface="Buxton Sketch" panose="03080500000500000004" pitchFamily="66" charset="0"/>
+          </a:endParaRPr>
+        </a:p>
+      </dsp:txBody>
+      <dsp:txXfrm>
+        <a:off x="315821" y="3555671"/>
+        <a:ext cx="3353782" cy="2895697"/>
+      </dsp:txXfrm>
+    </dsp:sp>
+    <dsp:sp modelId="{CADE0652-8354-4A90-88AA-970476A78989}">
+      <dsp:nvSpPr>
+        <dsp:cNvPr id="0" name=""/>
+        <dsp:cNvSpPr/>
+      </dsp:nvSpPr>
+      <dsp:spPr>
+        <a:xfrm>
+          <a:off x="4584807" y="1774401"/>
+          <a:ext cx="4230712" cy="1280399"/>
+        </a:xfrm>
+        <a:prstGeom prst="rect">
+          <a:avLst/>
+        </a:prstGeom>
+        <a:solidFill>
+          <a:schemeClr val="accent1">
+            <a:hueOff val="0"/>
+            <a:satOff val="0"/>
+            <a:lumOff val="0"/>
+            <a:alphaOff val="0"/>
+          </a:schemeClr>
+        </a:solidFill>
+        <a:ln w="19050" cap="rnd" cmpd="sng" algn="ctr">
+          <a:solidFill>
+            <a:schemeClr val="lt1">
+              <a:hueOff val="0"/>
+              <a:satOff val="0"/>
+              <a:lumOff val="0"/>
+              <a:alphaOff val="0"/>
+            </a:schemeClr>
+          </a:solidFill>
+          <a:prstDash val="solid"/>
+        </a:ln>
+        <a:effectLst/>
+      </dsp:spPr>
+      <dsp:style>
+        <a:lnRef idx="2">
+          <a:scrgbClr r="0" g="0" b="0"/>
+        </a:lnRef>
+        <a:fillRef idx="1">
+          <a:scrgbClr r="0" g="0" b="0"/>
+        </a:fillRef>
+        <a:effectRef idx="0">
+          <a:scrgbClr r="0" g="0" b="0"/>
+        </a:effectRef>
+        <a:fontRef idx="minor">
+          <a:schemeClr val="lt1"/>
+        </a:fontRef>
+      </dsp:style>
+      <dsp:txBody>
+        <a:bodyPr spcFirstLastPara="0" vert="horz" wrap="square" lIns="30480" tIns="30480" rIns="30480" bIns="30480" numCol="1" spcCol="1270" anchor="ctr" anchorCtr="0">
+          <a:noAutofit/>
+        </a:bodyPr>
+        <a:lstStyle/>
+        <a:p>
+          <a:pPr lvl="0" algn="ctr" defTabSz="2133600">
+            <a:lnSpc>
+              <a:spcPct val="90000"/>
+            </a:lnSpc>
+            <a:spcBef>
+              <a:spcPct val="0"/>
+            </a:spcBef>
+            <a:spcAft>
+              <a:spcPct val="35000"/>
+            </a:spcAft>
+          </a:pPr>
+          <a:r>
+            <a:rPr lang="en-US" sz="4800" kern="1200" dirty="0" smtClean="0">
+              <a:latin typeface="Informal Roman" panose="030604020304060B0204" pitchFamily="66" charset="0"/>
+            </a:rPr>
+            <a:t>Type Conversion &amp; Casting</a:t>
+          </a:r>
+          <a:endParaRPr lang="en-US" sz="4800" kern="1200" dirty="0">
+            <a:latin typeface="Informal Roman" panose="030604020304060B0204" pitchFamily="66" charset="0"/>
+          </a:endParaRPr>
+        </a:p>
+      </dsp:txBody>
+      <dsp:txXfrm>
+        <a:off x="4584807" y="1774401"/>
+        <a:ext cx="4230712" cy="1280399"/>
+      </dsp:txXfrm>
+    </dsp:sp>
+    <dsp:sp modelId="{B49C1B7F-AAAB-45F8-822D-909FA2221400}">
+      <dsp:nvSpPr>
+        <dsp:cNvPr id="0" name=""/>
+        <dsp:cNvSpPr/>
+      </dsp:nvSpPr>
+      <dsp:spPr>
+        <a:xfrm>
+          <a:off x="4292011" y="3493349"/>
+          <a:ext cx="3385930" cy="2778208"/>
+        </a:xfrm>
+        <a:prstGeom prst="rect">
+          <a:avLst/>
+        </a:prstGeom>
+        <a:solidFill>
+          <a:schemeClr val="accent1">
+            <a:hueOff val="0"/>
+            <a:satOff val="0"/>
+            <a:lumOff val="0"/>
+            <a:alphaOff val="0"/>
+          </a:schemeClr>
+        </a:solidFill>
+        <a:ln w="19050" cap="rnd" cmpd="sng" algn="ctr">
+          <a:solidFill>
+            <a:schemeClr val="lt1">
+              <a:hueOff val="0"/>
+              <a:satOff val="0"/>
+              <a:lumOff val="0"/>
+              <a:alphaOff val="0"/>
+            </a:schemeClr>
+          </a:solidFill>
+          <a:prstDash val="solid"/>
+        </a:ln>
+        <a:effectLst/>
+      </dsp:spPr>
+      <dsp:style>
+        <a:lnRef idx="2">
+          <a:scrgbClr r="0" g="0" b="0"/>
+        </a:lnRef>
+        <a:fillRef idx="1">
+          <a:scrgbClr r="0" g="0" b="0"/>
+        </a:fillRef>
+        <a:effectRef idx="0">
+          <a:scrgbClr r="0" g="0" b="0"/>
+        </a:effectRef>
+        <a:fontRef idx="minor">
+          <a:schemeClr val="lt1"/>
+        </a:fontRef>
+      </dsp:style>
+      <dsp:txBody>
+        <a:bodyPr spcFirstLastPara="0" vert="horz" wrap="square" lIns="17780" tIns="17780" rIns="17780" bIns="17780" numCol="1" spcCol="1270" anchor="ctr" anchorCtr="0">
+          <a:noAutofit/>
+        </a:bodyPr>
+        <a:lstStyle/>
+        <a:p>
+          <a:pPr lvl="0" algn="ctr" defTabSz="1244600">
+            <a:lnSpc>
+              <a:spcPct val="90000"/>
+            </a:lnSpc>
+            <a:spcBef>
+              <a:spcPct val="0"/>
+            </a:spcBef>
+            <a:spcAft>
+              <a:spcPct val="35000"/>
+            </a:spcAft>
+          </a:pPr>
+          <a:r>
+            <a:rPr lang="en-US" sz="2800" kern="1200" dirty="0" smtClean="0">
+              <a:latin typeface="Buxton Sketch" panose="03080500000500000004" pitchFamily="66" charset="0"/>
+            </a:rPr>
+            <a:t>- Implicit conversion</a:t>
+          </a:r>
+        </a:p>
+        <a:p>
+          <a:pPr lvl="0" algn="ctr" defTabSz="1244600">
+            <a:lnSpc>
+              <a:spcPct val="90000"/>
+            </a:lnSpc>
+            <a:spcBef>
+              <a:spcPct val="0"/>
+            </a:spcBef>
+            <a:spcAft>
+              <a:spcPct val="35000"/>
+            </a:spcAft>
+          </a:pPr>
+          <a:r>
+            <a:rPr lang="en-US" sz="2800" kern="1200" dirty="0" smtClean="0">
+              <a:latin typeface="Buxton Sketch" panose="03080500000500000004" pitchFamily="66" charset="0"/>
+            </a:rPr>
+            <a:t>- Explicit conversion</a:t>
+          </a:r>
+        </a:p>
+        <a:p>
+          <a:pPr lvl="0" algn="ctr" defTabSz="1244600">
+            <a:lnSpc>
+              <a:spcPct val="90000"/>
+            </a:lnSpc>
+            <a:spcBef>
+              <a:spcPct val="0"/>
+            </a:spcBef>
+            <a:spcAft>
+              <a:spcPct val="35000"/>
+            </a:spcAft>
+          </a:pPr>
+          <a:r>
+            <a:rPr lang="en-US" sz="2800" kern="1200" dirty="0" smtClean="0">
+              <a:latin typeface="Buxton Sketch" panose="03080500000500000004" pitchFamily="66" charset="0"/>
+            </a:rPr>
+            <a:t>- Conversion from/to string data type</a:t>
+          </a:r>
+          <a:endParaRPr lang="en-US" sz="2800" kern="1200" dirty="0">
+            <a:latin typeface="Buxton Sketch" panose="03080500000500000004" pitchFamily="66" charset="0"/>
+          </a:endParaRPr>
+        </a:p>
+      </dsp:txBody>
+      <dsp:txXfrm>
+        <a:off x="4292011" y="3493349"/>
+        <a:ext cx="3385930" cy="2778208"/>
+      </dsp:txXfrm>
+    </dsp:sp>
+    <dsp:sp modelId="{A196E2DD-6D76-475C-B7F7-7557DDF33801}">
+      <dsp:nvSpPr>
+        <dsp:cNvPr id="0" name=""/>
+        <dsp:cNvSpPr/>
+      </dsp:nvSpPr>
+      <dsp:spPr>
+        <a:xfrm>
+          <a:off x="9378528" y="1769434"/>
+          <a:ext cx="2185669" cy="1186421"/>
+        </a:xfrm>
+        <a:prstGeom prst="rect">
+          <a:avLst/>
+        </a:prstGeom>
+        <a:solidFill>
+          <a:schemeClr val="accent1">
+            <a:hueOff val="0"/>
+            <a:satOff val="0"/>
+            <a:lumOff val="0"/>
+            <a:alphaOff val="0"/>
+          </a:schemeClr>
+        </a:solidFill>
+        <a:ln w="19050" cap="rnd" cmpd="sng" algn="ctr">
+          <a:solidFill>
+            <a:schemeClr val="lt1">
+              <a:hueOff val="0"/>
+              <a:satOff val="0"/>
+              <a:lumOff val="0"/>
+              <a:alphaOff val="0"/>
+            </a:schemeClr>
+          </a:solidFill>
+          <a:prstDash val="solid"/>
+        </a:ln>
+        <a:effectLst/>
+      </dsp:spPr>
+      <dsp:style>
+        <a:lnRef idx="2">
+          <a:scrgbClr r="0" g="0" b="0"/>
+        </a:lnRef>
+        <a:fillRef idx="1">
+          <a:scrgbClr r="0" g="0" b="0"/>
+        </a:fillRef>
+        <a:effectRef idx="0">
+          <a:scrgbClr r="0" g="0" b="0"/>
+        </a:effectRef>
+        <a:fontRef idx="minor">
+          <a:schemeClr val="lt1"/>
+        </a:fontRef>
+      </dsp:style>
+      <dsp:txBody>
+        <a:bodyPr spcFirstLastPara="0" vert="horz" wrap="square" lIns="25400" tIns="25400" rIns="25400" bIns="25400" numCol="1" spcCol="1270" anchor="ctr" anchorCtr="0">
+          <a:noAutofit/>
+        </a:bodyPr>
+        <a:lstStyle/>
+        <a:p>
+          <a:pPr lvl="0" algn="ctr" defTabSz="1778000">
+            <a:lnSpc>
+              <a:spcPct val="90000"/>
+            </a:lnSpc>
+            <a:spcBef>
+              <a:spcPct val="0"/>
+            </a:spcBef>
+            <a:spcAft>
+              <a:spcPct val="35000"/>
+            </a:spcAft>
+          </a:pPr>
+          <a:r>
+            <a:rPr lang="en-US" sz="4000" kern="1200" dirty="0" smtClean="0">
+              <a:latin typeface="Informal Roman" panose="030604020304060B0204" pitchFamily="66" charset="0"/>
+            </a:rPr>
+            <a:t>Expressions</a:t>
+          </a:r>
+          <a:endParaRPr lang="en-US" sz="4000" kern="1200" dirty="0">
+            <a:latin typeface="Informal Roman" panose="030604020304060B0204" pitchFamily="66" charset="0"/>
+          </a:endParaRPr>
+        </a:p>
+      </dsp:txBody>
+      <dsp:txXfrm>
+        <a:off x="9378528" y="1769434"/>
+        <a:ext cx="2185669" cy="1186421"/>
+      </dsp:txXfrm>
+    </dsp:sp>
+    <dsp:sp modelId="{D3DF0737-B8C9-4078-B43F-0952CFB9222D}">
+      <dsp:nvSpPr>
+        <dsp:cNvPr id="0" name=""/>
+        <dsp:cNvSpPr/>
+      </dsp:nvSpPr>
+      <dsp:spPr>
+        <a:xfrm>
+          <a:off x="8952222" y="3201981"/>
+          <a:ext cx="2801397" cy="3325174"/>
+        </a:xfrm>
+        <a:prstGeom prst="rect">
+          <a:avLst/>
+        </a:prstGeom>
+        <a:solidFill>
+          <a:schemeClr val="accent1">
+            <a:hueOff val="0"/>
+            <a:satOff val="0"/>
+            <a:lumOff val="0"/>
+            <a:alphaOff val="0"/>
+          </a:schemeClr>
+        </a:solidFill>
+        <a:ln w="19050" cap="rnd" cmpd="sng" algn="ctr">
+          <a:solidFill>
+            <a:schemeClr val="lt1">
+              <a:hueOff val="0"/>
+              <a:satOff val="0"/>
+              <a:lumOff val="0"/>
+              <a:alphaOff val="0"/>
+            </a:schemeClr>
+          </a:solidFill>
+          <a:prstDash val="solid"/>
+        </a:ln>
+        <a:effectLst/>
+      </dsp:spPr>
+      <dsp:style>
+        <a:lnRef idx="2">
+          <a:scrgbClr r="0" g="0" b="0"/>
+        </a:lnRef>
+        <a:fillRef idx="1">
+          <a:scrgbClr r="0" g="0" b="0"/>
+        </a:fillRef>
+        <a:effectRef idx="0">
+          <a:scrgbClr r="0" g="0" b="0"/>
+        </a:effectRef>
+        <a:fontRef idx="minor">
+          <a:schemeClr val="lt1"/>
+        </a:fontRef>
+      </dsp:style>
+      <dsp:txBody>
+        <a:bodyPr spcFirstLastPara="0" vert="horz" wrap="square" lIns="17780" tIns="17780" rIns="17780" bIns="17780" numCol="1" spcCol="1270" anchor="ctr" anchorCtr="0">
+          <a:noAutofit/>
+        </a:bodyPr>
+        <a:lstStyle/>
+        <a:p>
+          <a:pPr lvl="0" algn="ctr" defTabSz="1244600">
+            <a:lnSpc>
+              <a:spcPct val="90000"/>
+            </a:lnSpc>
+            <a:spcBef>
+              <a:spcPct val="0"/>
+            </a:spcBef>
+            <a:spcAft>
+              <a:spcPct val="35000"/>
+            </a:spcAft>
+          </a:pPr>
+          <a:r>
+            <a:rPr lang="en-US" sz="2800" kern="1200" dirty="0" smtClean="0">
+              <a:solidFill>
+                <a:schemeClr val="bg1"/>
+              </a:solidFill>
+              <a:latin typeface="Buxton Sketch" panose="03080500000500000004" pitchFamily="66" charset="0"/>
+            </a:rPr>
+            <a:t>// Surface of circle</a:t>
+          </a:r>
+        </a:p>
+        <a:p>
+          <a:pPr lvl="0" algn="ctr" defTabSz="1244600">
+            <a:lnSpc>
+              <a:spcPct val="90000"/>
+            </a:lnSpc>
+            <a:spcBef>
+              <a:spcPct val="0"/>
+            </a:spcBef>
+            <a:spcAft>
+              <a:spcPct val="35000"/>
+            </a:spcAft>
+          </a:pPr>
+          <a:r>
+            <a:rPr lang="en-US" sz="2800" kern="1200" dirty="0" smtClean="0">
+              <a:latin typeface="Buxton Sketch" panose="03080500000500000004" pitchFamily="66" charset="0"/>
+            </a:rPr>
+            <a:t>double </a:t>
+          </a:r>
+          <a:r>
+            <a:rPr lang="en-US" sz="2800" kern="1200" dirty="0" smtClean="0">
+              <a:solidFill>
+                <a:srgbClr val="00B0F0"/>
+              </a:solidFill>
+              <a:latin typeface="Buxton Sketch" panose="03080500000500000004" pitchFamily="66" charset="0"/>
+            </a:rPr>
+            <a:t>surface</a:t>
+          </a:r>
+          <a:r>
+            <a:rPr lang="en-US" sz="2800" kern="1200" dirty="0" smtClean="0">
+              <a:latin typeface="Buxton Sketch" panose="03080500000500000004" pitchFamily="66" charset="0"/>
+            </a:rPr>
+            <a:t> = </a:t>
+          </a:r>
+          <a:r>
+            <a:rPr lang="en-US" sz="2800" kern="1200" dirty="0" err="1" smtClean="0">
+              <a:latin typeface="Buxton Sketch" panose="03080500000500000004" pitchFamily="66" charset="0"/>
+            </a:rPr>
+            <a:t>Math.Pi</a:t>
+          </a:r>
+          <a:r>
+            <a:rPr lang="en-US" sz="2800" kern="1200" dirty="0" smtClean="0">
+              <a:latin typeface="Buxton Sketch" panose="03080500000500000004" pitchFamily="66" charset="0"/>
+            </a:rPr>
+            <a:t> * r * r;</a:t>
+          </a:r>
+        </a:p>
+        <a:p>
+          <a:pPr lvl="0" algn="ctr" defTabSz="1244600">
+            <a:lnSpc>
+              <a:spcPct val="90000"/>
+            </a:lnSpc>
+            <a:spcBef>
+              <a:spcPct val="0"/>
+            </a:spcBef>
+            <a:spcAft>
+              <a:spcPct val="35000"/>
+            </a:spcAft>
+          </a:pPr>
+          <a:r>
+            <a:rPr lang="en-US" sz="2800" kern="1200" dirty="0" smtClean="0">
+              <a:solidFill>
+                <a:schemeClr val="bg1"/>
+              </a:solidFill>
+              <a:latin typeface="Buxton Sketch" panose="03080500000500000004" pitchFamily="66" charset="0"/>
+            </a:rPr>
+            <a:t>// Perimeter of circle</a:t>
+          </a:r>
+        </a:p>
+        <a:p>
+          <a:pPr lvl="0" algn="ctr" defTabSz="1244600">
+            <a:lnSpc>
+              <a:spcPct val="90000"/>
+            </a:lnSpc>
+            <a:spcBef>
+              <a:spcPct val="0"/>
+            </a:spcBef>
+            <a:spcAft>
+              <a:spcPct val="35000"/>
+            </a:spcAft>
+          </a:pPr>
+          <a:r>
+            <a:rPr lang="en-US" sz="2800" kern="1200" dirty="0" smtClean="0">
+              <a:latin typeface="Buxton Sketch" panose="03080500000500000004" pitchFamily="66" charset="0"/>
+            </a:rPr>
+            <a:t>double </a:t>
+          </a:r>
+          <a:r>
+            <a:rPr lang="en-US" sz="2800" kern="1200" dirty="0" smtClean="0">
+              <a:solidFill>
+                <a:srgbClr val="00B0F0"/>
+              </a:solidFill>
+              <a:latin typeface="Buxton Sketch" panose="03080500000500000004" pitchFamily="66" charset="0"/>
+            </a:rPr>
+            <a:t>perimeter</a:t>
+          </a:r>
+          <a:r>
+            <a:rPr lang="en-US" sz="2800" kern="1200" dirty="0" smtClean="0">
+              <a:latin typeface="Buxton Sketch" panose="03080500000500000004" pitchFamily="66" charset="0"/>
+            </a:rPr>
+            <a:t> = </a:t>
+          </a:r>
+        </a:p>
+        <a:p>
+          <a:pPr lvl="0" algn="ctr" defTabSz="1244600">
+            <a:lnSpc>
+              <a:spcPct val="90000"/>
+            </a:lnSpc>
+            <a:spcBef>
+              <a:spcPct val="0"/>
+            </a:spcBef>
+            <a:spcAft>
+              <a:spcPct val="35000"/>
+            </a:spcAft>
+          </a:pPr>
+          <a:r>
+            <a:rPr lang="en-US" sz="2800" kern="1200" dirty="0" smtClean="0">
+              <a:latin typeface="Buxton Sketch" panose="03080500000500000004" pitchFamily="66" charset="0"/>
+            </a:rPr>
+            <a:t>2 * </a:t>
+          </a:r>
+          <a:r>
+            <a:rPr lang="en-US" sz="2800" kern="1200" dirty="0" err="1" smtClean="0">
+              <a:latin typeface="Buxton Sketch" panose="03080500000500000004" pitchFamily="66" charset="0"/>
+            </a:rPr>
+            <a:t>Math.Pi</a:t>
+          </a:r>
+          <a:r>
+            <a:rPr lang="en-US" sz="2800" kern="1200" dirty="0" smtClean="0">
+              <a:latin typeface="Buxton Sketch" panose="03080500000500000004" pitchFamily="66" charset="0"/>
+            </a:rPr>
+            <a:t> * r;</a:t>
+          </a:r>
+          <a:endParaRPr lang="en-US" sz="2800" kern="1200" dirty="0">
+            <a:latin typeface="Buxton Sketch" panose="03080500000500000004" pitchFamily="66" charset="0"/>
+          </a:endParaRPr>
+        </a:p>
+      </dsp:txBody>
+      <dsp:txXfrm>
+        <a:off x="8952222" y="3201981"/>
+        <a:ext cx="2801397" cy="3325174"/>
+      </dsp:txXfrm>
+    </dsp:sp>
   </dsp:spTree>
 </dsp:drawing>
 </file>
@@ -10077,6 +13349,564 @@
       <dsp:cNvGrpSpPr/>
     </dsp:nvGrpSpPr>
     <dsp:grpSpPr/>
+    <dsp:sp modelId="{F2FABC0A-7D27-41B6-A5B2-1681964D3E93}">
+      <dsp:nvSpPr>
+        <dsp:cNvPr id="0" name=""/>
+        <dsp:cNvSpPr/>
+      </dsp:nvSpPr>
+      <dsp:spPr>
+        <a:xfrm>
+          <a:off x="5616536" y="1278022"/>
+          <a:ext cx="3882497" cy="414328"/>
+        </a:xfrm>
+        <a:custGeom>
+          <a:avLst/>
+          <a:gdLst/>
+          <a:ahLst/>
+          <a:cxnLst/>
+          <a:rect l="0" t="0" r="0" b="0"/>
+          <a:pathLst>
+            <a:path>
+              <a:moveTo>
+                <a:pt x="0" y="0"/>
+              </a:moveTo>
+              <a:lnTo>
+                <a:pt x="0" y="79704"/>
+              </a:lnTo>
+              <a:lnTo>
+                <a:pt x="3882497" y="79704"/>
+              </a:lnTo>
+              <a:lnTo>
+                <a:pt x="3882497" y="414328"/>
+              </a:lnTo>
+            </a:path>
+          </a:pathLst>
+        </a:custGeom>
+        <a:noFill/>
+        <a:ln w="19050" cap="rnd" cmpd="sng" algn="ctr">
+          <a:solidFill>
+            <a:schemeClr val="accent1">
+              <a:shade val="60000"/>
+              <a:hueOff val="0"/>
+              <a:satOff val="0"/>
+              <a:lumOff val="0"/>
+              <a:alphaOff val="0"/>
+            </a:schemeClr>
+          </a:solidFill>
+          <a:prstDash val="solid"/>
+        </a:ln>
+        <a:effectLst/>
+      </dsp:spPr>
+      <dsp:style>
+        <a:lnRef idx="2">
+          <a:scrgbClr r="0" g="0" b="0"/>
+        </a:lnRef>
+        <a:fillRef idx="0">
+          <a:scrgbClr r="0" g="0" b="0"/>
+        </a:fillRef>
+        <a:effectRef idx="0">
+          <a:scrgbClr r="0" g="0" b="0"/>
+        </a:effectRef>
+        <a:fontRef idx="minor"/>
+      </dsp:style>
+    </dsp:sp>
+    <dsp:sp modelId="{28B83FEF-8929-4CA9-AA29-351DB9B1E4DC}">
+      <dsp:nvSpPr>
+        <dsp:cNvPr id="0" name=""/>
+        <dsp:cNvSpPr/>
+      </dsp:nvSpPr>
+      <dsp:spPr>
+        <a:xfrm>
+          <a:off x="5463661" y="1278022"/>
+          <a:ext cx="152875" cy="537405"/>
+        </a:xfrm>
+        <a:custGeom>
+          <a:avLst/>
+          <a:gdLst/>
+          <a:ahLst/>
+          <a:cxnLst/>
+          <a:rect l="0" t="0" r="0" b="0"/>
+          <a:pathLst>
+            <a:path>
+              <a:moveTo>
+                <a:pt x="152875" y="0"/>
+              </a:moveTo>
+              <a:lnTo>
+                <a:pt x="152875" y="202782"/>
+              </a:lnTo>
+              <a:lnTo>
+                <a:pt x="0" y="202782"/>
+              </a:lnTo>
+              <a:lnTo>
+                <a:pt x="0" y="537405"/>
+              </a:lnTo>
+            </a:path>
+          </a:pathLst>
+        </a:custGeom>
+        <a:noFill/>
+        <a:ln w="19050" cap="rnd" cmpd="sng" algn="ctr">
+          <a:solidFill>
+            <a:schemeClr val="accent1">
+              <a:shade val="60000"/>
+              <a:hueOff val="0"/>
+              <a:satOff val="0"/>
+              <a:lumOff val="0"/>
+              <a:alphaOff val="0"/>
+            </a:schemeClr>
+          </a:solidFill>
+          <a:prstDash val="solid"/>
+        </a:ln>
+        <a:effectLst/>
+      </dsp:spPr>
+      <dsp:style>
+        <a:lnRef idx="2">
+          <a:scrgbClr r="0" g="0" b="0"/>
+        </a:lnRef>
+        <a:fillRef idx="0">
+          <a:scrgbClr r="0" g="0" b="0"/>
+        </a:fillRef>
+        <a:effectRef idx="0">
+          <a:scrgbClr r="0" g="0" b="0"/>
+        </a:effectRef>
+        <a:fontRef idx="minor"/>
+      </dsp:style>
+    </dsp:sp>
+    <dsp:sp modelId="{C737B84A-2ADA-4BBE-9EAC-51D285811437}">
+      <dsp:nvSpPr>
+        <dsp:cNvPr id="0" name=""/>
+        <dsp:cNvSpPr/>
+      </dsp:nvSpPr>
+      <dsp:spPr>
+        <a:xfrm>
+          <a:off x="1598724" y="1278022"/>
+          <a:ext cx="4017812" cy="484646"/>
+        </a:xfrm>
+        <a:custGeom>
+          <a:avLst/>
+          <a:gdLst/>
+          <a:ahLst/>
+          <a:cxnLst/>
+          <a:rect l="0" t="0" r="0" b="0"/>
+          <a:pathLst>
+            <a:path>
+              <a:moveTo>
+                <a:pt x="4017812" y="0"/>
+              </a:moveTo>
+              <a:lnTo>
+                <a:pt x="4017812" y="150023"/>
+              </a:lnTo>
+              <a:lnTo>
+                <a:pt x="0" y="150023"/>
+              </a:lnTo>
+              <a:lnTo>
+                <a:pt x="0" y="484646"/>
+              </a:lnTo>
+            </a:path>
+          </a:pathLst>
+        </a:custGeom>
+        <a:noFill/>
+        <a:ln w="19050" cap="rnd" cmpd="sng" algn="ctr">
+          <a:solidFill>
+            <a:schemeClr val="accent1">
+              <a:shade val="60000"/>
+              <a:hueOff val="0"/>
+              <a:satOff val="0"/>
+              <a:lumOff val="0"/>
+              <a:alphaOff val="0"/>
+            </a:schemeClr>
+          </a:solidFill>
+          <a:prstDash val="solid"/>
+        </a:ln>
+        <a:effectLst/>
+      </dsp:spPr>
+      <dsp:style>
+        <a:lnRef idx="2">
+          <a:scrgbClr r="0" g="0" b="0"/>
+        </a:lnRef>
+        <a:fillRef idx="0">
+          <a:scrgbClr r="0" g="0" b="0"/>
+        </a:fillRef>
+        <a:effectRef idx="0">
+          <a:scrgbClr r="0" g="0" b="0"/>
+        </a:effectRef>
+        <a:fontRef idx="minor"/>
+      </dsp:style>
+    </dsp:sp>
+    <dsp:sp modelId="{0359D7AD-5B93-4C43-9D98-56774F0D5194}">
+      <dsp:nvSpPr>
+        <dsp:cNvPr id="0" name=""/>
+        <dsp:cNvSpPr/>
+      </dsp:nvSpPr>
+      <dsp:spPr>
+        <a:xfrm>
+          <a:off x="1273868" y="333953"/>
+          <a:ext cx="8685337" cy="944069"/>
+        </a:xfrm>
+        <a:prstGeom prst="rect">
+          <a:avLst/>
+        </a:prstGeom>
+        <a:solidFill>
+          <a:schemeClr val="accent1">
+            <a:hueOff val="0"/>
+            <a:satOff val="0"/>
+            <a:lumOff val="0"/>
+            <a:alphaOff val="0"/>
+          </a:schemeClr>
+        </a:solidFill>
+        <a:ln w="19050" cap="rnd" cmpd="sng" algn="ctr">
+          <a:solidFill>
+            <a:schemeClr val="lt1">
+              <a:hueOff val="0"/>
+              <a:satOff val="0"/>
+              <a:lumOff val="0"/>
+              <a:alphaOff val="0"/>
+            </a:schemeClr>
+          </a:solidFill>
+          <a:prstDash val="solid"/>
+        </a:ln>
+        <a:effectLst/>
+      </dsp:spPr>
+      <dsp:style>
+        <a:lnRef idx="2">
+          <a:scrgbClr r="0" g="0" b="0"/>
+        </a:lnRef>
+        <a:fillRef idx="1">
+          <a:scrgbClr r="0" g="0" b="0"/>
+        </a:fillRef>
+        <a:effectRef idx="0">
+          <a:scrgbClr r="0" g="0" b="0"/>
+        </a:effectRef>
+        <a:fontRef idx="minor">
+          <a:schemeClr val="lt1"/>
+        </a:fontRef>
+      </dsp:style>
+      <dsp:txBody>
+        <a:bodyPr spcFirstLastPara="0" vert="horz" wrap="square" lIns="39370" tIns="39370" rIns="39370" bIns="39370" numCol="1" spcCol="1270" anchor="ctr" anchorCtr="0">
+          <a:noAutofit/>
+        </a:bodyPr>
+        <a:lstStyle/>
+        <a:p>
+          <a:pPr lvl="0" algn="ctr" defTabSz="2755900">
+            <a:lnSpc>
+              <a:spcPct val="90000"/>
+            </a:lnSpc>
+            <a:spcBef>
+              <a:spcPct val="0"/>
+            </a:spcBef>
+            <a:spcAft>
+              <a:spcPct val="35000"/>
+            </a:spcAft>
+          </a:pPr>
+          <a:r>
+            <a:rPr lang="en-US" sz="6200" kern="1200" dirty="0" smtClean="0">
+              <a:solidFill>
+                <a:srgbClr val="FFFF00"/>
+              </a:solidFill>
+              <a:latin typeface="Informal Roman" panose="030604020304060B0204" pitchFamily="66" charset="0"/>
+            </a:rPr>
+            <a:t>Conditional Statements</a:t>
+          </a:r>
+          <a:endParaRPr lang="en-US" sz="6200" kern="1200" dirty="0">
+            <a:solidFill>
+              <a:srgbClr val="FFFF00"/>
+            </a:solidFill>
+            <a:latin typeface="Informal Roman" panose="030604020304060B0204" pitchFamily="66" charset="0"/>
+          </a:endParaRPr>
+        </a:p>
+      </dsp:txBody>
+      <dsp:txXfrm>
+        <a:off x="1273868" y="333953"/>
+        <a:ext cx="8685337" cy="944069"/>
+      </dsp:txXfrm>
+    </dsp:sp>
+    <dsp:sp modelId="{2614E269-8295-4197-BB5E-0D078F5030B2}">
+      <dsp:nvSpPr>
+        <dsp:cNvPr id="0" name=""/>
+        <dsp:cNvSpPr/>
+      </dsp:nvSpPr>
+      <dsp:spPr>
+        <a:xfrm>
+          <a:off x="5277" y="1762669"/>
+          <a:ext cx="3186893" cy="1593446"/>
+        </a:xfrm>
+        <a:prstGeom prst="rect">
+          <a:avLst/>
+        </a:prstGeom>
+        <a:solidFill>
+          <a:schemeClr val="accent1">
+            <a:hueOff val="0"/>
+            <a:satOff val="0"/>
+            <a:lumOff val="0"/>
+            <a:alphaOff val="0"/>
+          </a:schemeClr>
+        </a:solidFill>
+        <a:ln w="19050" cap="rnd" cmpd="sng" algn="ctr">
+          <a:solidFill>
+            <a:schemeClr val="lt1">
+              <a:hueOff val="0"/>
+              <a:satOff val="0"/>
+              <a:lumOff val="0"/>
+              <a:alphaOff val="0"/>
+            </a:schemeClr>
+          </a:solidFill>
+          <a:prstDash val="solid"/>
+        </a:ln>
+        <a:effectLst/>
+      </dsp:spPr>
+      <dsp:style>
+        <a:lnRef idx="2">
+          <a:scrgbClr r="0" g="0" b="0"/>
+        </a:lnRef>
+        <a:fillRef idx="1">
+          <a:scrgbClr r="0" g="0" b="0"/>
+        </a:fillRef>
+        <a:effectRef idx="0">
+          <a:scrgbClr r="0" g="0" b="0"/>
+        </a:effectRef>
+        <a:fontRef idx="minor">
+          <a:schemeClr val="lt1"/>
+        </a:fontRef>
+      </dsp:style>
+      <dsp:txBody>
+        <a:bodyPr spcFirstLastPara="0" vert="horz" wrap="square" lIns="20320" tIns="20320" rIns="20320" bIns="20320" numCol="1" spcCol="1270" anchor="ctr" anchorCtr="0">
+          <a:noAutofit/>
+        </a:bodyPr>
+        <a:lstStyle/>
+        <a:p>
+          <a:pPr lvl="0" algn="ctr" defTabSz="1422400">
+            <a:lnSpc>
+              <a:spcPct val="90000"/>
+            </a:lnSpc>
+            <a:spcBef>
+              <a:spcPct val="0"/>
+            </a:spcBef>
+            <a:spcAft>
+              <a:spcPct val="35000"/>
+            </a:spcAft>
+          </a:pPr>
+          <a:r>
+            <a:rPr lang="en-US" sz="3200" kern="1200" dirty="0" smtClean="0">
+              <a:latin typeface="Informal Roman" panose="030604020304060B0204" pitchFamily="66" charset="0"/>
+            </a:rPr>
+            <a:t>Comparison Operators &amp; Boolean Expressions</a:t>
+          </a:r>
+          <a:endParaRPr lang="en-US" sz="3200" kern="1200" dirty="0">
+            <a:latin typeface="Informal Roman" panose="030604020304060B0204" pitchFamily="66" charset="0"/>
+          </a:endParaRPr>
+        </a:p>
+      </dsp:txBody>
+      <dsp:txXfrm>
+        <a:off x="5277" y="1762669"/>
+        <a:ext cx="3186893" cy="1593446"/>
+      </dsp:txXfrm>
+    </dsp:sp>
+    <dsp:sp modelId="{523C265F-BF3E-45A7-97E7-3CB6F72BBFF0}">
+      <dsp:nvSpPr>
+        <dsp:cNvPr id="0" name=""/>
+        <dsp:cNvSpPr/>
+      </dsp:nvSpPr>
+      <dsp:spPr>
+        <a:xfrm>
+          <a:off x="3870214" y="1815428"/>
+          <a:ext cx="3186893" cy="918430"/>
+        </a:xfrm>
+        <a:prstGeom prst="rect">
+          <a:avLst/>
+        </a:prstGeom>
+        <a:solidFill>
+          <a:schemeClr val="accent1">
+            <a:hueOff val="0"/>
+            <a:satOff val="0"/>
+            <a:lumOff val="0"/>
+            <a:alphaOff val="0"/>
+          </a:schemeClr>
+        </a:solidFill>
+        <a:ln w="19050" cap="rnd" cmpd="sng" algn="ctr">
+          <a:solidFill>
+            <a:schemeClr val="lt1">
+              <a:hueOff val="0"/>
+              <a:satOff val="0"/>
+              <a:lumOff val="0"/>
+              <a:alphaOff val="0"/>
+            </a:schemeClr>
+          </a:solidFill>
+          <a:prstDash val="solid"/>
+        </a:ln>
+        <a:effectLst/>
+      </dsp:spPr>
+      <dsp:style>
+        <a:lnRef idx="2">
+          <a:scrgbClr r="0" g="0" b="0"/>
+        </a:lnRef>
+        <a:fillRef idx="1">
+          <a:scrgbClr r="0" g="0" b="0"/>
+        </a:fillRef>
+        <a:effectRef idx="0">
+          <a:scrgbClr r="0" g="0" b="0"/>
+        </a:effectRef>
+        <a:fontRef idx="minor">
+          <a:schemeClr val="lt1"/>
+        </a:fontRef>
+      </dsp:style>
+      <dsp:txBody>
+        <a:bodyPr spcFirstLastPara="0" vert="horz" wrap="square" lIns="20320" tIns="20320" rIns="20320" bIns="20320" numCol="1" spcCol="1270" anchor="ctr" anchorCtr="0">
+          <a:noAutofit/>
+        </a:bodyPr>
+        <a:lstStyle/>
+        <a:p>
+          <a:pPr lvl="0" algn="ctr" defTabSz="1422400">
+            <a:lnSpc>
+              <a:spcPct val="90000"/>
+            </a:lnSpc>
+            <a:spcBef>
+              <a:spcPct val="0"/>
+            </a:spcBef>
+            <a:spcAft>
+              <a:spcPct val="35000"/>
+            </a:spcAft>
+          </a:pPr>
+          <a:r>
+            <a:rPr lang="en-US" sz="3200" kern="1200" dirty="0" smtClean="0">
+              <a:latin typeface="Informal Roman" panose="030604020304060B0204" pitchFamily="66" charset="0"/>
+            </a:rPr>
+            <a:t>“</a:t>
+          </a:r>
+          <a:r>
+            <a:rPr lang="en-US" sz="3200" kern="1200" dirty="0" smtClean="0">
+              <a:solidFill>
+                <a:schemeClr val="bg2"/>
+              </a:solidFill>
+              <a:latin typeface="Informal Roman" panose="030604020304060B0204" pitchFamily="66" charset="0"/>
+            </a:rPr>
+            <a:t>if</a:t>
+          </a:r>
+          <a:r>
+            <a:rPr lang="en-US" sz="3200" kern="1200" dirty="0" smtClean="0">
+              <a:latin typeface="Informal Roman" panose="030604020304060B0204" pitchFamily="66" charset="0"/>
+            </a:rPr>
+            <a:t>” &amp;“</a:t>
+          </a:r>
+          <a:r>
+            <a:rPr lang="en-US" sz="3200" kern="1200" dirty="0" smtClean="0">
+              <a:solidFill>
+                <a:schemeClr val="bg2"/>
+              </a:solidFill>
+              <a:latin typeface="Informal Roman" panose="030604020304060B0204" pitchFamily="66" charset="0"/>
+            </a:rPr>
+            <a:t>if-else</a:t>
+          </a:r>
+          <a:r>
+            <a:rPr lang="en-US" sz="3200" kern="1200" dirty="0" smtClean="0">
+              <a:latin typeface="Informal Roman" panose="030604020304060B0204" pitchFamily="66" charset="0"/>
+            </a:rPr>
+            <a:t>” Statements</a:t>
+          </a:r>
+          <a:endParaRPr lang="en-US" sz="3200" kern="1200" dirty="0">
+            <a:latin typeface="Informal Roman" panose="030604020304060B0204" pitchFamily="66" charset="0"/>
+          </a:endParaRPr>
+        </a:p>
+      </dsp:txBody>
+      <dsp:txXfrm>
+        <a:off x="3870214" y="1815428"/>
+        <a:ext cx="3186893" cy="918430"/>
+      </dsp:txXfrm>
+    </dsp:sp>
+    <dsp:sp modelId="{FB88D22D-616A-4763-8730-376C7E899E79}">
+      <dsp:nvSpPr>
+        <dsp:cNvPr id="0" name=""/>
+        <dsp:cNvSpPr/>
+      </dsp:nvSpPr>
+      <dsp:spPr>
+        <a:xfrm>
+          <a:off x="7691172" y="1692350"/>
+          <a:ext cx="3615722" cy="697961"/>
+        </a:xfrm>
+        <a:prstGeom prst="rect">
+          <a:avLst/>
+        </a:prstGeom>
+        <a:solidFill>
+          <a:schemeClr val="accent1">
+            <a:hueOff val="0"/>
+            <a:satOff val="0"/>
+            <a:lumOff val="0"/>
+            <a:alphaOff val="0"/>
+          </a:schemeClr>
+        </a:solidFill>
+        <a:ln w="19050" cap="rnd" cmpd="sng" algn="ctr">
+          <a:solidFill>
+            <a:schemeClr val="lt1">
+              <a:hueOff val="0"/>
+              <a:satOff val="0"/>
+              <a:lumOff val="0"/>
+              <a:alphaOff val="0"/>
+            </a:schemeClr>
+          </a:solidFill>
+          <a:prstDash val="solid"/>
+        </a:ln>
+        <a:effectLst/>
+      </dsp:spPr>
+      <dsp:style>
+        <a:lnRef idx="2">
+          <a:scrgbClr r="0" g="0" b="0"/>
+        </a:lnRef>
+        <a:fillRef idx="1">
+          <a:scrgbClr r="0" g="0" b="0"/>
+        </a:fillRef>
+        <a:effectRef idx="0">
+          <a:scrgbClr r="0" g="0" b="0"/>
+        </a:effectRef>
+        <a:fontRef idx="minor">
+          <a:schemeClr val="lt1"/>
+        </a:fontRef>
+      </dsp:style>
+      <dsp:txBody>
+        <a:bodyPr spcFirstLastPara="0" vert="horz" wrap="square" lIns="20320" tIns="20320" rIns="20320" bIns="20320" numCol="1" spcCol="1270" anchor="ctr" anchorCtr="0">
+          <a:noAutofit/>
+        </a:bodyPr>
+        <a:lstStyle/>
+        <a:p>
+          <a:pPr lvl="0" algn="ctr" defTabSz="1422400">
+            <a:lnSpc>
+              <a:spcPct val="90000"/>
+            </a:lnSpc>
+            <a:spcBef>
+              <a:spcPct val="0"/>
+            </a:spcBef>
+            <a:spcAft>
+              <a:spcPct val="35000"/>
+            </a:spcAft>
+          </a:pPr>
+          <a:r>
+            <a:rPr lang="en-US" sz="3200" kern="1200" dirty="0" smtClean="0">
+              <a:latin typeface="Informal Roman" panose="030604020304060B0204" pitchFamily="66" charset="0"/>
+            </a:rPr>
+            <a:t>“</a:t>
+          </a:r>
+          <a:r>
+            <a:rPr lang="en-US" sz="3200" kern="1200" dirty="0" smtClean="0">
+              <a:solidFill>
+                <a:schemeClr val="bg2"/>
+              </a:solidFill>
+              <a:latin typeface="Informal Roman" panose="030604020304060B0204" pitchFamily="66" charset="0"/>
+            </a:rPr>
+            <a:t>switch-case</a:t>
+          </a:r>
+          <a:r>
+            <a:rPr lang="en-US" sz="3200" kern="1200" dirty="0" smtClean="0">
+              <a:latin typeface="Informal Roman" panose="030604020304060B0204" pitchFamily="66" charset="0"/>
+            </a:rPr>
+            <a:t>” Statement</a:t>
+          </a:r>
+          <a:endParaRPr lang="en-US" sz="3200" kern="1200" dirty="0">
+            <a:latin typeface="Informal Roman" panose="030604020304060B0204" pitchFamily="66" charset="0"/>
+          </a:endParaRPr>
+        </a:p>
+      </dsp:txBody>
+      <dsp:txXfrm>
+        <a:off x="7691172" y="1692350"/>
+        <a:ext cx="3615722" cy="697961"/>
+      </dsp:txXfrm>
+    </dsp:sp>
   </dsp:spTree>
 </dsp:drawing>
 </file>
@@ -10089,6 +13919,1336 @@
       <dsp:cNvGrpSpPr/>
     </dsp:nvGrpSpPr>
     <dsp:grpSpPr/>
+    <dsp:sp modelId="{99D3BF18-CCDF-4358-8A14-45F1F6A05946}">
+      <dsp:nvSpPr>
+        <dsp:cNvPr id="0" name=""/>
+        <dsp:cNvSpPr/>
+      </dsp:nvSpPr>
+      <dsp:spPr>
+        <a:xfrm>
+          <a:off x="5947690" y="1624078"/>
+          <a:ext cx="3590962" cy="575631"/>
+        </a:xfrm>
+        <a:custGeom>
+          <a:avLst/>
+          <a:gdLst/>
+          <a:ahLst/>
+          <a:cxnLst/>
+          <a:rect l="0" t="0" r="0" b="0"/>
+          <a:pathLst>
+            <a:path>
+              <a:moveTo>
+                <a:pt x="0" y="0"/>
+              </a:moveTo>
+              <a:lnTo>
+                <a:pt x="0" y="327478"/>
+              </a:lnTo>
+              <a:lnTo>
+                <a:pt x="3590962" y="327478"/>
+              </a:lnTo>
+              <a:lnTo>
+                <a:pt x="3590962" y="575631"/>
+              </a:lnTo>
+            </a:path>
+          </a:pathLst>
+        </a:custGeom>
+        <a:noFill/>
+        <a:ln w="19050" cap="rnd" cmpd="sng" algn="ctr">
+          <a:solidFill>
+            <a:schemeClr val="accent1">
+              <a:shade val="60000"/>
+              <a:hueOff val="0"/>
+              <a:satOff val="0"/>
+              <a:lumOff val="0"/>
+              <a:alphaOff val="0"/>
+            </a:schemeClr>
+          </a:solidFill>
+          <a:prstDash val="solid"/>
+        </a:ln>
+        <a:effectLst/>
+      </dsp:spPr>
+      <dsp:style>
+        <a:lnRef idx="2">
+          <a:scrgbClr r="0" g="0" b="0"/>
+        </a:lnRef>
+        <a:fillRef idx="0">
+          <a:scrgbClr r="0" g="0" b="0"/>
+        </a:fillRef>
+        <a:effectRef idx="0">
+          <a:scrgbClr r="0" g="0" b="0"/>
+        </a:effectRef>
+        <a:fontRef idx="minor"/>
+      </dsp:style>
+    </dsp:sp>
+    <dsp:sp modelId="{90E5611E-82EF-4AB6-ACD8-DB08B317B831}">
+      <dsp:nvSpPr>
+        <dsp:cNvPr id="0" name=""/>
+        <dsp:cNvSpPr/>
+      </dsp:nvSpPr>
+      <dsp:spPr>
+        <a:xfrm>
+          <a:off x="5614799" y="1624078"/>
+          <a:ext cx="332891" cy="535968"/>
+        </a:xfrm>
+        <a:custGeom>
+          <a:avLst/>
+          <a:gdLst/>
+          <a:ahLst/>
+          <a:cxnLst/>
+          <a:rect l="0" t="0" r="0" b="0"/>
+          <a:pathLst>
+            <a:path>
+              <a:moveTo>
+                <a:pt x="332891" y="0"/>
+              </a:moveTo>
+              <a:lnTo>
+                <a:pt x="332891" y="287815"/>
+              </a:lnTo>
+              <a:lnTo>
+                <a:pt x="0" y="287815"/>
+              </a:lnTo>
+              <a:lnTo>
+                <a:pt x="0" y="535968"/>
+              </a:lnTo>
+            </a:path>
+          </a:pathLst>
+        </a:custGeom>
+        <a:noFill/>
+        <a:ln w="19050" cap="rnd" cmpd="sng" algn="ctr">
+          <a:solidFill>
+            <a:schemeClr val="accent1">
+              <a:shade val="60000"/>
+              <a:hueOff val="0"/>
+              <a:satOff val="0"/>
+              <a:lumOff val="0"/>
+              <a:alphaOff val="0"/>
+            </a:schemeClr>
+          </a:solidFill>
+          <a:prstDash val="solid"/>
+        </a:ln>
+        <a:effectLst/>
+      </dsp:spPr>
+      <dsp:style>
+        <a:lnRef idx="2">
+          <a:scrgbClr r="0" g="0" b="0"/>
+        </a:lnRef>
+        <a:fillRef idx="0">
+          <a:scrgbClr r="0" g="0" b="0"/>
+        </a:fillRef>
+        <a:effectRef idx="0">
+          <a:scrgbClr r="0" g="0" b="0"/>
+        </a:effectRef>
+        <a:fontRef idx="minor"/>
+      </dsp:style>
+    </dsp:sp>
+    <dsp:sp modelId="{35A1BAA1-3B15-492E-9E7C-2562CD8D223E}">
+      <dsp:nvSpPr>
+        <dsp:cNvPr id="0" name=""/>
+        <dsp:cNvSpPr/>
+      </dsp:nvSpPr>
+      <dsp:spPr>
+        <a:xfrm>
+          <a:off x="1981910" y="1624078"/>
+          <a:ext cx="3965780" cy="535968"/>
+        </a:xfrm>
+        <a:custGeom>
+          <a:avLst/>
+          <a:gdLst/>
+          <a:ahLst/>
+          <a:cxnLst/>
+          <a:rect l="0" t="0" r="0" b="0"/>
+          <a:pathLst>
+            <a:path>
+              <a:moveTo>
+                <a:pt x="3965780" y="0"/>
+              </a:moveTo>
+              <a:lnTo>
+                <a:pt x="3965780" y="287815"/>
+              </a:lnTo>
+              <a:lnTo>
+                <a:pt x="0" y="287815"/>
+              </a:lnTo>
+              <a:lnTo>
+                <a:pt x="0" y="535968"/>
+              </a:lnTo>
+            </a:path>
+          </a:pathLst>
+        </a:custGeom>
+        <a:noFill/>
+        <a:ln w="19050" cap="rnd" cmpd="sng" algn="ctr">
+          <a:solidFill>
+            <a:schemeClr val="accent1">
+              <a:shade val="60000"/>
+              <a:hueOff val="0"/>
+              <a:satOff val="0"/>
+              <a:lumOff val="0"/>
+              <a:alphaOff val="0"/>
+            </a:schemeClr>
+          </a:solidFill>
+          <a:prstDash val="solid"/>
+        </a:ln>
+        <a:effectLst/>
+      </dsp:spPr>
+      <dsp:style>
+        <a:lnRef idx="2">
+          <a:scrgbClr r="0" g="0" b="0"/>
+        </a:lnRef>
+        <a:fillRef idx="0">
+          <a:scrgbClr r="0" g="0" b="0"/>
+        </a:fillRef>
+        <a:effectRef idx="0">
+          <a:scrgbClr r="0" g="0" b="0"/>
+        </a:effectRef>
+        <a:fontRef idx="minor"/>
+      </dsp:style>
+    </dsp:sp>
+    <dsp:sp modelId="{C64EB97F-321C-4C39-8BEA-081097216017}">
+      <dsp:nvSpPr>
+        <dsp:cNvPr id="0" name=""/>
+        <dsp:cNvSpPr/>
+      </dsp:nvSpPr>
+      <dsp:spPr>
+        <a:xfrm>
+          <a:off x="4766009" y="0"/>
+          <a:ext cx="2363361" cy="1624078"/>
+        </a:xfrm>
+        <a:prstGeom prst="rect">
+          <a:avLst/>
+        </a:prstGeom>
+        <a:solidFill>
+          <a:schemeClr val="accent1">
+            <a:hueOff val="0"/>
+            <a:satOff val="0"/>
+            <a:lumOff val="0"/>
+            <a:alphaOff val="0"/>
+          </a:schemeClr>
+        </a:solidFill>
+        <a:ln w="19050" cap="rnd" cmpd="sng" algn="ctr">
+          <a:solidFill>
+            <a:schemeClr val="lt1">
+              <a:hueOff val="0"/>
+              <a:satOff val="0"/>
+              <a:lumOff val="0"/>
+              <a:alphaOff val="0"/>
+            </a:schemeClr>
+          </a:solidFill>
+          <a:prstDash val="solid"/>
+        </a:ln>
+        <a:effectLst/>
+      </dsp:spPr>
+      <dsp:style>
+        <a:lnRef idx="2">
+          <a:scrgbClr r="0" g="0" b="0"/>
+        </a:lnRef>
+        <a:fillRef idx="1">
+          <a:scrgbClr r="0" g="0" b="0"/>
+        </a:fillRef>
+        <a:effectRef idx="0">
+          <a:scrgbClr r="0" g="0" b="0"/>
+        </a:effectRef>
+        <a:fontRef idx="minor">
+          <a:schemeClr val="lt1"/>
+        </a:fontRef>
+      </dsp:style>
+      <dsp:txBody>
+        <a:bodyPr spcFirstLastPara="0" vert="horz" wrap="square" lIns="41275" tIns="41275" rIns="41275" bIns="41275" numCol="1" spcCol="1270" anchor="ctr" anchorCtr="0">
+          <a:noAutofit/>
+        </a:bodyPr>
+        <a:lstStyle/>
+        <a:p>
+          <a:pPr lvl="0" algn="ctr" defTabSz="2889250">
+            <a:lnSpc>
+              <a:spcPct val="90000"/>
+            </a:lnSpc>
+            <a:spcBef>
+              <a:spcPct val="0"/>
+            </a:spcBef>
+            <a:spcAft>
+              <a:spcPct val="35000"/>
+            </a:spcAft>
+          </a:pPr>
+          <a:r>
+            <a:rPr lang="en-US" sz="6500" kern="1200" dirty="0" smtClean="0">
+              <a:solidFill>
+                <a:srgbClr val="FFFF00"/>
+              </a:solidFill>
+              <a:latin typeface="Informal Roman" panose="030604020304060B0204" pitchFamily="66" charset="0"/>
+            </a:rPr>
+            <a:t>Loops</a:t>
+          </a:r>
+          <a:endParaRPr lang="en-US" sz="6500" kern="1200" dirty="0">
+            <a:solidFill>
+              <a:srgbClr val="FFFF00"/>
+            </a:solidFill>
+            <a:latin typeface="Informal Roman" panose="030604020304060B0204" pitchFamily="66" charset="0"/>
+          </a:endParaRPr>
+        </a:p>
+      </dsp:txBody>
+      <dsp:txXfrm>
+        <a:off x="4766009" y="0"/>
+        <a:ext cx="2363361" cy="1624078"/>
+      </dsp:txXfrm>
+    </dsp:sp>
+    <dsp:sp modelId="{7E667D03-8B49-4B4A-BDB0-10855DA49168}">
+      <dsp:nvSpPr>
+        <dsp:cNvPr id="0" name=""/>
+        <dsp:cNvSpPr/>
+      </dsp:nvSpPr>
+      <dsp:spPr>
+        <a:xfrm>
+          <a:off x="14151" y="2160047"/>
+          <a:ext cx="3935517" cy="3530401"/>
+        </a:xfrm>
+        <a:prstGeom prst="rect">
+          <a:avLst/>
+        </a:prstGeom>
+        <a:solidFill>
+          <a:schemeClr val="accent1">
+            <a:hueOff val="0"/>
+            <a:satOff val="0"/>
+            <a:lumOff val="0"/>
+            <a:alphaOff val="0"/>
+          </a:schemeClr>
+        </a:solidFill>
+        <a:ln w="19050" cap="rnd" cmpd="sng" algn="ctr">
+          <a:solidFill>
+            <a:schemeClr val="lt1">
+              <a:hueOff val="0"/>
+              <a:satOff val="0"/>
+              <a:lumOff val="0"/>
+              <a:alphaOff val="0"/>
+            </a:schemeClr>
+          </a:solidFill>
+          <a:prstDash val="solid"/>
+        </a:ln>
+        <a:effectLst/>
+      </dsp:spPr>
+      <dsp:style>
+        <a:lnRef idx="2">
+          <a:scrgbClr r="0" g="0" b="0"/>
+        </a:lnRef>
+        <a:fillRef idx="1">
+          <a:scrgbClr r="0" g="0" b="0"/>
+        </a:fillRef>
+        <a:effectRef idx="0">
+          <a:scrgbClr r="0" g="0" b="0"/>
+        </a:effectRef>
+        <a:fontRef idx="minor">
+          <a:schemeClr val="lt1"/>
+        </a:fontRef>
+      </dsp:style>
+      <dsp:txBody>
+        <a:bodyPr spcFirstLastPara="0" vert="horz" wrap="square" lIns="17780" tIns="17780" rIns="17780" bIns="17780" numCol="1" spcCol="1270" anchor="ctr" anchorCtr="0">
+          <a:noAutofit/>
+        </a:bodyPr>
+        <a:lstStyle/>
+        <a:p>
+          <a:pPr lvl="0" algn="ctr" defTabSz="1244600">
+            <a:lnSpc>
+              <a:spcPct val="90000"/>
+            </a:lnSpc>
+            <a:spcBef>
+              <a:spcPct val="0"/>
+            </a:spcBef>
+            <a:spcAft>
+              <a:spcPct val="35000"/>
+            </a:spcAft>
+          </a:pPr>
+          <a:endParaRPr lang="en-US" sz="2800" kern="1200" dirty="0" smtClean="0">
+            <a:solidFill>
+              <a:srgbClr val="FFFF00"/>
+            </a:solidFill>
+            <a:latin typeface="Buxton Sketch" panose="03080500000500000004" pitchFamily="66" charset="0"/>
+          </a:endParaRPr>
+        </a:p>
+        <a:p>
+          <a:pPr lvl="0" algn="ctr" defTabSz="1244600">
+            <a:lnSpc>
+              <a:spcPct val="90000"/>
+            </a:lnSpc>
+            <a:spcBef>
+              <a:spcPct val="0"/>
+            </a:spcBef>
+            <a:spcAft>
+              <a:spcPct val="35000"/>
+            </a:spcAft>
+          </a:pPr>
+          <a:r>
+            <a:rPr lang="en-US" sz="2800" kern="1200" dirty="0" smtClean="0">
+              <a:solidFill>
+                <a:srgbClr val="FFFF00"/>
+              </a:solidFill>
+              <a:latin typeface="Buxton Sketch" panose="03080500000500000004" pitchFamily="66" charset="0"/>
+            </a:rPr>
+            <a:t>While Loops</a:t>
+          </a:r>
+        </a:p>
+        <a:p>
+          <a:pPr lvl="0" algn="l" defTabSz="1244600">
+            <a:lnSpc>
+              <a:spcPct val="90000"/>
+            </a:lnSpc>
+            <a:spcBef>
+              <a:spcPct val="0"/>
+            </a:spcBef>
+            <a:spcAft>
+              <a:spcPct val="35000"/>
+            </a:spcAft>
+          </a:pPr>
+          <a:r>
+            <a:rPr lang="en-US" sz="2000" kern="1200" dirty="0" smtClean="0">
+              <a:latin typeface="Buxton Sketch" panose="03080500000500000004" pitchFamily="66" charset="0"/>
+            </a:rPr>
+            <a:t>string </a:t>
+          </a:r>
+          <a:r>
+            <a:rPr lang="en-US" sz="2000" kern="1200" dirty="0" err="1" smtClean="0">
+              <a:solidFill>
+                <a:srgbClr val="00B0F0"/>
+              </a:solidFill>
+              <a:latin typeface="Buxton Sketch" panose="03080500000500000004" pitchFamily="66" charset="0"/>
+            </a:rPr>
+            <a:t>myName</a:t>
+          </a:r>
+          <a:r>
+            <a:rPr lang="en-US" sz="2000" kern="1200" dirty="0" smtClean="0">
+              <a:latin typeface="Buxton Sketch" panose="03080500000500000004" pitchFamily="66" charset="0"/>
+            </a:rPr>
+            <a:t> = </a:t>
+          </a:r>
+          <a:r>
+            <a:rPr lang="en-US" sz="2000" kern="1200" dirty="0" err="1" smtClean="0">
+              <a:solidFill>
+                <a:srgbClr val="00B050"/>
+              </a:solidFill>
+              <a:latin typeface="Buxton Sketch" panose="03080500000500000004" pitchFamily="66" charset="0"/>
+            </a:rPr>
+            <a:t>Console</a:t>
+          </a:r>
+          <a:r>
+            <a:rPr lang="en-US" sz="2000" kern="1200" dirty="0" err="1" smtClean="0">
+              <a:latin typeface="Buxton Sketch" panose="03080500000500000004" pitchFamily="66" charset="0"/>
+            </a:rPr>
+            <a:t>.ReadLine</a:t>
+          </a:r>
+          <a:r>
+            <a:rPr lang="en-US" sz="2000" kern="1200" dirty="0" smtClean="0">
+              <a:latin typeface="Buxton Sketch" panose="03080500000500000004" pitchFamily="66" charset="0"/>
+            </a:rPr>
+            <a:t>();</a:t>
+          </a:r>
+        </a:p>
+        <a:p>
+          <a:pPr lvl="0" algn="l" defTabSz="1244600">
+            <a:lnSpc>
+              <a:spcPct val="90000"/>
+            </a:lnSpc>
+            <a:spcBef>
+              <a:spcPct val="0"/>
+            </a:spcBef>
+            <a:spcAft>
+              <a:spcPct val="35000"/>
+            </a:spcAft>
+          </a:pPr>
+          <a:r>
+            <a:rPr lang="en-US" sz="2000" kern="1200" dirty="0" smtClean="0">
+              <a:latin typeface="Buxton Sketch" panose="03080500000500000004" pitchFamily="66" charset="0"/>
+            </a:rPr>
+            <a:t>while(</a:t>
+          </a:r>
+          <a:r>
+            <a:rPr lang="en-US" sz="2000" kern="1200" dirty="0" err="1" smtClean="0">
+              <a:solidFill>
+                <a:srgbClr val="00B0F0"/>
+              </a:solidFill>
+              <a:latin typeface="Buxton Sketch" panose="03080500000500000004" pitchFamily="66" charset="0"/>
+            </a:rPr>
+            <a:t>myName</a:t>
+          </a:r>
+          <a:r>
+            <a:rPr lang="en-US" sz="2000" kern="1200" dirty="0" smtClean="0">
+              <a:latin typeface="Buxton Sketch" panose="03080500000500000004" pitchFamily="66" charset="0"/>
+            </a:rPr>
+            <a:t> != “Bugs Bunny”)</a:t>
+          </a:r>
+        </a:p>
+        <a:p>
+          <a:pPr lvl="0" algn="l" defTabSz="1244600">
+            <a:lnSpc>
+              <a:spcPct val="90000"/>
+            </a:lnSpc>
+            <a:spcBef>
+              <a:spcPct val="0"/>
+            </a:spcBef>
+            <a:spcAft>
+              <a:spcPct val="35000"/>
+            </a:spcAft>
+          </a:pPr>
+          <a:r>
+            <a:rPr lang="en-US" sz="2000" kern="1200" dirty="0" smtClean="0">
+              <a:latin typeface="Buxton Sketch" panose="03080500000500000004" pitchFamily="66" charset="0"/>
+            </a:rPr>
+            <a:t>{</a:t>
+          </a:r>
+        </a:p>
+        <a:p>
+          <a:pPr lvl="0" algn="l" defTabSz="1244600">
+            <a:lnSpc>
+              <a:spcPct val="90000"/>
+            </a:lnSpc>
+            <a:spcBef>
+              <a:spcPct val="0"/>
+            </a:spcBef>
+            <a:spcAft>
+              <a:spcPct val="35000"/>
+            </a:spcAft>
+          </a:pPr>
+          <a:r>
+            <a:rPr lang="en-US" sz="2000" kern="1200" dirty="0" smtClean="0">
+              <a:latin typeface="Buxton Sketch" panose="03080500000500000004" pitchFamily="66" charset="0"/>
+            </a:rPr>
+            <a:t>    </a:t>
+          </a:r>
+          <a:r>
+            <a:rPr lang="en-US" sz="2000" kern="1200" dirty="0" err="1" smtClean="0">
+              <a:solidFill>
+                <a:srgbClr val="00B050"/>
+              </a:solidFill>
+              <a:latin typeface="Buxton Sketch" panose="03080500000500000004" pitchFamily="66" charset="0"/>
+            </a:rPr>
+            <a:t>Console</a:t>
+          </a:r>
+          <a:r>
+            <a:rPr lang="en-US" sz="2000" kern="1200" dirty="0" err="1" smtClean="0">
+              <a:latin typeface="Buxton Sketch" panose="03080500000500000004" pitchFamily="66" charset="0"/>
+            </a:rPr>
+            <a:t>.WriteLine</a:t>
+          </a:r>
+          <a:r>
+            <a:rPr lang="en-US" sz="2000" kern="1200" dirty="0" smtClean="0">
+              <a:latin typeface="Buxton Sketch" panose="03080500000500000004" pitchFamily="66" charset="0"/>
+            </a:rPr>
+            <a:t>(“Enter your name!”);</a:t>
+          </a:r>
+        </a:p>
+        <a:p>
+          <a:pPr lvl="0" algn="l" defTabSz="1244600">
+            <a:lnSpc>
+              <a:spcPct val="90000"/>
+            </a:lnSpc>
+            <a:spcBef>
+              <a:spcPct val="0"/>
+            </a:spcBef>
+            <a:spcAft>
+              <a:spcPct val="35000"/>
+            </a:spcAft>
+          </a:pPr>
+          <a:r>
+            <a:rPr lang="en-US" sz="2000" kern="1200" dirty="0" smtClean="0">
+              <a:latin typeface="Buxton Sketch" panose="03080500000500000004" pitchFamily="66" charset="0"/>
+            </a:rPr>
+            <a:t>    </a:t>
+          </a:r>
+          <a:r>
+            <a:rPr lang="en-US" sz="2000" kern="1200" dirty="0" err="1" smtClean="0">
+              <a:solidFill>
+                <a:srgbClr val="00B0F0"/>
+              </a:solidFill>
+              <a:latin typeface="Buxton Sketch" panose="03080500000500000004" pitchFamily="66" charset="0"/>
+            </a:rPr>
+            <a:t>myName</a:t>
+          </a:r>
+          <a:r>
+            <a:rPr lang="en-US" sz="2000" kern="1200" dirty="0" smtClean="0">
+              <a:latin typeface="Buxton Sketch" panose="03080500000500000004" pitchFamily="66" charset="0"/>
+            </a:rPr>
+            <a:t> = </a:t>
+          </a:r>
+          <a:r>
+            <a:rPr lang="en-US" sz="2000" kern="1200" dirty="0" err="1" smtClean="0">
+              <a:solidFill>
+                <a:srgbClr val="00B050"/>
+              </a:solidFill>
+              <a:latin typeface="Buxton Sketch" panose="03080500000500000004" pitchFamily="66" charset="0"/>
+            </a:rPr>
+            <a:t>Console</a:t>
+          </a:r>
+          <a:r>
+            <a:rPr lang="en-US" sz="2000" kern="1200" dirty="0" err="1" smtClean="0">
+              <a:latin typeface="Buxton Sketch" panose="03080500000500000004" pitchFamily="66" charset="0"/>
+            </a:rPr>
+            <a:t>.ReadLIne</a:t>
+          </a:r>
+          <a:r>
+            <a:rPr lang="en-US" sz="2000" kern="1200" dirty="0" smtClean="0">
+              <a:latin typeface="Buxton Sketch" panose="03080500000500000004" pitchFamily="66" charset="0"/>
+            </a:rPr>
+            <a:t>();	</a:t>
+          </a:r>
+        </a:p>
+        <a:p>
+          <a:pPr lvl="0" algn="l" defTabSz="1244600">
+            <a:lnSpc>
+              <a:spcPct val="90000"/>
+            </a:lnSpc>
+            <a:spcBef>
+              <a:spcPct val="0"/>
+            </a:spcBef>
+            <a:spcAft>
+              <a:spcPct val="35000"/>
+            </a:spcAft>
+          </a:pPr>
+          <a:r>
+            <a:rPr lang="en-US" sz="2000" kern="1200" dirty="0" smtClean="0">
+              <a:latin typeface="Buxton Sketch" panose="03080500000500000004" pitchFamily="66" charset="0"/>
+            </a:rPr>
+            <a:t>}</a:t>
+          </a:r>
+        </a:p>
+        <a:p>
+          <a:pPr lvl="0" algn="ctr" defTabSz="1244600">
+            <a:lnSpc>
+              <a:spcPct val="90000"/>
+            </a:lnSpc>
+            <a:spcBef>
+              <a:spcPct val="0"/>
+            </a:spcBef>
+            <a:spcAft>
+              <a:spcPct val="35000"/>
+            </a:spcAft>
+          </a:pPr>
+          <a:endParaRPr lang="en-US" sz="2800" kern="1200" dirty="0">
+            <a:latin typeface="Buxton Sketch" panose="03080500000500000004" pitchFamily="66" charset="0"/>
+          </a:endParaRPr>
+        </a:p>
+      </dsp:txBody>
+      <dsp:txXfrm>
+        <a:off x="14151" y="2160047"/>
+        <a:ext cx="3935517" cy="3530401"/>
+      </dsp:txXfrm>
+    </dsp:sp>
+    <dsp:sp modelId="{BC0C9976-79C2-4CCD-9FCC-AEDADFE68DB4}">
+      <dsp:nvSpPr>
+        <dsp:cNvPr id="0" name=""/>
+        <dsp:cNvSpPr/>
+      </dsp:nvSpPr>
+      <dsp:spPr>
+        <a:xfrm>
+          <a:off x="4433118" y="2160047"/>
+          <a:ext cx="2363361" cy="3968817"/>
+        </a:xfrm>
+        <a:prstGeom prst="rect">
+          <a:avLst/>
+        </a:prstGeom>
+        <a:solidFill>
+          <a:schemeClr val="accent1">
+            <a:hueOff val="0"/>
+            <a:satOff val="0"/>
+            <a:lumOff val="0"/>
+            <a:alphaOff val="0"/>
+          </a:schemeClr>
+        </a:solidFill>
+        <a:ln w="19050" cap="rnd" cmpd="sng" algn="ctr">
+          <a:solidFill>
+            <a:schemeClr val="lt1">
+              <a:hueOff val="0"/>
+              <a:satOff val="0"/>
+              <a:lumOff val="0"/>
+              <a:alphaOff val="0"/>
+            </a:schemeClr>
+          </a:solidFill>
+          <a:prstDash val="solid"/>
+        </a:ln>
+        <a:effectLst/>
+      </dsp:spPr>
+      <dsp:style>
+        <a:lnRef idx="2">
+          <a:scrgbClr r="0" g="0" b="0"/>
+        </a:lnRef>
+        <a:fillRef idx="1">
+          <a:scrgbClr r="0" g="0" b="0"/>
+        </a:fillRef>
+        <a:effectRef idx="0">
+          <a:scrgbClr r="0" g="0" b="0"/>
+        </a:effectRef>
+        <a:fontRef idx="minor">
+          <a:schemeClr val="lt1"/>
+        </a:fontRef>
+      </dsp:style>
+      <dsp:txBody>
+        <a:bodyPr spcFirstLastPara="0" vert="horz" wrap="square" lIns="20320" tIns="20320" rIns="20320" bIns="20320" numCol="1" spcCol="1270" anchor="ctr" anchorCtr="0">
+          <a:noAutofit/>
+        </a:bodyPr>
+        <a:lstStyle/>
+        <a:p>
+          <a:pPr lvl="0" algn="ctr" defTabSz="1422400">
+            <a:lnSpc>
+              <a:spcPct val="90000"/>
+            </a:lnSpc>
+            <a:spcBef>
+              <a:spcPct val="0"/>
+            </a:spcBef>
+            <a:spcAft>
+              <a:spcPct val="35000"/>
+            </a:spcAft>
+          </a:pPr>
+          <a:endParaRPr lang="en-US" sz="3200" kern="1200" dirty="0" smtClean="0">
+            <a:solidFill>
+              <a:srgbClr val="FFFF00"/>
+            </a:solidFill>
+            <a:latin typeface="Buxton Sketch" panose="03080500000500000004" pitchFamily="66" charset="0"/>
+          </a:endParaRPr>
+        </a:p>
+        <a:p>
+          <a:pPr lvl="0" algn="ctr" defTabSz="1422400">
+            <a:lnSpc>
+              <a:spcPct val="90000"/>
+            </a:lnSpc>
+            <a:spcBef>
+              <a:spcPct val="0"/>
+            </a:spcBef>
+            <a:spcAft>
+              <a:spcPct val="35000"/>
+            </a:spcAft>
+          </a:pPr>
+          <a:r>
+            <a:rPr lang="en-US" sz="2800" kern="1200" dirty="0" smtClean="0">
+              <a:solidFill>
+                <a:srgbClr val="FFFF00"/>
+              </a:solidFill>
+              <a:latin typeface="Buxton Sketch" panose="03080500000500000004" pitchFamily="66" charset="0"/>
+            </a:rPr>
+            <a:t>Do-While Loops</a:t>
+          </a:r>
+        </a:p>
+        <a:p>
+          <a:pPr lvl="0" algn="ctr" defTabSz="1422400">
+            <a:lnSpc>
+              <a:spcPct val="90000"/>
+            </a:lnSpc>
+            <a:spcBef>
+              <a:spcPct val="0"/>
+            </a:spcBef>
+            <a:spcAft>
+              <a:spcPct val="35000"/>
+            </a:spcAft>
+          </a:pPr>
+          <a:r>
+            <a:rPr lang="en-US" sz="2800" kern="1200" dirty="0" err="1" smtClean="0">
+              <a:solidFill>
+                <a:srgbClr val="FFFF00"/>
+              </a:solidFill>
+              <a:latin typeface="Buxton Sketch" panose="03080500000500000004" pitchFamily="66" charset="0"/>
+            </a:rPr>
+            <a:t>Foreach</a:t>
+          </a:r>
+          <a:r>
+            <a:rPr lang="en-US" sz="2800" kern="1200" dirty="0" smtClean="0">
+              <a:solidFill>
+                <a:srgbClr val="FFFF00"/>
+              </a:solidFill>
+              <a:latin typeface="Buxton Sketch" panose="03080500000500000004" pitchFamily="66" charset="0"/>
+            </a:rPr>
+            <a:t> Loop</a:t>
+          </a:r>
+        </a:p>
+        <a:p>
+          <a:pPr lvl="0" algn="ctr" defTabSz="1422400">
+            <a:lnSpc>
+              <a:spcPct val="90000"/>
+            </a:lnSpc>
+            <a:spcBef>
+              <a:spcPct val="0"/>
+            </a:spcBef>
+            <a:spcAft>
+              <a:spcPct val="35000"/>
+            </a:spcAft>
+          </a:pPr>
+          <a:r>
+            <a:rPr lang="en-US" sz="2800" kern="1200" dirty="0" smtClean="0">
+              <a:solidFill>
+                <a:srgbClr val="FFFF00"/>
+              </a:solidFill>
+              <a:latin typeface="Buxton Sketch" panose="03080500000500000004" pitchFamily="66" charset="0"/>
+            </a:rPr>
+            <a:t>Nested Loops </a:t>
+          </a:r>
+          <a:r>
+            <a:rPr lang="en-US" sz="2800" kern="1200" dirty="0" smtClean="0">
+              <a:solidFill>
+                <a:schemeClr val="tx1"/>
+              </a:solidFill>
+              <a:latin typeface="Buxton Sketch" panose="03080500000500000004" pitchFamily="66" charset="0"/>
+            </a:rPr>
+            <a:t>-&gt; programming construct consisting several loops located into each other.</a:t>
+          </a:r>
+        </a:p>
+        <a:p>
+          <a:pPr lvl="0" algn="ctr" defTabSz="1422400">
+            <a:lnSpc>
+              <a:spcPct val="90000"/>
+            </a:lnSpc>
+            <a:spcBef>
+              <a:spcPct val="0"/>
+            </a:spcBef>
+            <a:spcAft>
+              <a:spcPct val="35000"/>
+            </a:spcAft>
+          </a:pPr>
+          <a:endParaRPr lang="en-US" sz="3200" kern="1200" dirty="0">
+            <a:solidFill>
+              <a:srgbClr val="FFFF00"/>
+            </a:solidFill>
+            <a:latin typeface="Buxton Sketch" panose="03080500000500000004" pitchFamily="66" charset="0"/>
+          </a:endParaRPr>
+        </a:p>
+      </dsp:txBody>
+      <dsp:txXfrm>
+        <a:off x="4433118" y="2160047"/>
+        <a:ext cx="2363361" cy="3968817"/>
+      </dsp:txXfrm>
+    </dsp:sp>
+    <dsp:sp modelId="{CECD2C1A-D1AF-4B3F-BCEC-0C6E19DFFA0D}">
+      <dsp:nvSpPr>
+        <dsp:cNvPr id="0" name=""/>
+        <dsp:cNvSpPr/>
+      </dsp:nvSpPr>
+      <dsp:spPr>
+        <a:xfrm>
+          <a:off x="7200945" y="2199710"/>
+          <a:ext cx="4675414" cy="4402257"/>
+        </a:xfrm>
+        <a:prstGeom prst="rect">
+          <a:avLst/>
+        </a:prstGeom>
+        <a:solidFill>
+          <a:schemeClr val="accent1">
+            <a:hueOff val="0"/>
+            <a:satOff val="0"/>
+            <a:lumOff val="0"/>
+            <a:alphaOff val="0"/>
+          </a:schemeClr>
+        </a:solidFill>
+        <a:ln w="19050" cap="rnd" cmpd="sng" algn="ctr">
+          <a:solidFill>
+            <a:schemeClr val="lt1">
+              <a:hueOff val="0"/>
+              <a:satOff val="0"/>
+              <a:lumOff val="0"/>
+              <a:alphaOff val="0"/>
+            </a:schemeClr>
+          </a:solidFill>
+          <a:prstDash val="solid"/>
+        </a:ln>
+        <a:effectLst/>
+      </dsp:spPr>
+      <dsp:style>
+        <a:lnRef idx="2">
+          <a:scrgbClr r="0" g="0" b="0"/>
+        </a:lnRef>
+        <a:fillRef idx="1">
+          <a:scrgbClr r="0" g="0" b="0"/>
+        </a:fillRef>
+        <a:effectRef idx="0">
+          <a:scrgbClr r="0" g="0" b="0"/>
+        </a:effectRef>
+        <a:fontRef idx="minor">
+          <a:schemeClr val="lt1"/>
+        </a:fontRef>
+      </dsp:style>
+      <dsp:txBody>
+        <a:bodyPr spcFirstLastPara="0" vert="horz" wrap="square" lIns="17780" tIns="17780" rIns="17780" bIns="17780" numCol="1" spcCol="1270" anchor="ctr" anchorCtr="0">
+          <a:noAutofit/>
+        </a:bodyPr>
+        <a:lstStyle/>
+        <a:p>
+          <a:pPr lvl="0" algn="ctr" defTabSz="1244600">
+            <a:lnSpc>
+              <a:spcPct val="90000"/>
+            </a:lnSpc>
+            <a:spcBef>
+              <a:spcPct val="0"/>
+            </a:spcBef>
+            <a:spcAft>
+              <a:spcPct val="35000"/>
+            </a:spcAft>
+          </a:pPr>
+          <a:endParaRPr lang="en-US" sz="2800" kern="1200" dirty="0" smtClean="0">
+            <a:solidFill>
+              <a:srgbClr val="FFFF00"/>
+            </a:solidFill>
+            <a:latin typeface="Buxton Sketch" panose="03080500000500000004" pitchFamily="66" charset="0"/>
+          </a:endParaRPr>
+        </a:p>
+        <a:p>
+          <a:pPr lvl="0" algn="ctr" defTabSz="1244600">
+            <a:lnSpc>
+              <a:spcPct val="90000"/>
+            </a:lnSpc>
+            <a:spcBef>
+              <a:spcPct val="0"/>
+            </a:spcBef>
+            <a:spcAft>
+              <a:spcPct val="35000"/>
+            </a:spcAft>
+          </a:pPr>
+          <a:endParaRPr lang="en-US" sz="2800" kern="1200" dirty="0" smtClean="0">
+            <a:solidFill>
+              <a:srgbClr val="FFFF00"/>
+            </a:solidFill>
+            <a:latin typeface="Buxton Sketch" panose="03080500000500000004" pitchFamily="66" charset="0"/>
+          </a:endParaRPr>
+        </a:p>
+        <a:p>
+          <a:pPr lvl="0" algn="ctr" defTabSz="1244600">
+            <a:lnSpc>
+              <a:spcPct val="90000"/>
+            </a:lnSpc>
+            <a:spcBef>
+              <a:spcPct val="0"/>
+            </a:spcBef>
+            <a:spcAft>
+              <a:spcPct val="35000"/>
+            </a:spcAft>
+          </a:pPr>
+          <a:endParaRPr lang="en-US" sz="2800" kern="1200" dirty="0" smtClean="0">
+            <a:solidFill>
+              <a:srgbClr val="FFFF00"/>
+            </a:solidFill>
+            <a:latin typeface="Buxton Sketch" panose="03080500000500000004" pitchFamily="66" charset="0"/>
+          </a:endParaRPr>
+        </a:p>
+        <a:p>
+          <a:pPr lvl="0" algn="ctr" defTabSz="1244600">
+            <a:lnSpc>
+              <a:spcPct val="90000"/>
+            </a:lnSpc>
+            <a:spcBef>
+              <a:spcPct val="0"/>
+            </a:spcBef>
+            <a:spcAft>
+              <a:spcPct val="35000"/>
+            </a:spcAft>
+          </a:pPr>
+          <a:r>
+            <a:rPr lang="en-US" sz="2800" kern="1200" dirty="0" smtClean="0">
+              <a:solidFill>
+                <a:srgbClr val="FFFF00"/>
+              </a:solidFill>
+              <a:latin typeface="Buxton Sketch" panose="03080500000500000004" pitchFamily="66" charset="0"/>
+            </a:rPr>
+            <a:t>For Loop</a:t>
+          </a:r>
+        </a:p>
+        <a:p>
+          <a:pPr lvl="0" algn="just" defTabSz="1244600">
+            <a:lnSpc>
+              <a:spcPct val="90000"/>
+            </a:lnSpc>
+            <a:spcBef>
+              <a:spcPct val="0"/>
+            </a:spcBef>
+            <a:spcAft>
+              <a:spcPct val="35000"/>
+            </a:spcAft>
+          </a:pPr>
+          <a:r>
+            <a:rPr lang="en-US" sz="2000" kern="1200" dirty="0" smtClean="0">
+              <a:solidFill>
+                <a:schemeClr val="tx1"/>
+              </a:solidFill>
+              <a:latin typeface="Buxton Sketch" panose="03080500000500000004" pitchFamily="66" charset="0"/>
+            </a:rPr>
+            <a:t>for(</a:t>
+          </a:r>
+          <a:r>
+            <a:rPr lang="en-US" sz="2000" kern="1200" dirty="0" err="1" smtClean="0">
+              <a:solidFill>
+                <a:schemeClr val="tx1"/>
+              </a:solidFill>
+              <a:latin typeface="Buxton Sketch" panose="03080500000500000004" pitchFamily="66" charset="0"/>
+            </a:rPr>
+            <a:t>i</a:t>
+          </a:r>
+          <a:r>
+            <a:rPr lang="en-US" sz="2000" kern="1200" dirty="0" smtClean="0">
+              <a:solidFill>
+                <a:schemeClr val="tx1"/>
+              </a:solidFill>
+              <a:latin typeface="Buxton Sketch" panose="03080500000500000004" pitchFamily="66" charset="0"/>
+            </a:rPr>
+            <a:t> = 0; </a:t>
+          </a:r>
+          <a:r>
+            <a:rPr lang="en-US" sz="2000" kern="1200" dirty="0" err="1" smtClean="0">
+              <a:solidFill>
+                <a:schemeClr val="tx1"/>
+              </a:solidFill>
+              <a:latin typeface="Buxton Sketch" panose="03080500000500000004" pitchFamily="66" charset="0"/>
+            </a:rPr>
+            <a:t>i</a:t>
+          </a:r>
+          <a:r>
+            <a:rPr lang="en-US" sz="2000" kern="1200" dirty="0" smtClean="0">
+              <a:solidFill>
+                <a:schemeClr val="tx1"/>
+              </a:solidFill>
+              <a:latin typeface="Buxton Sketch" panose="03080500000500000004" pitchFamily="66" charset="0"/>
+            </a:rPr>
+            <a:t> &lt;= 10; </a:t>
+          </a:r>
+          <a:r>
+            <a:rPr lang="en-US" sz="2000" kern="1200" dirty="0" err="1" smtClean="0">
+              <a:solidFill>
+                <a:schemeClr val="tx1"/>
+              </a:solidFill>
+              <a:latin typeface="Buxton Sketch" panose="03080500000500000004" pitchFamily="66" charset="0"/>
+            </a:rPr>
+            <a:t>i</a:t>
+          </a:r>
+          <a:r>
+            <a:rPr lang="en-US" sz="2000" kern="1200" dirty="0" smtClean="0">
+              <a:solidFill>
+                <a:schemeClr val="tx1"/>
+              </a:solidFill>
+              <a:latin typeface="Buxton Sketch" panose="03080500000500000004" pitchFamily="66" charset="0"/>
+            </a:rPr>
+            <a:t>++)</a:t>
+          </a:r>
+        </a:p>
+        <a:p>
+          <a:pPr lvl="0" algn="just" defTabSz="1244600">
+            <a:lnSpc>
+              <a:spcPct val="90000"/>
+            </a:lnSpc>
+            <a:spcBef>
+              <a:spcPct val="0"/>
+            </a:spcBef>
+            <a:spcAft>
+              <a:spcPct val="35000"/>
+            </a:spcAft>
+          </a:pPr>
+          <a:r>
+            <a:rPr lang="en-US" sz="2000" kern="1200" dirty="0" smtClean="0">
+              <a:solidFill>
+                <a:schemeClr val="tx1"/>
+              </a:solidFill>
+              <a:latin typeface="Buxton Sketch" panose="03080500000500000004" pitchFamily="66" charset="0"/>
+            </a:rPr>
+            <a:t>{</a:t>
+          </a:r>
+        </a:p>
+        <a:p>
+          <a:pPr lvl="0" algn="just" defTabSz="1244600">
+            <a:lnSpc>
+              <a:spcPct val="90000"/>
+            </a:lnSpc>
+            <a:spcBef>
+              <a:spcPct val="0"/>
+            </a:spcBef>
+            <a:spcAft>
+              <a:spcPct val="35000"/>
+            </a:spcAft>
+          </a:pPr>
+          <a:r>
+            <a:rPr lang="en-US" sz="2000" kern="1200" dirty="0" smtClean="0">
+              <a:solidFill>
+                <a:schemeClr val="tx1"/>
+              </a:solidFill>
+              <a:latin typeface="Buxton Sketch" panose="03080500000500000004" pitchFamily="66" charset="0"/>
+            </a:rPr>
+            <a:t>    </a:t>
+          </a:r>
+          <a:r>
+            <a:rPr lang="en-US" sz="2000" kern="1200" dirty="0" err="1" smtClean="0">
+              <a:solidFill>
+                <a:srgbClr val="00B050"/>
+              </a:solidFill>
+              <a:latin typeface="Buxton Sketch" panose="03080500000500000004" pitchFamily="66" charset="0"/>
+            </a:rPr>
+            <a:t>Console</a:t>
+          </a:r>
+          <a:r>
+            <a:rPr lang="en-US" sz="2000" kern="1200" dirty="0" err="1" smtClean="0">
+              <a:solidFill>
+                <a:schemeClr val="tx1"/>
+              </a:solidFill>
+              <a:latin typeface="Buxton Sketch" panose="03080500000500000004" pitchFamily="66" charset="0"/>
+            </a:rPr>
+            <a:t>.WriteLine</a:t>
+          </a:r>
+          <a:r>
+            <a:rPr lang="en-US" sz="2000" kern="1200" dirty="0" smtClean="0">
+              <a:solidFill>
+                <a:schemeClr val="tx1"/>
+              </a:solidFill>
+              <a:latin typeface="Buxton Sketch" panose="03080500000500000004" pitchFamily="66" charset="0"/>
+            </a:rPr>
+            <a:t>(“Your name is </a:t>
+          </a:r>
+          <a:r>
+            <a:rPr lang="en-US" sz="2000" kern="1200" dirty="0" smtClean="0">
+              <a:solidFill>
+                <a:srgbClr val="00B0F0"/>
+              </a:solidFill>
+              <a:latin typeface="Buxton Sketch" panose="03080500000500000004" pitchFamily="66" charset="0"/>
+            </a:rPr>
+            <a:t>Daffy Duck</a:t>
+          </a:r>
+          <a:r>
+            <a:rPr lang="en-US" sz="2000" kern="1200" dirty="0" smtClean="0">
+              <a:solidFill>
+                <a:schemeClr val="tx1"/>
+              </a:solidFill>
+              <a:latin typeface="Buxton Sketch" panose="03080500000500000004" pitchFamily="66" charset="0"/>
+            </a:rPr>
+            <a:t>”);</a:t>
+          </a:r>
+        </a:p>
+        <a:p>
+          <a:pPr lvl="0" algn="just" defTabSz="1244600">
+            <a:lnSpc>
+              <a:spcPct val="90000"/>
+            </a:lnSpc>
+            <a:spcBef>
+              <a:spcPct val="0"/>
+            </a:spcBef>
+            <a:spcAft>
+              <a:spcPct val="35000"/>
+            </a:spcAft>
+          </a:pPr>
+          <a:r>
+            <a:rPr lang="en-US" sz="2000" kern="1200" dirty="0" smtClean="0">
+              <a:solidFill>
+                <a:schemeClr val="tx1"/>
+              </a:solidFill>
+              <a:latin typeface="Buxton Sketch" panose="03080500000500000004" pitchFamily="66" charset="0"/>
+            </a:rPr>
+            <a:t>}</a:t>
+          </a:r>
+        </a:p>
+        <a:p>
+          <a:pPr lvl="0" algn="just" defTabSz="1244600">
+            <a:lnSpc>
+              <a:spcPct val="90000"/>
+            </a:lnSpc>
+            <a:spcBef>
+              <a:spcPct val="0"/>
+            </a:spcBef>
+            <a:spcAft>
+              <a:spcPct val="35000"/>
+            </a:spcAft>
+          </a:pPr>
+          <a:endParaRPr lang="en-US" sz="2000" kern="1200" dirty="0" smtClean="0">
+            <a:solidFill>
+              <a:schemeClr val="tx1"/>
+            </a:solidFill>
+            <a:latin typeface="Buxton Sketch" panose="03080500000500000004" pitchFamily="66" charset="0"/>
+          </a:endParaRPr>
+        </a:p>
+        <a:p>
+          <a:pPr lvl="0" algn="just" defTabSz="1244600">
+            <a:lnSpc>
+              <a:spcPct val="90000"/>
+            </a:lnSpc>
+            <a:spcBef>
+              <a:spcPct val="0"/>
+            </a:spcBef>
+            <a:spcAft>
+              <a:spcPct val="35000"/>
+            </a:spcAft>
+          </a:pPr>
+          <a:r>
+            <a:rPr lang="en-US" sz="2000" kern="1200" dirty="0" smtClean="0">
+              <a:solidFill>
+                <a:schemeClr val="tx1"/>
+              </a:solidFill>
+              <a:latin typeface="Buxton Sketch" panose="03080500000500000004" pitchFamily="66" charset="0"/>
+            </a:rPr>
+            <a:t>// Your name is </a:t>
+          </a:r>
+          <a:r>
+            <a:rPr lang="en-US" sz="2000" kern="1200" dirty="0" smtClean="0">
+              <a:solidFill>
+                <a:srgbClr val="00B0F0"/>
+              </a:solidFill>
+              <a:latin typeface="Buxton Sketch" panose="03080500000500000004" pitchFamily="66" charset="0"/>
+            </a:rPr>
+            <a:t>Daffy Duck</a:t>
+          </a:r>
+        </a:p>
+        <a:p>
+          <a:pPr lvl="0" algn="just" defTabSz="1244600">
+            <a:lnSpc>
+              <a:spcPct val="90000"/>
+            </a:lnSpc>
+            <a:spcBef>
+              <a:spcPct val="0"/>
+            </a:spcBef>
+            <a:spcAft>
+              <a:spcPct val="35000"/>
+            </a:spcAft>
+          </a:pPr>
+          <a:r>
+            <a:rPr lang="en-US" sz="2000" kern="1200" dirty="0" smtClean="0">
+              <a:solidFill>
+                <a:schemeClr val="tx1"/>
+              </a:solidFill>
+              <a:latin typeface="Buxton Sketch" panose="03080500000500000004" pitchFamily="66" charset="0"/>
+            </a:rPr>
+            <a:t>// Your name is </a:t>
+          </a:r>
+          <a:r>
+            <a:rPr lang="en-US" sz="2000" kern="1200" dirty="0" smtClean="0">
+              <a:solidFill>
+                <a:srgbClr val="00B0F0"/>
+              </a:solidFill>
+              <a:latin typeface="Buxton Sketch" panose="03080500000500000004" pitchFamily="66" charset="0"/>
+            </a:rPr>
+            <a:t>Daffy Duck</a:t>
+          </a:r>
+        </a:p>
+        <a:p>
+          <a:pPr lvl="0" algn="just" defTabSz="1244600">
+            <a:lnSpc>
+              <a:spcPct val="90000"/>
+            </a:lnSpc>
+            <a:spcBef>
+              <a:spcPct val="0"/>
+            </a:spcBef>
+            <a:spcAft>
+              <a:spcPct val="35000"/>
+            </a:spcAft>
+          </a:pPr>
+          <a:r>
+            <a:rPr lang="en-US" sz="2000" kern="1200" dirty="0" smtClean="0">
+              <a:solidFill>
+                <a:schemeClr val="tx1"/>
+              </a:solidFill>
+              <a:latin typeface="Buxton Sketch" panose="03080500000500000004" pitchFamily="66" charset="0"/>
+            </a:rPr>
+            <a:t>// Your name is </a:t>
+          </a:r>
+          <a:r>
+            <a:rPr lang="en-US" sz="2000" kern="1200" dirty="0" smtClean="0">
+              <a:solidFill>
+                <a:srgbClr val="00B0F0"/>
+              </a:solidFill>
+              <a:latin typeface="Buxton Sketch" panose="03080500000500000004" pitchFamily="66" charset="0"/>
+            </a:rPr>
+            <a:t>Daffy Duck</a:t>
+          </a:r>
+        </a:p>
+        <a:p>
+          <a:pPr lvl="0" algn="just" defTabSz="1244600">
+            <a:lnSpc>
+              <a:spcPct val="90000"/>
+            </a:lnSpc>
+            <a:spcBef>
+              <a:spcPct val="0"/>
+            </a:spcBef>
+            <a:spcAft>
+              <a:spcPct val="35000"/>
+            </a:spcAft>
+          </a:pPr>
+          <a:r>
+            <a:rPr lang="en-US" sz="2000" kern="1200" dirty="0" smtClean="0">
+              <a:solidFill>
+                <a:schemeClr val="tx1"/>
+              </a:solidFill>
+              <a:latin typeface="Buxton Sketch" panose="03080500000500000004" pitchFamily="66" charset="0"/>
+            </a:rPr>
+            <a:t>… 10 times will be looped</a:t>
+          </a:r>
+          <a:endParaRPr lang="en-US" sz="2400" kern="1200" dirty="0" smtClean="0">
+            <a:solidFill>
+              <a:schemeClr val="tx1"/>
+            </a:solidFill>
+            <a:latin typeface="Buxton Sketch" panose="03080500000500000004" pitchFamily="66" charset="0"/>
+          </a:endParaRPr>
+        </a:p>
+        <a:p>
+          <a:pPr lvl="0" algn="ctr" defTabSz="1244600">
+            <a:lnSpc>
+              <a:spcPct val="90000"/>
+            </a:lnSpc>
+            <a:spcBef>
+              <a:spcPct val="0"/>
+            </a:spcBef>
+            <a:spcAft>
+              <a:spcPct val="35000"/>
+            </a:spcAft>
+          </a:pPr>
+          <a:endParaRPr lang="en-US" sz="2800" kern="1200" dirty="0" smtClean="0">
+            <a:solidFill>
+              <a:srgbClr val="FFFF00"/>
+            </a:solidFill>
+            <a:latin typeface="Buxton Sketch" panose="03080500000500000004" pitchFamily="66" charset="0"/>
+          </a:endParaRPr>
+        </a:p>
+        <a:p>
+          <a:pPr lvl="0" algn="ctr" defTabSz="1244600">
+            <a:lnSpc>
+              <a:spcPct val="90000"/>
+            </a:lnSpc>
+            <a:spcBef>
+              <a:spcPct val="0"/>
+            </a:spcBef>
+            <a:spcAft>
+              <a:spcPct val="35000"/>
+            </a:spcAft>
+          </a:pPr>
+          <a:endParaRPr lang="en-US" sz="2800" kern="1200" dirty="0" smtClean="0">
+            <a:solidFill>
+              <a:srgbClr val="FFFF00"/>
+            </a:solidFill>
+            <a:latin typeface="Buxton Sketch" panose="03080500000500000004" pitchFamily="66" charset="0"/>
+          </a:endParaRPr>
+        </a:p>
+        <a:p>
+          <a:pPr lvl="0" algn="ctr" defTabSz="1244600">
+            <a:lnSpc>
+              <a:spcPct val="90000"/>
+            </a:lnSpc>
+            <a:spcBef>
+              <a:spcPct val="0"/>
+            </a:spcBef>
+            <a:spcAft>
+              <a:spcPct val="35000"/>
+            </a:spcAft>
+          </a:pPr>
+          <a:endParaRPr lang="en-US" sz="2800" kern="1200" dirty="0" smtClean="0">
+            <a:solidFill>
+              <a:srgbClr val="FFFF00"/>
+            </a:solidFill>
+            <a:latin typeface="Buxton Sketch" panose="03080500000500000004" pitchFamily="66" charset="0"/>
+          </a:endParaRPr>
+        </a:p>
+        <a:p>
+          <a:pPr lvl="0" algn="ctr" defTabSz="1244600">
+            <a:lnSpc>
+              <a:spcPct val="90000"/>
+            </a:lnSpc>
+            <a:spcBef>
+              <a:spcPct val="0"/>
+            </a:spcBef>
+            <a:spcAft>
+              <a:spcPct val="35000"/>
+            </a:spcAft>
+          </a:pPr>
+          <a:endParaRPr lang="en-US" sz="2800" kern="1200" dirty="0">
+            <a:solidFill>
+              <a:srgbClr val="FFFF00"/>
+            </a:solidFill>
+            <a:latin typeface="Buxton Sketch" panose="03080500000500000004" pitchFamily="66" charset="0"/>
+          </a:endParaRPr>
+        </a:p>
+      </dsp:txBody>
+      <dsp:txXfrm>
+        <a:off x="7200945" y="2199710"/>
+        <a:ext cx="4675414" cy="4402257"/>
+      </dsp:txXfrm>
+    </dsp:sp>
   </dsp:spTree>
 </dsp:drawing>
 </file>
@@ -25231,7 +30391,7 @@
           <a:p>
             <a:fld id="{86BC5D83-A6BD-448A-8B7D-D487C0AC34D1}" type="datetimeFigureOut">
               <a:rPr lang="en-US" smtClean="0"/>
-              <a:t>11/4/2016</a:t>
+              <a:t>9/19/2017</a:t>
             </a:fld>
             <a:endParaRPr lang="en-US"/>
           </a:p>
@@ -26900,7 +32060,7 @@
             <a:fld id="{B61BEF0D-F0BB-DE4B-95CE-6DB70DBA9567}" type="datetimeFigureOut">
               <a:rPr lang="en-US" dirty="0"/>
               <a:pPr/>
-              <a:t>11/4/2016</a:t>
+              <a:t>9/19/2017</a:t>
             </a:fld>
             <a:endParaRPr lang="en-US" dirty="0"/>
           </a:p>
@@ -27231,7 +32391,7 @@
             <a:fld id="{B61BEF0D-F0BB-DE4B-95CE-6DB70DBA9567}" type="datetimeFigureOut">
               <a:rPr lang="en-US" dirty="0"/>
               <a:pPr/>
-              <a:t>11/4/2016</a:t>
+              <a:t>9/19/2017</a:t>
             </a:fld>
             <a:endParaRPr lang="en-US" dirty="0"/>
           </a:p>
@@ -27506,7 +32666,7 @@
             <a:fld id="{B61BEF0D-F0BB-DE4B-95CE-6DB70DBA9567}" type="datetimeFigureOut">
               <a:rPr lang="en-US" dirty="0"/>
               <a:pPr/>
-              <a:t>11/4/2016</a:t>
+              <a:t>9/19/2017</a:t>
             </a:fld>
             <a:endParaRPr lang="en-US" dirty="0"/>
           </a:p>
@@ -28071,7 +33231,7 @@
             <a:fld id="{B61BEF0D-F0BB-DE4B-95CE-6DB70DBA9567}" type="datetimeFigureOut">
               <a:rPr lang="en-US" dirty="0"/>
               <a:pPr/>
-              <a:t>11/4/2016</a:t>
+              <a:t>9/19/2017</a:t>
             </a:fld>
             <a:endParaRPr lang="en-US" dirty="0"/>
           </a:p>
@@ -28346,7 +33506,7 @@
             <a:fld id="{B61BEF0D-F0BB-DE4B-95CE-6DB70DBA9567}" type="datetimeFigureOut">
               <a:rPr lang="en-US" dirty="0"/>
               <a:pPr/>
-              <a:t>11/4/2016</a:t>
+              <a:t>9/19/2017</a:t>
             </a:fld>
             <a:endParaRPr lang="en-US" dirty="0"/>
           </a:p>
@@ -28905,7 +34065,7 @@
             <a:fld id="{B61BEF0D-F0BB-DE4B-95CE-6DB70DBA9567}" type="datetimeFigureOut">
               <a:rPr lang="en-US" dirty="0"/>
               <a:pPr/>
-              <a:t>11/4/2016</a:t>
+              <a:t>9/19/2017</a:t>
             </a:fld>
             <a:endParaRPr lang="en-US" dirty="0"/>
           </a:p>
@@ -29229,7 +34389,7 @@
             <a:fld id="{B61BEF0D-F0BB-DE4B-95CE-6DB70DBA9567}" type="datetimeFigureOut">
               <a:rPr lang="en-US" dirty="0"/>
               <a:pPr/>
-              <a:t>11/4/2016</a:t>
+              <a:t>9/19/2017</a:t>
             </a:fld>
             <a:endParaRPr lang="en-US" dirty="0"/>
           </a:p>
@@ -29403,7 +34563,7 @@
             <a:fld id="{B61BEF0D-F0BB-DE4B-95CE-6DB70DBA9567}" type="datetimeFigureOut">
               <a:rPr lang="en-US" dirty="0"/>
               <a:pPr/>
-              <a:t>11/4/2016</a:t>
+              <a:t>9/19/2017</a:t>
             </a:fld>
             <a:endParaRPr lang="en-US" dirty="0"/>
           </a:p>
@@ -29638,7 +34798,7 @@
             <a:fld id="{B61BEF0D-F0BB-DE4B-95CE-6DB70DBA9567}" type="datetimeFigureOut">
               <a:rPr lang="en-US" dirty="0"/>
               <a:pPr/>
-              <a:t>11/4/2016</a:t>
+              <a:t>9/19/2017</a:t>
             </a:fld>
             <a:endParaRPr lang="en-US" dirty="0"/>
           </a:p>
@@ -29835,7 +34995,7 @@
             <a:fld id="{B61BEF0D-F0BB-DE4B-95CE-6DB70DBA9567}" type="datetimeFigureOut">
               <a:rPr lang="en-US" dirty="0"/>
               <a:pPr/>
-              <a:t>11/4/2016</a:t>
+              <a:t>9/19/2017</a:t>
             </a:fld>
             <a:endParaRPr lang="en-US" dirty="0"/>
           </a:p>
@@ -30108,7 +35268,7 @@
             <a:fld id="{B61BEF0D-F0BB-DE4B-95CE-6DB70DBA9567}" type="datetimeFigureOut">
               <a:rPr lang="en-US" dirty="0"/>
               <a:pPr/>
-              <a:t>11/4/2016</a:t>
+              <a:t>9/19/2017</a:t>
             </a:fld>
             <a:endParaRPr lang="en-US" dirty="0"/>
           </a:p>
@@ -30371,7 +35531,7 @@
             <a:fld id="{B61BEF0D-F0BB-DE4B-95CE-6DB70DBA9567}" type="datetimeFigureOut">
               <a:rPr lang="en-US" dirty="0"/>
               <a:pPr/>
-              <a:t>11/4/2016</a:t>
+              <a:t>9/19/2017</a:t>
             </a:fld>
             <a:endParaRPr lang="en-US" dirty="0"/>
           </a:p>
@@ -30742,7 +35902,7 @@
             <a:fld id="{B61BEF0D-F0BB-DE4B-95CE-6DB70DBA9567}" type="datetimeFigureOut">
               <a:rPr lang="en-US" dirty="0"/>
               <a:pPr/>
-              <a:t>11/4/2016</a:t>
+              <a:t>9/19/2017</a:t>
             </a:fld>
             <a:endParaRPr lang="en-US" dirty="0"/>
           </a:p>
@@ -30887,7 +36047,7 @@
             <a:fld id="{B61BEF0D-F0BB-DE4B-95CE-6DB70DBA9567}" type="datetimeFigureOut">
               <a:rPr lang="en-US" dirty="0"/>
               <a:pPr/>
-              <a:t>11/4/2016</a:t>
+              <a:t>9/19/2017</a:t>
             </a:fld>
             <a:endParaRPr lang="en-US" dirty="0"/>
           </a:p>
@@ -31009,7 +36169,7 @@
             <a:fld id="{B61BEF0D-F0BB-DE4B-95CE-6DB70DBA9567}" type="datetimeFigureOut">
               <a:rPr lang="en-US" dirty="0"/>
               <a:pPr/>
-              <a:t>11/4/2016</a:t>
+              <a:t>9/19/2017</a:t>
             </a:fld>
             <a:endParaRPr lang="en-US" dirty="0"/>
           </a:p>
@@ -31291,7 +36451,7 @@
             <a:fld id="{B61BEF0D-F0BB-DE4B-95CE-6DB70DBA9567}" type="datetimeFigureOut">
               <a:rPr lang="en-US" dirty="0"/>
               <a:pPr/>
-              <a:t>11/4/2016</a:t>
+              <a:t>9/19/2017</a:t>
             </a:fld>
             <a:endParaRPr lang="en-US" dirty="0"/>
           </a:p>
@@ -31612,7 +36772,7 @@
             <a:fld id="{B61BEF0D-F0BB-DE4B-95CE-6DB70DBA9567}" type="datetimeFigureOut">
               <a:rPr lang="en-US" dirty="0"/>
               <a:pPr/>
-              <a:t>11/4/2016</a:t>
+              <a:t>9/19/2017</a:t>
             </a:fld>
             <a:endParaRPr lang="en-US" dirty="0"/>
           </a:p>
@@ -31823,7 +36983,7 @@
             <a:fld id="{B61BEF0D-F0BB-DE4B-95CE-6DB70DBA9567}" type="datetimeFigureOut">
               <a:rPr lang="en-US" dirty="0"/>
               <a:pPr/>
-              <a:t>11/4/2016</a:t>
+              <a:t>9/19/2017</a:t>
             </a:fld>
             <a:endParaRPr lang="en-US" dirty="0"/>
           </a:p>
@@ -32429,6 +37589,78 @@
       </p:par>
     </p:tnLst>
   </p:timing>
+</p:sld>
+</file>
+
+<file path=ppt/slides/slide10.xml><?xml version="1.0" encoding="utf-8"?>
+<p:sld xmlns:a="http://schemas.openxmlformats.org/drawingml/2006/main" xmlns:r="http://schemas.openxmlformats.org/officeDocument/2006/relationships" xmlns:p="http://schemas.openxmlformats.org/presentationml/2006/main">
+  <p:cSld>
+    <p:spTree>
+      <p:nvGrpSpPr>
+        <p:cNvPr id="1" name=""/>
+        <p:cNvGrpSpPr/>
+        <p:nvPr/>
+      </p:nvGrpSpPr>
+      <p:grpSpPr>
+        <a:xfrm>
+          <a:off x="0" y="0"/>
+          <a:ext cx="0" cy="0"/>
+          <a:chOff x="0" y="0"/>
+          <a:chExt cx="0" cy="0"/>
+        </a:xfrm>
+      </p:grpSpPr>
+      <p:sp>
+        <p:nvSpPr>
+          <p:cNvPr id="2" name="Заглавие 1"/>
+          <p:cNvSpPr>
+            <a:spLocks noGrp="1"/>
+          </p:cNvSpPr>
+          <p:nvPr>
+            <p:ph type="title"/>
+          </p:nvPr>
+        </p:nvSpPr>
+        <p:spPr/>
+        <p:txBody>
+          <a:bodyPr/>
+          <a:lstStyle/>
+          <a:p>
+            <a:r>
+              <a:rPr lang="en-US" dirty="0" smtClean="0"/>
+              <a:t>To do</a:t>
+            </a:r>
+            <a:endParaRPr lang="bg-BG" dirty="0"/>
+          </a:p>
+        </p:txBody>
+      </p:sp>
+      <p:sp>
+        <p:nvSpPr>
+          <p:cNvPr id="3" name="Контейнер за съдържание 2"/>
+          <p:cNvSpPr>
+            <a:spLocks noGrp="1"/>
+          </p:cNvSpPr>
+          <p:nvPr>
+            <p:ph idx="1"/>
+          </p:nvPr>
+        </p:nvSpPr>
+        <p:spPr/>
+        <p:txBody>
+          <a:bodyPr/>
+          <a:lstStyle/>
+          <a:p>
+            <a:endParaRPr lang="bg-BG" dirty="0"/>
+          </a:p>
+        </p:txBody>
+      </p:sp>
+    </p:spTree>
+    <p:extLst>
+      <p:ext uri="{BB962C8B-B14F-4D97-AF65-F5344CB8AC3E}">
+        <p14:creationId xmlns:p14="http://schemas.microsoft.com/office/powerpoint/2010/main" val="2467945582"/>
+      </p:ext>
+    </p:extLst>
+  </p:cSld>
+  <p:clrMapOvr>
+    <a:masterClrMapping/>
+  </p:clrMapOvr>
 </p:sld>
 </file>
 
@@ -35437,7 +40669,7 @@
   <a:extraClrSchemeLst/>
   <a:extLst>
     <a:ext uri="{05A4C25C-085E-4340-85A3-A5531E510DB2}">
-      <thm15:themeFamily xmlns:thm15="http://schemas.microsoft.com/office/thememl/2012/main" name="Celestial" id="{C4BB2A3D-0E93-4C5F-B0D2-9D3FCE089CC5}" vid="{42E5908D-19A2-46FD-89FA-638B126129EF}"/>
+      <thm15:themeFamily xmlns:thm15="http://schemas.microsoft.com/office/thememl/2012/main" xmlns="" name="Celestial" id="{C4BB2A3D-0E93-4C5F-B0D2-9D3FCE089CC5}" vid="{42E5908D-19A2-46FD-89FA-638B126129EF}"/>
     </a:ext>
   </a:extLst>
 </a:theme>
@@ -35698,7 +40930,7 @@
   <a:extraClrSchemeLst/>
   <a:extLst>
     <a:ext uri="{05A4C25C-085E-4340-85A3-A5531E510DB2}">
-      <thm15:themeFamily xmlns:thm15="http://schemas.microsoft.com/office/thememl/2012/main" name="Office Theme" id="{62F939B6-93AF-4DB8-9C6B-D6C7DFDC589F}" vid="{4A3C46E8-61CC-4603-A589-7422A47A8E4A}"/>
+      <thm15:themeFamily xmlns:thm15="http://schemas.microsoft.com/office/thememl/2012/main" xmlns="" name="Office Theme" id="{62F939B6-93AF-4DB8-9C6B-D6C7DFDC589F}" vid="{4A3C46E8-61CC-4603-A589-7422A47A8E4A}"/>
     </a:ext>
   </a:extLst>
 </a:theme>

--- a/Course Overview.pptx
+++ b/Course Overview.pptx
@@ -140,7 +140,18 @@
       </p14:sectionLst>
     </p:ext>
     <p:ext uri="{EFAFB233-063F-42B5-8137-9DF3F51BA10A}">
-      <p15:sldGuideLst xmlns:p15="http://schemas.microsoft.com/office/powerpoint/2012/main" xmlns=""/>
+      <p15:sldGuideLst xmlns:p15="http://schemas.microsoft.com/office/powerpoint/2012/main">
+        <p15:guide id="1" orient="horz" pos="2160">
+          <p15:clr>
+            <a:srgbClr val="A4A3A4"/>
+          </p15:clr>
+        </p15:guide>
+        <p15:guide id="2" pos="3840">
+          <p15:clr>
+            <a:srgbClr val="A4A3A4"/>
+          </p15:clr>
+        </p15:guide>
+      </p15:sldGuideLst>
     </p:ext>
   </p:extLst>
 </p:presentation>
@@ -5701,26 +5712,26 @@
       </dgm:t>
     </dgm:pt>
     <dgm:pt modelId="{3C5402F2-BEA5-49F7-809B-903625BF736E}">
-      <dgm:prSet phldrT="[Text]"/>
+      <dgm:prSet phldrT="[Text]" custT="1"/>
       <dgm:spPr/>
       <dgm:t>
         <a:bodyPr/>
         <a:lstStyle/>
         <a:p>
           <a:r>
-            <a:rPr lang="en-US" dirty="0" smtClean="0">
+            <a:rPr lang="en-US" sz="1600" dirty="0" smtClean="0">
               <a:solidFill>
                 <a:srgbClr val="FFFF00"/>
               </a:solidFill>
-              <a:latin typeface="Informal Roman" panose="030604020304060B0204" pitchFamily="66" charset="0"/>
+              <a:latin typeface="Constantia" panose="02030602050306030303" pitchFamily="18" charset="0"/>
             </a:rPr>
             <a:t>Primitive Types &amp; Variables</a:t>
           </a:r>
-          <a:endParaRPr lang="en-US" dirty="0">
+          <a:endParaRPr lang="en-US" sz="1600" dirty="0">
             <a:solidFill>
               <a:srgbClr val="FFFF00"/>
             </a:solidFill>
-            <a:latin typeface="Informal Roman" panose="030604020304060B0204" pitchFamily="66" charset="0"/>
+            <a:latin typeface="Constantia" panose="02030602050306030303" pitchFamily="18" charset="0"/>
           </a:endParaRPr>
         </a:p>
       </dgm:t>
@@ -5748,20 +5759,20 @@
       </dgm:t>
     </dgm:pt>
     <dgm:pt modelId="{C126F985-76AD-484A-A69B-DDF3D806FE0F}">
-      <dgm:prSet phldrT="[Text]"/>
+      <dgm:prSet phldrT="[Text]" custT="1"/>
       <dgm:spPr/>
       <dgm:t>
         <a:bodyPr/>
         <a:lstStyle/>
         <a:p>
           <a:r>
-            <a:rPr lang="en-US" dirty="0" smtClean="0">
-              <a:latin typeface="Informal Roman" panose="030604020304060B0204" pitchFamily="66" charset="0"/>
+            <a:rPr lang="en-US" sz="1600" dirty="0" smtClean="0">
+              <a:latin typeface="Constantia" panose="02030602050306030303" pitchFamily="18" charset="0"/>
             </a:rPr>
             <a:t>Data Types</a:t>
           </a:r>
-          <a:endParaRPr lang="en-US" dirty="0">
-            <a:latin typeface="Informal Roman" panose="030604020304060B0204" pitchFamily="66" charset="0"/>
+          <a:endParaRPr lang="en-US" sz="1600" dirty="0">
+            <a:latin typeface="Constantia" panose="02030602050306030303" pitchFamily="18" charset="0"/>
           </a:endParaRPr>
         </a:p>
       </dgm:t>
@@ -5773,7 +5784,9 @@
         <a:bodyPr/>
         <a:lstStyle/>
         <a:p>
-          <a:endParaRPr lang="en-US"/>
+          <a:endParaRPr lang="en-US" sz="1600">
+            <a:latin typeface="Constantia" panose="02030602050306030303" pitchFamily="18" charset="0"/>
+          </a:endParaRPr>
         </a:p>
       </dgm:t>
     </dgm:pt>
@@ -5789,20 +5802,20 @@
       </dgm:t>
     </dgm:pt>
     <dgm:pt modelId="{4418F4B4-C9EC-4E03-9FAF-68625801DAB3}">
-      <dgm:prSet phldrT="[Text]"/>
+      <dgm:prSet phldrT="[Text]" custT="1"/>
       <dgm:spPr/>
       <dgm:t>
         <a:bodyPr/>
         <a:lstStyle/>
         <a:p>
           <a:r>
-            <a:rPr lang="en-US" dirty="0" smtClean="0">
-              <a:latin typeface="Informal Roman" panose="030604020304060B0204" pitchFamily="66" charset="0"/>
+            <a:rPr lang="en-US" sz="1600" dirty="0" smtClean="0">
+              <a:latin typeface="Constantia" panose="02030602050306030303" pitchFamily="18" charset="0"/>
             </a:rPr>
             <a:t>Variables</a:t>
           </a:r>
-          <a:endParaRPr lang="en-US" dirty="0">
-            <a:latin typeface="Informal Roman" panose="030604020304060B0204" pitchFamily="66" charset="0"/>
+          <a:endParaRPr lang="en-US" sz="1600" dirty="0">
+            <a:latin typeface="Constantia" panose="02030602050306030303" pitchFamily="18" charset="0"/>
           </a:endParaRPr>
         </a:p>
       </dgm:t>
@@ -5814,7 +5827,9 @@
         <a:bodyPr/>
         <a:lstStyle/>
         <a:p>
-          <a:endParaRPr lang="en-US"/>
+          <a:endParaRPr lang="en-US" sz="1600">
+            <a:latin typeface="Constantia" panose="02030602050306030303" pitchFamily="18" charset="0"/>
+          </a:endParaRPr>
         </a:p>
       </dgm:t>
     </dgm:pt>
@@ -5830,20 +5845,20 @@
       </dgm:t>
     </dgm:pt>
     <dgm:pt modelId="{1245BD05-4B42-487F-9E0E-6EF7C9201228}">
-      <dgm:prSet phldrT="[Text]"/>
+      <dgm:prSet phldrT="[Text]" custT="1"/>
       <dgm:spPr/>
       <dgm:t>
         <a:bodyPr/>
         <a:lstStyle/>
         <a:p>
           <a:r>
-            <a:rPr lang="en-US" dirty="0" smtClean="0">
-              <a:latin typeface="Informal Roman" panose="030604020304060B0204" pitchFamily="66" charset="0"/>
+            <a:rPr lang="en-US" sz="1600" dirty="0" smtClean="0">
+              <a:latin typeface="Constantia" panose="02030602050306030303" pitchFamily="18" charset="0"/>
             </a:rPr>
             <a:t>Literals</a:t>
           </a:r>
-          <a:endParaRPr lang="en-US" dirty="0">
-            <a:latin typeface="Informal Roman" panose="030604020304060B0204" pitchFamily="66" charset="0"/>
+          <a:endParaRPr lang="en-US" sz="1600" dirty="0">
+            <a:latin typeface="Constantia" panose="02030602050306030303" pitchFamily="18" charset="0"/>
           </a:endParaRPr>
         </a:p>
       </dgm:t>
@@ -5855,7 +5870,9 @@
         <a:bodyPr/>
         <a:lstStyle/>
         <a:p>
-          <a:endParaRPr lang="en-US"/>
+          <a:endParaRPr lang="en-US" sz="1600">
+            <a:latin typeface="Constantia" panose="02030602050306030303" pitchFamily="18" charset="0"/>
+          </a:endParaRPr>
         </a:p>
       </dgm:t>
     </dgm:pt>
@@ -5877,190 +5894,190 @@
         <a:bodyPr/>
         <a:lstStyle/>
         <a:p>
-          <a:pPr algn="l"/>
+          <a:pPr algn="just"/>
           <a:r>
-            <a:rPr lang="en-US" sz="2400" b="1" dirty="0" smtClean="0">
-              <a:latin typeface="Buxton Sketch" panose="03080500000500000004" pitchFamily="66" charset="0"/>
+            <a:rPr lang="en-US" sz="1600" b="1" dirty="0" smtClean="0">
+              <a:latin typeface="Constantia" panose="02030602050306030303" pitchFamily="18" charset="0"/>
             </a:rPr>
             <a:t>- </a:t>
           </a:r>
           <a:r>
-            <a:rPr lang="en-US" sz="2400" b="1" dirty="0" smtClean="0">
+            <a:rPr lang="en-US" sz="1600" b="1" dirty="0" smtClean="0">
               <a:solidFill>
                 <a:schemeClr val="bg1"/>
               </a:solidFill>
-              <a:latin typeface="Buxton Sketch" panose="03080500000500000004" pitchFamily="66" charset="0"/>
+              <a:latin typeface="Constantia" panose="02030602050306030303" pitchFamily="18" charset="0"/>
             </a:rPr>
             <a:t>Name: </a:t>
           </a:r>
           <a:r>
-            <a:rPr lang="en-US" sz="2400" b="1" dirty="0" err="1" smtClean="0">
-              <a:latin typeface="Buxton Sketch" panose="03080500000500000004" pitchFamily="66" charset="0"/>
+            <a:rPr lang="en-US" sz="1600" b="1" dirty="0" err="1" smtClean="0">
+              <a:latin typeface="Constantia" panose="02030602050306030303" pitchFamily="18" charset="0"/>
             </a:rPr>
             <a:t>int</a:t>
           </a:r>
           <a:r>
-            <a:rPr lang="en-US" sz="2400" b="1" dirty="0" smtClean="0">
-              <a:latin typeface="Buxton Sketch" panose="03080500000500000004" pitchFamily="66" charset="0"/>
+            <a:rPr lang="en-US" sz="1600" b="1" dirty="0" smtClean="0">
+              <a:latin typeface="Constantia" panose="02030602050306030303" pitchFamily="18" charset="0"/>
             </a:rPr>
             <a:t>, double, string, char</a:t>
           </a:r>
         </a:p>
         <a:p>
-          <a:pPr algn="l"/>
+          <a:pPr algn="just"/>
           <a:r>
-            <a:rPr lang="en-US" sz="2400" b="1" dirty="0" smtClean="0">
-              <a:latin typeface="Buxton Sketch" panose="03080500000500000004" pitchFamily="66" charset="0"/>
+            <a:rPr lang="en-US" sz="1600" b="1" dirty="0" smtClean="0">
+              <a:latin typeface="Constantia" panose="02030602050306030303" pitchFamily="18" charset="0"/>
             </a:rPr>
             <a:t>- </a:t>
           </a:r>
           <a:r>
-            <a:rPr lang="en-US" sz="2400" b="1" dirty="0" smtClean="0">
+            <a:rPr lang="en-US" sz="1600" b="1" dirty="0" smtClean="0">
               <a:solidFill>
                 <a:schemeClr val="bg1"/>
               </a:solidFill>
-              <a:latin typeface="Buxton Sketch" panose="03080500000500000004" pitchFamily="66" charset="0"/>
+              <a:latin typeface="Constantia" panose="02030602050306030303" pitchFamily="18" charset="0"/>
             </a:rPr>
             <a:t>Size: </a:t>
           </a:r>
           <a:r>
-            <a:rPr lang="en-US" sz="2400" b="1" dirty="0" smtClean="0">
-              <a:latin typeface="Buxton Sketch" panose="03080500000500000004" pitchFamily="66" charset="0"/>
+            <a:rPr lang="en-US" sz="1600" b="1" dirty="0" smtClean="0">
+              <a:latin typeface="Constantia" panose="02030602050306030303" pitchFamily="18" charset="0"/>
             </a:rPr>
             <a:t>4 bytes, 16 bytes ….</a:t>
           </a:r>
         </a:p>
         <a:p>
-          <a:pPr algn="l"/>
+          <a:pPr algn="just"/>
           <a:r>
-            <a:rPr lang="en-US" sz="2400" b="1" dirty="0" smtClean="0">
-              <a:latin typeface="Buxton Sketch" panose="03080500000500000004" pitchFamily="66" charset="0"/>
+            <a:rPr lang="en-US" sz="1600" b="1" dirty="0" smtClean="0">
+              <a:latin typeface="Constantia" panose="02030602050306030303" pitchFamily="18" charset="0"/>
             </a:rPr>
             <a:t>- </a:t>
           </a:r>
           <a:r>
-            <a:rPr lang="en-US" sz="2400" b="1" dirty="0" smtClean="0">
+            <a:rPr lang="en-US" sz="1600" b="1" dirty="0" smtClean="0">
               <a:solidFill>
                 <a:schemeClr val="bg1"/>
               </a:solidFill>
-              <a:latin typeface="Buxton Sketch" panose="03080500000500000004" pitchFamily="66" charset="0"/>
+              <a:latin typeface="Constantia" panose="02030602050306030303" pitchFamily="18" charset="0"/>
             </a:rPr>
             <a:t>Default value: </a:t>
           </a:r>
           <a:r>
-            <a:rPr lang="en-US" sz="2400" b="1" dirty="0" smtClean="0">
-              <a:latin typeface="Buxton Sketch" panose="03080500000500000004" pitchFamily="66" charset="0"/>
+            <a:rPr lang="en-US" sz="1600" b="1" dirty="0" smtClean="0">
+              <a:latin typeface="Constantia" panose="02030602050306030303" pitchFamily="18" charset="0"/>
             </a:rPr>
             <a:t>0, null …</a:t>
           </a:r>
         </a:p>
         <a:p>
-          <a:pPr algn="ctr"/>
+          <a:pPr algn="just"/>
           <a:r>
-            <a:rPr lang="en-US" sz="2400" b="1" dirty="0" smtClean="0">
+            <a:rPr lang="en-US" sz="1600" b="1" dirty="0" smtClean="0">
               <a:solidFill>
                 <a:srgbClr val="FFFF00"/>
               </a:solidFill>
-              <a:latin typeface="Buxton Sketch" panose="03080500000500000004" pitchFamily="66" charset="0"/>
+              <a:latin typeface="Constantia" panose="02030602050306030303" pitchFamily="18" charset="0"/>
             </a:rPr>
             <a:t>Example: </a:t>
           </a:r>
         </a:p>
         <a:p>
-          <a:pPr algn="l"/>
+          <a:pPr algn="just"/>
           <a:r>
-            <a:rPr lang="en-US" sz="2400" b="1" dirty="0" smtClean="0">
+            <a:rPr lang="en-US" sz="1600" b="1" dirty="0" smtClean="0">
               <a:solidFill>
                 <a:schemeClr val="bg2">
                   <a:lumMod val="50000"/>
                 </a:schemeClr>
               </a:solidFill>
-              <a:latin typeface="Buxton Sketch" panose="03080500000500000004" pitchFamily="66" charset="0"/>
+              <a:latin typeface="Constantia" panose="02030602050306030303" pitchFamily="18" charset="0"/>
             </a:rPr>
             <a:t> string</a:t>
           </a:r>
           <a:r>
-            <a:rPr lang="en-US" sz="2400" b="1" dirty="0" smtClean="0">
-              <a:latin typeface="Buxton Sketch" panose="03080500000500000004" pitchFamily="66" charset="0"/>
+            <a:rPr lang="en-US" sz="1600" b="1" dirty="0" smtClean="0">
+              <a:latin typeface="Constantia" panose="02030602050306030303" pitchFamily="18" charset="0"/>
             </a:rPr>
             <a:t> name = “Bugs Bunny”</a:t>
           </a:r>
         </a:p>
         <a:p>
-          <a:pPr algn="l"/>
+          <a:pPr algn="just"/>
           <a:r>
-            <a:rPr lang="en-US" sz="2400" b="1" dirty="0" smtClean="0">
+            <a:rPr lang="en-US" sz="1600" b="1" dirty="0" smtClean="0">
               <a:solidFill>
                 <a:schemeClr val="bg2">
                   <a:lumMod val="50000"/>
                 </a:schemeClr>
               </a:solidFill>
-              <a:latin typeface="Buxton Sketch" panose="03080500000500000004" pitchFamily="66" charset="0"/>
+              <a:latin typeface="Constantia" panose="02030602050306030303" pitchFamily="18" charset="0"/>
             </a:rPr>
             <a:t> </a:t>
           </a:r>
           <a:r>
-            <a:rPr lang="en-US" sz="2400" b="1" dirty="0" err="1" smtClean="0">
+            <a:rPr lang="en-US" sz="1600" b="1" dirty="0" err="1" smtClean="0">
               <a:solidFill>
                 <a:schemeClr val="bg2">
                   <a:lumMod val="50000"/>
                 </a:schemeClr>
               </a:solidFill>
-              <a:latin typeface="Buxton Sketch" panose="03080500000500000004" pitchFamily="66" charset="0"/>
+              <a:latin typeface="Constantia" panose="02030602050306030303" pitchFamily="18" charset="0"/>
             </a:rPr>
             <a:t>int</a:t>
           </a:r>
           <a:r>
-            <a:rPr lang="en-US" sz="2400" b="1" dirty="0" smtClean="0">
+            <a:rPr lang="en-US" sz="1600" b="1" dirty="0" smtClean="0">
               <a:solidFill>
                 <a:schemeClr val="bg2">
                   <a:lumMod val="50000"/>
                 </a:schemeClr>
               </a:solidFill>
-              <a:latin typeface="Buxton Sketch" panose="03080500000500000004" pitchFamily="66" charset="0"/>
+              <a:latin typeface="Constantia" panose="02030602050306030303" pitchFamily="18" charset="0"/>
             </a:rPr>
             <a:t> </a:t>
           </a:r>
           <a:r>
-            <a:rPr lang="en-US" sz="2400" b="1" dirty="0" smtClean="0">
-              <a:latin typeface="Buxton Sketch" panose="03080500000500000004" pitchFamily="66" charset="0"/>
+            <a:rPr lang="en-US" sz="1600" b="1" dirty="0" smtClean="0">
+              <a:latin typeface="Constantia" panose="02030602050306030303" pitchFamily="18" charset="0"/>
             </a:rPr>
             <a:t>number = 0;</a:t>
           </a:r>
         </a:p>
         <a:p>
-          <a:pPr algn="l"/>
+          <a:pPr algn="just"/>
           <a:r>
-            <a:rPr lang="en-US" sz="2400" b="1" dirty="0" smtClean="0">
+            <a:rPr lang="en-US" sz="1600" b="1" dirty="0" smtClean="0">
               <a:solidFill>
                 <a:schemeClr val="bg1"/>
               </a:solidFill>
-              <a:latin typeface="Buxton Sketch" panose="03080500000500000004" pitchFamily="66" charset="0"/>
+              <a:latin typeface="Constantia" panose="02030602050306030303" pitchFamily="18" charset="0"/>
             </a:rPr>
             <a:t> bool </a:t>
           </a:r>
           <a:r>
-            <a:rPr lang="en-US" sz="2400" b="1" dirty="0" smtClean="0">
-              <a:latin typeface="Buxton Sketch" panose="03080500000500000004" pitchFamily="66" charset="0"/>
+            <a:rPr lang="en-US" sz="1600" b="1" dirty="0" smtClean="0">
+              <a:latin typeface="Constantia" panose="02030602050306030303" pitchFamily="18" charset="0"/>
             </a:rPr>
             <a:t>male = true;</a:t>
           </a:r>
         </a:p>
         <a:p>
-          <a:pPr algn="l"/>
+          <a:pPr algn="just"/>
           <a:r>
-            <a:rPr lang="en-US" sz="2400" b="1" dirty="0" smtClean="0">
+            <a:rPr lang="en-US" sz="1600" b="1" dirty="0" smtClean="0">
               <a:solidFill>
                 <a:schemeClr val="bg2">
                   <a:lumMod val="50000"/>
                 </a:schemeClr>
               </a:solidFill>
-              <a:latin typeface="Informal Roman" panose="030604020304060B0204" pitchFamily="66" charset="0"/>
+              <a:latin typeface="Constantia" panose="02030602050306030303" pitchFamily="18" charset="0"/>
             </a:rPr>
             <a:t> </a:t>
           </a:r>
-          <a:endParaRPr lang="en-US" sz="2400" dirty="0">
-            <a:latin typeface="Informal Roman" panose="030604020304060B0204" pitchFamily="66" charset="0"/>
+          <a:endParaRPr lang="en-US" sz="1600" dirty="0">
+            <a:latin typeface="Constantia" panose="02030602050306030303" pitchFamily="18" charset="0"/>
           </a:endParaRPr>
         </a:p>
       </dgm:t>
@@ -6072,7 +6089,9 @@
         <a:bodyPr/>
         <a:lstStyle/>
         <a:p>
-          <a:endParaRPr lang="en-US"/>
+          <a:endParaRPr lang="en-US" sz="1600">
+            <a:latin typeface="Constantia" panose="02030602050306030303" pitchFamily="18" charset="0"/>
+          </a:endParaRPr>
         </a:p>
       </dgm:t>
     </dgm:pt>
@@ -6094,262 +6113,262 @@
         <a:bodyPr/>
         <a:lstStyle/>
         <a:p>
-          <a:pPr algn="l"/>
+          <a:pPr algn="just"/>
           <a:r>
-            <a:rPr lang="en-US" sz="2400" b="1" dirty="0" smtClean="0">
-              <a:latin typeface="Buxton Sketch" panose="03080500000500000004" pitchFamily="66" charset="0"/>
+            <a:rPr lang="en-US" sz="1600" b="1" dirty="0" smtClean="0">
+              <a:latin typeface="Constantia" panose="02030602050306030303" pitchFamily="18" charset="0"/>
             </a:rPr>
             <a:t>- </a:t>
           </a:r>
           <a:r>
-            <a:rPr lang="en-US" sz="2400" b="1" dirty="0" smtClean="0">
+            <a:rPr lang="en-US" sz="1600" b="1" dirty="0" smtClean="0">
               <a:solidFill>
                 <a:schemeClr val="bg1"/>
               </a:solidFill>
-              <a:latin typeface="Buxton Sketch" panose="03080500000500000004" pitchFamily="66" charset="0"/>
+              <a:latin typeface="Constantia" panose="02030602050306030303" pitchFamily="18" charset="0"/>
             </a:rPr>
             <a:t>Name(identifier): </a:t>
           </a:r>
           <a:r>
-            <a:rPr lang="en-US" sz="2400" b="1" dirty="0" smtClean="0">
-              <a:latin typeface="Buxton Sketch" panose="03080500000500000004" pitchFamily="66" charset="0"/>
+            <a:rPr lang="en-US" sz="1600" b="1" dirty="0" smtClean="0">
+              <a:latin typeface="Constantia" panose="02030602050306030303" pitchFamily="18" charset="0"/>
             </a:rPr>
             <a:t>age, name</a:t>
           </a:r>
         </a:p>
         <a:p>
-          <a:pPr algn="l"/>
+          <a:pPr algn="just"/>
           <a:r>
-            <a:rPr lang="en-US" sz="2400" b="1" dirty="0" smtClean="0">
-              <a:latin typeface="Buxton Sketch" panose="03080500000500000004" pitchFamily="66" charset="0"/>
+            <a:rPr lang="en-US" sz="1600" b="1" dirty="0" smtClean="0">
+              <a:latin typeface="Constantia" panose="02030602050306030303" pitchFamily="18" charset="0"/>
             </a:rPr>
             <a:t>- </a:t>
           </a:r>
           <a:r>
-            <a:rPr lang="en-US" sz="2400" b="1" dirty="0" smtClean="0">
+            <a:rPr lang="en-US" sz="1600" b="1" dirty="0" smtClean="0">
               <a:solidFill>
                 <a:schemeClr val="bg1"/>
               </a:solidFill>
-              <a:latin typeface="Buxton Sketch" panose="03080500000500000004" pitchFamily="66" charset="0"/>
+              <a:latin typeface="Constantia" panose="02030602050306030303" pitchFamily="18" charset="0"/>
             </a:rPr>
             <a:t>Type: </a:t>
           </a:r>
           <a:r>
-            <a:rPr lang="en-US" sz="2400" b="1" dirty="0" err="1" smtClean="0">
-              <a:latin typeface="Buxton Sketch" panose="03080500000500000004" pitchFamily="66" charset="0"/>
+            <a:rPr lang="en-US" sz="1600" b="1" dirty="0" err="1" smtClean="0">
+              <a:latin typeface="Constantia" panose="02030602050306030303" pitchFamily="18" charset="0"/>
             </a:rPr>
             <a:t>int</a:t>
           </a:r>
           <a:r>
-            <a:rPr lang="en-US" sz="2400" b="1" dirty="0" smtClean="0">
-              <a:latin typeface="Buxton Sketch" panose="03080500000500000004" pitchFamily="66" charset="0"/>
+            <a:rPr lang="en-US" sz="1600" b="1" dirty="0" smtClean="0">
+              <a:latin typeface="Constantia" panose="02030602050306030303" pitchFamily="18" charset="0"/>
             </a:rPr>
             <a:t>, string, char</a:t>
           </a:r>
         </a:p>
         <a:p>
-          <a:pPr algn="l"/>
+          <a:pPr algn="just"/>
           <a:r>
-            <a:rPr lang="en-US" sz="2400" b="1" dirty="0" smtClean="0">
-              <a:latin typeface="Buxton Sketch" panose="03080500000500000004" pitchFamily="66" charset="0"/>
+            <a:rPr lang="en-US" sz="1600" b="1" dirty="0" smtClean="0">
+              <a:latin typeface="Constantia" panose="02030602050306030303" pitchFamily="18" charset="0"/>
             </a:rPr>
             <a:t>- </a:t>
           </a:r>
           <a:r>
-            <a:rPr lang="en-US" sz="2400" b="1" dirty="0" smtClean="0">
+            <a:rPr lang="en-US" sz="1600" b="1" dirty="0" smtClean="0">
               <a:solidFill>
                 <a:schemeClr val="bg1"/>
               </a:solidFill>
-              <a:latin typeface="Buxton Sketch" panose="03080500000500000004" pitchFamily="66" charset="0"/>
+              <a:latin typeface="Constantia" panose="02030602050306030303" pitchFamily="18" charset="0"/>
             </a:rPr>
             <a:t>Value: </a:t>
           </a:r>
           <a:r>
-            <a:rPr lang="en-US" sz="2400" b="1" dirty="0" smtClean="0">
-              <a:latin typeface="Buxton Sketch" panose="03080500000500000004" pitchFamily="66" charset="0"/>
+            <a:rPr lang="en-US" sz="1600" b="1" dirty="0" smtClean="0">
+              <a:latin typeface="Constantia" panose="02030602050306030303" pitchFamily="18" charset="0"/>
             </a:rPr>
             <a:t>101, Daffy Duck, </a:t>
           </a:r>
           <a:r>
-            <a:rPr lang="en-US" sz="2400" b="1" dirty="0" smtClean="0">
-              <a:latin typeface="Buxton Sketch" panose="03080500000500000004" pitchFamily="66" charset="0"/>
+            <a:rPr lang="en-US" sz="1600" b="1" dirty="0" smtClean="0">
+              <a:latin typeface="Constantia" panose="02030602050306030303" pitchFamily="18" charset="0"/>
               <a:sym typeface="Wingdings" panose="05000000000000000000" pitchFamily="2" charset="2"/>
             </a:rPr>
             <a:t></a:t>
           </a:r>
         </a:p>
         <a:p>
-          <a:pPr algn="ctr"/>
+          <a:pPr algn="just"/>
           <a:r>
-            <a:rPr lang="en-US" sz="2400" b="1" dirty="0" smtClean="0">
+            <a:rPr lang="en-US" sz="1600" b="1" dirty="0" smtClean="0">
               <a:solidFill>
                 <a:srgbClr val="FFFF00"/>
               </a:solidFill>
-              <a:latin typeface="Buxton Sketch" panose="03080500000500000004" pitchFamily="66" charset="0"/>
+              <a:latin typeface="Constantia" panose="02030602050306030303" pitchFamily="18" charset="0"/>
               <a:sym typeface="Wingdings" panose="05000000000000000000" pitchFamily="2" charset="2"/>
             </a:rPr>
             <a:t>Example:</a:t>
           </a:r>
         </a:p>
         <a:p>
-          <a:pPr algn="l"/>
+          <a:pPr algn="just"/>
           <a:r>
-            <a:rPr lang="en-US" sz="2400" b="1" dirty="0" smtClean="0">
-              <a:latin typeface="Buxton Sketch" panose="03080500000500000004" pitchFamily="66" charset="0"/>
+            <a:rPr lang="en-US" sz="1600" b="1" dirty="0" smtClean="0">
+              <a:latin typeface="Constantia" panose="02030602050306030303" pitchFamily="18" charset="0"/>
               <a:sym typeface="Wingdings" panose="05000000000000000000" pitchFamily="2" charset="2"/>
             </a:rPr>
             <a:t> string </a:t>
           </a:r>
           <a:r>
-            <a:rPr lang="en-US" sz="2400" b="1" dirty="0" err="1" smtClean="0">
+            <a:rPr lang="en-US" sz="1600" b="1" dirty="0" err="1" smtClean="0">
               <a:solidFill>
                 <a:schemeClr val="bg2">
                   <a:lumMod val="50000"/>
                 </a:schemeClr>
               </a:solidFill>
-              <a:latin typeface="Buxton Sketch" panose="03080500000500000004" pitchFamily="66" charset="0"/>
+              <a:latin typeface="Constantia" panose="02030602050306030303" pitchFamily="18" charset="0"/>
               <a:sym typeface="Wingdings" panose="05000000000000000000" pitchFamily="2" charset="2"/>
             </a:rPr>
             <a:t>myName</a:t>
           </a:r>
           <a:r>
-            <a:rPr lang="en-US" sz="2400" b="1" dirty="0" smtClean="0">
+            <a:rPr lang="en-US" sz="1600" b="1" dirty="0" smtClean="0">
               <a:solidFill>
                 <a:schemeClr val="bg2">
                   <a:lumMod val="50000"/>
                 </a:schemeClr>
               </a:solidFill>
-              <a:latin typeface="Buxton Sketch" panose="03080500000500000004" pitchFamily="66" charset="0"/>
+              <a:latin typeface="Constantia" panose="02030602050306030303" pitchFamily="18" charset="0"/>
               <a:sym typeface="Wingdings" panose="05000000000000000000" pitchFamily="2" charset="2"/>
             </a:rPr>
             <a:t> </a:t>
           </a:r>
           <a:r>
-            <a:rPr lang="en-US" sz="2400" b="1" dirty="0" smtClean="0">
+            <a:rPr lang="en-US" sz="1600" b="1" dirty="0" smtClean="0">
               <a:solidFill>
                 <a:schemeClr val="tx1"/>
               </a:solidFill>
-              <a:latin typeface="Buxton Sketch" panose="03080500000500000004" pitchFamily="66" charset="0"/>
+              <a:latin typeface="Constantia" panose="02030602050306030303" pitchFamily="18" charset="0"/>
               <a:sym typeface="Wingdings" panose="05000000000000000000" pitchFamily="2" charset="2"/>
             </a:rPr>
             <a:t>= “Bugsy“;</a:t>
           </a:r>
         </a:p>
         <a:p>
-          <a:pPr algn="l"/>
+          <a:pPr algn="just"/>
           <a:r>
-            <a:rPr lang="en-US" sz="2400" b="1" dirty="0" smtClean="0">
+            <a:rPr lang="en-US" sz="1600" b="1" dirty="0" smtClean="0">
               <a:solidFill>
                 <a:schemeClr val="bg2">
                   <a:lumMod val="50000"/>
                 </a:schemeClr>
               </a:solidFill>
-              <a:latin typeface="Buxton Sketch" panose="03080500000500000004" pitchFamily="66" charset="0"/>
+              <a:latin typeface="Constantia" panose="02030602050306030303" pitchFamily="18" charset="0"/>
               <a:sym typeface="Wingdings" panose="05000000000000000000" pitchFamily="2" charset="2"/>
             </a:rPr>
             <a:t> </a:t>
           </a:r>
           <a:r>
-            <a:rPr lang="en-US" sz="2400" b="1" dirty="0" err="1" smtClean="0">
+            <a:rPr lang="en-US" sz="1600" b="1" dirty="0" err="1" smtClean="0">
               <a:solidFill>
                 <a:schemeClr val="tx1"/>
               </a:solidFill>
-              <a:latin typeface="Buxton Sketch" panose="03080500000500000004" pitchFamily="66" charset="0"/>
+              <a:latin typeface="Constantia" panose="02030602050306030303" pitchFamily="18" charset="0"/>
               <a:sym typeface="Wingdings" panose="05000000000000000000" pitchFamily="2" charset="2"/>
             </a:rPr>
             <a:t>int</a:t>
           </a:r>
           <a:r>
-            <a:rPr lang="en-US" sz="2400" b="1" dirty="0" smtClean="0">
+            <a:rPr lang="en-US" sz="1600" b="1" dirty="0" smtClean="0">
               <a:solidFill>
                 <a:schemeClr val="tx1"/>
               </a:solidFill>
-              <a:latin typeface="Buxton Sketch" panose="03080500000500000004" pitchFamily="66" charset="0"/>
+              <a:latin typeface="Constantia" panose="02030602050306030303" pitchFamily="18" charset="0"/>
               <a:sym typeface="Wingdings" panose="05000000000000000000" pitchFamily="2" charset="2"/>
             </a:rPr>
             <a:t> </a:t>
           </a:r>
           <a:r>
-            <a:rPr lang="en-US" sz="2400" b="1" dirty="0" err="1" smtClean="0">
+            <a:rPr lang="en-US" sz="1600" b="1" dirty="0" err="1" smtClean="0">
               <a:solidFill>
                 <a:schemeClr val="bg1"/>
               </a:solidFill>
-              <a:latin typeface="Buxton Sketch" panose="03080500000500000004" pitchFamily="66" charset="0"/>
+              <a:latin typeface="Constantia" panose="02030602050306030303" pitchFamily="18" charset="0"/>
               <a:sym typeface="Wingdings" panose="05000000000000000000" pitchFamily="2" charset="2"/>
             </a:rPr>
             <a:t>myAge</a:t>
           </a:r>
           <a:r>
-            <a:rPr lang="en-US" sz="2400" b="1" dirty="0" smtClean="0">
+            <a:rPr lang="en-US" sz="1600" b="1" dirty="0" smtClean="0">
               <a:solidFill>
                 <a:schemeClr val="bg1"/>
               </a:solidFill>
-              <a:latin typeface="Buxton Sketch" panose="03080500000500000004" pitchFamily="66" charset="0"/>
+              <a:latin typeface="Constantia" panose="02030602050306030303" pitchFamily="18" charset="0"/>
               <a:sym typeface="Wingdings" panose="05000000000000000000" pitchFamily="2" charset="2"/>
             </a:rPr>
             <a:t> </a:t>
           </a:r>
           <a:r>
-            <a:rPr lang="en-US" sz="2400" b="1" dirty="0" smtClean="0">
+            <a:rPr lang="en-US" sz="1600" b="1" dirty="0" smtClean="0">
               <a:solidFill>
                 <a:schemeClr val="tx1"/>
               </a:solidFill>
-              <a:latin typeface="Buxton Sketch" panose="03080500000500000004" pitchFamily="66" charset="0"/>
+              <a:latin typeface="Constantia" panose="02030602050306030303" pitchFamily="18" charset="0"/>
               <a:sym typeface="Wingdings" panose="05000000000000000000" pitchFamily="2" charset="2"/>
             </a:rPr>
             <a:t>= 101;</a:t>
           </a:r>
         </a:p>
         <a:p>
-          <a:pPr algn="l"/>
+          <a:pPr algn="just"/>
           <a:r>
-            <a:rPr lang="en-US" sz="2400" b="1" dirty="0" smtClean="0">
+            <a:rPr lang="en-US" sz="1600" b="1" dirty="0" smtClean="0">
               <a:solidFill>
                 <a:schemeClr val="tx1"/>
               </a:solidFill>
-              <a:latin typeface="Buxton Sketch" panose="03080500000500000004" pitchFamily="66" charset="0"/>
+              <a:latin typeface="Constantia" panose="02030602050306030303" pitchFamily="18" charset="0"/>
               <a:sym typeface="Wingdings" panose="05000000000000000000" pitchFamily="2" charset="2"/>
             </a:rPr>
             <a:t> bool </a:t>
           </a:r>
           <a:r>
-            <a:rPr lang="en-US" sz="2400" b="1" dirty="0" smtClean="0">
+            <a:rPr lang="en-US" sz="1600" b="1" dirty="0" smtClean="0">
               <a:solidFill>
                 <a:schemeClr val="bg1"/>
               </a:solidFill>
-              <a:latin typeface="Buxton Sketch" panose="03080500000500000004" pitchFamily="66" charset="0"/>
+              <a:latin typeface="Constantia" panose="02030602050306030303" pitchFamily="18" charset="0"/>
               <a:sym typeface="Wingdings" panose="05000000000000000000" pitchFamily="2" charset="2"/>
             </a:rPr>
             <a:t>male</a:t>
           </a:r>
           <a:r>
-            <a:rPr lang="en-US" sz="2400" b="1" dirty="0" smtClean="0">
+            <a:rPr lang="en-US" sz="1600" b="1" dirty="0" smtClean="0">
               <a:solidFill>
                 <a:schemeClr val="tx1"/>
               </a:solidFill>
-              <a:latin typeface="Buxton Sketch" panose="03080500000500000004" pitchFamily="66" charset="0"/>
+              <a:latin typeface="Constantia" panose="02030602050306030303" pitchFamily="18" charset="0"/>
               <a:sym typeface="Wingdings" panose="05000000000000000000" pitchFamily="2" charset="2"/>
             </a:rPr>
             <a:t> = false;</a:t>
           </a:r>
-          <a:endParaRPr lang="en-US" sz="2400" b="1" dirty="0" smtClean="0">
+          <a:endParaRPr lang="en-US" sz="1600" b="1" dirty="0" smtClean="0">
             <a:solidFill>
               <a:schemeClr val="bg1"/>
             </a:solidFill>
-            <a:latin typeface="Buxton Sketch" panose="03080500000500000004" pitchFamily="66" charset="0"/>
+            <a:latin typeface="Constantia" panose="02030602050306030303" pitchFamily="18" charset="0"/>
             <a:sym typeface="Wingdings" panose="05000000000000000000" pitchFamily="2" charset="2"/>
           </a:endParaRPr>
         </a:p>
         <a:p>
-          <a:pPr algn="l"/>
+          <a:pPr algn="just"/>
           <a:r>
-            <a:rPr lang="en-US" sz="2400" dirty="0" smtClean="0">
-              <a:latin typeface="Informal Roman" panose="030604020304060B0204" pitchFamily="66" charset="0"/>
+            <a:rPr lang="en-US" sz="1600" dirty="0" smtClean="0">
+              <a:latin typeface="Constantia" panose="02030602050306030303" pitchFamily="18" charset="0"/>
             </a:rPr>
             <a:t> </a:t>
           </a:r>
-          <a:endParaRPr lang="en-US" sz="2400" dirty="0">
-            <a:latin typeface="Informal Roman" panose="030604020304060B0204" pitchFamily="66" charset="0"/>
+          <a:endParaRPr lang="en-US" sz="1600" dirty="0">
+            <a:latin typeface="Constantia" panose="02030602050306030303" pitchFamily="18" charset="0"/>
           </a:endParaRPr>
         </a:p>
       </dgm:t>
@@ -6361,7 +6380,9 @@
         <a:bodyPr/>
         <a:lstStyle/>
         <a:p>
-          <a:endParaRPr lang="en-US"/>
+          <a:endParaRPr lang="en-US" sz="1600">
+            <a:latin typeface="Constantia" panose="02030602050306030303" pitchFamily="18" charset="0"/>
+          </a:endParaRPr>
         </a:p>
       </dgm:t>
     </dgm:pt>
@@ -6385,8 +6406,8 @@
         <a:p>
           <a:pPr algn="ctr"/>
           <a:r>
-            <a:rPr lang="en-US" sz="2400" dirty="0" smtClean="0">
-              <a:latin typeface="Buxton Sketch" panose="03080500000500000004" pitchFamily="66" charset="0"/>
+            <a:rPr lang="en-US" sz="1600" dirty="0" smtClean="0">
+              <a:latin typeface="Constantia" panose="02030602050306030303" pitchFamily="18" charset="0"/>
             </a:rPr>
             <a:t>Variable values who are set directly in the source code in the program.</a:t>
           </a:r>
@@ -6394,11 +6415,11 @@
         <a:p>
           <a:pPr algn="ctr"/>
           <a:r>
-            <a:rPr lang="en-US" sz="2400" dirty="0" smtClean="0">
+            <a:rPr lang="en-US" sz="1600" dirty="0" smtClean="0">
               <a:solidFill>
                 <a:srgbClr val="FFFF00"/>
               </a:solidFill>
-              <a:latin typeface="Buxton Sketch" panose="03080500000500000004" pitchFamily="66" charset="0"/>
+              <a:latin typeface="Constantia" panose="02030602050306030303" pitchFamily="18" charset="0"/>
             </a:rPr>
             <a:t>Example:</a:t>
           </a:r>
@@ -6406,11 +6427,11 @@
         <a:p>
           <a:pPr algn="ctr"/>
           <a:r>
-            <a:rPr lang="en-US" sz="2400" dirty="0" smtClean="0">
+            <a:rPr lang="en-US" sz="1600" dirty="0" smtClean="0">
               <a:solidFill>
                 <a:schemeClr val="bg1"/>
               </a:solidFill>
-              <a:latin typeface="Buxton Sketch" panose="03080500000500000004" pitchFamily="66" charset="0"/>
+              <a:latin typeface="Constantia" panose="02030602050306030303" pitchFamily="18" charset="0"/>
             </a:rPr>
             <a:t>“Bugsy”,</a:t>
           </a:r>
@@ -6418,11 +6439,11 @@
         <a:p>
           <a:pPr algn="ctr"/>
           <a:r>
-            <a:rPr lang="en-US" sz="2400" dirty="0" smtClean="0">
+            <a:rPr lang="en-US" sz="1600" dirty="0" smtClean="0">
               <a:solidFill>
                 <a:schemeClr val="bg1"/>
               </a:solidFill>
-              <a:latin typeface="Buxton Sketch" panose="03080500000500000004" pitchFamily="66" charset="0"/>
+              <a:latin typeface="Constantia" panose="02030602050306030303" pitchFamily="18" charset="0"/>
             </a:rPr>
             <a:t>101,</a:t>
           </a:r>
@@ -6430,11 +6451,11 @@
         <a:p>
           <a:pPr algn="ctr"/>
           <a:r>
-            <a:rPr lang="en-US" sz="2400" dirty="0" smtClean="0">
+            <a:rPr lang="en-US" sz="1600" dirty="0" smtClean="0">
               <a:solidFill>
                 <a:schemeClr val="bg1"/>
               </a:solidFill>
-              <a:latin typeface="Buxton Sketch" panose="03080500000500000004" pitchFamily="66" charset="0"/>
+              <a:latin typeface="Constantia" panose="02030602050306030303" pitchFamily="18" charset="0"/>
             </a:rPr>
             <a:t>true/false</a:t>
           </a:r>
@@ -6442,22 +6463,22 @@
         <a:p>
           <a:pPr algn="ctr"/>
           <a:r>
-            <a:rPr lang="en-US" sz="2400" dirty="0" smtClean="0">
+            <a:rPr lang="en-US" sz="1600" dirty="0" smtClean="0">
               <a:solidFill>
                 <a:srgbClr val="FFFF00"/>
               </a:solidFill>
-              <a:latin typeface="Buxton Sketch" panose="03080500000500000004" pitchFamily="66" charset="0"/>
+              <a:latin typeface="Constantia" panose="02030602050306030303" pitchFamily="18" charset="0"/>
             </a:rPr>
             <a:t>…</a:t>
           </a:r>
         </a:p>
         <a:p>
           <a:pPr algn="ctr"/>
-          <a:endParaRPr lang="en-US" sz="2400" dirty="0">
+          <a:endParaRPr lang="en-US" sz="1600" dirty="0">
             <a:solidFill>
               <a:srgbClr val="FFFF00"/>
             </a:solidFill>
-            <a:latin typeface="Buxton Sketch" panose="03080500000500000004" pitchFamily="66" charset="0"/>
+            <a:latin typeface="Constantia" panose="02030602050306030303" pitchFamily="18" charset="0"/>
           </a:endParaRPr>
         </a:p>
       </dgm:t>
@@ -6469,7 +6490,9 @@
         <a:bodyPr/>
         <a:lstStyle/>
         <a:p>
-          <a:endParaRPr lang="en-US"/>
+          <a:endParaRPr lang="en-US" sz="1600">
+            <a:latin typeface="Constantia" panose="02030602050306030303" pitchFamily="18" charset="0"/>
+          </a:endParaRPr>
         </a:p>
       </dgm:t>
     </dgm:pt>
@@ -6975,7 +6998,7 @@
   <dgm:whole/>
   <dgm:extLst>
     <a:ext uri="http://schemas.microsoft.com/office/drawing/2008/diagram">
-      <dsp:dataModelExt xmlns:dsp="http://schemas.microsoft.com/office/drawing/2008/diagram" relId="rId6" minVer="http://schemas.openxmlformats.org/drawingml/2006/diagram"/>
+      <dsp:dataModelExt xmlns:dsp="http://schemas.microsoft.com/office/drawing/2008/diagram" relId="rId7" minVer="http://schemas.openxmlformats.org/drawingml/2006/diagram"/>
     </a:ext>
   </dgm:extLst>
 </dgm:dataModel>
@@ -7003,19 +7026,19 @@
         <a:lstStyle/>
         <a:p>
           <a:r>
-            <a:rPr lang="en-US" sz="6600" dirty="0" smtClean="0">
+            <a:rPr lang="en-US" sz="1600" dirty="0" smtClean="0">
               <a:solidFill>
                 <a:srgbClr val="FFFF00"/>
               </a:solidFill>
-              <a:latin typeface="Informal Roman" panose="030604020304060B0204" pitchFamily="66" charset="0"/>
+              <a:latin typeface="Constantia" panose="02030602050306030303" pitchFamily="18" charset="0"/>
             </a:rPr>
             <a:t>Operators &amp; Expressions</a:t>
           </a:r>
-          <a:endParaRPr lang="en-US" sz="6600" dirty="0">
+          <a:endParaRPr lang="en-US" sz="1600" dirty="0">
             <a:solidFill>
               <a:srgbClr val="FFFF00"/>
             </a:solidFill>
-            <a:latin typeface="Informal Roman" panose="030604020304060B0204" pitchFamily="66" charset="0"/>
+            <a:latin typeface="Constantia" panose="02030602050306030303" pitchFamily="18" charset="0"/>
           </a:endParaRPr>
         </a:p>
       </dgm:t>
@@ -7050,13 +7073,13 @@
         <a:lstStyle/>
         <a:p>
           <a:r>
-            <a:rPr lang="en-US" sz="4800" dirty="0" smtClean="0">
-              <a:latin typeface="Informal Roman" panose="030604020304060B0204" pitchFamily="66" charset="0"/>
+            <a:rPr lang="en-US" sz="1600" dirty="0" smtClean="0">
+              <a:latin typeface="Constantia" panose="02030602050306030303" pitchFamily="18" charset="0"/>
             </a:rPr>
             <a:t>Operators</a:t>
           </a:r>
-          <a:endParaRPr lang="en-US" sz="4800" dirty="0">
-            <a:latin typeface="Informal Roman" panose="030604020304060B0204" pitchFamily="66" charset="0"/>
+          <a:endParaRPr lang="en-US" sz="1600" dirty="0">
+            <a:latin typeface="Constantia" panose="02030602050306030303" pitchFamily="18" charset="0"/>
           </a:endParaRPr>
         </a:p>
       </dgm:t>
@@ -7068,7 +7091,9 @@
         <a:bodyPr/>
         <a:lstStyle/>
         <a:p>
-          <a:endParaRPr lang="en-US"/>
+          <a:endParaRPr lang="en-US" sz="1600">
+            <a:latin typeface="Constantia" panose="02030602050306030303" pitchFamily="18" charset="0"/>
+          </a:endParaRPr>
         </a:p>
       </dgm:t>
     </dgm:pt>
@@ -7091,13 +7116,13 @@
         <a:lstStyle/>
         <a:p>
           <a:r>
-            <a:rPr lang="en-US" sz="4800" dirty="0" smtClean="0">
-              <a:latin typeface="Informal Roman" panose="030604020304060B0204" pitchFamily="66" charset="0"/>
+            <a:rPr lang="en-US" sz="1600" dirty="0" smtClean="0">
+              <a:latin typeface="Constantia" panose="02030602050306030303" pitchFamily="18" charset="0"/>
             </a:rPr>
             <a:t>Type Conversion &amp; Casting</a:t>
           </a:r>
-          <a:endParaRPr lang="en-US" sz="4800" dirty="0">
-            <a:latin typeface="Informal Roman" panose="030604020304060B0204" pitchFamily="66" charset="0"/>
+          <a:endParaRPr lang="en-US" sz="1600" dirty="0">
+            <a:latin typeface="Constantia" panose="02030602050306030303" pitchFamily="18" charset="0"/>
           </a:endParaRPr>
         </a:p>
       </dgm:t>
@@ -7109,7 +7134,9 @@
         <a:bodyPr/>
         <a:lstStyle/>
         <a:p>
-          <a:endParaRPr lang="en-US"/>
+          <a:endParaRPr lang="en-US" sz="1600">
+            <a:latin typeface="Constantia" panose="02030602050306030303" pitchFamily="18" charset="0"/>
+          </a:endParaRPr>
         </a:p>
       </dgm:t>
     </dgm:pt>
@@ -7125,20 +7152,20 @@
       </dgm:t>
     </dgm:pt>
     <dgm:pt modelId="{8685506F-7EAD-4CEF-B071-AF7CAC3B13F6}">
-      <dgm:prSet phldrT="[Text]"/>
+      <dgm:prSet phldrT="[Text]" custT="1"/>
       <dgm:spPr/>
       <dgm:t>
         <a:bodyPr/>
         <a:lstStyle/>
         <a:p>
           <a:r>
-            <a:rPr lang="en-US" dirty="0" smtClean="0">
-              <a:latin typeface="Informal Roman" panose="030604020304060B0204" pitchFamily="66" charset="0"/>
+            <a:rPr lang="en-US" sz="1600" dirty="0" smtClean="0">
+              <a:latin typeface="Constantia" panose="02030602050306030303" pitchFamily="18" charset="0"/>
             </a:rPr>
             <a:t>Expressions</a:t>
           </a:r>
-          <a:endParaRPr lang="en-US" dirty="0">
-            <a:latin typeface="Informal Roman" panose="030604020304060B0204" pitchFamily="66" charset="0"/>
+          <a:endParaRPr lang="en-US" sz="1600" dirty="0">
+            <a:latin typeface="Constantia" panose="02030602050306030303" pitchFamily="18" charset="0"/>
           </a:endParaRPr>
         </a:p>
       </dgm:t>
@@ -7150,7 +7177,9 @@
         <a:bodyPr/>
         <a:lstStyle/>
         <a:p>
-          <a:endParaRPr lang="en-US"/>
+          <a:endParaRPr lang="en-US" sz="1600">
+            <a:latin typeface="Constantia" panose="02030602050306030303" pitchFamily="18" charset="0"/>
+          </a:endParaRPr>
         </a:p>
       </dgm:t>
     </dgm:pt>
@@ -7174,29 +7203,29 @@
         <a:p>
           <a:pPr algn="ctr"/>
           <a:r>
-            <a:rPr lang="en-US" sz="2400" dirty="0" smtClean="0">
-              <a:latin typeface="Buxton Sketch" panose="03080500000500000004" pitchFamily="66" charset="0"/>
+            <a:rPr lang="en-US" sz="1600" dirty="0" smtClean="0">
+              <a:latin typeface="Constantia" panose="02030602050306030303" pitchFamily="18" charset="0"/>
             </a:rPr>
             <a:t> - </a:t>
           </a:r>
           <a:r>
-            <a:rPr lang="en-US" sz="2400" dirty="0" err="1" smtClean="0">
-              <a:latin typeface="Buxton Sketch" panose="03080500000500000004" pitchFamily="66" charset="0"/>
+            <a:rPr lang="en-US" sz="1600" dirty="0" err="1" smtClean="0">
+              <a:latin typeface="Constantia" panose="02030602050306030303" pitchFamily="18" charset="0"/>
             </a:rPr>
             <a:t>Aritchmetic</a:t>
           </a:r>
           <a:r>
-            <a:rPr lang="en-US" sz="2400" dirty="0" smtClean="0">
-              <a:latin typeface="Buxton Sketch" panose="03080500000500000004" pitchFamily="66" charset="0"/>
+            <a:rPr lang="en-US" sz="1600" dirty="0" smtClean="0">
+              <a:latin typeface="Constantia" panose="02030602050306030303" pitchFamily="18" charset="0"/>
             </a:rPr>
             <a:t>: </a:t>
           </a:r>
           <a:r>
-            <a:rPr lang="en-US" sz="2400" dirty="0" smtClean="0">
+            <a:rPr lang="en-US" sz="1600" dirty="0" smtClean="0">
               <a:solidFill>
                 <a:schemeClr val="bg1"/>
               </a:solidFill>
-              <a:latin typeface="Buxton Sketch" panose="03080500000500000004" pitchFamily="66" charset="0"/>
+              <a:latin typeface="Constantia" panose="02030602050306030303" pitchFamily="18" charset="0"/>
             </a:rPr>
             <a:t>+ - / * </a:t>
           </a:r>
@@ -7204,29 +7233,29 @@
         <a:p>
           <a:pPr algn="ctr"/>
           <a:r>
-            <a:rPr lang="en-US" sz="2400" dirty="0" smtClean="0">
+            <a:rPr lang="en-US" sz="1600" dirty="0" smtClean="0">
               <a:solidFill>
                 <a:schemeClr val="bg1"/>
               </a:solidFill>
-              <a:latin typeface="Buxton Sketch" panose="03080500000500000004" pitchFamily="66" charset="0"/>
+              <a:latin typeface="Constantia" panose="02030602050306030303" pitchFamily="18" charset="0"/>
             </a:rPr>
             <a:t> </a:t>
           </a:r>
           <a:r>
-            <a:rPr lang="en-US" sz="2400" dirty="0" smtClean="0">
+            <a:rPr lang="en-US" sz="1600" dirty="0" smtClean="0">
               <a:solidFill>
                 <a:schemeClr val="tx1"/>
               </a:solidFill>
-              <a:latin typeface="Buxton Sketch" panose="03080500000500000004" pitchFamily="66" charset="0"/>
+              <a:latin typeface="Constantia" panose="02030602050306030303" pitchFamily="18" charset="0"/>
             </a:rPr>
             <a:t>- Logical: </a:t>
           </a:r>
           <a:r>
-            <a:rPr lang="en-US" sz="2400" dirty="0" smtClean="0">
+            <a:rPr lang="en-US" sz="1600" dirty="0" smtClean="0">
               <a:solidFill>
                 <a:schemeClr val="bg1"/>
               </a:solidFill>
-              <a:latin typeface="Buxton Sketch" panose="03080500000500000004" pitchFamily="66" charset="0"/>
+              <a:latin typeface="Constantia" panose="02030602050306030303" pitchFamily="18" charset="0"/>
             </a:rPr>
             <a:t>&amp;&amp; || ! ^</a:t>
           </a:r>
@@ -7234,29 +7263,29 @@
         <a:p>
           <a:pPr algn="ctr"/>
           <a:r>
-            <a:rPr lang="en-US" sz="2400" dirty="0" smtClean="0">
+            <a:rPr lang="en-US" sz="1600" dirty="0" smtClean="0">
               <a:solidFill>
                 <a:schemeClr val="bg1"/>
               </a:solidFill>
-              <a:latin typeface="Buxton Sketch" panose="03080500000500000004" pitchFamily="66" charset="0"/>
+              <a:latin typeface="Constantia" panose="02030602050306030303" pitchFamily="18" charset="0"/>
             </a:rPr>
             <a:t>  </a:t>
           </a:r>
           <a:r>
-            <a:rPr lang="en-US" sz="2400" dirty="0" smtClean="0">
+            <a:rPr lang="en-US" sz="1600" dirty="0" smtClean="0">
               <a:solidFill>
                 <a:schemeClr val="tx1"/>
               </a:solidFill>
-              <a:latin typeface="Buxton Sketch" panose="03080500000500000004" pitchFamily="66" charset="0"/>
+              <a:latin typeface="Constantia" panose="02030602050306030303" pitchFamily="18" charset="0"/>
             </a:rPr>
             <a:t>- Assignment: </a:t>
           </a:r>
           <a:r>
-            <a:rPr lang="en-US" sz="2400" dirty="0" smtClean="0">
+            <a:rPr lang="en-US" sz="1600" dirty="0" smtClean="0">
               <a:solidFill>
                 <a:schemeClr val="bg1"/>
               </a:solidFill>
-              <a:latin typeface="Buxton Sketch" panose="03080500000500000004" pitchFamily="66" charset="0"/>
+              <a:latin typeface="Constantia" panose="02030602050306030303" pitchFamily="18" charset="0"/>
             </a:rPr>
             <a:t>= += *=</a:t>
           </a:r>
@@ -7264,37 +7293,55 @@
         <a:p>
           <a:pPr algn="ctr"/>
           <a:r>
-            <a:rPr lang="en-US" sz="2400" dirty="0" smtClean="0">
+            <a:rPr lang="en-US" sz="1600" dirty="0" smtClean="0">
               <a:solidFill>
                 <a:schemeClr val="bg1"/>
               </a:solidFill>
-              <a:latin typeface="Buxton Sketch" panose="03080500000500000004" pitchFamily="66" charset="0"/>
+              <a:latin typeface="Constantia" panose="02030602050306030303" pitchFamily="18" charset="0"/>
             </a:rPr>
             <a:t> </a:t>
           </a:r>
           <a:r>
-            <a:rPr lang="en-US" sz="2400" dirty="0" smtClean="0">
+            <a:rPr lang="en-US" sz="1600" dirty="0" smtClean="0">
               <a:solidFill>
                 <a:schemeClr val="tx1"/>
               </a:solidFill>
-              <a:latin typeface="Buxton Sketch" panose="03080500000500000004" pitchFamily="66" charset="0"/>
+              <a:latin typeface="Constantia" panose="02030602050306030303" pitchFamily="18" charset="0"/>
             </a:rPr>
-            <a:t>- Comparison, Binary,          Concatenation …</a:t>
+            <a:t>- Comparison, Binary</a:t>
           </a:r>
-          <a:endParaRPr lang="en-US" sz="2400" dirty="0" smtClean="0">
+          <a:r>
+            <a:rPr lang="en-US" sz="1600" dirty="0" smtClean="0">
+              <a:solidFill>
+                <a:schemeClr val="tx1"/>
+              </a:solidFill>
+              <a:latin typeface="Constantia" panose="02030602050306030303" pitchFamily="18" charset="0"/>
+            </a:rPr>
+            <a:t>, Concatenation </a:t>
+          </a:r>
+          <a:r>
+            <a:rPr lang="en-US" sz="1600" dirty="0" smtClean="0">
+              <a:solidFill>
+                <a:schemeClr val="tx1"/>
+              </a:solidFill>
+              <a:latin typeface="Constantia" panose="02030602050306030303" pitchFamily="18" charset="0"/>
+            </a:rPr>
+            <a:t>…</a:t>
+          </a:r>
+          <a:endParaRPr lang="en-US" sz="1600" dirty="0" smtClean="0">
             <a:solidFill>
               <a:schemeClr val="bg1"/>
             </a:solidFill>
-            <a:latin typeface="Buxton Sketch" panose="03080500000500000004" pitchFamily="66" charset="0"/>
+            <a:latin typeface="Constantia" panose="02030602050306030303" pitchFamily="18" charset="0"/>
           </a:endParaRPr>
         </a:p>
         <a:p>
           <a:pPr algn="l"/>
-          <a:endParaRPr lang="en-US" sz="2400" dirty="0">
+          <a:endParaRPr lang="en-US" sz="1600" dirty="0">
             <a:solidFill>
               <a:schemeClr val="tx1"/>
             </a:solidFill>
-            <a:latin typeface="Buxton Sketch" panose="03080500000500000004" pitchFamily="66" charset="0"/>
+            <a:latin typeface="Constantia" panose="02030602050306030303" pitchFamily="18" charset="0"/>
           </a:endParaRPr>
         </a:p>
       </dgm:t>
@@ -7306,7 +7353,9 @@
         <a:bodyPr/>
         <a:lstStyle/>
         <a:p>
-          <a:endParaRPr lang="en-US"/>
+          <a:endParaRPr lang="en-US" sz="1600">
+            <a:latin typeface="Constantia" panose="02030602050306030303" pitchFamily="18" charset="0"/>
+          </a:endParaRPr>
         </a:p>
       </dgm:t>
     </dgm:pt>
@@ -7329,29 +7378,29 @@
         <a:lstStyle/>
         <a:p>
           <a:r>
-            <a:rPr lang="en-US" sz="2800" dirty="0" smtClean="0">
-              <a:latin typeface="Buxton Sketch" panose="03080500000500000004" pitchFamily="66" charset="0"/>
+            <a:rPr lang="en-US" sz="1600" dirty="0" smtClean="0">
+              <a:latin typeface="Constantia" panose="02030602050306030303" pitchFamily="18" charset="0"/>
             </a:rPr>
             <a:t>- Implicit conversion</a:t>
           </a:r>
         </a:p>
         <a:p>
           <a:r>
-            <a:rPr lang="en-US" sz="2800" dirty="0" smtClean="0">
-              <a:latin typeface="Buxton Sketch" panose="03080500000500000004" pitchFamily="66" charset="0"/>
+            <a:rPr lang="en-US" sz="1600" dirty="0" smtClean="0">
+              <a:latin typeface="Constantia" panose="02030602050306030303" pitchFamily="18" charset="0"/>
             </a:rPr>
             <a:t>- Explicit conversion</a:t>
           </a:r>
         </a:p>
         <a:p>
           <a:r>
-            <a:rPr lang="en-US" sz="2800" dirty="0" smtClean="0">
-              <a:latin typeface="Buxton Sketch" panose="03080500000500000004" pitchFamily="66" charset="0"/>
+            <a:rPr lang="en-US" sz="1600" dirty="0" smtClean="0">
+              <a:latin typeface="Constantia" panose="02030602050306030303" pitchFamily="18" charset="0"/>
             </a:rPr>
             <a:t>- Conversion from/to string data type</a:t>
           </a:r>
-          <a:endParaRPr lang="en-US" sz="2800" dirty="0">
-            <a:latin typeface="Buxton Sketch" panose="03080500000500000004" pitchFamily="66" charset="0"/>
+          <a:endParaRPr lang="en-US" sz="1600" dirty="0">
+            <a:latin typeface="Constantia" panose="02030602050306030303" pitchFamily="18" charset="0"/>
           </a:endParaRPr>
         </a:p>
       </dgm:t>
@@ -7363,7 +7412,9 @@
         <a:bodyPr/>
         <a:lstStyle/>
         <a:p>
-          <a:endParaRPr lang="en-US"/>
+          <a:endParaRPr lang="en-US" sz="1600">
+            <a:latin typeface="Constantia" panose="02030602050306030303" pitchFamily="18" charset="0"/>
+          </a:endParaRPr>
         </a:p>
       </dgm:t>
     </dgm:pt>
@@ -7386,105 +7437,105 @@
         <a:lstStyle/>
         <a:p>
           <a:r>
-            <a:rPr lang="en-US" sz="2800" dirty="0" smtClean="0">
+            <a:rPr lang="en-US" sz="1600" dirty="0" smtClean="0">
               <a:solidFill>
                 <a:schemeClr val="bg1"/>
               </a:solidFill>
-              <a:latin typeface="Buxton Sketch" panose="03080500000500000004" pitchFamily="66" charset="0"/>
+              <a:latin typeface="Constantia" panose="02030602050306030303" pitchFamily="18" charset="0"/>
             </a:rPr>
             <a:t>// Surface of circle</a:t>
           </a:r>
         </a:p>
         <a:p>
           <a:r>
-            <a:rPr lang="en-US" sz="2800" dirty="0" smtClean="0">
-              <a:latin typeface="Buxton Sketch" panose="03080500000500000004" pitchFamily="66" charset="0"/>
+            <a:rPr lang="en-US" sz="1600" dirty="0" smtClean="0">
+              <a:latin typeface="Constantia" panose="02030602050306030303" pitchFamily="18" charset="0"/>
             </a:rPr>
             <a:t>double </a:t>
           </a:r>
           <a:r>
-            <a:rPr lang="en-US" sz="2800" dirty="0" smtClean="0">
+            <a:rPr lang="en-US" sz="1600" dirty="0" smtClean="0">
               <a:solidFill>
                 <a:srgbClr val="00B0F0"/>
               </a:solidFill>
-              <a:latin typeface="Buxton Sketch" panose="03080500000500000004" pitchFamily="66" charset="0"/>
+              <a:latin typeface="Constantia" panose="02030602050306030303" pitchFamily="18" charset="0"/>
             </a:rPr>
             <a:t>surface</a:t>
           </a:r>
           <a:r>
-            <a:rPr lang="en-US" sz="2800" dirty="0" smtClean="0">
-              <a:latin typeface="Buxton Sketch" panose="03080500000500000004" pitchFamily="66" charset="0"/>
+            <a:rPr lang="en-US" sz="1600" dirty="0" smtClean="0">
+              <a:latin typeface="Constantia" panose="02030602050306030303" pitchFamily="18" charset="0"/>
             </a:rPr>
             <a:t> = </a:t>
           </a:r>
           <a:r>
-            <a:rPr lang="en-US" sz="2800" dirty="0" err="1" smtClean="0">
-              <a:latin typeface="Buxton Sketch" panose="03080500000500000004" pitchFamily="66" charset="0"/>
+            <a:rPr lang="en-US" sz="1600" dirty="0" err="1" smtClean="0">
+              <a:latin typeface="Constantia" panose="02030602050306030303" pitchFamily="18" charset="0"/>
             </a:rPr>
             <a:t>Math.Pi</a:t>
           </a:r>
           <a:r>
-            <a:rPr lang="en-US" sz="2800" dirty="0" smtClean="0">
-              <a:latin typeface="Buxton Sketch" panose="03080500000500000004" pitchFamily="66" charset="0"/>
+            <a:rPr lang="en-US" sz="1600" dirty="0" smtClean="0">
+              <a:latin typeface="Constantia" panose="02030602050306030303" pitchFamily="18" charset="0"/>
             </a:rPr>
             <a:t> * r * r;</a:t>
           </a:r>
         </a:p>
         <a:p>
           <a:r>
-            <a:rPr lang="en-US" sz="2800" dirty="0" smtClean="0">
+            <a:rPr lang="en-US" sz="1600" dirty="0" smtClean="0">
               <a:solidFill>
                 <a:schemeClr val="bg1"/>
               </a:solidFill>
-              <a:latin typeface="Buxton Sketch" panose="03080500000500000004" pitchFamily="66" charset="0"/>
+              <a:latin typeface="Constantia" panose="02030602050306030303" pitchFamily="18" charset="0"/>
             </a:rPr>
             <a:t>// Perimeter of circle</a:t>
           </a:r>
         </a:p>
         <a:p>
           <a:r>
-            <a:rPr lang="en-US" sz="2800" dirty="0" smtClean="0">
-              <a:latin typeface="Buxton Sketch" panose="03080500000500000004" pitchFamily="66" charset="0"/>
+            <a:rPr lang="en-US" sz="1600" dirty="0" smtClean="0">
+              <a:latin typeface="Constantia" panose="02030602050306030303" pitchFamily="18" charset="0"/>
             </a:rPr>
             <a:t>double </a:t>
           </a:r>
           <a:r>
-            <a:rPr lang="en-US" sz="2800" dirty="0" smtClean="0">
+            <a:rPr lang="en-US" sz="1600" dirty="0" smtClean="0">
               <a:solidFill>
                 <a:srgbClr val="00B0F0"/>
               </a:solidFill>
-              <a:latin typeface="Buxton Sketch" panose="03080500000500000004" pitchFamily="66" charset="0"/>
+              <a:latin typeface="Constantia" panose="02030602050306030303" pitchFamily="18" charset="0"/>
             </a:rPr>
             <a:t>perimeter</a:t>
           </a:r>
           <a:r>
-            <a:rPr lang="en-US" sz="2800" dirty="0" smtClean="0">
-              <a:latin typeface="Buxton Sketch" panose="03080500000500000004" pitchFamily="66" charset="0"/>
+            <a:rPr lang="en-US" sz="1600" dirty="0" smtClean="0">
+              <a:latin typeface="Constantia" panose="02030602050306030303" pitchFamily="18" charset="0"/>
             </a:rPr>
             <a:t> = </a:t>
           </a:r>
         </a:p>
         <a:p>
           <a:r>
-            <a:rPr lang="en-US" sz="2800" dirty="0" smtClean="0">
-              <a:latin typeface="Buxton Sketch" panose="03080500000500000004" pitchFamily="66" charset="0"/>
+            <a:rPr lang="en-US" sz="1600" dirty="0" smtClean="0">
+              <a:latin typeface="Constantia" panose="02030602050306030303" pitchFamily="18" charset="0"/>
             </a:rPr>
             <a:t>2 * </a:t>
           </a:r>
           <a:r>
-            <a:rPr lang="en-US" sz="2800" dirty="0" err="1" smtClean="0">
-              <a:latin typeface="Buxton Sketch" panose="03080500000500000004" pitchFamily="66" charset="0"/>
+            <a:rPr lang="en-US" sz="1600" dirty="0" err="1" smtClean="0">
+              <a:latin typeface="Constantia" panose="02030602050306030303" pitchFamily="18" charset="0"/>
             </a:rPr>
             <a:t>Math.Pi</a:t>
           </a:r>
           <a:r>
-            <a:rPr lang="en-US" sz="2800" dirty="0" smtClean="0">
-              <a:latin typeface="Buxton Sketch" panose="03080500000500000004" pitchFamily="66" charset="0"/>
+            <a:rPr lang="en-US" sz="1600" dirty="0" smtClean="0">
+              <a:latin typeface="Constantia" panose="02030602050306030303" pitchFamily="18" charset="0"/>
             </a:rPr>
             <a:t> * r;</a:t>
           </a:r>
-          <a:endParaRPr lang="en-US" sz="2800" dirty="0">
-            <a:latin typeface="Buxton Sketch" panose="03080500000500000004" pitchFamily="66" charset="0"/>
+          <a:endParaRPr lang="en-US" sz="1600" dirty="0">
+            <a:latin typeface="Constantia" panose="02030602050306030303" pitchFamily="18" charset="0"/>
           </a:endParaRPr>
         </a:p>
       </dgm:t>
@@ -7496,7 +7547,9 @@
         <a:bodyPr/>
         <a:lstStyle/>
         <a:p>
-          <a:endParaRPr lang="en-US"/>
+          <a:endParaRPr lang="en-US" sz="1600">
+            <a:latin typeface="Constantia" panose="02030602050306030303" pitchFamily="18" charset="0"/>
+          </a:endParaRPr>
         </a:p>
       </dgm:t>
     </dgm:pt>
@@ -7597,7 +7650,7 @@
       <dgm:spPr/>
     </dgm:pt>
     <dgm:pt modelId="{EC83E2CD-FD27-4A0C-95C1-BE71FA51466A}" type="pres">
-      <dgm:prSet presAssocID="{54EFD3E1-EF0D-41D1-B1AF-A21DBE01B2B3}" presName="rootText" presStyleLbl="node2" presStyleIdx="0" presStyleCnt="3" custScaleX="151157" custScaleY="88619" custLinFactNeighborX="-90379" custLinFactNeighborY="-28699">
+      <dgm:prSet presAssocID="{54EFD3E1-EF0D-41D1-B1AF-A21DBE01B2B3}" presName="rootText" presStyleLbl="node2" presStyleIdx="0" presStyleCnt="3" custScaleX="151157" custScaleY="88619" custLinFactNeighborX="-87370" custLinFactNeighborY="2595">
         <dgm:presLayoutVars>
           <dgm:chPref val="3"/>
         </dgm:presLayoutVars>
@@ -7654,7 +7707,7 @@
       <dgm:spPr/>
     </dgm:pt>
     <dgm:pt modelId="{A6764457-61FC-42C4-982E-0A59AEE325A5}" type="pres">
-      <dgm:prSet presAssocID="{C2414482-8F15-4612-8D5C-E489EE543939}" presName="rootText3" presStyleLbl="asst2" presStyleIdx="0" presStyleCnt="3" custScaleX="218457" custScaleY="377237" custLinFactNeighborX="20552" custLinFactNeighborY="95957">
+      <dgm:prSet presAssocID="{C2414482-8F15-4612-8D5C-E489EE543939}" presName="rootText3" presStyleLbl="asst2" presStyleIdx="0" presStyleCnt="3" custScaleX="218457" custScaleY="277386" custLinFactNeighborX="20552" custLinFactNeighborY="95957">
         <dgm:presLayoutVars>
           <dgm:chPref val="3"/>
         </dgm:presLayoutVars>
@@ -7711,7 +7764,7 @@
       <dgm:spPr/>
     </dgm:pt>
     <dgm:pt modelId="{CADE0652-8354-4A90-88AA-970476A78989}" type="pres">
-      <dgm:prSet presAssocID="{03610115-0BC3-4628-92AF-8E502BA59EC8}" presName="rootText" presStyleLbl="node2" presStyleIdx="1" presStyleCnt="3" custScaleX="275578" custScaleY="166804" custLinFactNeighborX="-34096" custLinFactNeighborY="-5479">
+      <dgm:prSet presAssocID="{03610115-0BC3-4628-92AF-8E502BA59EC8}" presName="rootText" presStyleLbl="node2" presStyleIdx="1" presStyleCnt="3" custScaleX="275578" custScaleY="166804" custLinFactX="-17905" custLinFactNeighborX="-100000" custLinFactNeighborY="15989">
         <dgm:presLayoutVars>
           <dgm:chPref val="3"/>
         </dgm:presLayoutVars>
@@ -7768,7 +7821,7 @@
       <dgm:spPr/>
     </dgm:pt>
     <dgm:pt modelId="{B49C1B7F-AAAB-45F8-822D-909FA2221400}" type="pres">
-      <dgm:prSet presAssocID="{BCC27859-13E6-4292-9951-1776702244B6}" presName="rootText3" presStyleLbl="asst2" presStyleIdx="1" presStyleCnt="3" custScaleX="220551" custScaleY="361931" custLinFactNeighborX="40094" custLinFactNeighborY="9653">
+      <dgm:prSet presAssocID="{BCC27859-13E6-4292-9951-1776702244B6}" presName="rootText3" presStyleLbl="asst2" presStyleIdx="1" presStyleCnt="3" custScaleX="282748" custScaleY="270358" custLinFactNeighborX="34678" custLinFactNeighborY="21689">
         <dgm:presLayoutVars>
           <dgm:chPref val="3"/>
         </dgm:presLayoutVars>
@@ -7825,7 +7878,7 @@
       <dgm:spPr/>
     </dgm:pt>
     <dgm:pt modelId="{A196E2DD-6D76-475C-B7F7-7557DDF33801}" type="pres">
-      <dgm:prSet presAssocID="{8685506F-7EAD-4CEF-B071-AF7CAC3B13F6}" presName="rootText" presStyleLbl="node2" presStyleIdx="2" presStyleCnt="3" custScaleX="142369" custScaleY="154561" custLinFactNeighborX="-18423" custLinFactNeighborY="-6126">
+      <dgm:prSet presAssocID="{8685506F-7EAD-4CEF-B071-AF7CAC3B13F6}" presName="rootText" presStyleLbl="node2" presStyleIdx="2" presStyleCnt="3" custScaleX="142369" custScaleY="154561" custLinFactNeighborX="-77321" custLinFactNeighborY="5614">
         <dgm:presLayoutVars>
           <dgm:chPref val="3"/>
         </dgm:presLayoutVars>
@@ -7882,7 +7935,7 @@
       <dgm:spPr/>
     </dgm:pt>
     <dgm:pt modelId="{D3DF0737-B8C9-4078-B43F-0952CFB9222D}" type="pres">
-      <dgm:prSet presAssocID="{E81D3254-B439-4CE4-A038-A1657A68A68E}" presName="rootText3" presStyleLbl="asst2" presStyleIdx="2" presStyleCnt="3" custScaleX="182476" custScaleY="433187" custLinFactNeighborX="75600" custLinFactNeighborY="-16062">
+      <dgm:prSet presAssocID="{E81D3254-B439-4CE4-A038-A1657A68A68E}" presName="rootText3" presStyleLbl="asst2" presStyleIdx="2" presStyleCnt="3" custScaleX="239110" custScaleY="433187" custLinFactNeighborX="44463" custLinFactNeighborY="10753">
         <dgm:presLayoutVars>
           <dgm:chPref val="3"/>
         </dgm:presLayoutVars>
@@ -8477,22 +8530,22 @@
     </dgm:pt>
   </dgm:ptLst>
   <dgm:cxnLst>
+    <dgm:cxn modelId="{F70BC46C-C4E5-4BDD-AB2F-E6392A25640C}" srcId="{9F0C14E1-5E31-4BFB-93EF-64A72EB696B4}" destId="{5DBF101F-0F35-4E21-834F-2D0370F875E2}" srcOrd="0" destOrd="0" parTransId="{DFB5525A-85FE-4DD0-9919-DA9F0CCF7FC1}" sibTransId="{AB19A77E-F43A-4193-A579-3E00E108D152}"/>
     <dgm:cxn modelId="{89668738-4A06-48A0-ADA1-E81F63ABA142}" srcId="{5DBF101F-0F35-4E21-834F-2D0370F875E2}" destId="{3C212A25-0B13-4130-B138-D80FD13744A6}" srcOrd="2" destOrd="0" parTransId="{43412D1B-5E60-443A-8E70-DE9D4E704809}" sibTransId="{7EEE66FA-BF9A-43A0-ADA2-FE1F6E1855D7}"/>
+    <dgm:cxn modelId="{FB50C092-1AC6-447A-8ECA-B92D7932BA37}" type="presOf" srcId="{ED15561D-56C1-4B97-A225-B17AD9CFFD83}" destId="{523C265F-BF3E-45A7-97E7-3CB6F72BBFF0}" srcOrd="0" destOrd="0" presId="urn:microsoft.com/office/officeart/2005/8/layout/orgChart1"/>
+    <dgm:cxn modelId="{823C09DF-4066-4185-B4D2-80B89A1FF3CD}" srcId="{5DBF101F-0F35-4E21-834F-2D0370F875E2}" destId="{ED15561D-56C1-4B97-A225-B17AD9CFFD83}" srcOrd="1" destOrd="0" parTransId="{7D06307E-E72D-4C92-B922-9BC1410121D5}" sibTransId="{E6125EE4-66B5-47EC-B065-D7DAACD1A343}"/>
+    <dgm:cxn modelId="{FD365F2F-1A42-4B78-9ED5-1E84BD2A971D}" type="presOf" srcId="{9F0C14E1-5E31-4BFB-93EF-64A72EB696B4}" destId="{5D0B09FB-389A-42B8-9F76-AC54AAB7446D}" srcOrd="0" destOrd="0" presId="urn:microsoft.com/office/officeart/2005/8/layout/orgChart1"/>
+    <dgm:cxn modelId="{510C79DE-9E9F-4DC0-BC46-80BEFBF40866}" type="presOf" srcId="{67DCA957-B2F3-41EA-A1D6-69F2974D19A1}" destId="{C737B84A-2ADA-4BBE-9EAC-51D285811437}" srcOrd="0" destOrd="0" presId="urn:microsoft.com/office/officeart/2005/8/layout/orgChart1"/>
+    <dgm:cxn modelId="{9535BF3E-6D47-4915-8F7D-26552F5214B9}" type="presOf" srcId="{43412D1B-5E60-443A-8E70-DE9D4E704809}" destId="{F2FABC0A-7D27-41B6-A5B2-1681964D3E93}" srcOrd="0" destOrd="0" presId="urn:microsoft.com/office/officeart/2005/8/layout/orgChart1"/>
+    <dgm:cxn modelId="{BBD27F77-7864-43DF-9B2E-BCB603876EED}" type="presOf" srcId="{7D06307E-E72D-4C92-B922-9BC1410121D5}" destId="{28B83FEF-8929-4CA9-AA29-351DB9B1E4DC}" srcOrd="0" destOrd="0" presId="urn:microsoft.com/office/officeart/2005/8/layout/orgChart1"/>
+    <dgm:cxn modelId="{B98E2DD1-8CE7-407C-8B1A-1A31AFF5E217}" type="presOf" srcId="{FE303ED2-E91E-412E-9437-9D310539077B}" destId="{A906F8A3-A092-4062-9F84-7013F75341DA}" srcOrd="1" destOrd="0" presId="urn:microsoft.com/office/officeart/2005/8/layout/orgChart1"/>
+    <dgm:cxn modelId="{79623BA5-3EE9-492F-9F67-A7A2848E39D4}" type="presOf" srcId="{ED15561D-56C1-4B97-A225-B17AD9CFFD83}" destId="{A5CF2B70-2E8B-4780-B74F-7777095946AC}" srcOrd="1" destOrd="0" presId="urn:microsoft.com/office/officeart/2005/8/layout/orgChart1"/>
+    <dgm:cxn modelId="{12598B40-AE2D-4BF4-A65C-B4CC62CF6BAA}" type="presOf" srcId="{5DBF101F-0F35-4E21-834F-2D0370F875E2}" destId="{0F3F96D0-4A8B-4629-A505-534193085623}" srcOrd="1" destOrd="0" presId="urn:microsoft.com/office/officeart/2005/8/layout/orgChart1"/>
+    <dgm:cxn modelId="{FD7431D9-52DC-4CFA-A587-3A5E27E8B047}" type="presOf" srcId="{FE303ED2-E91E-412E-9437-9D310539077B}" destId="{2614E269-8295-4197-BB5E-0D078F5030B2}" srcOrd="0" destOrd="0" presId="urn:microsoft.com/office/officeart/2005/8/layout/orgChart1"/>
     <dgm:cxn modelId="{82993F7F-9375-4623-BE0F-E11A2ED881FC}" type="presOf" srcId="{3C212A25-0B13-4130-B138-D80FD13744A6}" destId="{254D17AE-BCFB-4A21-A1FA-06E9765EE69A}" srcOrd="1" destOrd="0" presId="urn:microsoft.com/office/officeart/2005/8/layout/orgChart1"/>
-    <dgm:cxn modelId="{823C09DF-4066-4185-B4D2-80B89A1FF3CD}" srcId="{5DBF101F-0F35-4E21-834F-2D0370F875E2}" destId="{ED15561D-56C1-4B97-A225-B17AD9CFFD83}" srcOrd="1" destOrd="0" parTransId="{7D06307E-E72D-4C92-B922-9BC1410121D5}" sibTransId="{E6125EE4-66B5-47EC-B065-D7DAACD1A343}"/>
-    <dgm:cxn modelId="{FB50C092-1AC6-447A-8ECA-B92D7932BA37}" type="presOf" srcId="{ED15561D-56C1-4B97-A225-B17AD9CFFD83}" destId="{523C265F-BF3E-45A7-97E7-3CB6F72BBFF0}" srcOrd="0" destOrd="0" presId="urn:microsoft.com/office/officeart/2005/8/layout/orgChart1"/>
+    <dgm:cxn modelId="{7C4B19F7-C135-41D5-8E39-013674826154}" type="presOf" srcId="{5DBF101F-0F35-4E21-834F-2D0370F875E2}" destId="{0359D7AD-5B93-4C43-9D98-56774F0D5194}" srcOrd="0" destOrd="0" presId="urn:microsoft.com/office/officeart/2005/8/layout/orgChart1"/>
+    <dgm:cxn modelId="{354ECFAA-0650-4348-9089-A5F0F4D0486F}" srcId="{5DBF101F-0F35-4E21-834F-2D0370F875E2}" destId="{FE303ED2-E91E-412E-9437-9D310539077B}" srcOrd="0" destOrd="0" parTransId="{67DCA957-B2F3-41EA-A1D6-69F2974D19A1}" sibTransId="{CE3C1A84-FDCD-4933-B8BB-69E7736BF902}"/>
     <dgm:cxn modelId="{B01D91DC-554F-453D-9B9C-0287793FEF7A}" type="presOf" srcId="{3C212A25-0B13-4130-B138-D80FD13744A6}" destId="{FB88D22D-616A-4763-8730-376C7E899E79}" srcOrd="0" destOrd="0" presId="urn:microsoft.com/office/officeart/2005/8/layout/orgChart1"/>
-    <dgm:cxn modelId="{F70BC46C-C4E5-4BDD-AB2F-E6392A25640C}" srcId="{9F0C14E1-5E31-4BFB-93EF-64A72EB696B4}" destId="{5DBF101F-0F35-4E21-834F-2D0370F875E2}" srcOrd="0" destOrd="0" parTransId="{DFB5525A-85FE-4DD0-9919-DA9F0CCF7FC1}" sibTransId="{AB19A77E-F43A-4193-A579-3E00E108D152}"/>
-    <dgm:cxn modelId="{FD7431D9-52DC-4CFA-A587-3A5E27E8B047}" type="presOf" srcId="{FE303ED2-E91E-412E-9437-9D310539077B}" destId="{2614E269-8295-4197-BB5E-0D078F5030B2}" srcOrd="0" destOrd="0" presId="urn:microsoft.com/office/officeart/2005/8/layout/orgChart1"/>
-    <dgm:cxn modelId="{7C4B19F7-C135-41D5-8E39-013674826154}" type="presOf" srcId="{5DBF101F-0F35-4E21-834F-2D0370F875E2}" destId="{0359D7AD-5B93-4C43-9D98-56774F0D5194}" srcOrd="0" destOrd="0" presId="urn:microsoft.com/office/officeart/2005/8/layout/orgChart1"/>
-    <dgm:cxn modelId="{B98E2DD1-8CE7-407C-8B1A-1A31AFF5E217}" type="presOf" srcId="{FE303ED2-E91E-412E-9437-9D310539077B}" destId="{A906F8A3-A092-4062-9F84-7013F75341DA}" srcOrd="1" destOrd="0" presId="urn:microsoft.com/office/officeart/2005/8/layout/orgChart1"/>
-    <dgm:cxn modelId="{510C79DE-9E9F-4DC0-BC46-80BEFBF40866}" type="presOf" srcId="{67DCA957-B2F3-41EA-A1D6-69F2974D19A1}" destId="{C737B84A-2ADA-4BBE-9EAC-51D285811437}" srcOrd="0" destOrd="0" presId="urn:microsoft.com/office/officeart/2005/8/layout/orgChart1"/>
-    <dgm:cxn modelId="{BBD27F77-7864-43DF-9B2E-BCB603876EED}" type="presOf" srcId="{7D06307E-E72D-4C92-B922-9BC1410121D5}" destId="{28B83FEF-8929-4CA9-AA29-351DB9B1E4DC}" srcOrd="0" destOrd="0" presId="urn:microsoft.com/office/officeart/2005/8/layout/orgChart1"/>
-    <dgm:cxn modelId="{FD365F2F-1A42-4B78-9ED5-1E84BD2A971D}" type="presOf" srcId="{9F0C14E1-5E31-4BFB-93EF-64A72EB696B4}" destId="{5D0B09FB-389A-42B8-9F76-AC54AAB7446D}" srcOrd="0" destOrd="0" presId="urn:microsoft.com/office/officeart/2005/8/layout/orgChart1"/>
-    <dgm:cxn modelId="{79623BA5-3EE9-492F-9F67-A7A2848E39D4}" type="presOf" srcId="{ED15561D-56C1-4B97-A225-B17AD9CFFD83}" destId="{A5CF2B70-2E8B-4780-B74F-7777095946AC}" srcOrd="1" destOrd="0" presId="urn:microsoft.com/office/officeart/2005/8/layout/orgChart1"/>
-    <dgm:cxn modelId="{354ECFAA-0650-4348-9089-A5F0F4D0486F}" srcId="{5DBF101F-0F35-4E21-834F-2D0370F875E2}" destId="{FE303ED2-E91E-412E-9437-9D310539077B}" srcOrd="0" destOrd="0" parTransId="{67DCA957-B2F3-41EA-A1D6-69F2974D19A1}" sibTransId="{CE3C1A84-FDCD-4933-B8BB-69E7736BF902}"/>
-    <dgm:cxn modelId="{9535BF3E-6D47-4915-8F7D-26552F5214B9}" type="presOf" srcId="{43412D1B-5E60-443A-8E70-DE9D4E704809}" destId="{F2FABC0A-7D27-41B6-A5B2-1681964D3E93}" srcOrd="0" destOrd="0" presId="urn:microsoft.com/office/officeart/2005/8/layout/orgChart1"/>
-    <dgm:cxn modelId="{12598B40-AE2D-4BF4-A65C-B4CC62CF6BAA}" type="presOf" srcId="{5DBF101F-0F35-4E21-834F-2D0370F875E2}" destId="{0F3F96D0-4A8B-4629-A505-534193085623}" srcOrd="1" destOrd="0" presId="urn:microsoft.com/office/officeart/2005/8/layout/orgChart1"/>
     <dgm:cxn modelId="{F3D59A19-B586-4E2E-B3DD-350E8083E5C6}" type="presParOf" srcId="{5D0B09FB-389A-42B8-9F76-AC54AAB7446D}" destId="{AF9557CA-7D0B-407C-B122-3806D3B80045}" srcOrd="0" destOrd="0" presId="urn:microsoft.com/office/officeart/2005/8/layout/orgChart1"/>
     <dgm:cxn modelId="{8CD5B951-A4B9-482B-984E-327DC9B435E8}" type="presParOf" srcId="{AF9557CA-7D0B-407C-B122-3806D3B80045}" destId="{C76704DA-2A6C-4F8D-B746-4F85018CD45A}" srcOrd="0" destOrd="0" presId="urn:microsoft.com/office/officeart/2005/8/layout/orgChart1"/>
     <dgm:cxn modelId="{EA691761-E62C-48CB-8E95-889D13D86C94}" type="presParOf" srcId="{C76704DA-2A6C-4F8D-B746-4F85018CD45A}" destId="{0359D7AD-5B93-4C43-9D98-56774F0D5194}" srcOrd="0" destOrd="0" presId="urn:microsoft.com/office/officeart/2005/8/layout/orgChart1"/>
@@ -9868,18 +9921,18 @@
     </dgm:pt>
   </dgm:ptLst>
   <dgm:cxnLst>
+    <dgm:cxn modelId="{1A9B7C33-D180-4BAD-BAB0-48F9CC52E7D7}" srcId="{36FF7C4C-C18C-46F5-8FE8-C426B93A9095}" destId="{47581A9E-5E40-406D-BE0A-38AA3E89F7F8}" srcOrd="0" destOrd="0" parTransId="{B9257DBC-4964-4109-BE29-5A9463C79B30}" sibTransId="{36D4FCD3-96C9-4F49-A64F-A25212C98BE3}"/>
     <dgm:cxn modelId="{3F461B40-14D3-4DE0-B156-B004FD9F8ED9}" type="presOf" srcId="{F53C9289-97E1-4D2D-97C9-1AAC80980444}" destId="{066BF7EA-934B-4060-B6BF-0796EB1E4F44}" srcOrd="0" destOrd="0" presId="urn:microsoft.com/office/officeart/2005/8/layout/orgChart1"/>
+    <dgm:cxn modelId="{9FC334A9-4E29-4794-8BF1-2134E895F76D}" type="presOf" srcId="{EEC3C2B6-CCB3-4CDB-84D9-93741BAF41A2}" destId="{54470973-FF4C-4094-83FC-25652F5582EF}" srcOrd="1" destOrd="0" presId="urn:microsoft.com/office/officeart/2005/8/layout/orgChart1"/>
+    <dgm:cxn modelId="{8AB80DB9-7B40-4065-83A0-8DAD0D36E386}" type="presOf" srcId="{EFFAFC6C-F906-450E-8595-D15AC71B243F}" destId="{973CA2BD-28A9-4084-9A56-C43D3E3B0316}" srcOrd="0" destOrd="0" presId="urn:microsoft.com/office/officeart/2005/8/layout/orgChart1"/>
     <dgm:cxn modelId="{9FD2703E-D7D4-488C-B86F-89B4AAEC8866}" type="presOf" srcId="{5026F749-70FD-4720-9858-7B81314E8CF0}" destId="{ACDE8485-05B1-406B-AD3C-368A19FF8F21}" srcOrd="0" destOrd="0" presId="urn:microsoft.com/office/officeart/2005/8/layout/orgChart1"/>
-    <dgm:cxn modelId="{1A9B7C33-D180-4BAD-BAB0-48F9CC52E7D7}" srcId="{36FF7C4C-C18C-46F5-8FE8-C426B93A9095}" destId="{47581A9E-5E40-406D-BE0A-38AA3E89F7F8}" srcOrd="0" destOrd="0" parTransId="{B9257DBC-4964-4109-BE29-5A9463C79B30}" sibTransId="{36D4FCD3-96C9-4F49-A64F-A25212C98BE3}"/>
+    <dgm:cxn modelId="{BC82667A-EDA1-43CA-B93C-FF9003F535FB}" srcId="{47581A9E-5E40-406D-BE0A-38AA3E89F7F8}" destId="{5026F749-70FD-4720-9858-7B81314E8CF0}" srcOrd="0" destOrd="0" parTransId="{F53C9289-97E1-4D2D-97C9-1AAC80980444}" sibTransId="{1A494AB9-3AE1-4FA4-9DB7-96C622E19841}"/>
+    <dgm:cxn modelId="{3BFAD681-DCC6-47B1-AAF1-2EEA17BB839A}" type="presOf" srcId="{47581A9E-5E40-406D-BE0A-38AA3E89F7F8}" destId="{36FDA7F1-3CE0-45DA-99EE-C2DAE976718C}" srcOrd="0" destOrd="0" presId="urn:microsoft.com/office/officeart/2005/8/layout/orgChart1"/>
+    <dgm:cxn modelId="{5D9FF610-E795-476D-86FC-E015F8FDA489}" srcId="{47581A9E-5E40-406D-BE0A-38AA3E89F7F8}" destId="{EEC3C2B6-CCB3-4CDB-84D9-93741BAF41A2}" srcOrd="1" destOrd="0" parTransId="{EFFAFC6C-F906-450E-8595-D15AC71B243F}" sibTransId="{F512F933-B839-42F7-8E57-EDFA719F737F}"/>
     <dgm:cxn modelId="{12C6268D-B3F0-4C5C-B9B7-4269BF5D55F1}" type="presOf" srcId="{47581A9E-5E40-406D-BE0A-38AA3E89F7F8}" destId="{7C14404F-4974-49DB-96E9-942AA1195F7A}" srcOrd="1" destOrd="0" presId="urn:microsoft.com/office/officeart/2005/8/layout/orgChart1"/>
-    <dgm:cxn modelId="{5D9FF610-E795-476D-86FC-E015F8FDA489}" srcId="{47581A9E-5E40-406D-BE0A-38AA3E89F7F8}" destId="{EEC3C2B6-CCB3-4CDB-84D9-93741BAF41A2}" srcOrd="1" destOrd="0" parTransId="{EFFAFC6C-F906-450E-8595-D15AC71B243F}" sibTransId="{F512F933-B839-42F7-8E57-EDFA719F737F}"/>
-    <dgm:cxn modelId="{8AB80DB9-7B40-4065-83A0-8DAD0D36E386}" type="presOf" srcId="{EFFAFC6C-F906-450E-8595-D15AC71B243F}" destId="{973CA2BD-28A9-4084-9A56-C43D3E3B0316}" srcOrd="0" destOrd="0" presId="urn:microsoft.com/office/officeart/2005/8/layout/orgChart1"/>
-    <dgm:cxn modelId="{9FC334A9-4E29-4794-8BF1-2134E895F76D}" type="presOf" srcId="{EEC3C2B6-CCB3-4CDB-84D9-93741BAF41A2}" destId="{54470973-FF4C-4094-83FC-25652F5582EF}" srcOrd="1" destOrd="0" presId="urn:microsoft.com/office/officeart/2005/8/layout/orgChart1"/>
     <dgm:cxn modelId="{5C91C76A-FC00-4920-9159-50F3665C6692}" type="presOf" srcId="{5026F749-70FD-4720-9858-7B81314E8CF0}" destId="{5ABA39A4-A26D-4F82-AF53-3A39C640F9C3}" srcOrd="1" destOrd="0" presId="urn:microsoft.com/office/officeart/2005/8/layout/orgChart1"/>
+    <dgm:cxn modelId="{E0C3EF0D-090E-4E04-B581-91BAC77C7E75}" type="presOf" srcId="{EEC3C2B6-CCB3-4CDB-84D9-93741BAF41A2}" destId="{07BD9B31-3415-4AE7-BD62-D4E049D8396D}" srcOrd="0" destOrd="0" presId="urn:microsoft.com/office/officeart/2005/8/layout/orgChart1"/>
     <dgm:cxn modelId="{FF9EFE8B-F6D5-4585-A95F-EFE7E2BAD83F}" type="presOf" srcId="{36FF7C4C-C18C-46F5-8FE8-C426B93A9095}" destId="{F28535A8-9D85-4AB8-B7C4-4EDBC1F9E41B}" srcOrd="0" destOrd="0" presId="urn:microsoft.com/office/officeart/2005/8/layout/orgChart1"/>
-    <dgm:cxn modelId="{E0C3EF0D-090E-4E04-B581-91BAC77C7E75}" type="presOf" srcId="{EEC3C2B6-CCB3-4CDB-84D9-93741BAF41A2}" destId="{07BD9B31-3415-4AE7-BD62-D4E049D8396D}" srcOrd="0" destOrd="0" presId="urn:microsoft.com/office/officeart/2005/8/layout/orgChart1"/>
-    <dgm:cxn modelId="{3BFAD681-DCC6-47B1-AAF1-2EEA17BB839A}" type="presOf" srcId="{47581A9E-5E40-406D-BE0A-38AA3E89F7F8}" destId="{36FDA7F1-3CE0-45DA-99EE-C2DAE976718C}" srcOrd="0" destOrd="0" presId="urn:microsoft.com/office/officeart/2005/8/layout/orgChart1"/>
-    <dgm:cxn modelId="{BC82667A-EDA1-43CA-B93C-FF9003F535FB}" srcId="{47581A9E-5E40-406D-BE0A-38AA3E89F7F8}" destId="{5026F749-70FD-4720-9858-7B81314E8CF0}" srcOrd="0" destOrd="0" parTransId="{F53C9289-97E1-4D2D-97C9-1AAC80980444}" sibTransId="{1A494AB9-3AE1-4FA4-9DB7-96C622E19841}"/>
     <dgm:cxn modelId="{F6821DBF-9971-46BE-A30B-50B3DE2134F5}" type="presParOf" srcId="{F28535A8-9D85-4AB8-B7C4-4EDBC1F9E41B}" destId="{1CB2309C-DD81-4BD9-A73C-645D5FDB1293}" srcOrd="0" destOrd="0" presId="urn:microsoft.com/office/officeart/2005/8/layout/orgChart1"/>
     <dgm:cxn modelId="{E911AD6C-0919-436D-B78F-19613774E640}" type="presParOf" srcId="{1CB2309C-DD81-4BD9-A73C-645D5FDB1293}" destId="{A2FA31AE-5C86-4A6F-87F7-2ACB8FE62327}" srcOrd="0" destOrd="0" presId="urn:microsoft.com/office/officeart/2005/8/layout/orgChart1"/>
     <dgm:cxn modelId="{3675E7BE-30B3-46E8-8476-632CA79381E9}" type="presParOf" srcId="{A2FA31AE-5C86-4A6F-87F7-2ACB8FE62327}" destId="{36FDA7F1-3CE0-45DA-99EE-C2DAE976718C}" srcOrd="0" destOrd="0" presId="urn:microsoft.com/office/officeart/2005/8/layout/orgChart1"/>
@@ -9925,48 +9978,6 @@
         </a:p>
       </dgm:t>
     </dgm:pt>
-    <dgm:pt modelId="{544891E5-0AC2-49C4-A57A-10FC062AB23A}">
-      <dgm:prSet phldrT="[Text]" custT="1"/>
-      <dgm:spPr/>
-      <dgm:t>
-        <a:bodyPr/>
-        <a:lstStyle/>
-        <a:p>
-          <a:pPr algn="ctr"/>
-          <a:r>
-            <a:rPr lang="en-US" sz="6000" dirty="0" smtClean="0">
-              <a:solidFill>
-                <a:srgbClr val="FFFF00"/>
-              </a:solidFill>
-              <a:latin typeface="Informal Roman" panose="030604020304060B0204" pitchFamily="66" charset="0"/>
-            </a:rPr>
-            <a:t>Methods</a:t>
-          </a:r>
-        </a:p>
-      </dgm:t>
-    </dgm:pt>
-    <dgm:pt modelId="{69FE6FDD-5B54-449D-8D7C-F56E78A9F643}" type="parTrans" cxnId="{A0BBE716-A7A9-468E-BB64-3A15FCAA950F}">
-      <dgm:prSet/>
-      <dgm:spPr/>
-      <dgm:t>
-        <a:bodyPr/>
-        <a:lstStyle/>
-        <a:p>
-          <a:endParaRPr lang="en-US"/>
-        </a:p>
-      </dgm:t>
-    </dgm:pt>
-    <dgm:pt modelId="{A85B3D82-7477-4B62-AD89-29F8F100260F}" type="sibTrans" cxnId="{A0BBE716-A7A9-468E-BB64-3A15FCAA950F}">
-      <dgm:prSet/>
-      <dgm:spPr/>
-      <dgm:t>
-        <a:bodyPr/>
-        <a:lstStyle/>
-        <a:p>
-          <a:endParaRPr lang="en-US"/>
-        </a:p>
-      </dgm:t>
-    </dgm:pt>
     <dgm:pt modelId="{712D151D-5B39-44A9-A5B3-82EC3A90BFBB}" type="pres">
       <dgm:prSet presAssocID="{338807A1-C154-4E09-B942-A334C45BEC77}" presName="hierChild1" presStyleCnt="0">
         <dgm:presLayoutVars>
@@ -9987,64 +9998,9 @@
         </a:p>
       </dgm:t>
     </dgm:pt>
-    <dgm:pt modelId="{AD418E35-EA7C-4826-AC88-08CD87032C97}" type="pres">
-      <dgm:prSet presAssocID="{544891E5-0AC2-49C4-A57A-10FC062AB23A}" presName="hierRoot1" presStyleCnt="0">
-        <dgm:presLayoutVars>
-          <dgm:hierBranch val="init"/>
-        </dgm:presLayoutVars>
-      </dgm:prSet>
-      <dgm:spPr/>
-    </dgm:pt>
-    <dgm:pt modelId="{A5D29C03-690C-4BA4-875F-E404C2BD021A}" type="pres">
-      <dgm:prSet presAssocID="{544891E5-0AC2-49C4-A57A-10FC062AB23A}" presName="rootComposite1" presStyleCnt="0"/>
-      <dgm:spPr/>
-    </dgm:pt>
-    <dgm:pt modelId="{451D6CD2-E606-4933-A45B-9415248AF59D}" type="pres">
-      <dgm:prSet presAssocID="{544891E5-0AC2-49C4-A57A-10FC062AB23A}" presName="rootText1" presStyleLbl="node0" presStyleIdx="0" presStyleCnt="1" custScaleX="40818" custScaleY="4444" custLinFactNeighborX="-41" custLinFactNeighborY="-18888">
-        <dgm:presLayoutVars>
-          <dgm:chPref val="3"/>
-        </dgm:presLayoutVars>
-      </dgm:prSet>
-      <dgm:spPr/>
-      <dgm:t>
-        <a:bodyPr/>
-        <a:lstStyle/>
-        <a:p>
-          <a:endParaRPr lang="en-US"/>
-        </a:p>
-      </dgm:t>
-    </dgm:pt>
-    <dgm:pt modelId="{065E86E2-8C83-4F2B-BDCD-30E9B5DAD42F}" type="pres">
-      <dgm:prSet presAssocID="{544891E5-0AC2-49C4-A57A-10FC062AB23A}" presName="rootConnector1" presStyleLbl="node1" presStyleIdx="0" presStyleCnt="0"/>
-      <dgm:spPr/>
-      <dgm:t>
-        <a:bodyPr/>
-        <a:lstStyle/>
-        <a:p>
-          <a:endParaRPr lang="en-US"/>
-        </a:p>
-      </dgm:t>
-    </dgm:pt>
-    <dgm:pt modelId="{49A71CAC-2215-473C-82EC-CF36D22387AF}" type="pres">
-      <dgm:prSet presAssocID="{544891E5-0AC2-49C4-A57A-10FC062AB23A}" presName="hierChild2" presStyleCnt="0"/>
-      <dgm:spPr/>
-    </dgm:pt>
-    <dgm:pt modelId="{85404E83-9B1D-4D7E-A96F-C91BA4C2DA60}" type="pres">
-      <dgm:prSet presAssocID="{544891E5-0AC2-49C4-A57A-10FC062AB23A}" presName="hierChild3" presStyleCnt="0"/>
-      <dgm:spPr/>
-    </dgm:pt>
   </dgm:ptLst>
   <dgm:cxnLst>
-    <dgm:cxn modelId="{81B15152-E446-42FA-A0CF-86F3CB8E45CC}" type="presOf" srcId="{544891E5-0AC2-49C4-A57A-10FC062AB23A}" destId="{065E86E2-8C83-4F2B-BDCD-30E9B5DAD42F}" srcOrd="1" destOrd="0" presId="urn:microsoft.com/office/officeart/2005/8/layout/orgChart1"/>
-    <dgm:cxn modelId="{5C0040F1-B18E-4F82-9F53-6883EC26966C}" type="presOf" srcId="{544891E5-0AC2-49C4-A57A-10FC062AB23A}" destId="{451D6CD2-E606-4933-A45B-9415248AF59D}" srcOrd="0" destOrd="0" presId="urn:microsoft.com/office/officeart/2005/8/layout/orgChart1"/>
-    <dgm:cxn modelId="{A0BBE716-A7A9-468E-BB64-3A15FCAA950F}" srcId="{338807A1-C154-4E09-B942-A334C45BEC77}" destId="{544891E5-0AC2-49C4-A57A-10FC062AB23A}" srcOrd="0" destOrd="0" parTransId="{69FE6FDD-5B54-449D-8D7C-F56E78A9F643}" sibTransId="{A85B3D82-7477-4B62-AD89-29F8F100260F}"/>
     <dgm:cxn modelId="{899113E5-9D3B-47CD-8BCD-E5C3EDD9363C}" type="presOf" srcId="{338807A1-C154-4E09-B942-A334C45BEC77}" destId="{712D151D-5B39-44A9-A5B3-82EC3A90BFBB}" srcOrd="0" destOrd="0" presId="urn:microsoft.com/office/officeart/2005/8/layout/orgChart1"/>
-    <dgm:cxn modelId="{62387969-87B3-45EF-ABDE-6FE01CBD04C1}" type="presParOf" srcId="{712D151D-5B39-44A9-A5B3-82EC3A90BFBB}" destId="{AD418E35-EA7C-4826-AC88-08CD87032C97}" srcOrd="0" destOrd="0" presId="urn:microsoft.com/office/officeart/2005/8/layout/orgChart1"/>
-    <dgm:cxn modelId="{C0A234AF-FB5B-4832-95A4-5CF337FC4B9F}" type="presParOf" srcId="{AD418E35-EA7C-4826-AC88-08CD87032C97}" destId="{A5D29C03-690C-4BA4-875F-E404C2BD021A}" srcOrd="0" destOrd="0" presId="urn:microsoft.com/office/officeart/2005/8/layout/orgChart1"/>
-    <dgm:cxn modelId="{D916915C-DBB2-4DE6-8376-A46AEA87C392}" type="presParOf" srcId="{A5D29C03-690C-4BA4-875F-E404C2BD021A}" destId="{451D6CD2-E606-4933-A45B-9415248AF59D}" srcOrd="0" destOrd="0" presId="urn:microsoft.com/office/officeart/2005/8/layout/orgChart1"/>
-    <dgm:cxn modelId="{8996E999-909D-4EBC-A386-5753F6F57F5D}" type="presParOf" srcId="{A5D29C03-690C-4BA4-875F-E404C2BD021A}" destId="{065E86E2-8C83-4F2B-BDCD-30E9B5DAD42F}" srcOrd="1" destOrd="0" presId="urn:microsoft.com/office/officeart/2005/8/layout/orgChart1"/>
-    <dgm:cxn modelId="{25E2AA0C-536E-487C-9A54-E08E3D90534B}" type="presParOf" srcId="{AD418E35-EA7C-4826-AC88-08CD87032C97}" destId="{49A71CAC-2215-473C-82EC-CF36D22387AF}" srcOrd="1" destOrd="0" presId="urn:microsoft.com/office/officeart/2005/8/layout/orgChart1"/>
-    <dgm:cxn modelId="{B0C3A9D0-E59D-4517-BBB5-4A0D100F6ADD}" type="presParOf" srcId="{AD418E35-EA7C-4826-AC88-08CD87032C97}" destId="{85404E83-9B1D-4D7E-A96F-C91BA4C2DA60}" srcOrd="2" destOrd="0" presId="urn:microsoft.com/office/officeart/2005/8/layout/orgChart1"/>
   </dgm:cxnLst>
   <dgm:bg/>
   <dgm:whole/>
@@ -10864,12 +10820,12 @@
         </a:fontRef>
       </dsp:style>
       <dsp:txBody>
-        <a:bodyPr spcFirstLastPara="0" vert="horz" wrap="square" lIns="25400" tIns="25400" rIns="25400" bIns="25400" numCol="1" spcCol="1270" anchor="ctr" anchorCtr="0">
+        <a:bodyPr spcFirstLastPara="0" vert="horz" wrap="square" lIns="10160" tIns="10160" rIns="10160" bIns="10160" numCol="1" spcCol="1270" anchor="ctr" anchorCtr="0">
           <a:noAutofit/>
         </a:bodyPr>
         <a:lstStyle/>
         <a:p>
-          <a:pPr lvl="0" algn="ctr" defTabSz="1778000">
+          <a:pPr lvl="0" algn="ctr" defTabSz="711200">
             <a:lnSpc>
               <a:spcPct val="90000"/>
             </a:lnSpc>
@@ -10881,19 +10837,19 @@
             </a:spcAft>
           </a:pPr>
           <a:r>
-            <a:rPr lang="en-US" sz="4000" kern="1200" dirty="0" smtClean="0">
+            <a:rPr lang="en-US" sz="1600" kern="1200" dirty="0" smtClean="0">
               <a:solidFill>
                 <a:srgbClr val="FFFF00"/>
               </a:solidFill>
-              <a:latin typeface="Informal Roman" panose="030604020304060B0204" pitchFamily="66" charset="0"/>
+              <a:latin typeface="Constantia" panose="02030602050306030303" pitchFamily="18" charset="0"/>
             </a:rPr>
             <a:t>Primitive Types &amp; Variables</a:t>
           </a:r>
-          <a:endParaRPr lang="en-US" sz="4000" kern="1200" dirty="0">
+          <a:endParaRPr lang="en-US" sz="1600" kern="1200" dirty="0">
             <a:solidFill>
               <a:srgbClr val="FFFF00"/>
             </a:solidFill>
-            <a:latin typeface="Informal Roman" panose="030604020304060B0204" pitchFamily="66" charset="0"/>
+            <a:latin typeface="Constantia" panose="02030602050306030303" pitchFamily="18" charset="0"/>
           </a:endParaRPr>
         </a:p>
       </dsp:txBody>
@@ -10951,12 +10907,12 @@
         </a:fontRef>
       </dsp:style>
       <dsp:txBody>
-        <a:bodyPr spcFirstLastPara="0" vert="horz" wrap="square" lIns="25400" tIns="25400" rIns="25400" bIns="25400" numCol="1" spcCol="1270" anchor="ctr" anchorCtr="0">
+        <a:bodyPr spcFirstLastPara="0" vert="horz" wrap="square" lIns="10160" tIns="10160" rIns="10160" bIns="10160" numCol="1" spcCol="1270" anchor="ctr" anchorCtr="0">
           <a:noAutofit/>
         </a:bodyPr>
         <a:lstStyle/>
         <a:p>
-          <a:pPr lvl="0" algn="ctr" defTabSz="1778000">
+          <a:pPr lvl="0" algn="ctr" defTabSz="711200">
             <a:lnSpc>
               <a:spcPct val="90000"/>
             </a:lnSpc>
@@ -10968,13 +10924,13 @@
             </a:spcAft>
           </a:pPr>
           <a:r>
-            <a:rPr lang="en-US" sz="4000" kern="1200" dirty="0" smtClean="0">
-              <a:latin typeface="Informal Roman" panose="030604020304060B0204" pitchFamily="66" charset="0"/>
+            <a:rPr lang="en-US" sz="1600" kern="1200" dirty="0" smtClean="0">
+              <a:latin typeface="Constantia" panose="02030602050306030303" pitchFamily="18" charset="0"/>
             </a:rPr>
             <a:t>Data Types</a:t>
           </a:r>
-          <a:endParaRPr lang="en-US" sz="4000" kern="1200" dirty="0">
-            <a:latin typeface="Informal Roman" panose="030604020304060B0204" pitchFamily="66" charset="0"/>
+          <a:endParaRPr lang="en-US" sz="1600" kern="1200" dirty="0">
+            <a:latin typeface="Constantia" panose="02030602050306030303" pitchFamily="18" charset="0"/>
           </a:endParaRPr>
         </a:p>
       </dsp:txBody>
@@ -11032,12 +10988,12 @@
         </a:fontRef>
       </dsp:style>
       <dsp:txBody>
-        <a:bodyPr spcFirstLastPara="0" vert="horz" wrap="square" lIns="15240" tIns="15240" rIns="15240" bIns="15240" numCol="1" spcCol="1270" anchor="ctr" anchorCtr="0">
+        <a:bodyPr spcFirstLastPara="0" vert="horz" wrap="square" lIns="10160" tIns="10160" rIns="10160" bIns="10160" numCol="1" spcCol="1270" anchor="ctr" anchorCtr="0">
           <a:noAutofit/>
         </a:bodyPr>
         <a:lstStyle/>
         <a:p>
-          <a:pPr lvl="0" algn="l" defTabSz="1066800">
+          <a:pPr lvl="0" algn="just" defTabSz="711200">
             <a:lnSpc>
               <a:spcPct val="90000"/>
             </a:lnSpc>
@@ -11049,35 +11005,35 @@
             </a:spcAft>
           </a:pPr>
           <a:r>
-            <a:rPr lang="en-US" sz="2400" b="1" kern="1200" dirty="0" smtClean="0">
-              <a:latin typeface="Buxton Sketch" panose="03080500000500000004" pitchFamily="66" charset="0"/>
+            <a:rPr lang="en-US" sz="1600" b="1" kern="1200" dirty="0" smtClean="0">
+              <a:latin typeface="Constantia" panose="02030602050306030303" pitchFamily="18" charset="0"/>
             </a:rPr>
             <a:t>- </a:t>
           </a:r>
           <a:r>
-            <a:rPr lang="en-US" sz="2400" b="1" kern="1200" dirty="0" smtClean="0">
+            <a:rPr lang="en-US" sz="1600" b="1" kern="1200" dirty="0" smtClean="0">
               <a:solidFill>
                 <a:schemeClr val="bg1"/>
               </a:solidFill>
-              <a:latin typeface="Buxton Sketch" panose="03080500000500000004" pitchFamily="66" charset="0"/>
+              <a:latin typeface="Constantia" panose="02030602050306030303" pitchFamily="18" charset="0"/>
             </a:rPr>
             <a:t>Name: </a:t>
           </a:r>
           <a:r>
-            <a:rPr lang="en-US" sz="2400" b="1" kern="1200" dirty="0" err="1" smtClean="0">
-              <a:latin typeface="Buxton Sketch" panose="03080500000500000004" pitchFamily="66" charset="0"/>
+            <a:rPr lang="en-US" sz="1600" b="1" kern="1200" dirty="0" err="1" smtClean="0">
+              <a:latin typeface="Constantia" panose="02030602050306030303" pitchFamily="18" charset="0"/>
             </a:rPr>
             <a:t>int</a:t>
           </a:r>
           <a:r>
-            <a:rPr lang="en-US" sz="2400" b="1" kern="1200" dirty="0" smtClean="0">
-              <a:latin typeface="Buxton Sketch" panose="03080500000500000004" pitchFamily="66" charset="0"/>
+            <a:rPr lang="en-US" sz="1600" b="1" kern="1200" dirty="0" smtClean="0">
+              <a:latin typeface="Constantia" panose="02030602050306030303" pitchFamily="18" charset="0"/>
             </a:rPr>
             <a:t>, double, string, char</a:t>
           </a:r>
         </a:p>
         <a:p>
-          <a:pPr lvl="0" algn="l" defTabSz="1066800">
+          <a:pPr lvl="0" algn="just" defTabSz="711200">
             <a:lnSpc>
               <a:spcPct val="90000"/>
             </a:lnSpc>
@@ -11089,29 +11045,29 @@
             </a:spcAft>
           </a:pPr>
           <a:r>
-            <a:rPr lang="en-US" sz="2400" b="1" kern="1200" dirty="0" smtClean="0">
-              <a:latin typeface="Buxton Sketch" panose="03080500000500000004" pitchFamily="66" charset="0"/>
+            <a:rPr lang="en-US" sz="1600" b="1" kern="1200" dirty="0" smtClean="0">
+              <a:latin typeface="Constantia" panose="02030602050306030303" pitchFamily="18" charset="0"/>
             </a:rPr>
             <a:t>- </a:t>
           </a:r>
           <a:r>
-            <a:rPr lang="en-US" sz="2400" b="1" kern="1200" dirty="0" smtClean="0">
+            <a:rPr lang="en-US" sz="1600" b="1" kern="1200" dirty="0" smtClean="0">
               <a:solidFill>
                 <a:schemeClr val="bg1"/>
               </a:solidFill>
-              <a:latin typeface="Buxton Sketch" panose="03080500000500000004" pitchFamily="66" charset="0"/>
+              <a:latin typeface="Constantia" panose="02030602050306030303" pitchFamily="18" charset="0"/>
             </a:rPr>
             <a:t>Size: </a:t>
           </a:r>
           <a:r>
-            <a:rPr lang="en-US" sz="2400" b="1" kern="1200" dirty="0" smtClean="0">
-              <a:latin typeface="Buxton Sketch" panose="03080500000500000004" pitchFamily="66" charset="0"/>
+            <a:rPr lang="en-US" sz="1600" b="1" kern="1200" dirty="0" smtClean="0">
+              <a:latin typeface="Constantia" panose="02030602050306030303" pitchFamily="18" charset="0"/>
             </a:rPr>
             <a:t>4 bytes, 16 bytes ….</a:t>
           </a:r>
         </a:p>
         <a:p>
-          <a:pPr lvl="0" algn="l" defTabSz="1066800">
+          <a:pPr lvl="0" algn="just" defTabSz="711200">
             <a:lnSpc>
               <a:spcPct val="90000"/>
             </a:lnSpc>
@@ -11123,29 +11079,29 @@
             </a:spcAft>
           </a:pPr>
           <a:r>
-            <a:rPr lang="en-US" sz="2400" b="1" kern="1200" dirty="0" smtClean="0">
-              <a:latin typeface="Buxton Sketch" panose="03080500000500000004" pitchFamily="66" charset="0"/>
+            <a:rPr lang="en-US" sz="1600" b="1" kern="1200" dirty="0" smtClean="0">
+              <a:latin typeface="Constantia" panose="02030602050306030303" pitchFamily="18" charset="0"/>
             </a:rPr>
             <a:t>- </a:t>
           </a:r>
           <a:r>
-            <a:rPr lang="en-US" sz="2400" b="1" kern="1200" dirty="0" smtClean="0">
+            <a:rPr lang="en-US" sz="1600" b="1" kern="1200" dirty="0" smtClean="0">
               <a:solidFill>
                 <a:schemeClr val="bg1"/>
               </a:solidFill>
-              <a:latin typeface="Buxton Sketch" panose="03080500000500000004" pitchFamily="66" charset="0"/>
+              <a:latin typeface="Constantia" panose="02030602050306030303" pitchFamily="18" charset="0"/>
             </a:rPr>
             <a:t>Default value: </a:t>
           </a:r>
           <a:r>
-            <a:rPr lang="en-US" sz="2400" b="1" kern="1200" dirty="0" smtClean="0">
-              <a:latin typeface="Buxton Sketch" panose="03080500000500000004" pitchFamily="66" charset="0"/>
+            <a:rPr lang="en-US" sz="1600" b="1" kern="1200" dirty="0" smtClean="0">
+              <a:latin typeface="Constantia" panose="02030602050306030303" pitchFamily="18" charset="0"/>
             </a:rPr>
             <a:t>0, null …</a:t>
           </a:r>
         </a:p>
         <a:p>
-          <a:pPr lvl="0" algn="ctr" defTabSz="1066800">
+          <a:pPr lvl="0" algn="just" defTabSz="711200">
             <a:lnSpc>
               <a:spcPct val="90000"/>
             </a:lnSpc>
@@ -11157,17 +11113,17 @@
             </a:spcAft>
           </a:pPr>
           <a:r>
-            <a:rPr lang="en-US" sz="2400" b="1" kern="1200" dirty="0" smtClean="0">
+            <a:rPr lang="en-US" sz="1600" b="1" kern="1200" dirty="0" smtClean="0">
               <a:solidFill>
                 <a:srgbClr val="FFFF00"/>
               </a:solidFill>
-              <a:latin typeface="Buxton Sketch" panose="03080500000500000004" pitchFamily="66" charset="0"/>
+              <a:latin typeface="Constantia" panose="02030602050306030303" pitchFamily="18" charset="0"/>
             </a:rPr>
             <a:t>Example: </a:t>
           </a:r>
         </a:p>
         <a:p>
-          <a:pPr lvl="0" algn="l" defTabSz="1066800">
+          <a:pPr lvl="0" algn="just" defTabSz="711200">
             <a:lnSpc>
               <a:spcPct val="90000"/>
             </a:lnSpc>
@@ -11179,25 +11135,25 @@
             </a:spcAft>
           </a:pPr>
           <a:r>
-            <a:rPr lang="en-US" sz="2400" b="1" kern="1200" dirty="0" smtClean="0">
+            <a:rPr lang="en-US" sz="1600" b="1" kern="1200" dirty="0" smtClean="0">
               <a:solidFill>
                 <a:schemeClr val="bg2">
                   <a:lumMod val="50000"/>
                 </a:schemeClr>
               </a:solidFill>
-              <a:latin typeface="Buxton Sketch" panose="03080500000500000004" pitchFamily="66" charset="0"/>
+              <a:latin typeface="Constantia" panose="02030602050306030303" pitchFamily="18" charset="0"/>
             </a:rPr>
             <a:t> string</a:t>
           </a:r>
           <a:r>
-            <a:rPr lang="en-US" sz="2400" b="1" kern="1200" dirty="0" smtClean="0">
-              <a:latin typeface="Buxton Sketch" panose="03080500000500000004" pitchFamily="66" charset="0"/>
+            <a:rPr lang="en-US" sz="1600" b="1" kern="1200" dirty="0" smtClean="0">
+              <a:latin typeface="Constantia" panose="02030602050306030303" pitchFamily="18" charset="0"/>
             </a:rPr>
             <a:t> name = “Bugs Bunny”</a:t>
           </a:r>
         </a:p>
         <a:p>
-          <a:pPr lvl="0" algn="l" defTabSz="1066800">
+          <a:pPr lvl="0" algn="just" defTabSz="711200">
             <a:lnSpc>
               <a:spcPct val="90000"/>
             </a:lnSpc>
@@ -11209,47 +11165,47 @@
             </a:spcAft>
           </a:pPr>
           <a:r>
-            <a:rPr lang="en-US" sz="2400" b="1" kern="1200" dirty="0" smtClean="0">
+            <a:rPr lang="en-US" sz="1600" b="1" kern="1200" dirty="0" smtClean="0">
               <a:solidFill>
                 <a:schemeClr val="bg2">
                   <a:lumMod val="50000"/>
                 </a:schemeClr>
               </a:solidFill>
-              <a:latin typeface="Buxton Sketch" panose="03080500000500000004" pitchFamily="66" charset="0"/>
+              <a:latin typeface="Constantia" panose="02030602050306030303" pitchFamily="18" charset="0"/>
             </a:rPr>
             <a:t> </a:t>
           </a:r>
           <a:r>
-            <a:rPr lang="en-US" sz="2400" b="1" kern="1200" dirty="0" err="1" smtClean="0">
+            <a:rPr lang="en-US" sz="1600" b="1" kern="1200" dirty="0" err="1" smtClean="0">
               <a:solidFill>
                 <a:schemeClr val="bg2">
                   <a:lumMod val="50000"/>
                 </a:schemeClr>
               </a:solidFill>
-              <a:latin typeface="Buxton Sketch" panose="03080500000500000004" pitchFamily="66" charset="0"/>
+              <a:latin typeface="Constantia" panose="02030602050306030303" pitchFamily="18" charset="0"/>
             </a:rPr>
             <a:t>int</a:t>
           </a:r>
           <a:r>
-            <a:rPr lang="en-US" sz="2400" b="1" kern="1200" dirty="0" smtClean="0">
+            <a:rPr lang="en-US" sz="1600" b="1" kern="1200" dirty="0" smtClean="0">
               <a:solidFill>
                 <a:schemeClr val="bg2">
                   <a:lumMod val="50000"/>
                 </a:schemeClr>
               </a:solidFill>
-              <a:latin typeface="Buxton Sketch" panose="03080500000500000004" pitchFamily="66" charset="0"/>
+              <a:latin typeface="Constantia" panose="02030602050306030303" pitchFamily="18" charset="0"/>
             </a:rPr>
             <a:t> </a:t>
           </a:r>
           <a:r>
-            <a:rPr lang="en-US" sz="2400" b="1" kern="1200" dirty="0" smtClean="0">
-              <a:latin typeface="Buxton Sketch" panose="03080500000500000004" pitchFamily="66" charset="0"/>
+            <a:rPr lang="en-US" sz="1600" b="1" kern="1200" dirty="0" smtClean="0">
+              <a:latin typeface="Constantia" panose="02030602050306030303" pitchFamily="18" charset="0"/>
             </a:rPr>
             <a:t>number = 0;</a:t>
           </a:r>
         </a:p>
         <a:p>
-          <a:pPr lvl="0" algn="l" defTabSz="1066800">
+          <a:pPr lvl="0" algn="just" defTabSz="711200">
             <a:lnSpc>
               <a:spcPct val="90000"/>
             </a:lnSpc>
@@ -11261,23 +11217,23 @@
             </a:spcAft>
           </a:pPr>
           <a:r>
-            <a:rPr lang="en-US" sz="2400" b="1" kern="1200" dirty="0" smtClean="0">
+            <a:rPr lang="en-US" sz="1600" b="1" kern="1200" dirty="0" smtClean="0">
               <a:solidFill>
                 <a:schemeClr val="bg1"/>
               </a:solidFill>
-              <a:latin typeface="Buxton Sketch" panose="03080500000500000004" pitchFamily="66" charset="0"/>
+              <a:latin typeface="Constantia" panose="02030602050306030303" pitchFamily="18" charset="0"/>
             </a:rPr>
             <a:t> bool </a:t>
           </a:r>
           <a:r>
-            <a:rPr lang="en-US" sz="2400" b="1" kern="1200" dirty="0" smtClean="0">
-              <a:latin typeface="Buxton Sketch" panose="03080500000500000004" pitchFamily="66" charset="0"/>
+            <a:rPr lang="en-US" sz="1600" b="1" kern="1200" dirty="0" smtClean="0">
+              <a:latin typeface="Constantia" panose="02030602050306030303" pitchFamily="18" charset="0"/>
             </a:rPr>
             <a:t>male = true;</a:t>
           </a:r>
         </a:p>
         <a:p>
-          <a:pPr lvl="0" algn="l" defTabSz="1066800">
+          <a:pPr lvl="0" algn="just" defTabSz="711200">
             <a:lnSpc>
               <a:spcPct val="90000"/>
             </a:lnSpc>
@@ -11289,18 +11245,18 @@
             </a:spcAft>
           </a:pPr>
           <a:r>
-            <a:rPr lang="en-US" sz="2400" b="1" kern="1200" dirty="0" smtClean="0">
+            <a:rPr lang="en-US" sz="1600" b="1" kern="1200" dirty="0" smtClean="0">
               <a:solidFill>
                 <a:schemeClr val="bg2">
                   <a:lumMod val="50000"/>
                 </a:schemeClr>
               </a:solidFill>
-              <a:latin typeface="Informal Roman" panose="030604020304060B0204" pitchFamily="66" charset="0"/>
+              <a:latin typeface="Constantia" panose="02030602050306030303" pitchFamily="18" charset="0"/>
             </a:rPr>
             <a:t> </a:t>
           </a:r>
-          <a:endParaRPr lang="en-US" sz="2400" kern="1200" dirty="0">
-            <a:latin typeface="Informal Roman" panose="030604020304060B0204" pitchFamily="66" charset="0"/>
+          <a:endParaRPr lang="en-US" sz="1600" kern="1200" dirty="0">
+            <a:latin typeface="Constantia" panose="02030602050306030303" pitchFamily="18" charset="0"/>
           </a:endParaRPr>
         </a:p>
       </dsp:txBody>
@@ -11358,12 +11314,12 @@
         </a:fontRef>
       </dsp:style>
       <dsp:txBody>
-        <a:bodyPr spcFirstLastPara="0" vert="horz" wrap="square" lIns="25400" tIns="25400" rIns="25400" bIns="25400" numCol="1" spcCol="1270" anchor="ctr" anchorCtr="0">
+        <a:bodyPr spcFirstLastPara="0" vert="horz" wrap="square" lIns="10160" tIns="10160" rIns="10160" bIns="10160" numCol="1" spcCol="1270" anchor="ctr" anchorCtr="0">
           <a:noAutofit/>
         </a:bodyPr>
         <a:lstStyle/>
         <a:p>
-          <a:pPr lvl="0" algn="ctr" defTabSz="1778000">
+          <a:pPr lvl="0" algn="ctr" defTabSz="711200">
             <a:lnSpc>
               <a:spcPct val="90000"/>
             </a:lnSpc>
@@ -11375,13 +11331,13 @@
             </a:spcAft>
           </a:pPr>
           <a:r>
-            <a:rPr lang="en-US" sz="4000" kern="1200" dirty="0" smtClean="0">
-              <a:latin typeface="Informal Roman" panose="030604020304060B0204" pitchFamily="66" charset="0"/>
+            <a:rPr lang="en-US" sz="1600" kern="1200" dirty="0" smtClean="0">
+              <a:latin typeface="Constantia" panose="02030602050306030303" pitchFamily="18" charset="0"/>
             </a:rPr>
             <a:t>Variables</a:t>
           </a:r>
-          <a:endParaRPr lang="en-US" sz="4000" kern="1200" dirty="0">
-            <a:latin typeface="Informal Roman" panose="030604020304060B0204" pitchFamily="66" charset="0"/>
+          <a:endParaRPr lang="en-US" sz="1600" kern="1200" dirty="0">
+            <a:latin typeface="Constantia" panose="02030602050306030303" pitchFamily="18" charset="0"/>
           </a:endParaRPr>
         </a:p>
       </dsp:txBody>
@@ -11439,12 +11395,12 @@
         </a:fontRef>
       </dsp:style>
       <dsp:txBody>
-        <a:bodyPr spcFirstLastPara="0" vert="horz" wrap="square" lIns="15240" tIns="15240" rIns="15240" bIns="15240" numCol="1" spcCol="1270" anchor="ctr" anchorCtr="0">
+        <a:bodyPr spcFirstLastPara="0" vert="horz" wrap="square" lIns="10160" tIns="10160" rIns="10160" bIns="10160" numCol="1" spcCol="1270" anchor="ctr" anchorCtr="0">
           <a:noAutofit/>
         </a:bodyPr>
         <a:lstStyle/>
         <a:p>
-          <a:pPr lvl="0" algn="l" defTabSz="1066800">
+          <a:pPr lvl="0" algn="just" defTabSz="711200">
             <a:lnSpc>
               <a:spcPct val="90000"/>
             </a:lnSpc>
@@ -11456,29 +11412,29 @@
             </a:spcAft>
           </a:pPr>
           <a:r>
-            <a:rPr lang="en-US" sz="2400" b="1" kern="1200" dirty="0" smtClean="0">
-              <a:latin typeface="Buxton Sketch" panose="03080500000500000004" pitchFamily="66" charset="0"/>
+            <a:rPr lang="en-US" sz="1600" b="1" kern="1200" dirty="0" smtClean="0">
+              <a:latin typeface="Constantia" panose="02030602050306030303" pitchFamily="18" charset="0"/>
             </a:rPr>
             <a:t>- </a:t>
           </a:r>
           <a:r>
-            <a:rPr lang="en-US" sz="2400" b="1" kern="1200" dirty="0" smtClean="0">
+            <a:rPr lang="en-US" sz="1600" b="1" kern="1200" dirty="0" smtClean="0">
               <a:solidFill>
                 <a:schemeClr val="bg1"/>
               </a:solidFill>
-              <a:latin typeface="Buxton Sketch" panose="03080500000500000004" pitchFamily="66" charset="0"/>
+              <a:latin typeface="Constantia" panose="02030602050306030303" pitchFamily="18" charset="0"/>
             </a:rPr>
             <a:t>Name(identifier): </a:t>
           </a:r>
           <a:r>
-            <a:rPr lang="en-US" sz="2400" b="1" kern="1200" dirty="0" smtClean="0">
-              <a:latin typeface="Buxton Sketch" panose="03080500000500000004" pitchFamily="66" charset="0"/>
+            <a:rPr lang="en-US" sz="1600" b="1" kern="1200" dirty="0" smtClean="0">
+              <a:latin typeface="Constantia" panose="02030602050306030303" pitchFamily="18" charset="0"/>
             </a:rPr>
             <a:t>age, name</a:t>
           </a:r>
         </a:p>
         <a:p>
-          <a:pPr lvl="0" algn="l" defTabSz="1066800">
+          <a:pPr lvl="0" algn="just" defTabSz="711200">
             <a:lnSpc>
               <a:spcPct val="90000"/>
             </a:lnSpc>
@@ -11490,35 +11446,35 @@
             </a:spcAft>
           </a:pPr>
           <a:r>
-            <a:rPr lang="en-US" sz="2400" b="1" kern="1200" dirty="0" smtClean="0">
-              <a:latin typeface="Buxton Sketch" panose="03080500000500000004" pitchFamily="66" charset="0"/>
+            <a:rPr lang="en-US" sz="1600" b="1" kern="1200" dirty="0" smtClean="0">
+              <a:latin typeface="Constantia" panose="02030602050306030303" pitchFamily="18" charset="0"/>
             </a:rPr>
             <a:t>- </a:t>
           </a:r>
           <a:r>
-            <a:rPr lang="en-US" sz="2400" b="1" kern="1200" dirty="0" smtClean="0">
+            <a:rPr lang="en-US" sz="1600" b="1" kern="1200" dirty="0" smtClean="0">
               <a:solidFill>
                 <a:schemeClr val="bg1"/>
               </a:solidFill>
-              <a:latin typeface="Buxton Sketch" panose="03080500000500000004" pitchFamily="66" charset="0"/>
+              <a:latin typeface="Constantia" panose="02030602050306030303" pitchFamily="18" charset="0"/>
             </a:rPr>
             <a:t>Type: </a:t>
           </a:r>
           <a:r>
-            <a:rPr lang="en-US" sz="2400" b="1" kern="1200" dirty="0" err="1" smtClean="0">
-              <a:latin typeface="Buxton Sketch" panose="03080500000500000004" pitchFamily="66" charset="0"/>
+            <a:rPr lang="en-US" sz="1600" b="1" kern="1200" dirty="0" err="1" smtClean="0">
+              <a:latin typeface="Constantia" panose="02030602050306030303" pitchFamily="18" charset="0"/>
             </a:rPr>
             <a:t>int</a:t>
           </a:r>
           <a:r>
-            <a:rPr lang="en-US" sz="2400" b="1" kern="1200" dirty="0" smtClean="0">
-              <a:latin typeface="Buxton Sketch" panose="03080500000500000004" pitchFamily="66" charset="0"/>
+            <a:rPr lang="en-US" sz="1600" b="1" kern="1200" dirty="0" smtClean="0">
+              <a:latin typeface="Constantia" panose="02030602050306030303" pitchFamily="18" charset="0"/>
             </a:rPr>
             <a:t>, string, char</a:t>
           </a:r>
         </a:p>
         <a:p>
-          <a:pPr lvl="0" algn="l" defTabSz="1066800">
+          <a:pPr lvl="0" algn="just" defTabSz="711200">
             <a:lnSpc>
               <a:spcPct val="90000"/>
             </a:lnSpc>
@@ -11530,36 +11486,36 @@
             </a:spcAft>
           </a:pPr>
           <a:r>
-            <a:rPr lang="en-US" sz="2400" b="1" kern="1200" dirty="0" smtClean="0">
-              <a:latin typeface="Buxton Sketch" panose="03080500000500000004" pitchFamily="66" charset="0"/>
+            <a:rPr lang="en-US" sz="1600" b="1" kern="1200" dirty="0" smtClean="0">
+              <a:latin typeface="Constantia" panose="02030602050306030303" pitchFamily="18" charset="0"/>
             </a:rPr>
             <a:t>- </a:t>
           </a:r>
           <a:r>
-            <a:rPr lang="en-US" sz="2400" b="1" kern="1200" dirty="0" smtClean="0">
+            <a:rPr lang="en-US" sz="1600" b="1" kern="1200" dirty="0" smtClean="0">
               <a:solidFill>
                 <a:schemeClr val="bg1"/>
               </a:solidFill>
-              <a:latin typeface="Buxton Sketch" panose="03080500000500000004" pitchFamily="66" charset="0"/>
+              <a:latin typeface="Constantia" panose="02030602050306030303" pitchFamily="18" charset="0"/>
             </a:rPr>
             <a:t>Value: </a:t>
           </a:r>
           <a:r>
-            <a:rPr lang="en-US" sz="2400" b="1" kern="1200" dirty="0" smtClean="0">
-              <a:latin typeface="Buxton Sketch" panose="03080500000500000004" pitchFamily="66" charset="0"/>
+            <a:rPr lang="en-US" sz="1600" b="1" kern="1200" dirty="0" smtClean="0">
+              <a:latin typeface="Constantia" panose="02030602050306030303" pitchFamily="18" charset="0"/>
             </a:rPr>
             <a:t>101, Daffy Duck, </a:t>
           </a:r>
           <a:r>
-            <a:rPr lang="en-US" sz="2400" b="1" kern="1200" dirty="0" smtClean="0">
-              <a:latin typeface="Buxton Sketch" panose="03080500000500000004" pitchFamily="66" charset="0"/>
+            <a:rPr lang="en-US" sz="1600" b="1" kern="1200" dirty="0" smtClean="0">
+              <a:latin typeface="Constantia" panose="02030602050306030303" pitchFamily="18" charset="0"/>
               <a:sym typeface="Wingdings" panose="05000000000000000000" pitchFamily="2" charset="2"/>
             </a:rPr>
             <a:t></a:t>
           </a:r>
         </a:p>
         <a:p>
-          <a:pPr lvl="0" algn="ctr" defTabSz="1066800">
+          <a:pPr lvl="0" algn="just" defTabSz="711200">
             <a:lnSpc>
               <a:spcPct val="90000"/>
             </a:lnSpc>
@@ -11571,18 +11527,18 @@
             </a:spcAft>
           </a:pPr>
           <a:r>
-            <a:rPr lang="en-US" sz="2400" b="1" kern="1200" dirty="0" smtClean="0">
+            <a:rPr lang="en-US" sz="1600" b="1" kern="1200" dirty="0" smtClean="0">
               <a:solidFill>
                 <a:srgbClr val="FFFF00"/>
               </a:solidFill>
-              <a:latin typeface="Buxton Sketch" panose="03080500000500000004" pitchFamily="66" charset="0"/>
+              <a:latin typeface="Constantia" panose="02030602050306030303" pitchFamily="18" charset="0"/>
               <a:sym typeface="Wingdings" panose="05000000000000000000" pitchFamily="2" charset="2"/>
             </a:rPr>
             <a:t>Example:</a:t>
           </a:r>
         </a:p>
         <a:p>
-          <a:pPr lvl="0" algn="l" defTabSz="1066800">
+          <a:pPr lvl="0" algn="just" defTabSz="711200">
             <a:lnSpc>
               <a:spcPct val="90000"/>
             </a:lnSpc>
@@ -11594,49 +11550,49 @@
             </a:spcAft>
           </a:pPr>
           <a:r>
-            <a:rPr lang="en-US" sz="2400" b="1" kern="1200" dirty="0" smtClean="0">
-              <a:latin typeface="Buxton Sketch" panose="03080500000500000004" pitchFamily="66" charset="0"/>
+            <a:rPr lang="en-US" sz="1600" b="1" kern="1200" dirty="0" smtClean="0">
+              <a:latin typeface="Constantia" panose="02030602050306030303" pitchFamily="18" charset="0"/>
               <a:sym typeface="Wingdings" panose="05000000000000000000" pitchFamily="2" charset="2"/>
             </a:rPr>
             <a:t> string </a:t>
           </a:r>
           <a:r>
-            <a:rPr lang="en-US" sz="2400" b="1" kern="1200" dirty="0" err="1" smtClean="0">
+            <a:rPr lang="en-US" sz="1600" b="1" kern="1200" dirty="0" err="1" smtClean="0">
               <a:solidFill>
                 <a:schemeClr val="bg2">
                   <a:lumMod val="50000"/>
                 </a:schemeClr>
               </a:solidFill>
-              <a:latin typeface="Buxton Sketch" panose="03080500000500000004" pitchFamily="66" charset="0"/>
+              <a:latin typeface="Constantia" panose="02030602050306030303" pitchFamily="18" charset="0"/>
               <a:sym typeface="Wingdings" panose="05000000000000000000" pitchFamily="2" charset="2"/>
             </a:rPr>
             <a:t>myName</a:t>
           </a:r>
           <a:r>
-            <a:rPr lang="en-US" sz="2400" b="1" kern="1200" dirty="0" smtClean="0">
+            <a:rPr lang="en-US" sz="1600" b="1" kern="1200" dirty="0" smtClean="0">
               <a:solidFill>
                 <a:schemeClr val="bg2">
                   <a:lumMod val="50000"/>
                 </a:schemeClr>
               </a:solidFill>
-              <a:latin typeface="Buxton Sketch" panose="03080500000500000004" pitchFamily="66" charset="0"/>
+              <a:latin typeface="Constantia" panose="02030602050306030303" pitchFamily="18" charset="0"/>
               <a:sym typeface="Wingdings" panose="05000000000000000000" pitchFamily="2" charset="2"/>
             </a:rPr>
             <a:t> </a:t>
           </a:r>
           <a:r>
-            <a:rPr lang="en-US" sz="2400" b="1" kern="1200" dirty="0" smtClean="0">
+            <a:rPr lang="en-US" sz="1600" b="1" kern="1200" dirty="0" smtClean="0">
               <a:solidFill>
                 <a:schemeClr val="tx1"/>
               </a:solidFill>
-              <a:latin typeface="Buxton Sketch" panose="03080500000500000004" pitchFamily="66" charset="0"/>
+              <a:latin typeface="Constantia" panose="02030602050306030303" pitchFamily="18" charset="0"/>
               <a:sym typeface="Wingdings" panose="05000000000000000000" pitchFamily="2" charset="2"/>
             </a:rPr>
             <a:t>= “Bugsy“;</a:t>
           </a:r>
         </a:p>
         <a:p>
-          <a:pPr lvl="0" algn="l" defTabSz="1066800">
+          <a:pPr lvl="0" algn="just" defTabSz="711200">
             <a:lnSpc>
               <a:spcPct val="90000"/>
             </a:lnSpc>
@@ -11648,70 +11604,70 @@
             </a:spcAft>
           </a:pPr>
           <a:r>
-            <a:rPr lang="en-US" sz="2400" b="1" kern="1200" dirty="0" smtClean="0">
+            <a:rPr lang="en-US" sz="1600" b="1" kern="1200" dirty="0" smtClean="0">
               <a:solidFill>
                 <a:schemeClr val="bg2">
                   <a:lumMod val="50000"/>
                 </a:schemeClr>
               </a:solidFill>
-              <a:latin typeface="Buxton Sketch" panose="03080500000500000004" pitchFamily="66" charset="0"/>
+              <a:latin typeface="Constantia" panose="02030602050306030303" pitchFamily="18" charset="0"/>
               <a:sym typeface="Wingdings" panose="05000000000000000000" pitchFamily="2" charset="2"/>
             </a:rPr>
             <a:t> </a:t>
           </a:r>
           <a:r>
-            <a:rPr lang="en-US" sz="2400" b="1" kern="1200" dirty="0" err="1" smtClean="0">
+            <a:rPr lang="en-US" sz="1600" b="1" kern="1200" dirty="0" err="1" smtClean="0">
               <a:solidFill>
                 <a:schemeClr val="tx1"/>
               </a:solidFill>
-              <a:latin typeface="Buxton Sketch" panose="03080500000500000004" pitchFamily="66" charset="0"/>
+              <a:latin typeface="Constantia" panose="02030602050306030303" pitchFamily="18" charset="0"/>
               <a:sym typeface="Wingdings" panose="05000000000000000000" pitchFamily="2" charset="2"/>
             </a:rPr>
             <a:t>int</a:t>
           </a:r>
           <a:r>
-            <a:rPr lang="en-US" sz="2400" b="1" kern="1200" dirty="0" smtClean="0">
+            <a:rPr lang="en-US" sz="1600" b="1" kern="1200" dirty="0" smtClean="0">
               <a:solidFill>
                 <a:schemeClr val="tx1"/>
               </a:solidFill>
-              <a:latin typeface="Buxton Sketch" panose="03080500000500000004" pitchFamily="66" charset="0"/>
+              <a:latin typeface="Constantia" panose="02030602050306030303" pitchFamily="18" charset="0"/>
               <a:sym typeface="Wingdings" panose="05000000000000000000" pitchFamily="2" charset="2"/>
             </a:rPr>
             <a:t> </a:t>
           </a:r>
           <a:r>
-            <a:rPr lang="en-US" sz="2400" b="1" kern="1200" dirty="0" err="1" smtClean="0">
+            <a:rPr lang="en-US" sz="1600" b="1" kern="1200" dirty="0" err="1" smtClean="0">
               <a:solidFill>
                 <a:schemeClr val="bg1"/>
               </a:solidFill>
-              <a:latin typeface="Buxton Sketch" panose="03080500000500000004" pitchFamily="66" charset="0"/>
+              <a:latin typeface="Constantia" panose="02030602050306030303" pitchFamily="18" charset="0"/>
               <a:sym typeface="Wingdings" panose="05000000000000000000" pitchFamily="2" charset="2"/>
             </a:rPr>
             <a:t>myAge</a:t>
           </a:r>
           <a:r>
-            <a:rPr lang="en-US" sz="2400" b="1" kern="1200" dirty="0" smtClean="0">
+            <a:rPr lang="en-US" sz="1600" b="1" kern="1200" dirty="0" smtClean="0">
               <a:solidFill>
                 <a:schemeClr val="bg1"/>
               </a:solidFill>
-              <a:latin typeface="Buxton Sketch" panose="03080500000500000004" pitchFamily="66" charset="0"/>
+              <a:latin typeface="Constantia" panose="02030602050306030303" pitchFamily="18" charset="0"/>
               <a:sym typeface="Wingdings" panose="05000000000000000000" pitchFamily="2" charset="2"/>
             </a:rPr>
             <a:t> </a:t>
           </a:r>
           <a:r>
-            <a:rPr lang="en-US" sz="2400" b="1" kern="1200" dirty="0" smtClean="0">
+            <a:rPr lang="en-US" sz="1600" b="1" kern="1200" dirty="0" smtClean="0">
               <a:solidFill>
                 <a:schemeClr val="tx1"/>
               </a:solidFill>
-              <a:latin typeface="Buxton Sketch" panose="03080500000500000004" pitchFamily="66" charset="0"/>
+              <a:latin typeface="Constantia" panose="02030602050306030303" pitchFamily="18" charset="0"/>
               <a:sym typeface="Wingdings" panose="05000000000000000000" pitchFamily="2" charset="2"/>
             </a:rPr>
             <a:t>= 101;</a:t>
           </a:r>
         </a:p>
         <a:p>
-          <a:pPr lvl="0" algn="l" defTabSz="1066800">
+          <a:pPr lvl="0" algn="just" defTabSz="711200">
             <a:lnSpc>
               <a:spcPct val="90000"/>
             </a:lnSpc>
@@ -11723,45 +11679,45 @@
             </a:spcAft>
           </a:pPr>
           <a:r>
-            <a:rPr lang="en-US" sz="2400" b="1" kern="1200" dirty="0" smtClean="0">
+            <a:rPr lang="en-US" sz="1600" b="1" kern="1200" dirty="0" smtClean="0">
               <a:solidFill>
                 <a:schemeClr val="tx1"/>
               </a:solidFill>
-              <a:latin typeface="Buxton Sketch" panose="03080500000500000004" pitchFamily="66" charset="0"/>
+              <a:latin typeface="Constantia" panose="02030602050306030303" pitchFamily="18" charset="0"/>
               <a:sym typeface="Wingdings" panose="05000000000000000000" pitchFamily="2" charset="2"/>
             </a:rPr>
             <a:t> bool </a:t>
           </a:r>
           <a:r>
-            <a:rPr lang="en-US" sz="2400" b="1" kern="1200" dirty="0" smtClean="0">
+            <a:rPr lang="en-US" sz="1600" b="1" kern="1200" dirty="0" smtClean="0">
               <a:solidFill>
                 <a:schemeClr val="bg1"/>
               </a:solidFill>
-              <a:latin typeface="Buxton Sketch" panose="03080500000500000004" pitchFamily="66" charset="0"/>
+              <a:latin typeface="Constantia" panose="02030602050306030303" pitchFamily="18" charset="0"/>
               <a:sym typeface="Wingdings" panose="05000000000000000000" pitchFamily="2" charset="2"/>
             </a:rPr>
             <a:t>male</a:t>
           </a:r>
           <a:r>
-            <a:rPr lang="en-US" sz="2400" b="1" kern="1200" dirty="0" smtClean="0">
+            <a:rPr lang="en-US" sz="1600" b="1" kern="1200" dirty="0" smtClean="0">
               <a:solidFill>
                 <a:schemeClr val="tx1"/>
               </a:solidFill>
-              <a:latin typeface="Buxton Sketch" panose="03080500000500000004" pitchFamily="66" charset="0"/>
+              <a:latin typeface="Constantia" panose="02030602050306030303" pitchFamily="18" charset="0"/>
               <a:sym typeface="Wingdings" panose="05000000000000000000" pitchFamily="2" charset="2"/>
             </a:rPr>
             <a:t> = false;</a:t>
           </a:r>
-          <a:endParaRPr lang="en-US" sz="2400" b="1" kern="1200" dirty="0" smtClean="0">
+          <a:endParaRPr lang="en-US" sz="1600" b="1" kern="1200" dirty="0" smtClean="0">
             <a:solidFill>
               <a:schemeClr val="bg1"/>
             </a:solidFill>
-            <a:latin typeface="Buxton Sketch" panose="03080500000500000004" pitchFamily="66" charset="0"/>
+            <a:latin typeface="Constantia" panose="02030602050306030303" pitchFamily="18" charset="0"/>
             <a:sym typeface="Wingdings" panose="05000000000000000000" pitchFamily="2" charset="2"/>
           </a:endParaRPr>
         </a:p>
         <a:p>
-          <a:pPr lvl="0" algn="l" defTabSz="1066800">
+          <a:pPr lvl="0" algn="just" defTabSz="711200">
             <a:lnSpc>
               <a:spcPct val="90000"/>
             </a:lnSpc>
@@ -11773,13 +11729,13 @@
             </a:spcAft>
           </a:pPr>
           <a:r>
-            <a:rPr lang="en-US" sz="2400" kern="1200" dirty="0" smtClean="0">
-              <a:latin typeface="Informal Roman" panose="030604020304060B0204" pitchFamily="66" charset="0"/>
+            <a:rPr lang="en-US" sz="1600" kern="1200" dirty="0" smtClean="0">
+              <a:latin typeface="Constantia" panose="02030602050306030303" pitchFamily="18" charset="0"/>
             </a:rPr>
             <a:t> </a:t>
           </a:r>
-          <a:endParaRPr lang="en-US" sz="2400" kern="1200" dirty="0">
-            <a:latin typeface="Informal Roman" panose="030604020304060B0204" pitchFamily="66" charset="0"/>
+          <a:endParaRPr lang="en-US" sz="1600" kern="1200" dirty="0">
+            <a:latin typeface="Constantia" panose="02030602050306030303" pitchFamily="18" charset="0"/>
           </a:endParaRPr>
         </a:p>
       </dsp:txBody>
@@ -11837,12 +11793,12 @@
         </a:fontRef>
       </dsp:style>
       <dsp:txBody>
-        <a:bodyPr spcFirstLastPara="0" vert="horz" wrap="square" lIns="25400" tIns="25400" rIns="25400" bIns="25400" numCol="1" spcCol="1270" anchor="ctr" anchorCtr="0">
+        <a:bodyPr spcFirstLastPara="0" vert="horz" wrap="square" lIns="10160" tIns="10160" rIns="10160" bIns="10160" numCol="1" spcCol="1270" anchor="ctr" anchorCtr="0">
           <a:noAutofit/>
         </a:bodyPr>
         <a:lstStyle/>
         <a:p>
-          <a:pPr lvl="0" algn="ctr" defTabSz="1778000">
+          <a:pPr lvl="0" algn="ctr" defTabSz="711200">
             <a:lnSpc>
               <a:spcPct val="90000"/>
             </a:lnSpc>
@@ -11854,13 +11810,13 @@
             </a:spcAft>
           </a:pPr>
           <a:r>
-            <a:rPr lang="en-US" sz="4000" kern="1200" dirty="0" smtClean="0">
-              <a:latin typeface="Informal Roman" panose="030604020304060B0204" pitchFamily="66" charset="0"/>
+            <a:rPr lang="en-US" sz="1600" kern="1200" dirty="0" smtClean="0">
+              <a:latin typeface="Constantia" panose="02030602050306030303" pitchFamily="18" charset="0"/>
             </a:rPr>
             <a:t>Literals</a:t>
           </a:r>
-          <a:endParaRPr lang="en-US" sz="4000" kern="1200" dirty="0">
-            <a:latin typeface="Informal Roman" panose="030604020304060B0204" pitchFamily="66" charset="0"/>
+          <a:endParaRPr lang="en-US" sz="1600" kern="1200" dirty="0">
+            <a:latin typeface="Constantia" panose="02030602050306030303" pitchFamily="18" charset="0"/>
           </a:endParaRPr>
         </a:p>
       </dsp:txBody>
@@ -11918,12 +11874,12 @@
         </a:fontRef>
       </dsp:style>
       <dsp:txBody>
-        <a:bodyPr spcFirstLastPara="0" vert="horz" wrap="square" lIns="15240" tIns="15240" rIns="15240" bIns="15240" numCol="1" spcCol="1270" anchor="ctr" anchorCtr="0">
+        <a:bodyPr spcFirstLastPara="0" vert="horz" wrap="square" lIns="10160" tIns="10160" rIns="10160" bIns="10160" numCol="1" spcCol="1270" anchor="ctr" anchorCtr="0">
           <a:noAutofit/>
         </a:bodyPr>
         <a:lstStyle/>
         <a:p>
-          <a:pPr lvl="0" algn="ctr" defTabSz="1066800">
+          <a:pPr lvl="0" algn="ctr" defTabSz="711200">
             <a:lnSpc>
               <a:spcPct val="90000"/>
             </a:lnSpc>
@@ -11935,14 +11891,14 @@
             </a:spcAft>
           </a:pPr>
           <a:r>
-            <a:rPr lang="en-US" sz="2400" kern="1200" dirty="0" smtClean="0">
-              <a:latin typeface="Buxton Sketch" panose="03080500000500000004" pitchFamily="66" charset="0"/>
+            <a:rPr lang="en-US" sz="1600" kern="1200" dirty="0" smtClean="0">
+              <a:latin typeface="Constantia" panose="02030602050306030303" pitchFamily="18" charset="0"/>
             </a:rPr>
             <a:t>Variable values who are set directly in the source code in the program.</a:t>
           </a:r>
         </a:p>
         <a:p>
-          <a:pPr lvl="0" algn="ctr" defTabSz="1066800">
+          <a:pPr lvl="0" algn="ctr" defTabSz="711200">
             <a:lnSpc>
               <a:spcPct val="90000"/>
             </a:lnSpc>
@@ -11954,17 +11910,17 @@
             </a:spcAft>
           </a:pPr>
           <a:r>
-            <a:rPr lang="en-US" sz="2400" kern="1200" dirty="0" smtClean="0">
+            <a:rPr lang="en-US" sz="1600" kern="1200" dirty="0" smtClean="0">
               <a:solidFill>
                 <a:srgbClr val="FFFF00"/>
               </a:solidFill>
-              <a:latin typeface="Buxton Sketch" panose="03080500000500000004" pitchFamily="66" charset="0"/>
+              <a:latin typeface="Constantia" panose="02030602050306030303" pitchFamily="18" charset="0"/>
             </a:rPr>
             <a:t>Example:</a:t>
           </a:r>
         </a:p>
         <a:p>
-          <a:pPr lvl="0" algn="ctr" defTabSz="1066800">
+          <a:pPr lvl="0" algn="ctr" defTabSz="711200">
             <a:lnSpc>
               <a:spcPct val="90000"/>
             </a:lnSpc>
@@ -11976,17 +11932,17 @@
             </a:spcAft>
           </a:pPr>
           <a:r>
-            <a:rPr lang="en-US" sz="2400" kern="1200" dirty="0" smtClean="0">
+            <a:rPr lang="en-US" sz="1600" kern="1200" dirty="0" smtClean="0">
               <a:solidFill>
                 <a:schemeClr val="bg1"/>
               </a:solidFill>
-              <a:latin typeface="Buxton Sketch" panose="03080500000500000004" pitchFamily="66" charset="0"/>
+              <a:latin typeface="Constantia" panose="02030602050306030303" pitchFamily="18" charset="0"/>
             </a:rPr>
             <a:t>“Bugsy”,</a:t>
           </a:r>
         </a:p>
         <a:p>
-          <a:pPr lvl="0" algn="ctr" defTabSz="1066800">
+          <a:pPr lvl="0" algn="ctr" defTabSz="711200">
             <a:lnSpc>
               <a:spcPct val="90000"/>
             </a:lnSpc>
@@ -11998,17 +11954,17 @@
             </a:spcAft>
           </a:pPr>
           <a:r>
-            <a:rPr lang="en-US" sz="2400" kern="1200" dirty="0" smtClean="0">
+            <a:rPr lang="en-US" sz="1600" kern="1200" dirty="0" smtClean="0">
               <a:solidFill>
                 <a:schemeClr val="bg1"/>
               </a:solidFill>
-              <a:latin typeface="Buxton Sketch" panose="03080500000500000004" pitchFamily="66" charset="0"/>
+              <a:latin typeface="Constantia" panose="02030602050306030303" pitchFamily="18" charset="0"/>
             </a:rPr>
             <a:t>101,</a:t>
           </a:r>
         </a:p>
         <a:p>
-          <a:pPr lvl="0" algn="ctr" defTabSz="1066800">
+          <a:pPr lvl="0" algn="ctr" defTabSz="711200">
             <a:lnSpc>
               <a:spcPct val="90000"/>
             </a:lnSpc>
@@ -12020,17 +11976,17 @@
             </a:spcAft>
           </a:pPr>
           <a:r>
-            <a:rPr lang="en-US" sz="2400" kern="1200" dirty="0" smtClean="0">
+            <a:rPr lang="en-US" sz="1600" kern="1200" dirty="0" smtClean="0">
               <a:solidFill>
                 <a:schemeClr val="bg1"/>
               </a:solidFill>
-              <a:latin typeface="Buxton Sketch" panose="03080500000500000004" pitchFamily="66" charset="0"/>
+              <a:latin typeface="Constantia" panose="02030602050306030303" pitchFamily="18" charset="0"/>
             </a:rPr>
             <a:t>true/false</a:t>
           </a:r>
         </a:p>
         <a:p>
-          <a:pPr lvl="0" algn="ctr" defTabSz="1066800">
+          <a:pPr lvl="0" algn="ctr" defTabSz="711200">
             <a:lnSpc>
               <a:spcPct val="90000"/>
             </a:lnSpc>
@@ -12042,17 +11998,17 @@
             </a:spcAft>
           </a:pPr>
           <a:r>
-            <a:rPr lang="en-US" sz="2400" kern="1200" dirty="0" smtClean="0">
+            <a:rPr lang="en-US" sz="1600" kern="1200" dirty="0" smtClean="0">
               <a:solidFill>
                 <a:srgbClr val="FFFF00"/>
               </a:solidFill>
-              <a:latin typeface="Buxton Sketch" panose="03080500000500000004" pitchFamily="66" charset="0"/>
+              <a:latin typeface="Constantia" panose="02030602050306030303" pitchFamily="18" charset="0"/>
             </a:rPr>
             <a:t>…</a:t>
           </a:r>
         </a:p>
         <a:p>
-          <a:pPr lvl="0" algn="ctr" defTabSz="1066800">
+          <a:pPr lvl="0" algn="ctr" defTabSz="711200">
             <a:lnSpc>
               <a:spcPct val="90000"/>
             </a:lnSpc>
@@ -12063,11 +12019,11 @@
               <a:spcPct val="35000"/>
             </a:spcAft>
           </a:pPr>
-          <a:endParaRPr lang="en-US" sz="2400" kern="1200" dirty="0">
+          <a:endParaRPr lang="en-US" sz="1600" kern="1200" dirty="0">
             <a:solidFill>
               <a:srgbClr val="FFFF00"/>
             </a:solidFill>
-            <a:latin typeface="Buxton Sketch" panose="03080500000500000004" pitchFamily="66" charset="0"/>
+            <a:latin typeface="Constantia" panose="02030602050306030303" pitchFamily="18" charset="0"/>
           </a:endParaRPr>
         </a:p>
       </dsp:txBody>
@@ -12095,8 +12051,8 @@
       </dsp:nvSpPr>
       <dsp:spPr>
         <a:xfrm>
-          <a:off x="10471363" y="2955856"/>
-          <a:ext cx="1282256" cy="1908712"/>
+          <a:off x="9811061" y="3098526"/>
+          <a:ext cx="1525327" cy="1807441"/>
         </a:xfrm>
         <a:custGeom>
           <a:avLst/>
@@ -12110,7 +12066,7 @@
                 <a:pt x="0" y="0"/>
               </a:moveTo>
               <a:lnTo>
-                <a:pt x="1282256" y="1908712"/>
+                <a:pt x="1525327" y="1807441"/>
               </a:lnTo>
             </a:path>
           </a:pathLst>
@@ -12150,8 +12106,8 @@
       </dsp:nvSpPr>
       <dsp:spPr>
         <a:xfrm>
-          <a:off x="6171439" y="1225032"/>
-          <a:ext cx="4299923" cy="544402"/>
+          <a:off x="6146526" y="1472762"/>
+          <a:ext cx="3664534" cy="566508"/>
         </a:xfrm>
         <a:custGeom>
           <a:avLst/>
@@ -12165,13 +12121,13 @@
                 <a:pt x="0" y="0"/>
               </a:moveTo>
               <a:lnTo>
-                <a:pt x="0" y="383204"/>
+                <a:pt x="0" y="422588"/>
               </a:lnTo>
               <a:lnTo>
-                <a:pt x="4299923" y="383204"/>
+                <a:pt x="3664534" y="422588"/>
               </a:lnTo>
               <a:lnTo>
-                <a:pt x="4299923" y="544402"/>
+                <a:pt x="3664534" y="566508"/>
               </a:lnTo>
             </a:path>
           </a:pathLst>
@@ -12211,8 +12167,8 @@
       </dsp:nvSpPr>
       <dsp:spPr>
         <a:xfrm>
-          <a:off x="6700163" y="3054800"/>
-          <a:ext cx="977777" cy="1827653"/>
+          <a:off x="3761519" y="3253534"/>
+          <a:ext cx="1928042" cy="1253326"/>
         </a:xfrm>
         <a:custGeom>
           <a:avLst/>
@@ -12223,10 +12179,10 @@
           <a:pathLst>
             <a:path>
               <a:moveTo>
-                <a:pt x="0" y="0"/>
+                <a:pt x="1928042" y="0"/>
               </a:moveTo>
               <a:lnTo>
-                <a:pt x="977777" y="1827653"/>
+                <a:pt x="0" y="1253326"/>
               </a:lnTo>
             </a:path>
           </a:pathLst>
@@ -12266,8 +12222,8 @@
       </dsp:nvSpPr>
       <dsp:spPr>
         <a:xfrm>
-          <a:off x="6171439" y="1225032"/>
-          <a:ext cx="528723" cy="549368"/>
+          <a:off x="5689561" y="1472762"/>
+          <a:ext cx="456965" cy="637611"/>
         </a:xfrm>
         <a:custGeom>
           <a:avLst/>
@@ -12278,16 +12234,16 @@
           <a:pathLst>
             <a:path>
               <a:moveTo>
-                <a:pt x="0" y="0"/>
+                <a:pt x="456965" y="0"/>
               </a:moveTo>
               <a:lnTo>
-                <a:pt x="0" y="388171"/>
+                <a:pt x="456965" y="493692"/>
               </a:lnTo>
               <a:lnTo>
-                <a:pt x="528723" y="388171"/>
+                <a:pt x="0" y="493692"/>
               </a:lnTo>
               <a:lnTo>
-                <a:pt x="528723" y="549368"/>
+                <a:pt x="0" y="637611"/>
               </a:lnTo>
             </a:path>
           </a:pathLst>
@@ -12327,8 +12283,8 @@
       </dsp:nvSpPr>
       <dsp:spPr>
         <a:xfrm>
-          <a:off x="2127773" y="2276408"/>
-          <a:ext cx="1541830" cy="2727112"/>
+          <a:off x="1944733" y="2625914"/>
+          <a:ext cx="1335326" cy="1878184"/>
         </a:xfrm>
         <a:custGeom>
           <a:avLst/>
@@ -12342,7 +12298,7 @@
                 <a:pt x="0" y="0"/>
               </a:moveTo>
               <a:lnTo>
-                <a:pt x="1541830" y="2727112"/>
+                <a:pt x="1335326" y="1878184"/>
               </a:lnTo>
             </a:path>
           </a:pathLst>
@@ -12382,8 +12338,8 @@
       </dsp:nvSpPr>
       <dsp:spPr>
         <a:xfrm>
-          <a:off x="2127773" y="1225032"/>
-          <a:ext cx="4043665" cy="371130"/>
+          <a:off x="1944733" y="1472762"/>
+          <a:ext cx="4201792" cy="545818"/>
         </a:xfrm>
         <a:custGeom>
           <a:avLst/>
@@ -12394,16 +12350,16 @@
           <a:pathLst>
             <a:path>
               <a:moveTo>
-                <a:pt x="4043665" y="0"/>
+                <a:pt x="4201792" y="0"/>
               </a:moveTo>
               <a:lnTo>
-                <a:pt x="4043665" y="209932"/>
+                <a:pt x="4201792" y="401898"/>
               </a:lnTo>
               <a:lnTo>
-                <a:pt x="0" y="209932"/>
+                <a:pt x="0" y="401898"/>
               </a:lnTo>
               <a:lnTo>
-                <a:pt x="0" y="371130"/>
+                <a:pt x="0" y="545818"/>
               </a:lnTo>
             </a:path>
           </a:pathLst>
@@ -12443,8 +12399,8 @@
       </dsp:nvSpPr>
       <dsp:spPr>
         <a:xfrm>
-          <a:off x="1422131" y="153069"/>
-          <a:ext cx="9498615" cy="1071963"/>
+          <a:off x="1906272" y="515697"/>
+          <a:ext cx="8480507" cy="957065"/>
         </a:xfrm>
         <a:prstGeom prst="rect">
           <a:avLst/>
@@ -12485,12 +12441,12 @@
         </a:fontRef>
       </dsp:style>
       <dsp:txBody>
-        <a:bodyPr spcFirstLastPara="0" vert="horz" wrap="square" lIns="41910" tIns="41910" rIns="41910" bIns="41910" numCol="1" spcCol="1270" anchor="ctr" anchorCtr="0">
+        <a:bodyPr spcFirstLastPara="0" vert="horz" wrap="square" lIns="10160" tIns="10160" rIns="10160" bIns="10160" numCol="1" spcCol="1270" anchor="ctr" anchorCtr="0">
           <a:noAutofit/>
         </a:bodyPr>
         <a:lstStyle/>
         <a:p>
-          <a:pPr lvl="0" algn="ctr" defTabSz="2933700">
+          <a:pPr lvl="0" algn="ctr" defTabSz="711200">
             <a:lnSpc>
               <a:spcPct val="90000"/>
             </a:lnSpc>
@@ -12502,25 +12458,25 @@
             </a:spcAft>
           </a:pPr>
           <a:r>
-            <a:rPr lang="en-US" sz="6600" kern="1200" dirty="0" smtClean="0">
+            <a:rPr lang="en-US" sz="1600" kern="1200" dirty="0" smtClean="0">
               <a:solidFill>
                 <a:srgbClr val="FFFF00"/>
               </a:solidFill>
-              <a:latin typeface="Informal Roman" panose="030604020304060B0204" pitchFamily="66" charset="0"/>
+              <a:latin typeface="Constantia" panose="02030602050306030303" pitchFamily="18" charset="0"/>
             </a:rPr>
             <a:t>Operators &amp; Expressions</a:t>
           </a:r>
-          <a:endParaRPr lang="en-US" sz="6600" kern="1200" dirty="0">
+          <a:endParaRPr lang="en-US" sz="1600" kern="1200" dirty="0">
             <a:solidFill>
               <a:srgbClr val="FFFF00"/>
             </a:solidFill>
-            <a:latin typeface="Informal Roman" panose="030604020304060B0204" pitchFamily="66" charset="0"/>
+            <a:latin typeface="Constantia" panose="02030602050306030303" pitchFamily="18" charset="0"/>
           </a:endParaRPr>
         </a:p>
       </dsp:txBody>
       <dsp:txXfrm>
-        <a:off x="1422131" y="153069"/>
-        <a:ext cx="9498615" cy="1071963"/>
+        <a:off x="1906272" y="515697"/>
+        <a:ext cx="8480507" cy="957065"/>
       </dsp:txXfrm>
     </dsp:sp>
     <dsp:sp modelId="{EC83E2CD-FD27-4A0C-95C1-BE71FA51466A}">
@@ -12530,8 +12486,8 @@
       </dsp:nvSpPr>
       <dsp:spPr>
         <a:xfrm>
-          <a:off x="967481" y="1596162"/>
-          <a:ext cx="2320583" cy="680245"/>
+          <a:off x="908807" y="2018581"/>
+          <a:ext cx="2071852" cy="607333"/>
         </a:xfrm>
         <a:prstGeom prst="rect">
           <a:avLst/>
@@ -12572,12 +12528,12 @@
         </a:fontRef>
       </dsp:style>
       <dsp:txBody>
-        <a:bodyPr spcFirstLastPara="0" vert="horz" wrap="square" lIns="30480" tIns="30480" rIns="30480" bIns="30480" numCol="1" spcCol="1270" anchor="ctr" anchorCtr="0">
+        <a:bodyPr spcFirstLastPara="0" vert="horz" wrap="square" lIns="10160" tIns="10160" rIns="10160" bIns="10160" numCol="1" spcCol="1270" anchor="ctr" anchorCtr="0">
           <a:noAutofit/>
         </a:bodyPr>
         <a:lstStyle/>
         <a:p>
-          <a:pPr lvl="0" algn="ctr" defTabSz="2133600">
+          <a:pPr lvl="0" algn="ctr" defTabSz="711200">
             <a:lnSpc>
               <a:spcPct val="90000"/>
             </a:lnSpc>
@@ -12589,19 +12545,19 @@
             </a:spcAft>
           </a:pPr>
           <a:r>
-            <a:rPr lang="en-US" sz="4800" kern="1200" dirty="0" smtClean="0">
-              <a:latin typeface="Informal Roman" panose="030604020304060B0204" pitchFamily="66" charset="0"/>
+            <a:rPr lang="en-US" sz="1600" kern="1200" dirty="0" smtClean="0">
+              <a:latin typeface="Constantia" panose="02030602050306030303" pitchFamily="18" charset="0"/>
             </a:rPr>
             <a:t>Operators</a:t>
           </a:r>
-          <a:endParaRPr lang="en-US" sz="4800" kern="1200" dirty="0">
-            <a:latin typeface="Informal Roman" panose="030604020304060B0204" pitchFamily="66" charset="0"/>
+          <a:endParaRPr lang="en-US" sz="1600" kern="1200" dirty="0">
+            <a:latin typeface="Constantia" panose="02030602050306030303" pitchFamily="18" charset="0"/>
           </a:endParaRPr>
         </a:p>
       </dsp:txBody>
       <dsp:txXfrm>
-        <a:off x="967481" y="1596162"/>
-        <a:ext cx="2320583" cy="680245"/>
+        <a:off x="908807" y="2018581"/>
+        <a:ext cx="2071852" cy="607333"/>
       </dsp:txXfrm>
     </dsp:sp>
     <dsp:sp modelId="{A6764457-61FC-42C4-982E-0A59AEE325A5}">
@@ -12611,8 +12567,8 @@
       </dsp:nvSpPr>
       <dsp:spPr>
         <a:xfrm>
-          <a:off x="315821" y="3555671"/>
-          <a:ext cx="3353782" cy="2895697"/>
+          <a:off x="285752" y="3553592"/>
+          <a:ext cx="2994307" cy="1901012"/>
         </a:xfrm>
         <a:prstGeom prst="rect">
           <a:avLst/>
@@ -12653,12 +12609,12 @@
         </a:fontRef>
       </dsp:style>
       <dsp:txBody>
-        <a:bodyPr spcFirstLastPara="0" vert="horz" wrap="square" lIns="15240" tIns="15240" rIns="15240" bIns="15240" numCol="1" spcCol="1270" anchor="ctr" anchorCtr="0">
+        <a:bodyPr spcFirstLastPara="0" vert="horz" wrap="square" lIns="10160" tIns="10160" rIns="10160" bIns="10160" numCol="1" spcCol="1270" anchor="ctr" anchorCtr="0">
           <a:noAutofit/>
         </a:bodyPr>
         <a:lstStyle/>
         <a:p>
-          <a:pPr lvl="0" algn="ctr" defTabSz="1066800">
+          <a:pPr lvl="0" algn="ctr" defTabSz="711200">
             <a:lnSpc>
               <a:spcPct val="90000"/>
             </a:lnSpc>
@@ -12670,35 +12626,35 @@
             </a:spcAft>
           </a:pPr>
           <a:r>
-            <a:rPr lang="en-US" sz="2400" kern="1200" dirty="0" smtClean="0">
-              <a:latin typeface="Buxton Sketch" panose="03080500000500000004" pitchFamily="66" charset="0"/>
+            <a:rPr lang="en-US" sz="1600" kern="1200" dirty="0" smtClean="0">
+              <a:latin typeface="Constantia" panose="02030602050306030303" pitchFamily="18" charset="0"/>
             </a:rPr>
             <a:t> - </a:t>
           </a:r>
           <a:r>
-            <a:rPr lang="en-US" sz="2400" kern="1200" dirty="0" err="1" smtClean="0">
-              <a:latin typeface="Buxton Sketch" panose="03080500000500000004" pitchFamily="66" charset="0"/>
+            <a:rPr lang="en-US" sz="1600" kern="1200" dirty="0" err="1" smtClean="0">
+              <a:latin typeface="Constantia" panose="02030602050306030303" pitchFamily="18" charset="0"/>
             </a:rPr>
             <a:t>Aritchmetic</a:t>
           </a:r>
           <a:r>
-            <a:rPr lang="en-US" sz="2400" kern="1200" dirty="0" smtClean="0">
-              <a:latin typeface="Buxton Sketch" panose="03080500000500000004" pitchFamily="66" charset="0"/>
+            <a:rPr lang="en-US" sz="1600" kern="1200" dirty="0" smtClean="0">
+              <a:latin typeface="Constantia" panose="02030602050306030303" pitchFamily="18" charset="0"/>
             </a:rPr>
             <a:t>: </a:t>
           </a:r>
           <a:r>
-            <a:rPr lang="en-US" sz="2400" kern="1200" dirty="0" smtClean="0">
+            <a:rPr lang="en-US" sz="1600" kern="1200" dirty="0" smtClean="0">
               <a:solidFill>
                 <a:schemeClr val="bg1"/>
               </a:solidFill>
-              <a:latin typeface="Buxton Sketch" panose="03080500000500000004" pitchFamily="66" charset="0"/>
+              <a:latin typeface="Constantia" panose="02030602050306030303" pitchFamily="18" charset="0"/>
             </a:rPr>
             <a:t>+ - / * </a:t>
           </a:r>
         </a:p>
         <a:p>
-          <a:pPr lvl="0" algn="ctr" defTabSz="1066800">
+          <a:pPr lvl="0" algn="ctr" defTabSz="711200">
             <a:lnSpc>
               <a:spcPct val="90000"/>
             </a:lnSpc>
@@ -12710,35 +12666,35 @@
             </a:spcAft>
           </a:pPr>
           <a:r>
-            <a:rPr lang="en-US" sz="2400" kern="1200" dirty="0" smtClean="0">
+            <a:rPr lang="en-US" sz="1600" kern="1200" dirty="0" smtClean="0">
               <a:solidFill>
                 <a:schemeClr val="bg1"/>
               </a:solidFill>
-              <a:latin typeface="Buxton Sketch" panose="03080500000500000004" pitchFamily="66" charset="0"/>
+              <a:latin typeface="Constantia" panose="02030602050306030303" pitchFamily="18" charset="0"/>
             </a:rPr>
             <a:t> </a:t>
           </a:r>
           <a:r>
-            <a:rPr lang="en-US" sz="2400" kern="1200" dirty="0" smtClean="0">
+            <a:rPr lang="en-US" sz="1600" kern="1200" dirty="0" smtClean="0">
               <a:solidFill>
                 <a:schemeClr val="tx1"/>
               </a:solidFill>
-              <a:latin typeface="Buxton Sketch" panose="03080500000500000004" pitchFamily="66" charset="0"/>
+              <a:latin typeface="Constantia" panose="02030602050306030303" pitchFamily="18" charset="0"/>
             </a:rPr>
             <a:t>- Logical: </a:t>
           </a:r>
           <a:r>
-            <a:rPr lang="en-US" sz="2400" kern="1200" dirty="0" smtClean="0">
+            <a:rPr lang="en-US" sz="1600" kern="1200" dirty="0" smtClean="0">
               <a:solidFill>
                 <a:schemeClr val="bg1"/>
               </a:solidFill>
-              <a:latin typeface="Buxton Sketch" panose="03080500000500000004" pitchFamily="66" charset="0"/>
+              <a:latin typeface="Constantia" panose="02030602050306030303" pitchFamily="18" charset="0"/>
             </a:rPr>
             <a:t>&amp;&amp; || ! ^</a:t>
           </a:r>
         </a:p>
         <a:p>
-          <a:pPr lvl="0" algn="ctr" defTabSz="1066800">
+          <a:pPr lvl="0" algn="ctr" defTabSz="711200">
             <a:lnSpc>
               <a:spcPct val="90000"/>
             </a:lnSpc>
@@ -12750,35 +12706,35 @@
             </a:spcAft>
           </a:pPr>
           <a:r>
-            <a:rPr lang="en-US" sz="2400" kern="1200" dirty="0" smtClean="0">
+            <a:rPr lang="en-US" sz="1600" kern="1200" dirty="0" smtClean="0">
               <a:solidFill>
                 <a:schemeClr val="bg1"/>
               </a:solidFill>
-              <a:latin typeface="Buxton Sketch" panose="03080500000500000004" pitchFamily="66" charset="0"/>
+              <a:latin typeface="Constantia" panose="02030602050306030303" pitchFamily="18" charset="0"/>
             </a:rPr>
             <a:t>  </a:t>
           </a:r>
           <a:r>
-            <a:rPr lang="en-US" sz="2400" kern="1200" dirty="0" smtClean="0">
+            <a:rPr lang="en-US" sz="1600" kern="1200" dirty="0" smtClean="0">
               <a:solidFill>
                 <a:schemeClr val="tx1"/>
               </a:solidFill>
-              <a:latin typeface="Buxton Sketch" panose="03080500000500000004" pitchFamily="66" charset="0"/>
+              <a:latin typeface="Constantia" panose="02030602050306030303" pitchFamily="18" charset="0"/>
             </a:rPr>
             <a:t>- Assignment: </a:t>
           </a:r>
           <a:r>
-            <a:rPr lang="en-US" sz="2400" kern="1200" dirty="0" smtClean="0">
+            <a:rPr lang="en-US" sz="1600" kern="1200" dirty="0" smtClean="0">
               <a:solidFill>
                 <a:schemeClr val="bg1"/>
               </a:solidFill>
-              <a:latin typeface="Buxton Sketch" panose="03080500000500000004" pitchFamily="66" charset="0"/>
+              <a:latin typeface="Constantia" panose="02030602050306030303" pitchFamily="18" charset="0"/>
             </a:rPr>
             <a:t>= += *=</a:t>
           </a:r>
         </a:p>
         <a:p>
-          <a:pPr lvl="0" algn="ctr" defTabSz="1066800">
+          <a:pPr lvl="0" algn="ctr" defTabSz="711200">
             <a:lnSpc>
               <a:spcPct val="90000"/>
             </a:lnSpc>
@@ -12790,32 +12746,50 @@
             </a:spcAft>
           </a:pPr>
           <a:r>
-            <a:rPr lang="en-US" sz="2400" kern="1200" dirty="0" smtClean="0">
+            <a:rPr lang="en-US" sz="1600" kern="1200" dirty="0" smtClean="0">
               <a:solidFill>
                 <a:schemeClr val="bg1"/>
               </a:solidFill>
-              <a:latin typeface="Buxton Sketch" panose="03080500000500000004" pitchFamily="66" charset="0"/>
+              <a:latin typeface="Constantia" panose="02030602050306030303" pitchFamily="18" charset="0"/>
             </a:rPr>
             <a:t> </a:t>
           </a:r>
           <a:r>
-            <a:rPr lang="en-US" sz="2400" kern="1200" dirty="0" smtClean="0">
+            <a:rPr lang="en-US" sz="1600" kern="1200" dirty="0" smtClean="0">
               <a:solidFill>
                 <a:schemeClr val="tx1"/>
               </a:solidFill>
-              <a:latin typeface="Buxton Sketch" panose="03080500000500000004" pitchFamily="66" charset="0"/>
+              <a:latin typeface="Constantia" panose="02030602050306030303" pitchFamily="18" charset="0"/>
             </a:rPr>
-            <a:t>- Comparison, Binary,          Concatenation …</a:t>
+            <a:t>- Comparison, Binary</a:t>
           </a:r>
-          <a:endParaRPr lang="en-US" sz="2400" kern="1200" dirty="0" smtClean="0">
+          <a:r>
+            <a:rPr lang="en-US" sz="1600" kern="1200" dirty="0" smtClean="0">
+              <a:solidFill>
+                <a:schemeClr val="tx1"/>
+              </a:solidFill>
+              <a:latin typeface="Constantia" panose="02030602050306030303" pitchFamily="18" charset="0"/>
+            </a:rPr>
+            <a:t>, Concatenation </a:t>
+          </a:r>
+          <a:r>
+            <a:rPr lang="en-US" sz="1600" kern="1200" dirty="0" smtClean="0">
+              <a:solidFill>
+                <a:schemeClr val="tx1"/>
+              </a:solidFill>
+              <a:latin typeface="Constantia" panose="02030602050306030303" pitchFamily="18" charset="0"/>
+            </a:rPr>
+            <a:t>…</a:t>
+          </a:r>
+          <a:endParaRPr lang="en-US" sz="1600" kern="1200" dirty="0" smtClean="0">
             <a:solidFill>
               <a:schemeClr val="bg1"/>
             </a:solidFill>
-            <a:latin typeface="Buxton Sketch" panose="03080500000500000004" pitchFamily="66" charset="0"/>
+            <a:latin typeface="Constantia" panose="02030602050306030303" pitchFamily="18" charset="0"/>
           </a:endParaRPr>
         </a:p>
         <a:p>
-          <a:pPr lvl="0" algn="l" defTabSz="1066800">
+          <a:pPr lvl="0" algn="l" defTabSz="711200">
             <a:lnSpc>
               <a:spcPct val="90000"/>
             </a:lnSpc>
@@ -12826,17 +12800,17 @@
               <a:spcPct val="35000"/>
             </a:spcAft>
           </a:pPr>
-          <a:endParaRPr lang="en-US" sz="2400" kern="1200" dirty="0">
+          <a:endParaRPr lang="en-US" sz="1600" kern="1200" dirty="0">
             <a:solidFill>
               <a:schemeClr val="tx1"/>
             </a:solidFill>
-            <a:latin typeface="Buxton Sketch" panose="03080500000500000004" pitchFamily="66" charset="0"/>
+            <a:latin typeface="Constantia" panose="02030602050306030303" pitchFamily="18" charset="0"/>
           </a:endParaRPr>
         </a:p>
       </dsp:txBody>
       <dsp:txXfrm>
-        <a:off x="315821" y="3555671"/>
-        <a:ext cx="3353782" cy="2895697"/>
+        <a:off x="285752" y="3553592"/>
+        <a:ext cx="2994307" cy="1901012"/>
       </dsp:txXfrm>
     </dsp:sp>
     <dsp:sp modelId="{CADE0652-8354-4A90-88AA-970476A78989}">
@@ -12846,8 +12820,8 @@
       </dsp:nvSpPr>
       <dsp:spPr>
         <a:xfrm>
-          <a:off x="4584807" y="1774401"/>
-          <a:ext cx="4230712" cy="1280399"/>
+          <a:off x="3800939" y="2110374"/>
+          <a:ext cx="3777243" cy="1143159"/>
         </a:xfrm>
         <a:prstGeom prst="rect">
           <a:avLst/>
@@ -12888,12 +12862,12 @@
         </a:fontRef>
       </dsp:style>
       <dsp:txBody>
-        <a:bodyPr spcFirstLastPara="0" vert="horz" wrap="square" lIns="30480" tIns="30480" rIns="30480" bIns="30480" numCol="1" spcCol="1270" anchor="ctr" anchorCtr="0">
+        <a:bodyPr spcFirstLastPara="0" vert="horz" wrap="square" lIns="10160" tIns="10160" rIns="10160" bIns="10160" numCol="1" spcCol="1270" anchor="ctr" anchorCtr="0">
           <a:noAutofit/>
         </a:bodyPr>
         <a:lstStyle/>
         <a:p>
-          <a:pPr lvl="0" algn="ctr" defTabSz="2133600">
+          <a:pPr lvl="0" algn="ctr" defTabSz="711200">
             <a:lnSpc>
               <a:spcPct val="90000"/>
             </a:lnSpc>
@@ -12905,19 +12879,19 @@
             </a:spcAft>
           </a:pPr>
           <a:r>
-            <a:rPr lang="en-US" sz="4800" kern="1200" dirty="0" smtClean="0">
-              <a:latin typeface="Informal Roman" panose="030604020304060B0204" pitchFamily="66" charset="0"/>
+            <a:rPr lang="en-US" sz="1600" kern="1200" dirty="0" smtClean="0">
+              <a:latin typeface="Constantia" panose="02030602050306030303" pitchFamily="18" charset="0"/>
             </a:rPr>
             <a:t>Type Conversion &amp; Casting</a:t>
           </a:r>
-          <a:endParaRPr lang="en-US" sz="4800" kern="1200" dirty="0">
-            <a:latin typeface="Informal Roman" panose="030604020304060B0204" pitchFamily="66" charset="0"/>
+          <a:endParaRPr lang="en-US" sz="1600" kern="1200" dirty="0">
+            <a:latin typeface="Constantia" panose="02030602050306030303" pitchFamily="18" charset="0"/>
           </a:endParaRPr>
         </a:p>
       </dsp:txBody>
       <dsp:txXfrm>
-        <a:off x="4584807" y="1774401"/>
-        <a:ext cx="4230712" cy="1280399"/>
+        <a:off x="3800939" y="2110374"/>
+        <a:ext cx="3777243" cy="1143159"/>
       </dsp:txXfrm>
     </dsp:sp>
     <dsp:sp modelId="{B49C1B7F-AAAB-45F8-822D-909FA2221400}">
@@ -12927,8 +12901,8 @@
       </dsp:nvSpPr>
       <dsp:spPr>
         <a:xfrm>
-          <a:off x="4292011" y="3493349"/>
-          <a:ext cx="3385930" cy="2778208"/>
+          <a:off x="3761519" y="3580437"/>
+          <a:ext cx="3875520" cy="1852847"/>
         </a:xfrm>
         <a:prstGeom prst="rect">
           <a:avLst/>
@@ -12969,12 +12943,12 @@
         </a:fontRef>
       </dsp:style>
       <dsp:txBody>
-        <a:bodyPr spcFirstLastPara="0" vert="horz" wrap="square" lIns="17780" tIns="17780" rIns="17780" bIns="17780" numCol="1" spcCol="1270" anchor="ctr" anchorCtr="0">
+        <a:bodyPr spcFirstLastPara="0" vert="horz" wrap="square" lIns="10160" tIns="10160" rIns="10160" bIns="10160" numCol="1" spcCol="1270" anchor="ctr" anchorCtr="0">
           <a:noAutofit/>
         </a:bodyPr>
         <a:lstStyle/>
         <a:p>
-          <a:pPr lvl="0" algn="ctr" defTabSz="1244600">
+          <a:pPr lvl="0" algn="ctr" defTabSz="711200">
             <a:lnSpc>
               <a:spcPct val="90000"/>
             </a:lnSpc>
@@ -12986,14 +12960,14 @@
             </a:spcAft>
           </a:pPr>
           <a:r>
-            <a:rPr lang="en-US" sz="2800" kern="1200" dirty="0" smtClean="0">
-              <a:latin typeface="Buxton Sketch" panose="03080500000500000004" pitchFamily="66" charset="0"/>
+            <a:rPr lang="en-US" sz="1600" kern="1200" dirty="0" smtClean="0">
+              <a:latin typeface="Constantia" panose="02030602050306030303" pitchFamily="18" charset="0"/>
             </a:rPr>
             <a:t>- Implicit conversion</a:t>
           </a:r>
         </a:p>
         <a:p>
-          <a:pPr lvl="0" algn="ctr" defTabSz="1244600">
+          <a:pPr lvl="0" algn="ctr" defTabSz="711200">
             <a:lnSpc>
               <a:spcPct val="90000"/>
             </a:lnSpc>
@@ -13005,14 +12979,14 @@
             </a:spcAft>
           </a:pPr>
           <a:r>
-            <a:rPr lang="en-US" sz="2800" kern="1200" dirty="0" smtClean="0">
-              <a:latin typeface="Buxton Sketch" panose="03080500000500000004" pitchFamily="66" charset="0"/>
+            <a:rPr lang="en-US" sz="1600" kern="1200" dirty="0" smtClean="0">
+              <a:latin typeface="Constantia" panose="02030602050306030303" pitchFamily="18" charset="0"/>
             </a:rPr>
             <a:t>- Explicit conversion</a:t>
           </a:r>
         </a:p>
         <a:p>
-          <a:pPr lvl="0" algn="ctr" defTabSz="1244600">
+          <a:pPr lvl="0" algn="ctr" defTabSz="711200">
             <a:lnSpc>
               <a:spcPct val="90000"/>
             </a:lnSpc>
@@ -13024,19 +12998,19 @@
             </a:spcAft>
           </a:pPr>
           <a:r>
-            <a:rPr lang="en-US" sz="2800" kern="1200" dirty="0" smtClean="0">
-              <a:latin typeface="Buxton Sketch" panose="03080500000500000004" pitchFamily="66" charset="0"/>
+            <a:rPr lang="en-US" sz="1600" kern="1200" dirty="0" smtClean="0">
+              <a:latin typeface="Constantia" panose="02030602050306030303" pitchFamily="18" charset="0"/>
             </a:rPr>
             <a:t>- Conversion from/to string data type</a:t>
           </a:r>
-          <a:endParaRPr lang="en-US" sz="2800" kern="1200" dirty="0">
-            <a:latin typeface="Buxton Sketch" panose="03080500000500000004" pitchFamily="66" charset="0"/>
+          <a:endParaRPr lang="en-US" sz="1600" kern="1200" dirty="0">
+            <a:latin typeface="Constantia" panose="02030602050306030303" pitchFamily="18" charset="0"/>
           </a:endParaRPr>
         </a:p>
       </dsp:txBody>
       <dsp:txXfrm>
-        <a:off x="4292011" y="3493349"/>
-        <a:ext cx="3385930" cy="2778208"/>
+        <a:off x="3761519" y="3580437"/>
+        <a:ext cx="3875520" cy="1852847"/>
       </dsp:txXfrm>
     </dsp:sp>
     <dsp:sp modelId="{A196E2DD-6D76-475C-B7F7-7557DDF33801}">
@@ -13046,8 +13020,8 @@
       </dsp:nvSpPr>
       <dsp:spPr>
         <a:xfrm>
-          <a:off x="9378528" y="1769434"/>
-          <a:ext cx="2185669" cy="1186421"/>
+          <a:off x="8835361" y="2039271"/>
+          <a:ext cx="1951398" cy="1059254"/>
         </a:xfrm>
         <a:prstGeom prst="rect">
           <a:avLst/>
@@ -13088,12 +13062,12 @@
         </a:fontRef>
       </dsp:style>
       <dsp:txBody>
-        <a:bodyPr spcFirstLastPara="0" vert="horz" wrap="square" lIns="25400" tIns="25400" rIns="25400" bIns="25400" numCol="1" spcCol="1270" anchor="ctr" anchorCtr="0">
+        <a:bodyPr spcFirstLastPara="0" vert="horz" wrap="square" lIns="10160" tIns="10160" rIns="10160" bIns="10160" numCol="1" spcCol="1270" anchor="ctr" anchorCtr="0">
           <a:noAutofit/>
         </a:bodyPr>
         <a:lstStyle/>
         <a:p>
-          <a:pPr lvl="0" algn="ctr" defTabSz="1778000">
+          <a:pPr lvl="0" algn="ctr" defTabSz="711200">
             <a:lnSpc>
               <a:spcPct val="90000"/>
             </a:lnSpc>
@@ -13105,19 +13079,19 @@
             </a:spcAft>
           </a:pPr>
           <a:r>
-            <a:rPr lang="en-US" sz="4000" kern="1200" dirty="0" smtClean="0">
-              <a:latin typeface="Informal Roman" panose="030604020304060B0204" pitchFamily="66" charset="0"/>
+            <a:rPr lang="en-US" sz="1600" kern="1200" dirty="0" smtClean="0">
+              <a:latin typeface="Constantia" panose="02030602050306030303" pitchFamily="18" charset="0"/>
             </a:rPr>
             <a:t>Expressions</a:t>
           </a:r>
-          <a:endParaRPr lang="en-US" sz="4000" kern="1200" dirty="0">
-            <a:latin typeface="Informal Roman" panose="030604020304060B0204" pitchFamily="66" charset="0"/>
+          <a:endParaRPr lang="en-US" sz="1600" kern="1200" dirty="0">
+            <a:latin typeface="Constantia" panose="02030602050306030303" pitchFamily="18" charset="0"/>
           </a:endParaRPr>
         </a:p>
       </dsp:txBody>
       <dsp:txXfrm>
-        <a:off x="9378528" y="1769434"/>
-        <a:ext cx="2185669" cy="1186421"/>
+        <a:off x="8835361" y="2039271"/>
+        <a:ext cx="1951398" cy="1059254"/>
       </dsp:txXfrm>
     </dsp:sp>
     <dsp:sp modelId="{D3DF0737-B8C9-4078-B43F-0952CFB9222D}">
@@ -13127,8 +13101,8 @@
       </dsp:nvSpPr>
       <dsp:spPr>
         <a:xfrm>
-          <a:off x="8952222" y="3201981"/>
-          <a:ext cx="2801397" cy="3325174"/>
+          <a:off x="8058998" y="3421584"/>
+          <a:ext cx="3277390" cy="2968765"/>
         </a:xfrm>
         <a:prstGeom prst="rect">
           <a:avLst/>
@@ -13169,12 +13143,12 @@
         </a:fontRef>
       </dsp:style>
       <dsp:txBody>
-        <a:bodyPr spcFirstLastPara="0" vert="horz" wrap="square" lIns="17780" tIns="17780" rIns="17780" bIns="17780" numCol="1" spcCol="1270" anchor="ctr" anchorCtr="0">
+        <a:bodyPr spcFirstLastPara="0" vert="horz" wrap="square" lIns="10160" tIns="10160" rIns="10160" bIns="10160" numCol="1" spcCol="1270" anchor="ctr" anchorCtr="0">
           <a:noAutofit/>
         </a:bodyPr>
         <a:lstStyle/>
         <a:p>
-          <a:pPr lvl="0" algn="ctr" defTabSz="1244600">
+          <a:pPr lvl="0" algn="ctr" defTabSz="711200">
             <a:lnSpc>
               <a:spcPct val="90000"/>
             </a:lnSpc>
@@ -13186,17 +13160,17 @@
             </a:spcAft>
           </a:pPr>
           <a:r>
-            <a:rPr lang="en-US" sz="2800" kern="1200" dirty="0" smtClean="0">
+            <a:rPr lang="en-US" sz="1600" kern="1200" dirty="0" smtClean="0">
               <a:solidFill>
                 <a:schemeClr val="bg1"/>
               </a:solidFill>
-              <a:latin typeface="Buxton Sketch" panose="03080500000500000004" pitchFamily="66" charset="0"/>
+              <a:latin typeface="Constantia" panose="02030602050306030303" pitchFamily="18" charset="0"/>
             </a:rPr>
             <a:t>// Surface of circle</a:t>
           </a:r>
         </a:p>
         <a:p>
-          <a:pPr lvl="0" algn="ctr" defTabSz="1244600">
+          <a:pPr lvl="0" algn="ctr" defTabSz="711200">
             <a:lnSpc>
               <a:spcPct val="90000"/>
             </a:lnSpc>
@@ -13208,41 +13182,41 @@
             </a:spcAft>
           </a:pPr>
           <a:r>
-            <a:rPr lang="en-US" sz="2800" kern="1200" dirty="0" smtClean="0">
-              <a:latin typeface="Buxton Sketch" panose="03080500000500000004" pitchFamily="66" charset="0"/>
+            <a:rPr lang="en-US" sz="1600" kern="1200" dirty="0" smtClean="0">
+              <a:latin typeface="Constantia" panose="02030602050306030303" pitchFamily="18" charset="0"/>
             </a:rPr>
             <a:t>double </a:t>
           </a:r>
           <a:r>
-            <a:rPr lang="en-US" sz="2800" kern="1200" dirty="0" smtClean="0">
+            <a:rPr lang="en-US" sz="1600" kern="1200" dirty="0" smtClean="0">
               <a:solidFill>
                 <a:srgbClr val="00B0F0"/>
               </a:solidFill>
-              <a:latin typeface="Buxton Sketch" panose="03080500000500000004" pitchFamily="66" charset="0"/>
+              <a:latin typeface="Constantia" panose="02030602050306030303" pitchFamily="18" charset="0"/>
             </a:rPr>
             <a:t>surface</a:t>
           </a:r>
           <a:r>
-            <a:rPr lang="en-US" sz="2800" kern="1200" dirty="0" smtClean="0">
-              <a:latin typeface="Buxton Sketch" panose="03080500000500000004" pitchFamily="66" charset="0"/>
+            <a:rPr lang="en-US" sz="1600" kern="1200" dirty="0" smtClean="0">
+              <a:latin typeface="Constantia" panose="02030602050306030303" pitchFamily="18" charset="0"/>
             </a:rPr>
             <a:t> = </a:t>
           </a:r>
           <a:r>
-            <a:rPr lang="en-US" sz="2800" kern="1200" dirty="0" err="1" smtClean="0">
-              <a:latin typeface="Buxton Sketch" panose="03080500000500000004" pitchFamily="66" charset="0"/>
+            <a:rPr lang="en-US" sz="1600" kern="1200" dirty="0" err="1" smtClean="0">
+              <a:latin typeface="Constantia" panose="02030602050306030303" pitchFamily="18" charset="0"/>
             </a:rPr>
             <a:t>Math.Pi</a:t>
           </a:r>
           <a:r>
-            <a:rPr lang="en-US" sz="2800" kern="1200" dirty="0" smtClean="0">
-              <a:latin typeface="Buxton Sketch" panose="03080500000500000004" pitchFamily="66" charset="0"/>
+            <a:rPr lang="en-US" sz="1600" kern="1200" dirty="0" smtClean="0">
+              <a:latin typeface="Constantia" panose="02030602050306030303" pitchFamily="18" charset="0"/>
             </a:rPr>
             <a:t> * r * r;</a:t>
           </a:r>
         </a:p>
         <a:p>
-          <a:pPr lvl="0" algn="ctr" defTabSz="1244600">
+          <a:pPr lvl="0" algn="ctr" defTabSz="711200">
             <a:lnSpc>
               <a:spcPct val="90000"/>
             </a:lnSpc>
@@ -13254,17 +13228,17 @@
             </a:spcAft>
           </a:pPr>
           <a:r>
-            <a:rPr lang="en-US" sz="2800" kern="1200" dirty="0" smtClean="0">
+            <a:rPr lang="en-US" sz="1600" kern="1200" dirty="0" smtClean="0">
               <a:solidFill>
                 <a:schemeClr val="bg1"/>
               </a:solidFill>
-              <a:latin typeface="Buxton Sketch" panose="03080500000500000004" pitchFamily="66" charset="0"/>
+              <a:latin typeface="Constantia" panose="02030602050306030303" pitchFamily="18" charset="0"/>
             </a:rPr>
             <a:t>// Perimeter of circle</a:t>
           </a:r>
         </a:p>
         <a:p>
-          <a:pPr lvl="0" algn="ctr" defTabSz="1244600">
+          <a:pPr lvl="0" algn="ctr" defTabSz="711200">
             <a:lnSpc>
               <a:spcPct val="90000"/>
             </a:lnSpc>
@@ -13276,29 +13250,29 @@
             </a:spcAft>
           </a:pPr>
           <a:r>
-            <a:rPr lang="en-US" sz="2800" kern="1200" dirty="0" smtClean="0">
-              <a:latin typeface="Buxton Sketch" panose="03080500000500000004" pitchFamily="66" charset="0"/>
+            <a:rPr lang="en-US" sz="1600" kern="1200" dirty="0" smtClean="0">
+              <a:latin typeface="Constantia" panose="02030602050306030303" pitchFamily="18" charset="0"/>
             </a:rPr>
             <a:t>double </a:t>
           </a:r>
           <a:r>
-            <a:rPr lang="en-US" sz="2800" kern="1200" dirty="0" smtClean="0">
+            <a:rPr lang="en-US" sz="1600" kern="1200" dirty="0" smtClean="0">
               <a:solidFill>
                 <a:srgbClr val="00B0F0"/>
               </a:solidFill>
-              <a:latin typeface="Buxton Sketch" panose="03080500000500000004" pitchFamily="66" charset="0"/>
+              <a:latin typeface="Constantia" panose="02030602050306030303" pitchFamily="18" charset="0"/>
             </a:rPr>
             <a:t>perimeter</a:t>
           </a:r>
           <a:r>
-            <a:rPr lang="en-US" sz="2800" kern="1200" dirty="0" smtClean="0">
-              <a:latin typeface="Buxton Sketch" panose="03080500000500000004" pitchFamily="66" charset="0"/>
+            <a:rPr lang="en-US" sz="1600" kern="1200" dirty="0" smtClean="0">
+              <a:latin typeface="Constantia" panose="02030602050306030303" pitchFamily="18" charset="0"/>
             </a:rPr>
             <a:t> = </a:t>
           </a:r>
         </a:p>
         <a:p>
-          <a:pPr lvl="0" algn="ctr" defTabSz="1244600">
+          <a:pPr lvl="0" algn="ctr" defTabSz="711200">
             <a:lnSpc>
               <a:spcPct val="90000"/>
             </a:lnSpc>
@@ -13310,31 +13284,31 @@
             </a:spcAft>
           </a:pPr>
           <a:r>
-            <a:rPr lang="en-US" sz="2800" kern="1200" dirty="0" smtClean="0">
-              <a:latin typeface="Buxton Sketch" panose="03080500000500000004" pitchFamily="66" charset="0"/>
+            <a:rPr lang="en-US" sz="1600" kern="1200" dirty="0" smtClean="0">
+              <a:latin typeface="Constantia" panose="02030602050306030303" pitchFamily="18" charset="0"/>
             </a:rPr>
             <a:t>2 * </a:t>
           </a:r>
           <a:r>
-            <a:rPr lang="en-US" sz="2800" kern="1200" dirty="0" err="1" smtClean="0">
-              <a:latin typeface="Buxton Sketch" panose="03080500000500000004" pitchFamily="66" charset="0"/>
+            <a:rPr lang="en-US" sz="1600" kern="1200" dirty="0" err="1" smtClean="0">
+              <a:latin typeface="Constantia" panose="02030602050306030303" pitchFamily="18" charset="0"/>
             </a:rPr>
             <a:t>Math.Pi</a:t>
           </a:r>
           <a:r>
-            <a:rPr lang="en-US" sz="2800" kern="1200" dirty="0" smtClean="0">
-              <a:latin typeface="Buxton Sketch" panose="03080500000500000004" pitchFamily="66" charset="0"/>
+            <a:rPr lang="en-US" sz="1600" kern="1200" dirty="0" smtClean="0">
+              <a:latin typeface="Constantia" panose="02030602050306030303" pitchFamily="18" charset="0"/>
             </a:rPr>
             <a:t> * r;</a:t>
           </a:r>
-          <a:endParaRPr lang="en-US" sz="2800" kern="1200" dirty="0">
-            <a:latin typeface="Buxton Sketch" panose="03080500000500000004" pitchFamily="66" charset="0"/>
+          <a:endParaRPr lang="en-US" sz="1600" kern="1200" dirty="0">
+            <a:latin typeface="Constantia" panose="02030602050306030303" pitchFamily="18" charset="0"/>
           </a:endParaRPr>
         </a:p>
       </dsp:txBody>
       <dsp:txXfrm>
-        <a:off x="8952222" y="3201981"/>
-        <a:ext cx="2801397" cy="3325174"/>
+        <a:off x="8058998" y="3421584"/>
+        <a:ext cx="3277390" cy="2968765"/>
       </dsp:txXfrm>
     </dsp:sp>
   </dsp:spTree>
@@ -15644,87 +15618,6 @@
       <dsp:cNvGrpSpPr/>
     </dsp:nvGrpSpPr>
     <dsp:grpSpPr/>
-    <dsp:sp modelId="{451D6CD2-E606-4933-A45B-9415248AF59D}">
-      <dsp:nvSpPr>
-        <dsp:cNvPr id="0" name=""/>
-        <dsp:cNvSpPr/>
-      </dsp:nvSpPr>
-      <dsp:spPr>
-        <a:xfrm>
-          <a:off x="0" y="356592"/>
-          <a:ext cx="11881527" cy="646791"/>
-        </a:xfrm>
-        <a:prstGeom prst="rect">
-          <a:avLst/>
-        </a:prstGeom>
-        <a:solidFill>
-          <a:schemeClr val="accent1">
-            <a:hueOff val="0"/>
-            <a:satOff val="0"/>
-            <a:lumOff val="0"/>
-            <a:alphaOff val="0"/>
-          </a:schemeClr>
-        </a:solidFill>
-        <a:ln w="19050" cap="rnd" cmpd="sng" algn="ctr">
-          <a:solidFill>
-            <a:schemeClr val="lt1">
-              <a:hueOff val="0"/>
-              <a:satOff val="0"/>
-              <a:lumOff val="0"/>
-              <a:alphaOff val="0"/>
-            </a:schemeClr>
-          </a:solidFill>
-          <a:prstDash val="solid"/>
-        </a:ln>
-        <a:effectLst/>
-      </dsp:spPr>
-      <dsp:style>
-        <a:lnRef idx="2">
-          <a:scrgbClr r="0" g="0" b="0"/>
-        </a:lnRef>
-        <a:fillRef idx="1">
-          <a:scrgbClr r="0" g="0" b="0"/>
-        </a:fillRef>
-        <a:effectRef idx="0">
-          <a:scrgbClr r="0" g="0" b="0"/>
-        </a:effectRef>
-        <a:fontRef idx="minor">
-          <a:schemeClr val="lt1"/>
-        </a:fontRef>
-      </dsp:style>
-      <dsp:txBody>
-        <a:bodyPr spcFirstLastPara="0" vert="horz" wrap="square" lIns="38100" tIns="38100" rIns="38100" bIns="38100" numCol="1" spcCol="1270" anchor="ctr" anchorCtr="0">
-          <a:noAutofit/>
-        </a:bodyPr>
-        <a:lstStyle/>
-        <a:p>
-          <a:pPr lvl="0" algn="ctr" defTabSz="2667000">
-            <a:lnSpc>
-              <a:spcPct val="90000"/>
-            </a:lnSpc>
-            <a:spcBef>
-              <a:spcPct val="0"/>
-            </a:spcBef>
-            <a:spcAft>
-              <a:spcPct val="35000"/>
-            </a:spcAft>
-          </a:pPr>
-          <a:r>
-            <a:rPr lang="en-US" sz="6000" kern="1200" dirty="0" smtClean="0">
-              <a:solidFill>
-                <a:srgbClr val="FFFF00"/>
-              </a:solidFill>
-              <a:latin typeface="Informal Roman" panose="030604020304060B0204" pitchFamily="66" charset="0"/>
-            </a:rPr>
-            <a:t>Methods</a:t>
-          </a:r>
-        </a:p>
-      </dsp:txBody>
-      <dsp:txXfrm>
-        <a:off x="0" y="356592"/>
-        <a:ext cx="11881527" cy="646791"/>
-      </dsp:txXfrm>
-    </dsp:sp>
   </dsp:spTree>
 </dsp:drawing>
 </file>
@@ -30391,7 +30284,7 @@
           <a:p>
             <a:fld id="{86BC5D83-A6BD-448A-8B7D-D487C0AC34D1}" type="datetimeFigureOut">
               <a:rPr lang="en-US" smtClean="0"/>
-              <a:t>9/19/2017</a:t>
+              <a:t>17-Oct-17</a:t>
             </a:fld>
             <a:endParaRPr lang="en-US"/>
           </a:p>
@@ -30660,6 +30553,90 @@
 </file>
 
 <file path=ppt/notesSlides/notesSlide1.xml><?xml version="1.0" encoding="utf-8"?>
+<p:notes xmlns:a="http://schemas.openxmlformats.org/drawingml/2006/main" xmlns:r="http://schemas.openxmlformats.org/officeDocument/2006/relationships" xmlns:p="http://schemas.openxmlformats.org/presentationml/2006/main">
+  <p:cSld>
+    <p:spTree>
+      <p:nvGrpSpPr>
+        <p:cNvPr id="1" name=""/>
+        <p:cNvGrpSpPr/>
+        <p:nvPr/>
+      </p:nvGrpSpPr>
+      <p:grpSpPr>
+        <a:xfrm>
+          <a:off x="0" y="0"/>
+          <a:ext cx="0" cy="0"/>
+          <a:chOff x="0" y="0"/>
+          <a:chExt cx="0" cy="0"/>
+        </a:xfrm>
+      </p:grpSpPr>
+      <p:sp>
+        <p:nvSpPr>
+          <p:cNvPr id="2" name="Slide Image Placeholder 1"/>
+          <p:cNvSpPr>
+            <a:spLocks noGrp="1" noRot="1" noChangeAspect="1"/>
+          </p:cNvSpPr>
+          <p:nvPr>
+            <p:ph type="sldImg"/>
+          </p:nvPr>
+        </p:nvSpPr>
+        <p:spPr/>
+      </p:sp>
+      <p:sp>
+        <p:nvSpPr>
+          <p:cNvPr id="3" name="Notes Placeholder 2"/>
+          <p:cNvSpPr>
+            <a:spLocks noGrp="1"/>
+          </p:cNvSpPr>
+          <p:nvPr>
+            <p:ph type="body" idx="1"/>
+          </p:nvPr>
+        </p:nvSpPr>
+        <p:spPr/>
+        <p:txBody>
+          <a:bodyPr/>
+          <a:lstStyle/>
+          <a:p>
+            <a:endParaRPr lang="en-US" dirty="0"/>
+          </a:p>
+        </p:txBody>
+      </p:sp>
+      <p:sp>
+        <p:nvSpPr>
+          <p:cNvPr id="4" name="Slide Number Placeholder 3"/>
+          <p:cNvSpPr>
+            <a:spLocks noGrp="1"/>
+          </p:cNvSpPr>
+          <p:nvPr>
+            <p:ph type="sldNum" sz="quarter" idx="10"/>
+          </p:nvPr>
+        </p:nvSpPr>
+        <p:spPr/>
+        <p:txBody>
+          <a:bodyPr/>
+          <a:lstStyle/>
+          <a:p>
+            <a:fld id="{D3B49648-22DD-4E34-A945-180958939B56}" type="slidenum">
+              <a:rPr lang="en-US" smtClean="0"/>
+              <a:t>3</a:t>
+            </a:fld>
+            <a:endParaRPr lang="en-US"/>
+          </a:p>
+        </p:txBody>
+      </p:sp>
+    </p:spTree>
+    <p:extLst>
+      <p:ext uri="{BB962C8B-B14F-4D97-AF65-F5344CB8AC3E}">
+        <p14:creationId xmlns:p14="http://schemas.microsoft.com/office/powerpoint/2010/main" val="407204031"/>
+      </p:ext>
+    </p:extLst>
+  </p:cSld>
+  <p:clrMapOvr>
+    <a:masterClrMapping/>
+  </p:clrMapOvr>
+</p:notes>
+</file>
+
+<file path=ppt/notesSlides/notesSlide2.xml><?xml version="1.0" encoding="utf-8"?>
 <p:notes xmlns:a="http://schemas.openxmlformats.org/drawingml/2006/main" xmlns:r="http://schemas.openxmlformats.org/officeDocument/2006/relationships" xmlns:p="http://schemas.openxmlformats.org/presentationml/2006/main">
   <p:cSld>
     <p:spTree>
@@ -31096,7 +31073,7 @@
 </p:notes>
 </file>
 
-<file path=ppt/notesSlides/notesSlide2.xml><?xml version="1.0" encoding="utf-8"?>
+<file path=ppt/notesSlides/notesSlide3.xml><?xml version="1.0" encoding="utf-8"?>
 <p:notes xmlns:a="http://schemas.openxmlformats.org/drawingml/2006/main" xmlns:r="http://schemas.openxmlformats.org/officeDocument/2006/relationships" xmlns:p="http://schemas.openxmlformats.org/presentationml/2006/main">
   <p:cSld>
     <p:spTree>
@@ -31603,7 +31580,7 @@
 </p:notes>
 </file>
 
-<file path=ppt/notesSlides/notesSlide3.xml><?xml version="1.0" encoding="utf-8"?>
+<file path=ppt/notesSlides/notesSlide4.xml><?xml version="1.0" encoding="utf-8"?>
 <p:notes xmlns:a="http://schemas.openxmlformats.org/drawingml/2006/main" xmlns:r="http://schemas.openxmlformats.org/officeDocument/2006/relationships" xmlns:p="http://schemas.openxmlformats.org/presentationml/2006/main">
   <p:cSld>
     <p:spTree>
@@ -32060,7 +32037,7 @@
             <a:fld id="{B61BEF0D-F0BB-DE4B-95CE-6DB70DBA9567}" type="datetimeFigureOut">
               <a:rPr lang="en-US" dirty="0"/>
               <a:pPr/>
-              <a:t>9/19/2017</a:t>
+              <a:t>17-Oct-17</a:t>
             </a:fld>
             <a:endParaRPr lang="en-US" dirty="0"/>
           </a:p>
@@ -32391,7 +32368,7 @@
             <a:fld id="{B61BEF0D-F0BB-DE4B-95CE-6DB70DBA9567}" type="datetimeFigureOut">
               <a:rPr lang="en-US" dirty="0"/>
               <a:pPr/>
-              <a:t>9/19/2017</a:t>
+              <a:t>17-Oct-17</a:t>
             </a:fld>
             <a:endParaRPr lang="en-US" dirty="0"/>
           </a:p>
@@ -32666,7 +32643,7 @@
             <a:fld id="{B61BEF0D-F0BB-DE4B-95CE-6DB70DBA9567}" type="datetimeFigureOut">
               <a:rPr lang="en-US" dirty="0"/>
               <a:pPr/>
-              <a:t>9/19/2017</a:t>
+              <a:t>17-Oct-17</a:t>
             </a:fld>
             <a:endParaRPr lang="en-US" dirty="0"/>
           </a:p>
@@ -33231,7 +33208,7 @@
             <a:fld id="{B61BEF0D-F0BB-DE4B-95CE-6DB70DBA9567}" type="datetimeFigureOut">
               <a:rPr lang="en-US" dirty="0"/>
               <a:pPr/>
-              <a:t>9/19/2017</a:t>
+              <a:t>17-Oct-17</a:t>
             </a:fld>
             <a:endParaRPr lang="en-US" dirty="0"/>
           </a:p>
@@ -33506,7 +33483,7 @@
             <a:fld id="{B61BEF0D-F0BB-DE4B-95CE-6DB70DBA9567}" type="datetimeFigureOut">
               <a:rPr lang="en-US" dirty="0"/>
               <a:pPr/>
-              <a:t>9/19/2017</a:t>
+              <a:t>17-Oct-17</a:t>
             </a:fld>
             <a:endParaRPr lang="en-US" dirty="0"/>
           </a:p>
@@ -34065,7 +34042,7 @@
             <a:fld id="{B61BEF0D-F0BB-DE4B-95CE-6DB70DBA9567}" type="datetimeFigureOut">
               <a:rPr lang="en-US" dirty="0"/>
               <a:pPr/>
-              <a:t>9/19/2017</a:t>
+              <a:t>17-Oct-17</a:t>
             </a:fld>
             <a:endParaRPr lang="en-US" dirty="0"/>
           </a:p>
@@ -34389,7 +34366,7 @@
             <a:fld id="{B61BEF0D-F0BB-DE4B-95CE-6DB70DBA9567}" type="datetimeFigureOut">
               <a:rPr lang="en-US" dirty="0"/>
               <a:pPr/>
-              <a:t>9/19/2017</a:t>
+              <a:t>17-Oct-17</a:t>
             </a:fld>
             <a:endParaRPr lang="en-US" dirty="0"/>
           </a:p>
@@ -34563,7 +34540,7 @@
             <a:fld id="{B61BEF0D-F0BB-DE4B-95CE-6DB70DBA9567}" type="datetimeFigureOut">
               <a:rPr lang="en-US" dirty="0"/>
               <a:pPr/>
-              <a:t>9/19/2017</a:t>
+              <a:t>17-Oct-17</a:t>
             </a:fld>
             <a:endParaRPr lang="en-US" dirty="0"/>
           </a:p>
@@ -34798,7 +34775,7 @@
             <a:fld id="{B61BEF0D-F0BB-DE4B-95CE-6DB70DBA9567}" type="datetimeFigureOut">
               <a:rPr lang="en-US" dirty="0"/>
               <a:pPr/>
-              <a:t>9/19/2017</a:t>
+              <a:t>17-Oct-17</a:t>
             </a:fld>
             <a:endParaRPr lang="en-US" dirty="0"/>
           </a:p>
@@ -34995,7 +34972,7 @@
             <a:fld id="{B61BEF0D-F0BB-DE4B-95CE-6DB70DBA9567}" type="datetimeFigureOut">
               <a:rPr lang="en-US" dirty="0"/>
               <a:pPr/>
-              <a:t>9/19/2017</a:t>
+              <a:t>17-Oct-17</a:t>
             </a:fld>
             <a:endParaRPr lang="en-US" dirty="0"/>
           </a:p>
@@ -35268,7 +35245,7 @@
             <a:fld id="{B61BEF0D-F0BB-DE4B-95CE-6DB70DBA9567}" type="datetimeFigureOut">
               <a:rPr lang="en-US" dirty="0"/>
               <a:pPr/>
-              <a:t>9/19/2017</a:t>
+              <a:t>17-Oct-17</a:t>
             </a:fld>
             <a:endParaRPr lang="en-US" dirty="0"/>
           </a:p>
@@ -35531,7 +35508,7 @@
             <a:fld id="{B61BEF0D-F0BB-DE4B-95CE-6DB70DBA9567}" type="datetimeFigureOut">
               <a:rPr lang="en-US" dirty="0"/>
               <a:pPr/>
-              <a:t>9/19/2017</a:t>
+              <a:t>17-Oct-17</a:t>
             </a:fld>
             <a:endParaRPr lang="en-US" dirty="0"/>
           </a:p>
@@ -35902,7 +35879,7 @@
             <a:fld id="{B61BEF0D-F0BB-DE4B-95CE-6DB70DBA9567}" type="datetimeFigureOut">
               <a:rPr lang="en-US" dirty="0"/>
               <a:pPr/>
-              <a:t>9/19/2017</a:t>
+              <a:t>17-Oct-17</a:t>
             </a:fld>
             <a:endParaRPr lang="en-US" dirty="0"/>
           </a:p>
@@ -36047,7 +36024,7 @@
             <a:fld id="{B61BEF0D-F0BB-DE4B-95CE-6DB70DBA9567}" type="datetimeFigureOut">
               <a:rPr lang="en-US" dirty="0"/>
               <a:pPr/>
-              <a:t>9/19/2017</a:t>
+              <a:t>17-Oct-17</a:t>
             </a:fld>
             <a:endParaRPr lang="en-US" dirty="0"/>
           </a:p>
@@ -36169,7 +36146,7 @@
             <a:fld id="{B61BEF0D-F0BB-DE4B-95CE-6DB70DBA9567}" type="datetimeFigureOut">
               <a:rPr lang="en-US" dirty="0"/>
               <a:pPr/>
-              <a:t>9/19/2017</a:t>
+              <a:t>17-Oct-17</a:t>
             </a:fld>
             <a:endParaRPr lang="en-US" dirty="0"/>
           </a:p>
@@ -36451,7 +36428,7 @@
             <a:fld id="{B61BEF0D-F0BB-DE4B-95CE-6DB70DBA9567}" type="datetimeFigureOut">
               <a:rPr lang="en-US" dirty="0"/>
               <a:pPr/>
-              <a:t>9/19/2017</a:t>
+              <a:t>17-Oct-17</a:t>
             </a:fld>
             <a:endParaRPr lang="en-US" dirty="0"/>
           </a:p>
@@ -36772,7 +36749,7 @@
             <a:fld id="{B61BEF0D-F0BB-DE4B-95CE-6DB70DBA9567}" type="datetimeFigureOut">
               <a:rPr lang="en-US" dirty="0"/>
               <a:pPr/>
-              <a:t>9/19/2017</a:t>
+              <a:t>17-Oct-17</a:t>
             </a:fld>
             <a:endParaRPr lang="en-US" dirty="0"/>
           </a:p>
@@ -36983,7 +36960,7 @@
             <a:fld id="{B61BEF0D-F0BB-DE4B-95CE-6DB70DBA9567}" type="datetimeFigureOut">
               <a:rPr lang="en-US" dirty="0"/>
               <a:pPr/>
-              <a:t>9/19/2017</a:t>
+              <a:t>17-Oct-17</a:t>
             </a:fld>
             <a:endParaRPr lang="en-US" dirty="0"/>
           </a:p>
@@ -37661,11 +37638,18 @@
   <p:clrMapOvr>
     <a:masterClrMapping/>
   </p:clrMapOvr>
+  <p:timing>
+    <p:tnLst>
+      <p:par>
+        <p:cTn id="1" dur="indefinite" restart="never" nodeType="tmRoot"/>
+      </p:par>
+    </p:tnLst>
+  </p:timing>
 </p:sld>
 </file>
 
 <file path=ppt/slides/slide2.xml><?xml version="1.0" encoding="utf-8"?>
-<p:sld xmlns:a="http://schemas.openxmlformats.org/drawingml/2006/main" xmlns:r="http://schemas.openxmlformats.org/officeDocument/2006/relationships" xmlns:p="http://schemas.openxmlformats.org/presentationml/2006/main">
+<p:sld xmlns:a="http://schemas.openxmlformats.org/drawingml/2006/main" xmlns:r="http://schemas.openxmlformats.org/officeDocument/2006/relationships" xmlns:p="http://schemas.openxmlformats.org/presentationml/2006/main" show="0">
   <p:cSld>
     <p:spTree>
       <p:nvGrpSpPr>
@@ -37716,6 +37700,14 @@
   <p:clrMapOvr>
     <a:masterClrMapping/>
   </p:clrMapOvr>
+  <mc:AlternateContent xmlns:mc="http://schemas.openxmlformats.org/markup-compatibility/2006">
+    <mc:Choice xmlns:p14="http://schemas.microsoft.com/office/powerpoint/2010/main" Requires="p14">
+      <p:transition spd="slow" p14:dur="2000"/>
+    </mc:Choice>
+    <mc:Fallback>
+      <p:transition spd="slow"/>
+    </mc:Fallback>
+  </mc:AlternateContent>
   <p:timing>
     <p:tnLst>
       <p:par>
@@ -37753,7 +37745,7 @@
             <p:ph idx="1"/>
             <p:extLst>
               <p:ext uri="{D42A27DB-BD31-4B8C-83A1-F6EECF244321}">
-                <p14:modId xmlns:p14="http://schemas.microsoft.com/office/powerpoint/2010/main" val="3030753448"/>
+                <p14:modId xmlns:p14="http://schemas.microsoft.com/office/powerpoint/2010/main" val="2831313313"/>
               </p:ext>
             </p:extLst>
           </p:nvPr>
@@ -37764,7 +37756,7 @@
         </p:xfrm>
         <a:graphic>
           <a:graphicData uri="http://schemas.openxmlformats.org/drawingml/2006/diagram">
-            <dgm:relIds xmlns:dgm="http://schemas.openxmlformats.org/drawingml/2006/diagram" xmlns:r="http://schemas.openxmlformats.org/officeDocument/2006/relationships" r:dm="rId2" r:lo="rId3" r:qs="rId4" r:cs="rId5"/>
+            <dgm:relIds xmlns:dgm="http://schemas.openxmlformats.org/drawingml/2006/diagram" xmlns:r="http://schemas.openxmlformats.org/officeDocument/2006/relationships" r:dm="rId3" r:lo="rId4" r:qs="rId5" r:cs="rId6"/>
           </a:graphicData>
         </a:graphic>
       </p:graphicFrame>
@@ -37827,7 +37819,7 @@
             <p:ph idx="1"/>
             <p:extLst>
               <p:ext uri="{D42A27DB-BD31-4B8C-83A1-F6EECF244321}">
-                <p14:modId xmlns:p14="http://schemas.microsoft.com/office/powerpoint/2010/main" val="1874663116"/>
+                <p14:modId xmlns:p14="http://schemas.microsoft.com/office/powerpoint/2010/main" val="2656502813"/>
               </p:ext>
             </p:extLst>
           </p:nvPr>
@@ -38192,7 +38184,7 @@
             <p:ph idx="1"/>
             <p:extLst>
               <p:ext uri="{D42A27DB-BD31-4B8C-83A1-F6EECF244321}">
-                <p14:modId xmlns:p14="http://schemas.microsoft.com/office/powerpoint/2010/main" val="2344937143"/>
+                <p14:modId xmlns:p14="http://schemas.microsoft.com/office/powerpoint/2010/main" val="3896560521"/>
               </p:ext>
             </p:extLst>
           </p:nvPr>
@@ -38216,7 +38208,7 @@
         <p:spPr>
           <a:xfrm>
             <a:off x="96012" y="3858768"/>
-            <a:ext cx="1408176" cy="2677656"/>
+            <a:ext cx="1408176" cy="1815882"/>
           </a:xfrm>
           <a:prstGeom prst="rect">
             <a:avLst/>
@@ -38230,131 +38222,131 @@
           <a:lstStyle/>
           <a:p>
             <a:r>
-              <a:rPr lang="en-US" sz="2400" dirty="0" smtClean="0">
+              <a:rPr lang="en-US" sz="1600" dirty="0" smtClean="0">
                 <a:solidFill>
                   <a:srgbClr val="FFFF00"/>
                 </a:solidFill>
-                <a:latin typeface="Buxton Sketch" panose="03080500000500000004" pitchFamily="66" charset="0"/>
+                <a:latin typeface="Constantia" panose="02030602050306030303" pitchFamily="18" charset="0"/>
               </a:rPr>
               <a:t>Operator</a:t>
             </a:r>
           </a:p>
           <a:p>
             <a:r>
-              <a:rPr lang="en-US" sz="2400" dirty="0">
+              <a:rPr lang="en-US" sz="1600" dirty="0">
                 <a:solidFill>
                   <a:srgbClr val="FFFF00"/>
                 </a:solidFill>
-                <a:latin typeface="Buxton Sketch" panose="03080500000500000004" pitchFamily="66" charset="0"/>
+                <a:latin typeface="Constantia" panose="02030602050306030303" pitchFamily="18" charset="0"/>
               </a:rPr>
               <a:t> </a:t>
             </a:r>
             <a:r>
-              <a:rPr lang="en-US" sz="2400" dirty="0" smtClean="0">
+              <a:rPr lang="en-US" sz="1600" dirty="0" smtClean="0">
                 <a:solidFill>
                   <a:srgbClr val="FFFF00"/>
                 </a:solidFill>
-                <a:latin typeface="Buxton Sketch" panose="03080500000500000004" pitchFamily="66" charset="0"/>
+                <a:latin typeface="Constantia" panose="02030602050306030303" pitchFamily="18" charset="0"/>
               </a:rPr>
               <a:t>   ==</a:t>
             </a:r>
           </a:p>
           <a:p>
             <a:r>
-              <a:rPr lang="en-US" sz="2400" dirty="0">
+              <a:rPr lang="en-US" sz="1600" dirty="0">
                 <a:solidFill>
                   <a:srgbClr val="FFFF00"/>
                 </a:solidFill>
-                <a:latin typeface="Buxton Sketch" panose="03080500000500000004" pitchFamily="66" charset="0"/>
+                <a:latin typeface="Constantia" panose="02030602050306030303" pitchFamily="18" charset="0"/>
               </a:rPr>
               <a:t> </a:t>
             </a:r>
             <a:r>
-              <a:rPr lang="en-US" sz="2400" dirty="0" smtClean="0">
+              <a:rPr lang="en-US" sz="1600" dirty="0" smtClean="0">
                 <a:solidFill>
                   <a:srgbClr val="FFFF00"/>
                 </a:solidFill>
-                <a:latin typeface="Buxton Sketch" panose="03080500000500000004" pitchFamily="66" charset="0"/>
+                <a:latin typeface="Constantia" panose="02030602050306030303" pitchFamily="18" charset="0"/>
               </a:rPr>
               <a:t>   !=</a:t>
             </a:r>
           </a:p>
           <a:p>
             <a:r>
-              <a:rPr lang="en-US" sz="2400" dirty="0">
+              <a:rPr lang="en-US" sz="1600" dirty="0">
                 <a:solidFill>
                   <a:srgbClr val="FFFF00"/>
                 </a:solidFill>
-                <a:latin typeface="Buxton Sketch" panose="03080500000500000004" pitchFamily="66" charset="0"/>
+                <a:latin typeface="Constantia" panose="02030602050306030303" pitchFamily="18" charset="0"/>
               </a:rPr>
               <a:t> </a:t>
             </a:r>
             <a:r>
-              <a:rPr lang="en-US" sz="2400" dirty="0" smtClean="0">
+              <a:rPr lang="en-US" sz="1600" dirty="0" smtClean="0">
                 <a:solidFill>
                   <a:srgbClr val="FFFF00"/>
                 </a:solidFill>
-                <a:latin typeface="Buxton Sketch" panose="03080500000500000004" pitchFamily="66" charset="0"/>
+                <a:latin typeface="Constantia" panose="02030602050306030303" pitchFamily="18" charset="0"/>
               </a:rPr>
               <a:t>   &gt;</a:t>
             </a:r>
           </a:p>
           <a:p>
             <a:r>
-              <a:rPr lang="en-US" sz="2400" dirty="0">
+              <a:rPr lang="en-US" sz="1600" dirty="0">
                 <a:solidFill>
                   <a:srgbClr val="FFFF00"/>
                 </a:solidFill>
-                <a:latin typeface="Buxton Sketch" panose="03080500000500000004" pitchFamily="66" charset="0"/>
+                <a:latin typeface="Constantia" panose="02030602050306030303" pitchFamily="18" charset="0"/>
               </a:rPr>
               <a:t> </a:t>
             </a:r>
             <a:r>
-              <a:rPr lang="en-US" sz="2400" dirty="0" smtClean="0">
+              <a:rPr lang="en-US" sz="1600" dirty="0" smtClean="0">
                 <a:solidFill>
                   <a:srgbClr val="FFFF00"/>
                 </a:solidFill>
-                <a:latin typeface="Buxton Sketch" panose="03080500000500000004" pitchFamily="66" charset="0"/>
+                <a:latin typeface="Constantia" panose="02030602050306030303" pitchFamily="18" charset="0"/>
               </a:rPr>
               <a:t>   &gt;=</a:t>
             </a:r>
           </a:p>
           <a:p>
             <a:r>
-              <a:rPr lang="en-US" sz="2400" dirty="0">
+              <a:rPr lang="en-US" sz="1600" dirty="0">
                 <a:solidFill>
                   <a:srgbClr val="FFFF00"/>
                 </a:solidFill>
-                <a:latin typeface="Buxton Sketch" panose="03080500000500000004" pitchFamily="66" charset="0"/>
+                <a:latin typeface="Constantia" panose="02030602050306030303" pitchFamily="18" charset="0"/>
               </a:rPr>
               <a:t> </a:t>
             </a:r>
             <a:r>
-              <a:rPr lang="en-US" sz="2400" dirty="0" smtClean="0">
+              <a:rPr lang="en-US" sz="1600" dirty="0" smtClean="0">
                 <a:solidFill>
                   <a:srgbClr val="FFFF00"/>
                 </a:solidFill>
-                <a:latin typeface="Buxton Sketch" panose="03080500000500000004" pitchFamily="66" charset="0"/>
+                <a:latin typeface="Constantia" panose="02030602050306030303" pitchFamily="18" charset="0"/>
               </a:rPr>
               <a:t>   &lt;</a:t>
             </a:r>
           </a:p>
           <a:p>
             <a:r>
-              <a:rPr lang="en-US" sz="2400" dirty="0">
+              <a:rPr lang="en-US" sz="1600" dirty="0">
                 <a:solidFill>
                   <a:srgbClr val="FFFF00"/>
                 </a:solidFill>
-                <a:latin typeface="Buxton Sketch" panose="03080500000500000004" pitchFamily="66" charset="0"/>
+                <a:latin typeface="Constantia" panose="02030602050306030303" pitchFamily="18" charset="0"/>
               </a:rPr>
               <a:t> </a:t>
             </a:r>
             <a:r>
-              <a:rPr lang="en-US" sz="2400" dirty="0" smtClean="0">
+              <a:rPr lang="en-US" sz="1600" dirty="0" smtClean="0">
                 <a:solidFill>
                   <a:srgbClr val="FFFF00"/>
                 </a:solidFill>
-                <a:latin typeface="Buxton Sketch" panose="03080500000500000004" pitchFamily="66" charset="0"/>
+                <a:latin typeface="Constantia" panose="02030602050306030303" pitchFamily="18" charset="0"/>
               </a:rPr>
               <a:t>   &lt;=</a:t>
             </a:r>
@@ -38370,7 +38362,7 @@
         <p:spPr>
           <a:xfrm>
             <a:off x="1293876" y="3858768"/>
-            <a:ext cx="2962656" cy="2677656"/>
+            <a:ext cx="2962656" cy="1815882"/>
           </a:xfrm>
           <a:prstGeom prst="rect">
             <a:avLst/>
@@ -38384,61 +38376,61 @@
           <a:lstStyle/>
           <a:p>
             <a:r>
-              <a:rPr lang="en-US" sz="2400" dirty="0" smtClean="0">
-                <a:latin typeface="Buxton Sketch" panose="03080500000500000004" pitchFamily="66" charset="0"/>
+              <a:rPr lang="en-US" sz="1600" dirty="0" smtClean="0">
+                <a:latin typeface="Constantia" panose="02030602050306030303" pitchFamily="18" charset="0"/>
               </a:rPr>
               <a:t>Action</a:t>
             </a:r>
           </a:p>
           <a:p>
             <a:r>
-              <a:rPr lang="en-US" sz="2400" dirty="0" smtClean="0">
-                <a:latin typeface="Buxton Sketch" panose="03080500000500000004" pitchFamily="66" charset="0"/>
+              <a:rPr lang="en-US" sz="1600" dirty="0" smtClean="0">
+                <a:latin typeface="Constantia" panose="02030602050306030303" pitchFamily="18" charset="0"/>
               </a:rPr>
               <a:t>Equal to</a:t>
             </a:r>
           </a:p>
           <a:p>
             <a:r>
-              <a:rPr lang="en-US" sz="2400" dirty="0" smtClean="0">
-                <a:latin typeface="Buxton Sketch" panose="03080500000500000004" pitchFamily="66" charset="0"/>
+              <a:rPr lang="en-US" sz="1600" dirty="0" smtClean="0">
+                <a:latin typeface="Constantia" panose="02030602050306030303" pitchFamily="18" charset="0"/>
               </a:rPr>
               <a:t>Not equal to</a:t>
             </a:r>
           </a:p>
           <a:p>
             <a:r>
-              <a:rPr lang="en-US" sz="2400" dirty="0" smtClean="0">
-                <a:latin typeface="Buxton Sketch" panose="03080500000500000004" pitchFamily="66" charset="0"/>
+              <a:rPr lang="en-US" sz="1600" dirty="0" smtClean="0">
+                <a:latin typeface="Constantia" panose="02030602050306030303" pitchFamily="18" charset="0"/>
               </a:rPr>
               <a:t>Greater than</a:t>
             </a:r>
           </a:p>
           <a:p>
             <a:r>
-              <a:rPr lang="en-US" sz="2400" dirty="0" smtClean="0">
-                <a:latin typeface="Buxton Sketch" panose="03080500000500000004" pitchFamily="66" charset="0"/>
+              <a:rPr lang="en-US" sz="1600" dirty="0" smtClean="0">
+                <a:latin typeface="Constantia" panose="02030602050306030303" pitchFamily="18" charset="0"/>
               </a:rPr>
               <a:t>Greater than or equal to</a:t>
             </a:r>
           </a:p>
           <a:p>
             <a:r>
-              <a:rPr lang="en-US" sz="2400" dirty="0" smtClean="0">
-                <a:latin typeface="Buxton Sketch" panose="03080500000500000004" pitchFamily="66" charset="0"/>
+              <a:rPr lang="en-US" sz="1600" dirty="0" smtClean="0">
+                <a:latin typeface="Constantia" panose="02030602050306030303" pitchFamily="18" charset="0"/>
               </a:rPr>
               <a:t>Less than</a:t>
             </a:r>
           </a:p>
           <a:p>
             <a:r>
-              <a:rPr lang="en-US" sz="2400" dirty="0" smtClean="0">
-                <a:latin typeface="Buxton Sketch" panose="03080500000500000004" pitchFamily="66" charset="0"/>
+              <a:rPr lang="en-US" sz="1600" dirty="0" smtClean="0">
+                <a:latin typeface="Constantia" panose="02030602050306030303" pitchFamily="18" charset="0"/>
               </a:rPr>
               <a:t>Less than or equal to</a:t>
             </a:r>
-            <a:endParaRPr lang="en-US" sz="2400" dirty="0">
-              <a:latin typeface="Buxton Sketch" panose="03080500000500000004" pitchFamily="66" charset="0"/>
+            <a:endParaRPr lang="en-US" sz="1600" dirty="0">
+              <a:latin typeface="Constantia" panose="02030602050306030303" pitchFamily="18" charset="0"/>
             </a:endParaRPr>
           </a:p>
         </p:txBody>
@@ -38452,7 +38444,7 @@
         <p:spPr>
           <a:xfrm flipH="1">
             <a:off x="4407408" y="3099816"/>
-            <a:ext cx="3538728" cy="4585871"/>
+            <a:ext cx="3538728" cy="3539430"/>
           </a:xfrm>
           <a:prstGeom prst="rect">
             <a:avLst/>
@@ -38466,247 +38458,235 @@
           <a:lstStyle/>
           <a:p>
             <a:r>
-              <a:rPr lang="en-US" sz="2000" dirty="0" err="1" smtClean="0">
-                <a:latin typeface="Buxton Sketch" panose="03080500000500000004" pitchFamily="66" charset="0"/>
+              <a:rPr lang="en-US" sz="1600" dirty="0" err="1" smtClean="0">
+                <a:latin typeface="Constantia" panose="02030602050306030303" pitchFamily="18" charset="0"/>
               </a:rPr>
               <a:t>int</a:t>
             </a:r>
             <a:r>
-              <a:rPr lang="en-US" sz="2000" dirty="0" smtClean="0">
-                <a:latin typeface="Buxton Sketch" panose="03080500000500000004" pitchFamily="66" charset="0"/>
+              <a:rPr lang="en-US" sz="1600" dirty="0" smtClean="0">
+                <a:latin typeface="Constantia" panose="02030602050306030303" pitchFamily="18" charset="0"/>
               </a:rPr>
               <a:t> </a:t>
             </a:r>
             <a:r>
-              <a:rPr lang="en-US" sz="2000" dirty="0" err="1" smtClean="0">
+              <a:rPr lang="en-US" sz="1600" dirty="0" err="1" smtClean="0">
+                <a:solidFill>
+                  <a:srgbClr val="00B0F0"/>
+                </a:solidFill>
+                <a:latin typeface="Constantia" panose="02030602050306030303" pitchFamily="18" charset="0"/>
+              </a:rPr>
+              <a:t>myAge</a:t>
+            </a:r>
+            <a:r>
+              <a:rPr lang="en-US" sz="1600" dirty="0" smtClean="0">
                 <a:solidFill>
                   <a:schemeClr val="bg2">
                     <a:lumMod val="60000"/>
                     <a:lumOff val="40000"/>
                   </a:schemeClr>
                 </a:solidFill>
-                <a:latin typeface="Buxton Sketch" panose="03080500000500000004" pitchFamily="66" charset="0"/>
-              </a:rPr>
-              <a:t>myAge</a:t>
-            </a:r>
-            <a:r>
-              <a:rPr lang="en-US" sz="2000" dirty="0" smtClean="0">
-                <a:solidFill>
-                  <a:schemeClr val="bg2">
-                    <a:lumMod val="60000"/>
-                    <a:lumOff val="40000"/>
-                  </a:schemeClr>
-                </a:solidFill>
-                <a:latin typeface="Buxton Sketch" panose="03080500000500000004" pitchFamily="66" charset="0"/>
+                <a:latin typeface="Constantia" panose="02030602050306030303" pitchFamily="18" charset="0"/>
               </a:rPr>
               <a:t> </a:t>
             </a:r>
             <a:r>
-              <a:rPr lang="en-US" sz="2000" dirty="0" smtClean="0">
-                <a:latin typeface="Buxton Sketch" panose="03080500000500000004" pitchFamily="66" charset="0"/>
+              <a:rPr lang="en-US" sz="1600" dirty="0" smtClean="0">
+                <a:latin typeface="Constantia" panose="02030602050306030303" pitchFamily="18" charset="0"/>
               </a:rPr>
               <a:t>= </a:t>
             </a:r>
             <a:r>
-              <a:rPr lang="en-US" sz="2000" dirty="0" err="1" smtClean="0">
-                <a:latin typeface="Buxton Sketch" panose="03080500000500000004" pitchFamily="66" charset="0"/>
+              <a:rPr lang="en-US" sz="1600" dirty="0" err="1" smtClean="0">
+                <a:latin typeface="Constantia" panose="02030602050306030303" pitchFamily="18" charset="0"/>
               </a:rPr>
               <a:t>int.Parse</a:t>
             </a:r>
             <a:r>
-              <a:rPr lang="en-US" sz="2000" dirty="0" smtClean="0">
-                <a:latin typeface="Buxton Sketch" panose="03080500000500000004" pitchFamily="66" charset="0"/>
+              <a:rPr lang="en-US" sz="1600" dirty="0" smtClean="0">
+                <a:latin typeface="Constantia" panose="02030602050306030303" pitchFamily="18" charset="0"/>
               </a:rPr>
               <a:t>(</a:t>
             </a:r>
             <a:r>
-              <a:rPr lang="en-US" sz="2000" dirty="0" err="1" smtClean="0">
+              <a:rPr lang="en-US" sz="1600" dirty="0" err="1" smtClean="0">
                 <a:solidFill>
                   <a:srgbClr val="92D050"/>
                 </a:solidFill>
-                <a:latin typeface="Buxton Sketch" panose="03080500000500000004" pitchFamily="66" charset="0"/>
+                <a:latin typeface="Constantia" panose="02030602050306030303" pitchFamily="18" charset="0"/>
               </a:rPr>
               <a:t>Console</a:t>
             </a:r>
             <a:r>
-              <a:rPr lang="en-US" sz="2000" dirty="0" err="1" smtClean="0">
-                <a:latin typeface="Buxton Sketch" panose="03080500000500000004" pitchFamily="66" charset="0"/>
+              <a:rPr lang="en-US" sz="1600" dirty="0" err="1" smtClean="0">
+                <a:latin typeface="Constantia" panose="02030602050306030303" pitchFamily="18" charset="0"/>
               </a:rPr>
               <a:t>.ReadLine</a:t>
             </a:r>
             <a:r>
-              <a:rPr lang="en-US" sz="2000" dirty="0" smtClean="0">
-                <a:latin typeface="Buxton Sketch" panose="03080500000500000004" pitchFamily="66" charset="0"/>
+              <a:rPr lang="en-US" sz="1600" dirty="0" smtClean="0">
+                <a:latin typeface="Constantia" panose="02030602050306030303" pitchFamily="18" charset="0"/>
               </a:rPr>
               <a:t>());</a:t>
             </a:r>
           </a:p>
           <a:p>
-            <a:endParaRPr lang="en-US" sz="2000" dirty="0" smtClean="0">
-              <a:latin typeface="Buxton Sketch" panose="03080500000500000004" pitchFamily="66" charset="0"/>
+            <a:endParaRPr lang="en-US" sz="1600" dirty="0" smtClean="0">
+              <a:latin typeface="Constantia" panose="02030602050306030303" pitchFamily="18" charset="0"/>
             </a:endParaRPr>
           </a:p>
           <a:p>
             <a:r>
-              <a:rPr lang="en-US" sz="2000" dirty="0" smtClean="0">
+              <a:rPr lang="en-US" sz="1600" dirty="0" smtClean="0">
                 <a:solidFill>
-                  <a:srgbClr val="FFFF00"/>
+                  <a:srgbClr val="00B0F0"/>
                 </a:solidFill>
-                <a:latin typeface="Buxton Sketch" panose="03080500000500000004" pitchFamily="66" charset="0"/>
+                <a:latin typeface="Constantia" panose="02030602050306030303" pitchFamily="18" charset="0"/>
               </a:rPr>
-              <a:t>If</a:t>
+              <a:t>If(</a:t>
             </a:r>
             <a:r>
-              <a:rPr lang="en-US" sz="2000" dirty="0" smtClean="0">
-                <a:latin typeface="Buxton Sketch" panose="03080500000500000004" pitchFamily="66" charset="0"/>
-              </a:rPr>
-              <a:t>(</a:t>
-            </a:r>
-            <a:r>
-              <a:rPr lang="en-US" sz="2000" dirty="0" err="1" smtClean="0">
+              <a:rPr lang="en-US" sz="1600" dirty="0" err="1" smtClean="0">
                 <a:solidFill>
-                  <a:schemeClr val="bg2">
-                    <a:lumMod val="60000"/>
-                    <a:lumOff val="40000"/>
-                  </a:schemeClr>
+                  <a:srgbClr val="00B0F0"/>
                 </a:solidFill>
-                <a:latin typeface="Buxton Sketch" panose="03080500000500000004" pitchFamily="66" charset="0"/>
+                <a:latin typeface="Constantia" panose="02030602050306030303" pitchFamily="18" charset="0"/>
               </a:rPr>
               <a:t>myAge</a:t>
             </a:r>
             <a:r>
-              <a:rPr lang="en-US" sz="2000" dirty="0" smtClean="0">
-                <a:latin typeface="Buxton Sketch" panose="03080500000500000004" pitchFamily="66" charset="0"/>
+              <a:rPr lang="en-US" sz="1600" dirty="0" smtClean="0">
+                <a:latin typeface="Constantia" panose="02030602050306030303" pitchFamily="18" charset="0"/>
               </a:rPr>
               <a:t> &lt; 100)</a:t>
             </a:r>
           </a:p>
           <a:p>
             <a:r>
-              <a:rPr lang="en-US" sz="2000" dirty="0" smtClean="0">
-                <a:latin typeface="Buxton Sketch" panose="03080500000500000004" pitchFamily="66" charset="0"/>
+              <a:rPr lang="en-US" sz="1600" dirty="0" smtClean="0">
+                <a:latin typeface="Constantia" panose="02030602050306030303" pitchFamily="18" charset="0"/>
               </a:rPr>
               <a:t>{</a:t>
             </a:r>
           </a:p>
           <a:p>
             <a:r>
-              <a:rPr lang="en-US" sz="2000" dirty="0" smtClean="0">
-                <a:latin typeface="Buxton Sketch" panose="03080500000500000004" pitchFamily="66" charset="0"/>
+              <a:rPr lang="en-US" sz="1600" dirty="0" smtClean="0">
+                <a:latin typeface="Constantia" panose="02030602050306030303" pitchFamily="18" charset="0"/>
               </a:rPr>
               <a:t>	</a:t>
             </a:r>
             <a:r>
-              <a:rPr lang="en-US" sz="2000" dirty="0" err="1" smtClean="0">
+              <a:rPr lang="en-US" sz="1600" dirty="0" err="1" smtClean="0">
                 <a:solidFill>
                   <a:srgbClr val="92D050"/>
                 </a:solidFill>
-                <a:latin typeface="Buxton Sketch" panose="03080500000500000004" pitchFamily="66" charset="0"/>
+                <a:latin typeface="Constantia" panose="02030602050306030303" pitchFamily="18" charset="0"/>
               </a:rPr>
               <a:t>Console</a:t>
             </a:r>
             <a:r>
-              <a:rPr lang="en-US" sz="2000" dirty="0" err="1" smtClean="0">
-                <a:latin typeface="Buxton Sketch" panose="03080500000500000004" pitchFamily="66" charset="0"/>
+              <a:rPr lang="en-US" sz="1600" dirty="0" err="1" smtClean="0">
+                <a:latin typeface="Constantia" panose="02030602050306030303" pitchFamily="18" charset="0"/>
               </a:rPr>
               <a:t>.WriteLine</a:t>
             </a:r>
             <a:r>
-              <a:rPr lang="en-US" sz="2000" dirty="0" smtClean="0">
-                <a:latin typeface="Buxton Sketch" panose="03080500000500000004" pitchFamily="66" charset="0"/>
+              <a:rPr lang="en-US" sz="1600" dirty="0" smtClean="0">
+                <a:latin typeface="Constantia" panose="02030602050306030303" pitchFamily="18" charset="0"/>
               </a:rPr>
               <a:t>(“Hello”);</a:t>
             </a:r>
-            <a:endParaRPr lang="en-US" sz="2000" dirty="0">
-              <a:latin typeface="Buxton Sketch" panose="03080500000500000004" pitchFamily="66" charset="0"/>
+            <a:endParaRPr lang="en-US" sz="1600" dirty="0">
+              <a:latin typeface="Constantia" panose="02030602050306030303" pitchFamily="18" charset="0"/>
             </a:endParaRPr>
           </a:p>
           <a:p>
             <a:r>
-              <a:rPr lang="en-US" sz="2000" dirty="0" smtClean="0">
-                <a:latin typeface="Buxton Sketch" panose="03080500000500000004" pitchFamily="66" charset="0"/>
+              <a:rPr lang="en-US" sz="1600" dirty="0" smtClean="0">
+                <a:latin typeface="Constantia" panose="02030602050306030303" pitchFamily="18" charset="0"/>
               </a:rPr>
               <a:t>}</a:t>
             </a:r>
-            <a:endParaRPr lang="en-US" sz="2000" dirty="0">
-              <a:latin typeface="Buxton Sketch" panose="03080500000500000004" pitchFamily="66" charset="0"/>
+            <a:endParaRPr lang="en-US" sz="1600" dirty="0">
+              <a:latin typeface="Constantia" panose="02030602050306030303" pitchFamily="18" charset="0"/>
             </a:endParaRPr>
           </a:p>
           <a:p>
             <a:r>
-              <a:rPr lang="en-US" sz="2000" dirty="0" smtClean="0">
+              <a:rPr lang="en-US" sz="1600" dirty="0" smtClean="0">
                 <a:solidFill>
                   <a:srgbClr val="FFFF00"/>
                 </a:solidFill>
-                <a:latin typeface="Buxton Sketch" panose="03080500000500000004" pitchFamily="66" charset="0"/>
+                <a:latin typeface="Constantia" panose="02030602050306030303" pitchFamily="18" charset="0"/>
               </a:rPr>
               <a:t>else</a:t>
             </a:r>
           </a:p>
           <a:p>
             <a:r>
-              <a:rPr lang="en-US" sz="2000" dirty="0" smtClean="0">
-                <a:latin typeface="Buxton Sketch" panose="03080500000500000004" pitchFamily="66" charset="0"/>
+              <a:rPr lang="en-US" sz="1600" dirty="0" smtClean="0">
+                <a:latin typeface="Constantia" panose="02030602050306030303" pitchFamily="18" charset="0"/>
               </a:rPr>
               <a:t>{</a:t>
             </a:r>
           </a:p>
           <a:p>
             <a:r>
-              <a:rPr lang="en-US" sz="2000" dirty="0" smtClean="0">
-                <a:latin typeface="Buxton Sketch" panose="03080500000500000004" pitchFamily="66" charset="0"/>
+              <a:rPr lang="en-US" sz="1600" dirty="0" smtClean="0">
+                <a:latin typeface="Constantia" panose="02030602050306030303" pitchFamily="18" charset="0"/>
               </a:rPr>
               <a:t>	</a:t>
             </a:r>
             <a:r>
-              <a:rPr lang="en-US" sz="2000" dirty="0" err="1" smtClean="0">
+              <a:rPr lang="en-US" sz="1600" dirty="0" err="1" smtClean="0">
                 <a:solidFill>
                   <a:srgbClr val="92D050"/>
                 </a:solidFill>
-                <a:latin typeface="Buxton Sketch" panose="03080500000500000004" pitchFamily="66" charset="0"/>
+                <a:latin typeface="Constantia" panose="02030602050306030303" pitchFamily="18" charset="0"/>
               </a:rPr>
               <a:t>Console</a:t>
             </a:r>
             <a:r>
-              <a:rPr lang="en-US" sz="2000" dirty="0" err="1" smtClean="0">
-                <a:latin typeface="Buxton Sketch" panose="03080500000500000004" pitchFamily="66" charset="0"/>
+              <a:rPr lang="en-US" sz="1600" dirty="0" err="1" smtClean="0">
+                <a:latin typeface="Constantia" panose="02030602050306030303" pitchFamily="18" charset="0"/>
               </a:rPr>
               <a:t>.WriteLine</a:t>
             </a:r>
             <a:r>
-              <a:rPr lang="en-US" sz="2000" dirty="0" smtClean="0">
-                <a:latin typeface="Buxton Sketch" panose="03080500000500000004" pitchFamily="66" charset="0"/>
+              <a:rPr lang="en-US" sz="1600" dirty="0" smtClean="0">
+                <a:latin typeface="Constantia" panose="02030602050306030303" pitchFamily="18" charset="0"/>
               </a:rPr>
               <a:t>(“Bye bye”);</a:t>
             </a:r>
-            <a:endParaRPr lang="en-US" sz="2000" dirty="0">
-              <a:latin typeface="Buxton Sketch" panose="03080500000500000004" pitchFamily="66" charset="0"/>
+            <a:endParaRPr lang="en-US" sz="1600" dirty="0">
+              <a:latin typeface="Constantia" panose="02030602050306030303" pitchFamily="18" charset="0"/>
             </a:endParaRPr>
           </a:p>
           <a:p>
             <a:r>
-              <a:rPr lang="en-US" sz="2000" dirty="0" smtClean="0">
-                <a:latin typeface="Buxton Sketch" panose="03080500000500000004" pitchFamily="66" charset="0"/>
+              <a:rPr lang="en-US" sz="1600" dirty="0" smtClean="0">
+                <a:latin typeface="Constantia" panose="02030602050306030303" pitchFamily="18" charset="0"/>
               </a:rPr>
               <a:t>}</a:t>
             </a:r>
-            <a:endParaRPr lang="en-US" sz="2000" dirty="0">
-              <a:latin typeface="Buxton Sketch" panose="03080500000500000004" pitchFamily="66" charset="0"/>
+            <a:endParaRPr lang="en-US" sz="1600" dirty="0">
+              <a:latin typeface="Constantia" panose="02030602050306030303" pitchFamily="18" charset="0"/>
             </a:endParaRPr>
           </a:p>
           <a:p>
-            <a:endParaRPr lang="en-US" sz="2400" dirty="0" smtClean="0">
-              <a:latin typeface="Buxton Sketch" panose="03080500000500000004" pitchFamily="66" charset="0"/>
+            <a:endParaRPr lang="en-US" sz="1600" dirty="0" smtClean="0">
+              <a:latin typeface="Constantia" panose="02030602050306030303" pitchFamily="18" charset="0"/>
             </a:endParaRPr>
           </a:p>
           <a:p>
-            <a:endParaRPr lang="en-US" sz="2400" dirty="0">
-              <a:latin typeface="Buxton Sketch" panose="03080500000500000004" pitchFamily="66" charset="0"/>
+            <a:endParaRPr lang="en-US" sz="1600" dirty="0">
+              <a:latin typeface="Constantia" panose="02030602050306030303" pitchFamily="18" charset="0"/>
             </a:endParaRPr>
           </a:p>
           <a:p>
-            <a:endParaRPr lang="en-US" sz="2400" dirty="0">
-              <a:latin typeface="Buxton Sketch" panose="03080500000500000004" pitchFamily="66" charset="0"/>
+            <a:endParaRPr lang="en-US" sz="1600" dirty="0">
+              <a:latin typeface="Constantia" panose="02030602050306030303" pitchFamily="18" charset="0"/>
             </a:endParaRPr>
           </a:p>
         </p:txBody>
@@ -38720,7 +38700,7 @@
         <p:spPr>
           <a:xfrm>
             <a:off x="8189595" y="2688336"/>
-            <a:ext cx="3678174" cy="3477875"/>
+            <a:ext cx="3678174" cy="2800767"/>
           </a:xfrm>
           <a:prstGeom prst="rect">
             <a:avLst/>
@@ -38734,261 +38714,255 @@
           <a:lstStyle/>
           <a:p>
             <a:r>
-              <a:rPr lang="en-US" sz="2000" dirty="0">
+              <a:rPr lang="en-US" sz="1600" dirty="0">
                 <a:solidFill>
-                  <a:srgbClr val="FFFF00"/>
+                  <a:srgbClr val="00B0F0"/>
                 </a:solidFill>
-                <a:latin typeface="Buxton Sketch" panose="03080500000500000004" pitchFamily="66" charset="0"/>
+                <a:latin typeface="Constantia" panose="02030602050306030303" pitchFamily="18" charset="0"/>
               </a:rPr>
               <a:t>s</a:t>
             </a:r>
             <a:r>
-              <a:rPr lang="en-US" sz="2000" dirty="0" smtClean="0">
+              <a:rPr lang="en-US" sz="1600" dirty="0" smtClean="0">
                 <a:solidFill>
-                  <a:srgbClr val="FFFF00"/>
+                  <a:srgbClr val="00B0F0"/>
                 </a:solidFill>
-                <a:latin typeface="Buxton Sketch" panose="03080500000500000004" pitchFamily="66" charset="0"/>
+                <a:latin typeface="Constantia" panose="02030602050306030303" pitchFamily="18" charset="0"/>
               </a:rPr>
-              <a:t>witch</a:t>
+              <a:t>witch(</a:t>
             </a:r>
             <a:r>
-              <a:rPr lang="en-US" sz="2000" dirty="0" smtClean="0">
-                <a:latin typeface="Buxton Sketch" panose="03080500000500000004" pitchFamily="66" charset="0"/>
-              </a:rPr>
-              <a:t>(</a:t>
-            </a:r>
-            <a:r>
-              <a:rPr lang="en-US" sz="2000" dirty="0" err="1" smtClean="0">
+              <a:rPr lang="en-US" sz="1600" dirty="0" err="1" smtClean="0">
                 <a:solidFill>
-                  <a:srgbClr val="0070C0"/>
+                  <a:srgbClr val="00B0F0"/>
                 </a:solidFill>
-                <a:latin typeface="Buxton Sketch" panose="03080500000500000004" pitchFamily="66" charset="0"/>
+                <a:latin typeface="Constantia" panose="02030602050306030303" pitchFamily="18" charset="0"/>
               </a:rPr>
               <a:t>myAge</a:t>
             </a:r>
             <a:r>
-              <a:rPr lang="en-US" sz="2000" dirty="0" smtClean="0">
-                <a:latin typeface="Buxton Sketch" panose="03080500000500000004" pitchFamily="66" charset="0"/>
+              <a:rPr lang="en-US" sz="1600" dirty="0" smtClean="0">
+                <a:latin typeface="Constantia" panose="02030602050306030303" pitchFamily="18" charset="0"/>
               </a:rPr>
               <a:t>)</a:t>
             </a:r>
           </a:p>
           <a:p>
             <a:r>
-              <a:rPr lang="en-US" sz="2000" dirty="0" smtClean="0">
-                <a:latin typeface="Buxton Sketch" panose="03080500000500000004" pitchFamily="66" charset="0"/>
+              <a:rPr lang="en-US" sz="1600" dirty="0" smtClean="0">
+                <a:latin typeface="Constantia" panose="02030602050306030303" pitchFamily="18" charset="0"/>
               </a:rPr>
               <a:t>{</a:t>
             </a:r>
           </a:p>
           <a:p>
             <a:r>
-              <a:rPr lang="en-US" sz="2000" dirty="0">
-                <a:latin typeface="Buxton Sketch" panose="03080500000500000004" pitchFamily="66" charset="0"/>
+              <a:rPr lang="en-US" sz="1600" dirty="0">
+                <a:latin typeface="Constantia" panose="02030602050306030303" pitchFamily="18" charset="0"/>
               </a:rPr>
               <a:t>	</a:t>
             </a:r>
             <a:r>
-              <a:rPr lang="en-US" sz="2000" dirty="0" smtClean="0">
-                <a:latin typeface="Buxton Sketch" panose="03080500000500000004" pitchFamily="66" charset="0"/>
+              <a:rPr lang="en-US" sz="1600" dirty="0" smtClean="0">
+                <a:latin typeface="Constantia" panose="02030602050306030303" pitchFamily="18" charset="0"/>
               </a:rPr>
               <a:t>case </a:t>
             </a:r>
             <a:r>
-              <a:rPr lang="en-US" sz="2000" dirty="0" smtClean="0">
+              <a:rPr lang="en-US" sz="1600" dirty="0" smtClean="0">
                 <a:solidFill>
                   <a:srgbClr val="FF0000"/>
                 </a:solidFill>
-                <a:latin typeface="Buxton Sketch" panose="03080500000500000004" pitchFamily="66" charset="0"/>
+                <a:latin typeface="Constantia" panose="02030602050306030303" pitchFamily="18" charset="0"/>
               </a:rPr>
               <a:t>10</a:t>
             </a:r>
             <a:r>
-              <a:rPr lang="en-US" sz="2000" dirty="0" smtClean="0">
-                <a:latin typeface="Buxton Sketch" panose="03080500000500000004" pitchFamily="66" charset="0"/>
+              <a:rPr lang="en-US" sz="1600" dirty="0" smtClean="0">
+                <a:latin typeface="Constantia" panose="02030602050306030303" pitchFamily="18" charset="0"/>
               </a:rPr>
               <a:t>:</a:t>
             </a:r>
           </a:p>
           <a:p>
             <a:r>
-              <a:rPr lang="en-US" sz="2000" dirty="0">
-                <a:latin typeface="Buxton Sketch" panose="03080500000500000004" pitchFamily="66" charset="0"/>
+              <a:rPr lang="en-US" sz="1600" dirty="0">
+                <a:latin typeface="Constantia" panose="02030602050306030303" pitchFamily="18" charset="0"/>
               </a:rPr>
               <a:t>	</a:t>
             </a:r>
             <a:r>
-              <a:rPr lang="en-US" sz="2000" dirty="0" smtClean="0">
-                <a:latin typeface="Buxton Sketch" panose="03080500000500000004" pitchFamily="66" charset="0"/>
+              <a:rPr lang="en-US" sz="1600" dirty="0" smtClean="0">
+                <a:latin typeface="Constantia" panose="02030602050306030303" pitchFamily="18" charset="0"/>
               </a:rPr>
               <a:t>   </a:t>
             </a:r>
             <a:r>
-              <a:rPr lang="en-US" sz="2000" dirty="0" err="1" smtClean="0">
+              <a:rPr lang="en-US" sz="1600" dirty="0" err="1" smtClean="0">
                 <a:solidFill>
                   <a:srgbClr val="92D050"/>
                 </a:solidFill>
-                <a:latin typeface="Buxton Sketch" panose="03080500000500000004" pitchFamily="66" charset="0"/>
+                <a:latin typeface="Constantia" panose="02030602050306030303" pitchFamily="18" charset="0"/>
               </a:rPr>
               <a:t>Console.</a:t>
             </a:r>
             <a:r>
-              <a:rPr lang="en-US" sz="2000" dirty="0" err="1" smtClean="0">
-                <a:latin typeface="Buxton Sketch" panose="03080500000500000004" pitchFamily="66" charset="0"/>
+              <a:rPr lang="en-US" sz="1600" dirty="0" err="1" smtClean="0">
+                <a:latin typeface="Constantia" panose="02030602050306030303" pitchFamily="18" charset="0"/>
               </a:rPr>
               <a:t>WriteLine</a:t>
             </a:r>
             <a:r>
-              <a:rPr lang="en-US" sz="2000" dirty="0" smtClean="0">
-                <a:latin typeface="Buxton Sketch" panose="03080500000500000004" pitchFamily="66" charset="0"/>
+              <a:rPr lang="en-US" sz="1600" dirty="0" smtClean="0">
+                <a:latin typeface="Constantia" panose="02030602050306030303" pitchFamily="18" charset="0"/>
               </a:rPr>
               <a:t>(“Kid”); </a:t>
             </a:r>
           </a:p>
           <a:p>
             <a:r>
-              <a:rPr lang="en-US" sz="2000" dirty="0">
-                <a:latin typeface="Buxton Sketch" panose="03080500000500000004" pitchFamily="66" charset="0"/>
+              <a:rPr lang="en-US" sz="1600" dirty="0">
+                <a:latin typeface="Constantia" panose="02030602050306030303" pitchFamily="18" charset="0"/>
               </a:rPr>
               <a:t>	 </a:t>
             </a:r>
             <a:r>
-              <a:rPr lang="en-US" sz="2000" dirty="0" smtClean="0">
-                <a:latin typeface="Buxton Sketch" panose="03080500000500000004" pitchFamily="66" charset="0"/>
+              <a:rPr lang="en-US" sz="1600" dirty="0" smtClean="0">
+                <a:latin typeface="Constantia" panose="02030602050306030303" pitchFamily="18" charset="0"/>
               </a:rPr>
               <a:t>  break;</a:t>
             </a:r>
           </a:p>
           <a:p>
             <a:r>
-              <a:rPr lang="en-US" sz="2000" dirty="0" smtClean="0">
-                <a:latin typeface="Buxton Sketch" panose="03080500000500000004" pitchFamily="66" charset="0"/>
+              <a:rPr lang="en-US" sz="1600" dirty="0" smtClean="0">
+                <a:latin typeface="Constantia" panose="02030602050306030303" pitchFamily="18" charset="0"/>
               </a:rPr>
               <a:t>	case </a:t>
             </a:r>
             <a:r>
-              <a:rPr lang="en-US" sz="2000" dirty="0" smtClean="0">
+              <a:rPr lang="en-US" sz="1600" dirty="0" smtClean="0">
                 <a:solidFill>
                   <a:srgbClr val="FF0000"/>
                 </a:solidFill>
-                <a:latin typeface="Buxton Sketch" panose="03080500000500000004" pitchFamily="66" charset="0"/>
+                <a:latin typeface="Constantia" panose="02030602050306030303" pitchFamily="18" charset="0"/>
               </a:rPr>
               <a:t>15</a:t>
             </a:r>
             <a:r>
-              <a:rPr lang="en-US" sz="2000" dirty="0" smtClean="0">
-                <a:latin typeface="Buxton Sketch" panose="03080500000500000004" pitchFamily="66" charset="0"/>
+              <a:rPr lang="en-US" sz="1600" dirty="0" smtClean="0">
+                <a:latin typeface="Constantia" panose="02030602050306030303" pitchFamily="18" charset="0"/>
               </a:rPr>
               <a:t>:</a:t>
             </a:r>
           </a:p>
           <a:p>
             <a:r>
-              <a:rPr lang="en-US" sz="2000" dirty="0">
-                <a:latin typeface="Buxton Sketch" panose="03080500000500000004" pitchFamily="66" charset="0"/>
+              <a:rPr lang="en-US" sz="1600" dirty="0">
+                <a:latin typeface="Constantia" panose="02030602050306030303" pitchFamily="18" charset="0"/>
               </a:rPr>
               <a:t>	</a:t>
             </a:r>
             <a:r>
-              <a:rPr lang="en-US" sz="2000" dirty="0" smtClean="0">
-                <a:latin typeface="Buxton Sketch" panose="03080500000500000004" pitchFamily="66" charset="0"/>
+              <a:rPr lang="en-US" sz="1600" dirty="0" smtClean="0">
+                <a:latin typeface="Constantia" panose="02030602050306030303" pitchFamily="18" charset="0"/>
               </a:rPr>
               <a:t>   </a:t>
             </a:r>
             <a:r>
-              <a:rPr lang="en-US" sz="2000" dirty="0" err="1" smtClean="0">
+              <a:rPr lang="en-US" sz="1600" dirty="0" err="1" smtClean="0">
                 <a:solidFill>
                   <a:srgbClr val="92D050"/>
                 </a:solidFill>
-                <a:latin typeface="Buxton Sketch" panose="03080500000500000004" pitchFamily="66" charset="0"/>
+                <a:latin typeface="Constantia" panose="02030602050306030303" pitchFamily="18" charset="0"/>
               </a:rPr>
               <a:t>Console</a:t>
             </a:r>
             <a:r>
-              <a:rPr lang="en-US" sz="2000" dirty="0" err="1" smtClean="0">
-                <a:latin typeface="Buxton Sketch" panose="03080500000500000004" pitchFamily="66" charset="0"/>
+              <a:rPr lang="en-US" sz="1600" dirty="0" err="1" smtClean="0">
+                <a:latin typeface="Constantia" panose="02030602050306030303" pitchFamily="18" charset="0"/>
               </a:rPr>
               <a:t>.WriteLine</a:t>
             </a:r>
             <a:r>
-              <a:rPr lang="en-US" sz="2000" dirty="0" smtClean="0">
-                <a:latin typeface="Buxton Sketch" panose="03080500000500000004" pitchFamily="66" charset="0"/>
+              <a:rPr lang="en-US" sz="1600" dirty="0" smtClean="0">
+                <a:latin typeface="Constantia" panose="02030602050306030303" pitchFamily="18" charset="0"/>
               </a:rPr>
               <a:t>(“Teenager”);</a:t>
             </a:r>
           </a:p>
           <a:p>
             <a:r>
-              <a:rPr lang="en-US" sz="2000" dirty="0">
-                <a:latin typeface="Buxton Sketch" panose="03080500000500000004" pitchFamily="66" charset="0"/>
+              <a:rPr lang="en-US" sz="1600" dirty="0">
+                <a:latin typeface="Constantia" panose="02030602050306030303" pitchFamily="18" charset="0"/>
               </a:rPr>
               <a:t>	</a:t>
             </a:r>
             <a:r>
-              <a:rPr lang="en-US" sz="2000" dirty="0" smtClean="0">
-                <a:latin typeface="Buxton Sketch" panose="03080500000500000004" pitchFamily="66" charset="0"/>
+              <a:rPr lang="en-US" sz="1600" dirty="0" smtClean="0">
+                <a:latin typeface="Constantia" panose="02030602050306030303" pitchFamily="18" charset="0"/>
               </a:rPr>
               <a:t>   break;</a:t>
             </a:r>
-            <a:endParaRPr lang="en-US" sz="2000" dirty="0">
-              <a:latin typeface="Buxton Sketch" panose="03080500000500000004" pitchFamily="66" charset="0"/>
+            <a:endParaRPr lang="en-US" sz="1600" dirty="0">
+              <a:latin typeface="Constantia" panose="02030602050306030303" pitchFamily="18" charset="0"/>
             </a:endParaRPr>
           </a:p>
           <a:p>
             <a:r>
-              <a:rPr lang="en-US" sz="2000" dirty="0" smtClean="0">
-                <a:latin typeface="Buxton Sketch" panose="03080500000500000004" pitchFamily="66" charset="0"/>
+              <a:rPr lang="en-US" sz="1600" dirty="0" smtClean="0">
+                <a:latin typeface="Constantia" panose="02030602050306030303" pitchFamily="18" charset="0"/>
               </a:rPr>
               <a:t>	default:</a:t>
             </a:r>
           </a:p>
           <a:p>
             <a:r>
-              <a:rPr lang="en-US" sz="2000" dirty="0">
-                <a:latin typeface="Buxton Sketch" panose="03080500000500000004" pitchFamily="66" charset="0"/>
+              <a:rPr lang="en-US" sz="1600" dirty="0">
+                <a:latin typeface="Constantia" panose="02030602050306030303" pitchFamily="18" charset="0"/>
               </a:rPr>
               <a:t>	</a:t>
             </a:r>
             <a:r>
-              <a:rPr lang="en-US" sz="2000" dirty="0" smtClean="0">
-                <a:latin typeface="Buxton Sketch" panose="03080500000500000004" pitchFamily="66" charset="0"/>
+              <a:rPr lang="en-US" sz="1600" dirty="0" smtClean="0">
+                <a:latin typeface="Constantia" panose="02030602050306030303" pitchFamily="18" charset="0"/>
               </a:rPr>
               <a:t>   </a:t>
             </a:r>
             <a:r>
-              <a:rPr lang="en-US" sz="2000" dirty="0" err="1" smtClean="0">
+              <a:rPr lang="en-US" sz="1600" dirty="0" err="1" smtClean="0">
                 <a:solidFill>
                   <a:srgbClr val="92D050"/>
                 </a:solidFill>
-                <a:latin typeface="Buxton Sketch" panose="03080500000500000004" pitchFamily="66" charset="0"/>
+                <a:latin typeface="Constantia" panose="02030602050306030303" pitchFamily="18" charset="0"/>
               </a:rPr>
               <a:t>Console</a:t>
             </a:r>
             <a:r>
-              <a:rPr lang="en-US" sz="2000" dirty="0" err="1" smtClean="0">
-                <a:latin typeface="Buxton Sketch" panose="03080500000500000004" pitchFamily="66" charset="0"/>
+              <a:rPr lang="en-US" sz="1600" dirty="0" err="1" smtClean="0">
+                <a:latin typeface="Constantia" panose="02030602050306030303" pitchFamily="18" charset="0"/>
               </a:rPr>
               <a:t>.WriteLine</a:t>
             </a:r>
             <a:r>
-              <a:rPr lang="en-US" sz="2000" dirty="0" smtClean="0">
-                <a:latin typeface="Buxton Sketch" panose="03080500000500000004" pitchFamily="66" charset="0"/>
+              <a:rPr lang="en-US" sz="1600" dirty="0" smtClean="0">
+                <a:latin typeface="Constantia" panose="02030602050306030303" pitchFamily="18" charset="0"/>
               </a:rPr>
               <a:t>(“Old perk”);</a:t>
             </a:r>
-            <a:endParaRPr lang="en-US" sz="2000" dirty="0">
-              <a:latin typeface="Buxton Sketch" panose="03080500000500000004" pitchFamily="66" charset="0"/>
+            <a:endParaRPr lang="en-US" sz="1600" dirty="0">
+              <a:latin typeface="Constantia" panose="02030602050306030303" pitchFamily="18" charset="0"/>
             </a:endParaRPr>
           </a:p>
           <a:p>
             <a:r>
-              <a:rPr lang="en-US" sz="2000" dirty="0" smtClean="0">
-                <a:latin typeface="Buxton Sketch" panose="03080500000500000004" pitchFamily="66" charset="0"/>
+              <a:rPr lang="en-US" sz="1600" dirty="0" smtClean="0">
+                <a:latin typeface="Constantia" panose="02030602050306030303" pitchFamily="18" charset="0"/>
               </a:rPr>
               <a:t>}</a:t>
             </a:r>
-            <a:endParaRPr lang="en-US" sz="2000" dirty="0">
-              <a:latin typeface="Buxton Sketch" panose="03080500000500000004" pitchFamily="66" charset="0"/>
+            <a:endParaRPr lang="en-US" sz="1600" dirty="0">
+              <a:latin typeface="Constantia" panose="02030602050306030303" pitchFamily="18" charset="0"/>
             </a:endParaRPr>
           </a:p>
         </p:txBody>
@@ -39673,14 +39647,14 @@
             <p:ph idx="1"/>
             <p:extLst>
               <p:ext uri="{D42A27DB-BD31-4B8C-83A1-F6EECF244321}">
-                <p14:modId xmlns:p14="http://schemas.microsoft.com/office/powerpoint/2010/main" val="662467438"/>
+                <p14:modId xmlns:p14="http://schemas.microsoft.com/office/powerpoint/2010/main" val="4257049934"/>
               </p:ext>
             </p:extLst>
           </p:nvPr>
         </p:nvGraphicFramePr>
         <p:xfrm>
-          <a:off x="182880" y="0"/>
-          <a:ext cx="11887200" cy="6858000"/>
+          <a:off x="144172" y="0"/>
+          <a:ext cx="11887200" cy="7520475"/>
         </p:xfrm>
         <a:graphic>
           <a:graphicData uri="http://schemas.openxmlformats.org/drawingml/2006/diagram">
@@ -39696,8 +39670,8 @@
         </p:nvSpPr>
         <p:spPr>
           <a:xfrm>
-            <a:off x="370024" y="1335024"/>
-            <a:ext cx="5756456" cy="5632311"/>
+            <a:off x="6078973" y="877162"/>
+            <a:ext cx="5756456" cy="1569660"/>
           </a:xfrm>
           <a:prstGeom prst="rect">
             <a:avLst/>
@@ -39711,162 +39685,72 @@
           <a:lstStyle/>
           <a:p>
             <a:pPr lvl="0"/>
-            <a:r>
-              <a:rPr lang="en-US" dirty="0">
-                <a:solidFill>
-                  <a:srgbClr val="FFFF00"/>
-                </a:solidFill>
-                <a:latin typeface="Buxton Sketch" panose="03080500000500000004" pitchFamily="66" charset="0"/>
-              </a:rPr>
-              <a:t>They are useful </a:t>
-            </a:r>
-            <a:r>
-              <a:rPr lang="en-US" dirty="0" smtClean="0">
-                <a:solidFill>
-                  <a:srgbClr val="FFFF00"/>
-                </a:solidFill>
-                <a:latin typeface="Buxton Sketch" panose="03080500000500000004" pitchFamily="66" charset="0"/>
-              </a:rPr>
-              <a:t>because allow </a:t>
-            </a:r>
-            <a:r>
-              <a:rPr lang="en-US" dirty="0">
-                <a:solidFill>
-                  <a:srgbClr val="FFFF00"/>
-                </a:solidFill>
-                <a:latin typeface="Buxton Sketch" panose="03080500000500000004" pitchFamily="66" charset="0"/>
-              </a:rPr>
-              <a:t>us to define our logic once &amp; </a:t>
-            </a:r>
-            <a:endParaRPr lang="en-US" dirty="0" smtClean="0">
+            <a:endParaRPr lang="en-US" sz="1600" dirty="0">
               <a:solidFill>
                 <a:srgbClr val="FFFF00"/>
               </a:solidFill>
-              <a:latin typeface="Buxton Sketch" panose="03080500000500000004" pitchFamily="66" charset="0"/>
+              <a:latin typeface="Constantia" panose="02030602050306030303" pitchFamily="18" charset="0"/>
+            </a:endParaRPr>
+          </a:p>
+          <a:p>
+            <a:pPr lvl="0"/>
+            <a:endParaRPr lang="en-US" sz="1600" dirty="0" smtClean="0">
+              <a:solidFill>
+                <a:srgbClr val="FFFF00"/>
+              </a:solidFill>
+              <a:latin typeface="Constantia" panose="02030602050306030303" pitchFamily="18" charset="0"/>
             </a:endParaRPr>
           </a:p>
           <a:p>
             <a:pPr lvl="0"/>
             <a:r>
-              <a:rPr lang="en-US" dirty="0" smtClean="0">
-                <a:solidFill>
-                  <a:srgbClr val="FFFF00"/>
-                </a:solidFill>
-                <a:latin typeface="Buxton Sketch" panose="03080500000500000004" pitchFamily="66" charset="0"/>
+              <a:rPr lang="en-US" sz="1600" dirty="0" smtClean="0">
+                <a:latin typeface="Constantia" panose="02030602050306030303" pitchFamily="18" charset="0"/>
               </a:rPr>
-              <a:t>use </a:t>
+              <a:t>[</a:t>
             </a:r>
             <a:r>
-              <a:rPr lang="en-US" dirty="0">
-                <a:solidFill>
-                  <a:srgbClr val="FFFF00"/>
-                </a:solidFill>
-                <a:latin typeface="Buxton Sketch" panose="03080500000500000004" pitchFamily="66" charset="0"/>
-              </a:rPr>
-              <a:t>it at many places.</a:t>
-            </a:r>
-            <a:r>
-              <a:rPr lang="en-US" dirty="0">
-                <a:solidFill>
-                  <a:srgbClr val="FFFF00"/>
-                </a:solidFill>
-                <a:latin typeface="Informal Roman" panose="030604020304060B0204" pitchFamily="66" charset="0"/>
-              </a:rPr>
-              <a:t> </a:t>
-            </a:r>
-            <a:endParaRPr lang="en-US" dirty="0" smtClean="0">
-              <a:solidFill>
-                <a:srgbClr val="FFFF00"/>
-              </a:solidFill>
-              <a:latin typeface="Informal Roman" panose="030604020304060B0204" pitchFamily="66" charset="0"/>
-            </a:endParaRPr>
-          </a:p>
-          <a:p>
-            <a:pPr lvl="0"/>
-            <a:endParaRPr lang="en-US" dirty="0">
-              <a:solidFill>
-                <a:srgbClr val="FFFF00"/>
-              </a:solidFill>
-              <a:latin typeface="Informal Roman" panose="030604020304060B0204" pitchFamily="66" charset="0"/>
-            </a:endParaRPr>
-          </a:p>
-          <a:p>
-            <a:pPr lvl="0"/>
-            <a:endParaRPr lang="en-US" dirty="0" smtClean="0">
-              <a:solidFill>
-                <a:srgbClr val="FFFF00"/>
-              </a:solidFill>
-              <a:latin typeface="Informal Roman" panose="030604020304060B0204" pitchFamily="66" charset="0"/>
-            </a:endParaRPr>
-          </a:p>
-          <a:p>
-            <a:pPr lvl="0"/>
-            <a:r>
-              <a:rPr lang="en-US" dirty="0">
-                <a:latin typeface="Buxton Sketch" panose="03080500000500000004" pitchFamily="66" charset="0"/>
-              </a:rPr>
-              <a:t>Basic structure of a method: </a:t>
-            </a:r>
-            <a:endParaRPr lang="en-US" dirty="0" smtClean="0">
-              <a:latin typeface="Buxton Sketch" panose="03080500000500000004" pitchFamily="66" charset="0"/>
-            </a:endParaRPr>
-          </a:p>
-          <a:p>
-            <a:pPr lvl="0"/>
-            <a:endParaRPr lang="en-US" dirty="0">
-              <a:latin typeface="Buxton Sketch" panose="03080500000500000004" pitchFamily="66" charset="0"/>
-            </a:endParaRPr>
-          </a:p>
-          <a:p>
-            <a:pPr lvl="0"/>
-            <a:r>
-              <a:rPr lang="en-US" dirty="0">
-                <a:latin typeface="Buxton Sketch" panose="03080500000500000004" pitchFamily="66" charset="0"/>
-              </a:rPr>
-              <a:t> [</a:t>
-            </a:r>
-            <a:r>
-              <a:rPr lang="en-US" dirty="0">
+              <a:rPr lang="en-US" sz="1600" dirty="0">
                 <a:solidFill>
                   <a:srgbClr val="00B050"/>
                 </a:solidFill>
-                <a:latin typeface="Buxton Sketch" panose="03080500000500000004" pitchFamily="66" charset="0"/>
+                <a:latin typeface="Constantia" panose="02030602050306030303" pitchFamily="18" charset="0"/>
               </a:rPr>
               <a:t>access-modifiers</a:t>
             </a:r>
             <a:r>
-              <a:rPr lang="en-US" dirty="0">
-                <a:latin typeface="Buxton Sketch" panose="03080500000500000004" pitchFamily="66" charset="0"/>
+              <a:rPr lang="en-US" sz="1600" dirty="0">
+                <a:latin typeface="Constantia" panose="02030602050306030303" pitchFamily="18" charset="0"/>
               </a:rPr>
               <a:t>] [</a:t>
             </a:r>
             <a:r>
-              <a:rPr lang="en-US" dirty="0">
+              <a:rPr lang="en-US" sz="1600" dirty="0">
                 <a:solidFill>
                   <a:srgbClr val="00B050"/>
                 </a:solidFill>
-                <a:latin typeface="Buxton Sketch" panose="03080500000500000004" pitchFamily="66" charset="0"/>
+                <a:latin typeface="Constantia" panose="02030602050306030303" pitchFamily="18" charset="0"/>
               </a:rPr>
               <a:t>return-type</a:t>
             </a:r>
             <a:r>
-              <a:rPr lang="en-US" dirty="0">
-                <a:latin typeface="Buxton Sketch" panose="03080500000500000004" pitchFamily="66" charset="0"/>
+              <a:rPr lang="en-US" sz="1600" dirty="0">
+                <a:latin typeface="Constantia" panose="02030602050306030303" pitchFamily="18" charset="0"/>
               </a:rPr>
               <a:t>] [method-name] ( </a:t>
             </a:r>
             <a:r>
-              <a:rPr lang="en-US" dirty="0">
+              <a:rPr lang="en-US" sz="1600" dirty="0">
                 <a:solidFill>
                   <a:srgbClr val="0070C0"/>
                 </a:solidFill>
-                <a:latin typeface="Buxton Sketch" panose="03080500000500000004" pitchFamily="66" charset="0"/>
+                <a:latin typeface="Constantia" panose="02030602050306030303" pitchFamily="18" charset="0"/>
               </a:rPr>
               <a:t>parameters</a:t>
             </a:r>
             <a:r>
-              <a:rPr lang="en-US" dirty="0">
-                <a:latin typeface="Buxton Sketch" panose="03080500000500000004" pitchFamily="66" charset="0"/>
+              <a:rPr lang="en-US" sz="1600" dirty="0">
+                <a:latin typeface="Constantia" panose="02030602050306030303" pitchFamily="18" charset="0"/>
               </a:rPr>
               <a:t> )</a:t>
             </a:r>
@@ -39874,8 +39758,8 @@
           <a:p>
             <a:pPr lvl="0"/>
             <a:r>
-              <a:rPr lang="en-US" dirty="0">
-                <a:latin typeface="Buxton Sketch" panose="03080500000500000004" pitchFamily="66" charset="0"/>
+              <a:rPr lang="en-US" sz="1600" dirty="0">
+                <a:latin typeface="Constantia" panose="02030602050306030303" pitchFamily="18" charset="0"/>
               </a:rPr>
               <a:t>{</a:t>
             </a:r>
@@ -39883,185 +39767,32 @@
           <a:p>
             <a:pPr lvl="0"/>
             <a:r>
-              <a:rPr lang="en-US" dirty="0">
-                <a:latin typeface="Buxton Sketch" panose="03080500000500000004" pitchFamily="66" charset="0"/>
+              <a:rPr lang="en-US" sz="1600" dirty="0">
+                <a:latin typeface="Constantia" panose="02030602050306030303" pitchFamily="18" charset="0"/>
               </a:rPr>
               <a:t>    Method </a:t>
             </a:r>
             <a:r>
-              <a:rPr lang="en-US" dirty="0" smtClean="0">
-                <a:latin typeface="Buxton Sketch" panose="03080500000500000004" pitchFamily="66" charset="0"/>
+              <a:rPr lang="en-US" sz="1600" dirty="0" smtClean="0">
+                <a:latin typeface="Constantia" panose="02030602050306030303" pitchFamily="18" charset="0"/>
               </a:rPr>
               <a:t>Body Logic</a:t>
             </a:r>
-            <a:endParaRPr lang="en-US" dirty="0">
-              <a:latin typeface="Buxton Sketch" panose="03080500000500000004" pitchFamily="66" charset="0"/>
+            <a:endParaRPr lang="en-US" sz="1600" dirty="0">
+              <a:latin typeface="Constantia" panose="02030602050306030303" pitchFamily="18" charset="0"/>
             </a:endParaRPr>
           </a:p>
           <a:p>
             <a:pPr lvl="0"/>
             <a:r>
-              <a:rPr lang="en-US" dirty="0" smtClean="0">
-                <a:latin typeface="Buxton Sketch" panose="03080500000500000004" pitchFamily="66" charset="0"/>
+              <a:rPr lang="en-US" sz="1600" dirty="0" smtClean="0">
+                <a:latin typeface="Constantia" panose="02030602050306030303" pitchFamily="18" charset="0"/>
               </a:rPr>
               <a:t>}</a:t>
             </a:r>
-          </a:p>
-          <a:p>
-            <a:pPr lvl="0"/>
-            <a:endParaRPr lang="en-US" dirty="0">
-              <a:latin typeface="Buxton Sketch" panose="03080500000500000004" pitchFamily="66" charset="0"/>
+            <a:endParaRPr lang="en-US" sz="1600" dirty="0">
+              <a:latin typeface="Constantia" panose="02030602050306030303" pitchFamily="18" charset="0"/>
             </a:endParaRPr>
-          </a:p>
-          <a:p>
-            <a:r>
-              <a:rPr lang="en-US" dirty="0">
-                <a:solidFill>
-                  <a:srgbClr val="FFFF00"/>
-                </a:solidFill>
-                <a:latin typeface="Buxton Sketch" panose="03080500000500000004" pitchFamily="66" charset="0"/>
-              </a:rPr>
-              <a:t>Return type can be any valid data type or void.</a:t>
-            </a:r>
-          </a:p>
-          <a:p>
-            <a:r>
-              <a:rPr lang="en-US" dirty="0" smtClean="0">
-                <a:solidFill>
-                  <a:srgbClr val="FFFF00"/>
-                </a:solidFill>
-                <a:latin typeface="Buxton Sketch" panose="03080500000500000004" pitchFamily="66" charset="0"/>
-              </a:rPr>
-              <a:t>Parameters </a:t>
-            </a:r>
-            <a:r>
-              <a:rPr lang="en-US" dirty="0">
-                <a:solidFill>
-                  <a:srgbClr val="FFFF00"/>
-                </a:solidFill>
-                <a:latin typeface="Buxton Sketch" panose="03080500000500000004" pitchFamily="66" charset="0"/>
-              </a:rPr>
-              <a:t>are optional.</a:t>
-            </a:r>
-            <a:endParaRPr lang="en-US" dirty="0" smtClean="0">
-              <a:solidFill>
-                <a:srgbClr val="FFFF00"/>
-              </a:solidFill>
-              <a:latin typeface="Buxton Sketch" panose="03080500000500000004" pitchFamily="66" charset="0"/>
-            </a:endParaRPr>
-          </a:p>
-          <a:p>
-            <a:pPr lvl="0"/>
-            <a:endParaRPr lang="en-US" dirty="0">
-              <a:latin typeface="Buxton Sketch" panose="03080500000500000004" pitchFamily="66" charset="0"/>
-            </a:endParaRPr>
-          </a:p>
-          <a:p>
-            <a:r>
-              <a:rPr lang="en-US" dirty="0">
-                <a:solidFill>
-                  <a:srgbClr val="0070C0"/>
-                </a:solidFill>
-                <a:latin typeface="Buxton Sketch" panose="03080500000500000004" pitchFamily="66" charset="0"/>
-              </a:rPr>
-              <a:t>static void </a:t>
-            </a:r>
-            <a:r>
-              <a:rPr lang="en-US" dirty="0" err="1" smtClean="0">
-                <a:latin typeface="Buxton Sketch" panose="03080500000500000004" pitchFamily="66" charset="0"/>
-              </a:rPr>
-              <a:t>SayHello</a:t>
-            </a:r>
-            <a:r>
-              <a:rPr lang="en-US" dirty="0" smtClean="0">
-                <a:latin typeface="Buxton Sketch" panose="03080500000500000004" pitchFamily="66" charset="0"/>
-              </a:rPr>
-              <a:t>(</a:t>
-            </a:r>
-            <a:r>
-              <a:rPr lang="en-US" dirty="0" smtClean="0">
-                <a:solidFill>
-                  <a:srgbClr val="0070C0"/>
-                </a:solidFill>
-                <a:latin typeface="Buxton Sketch" panose="03080500000500000004" pitchFamily="66" charset="0"/>
-              </a:rPr>
-              <a:t>string</a:t>
-            </a:r>
-            <a:r>
-              <a:rPr lang="en-US" dirty="0" smtClean="0">
-                <a:latin typeface="Buxton Sketch" panose="03080500000500000004" pitchFamily="66" charset="0"/>
-              </a:rPr>
-              <a:t> </a:t>
-            </a:r>
-            <a:r>
-              <a:rPr lang="en-US" dirty="0">
-                <a:latin typeface="Buxton Sketch" panose="03080500000500000004" pitchFamily="66" charset="0"/>
-              </a:rPr>
-              <a:t>name)</a:t>
-            </a:r>
-          </a:p>
-          <a:p>
-            <a:r>
-              <a:rPr lang="en-US" dirty="0" smtClean="0">
-                <a:latin typeface="Buxton Sketch" panose="03080500000500000004" pitchFamily="66" charset="0"/>
-              </a:rPr>
-              <a:t>{</a:t>
-            </a:r>
-            <a:endParaRPr lang="en-US" dirty="0">
-              <a:latin typeface="Buxton Sketch" panose="03080500000500000004" pitchFamily="66" charset="0"/>
-            </a:endParaRPr>
-          </a:p>
-          <a:p>
-            <a:r>
-              <a:rPr lang="en-US" dirty="0" smtClean="0">
-                <a:latin typeface="Buxton Sketch" panose="03080500000500000004" pitchFamily="66" charset="0"/>
-              </a:rPr>
-              <a:t>    </a:t>
-            </a:r>
-            <a:r>
-              <a:rPr lang="en-US" dirty="0" err="1" smtClean="0">
-                <a:solidFill>
-                  <a:srgbClr val="00B050"/>
-                </a:solidFill>
-                <a:latin typeface="Buxton Sketch" panose="03080500000500000004" pitchFamily="66" charset="0"/>
-              </a:rPr>
-              <a:t>Console</a:t>
-            </a:r>
-            <a:r>
-              <a:rPr lang="en-US" dirty="0" err="1" smtClean="0">
-                <a:latin typeface="Buxton Sketch" panose="03080500000500000004" pitchFamily="66" charset="0"/>
-              </a:rPr>
-              <a:t>.WriteLine</a:t>
-            </a:r>
-            <a:r>
-              <a:rPr lang="en-US" dirty="0">
-                <a:latin typeface="Buxton Sketch" panose="03080500000500000004" pitchFamily="66" charset="0"/>
-              </a:rPr>
-              <a:t>("Hello {0}", name);</a:t>
-            </a:r>
-          </a:p>
-          <a:p>
-            <a:r>
-              <a:rPr lang="en-US" dirty="0" smtClean="0">
-                <a:latin typeface="Buxton Sketch" panose="03080500000500000004" pitchFamily="66" charset="0"/>
-              </a:rPr>
-              <a:t>}</a:t>
-            </a:r>
-            <a:endParaRPr lang="en-US" dirty="0">
-              <a:latin typeface="Buxton Sketch" panose="03080500000500000004" pitchFamily="66" charset="0"/>
-            </a:endParaRPr>
-          </a:p>
-          <a:p>
-            <a:pPr lvl="0"/>
-            <a:endParaRPr lang="en-US" dirty="0">
-              <a:solidFill>
-                <a:srgbClr val="FFFF00"/>
-              </a:solidFill>
-              <a:latin typeface="Informal Roman" panose="030604020304060B0204" pitchFamily="66" charset="0"/>
-            </a:endParaRPr>
-          </a:p>
-          <a:p>
-            <a:endParaRPr lang="en-US" dirty="0"/>
           </a:p>
         </p:txBody>
       </p:sp>
@@ -40073,8 +39804,8 @@
         </p:nvSpPr>
         <p:spPr>
           <a:xfrm>
-            <a:off x="6236208" y="1427357"/>
-            <a:ext cx="4663440" cy="5078313"/>
+            <a:off x="779853" y="1181142"/>
+            <a:ext cx="4663440" cy="4770537"/>
           </a:xfrm>
           <a:prstGeom prst="rect">
             <a:avLst/>
@@ -40087,41 +39818,473 @@
           </a:bodyPr>
           <a:lstStyle/>
           <a:p>
+            <a:endParaRPr lang="en-US" sz="1600" dirty="0">
+              <a:solidFill>
+                <a:srgbClr val="FFFF00"/>
+              </a:solidFill>
+              <a:latin typeface="Constantia" panose="02030602050306030303" pitchFamily="18" charset="0"/>
+            </a:endParaRPr>
+          </a:p>
+          <a:p>
             <a:r>
-              <a:rPr lang="en-US" dirty="0" smtClean="0">
+              <a:rPr lang="en-US" sz="1600" dirty="0">
                 <a:solidFill>
-                  <a:srgbClr val="0070C0"/>
+                  <a:srgbClr val="00B0F0"/>
                 </a:solidFill>
-                <a:latin typeface="Buxton Sketch" panose="03080500000500000004" pitchFamily="66" charset="0"/>
+                <a:latin typeface="Constantia" panose="02030602050306030303" pitchFamily="18" charset="0"/>
               </a:rPr>
-              <a:t>static </a:t>
+              <a:t>static void </a:t>
             </a:r>
             <a:r>
-              <a:rPr lang="en-US" dirty="0">
-                <a:solidFill>
-                  <a:srgbClr val="0070C0"/>
-                </a:solidFill>
-                <a:latin typeface="Buxton Sketch" panose="03080500000500000004" pitchFamily="66" charset="0"/>
+              <a:rPr lang="en-US" sz="1600" dirty="0" err="1">
+                <a:latin typeface="Constantia" panose="02030602050306030303" pitchFamily="18" charset="0"/>
               </a:rPr>
-              <a:t>void </a:t>
+              <a:t>SayHello</a:t>
             </a:r>
             <a:r>
-              <a:rPr lang="en-US" dirty="0">
-                <a:latin typeface="Buxton Sketch" panose="03080500000500000004" pitchFamily="66" charset="0"/>
+              <a:rPr lang="en-US" sz="1600" dirty="0">
+                <a:latin typeface="Constantia" panose="02030602050306030303" pitchFamily="18" charset="0"/>
               </a:rPr>
-              <a:t>Main</a:t>
+              <a:t>(</a:t>
             </a:r>
             <a:r>
-              <a:rPr lang="en-US" dirty="0" smtClean="0">
-                <a:latin typeface="Buxton Sketch" panose="03080500000500000004" pitchFamily="66" charset="0"/>
+              <a:rPr lang="en-US" sz="1600" dirty="0">
+                <a:solidFill>
+                  <a:srgbClr val="00B0F0"/>
+                </a:solidFill>
+                <a:latin typeface="Constantia" panose="02030602050306030303" pitchFamily="18" charset="0"/>
+              </a:rPr>
+              <a:t>string</a:t>
+            </a:r>
+            <a:r>
+              <a:rPr lang="en-US" sz="1600" dirty="0">
+                <a:latin typeface="Constantia" panose="02030602050306030303" pitchFamily="18" charset="0"/>
+              </a:rPr>
+              <a:t> name)</a:t>
+            </a:r>
+          </a:p>
+          <a:p>
+            <a:r>
+              <a:rPr lang="en-US" sz="1600" dirty="0">
+                <a:latin typeface="Constantia" panose="02030602050306030303" pitchFamily="18" charset="0"/>
+              </a:rPr>
+              <a:t>{</a:t>
+            </a:r>
+          </a:p>
+          <a:p>
+            <a:r>
+              <a:rPr lang="en-US" sz="1600" dirty="0">
+                <a:latin typeface="Constantia" panose="02030602050306030303" pitchFamily="18" charset="0"/>
+              </a:rPr>
+              <a:t>    </a:t>
+            </a:r>
+            <a:r>
+              <a:rPr lang="en-US" sz="1600" dirty="0" err="1">
+                <a:solidFill>
+                  <a:srgbClr val="00B050"/>
+                </a:solidFill>
+                <a:latin typeface="Constantia" panose="02030602050306030303" pitchFamily="18" charset="0"/>
+              </a:rPr>
+              <a:t>Console</a:t>
+            </a:r>
+            <a:r>
+              <a:rPr lang="en-US" sz="1600" dirty="0" err="1">
+                <a:latin typeface="Constantia" panose="02030602050306030303" pitchFamily="18" charset="0"/>
+              </a:rPr>
+              <a:t>.WriteLine</a:t>
+            </a:r>
+            <a:r>
+              <a:rPr lang="en-US" sz="1600" dirty="0">
+                <a:latin typeface="Constantia" panose="02030602050306030303" pitchFamily="18" charset="0"/>
+              </a:rPr>
+              <a:t>("Hello {0}", name);</a:t>
+            </a:r>
+          </a:p>
+          <a:p>
+            <a:r>
+              <a:rPr lang="en-US" sz="1600" dirty="0" smtClean="0">
+                <a:latin typeface="Constantia" panose="02030602050306030303" pitchFamily="18" charset="0"/>
+              </a:rPr>
+              <a:t>}</a:t>
+            </a:r>
+          </a:p>
+          <a:p>
+            <a:endParaRPr lang="en-US" sz="1600" dirty="0" smtClean="0">
+              <a:solidFill>
+                <a:srgbClr val="FFFF00"/>
+              </a:solidFill>
+              <a:latin typeface="Constantia" panose="02030602050306030303" pitchFamily="18" charset="0"/>
+            </a:endParaRPr>
+          </a:p>
+          <a:p>
+            <a:r>
+              <a:rPr lang="en-US" sz="1600" dirty="0">
+                <a:solidFill>
+                  <a:srgbClr val="00B0F0"/>
+                </a:solidFill>
+                <a:latin typeface="Constantia" panose="02030602050306030303" pitchFamily="18" charset="0"/>
+              </a:rPr>
+              <a:t>static void </a:t>
+            </a:r>
+            <a:r>
+              <a:rPr lang="en-US" sz="1600" dirty="0" err="1">
+                <a:latin typeface="Constantia" panose="02030602050306030303" pitchFamily="18" charset="0"/>
+              </a:rPr>
+              <a:t>PrinPlanets</a:t>
+            </a:r>
+            <a:r>
+              <a:rPr lang="en-US" sz="1600" dirty="0">
+                <a:latin typeface="Constantia" panose="02030602050306030303" pitchFamily="18" charset="0"/>
               </a:rPr>
               <a:t>()</a:t>
             </a:r>
           </a:p>
           <a:p>
             <a:r>
+              <a:rPr lang="en-US" sz="1600" dirty="0">
+                <a:latin typeface="Constantia" panose="02030602050306030303" pitchFamily="18" charset="0"/>
+              </a:rPr>
+              <a:t>{</a:t>
+            </a:r>
+          </a:p>
+          <a:p>
+            <a:r>
+              <a:rPr lang="en-US" sz="1600" dirty="0">
+                <a:latin typeface="Constantia" panose="02030602050306030303" pitchFamily="18" charset="0"/>
+              </a:rPr>
+              <a:t>    </a:t>
+            </a:r>
+            <a:r>
+              <a:rPr lang="en-US" sz="1600" dirty="0" err="1">
+                <a:solidFill>
+                  <a:srgbClr val="00B050"/>
+                </a:solidFill>
+                <a:latin typeface="Constantia" panose="02030602050306030303" pitchFamily="18" charset="0"/>
+              </a:rPr>
+              <a:t>Console</a:t>
+            </a:r>
+            <a:r>
+              <a:rPr lang="en-US" sz="1600" dirty="0" err="1">
+                <a:latin typeface="Constantia" panose="02030602050306030303" pitchFamily="18" charset="0"/>
+              </a:rPr>
+              <a:t>.WriteLine</a:t>
+            </a:r>
+            <a:r>
+              <a:rPr lang="en-US" sz="1600" dirty="0">
+                <a:latin typeface="Constantia" panose="02030602050306030303" pitchFamily="18" charset="0"/>
+              </a:rPr>
+              <a:t>(“Jupiter, Saturn, Mars…");</a:t>
+            </a:r>
+          </a:p>
+          <a:p>
+            <a:r>
+              <a:rPr lang="en-US" sz="1600" dirty="0" smtClean="0">
+                <a:latin typeface="Constantia" panose="02030602050306030303" pitchFamily="18" charset="0"/>
+              </a:rPr>
+              <a:t>}</a:t>
+            </a:r>
+          </a:p>
+          <a:p>
+            <a:endParaRPr lang="en-US" sz="1600" dirty="0">
+              <a:solidFill>
+                <a:srgbClr val="FFFF00"/>
+              </a:solidFill>
+              <a:latin typeface="Constantia" panose="02030602050306030303" pitchFamily="18" charset="0"/>
+            </a:endParaRPr>
+          </a:p>
+          <a:p>
+            <a:r>
+              <a:rPr lang="en-US" sz="1600" dirty="0">
+                <a:solidFill>
+                  <a:srgbClr val="00B0F0"/>
+                </a:solidFill>
+                <a:latin typeface="Constantia" panose="02030602050306030303" pitchFamily="18" charset="0"/>
+              </a:rPr>
+              <a:t>static </a:t>
+            </a:r>
+            <a:r>
+              <a:rPr lang="en-US" sz="1600" dirty="0" err="1">
+                <a:solidFill>
+                  <a:srgbClr val="00B0F0"/>
+                </a:solidFill>
+                <a:latin typeface="Constantia" panose="02030602050306030303" pitchFamily="18" charset="0"/>
+              </a:rPr>
+              <a:t>int</a:t>
+            </a:r>
+            <a:r>
+              <a:rPr lang="en-US" sz="1600" dirty="0">
+                <a:solidFill>
+                  <a:srgbClr val="00B0F0"/>
+                </a:solidFill>
+                <a:latin typeface="Constantia" panose="02030602050306030303" pitchFamily="18" charset="0"/>
+              </a:rPr>
+              <a:t> </a:t>
+            </a:r>
+            <a:r>
+              <a:rPr lang="en-US" sz="1600" dirty="0" err="1">
+                <a:latin typeface="Constantia" panose="02030602050306030303" pitchFamily="18" charset="0"/>
+              </a:rPr>
+              <a:t>CreateRandomNumber</a:t>
+            </a:r>
+            <a:r>
+              <a:rPr lang="en-US" sz="1600" dirty="0">
+                <a:latin typeface="Constantia" panose="02030602050306030303" pitchFamily="18" charset="0"/>
+              </a:rPr>
+              <a:t>()</a:t>
+            </a:r>
+          </a:p>
+          <a:p>
+            <a:r>
+              <a:rPr lang="en-US" sz="1600" dirty="0">
+                <a:latin typeface="Constantia" panose="02030602050306030303" pitchFamily="18" charset="0"/>
+              </a:rPr>
+              <a:t>{</a:t>
+            </a:r>
+          </a:p>
+          <a:p>
+            <a:r>
+              <a:rPr lang="en-US" sz="1600" dirty="0">
+                <a:latin typeface="Constantia" panose="02030602050306030303" pitchFamily="18" charset="0"/>
+              </a:rPr>
+              <a:t>    </a:t>
+            </a:r>
+            <a:r>
+              <a:rPr lang="en-US" sz="1600" dirty="0">
+                <a:solidFill>
+                  <a:srgbClr val="00B050"/>
+                </a:solidFill>
+                <a:latin typeface="Constantia" panose="02030602050306030303" pitchFamily="18" charset="0"/>
+              </a:rPr>
+              <a:t>Random</a:t>
+            </a:r>
+            <a:r>
+              <a:rPr lang="en-US" sz="1600" dirty="0">
+                <a:latin typeface="Constantia" panose="02030602050306030303" pitchFamily="18" charset="0"/>
+              </a:rPr>
+              <a:t> </a:t>
+            </a:r>
+            <a:r>
+              <a:rPr lang="en-US" sz="1600" dirty="0" err="1">
+                <a:latin typeface="Constantia" panose="02030602050306030303" pitchFamily="18" charset="0"/>
+              </a:rPr>
+              <a:t>random</a:t>
+            </a:r>
+            <a:r>
+              <a:rPr lang="en-US" sz="1600" dirty="0">
+                <a:latin typeface="Constantia" panose="02030602050306030303" pitchFamily="18" charset="0"/>
+              </a:rPr>
+              <a:t> = new </a:t>
+            </a:r>
+            <a:r>
+              <a:rPr lang="en-US" sz="1600" dirty="0">
+                <a:solidFill>
+                  <a:srgbClr val="00B050"/>
+                </a:solidFill>
+                <a:latin typeface="Constantia" panose="02030602050306030303" pitchFamily="18" charset="0"/>
+              </a:rPr>
+              <a:t>Random</a:t>
+            </a:r>
+            <a:r>
+              <a:rPr lang="en-US" sz="1600" dirty="0">
+                <a:latin typeface="Constantia" panose="02030602050306030303" pitchFamily="18" charset="0"/>
+              </a:rPr>
+              <a:t>();</a:t>
+            </a:r>
+          </a:p>
+          <a:p>
+            <a:r>
+              <a:rPr lang="en-US" sz="1600" dirty="0">
+                <a:latin typeface="Constantia" panose="02030602050306030303" pitchFamily="18" charset="0"/>
+              </a:rPr>
+              <a:t>    </a:t>
+            </a:r>
+            <a:r>
+              <a:rPr lang="en-US" sz="1600" dirty="0">
+                <a:solidFill>
+                  <a:srgbClr val="00B0F0"/>
+                </a:solidFill>
+                <a:latin typeface="Constantia" panose="02030602050306030303" pitchFamily="18" charset="0"/>
+              </a:rPr>
+              <a:t>return</a:t>
+            </a:r>
+            <a:r>
+              <a:rPr lang="en-US" sz="1600" dirty="0">
+                <a:latin typeface="Constantia" panose="02030602050306030303" pitchFamily="18" charset="0"/>
+              </a:rPr>
+              <a:t> </a:t>
+            </a:r>
+            <a:r>
+              <a:rPr lang="en-US" sz="1600" dirty="0" err="1">
+                <a:latin typeface="Constantia" panose="02030602050306030303" pitchFamily="18" charset="0"/>
+              </a:rPr>
+              <a:t>random.Next</a:t>
+            </a:r>
+            <a:r>
+              <a:rPr lang="en-US" sz="1600" dirty="0">
+                <a:latin typeface="Constantia" panose="02030602050306030303" pitchFamily="18" charset="0"/>
+              </a:rPr>
+              <a:t>(100, 1001);</a:t>
+            </a:r>
+          </a:p>
+          <a:p>
+            <a:r>
+              <a:rPr lang="en-US" sz="1600" dirty="0" smtClean="0">
+                <a:latin typeface="Constantia" panose="02030602050306030303" pitchFamily="18" charset="0"/>
+              </a:rPr>
+              <a:t>}</a:t>
+            </a:r>
+          </a:p>
+          <a:p>
+            <a:endParaRPr lang="en-US" sz="1600" dirty="0">
+              <a:latin typeface="Constantia" panose="02030602050306030303" pitchFamily="18" charset="0"/>
+            </a:endParaRPr>
+          </a:p>
+          <a:p>
+            <a:r>
+              <a:rPr lang="en-US" sz="1600" dirty="0">
+                <a:solidFill>
+                  <a:srgbClr val="FFFF00"/>
+                </a:solidFill>
+                <a:latin typeface="Constantia" panose="02030602050306030303" pitchFamily="18" charset="0"/>
+              </a:rPr>
+              <a:t>!!! Parameters are optional.</a:t>
+            </a:r>
+          </a:p>
+          <a:p>
+            <a:r>
+              <a:rPr lang="en-US" sz="1600" dirty="0">
+                <a:latin typeface="Constantia" panose="02030602050306030303" pitchFamily="18" charset="0"/>
+              </a:rPr>
+              <a:t>!!! </a:t>
+            </a:r>
+            <a:r>
+              <a:rPr lang="en-US" sz="1600" dirty="0">
+                <a:solidFill>
+                  <a:srgbClr val="FFFF00"/>
+                </a:solidFill>
+                <a:latin typeface="Constantia" panose="02030602050306030303" pitchFamily="18" charset="0"/>
+              </a:rPr>
+              <a:t>Return type can be any valid data type or void</a:t>
+            </a:r>
+            <a:r>
+              <a:rPr lang="en-US" sz="1600" dirty="0" smtClean="0">
+                <a:solidFill>
+                  <a:srgbClr val="FFFF00"/>
+                </a:solidFill>
+                <a:latin typeface="Constantia" panose="02030602050306030303" pitchFamily="18" charset="0"/>
+              </a:rPr>
+              <a:t>.</a:t>
+            </a:r>
+            <a:endParaRPr lang="en-US" sz="1600" dirty="0" smtClean="0">
+              <a:solidFill>
+                <a:srgbClr val="00B0F0"/>
+              </a:solidFill>
+              <a:latin typeface="Constantia" panose="02030602050306030303" pitchFamily="18" charset="0"/>
+            </a:endParaRPr>
+          </a:p>
+        </p:txBody>
+      </p:sp>
+      <p:sp>
+        <p:nvSpPr>
+          <p:cNvPr id="3" name="TextBox 2"/>
+          <p:cNvSpPr txBox="1"/>
+          <p:nvPr/>
+        </p:nvSpPr>
+        <p:spPr>
+          <a:xfrm>
+            <a:off x="331316" y="-1"/>
+            <a:ext cx="11966963" cy="830997"/>
+          </a:xfrm>
+          <a:prstGeom prst="rect">
+            <a:avLst/>
+          </a:prstGeom>
+          <a:noFill/>
+        </p:spPr>
+        <p:txBody>
+          <a:bodyPr wrap="square" rtlCol="0">
+            <a:spAutoFit/>
+          </a:bodyPr>
+          <a:lstStyle/>
+          <a:p>
+            <a:pPr lvl="0" algn="ctr"/>
+            <a:r>
+              <a:rPr lang="en-US" sz="4800" dirty="0">
+                <a:solidFill>
+                  <a:srgbClr val="FFFF00"/>
+                </a:solidFill>
+                <a:latin typeface="Informal Roman" panose="030604020304060B0204" pitchFamily="66" charset="0"/>
+              </a:rPr>
+              <a:t>Methods - </a:t>
+            </a:r>
+            <a:r>
+              <a:rPr lang="en-US" dirty="0">
+                <a:solidFill>
+                  <a:srgbClr val="FFFF00"/>
+                </a:solidFill>
+                <a:latin typeface="Constantia" panose="02030602050306030303" pitchFamily="18" charset="0"/>
+              </a:rPr>
+              <a:t>They are useful because allow us to define our logic once &amp; use it at many places</a:t>
+            </a:r>
+            <a:r>
               <a:rPr lang="en-US" dirty="0" smtClean="0">
-                <a:latin typeface="Buxton Sketch" panose="03080500000500000004" pitchFamily="66" charset="0"/>
+                <a:solidFill>
+                  <a:srgbClr val="FFFF00"/>
+                </a:solidFill>
+                <a:latin typeface="Constantia" panose="02030602050306030303" pitchFamily="18" charset="0"/>
+              </a:rPr>
+              <a:t>.</a:t>
+            </a:r>
+            <a:endParaRPr lang="en-US" sz="2000" dirty="0">
+              <a:solidFill>
+                <a:srgbClr val="FFFF00"/>
+              </a:solidFill>
+              <a:latin typeface="Informal Roman" panose="030604020304060B0204" pitchFamily="66" charset="0"/>
+            </a:endParaRPr>
+          </a:p>
+        </p:txBody>
+      </p:sp>
+      <p:sp>
+        <p:nvSpPr>
+          <p:cNvPr id="7" name="TextBox 6"/>
+          <p:cNvSpPr txBox="1"/>
+          <p:nvPr/>
+        </p:nvSpPr>
+        <p:spPr>
+          <a:xfrm>
+            <a:off x="6078973" y="3249255"/>
+            <a:ext cx="5146730" cy="2585323"/>
+          </a:xfrm>
+          <a:prstGeom prst="rect">
+            <a:avLst/>
+          </a:prstGeom>
+          <a:noFill/>
+        </p:spPr>
+        <p:txBody>
+          <a:bodyPr wrap="none" rtlCol="0">
+            <a:spAutoFit/>
+          </a:bodyPr>
+          <a:lstStyle/>
+          <a:p>
+            <a:r>
+              <a:rPr lang="en-US" dirty="0">
+                <a:solidFill>
+                  <a:srgbClr val="00B0F0"/>
+                </a:solidFill>
+                <a:latin typeface="Constantia" panose="02030602050306030303" pitchFamily="18" charset="0"/>
+              </a:rPr>
+              <a:t>static void </a:t>
+            </a:r>
+            <a:r>
+              <a:rPr lang="en-US" dirty="0">
+                <a:latin typeface="Constantia" panose="02030602050306030303" pitchFamily="18" charset="0"/>
+              </a:rPr>
+              <a:t>Main()</a:t>
+            </a:r>
+          </a:p>
+          <a:p>
+            <a:r>
+              <a:rPr lang="en-US" dirty="0">
+                <a:latin typeface="Constantia" panose="02030602050306030303" pitchFamily="18" charset="0"/>
               </a:rPr>
               <a:t>{</a:t>
             </a:r>
@@ -40132,242 +40295,117 @@
                 <a:solidFill>
                   <a:srgbClr val="0070C0"/>
                 </a:solidFill>
-                <a:latin typeface="Buxton Sketch" panose="03080500000500000004" pitchFamily="66" charset="0"/>
+                <a:latin typeface="Constantia" panose="02030602050306030303" pitchFamily="18" charset="0"/>
               </a:rPr>
-              <a:t> </a:t>
-            </a:r>
-            <a:r>
-              <a:rPr lang="en-US" dirty="0" smtClean="0">
-                <a:solidFill>
-                  <a:srgbClr val="0070C0"/>
-                </a:solidFill>
-                <a:latin typeface="Buxton Sketch" panose="03080500000500000004" pitchFamily="66" charset="0"/>
-              </a:rPr>
-              <a:t>   string</a:t>
-            </a:r>
-            <a:r>
-              <a:rPr lang="en-US" dirty="0" smtClean="0">
-                <a:latin typeface="Buxton Sketch" panose="03080500000500000004" pitchFamily="66" charset="0"/>
-              </a:rPr>
-              <a:t> </a:t>
+              <a:t>    </a:t>
             </a:r>
             <a:r>
               <a:rPr lang="en-US" dirty="0">
-                <a:latin typeface="Buxton Sketch" panose="03080500000500000004" pitchFamily="66" charset="0"/>
+                <a:solidFill>
+                  <a:srgbClr val="00B0F0"/>
+                </a:solidFill>
+                <a:latin typeface="Constantia" panose="02030602050306030303" pitchFamily="18" charset="0"/>
               </a:rPr>
-              <a:t>name = </a:t>
+              <a:t>string</a:t>
             </a:r>
             <a:r>
-              <a:rPr lang="en-US" dirty="0" smtClean="0">
-                <a:latin typeface="Buxton Sketch" panose="03080500000500000004" pitchFamily="66" charset="0"/>
+              <a:rPr lang="en-US" dirty="0">
+                <a:latin typeface="Constantia" panose="02030602050306030303" pitchFamily="18" charset="0"/>
               </a:rPr>
-              <a:t>“Vanilla Ice”;</a:t>
+              <a:t> name = “Vanilla Ice”;</a:t>
             </a:r>
           </a:p>
           <a:p>
             <a:r>
               <a:rPr lang="en-US" dirty="0">
-                <a:latin typeface="Buxton Sketch" panose="03080500000500000004" pitchFamily="66" charset="0"/>
+                <a:latin typeface="Constantia" panose="02030602050306030303" pitchFamily="18" charset="0"/>
               </a:rPr>
-              <a:t> </a:t>
+              <a:t>    </a:t>
             </a:r>
             <a:r>
-              <a:rPr lang="en-US" dirty="0" smtClean="0">
-                <a:latin typeface="Buxton Sketch" panose="03080500000500000004" pitchFamily="66" charset="0"/>
-              </a:rPr>
-              <a:t>   </a:t>
-            </a:r>
-            <a:r>
-              <a:rPr lang="en-US" dirty="0" err="1" smtClean="0">
-                <a:latin typeface="Buxton Sketch" panose="03080500000500000004" pitchFamily="66" charset="0"/>
+              <a:rPr lang="en-US" dirty="0" err="1">
+                <a:latin typeface="Constantia" panose="02030602050306030303" pitchFamily="18" charset="0"/>
               </a:rPr>
               <a:t>SayHello</a:t>
             </a:r>
             <a:r>
-              <a:rPr lang="en-US" dirty="0" smtClean="0">
-                <a:latin typeface="Buxton Sketch" panose="03080500000500000004" pitchFamily="66" charset="0"/>
+              <a:rPr lang="en-US" dirty="0">
+                <a:latin typeface="Constantia" panose="02030602050306030303" pitchFamily="18" charset="0"/>
               </a:rPr>
               <a:t>(name);</a:t>
             </a:r>
           </a:p>
           <a:p>
-            <a:endParaRPr lang="en-US" dirty="0">
-              <a:latin typeface="Buxton Sketch" panose="03080500000500000004" pitchFamily="66" charset="0"/>
-            </a:endParaRPr>
-          </a:p>
-          <a:p>
             <a:r>
-              <a:rPr lang="en-US" dirty="0" smtClean="0">
-                <a:latin typeface="Buxton Sketch" panose="03080500000500000004" pitchFamily="66" charset="0"/>
+              <a:rPr lang="en-US" dirty="0">
+                <a:latin typeface="Constantia" panose="02030602050306030303" pitchFamily="18" charset="0"/>
               </a:rPr>
-              <a:t>    for(I </a:t>
+              <a:t>    </a:t>
+            </a:r>
+            <a:r>
+              <a:rPr lang="en-US" dirty="0" err="1">
+                <a:latin typeface="Constantia" panose="02030602050306030303" pitchFamily="18" charset="0"/>
+              </a:rPr>
+              <a:t>PrinPlanets</a:t>
             </a:r>
             <a:r>
               <a:rPr lang="en-US" dirty="0">
-                <a:latin typeface="Buxton Sketch" panose="03080500000500000004" pitchFamily="66" charset="0"/>
+                <a:latin typeface="Constantia" panose="02030602050306030303" pitchFamily="18" charset="0"/>
               </a:rPr>
-              <a:t>= 0; I &lt; 100; </a:t>
-            </a:r>
-            <a:r>
-              <a:rPr lang="en-US" dirty="0" err="1">
-                <a:latin typeface="Buxton Sketch" panose="03080500000500000004" pitchFamily="66" charset="0"/>
-              </a:rPr>
-              <a:t>i</a:t>
-            </a:r>
-            <a:r>
-              <a:rPr lang="en-US" dirty="0">
-                <a:latin typeface="Buxton Sketch" panose="03080500000500000004" pitchFamily="66" charset="0"/>
-              </a:rPr>
-              <a:t>++)</a:t>
+              <a:t>();</a:t>
             </a:r>
           </a:p>
           <a:p>
             <a:r>
               <a:rPr lang="en-US" dirty="0">
-                <a:latin typeface="Buxton Sketch" panose="03080500000500000004" pitchFamily="66" charset="0"/>
+                <a:latin typeface="Constantia" panose="02030602050306030303" pitchFamily="18" charset="0"/>
               </a:rPr>
-              <a:t>    {</a:t>
+              <a:t>    </a:t>
+            </a:r>
+            <a:r>
+              <a:rPr lang="en-US" dirty="0" err="1">
+                <a:solidFill>
+                  <a:srgbClr val="00B0F0"/>
+                </a:solidFill>
+                <a:latin typeface="Constantia" panose="02030602050306030303" pitchFamily="18" charset="0"/>
+              </a:rPr>
+              <a:t>int</a:t>
+            </a:r>
+            <a:r>
+              <a:rPr lang="en-US" dirty="0">
+                <a:latin typeface="Constantia" panose="02030602050306030303" pitchFamily="18" charset="0"/>
+              </a:rPr>
+              <a:t> </a:t>
+            </a:r>
+            <a:r>
+              <a:rPr lang="en-US" dirty="0" err="1">
+                <a:latin typeface="Constantia" panose="02030602050306030303" pitchFamily="18" charset="0"/>
+              </a:rPr>
+              <a:t>randomNumber</a:t>
+            </a:r>
+            <a:r>
+              <a:rPr lang="en-US" dirty="0">
+                <a:latin typeface="Constantia" panose="02030602050306030303" pitchFamily="18" charset="0"/>
+              </a:rPr>
+              <a:t> = </a:t>
+            </a:r>
+            <a:r>
+              <a:rPr lang="en-US" dirty="0" err="1">
+                <a:latin typeface="Constantia" panose="02030602050306030303" pitchFamily="18" charset="0"/>
+              </a:rPr>
+              <a:t>CreateRandomNumber</a:t>
+            </a:r>
+            <a:r>
+              <a:rPr lang="en-US" dirty="0">
+                <a:latin typeface="Constantia" panose="02030602050306030303" pitchFamily="18" charset="0"/>
+              </a:rPr>
+              <a:t>();</a:t>
             </a:r>
           </a:p>
           <a:p>
             <a:r>
               <a:rPr lang="en-US" dirty="0">
-                <a:latin typeface="Buxton Sketch" panose="03080500000500000004" pitchFamily="66" charset="0"/>
-              </a:rPr>
-              <a:t>        </a:t>
-            </a:r>
-            <a:r>
-              <a:rPr lang="en-US" dirty="0" err="1" smtClean="0">
-                <a:solidFill>
-                  <a:srgbClr val="00B050"/>
-                </a:solidFill>
-                <a:latin typeface="Buxton Sketch" panose="03080500000500000004" pitchFamily="66" charset="0"/>
-              </a:rPr>
-              <a:t>Console</a:t>
-            </a:r>
-            <a:r>
-              <a:rPr lang="en-US" dirty="0" err="1" smtClean="0">
-                <a:latin typeface="Buxton Sketch" panose="03080500000500000004" pitchFamily="66" charset="0"/>
-              </a:rPr>
-              <a:t>.WriteLine</a:t>
-            </a:r>
-            <a:r>
-              <a:rPr lang="en-US" dirty="0" smtClean="0">
-                <a:latin typeface="Buxton Sketch" panose="03080500000500000004" pitchFamily="66" charset="0"/>
-              </a:rPr>
-              <a:t>(2 + 2);</a:t>
-            </a:r>
-            <a:endParaRPr lang="en-US" dirty="0">
-              <a:latin typeface="Buxton Sketch" panose="03080500000500000004" pitchFamily="66" charset="0"/>
-            </a:endParaRPr>
-          </a:p>
-          <a:p>
-            <a:r>
-              <a:rPr lang="en-US" dirty="0">
-                <a:latin typeface="Buxton Sketch" panose="03080500000500000004" pitchFamily="66" charset="0"/>
-              </a:rPr>
-              <a:t>    </a:t>
-            </a:r>
-            <a:r>
-              <a:rPr lang="en-US" dirty="0" smtClean="0">
-                <a:latin typeface="Buxton Sketch" panose="03080500000500000004" pitchFamily="66" charset="0"/>
-              </a:rPr>
-              <a:t>}</a:t>
-            </a:r>
-          </a:p>
-          <a:p>
-            <a:endParaRPr lang="en-US" dirty="0">
-              <a:latin typeface="Buxton Sketch" panose="03080500000500000004" pitchFamily="66" charset="0"/>
-            </a:endParaRPr>
-          </a:p>
-          <a:p>
-            <a:r>
-              <a:rPr lang="en-US" dirty="0" smtClean="0">
-                <a:latin typeface="Buxton Sketch" panose="03080500000500000004" pitchFamily="66" charset="0"/>
-              </a:rPr>
-              <a:t>    </a:t>
-            </a:r>
-            <a:r>
-              <a:rPr lang="en-US" dirty="0" err="1" smtClean="0">
-                <a:latin typeface="Buxton Sketch" panose="03080500000500000004" pitchFamily="66" charset="0"/>
-              </a:rPr>
-              <a:t>PrinPlanets</a:t>
-            </a:r>
-            <a:r>
-              <a:rPr lang="en-US" dirty="0" smtClean="0">
-                <a:latin typeface="Buxton Sketch" panose="03080500000500000004" pitchFamily="66" charset="0"/>
-              </a:rPr>
-              <a:t>();</a:t>
-            </a:r>
-            <a:endParaRPr lang="en-US" dirty="0">
-              <a:latin typeface="Buxton Sketch" panose="03080500000500000004" pitchFamily="66" charset="0"/>
-            </a:endParaRPr>
-          </a:p>
-          <a:p>
-            <a:endParaRPr lang="en-US" dirty="0">
-              <a:latin typeface="Buxton Sketch" panose="03080500000500000004" pitchFamily="66" charset="0"/>
-            </a:endParaRPr>
-          </a:p>
-          <a:p>
-            <a:r>
-              <a:rPr lang="en-US" dirty="0" smtClean="0">
-                <a:latin typeface="Buxton Sketch" panose="03080500000500000004" pitchFamily="66" charset="0"/>
-              </a:rPr>
-              <a:t>}</a:t>
-            </a:r>
-          </a:p>
-          <a:p>
-            <a:endParaRPr lang="en-US" dirty="0">
-              <a:latin typeface="Buxton Sketch" panose="03080500000500000004" pitchFamily="66" charset="0"/>
-            </a:endParaRPr>
-          </a:p>
-          <a:p>
-            <a:r>
-              <a:rPr lang="en-US" dirty="0" smtClean="0">
-                <a:solidFill>
-                  <a:srgbClr val="0070C0"/>
-                </a:solidFill>
-                <a:latin typeface="Buxton Sketch" panose="03080500000500000004" pitchFamily="66" charset="0"/>
-              </a:rPr>
-              <a:t>static </a:t>
-            </a:r>
-            <a:r>
-              <a:rPr lang="en-US" dirty="0">
-                <a:solidFill>
-                  <a:srgbClr val="0070C0"/>
-                </a:solidFill>
-                <a:latin typeface="Buxton Sketch" panose="03080500000500000004" pitchFamily="66" charset="0"/>
-              </a:rPr>
-              <a:t>void </a:t>
-            </a:r>
-            <a:r>
-              <a:rPr lang="en-US" dirty="0" err="1" smtClean="0">
-                <a:latin typeface="Buxton Sketch" panose="03080500000500000004" pitchFamily="66" charset="0"/>
-              </a:rPr>
-              <a:t>PrinPlanets</a:t>
-            </a:r>
-            <a:r>
-              <a:rPr lang="en-US" dirty="0" smtClean="0">
-                <a:latin typeface="Buxton Sketch" panose="03080500000500000004" pitchFamily="66" charset="0"/>
-              </a:rPr>
-              <a:t>()</a:t>
-            </a:r>
-            <a:endParaRPr lang="en-US" dirty="0">
-              <a:latin typeface="Buxton Sketch" panose="03080500000500000004" pitchFamily="66" charset="0"/>
-            </a:endParaRPr>
-          </a:p>
-          <a:p>
-            <a:r>
-              <a:rPr lang="en-US" dirty="0">
-                <a:latin typeface="Buxton Sketch" panose="03080500000500000004" pitchFamily="66" charset="0"/>
-              </a:rPr>
-              <a:t>{</a:t>
-            </a:r>
-          </a:p>
-          <a:p>
-            <a:r>
-              <a:rPr lang="en-US" dirty="0">
-                <a:latin typeface="Buxton Sketch" panose="03080500000500000004" pitchFamily="66" charset="0"/>
+                <a:latin typeface="Constantia" panose="02030602050306030303" pitchFamily="18" charset="0"/>
               </a:rPr>
               <a:t>    </a:t>
             </a:r>
@@ -40376,33 +40414,563 @@
                 <a:solidFill>
                   <a:srgbClr val="00B050"/>
                 </a:solidFill>
-                <a:latin typeface="Buxton Sketch" panose="03080500000500000004" pitchFamily="66" charset="0"/>
+                <a:latin typeface="Constantia" panose="02030602050306030303" pitchFamily="18" charset="0"/>
               </a:rPr>
               <a:t>Console</a:t>
             </a:r>
             <a:r>
               <a:rPr lang="en-US" dirty="0" err="1">
-                <a:latin typeface="Buxton Sketch" panose="03080500000500000004" pitchFamily="66" charset="0"/>
+                <a:latin typeface="Constantia" panose="02030602050306030303" pitchFamily="18" charset="0"/>
               </a:rPr>
               <a:t>.WriteLine</a:t>
             </a:r>
             <a:r>
               <a:rPr lang="en-US" dirty="0">
-                <a:latin typeface="Buxton Sketch" panose="03080500000500000004" pitchFamily="66" charset="0"/>
+                <a:latin typeface="Constantia" panose="02030602050306030303" pitchFamily="18" charset="0"/>
               </a:rPr>
-              <a:t>(“Jupiter, Saturn, Mars…");</a:t>
+              <a:t>(</a:t>
+            </a:r>
+            <a:r>
+              <a:rPr lang="en-US" dirty="0" err="1">
+                <a:latin typeface="Constantia" panose="02030602050306030303" pitchFamily="18" charset="0"/>
+              </a:rPr>
+              <a:t>randomNumber</a:t>
+            </a:r>
+            <a:r>
+              <a:rPr lang="en-US" dirty="0">
+                <a:latin typeface="Constantia" panose="02030602050306030303" pitchFamily="18" charset="0"/>
+              </a:rPr>
+              <a:t>);</a:t>
             </a:r>
           </a:p>
           <a:p>
             <a:r>
-              <a:rPr lang="en-US" dirty="0" smtClean="0">
-                <a:latin typeface="Buxton Sketch" panose="03080500000500000004" pitchFamily="66" charset="0"/>
+              <a:rPr lang="en-US" dirty="0">
+                <a:latin typeface="Constantia" panose="02030602050306030303" pitchFamily="18" charset="0"/>
               </a:rPr>
               <a:t>}</a:t>
             </a:r>
+          </a:p>
+          <a:p>
+            <a:endParaRPr lang="en-US" dirty="0"/>
+          </a:p>
+        </p:txBody>
+      </p:sp>
+      <p:sp>
+        <p:nvSpPr>
+          <p:cNvPr id="8" name="TextBox 7"/>
+          <p:cNvSpPr txBox="1"/>
+          <p:nvPr/>
+        </p:nvSpPr>
+        <p:spPr>
+          <a:xfrm>
+            <a:off x="6884642" y="830996"/>
+            <a:ext cx="184731" cy="646331"/>
+          </a:xfrm>
+          <a:prstGeom prst="rect">
+            <a:avLst/>
+          </a:prstGeom>
+          <a:noFill/>
+        </p:spPr>
+        <p:txBody>
+          <a:bodyPr wrap="none" rtlCol="0">
+            <a:spAutoFit/>
+          </a:bodyPr>
+          <a:lstStyle/>
+          <a:p>
             <a:endParaRPr lang="en-US" dirty="0">
-              <a:latin typeface="Buxton Sketch" panose="03080500000500000004" pitchFamily="66" charset="0"/>
+              <a:solidFill>
+                <a:srgbClr val="00B0F0"/>
+              </a:solidFill>
+              <a:latin typeface="Constantia" panose="02030602050306030303" pitchFamily="18" charset="0"/>
             </a:endParaRPr>
+          </a:p>
+          <a:p>
+            <a:endParaRPr lang="en-US" dirty="0"/>
+          </a:p>
+        </p:txBody>
+      </p:sp>
+      <p:sp>
+        <p:nvSpPr>
+          <p:cNvPr id="9" name="8-Point Star 8"/>
+          <p:cNvSpPr/>
+          <p:nvPr/>
+        </p:nvSpPr>
+        <p:spPr>
+          <a:xfrm>
+            <a:off x="6483425" y="942677"/>
+            <a:ext cx="802433" cy="422968"/>
+          </a:xfrm>
+          <a:prstGeom prst="star8">
+            <a:avLst/>
+          </a:prstGeom>
+        </p:spPr>
+        <p:style>
+          <a:lnRef idx="2">
+            <a:schemeClr val="accent1">
+              <a:shade val="50000"/>
+            </a:schemeClr>
+          </a:lnRef>
+          <a:fillRef idx="1">
+            <a:schemeClr val="accent1"/>
+          </a:fillRef>
+          <a:effectRef idx="0">
+            <a:schemeClr val="accent1"/>
+          </a:effectRef>
+          <a:fontRef idx="minor">
+            <a:schemeClr val="lt1"/>
+          </a:fontRef>
+        </p:style>
+        <p:txBody>
+          <a:bodyPr rtlCol="0" anchor="ctr"/>
+          <a:lstStyle/>
+          <a:p>
+            <a:pPr algn="ctr"/>
+            <a:r>
+              <a:rPr lang="en-US" dirty="0" smtClean="0"/>
+              <a:t>1</a:t>
+            </a:r>
+            <a:endParaRPr lang="en-US" dirty="0"/>
+          </a:p>
+        </p:txBody>
+      </p:sp>
+      <p:sp>
+        <p:nvSpPr>
+          <p:cNvPr id="10" name="8-Point Star 9"/>
+          <p:cNvSpPr/>
+          <p:nvPr/>
+        </p:nvSpPr>
+        <p:spPr>
+          <a:xfrm>
+            <a:off x="7931020" y="942677"/>
+            <a:ext cx="867747" cy="422968"/>
+          </a:xfrm>
+          <a:prstGeom prst="star8">
+            <a:avLst/>
+          </a:prstGeom>
+        </p:spPr>
+        <p:style>
+          <a:lnRef idx="2">
+            <a:schemeClr val="accent1">
+              <a:shade val="50000"/>
+            </a:schemeClr>
+          </a:lnRef>
+          <a:fillRef idx="1">
+            <a:schemeClr val="accent1"/>
+          </a:fillRef>
+          <a:effectRef idx="0">
+            <a:schemeClr val="accent1"/>
+          </a:effectRef>
+          <a:fontRef idx="minor">
+            <a:schemeClr val="lt1"/>
+          </a:fontRef>
+        </p:style>
+        <p:txBody>
+          <a:bodyPr rtlCol="0" anchor="ctr"/>
+          <a:lstStyle/>
+          <a:p>
+            <a:pPr algn="ctr"/>
+            <a:r>
+              <a:rPr lang="en-US" dirty="0" smtClean="0"/>
+              <a:t>2</a:t>
+            </a:r>
+            <a:endParaRPr lang="en-US" dirty="0"/>
+          </a:p>
+        </p:txBody>
+      </p:sp>
+      <p:sp>
+        <p:nvSpPr>
+          <p:cNvPr id="11" name="8-Point Star 10"/>
+          <p:cNvSpPr/>
+          <p:nvPr/>
+        </p:nvSpPr>
+        <p:spPr>
+          <a:xfrm>
+            <a:off x="9395927" y="889114"/>
+            <a:ext cx="858416" cy="476531"/>
+          </a:xfrm>
+          <a:prstGeom prst="star8">
+            <a:avLst/>
+          </a:prstGeom>
+        </p:spPr>
+        <p:style>
+          <a:lnRef idx="2">
+            <a:schemeClr val="accent1">
+              <a:shade val="50000"/>
+            </a:schemeClr>
+          </a:lnRef>
+          <a:fillRef idx="1">
+            <a:schemeClr val="accent1"/>
+          </a:fillRef>
+          <a:effectRef idx="0">
+            <a:schemeClr val="accent1"/>
+          </a:effectRef>
+          <a:fontRef idx="minor">
+            <a:schemeClr val="lt1"/>
+          </a:fontRef>
+        </p:style>
+        <p:txBody>
+          <a:bodyPr rtlCol="0" anchor="ctr"/>
+          <a:lstStyle/>
+          <a:p>
+            <a:pPr algn="ctr"/>
+            <a:r>
+              <a:rPr lang="en-US" dirty="0" smtClean="0"/>
+              <a:t>3</a:t>
+            </a:r>
+            <a:endParaRPr lang="en-US" dirty="0"/>
+          </a:p>
+        </p:txBody>
+      </p:sp>
+      <p:sp>
+        <p:nvSpPr>
+          <p:cNvPr id="12" name="8-Point Star 11"/>
+          <p:cNvSpPr/>
+          <p:nvPr/>
+        </p:nvSpPr>
+        <p:spPr>
+          <a:xfrm>
+            <a:off x="10692882" y="942677"/>
+            <a:ext cx="685212" cy="422968"/>
+          </a:xfrm>
+          <a:prstGeom prst="star8">
+            <a:avLst/>
+          </a:prstGeom>
+        </p:spPr>
+        <p:style>
+          <a:lnRef idx="2">
+            <a:schemeClr val="accent1">
+              <a:shade val="50000"/>
+            </a:schemeClr>
+          </a:lnRef>
+          <a:fillRef idx="1">
+            <a:schemeClr val="accent1"/>
+          </a:fillRef>
+          <a:effectRef idx="0">
+            <a:schemeClr val="accent1"/>
+          </a:effectRef>
+          <a:fontRef idx="minor">
+            <a:schemeClr val="lt1"/>
+          </a:fontRef>
+        </p:style>
+        <p:txBody>
+          <a:bodyPr rtlCol="0" anchor="ctr"/>
+          <a:lstStyle/>
+          <a:p>
+            <a:pPr algn="ctr"/>
+            <a:r>
+              <a:rPr lang="en-US" dirty="0" smtClean="0"/>
+              <a:t>4</a:t>
+            </a:r>
+            <a:endParaRPr lang="en-US" dirty="0"/>
+          </a:p>
+        </p:txBody>
+      </p:sp>
+      <p:sp>
+        <p:nvSpPr>
+          <p:cNvPr id="14" name="Dodecagon 13"/>
+          <p:cNvSpPr/>
+          <p:nvPr/>
+        </p:nvSpPr>
+        <p:spPr>
+          <a:xfrm>
+            <a:off x="779853" y="1210002"/>
+            <a:ext cx="554425" cy="313491"/>
+          </a:xfrm>
+          <a:prstGeom prst="dodecagon">
+            <a:avLst/>
+          </a:prstGeom>
+        </p:spPr>
+        <p:style>
+          <a:lnRef idx="2">
+            <a:schemeClr val="accent1">
+              <a:shade val="50000"/>
+            </a:schemeClr>
+          </a:lnRef>
+          <a:fillRef idx="1">
+            <a:schemeClr val="accent1"/>
+          </a:fillRef>
+          <a:effectRef idx="0">
+            <a:schemeClr val="accent1"/>
+          </a:effectRef>
+          <a:fontRef idx="minor">
+            <a:schemeClr val="lt1"/>
+          </a:fontRef>
+        </p:style>
+        <p:txBody>
+          <a:bodyPr rtlCol="0" anchor="ctr"/>
+          <a:lstStyle/>
+          <a:p>
+            <a:pPr algn="ctr"/>
+            <a:r>
+              <a:rPr lang="en-US" dirty="0" smtClean="0"/>
+              <a:t>1</a:t>
+            </a:r>
+            <a:endParaRPr lang="en-US" dirty="0"/>
+          </a:p>
+        </p:txBody>
+      </p:sp>
+      <p:sp>
+        <p:nvSpPr>
+          <p:cNvPr id="15" name="Dodecagon 14"/>
+          <p:cNvSpPr/>
+          <p:nvPr/>
+        </p:nvSpPr>
+        <p:spPr>
+          <a:xfrm>
+            <a:off x="1374906" y="1210002"/>
+            <a:ext cx="425902" cy="267325"/>
+          </a:xfrm>
+          <a:prstGeom prst="dodecagon">
+            <a:avLst/>
+          </a:prstGeom>
+        </p:spPr>
+        <p:style>
+          <a:lnRef idx="2">
+            <a:schemeClr val="accent1">
+              <a:shade val="50000"/>
+            </a:schemeClr>
+          </a:lnRef>
+          <a:fillRef idx="1">
+            <a:schemeClr val="accent1"/>
+          </a:fillRef>
+          <a:effectRef idx="0">
+            <a:schemeClr val="accent1"/>
+          </a:effectRef>
+          <a:fontRef idx="minor">
+            <a:schemeClr val="lt1"/>
+          </a:fontRef>
+        </p:style>
+        <p:txBody>
+          <a:bodyPr rtlCol="0" anchor="ctr"/>
+          <a:lstStyle/>
+          <a:p>
+            <a:pPr algn="ctr"/>
+            <a:r>
+              <a:rPr lang="en-US" dirty="0" smtClean="0"/>
+              <a:t>2</a:t>
+            </a:r>
+            <a:endParaRPr lang="en-US" dirty="0"/>
+          </a:p>
+        </p:txBody>
+      </p:sp>
+      <p:sp>
+        <p:nvSpPr>
+          <p:cNvPr id="16" name="Dodecagon 15"/>
+          <p:cNvSpPr/>
+          <p:nvPr/>
+        </p:nvSpPr>
+        <p:spPr>
+          <a:xfrm>
+            <a:off x="1931438" y="1181142"/>
+            <a:ext cx="524026" cy="296185"/>
+          </a:xfrm>
+          <a:prstGeom prst="dodecagon">
+            <a:avLst/>
+          </a:prstGeom>
+        </p:spPr>
+        <p:style>
+          <a:lnRef idx="2">
+            <a:schemeClr val="accent1">
+              <a:shade val="50000"/>
+            </a:schemeClr>
+          </a:lnRef>
+          <a:fillRef idx="1">
+            <a:schemeClr val="accent1"/>
+          </a:fillRef>
+          <a:effectRef idx="0">
+            <a:schemeClr val="accent1"/>
+          </a:effectRef>
+          <a:fontRef idx="minor">
+            <a:schemeClr val="lt1"/>
+          </a:fontRef>
+        </p:style>
+        <p:txBody>
+          <a:bodyPr rtlCol="0" anchor="ctr"/>
+          <a:lstStyle/>
+          <a:p>
+            <a:pPr algn="ctr"/>
+            <a:r>
+              <a:rPr lang="en-US" dirty="0" smtClean="0"/>
+              <a:t>3</a:t>
+            </a:r>
+            <a:endParaRPr lang="en-US" dirty="0"/>
+          </a:p>
+        </p:txBody>
+      </p:sp>
+      <p:sp>
+        <p:nvSpPr>
+          <p:cNvPr id="17" name="Dodecagon 16"/>
+          <p:cNvSpPr/>
+          <p:nvPr/>
+        </p:nvSpPr>
+        <p:spPr>
+          <a:xfrm>
+            <a:off x="2849560" y="1181142"/>
+            <a:ext cx="703704" cy="296185"/>
+          </a:xfrm>
+          <a:prstGeom prst="dodecagon">
+            <a:avLst/>
+          </a:prstGeom>
+        </p:spPr>
+        <p:style>
+          <a:lnRef idx="2">
+            <a:schemeClr val="accent1">
+              <a:shade val="50000"/>
+            </a:schemeClr>
+          </a:lnRef>
+          <a:fillRef idx="1">
+            <a:schemeClr val="accent1"/>
+          </a:fillRef>
+          <a:effectRef idx="0">
+            <a:schemeClr val="accent1"/>
+          </a:effectRef>
+          <a:fontRef idx="minor">
+            <a:schemeClr val="lt1"/>
+          </a:fontRef>
+        </p:style>
+        <p:txBody>
+          <a:bodyPr rtlCol="0" anchor="ctr"/>
+          <a:lstStyle/>
+          <a:p>
+            <a:pPr algn="ctr"/>
+            <a:r>
+              <a:rPr lang="en-US" dirty="0" smtClean="0"/>
+              <a:t>4</a:t>
+            </a:r>
+            <a:endParaRPr lang="en-US" dirty="0"/>
+          </a:p>
+        </p:txBody>
+      </p:sp>
+      <p:sp>
+        <p:nvSpPr>
+          <p:cNvPr id="18" name="Dodecagon 17"/>
+          <p:cNvSpPr/>
+          <p:nvPr/>
+        </p:nvSpPr>
+        <p:spPr>
+          <a:xfrm>
+            <a:off x="1374906" y="3638939"/>
+            <a:ext cx="342463" cy="279918"/>
+          </a:xfrm>
+          <a:prstGeom prst="dodecagon">
+            <a:avLst/>
+          </a:prstGeom>
+        </p:spPr>
+        <p:style>
+          <a:lnRef idx="2">
+            <a:schemeClr val="accent1">
+              <a:shade val="50000"/>
+            </a:schemeClr>
+          </a:lnRef>
+          <a:fillRef idx="1">
+            <a:schemeClr val="accent1"/>
+          </a:fillRef>
+          <a:effectRef idx="0">
+            <a:schemeClr val="accent1"/>
+          </a:effectRef>
+          <a:fontRef idx="minor">
+            <a:schemeClr val="lt1"/>
+          </a:fontRef>
+        </p:style>
+        <p:txBody>
+          <a:bodyPr rtlCol="0" anchor="ctr"/>
+          <a:lstStyle/>
+          <a:p>
+            <a:pPr algn="ctr"/>
+            <a:r>
+              <a:rPr lang="en-US" dirty="0" smtClean="0"/>
+              <a:t>2</a:t>
+            </a:r>
+            <a:endParaRPr lang="en-US" dirty="0"/>
+          </a:p>
+        </p:txBody>
+      </p:sp>
+      <p:sp>
+        <p:nvSpPr>
+          <p:cNvPr id="19" name="Dodecagon 18"/>
+          <p:cNvSpPr/>
+          <p:nvPr/>
+        </p:nvSpPr>
+        <p:spPr>
+          <a:xfrm>
+            <a:off x="2692219" y="2446822"/>
+            <a:ext cx="404452" cy="212402"/>
+          </a:xfrm>
+          <a:prstGeom prst="dodecagon">
+            <a:avLst/>
+          </a:prstGeom>
+        </p:spPr>
+        <p:style>
+          <a:lnRef idx="2">
+            <a:schemeClr val="accent1">
+              <a:shade val="50000"/>
+            </a:schemeClr>
+          </a:lnRef>
+          <a:fillRef idx="1">
+            <a:schemeClr val="accent1"/>
+          </a:fillRef>
+          <a:effectRef idx="0">
+            <a:schemeClr val="accent1"/>
+          </a:effectRef>
+          <a:fontRef idx="minor">
+            <a:schemeClr val="lt1"/>
+          </a:fontRef>
+        </p:style>
+        <p:txBody>
+          <a:bodyPr rtlCol="0" anchor="ctr"/>
+          <a:lstStyle/>
+          <a:p>
+            <a:pPr algn="ctr"/>
+            <a:r>
+              <a:rPr lang="en-US" dirty="0" smtClean="0"/>
+              <a:t>4</a:t>
+            </a:r>
+            <a:endParaRPr lang="en-US" dirty="0"/>
+          </a:p>
+        </p:txBody>
+      </p:sp>
+      <p:sp>
+        <p:nvSpPr>
+          <p:cNvPr id="20" name="Dodecagon 19"/>
+          <p:cNvSpPr/>
+          <p:nvPr/>
+        </p:nvSpPr>
+        <p:spPr>
+          <a:xfrm>
+            <a:off x="3638939" y="3638939"/>
+            <a:ext cx="326571" cy="279918"/>
+          </a:xfrm>
+          <a:prstGeom prst="dodecagon">
+            <a:avLst/>
+          </a:prstGeom>
+        </p:spPr>
+        <p:style>
+          <a:lnRef idx="2">
+            <a:schemeClr val="accent1">
+              <a:shade val="50000"/>
+            </a:schemeClr>
+          </a:lnRef>
+          <a:fillRef idx="1">
+            <a:schemeClr val="accent1"/>
+          </a:fillRef>
+          <a:effectRef idx="0">
+            <a:schemeClr val="accent1"/>
+          </a:effectRef>
+          <a:fontRef idx="minor">
+            <a:schemeClr val="lt1"/>
+          </a:fontRef>
+        </p:style>
+        <p:txBody>
+          <a:bodyPr rtlCol="0" anchor="ctr"/>
+          <a:lstStyle/>
+          <a:p>
+            <a:pPr algn="ctr"/>
+            <a:r>
+              <a:rPr lang="en-US" dirty="0" smtClean="0"/>
+              <a:t>4</a:t>
+            </a:r>
+            <a:endParaRPr lang="en-US" dirty="0"/>
           </a:p>
         </p:txBody>
       </p:sp>
@@ -40669,7 +41237,7 @@
   <a:extraClrSchemeLst/>
   <a:extLst>
     <a:ext uri="{05A4C25C-085E-4340-85A3-A5531E510DB2}">
-      <thm15:themeFamily xmlns:thm15="http://schemas.microsoft.com/office/thememl/2012/main" xmlns="" name="Celestial" id="{C4BB2A3D-0E93-4C5F-B0D2-9D3FCE089CC5}" vid="{42E5908D-19A2-46FD-89FA-638B126129EF}"/>
+      <thm15:themeFamily xmlns:thm15="http://schemas.microsoft.com/office/thememl/2012/main" name="Celestial" id="{C4BB2A3D-0E93-4C5F-B0D2-9D3FCE089CC5}" vid="{42E5908D-19A2-46FD-89FA-638B126129EF}"/>
     </a:ext>
   </a:extLst>
 </a:theme>
@@ -40930,7 +41498,7 @@
   <a:extraClrSchemeLst/>
   <a:extLst>
     <a:ext uri="{05A4C25C-085E-4340-85A3-A5531E510DB2}">
-      <thm15:themeFamily xmlns:thm15="http://schemas.microsoft.com/office/thememl/2012/main" xmlns="" name="Office Theme" id="{62F939B6-93AF-4DB8-9C6B-D6C7DFDC589F}" vid="{4A3C46E8-61CC-4603-A589-7422A47A8E4A}"/>
+      <thm15:themeFamily xmlns:thm15="http://schemas.microsoft.com/office/thememl/2012/main" name="Office Theme" id="{62F939B6-93AF-4DB8-9C6B-D6C7DFDC589F}" vid="{4A3C46E8-61CC-4603-A589-7422A47A8E4A}"/>
     </a:ext>
   </a:extLst>
 </a:theme>

--- a/Course Overview.pptx
+++ b/Course Overview.pptx
@@ -5,7 +5,7 @@
     <p:sldMasterId id="2147483648" r:id="rId1"/>
   </p:sldMasterIdLst>
   <p:notesMasterIdLst>
-    <p:notesMasterId r:id="rId12"/>
+    <p:notesMasterId r:id="rId11"/>
   </p:notesMasterIdLst>
   <p:sldIdLst>
     <p:sldId id="256" r:id="rId2"/>
@@ -17,7 +17,6 @@
     <p:sldId id="261" r:id="rId8"/>
     <p:sldId id="262" r:id="rId9"/>
     <p:sldId id="264" r:id="rId10"/>
-    <p:sldId id="265" r:id="rId11"/>
   </p:sldIdLst>
   <p:sldSz cx="12192000" cy="6858000"/>
   <p:notesSz cx="6858000" cy="9144000"/>
@@ -130,11 +129,6 @@
             <p14:sldId id="261"/>
             <p14:sldId id="262"/>
             <p14:sldId id="264"/>
-          </p14:sldIdLst>
-        </p14:section>
-        <p14:section name="Exc 2" id="{63ECFD2D-D4E3-4657-820A-BAF01DFDB71D}">
-          <p14:sldIdLst>
-            <p14:sldId id="265"/>
           </p14:sldIdLst>
         </p14:section>
       </p14:sectionLst>
@@ -7308,25 +7302,7 @@
               </a:solidFill>
               <a:latin typeface="Constantia" panose="02030602050306030303" pitchFamily="18" charset="0"/>
             </a:rPr>
-            <a:t>- Comparison, Binary</a:t>
-          </a:r>
-          <a:r>
-            <a:rPr lang="en-US" sz="1600" dirty="0" smtClean="0">
-              <a:solidFill>
-                <a:schemeClr val="tx1"/>
-              </a:solidFill>
-              <a:latin typeface="Constantia" panose="02030602050306030303" pitchFamily="18" charset="0"/>
-            </a:rPr>
-            <a:t>, Concatenation </a:t>
-          </a:r>
-          <a:r>
-            <a:rPr lang="en-US" sz="1600" dirty="0" smtClean="0">
-              <a:solidFill>
-                <a:schemeClr val="tx1"/>
-              </a:solidFill>
-              <a:latin typeface="Constantia" panose="02030602050306030303" pitchFamily="18" charset="0"/>
-            </a:rPr>
-            <a:t>…</a:t>
+            <a:t>- Comparison, Binary, Concatenation …</a:t>
           </a:r>
           <a:endParaRPr lang="en-US" sz="1600" dirty="0" smtClean="0">
             <a:solidFill>
@@ -8530,22 +8506,22 @@
     </dgm:pt>
   </dgm:ptLst>
   <dgm:cxnLst>
+    <dgm:cxn modelId="{89668738-4A06-48A0-ADA1-E81F63ABA142}" srcId="{5DBF101F-0F35-4E21-834F-2D0370F875E2}" destId="{3C212A25-0B13-4130-B138-D80FD13744A6}" srcOrd="2" destOrd="0" parTransId="{43412D1B-5E60-443A-8E70-DE9D4E704809}" sibTransId="{7EEE66FA-BF9A-43A0-ADA2-FE1F6E1855D7}"/>
+    <dgm:cxn modelId="{82993F7F-9375-4623-BE0F-E11A2ED881FC}" type="presOf" srcId="{3C212A25-0B13-4130-B138-D80FD13744A6}" destId="{254D17AE-BCFB-4A21-A1FA-06E9765EE69A}" srcOrd="1" destOrd="0" presId="urn:microsoft.com/office/officeart/2005/8/layout/orgChart1"/>
+    <dgm:cxn modelId="{823C09DF-4066-4185-B4D2-80B89A1FF3CD}" srcId="{5DBF101F-0F35-4E21-834F-2D0370F875E2}" destId="{ED15561D-56C1-4B97-A225-B17AD9CFFD83}" srcOrd="1" destOrd="0" parTransId="{7D06307E-E72D-4C92-B922-9BC1410121D5}" sibTransId="{E6125EE4-66B5-47EC-B065-D7DAACD1A343}"/>
+    <dgm:cxn modelId="{FB50C092-1AC6-447A-8ECA-B92D7932BA37}" type="presOf" srcId="{ED15561D-56C1-4B97-A225-B17AD9CFFD83}" destId="{523C265F-BF3E-45A7-97E7-3CB6F72BBFF0}" srcOrd="0" destOrd="0" presId="urn:microsoft.com/office/officeart/2005/8/layout/orgChart1"/>
+    <dgm:cxn modelId="{B01D91DC-554F-453D-9B9C-0287793FEF7A}" type="presOf" srcId="{3C212A25-0B13-4130-B138-D80FD13744A6}" destId="{FB88D22D-616A-4763-8730-376C7E899E79}" srcOrd="0" destOrd="0" presId="urn:microsoft.com/office/officeart/2005/8/layout/orgChart1"/>
     <dgm:cxn modelId="{F70BC46C-C4E5-4BDD-AB2F-E6392A25640C}" srcId="{9F0C14E1-5E31-4BFB-93EF-64A72EB696B4}" destId="{5DBF101F-0F35-4E21-834F-2D0370F875E2}" srcOrd="0" destOrd="0" parTransId="{DFB5525A-85FE-4DD0-9919-DA9F0CCF7FC1}" sibTransId="{AB19A77E-F43A-4193-A579-3E00E108D152}"/>
-    <dgm:cxn modelId="{89668738-4A06-48A0-ADA1-E81F63ABA142}" srcId="{5DBF101F-0F35-4E21-834F-2D0370F875E2}" destId="{3C212A25-0B13-4130-B138-D80FD13744A6}" srcOrd="2" destOrd="0" parTransId="{43412D1B-5E60-443A-8E70-DE9D4E704809}" sibTransId="{7EEE66FA-BF9A-43A0-ADA2-FE1F6E1855D7}"/>
-    <dgm:cxn modelId="{FB50C092-1AC6-447A-8ECA-B92D7932BA37}" type="presOf" srcId="{ED15561D-56C1-4B97-A225-B17AD9CFFD83}" destId="{523C265F-BF3E-45A7-97E7-3CB6F72BBFF0}" srcOrd="0" destOrd="0" presId="urn:microsoft.com/office/officeart/2005/8/layout/orgChart1"/>
-    <dgm:cxn modelId="{823C09DF-4066-4185-B4D2-80B89A1FF3CD}" srcId="{5DBF101F-0F35-4E21-834F-2D0370F875E2}" destId="{ED15561D-56C1-4B97-A225-B17AD9CFFD83}" srcOrd="1" destOrd="0" parTransId="{7D06307E-E72D-4C92-B922-9BC1410121D5}" sibTransId="{E6125EE4-66B5-47EC-B065-D7DAACD1A343}"/>
+    <dgm:cxn modelId="{FD7431D9-52DC-4CFA-A587-3A5E27E8B047}" type="presOf" srcId="{FE303ED2-E91E-412E-9437-9D310539077B}" destId="{2614E269-8295-4197-BB5E-0D078F5030B2}" srcOrd="0" destOrd="0" presId="urn:microsoft.com/office/officeart/2005/8/layout/orgChart1"/>
+    <dgm:cxn modelId="{7C4B19F7-C135-41D5-8E39-013674826154}" type="presOf" srcId="{5DBF101F-0F35-4E21-834F-2D0370F875E2}" destId="{0359D7AD-5B93-4C43-9D98-56774F0D5194}" srcOrd="0" destOrd="0" presId="urn:microsoft.com/office/officeart/2005/8/layout/orgChart1"/>
+    <dgm:cxn modelId="{B98E2DD1-8CE7-407C-8B1A-1A31AFF5E217}" type="presOf" srcId="{FE303ED2-E91E-412E-9437-9D310539077B}" destId="{A906F8A3-A092-4062-9F84-7013F75341DA}" srcOrd="1" destOrd="0" presId="urn:microsoft.com/office/officeart/2005/8/layout/orgChart1"/>
+    <dgm:cxn modelId="{510C79DE-9E9F-4DC0-BC46-80BEFBF40866}" type="presOf" srcId="{67DCA957-B2F3-41EA-A1D6-69F2974D19A1}" destId="{C737B84A-2ADA-4BBE-9EAC-51D285811437}" srcOrd="0" destOrd="0" presId="urn:microsoft.com/office/officeart/2005/8/layout/orgChart1"/>
+    <dgm:cxn modelId="{BBD27F77-7864-43DF-9B2E-BCB603876EED}" type="presOf" srcId="{7D06307E-E72D-4C92-B922-9BC1410121D5}" destId="{28B83FEF-8929-4CA9-AA29-351DB9B1E4DC}" srcOrd="0" destOrd="0" presId="urn:microsoft.com/office/officeart/2005/8/layout/orgChart1"/>
     <dgm:cxn modelId="{FD365F2F-1A42-4B78-9ED5-1E84BD2A971D}" type="presOf" srcId="{9F0C14E1-5E31-4BFB-93EF-64A72EB696B4}" destId="{5D0B09FB-389A-42B8-9F76-AC54AAB7446D}" srcOrd="0" destOrd="0" presId="urn:microsoft.com/office/officeart/2005/8/layout/orgChart1"/>
-    <dgm:cxn modelId="{510C79DE-9E9F-4DC0-BC46-80BEFBF40866}" type="presOf" srcId="{67DCA957-B2F3-41EA-A1D6-69F2974D19A1}" destId="{C737B84A-2ADA-4BBE-9EAC-51D285811437}" srcOrd="0" destOrd="0" presId="urn:microsoft.com/office/officeart/2005/8/layout/orgChart1"/>
+    <dgm:cxn modelId="{79623BA5-3EE9-492F-9F67-A7A2848E39D4}" type="presOf" srcId="{ED15561D-56C1-4B97-A225-B17AD9CFFD83}" destId="{A5CF2B70-2E8B-4780-B74F-7777095946AC}" srcOrd="1" destOrd="0" presId="urn:microsoft.com/office/officeart/2005/8/layout/orgChart1"/>
+    <dgm:cxn modelId="{354ECFAA-0650-4348-9089-A5F0F4D0486F}" srcId="{5DBF101F-0F35-4E21-834F-2D0370F875E2}" destId="{FE303ED2-E91E-412E-9437-9D310539077B}" srcOrd="0" destOrd="0" parTransId="{67DCA957-B2F3-41EA-A1D6-69F2974D19A1}" sibTransId="{CE3C1A84-FDCD-4933-B8BB-69E7736BF902}"/>
     <dgm:cxn modelId="{9535BF3E-6D47-4915-8F7D-26552F5214B9}" type="presOf" srcId="{43412D1B-5E60-443A-8E70-DE9D4E704809}" destId="{F2FABC0A-7D27-41B6-A5B2-1681964D3E93}" srcOrd="0" destOrd="0" presId="urn:microsoft.com/office/officeart/2005/8/layout/orgChart1"/>
-    <dgm:cxn modelId="{BBD27F77-7864-43DF-9B2E-BCB603876EED}" type="presOf" srcId="{7D06307E-E72D-4C92-B922-9BC1410121D5}" destId="{28B83FEF-8929-4CA9-AA29-351DB9B1E4DC}" srcOrd="0" destOrd="0" presId="urn:microsoft.com/office/officeart/2005/8/layout/orgChart1"/>
-    <dgm:cxn modelId="{B98E2DD1-8CE7-407C-8B1A-1A31AFF5E217}" type="presOf" srcId="{FE303ED2-E91E-412E-9437-9D310539077B}" destId="{A906F8A3-A092-4062-9F84-7013F75341DA}" srcOrd="1" destOrd="0" presId="urn:microsoft.com/office/officeart/2005/8/layout/orgChart1"/>
-    <dgm:cxn modelId="{79623BA5-3EE9-492F-9F67-A7A2848E39D4}" type="presOf" srcId="{ED15561D-56C1-4B97-A225-B17AD9CFFD83}" destId="{A5CF2B70-2E8B-4780-B74F-7777095946AC}" srcOrd="1" destOrd="0" presId="urn:microsoft.com/office/officeart/2005/8/layout/orgChart1"/>
     <dgm:cxn modelId="{12598B40-AE2D-4BF4-A65C-B4CC62CF6BAA}" type="presOf" srcId="{5DBF101F-0F35-4E21-834F-2D0370F875E2}" destId="{0F3F96D0-4A8B-4629-A505-534193085623}" srcOrd="1" destOrd="0" presId="urn:microsoft.com/office/officeart/2005/8/layout/orgChart1"/>
-    <dgm:cxn modelId="{FD7431D9-52DC-4CFA-A587-3A5E27E8B047}" type="presOf" srcId="{FE303ED2-E91E-412E-9437-9D310539077B}" destId="{2614E269-8295-4197-BB5E-0D078F5030B2}" srcOrd="0" destOrd="0" presId="urn:microsoft.com/office/officeart/2005/8/layout/orgChart1"/>
-    <dgm:cxn modelId="{82993F7F-9375-4623-BE0F-E11A2ED881FC}" type="presOf" srcId="{3C212A25-0B13-4130-B138-D80FD13744A6}" destId="{254D17AE-BCFB-4A21-A1FA-06E9765EE69A}" srcOrd="1" destOrd="0" presId="urn:microsoft.com/office/officeart/2005/8/layout/orgChart1"/>
-    <dgm:cxn modelId="{7C4B19F7-C135-41D5-8E39-013674826154}" type="presOf" srcId="{5DBF101F-0F35-4E21-834F-2D0370F875E2}" destId="{0359D7AD-5B93-4C43-9D98-56774F0D5194}" srcOrd="0" destOrd="0" presId="urn:microsoft.com/office/officeart/2005/8/layout/orgChart1"/>
-    <dgm:cxn modelId="{354ECFAA-0650-4348-9089-A5F0F4D0486F}" srcId="{5DBF101F-0F35-4E21-834F-2D0370F875E2}" destId="{FE303ED2-E91E-412E-9437-9D310539077B}" srcOrd="0" destOrd="0" parTransId="{67DCA957-B2F3-41EA-A1D6-69F2974D19A1}" sibTransId="{CE3C1A84-FDCD-4933-B8BB-69E7736BF902}"/>
-    <dgm:cxn modelId="{B01D91DC-554F-453D-9B9C-0287793FEF7A}" type="presOf" srcId="{3C212A25-0B13-4130-B138-D80FD13744A6}" destId="{FB88D22D-616A-4763-8730-376C7E899E79}" srcOrd="0" destOrd="0" presId="urn:microsoft.com/office/officeart/2005/8/layout/orgChart1"/>
     <dgm:cxn modelId="{F3D59A19-B586-4E2E-B3DD-350E8083E5C6}" type="presParOf" srcId="{5D0B09FB-389A-42B8-9F76-AC54AAB7446D}" destId="{AF9557CA-7D0B-407C-B122-3806D3B80045}" srcOrd="0" destOrd="0" presId="urn:microsoft.com/office/officeart/2005/8/layout/orgChart1"/>
     <dgm:cxn modelId="{8CD5B951-A4B9-482B-984E-327DC9B435E8}" type="presParOf" srcId="{AF9557CA-7D0B-407C-B122-3806D3B80045}" destId="{C76704DA-2A6C-4F8D-B746-4F85018CD45A}" srcOrd="0" destOrd="0" presId="urn:microsoft.com/office/officeart/2005/8/layout/orgChart1"/>
     <dgm:cxn modelId="{EA691761-E62C-48CB-8E95-889D13D86C94}" type="presParOf" srcId="{C76704DA-2A6C-4F8D-B746-4F85018CD45A}" destId="{0359D7AD-5B93-4C43-9D98-56774F0D5194}" srcOrd="0" destOrd="0" presId="urn:microsoft.com/office/officeart/2005/8/layout/orgChart1"/>
@@ -8599,26 +8575,29 @@
       </dgm:t>
     </dgm:pt>
     <dgm:pt modelId="{05669515-C7AD-43E7-93DA-C37464BD057F}">
-      <dgm:prSet phldrT="[Text]"/>
+      <dgm:prSet phldrT="[Text]" custT="1"/>
       <dgm:spPr/>
       <dgm:t>
         <a:bodyPr/>
         <a:lstStyle/>
         <a:p>
+          <a:pPr algn="ctr"/>
           <a:r>
-            <a:rPr lang="en-US" dirty="0" smtClean="0">
+            <a:rPr lang="en-US" sz="4000" dirty="0" smtClean="0">
               <a:solidFill>
                 <a:srgbClr val="FFFF00"/>
               </a:solidFill>
-              <a:latin typeface="Informal Roman" panose="030604020304060B0204" pitchFamily="66" charset="0"/>
+              <a:latin typeface="Cambria Math" panose="02040503050406030204" pitchFamily="18" charset="0"/>
+              <a:ea typeface="Cambria Math" panose="02040503050406030204" pitchFamily="18" charset="0"/>
             </a:rPr>
             <a:t>Loops</a:t>
           </a:r>
-          <a:endParaRPr lang="en-US" dirty="0">
+          <a:endParaRPr lang="en-US" sz="4000" dirty="0">
             <a:solidFill>
               <a:srgbClr val="FFFF00"/>
             </a:solidFill>
-            <a:latin typeface="Informal Roman" panose="030604020304060B0204" pitchFamily="66" charset="0"/>
+            <a:latin typeface="Cambria Math" panose="02040503050406030204" pitchFamily="18" charset="0"/>
+            <a:ea typeface="Cambria Math" panose="02040503050406030204" pitchFamily="18" charset="0"/>
           </a:endParaRPr>
         </a:p>
       </dgm:t>
@@ -8652,22 +8631,24 @@
         <a:bodyPr/>
         <a:lstStyle/>
         <a:p>
-          <a:pPr algn="ctr"/>
-          <a:endParaRPr lang="en-US" sz="2800" dirty="0" smtClean="0">
+          <a:pPr algn="l"/>
+          <a:endParaRPr lang="en-US" sz="1800" dirty="0" smtClean="0">
             <a:solidFill>
               <a:srgbClr val="FFFF00"/>
             </a:solidFill>
-            <a:latin typeface="Buxton Sketch" panose="03080500000500000004" pitchFamily="66" charset="0"/>
+            <a:latin typeface="Cambria Math" panose="02040503050406030204" pitchFamily="18" charset="0"/>
+            <a:ea typeface="Cambria Math" panose="02040503050406030204" pitchFamily="18" charset="0"/>
           </a:endParaRPr>
         </a:p>
         <a:p>
-          <a:pPr algn="ctr"/>
+          <a:pPr algn="l"/>
           <a:r>
-            <a:rPr lang="en-US" sz="2800" dirty="0" smtClean="0">
+            <a:rPr lang="en-US" sz="1800" dirty="0" smtClean="0">
               <a:solidFill>
                 <a:srgbClr val="FFFF00"/>
               </a:solidFill>
-              <a:latin typeface="Buxton Sketch" panose="03080500000500000004" pitchFamily="66" charset="0"/>
+              <a:latin typeface="Cambria Math" panose="02040503050406030204" pitchFamily="18" charset="0"/>
+              <a:ea typeface="Cambria Math" panose="02040503050406030204" pitchFamily="18" charset="0"/>
             </a:rPr>
             <a:t>While Loops</a:t>
           </a:r>
@@ -8675,44 +8656,50 @@
         <a:p>
           <a:pPr algn="l"/>
           <a:r>
-            <a:rPr lang="en-US" sz="2000" dirty="0" smtClean="0">
-              <a:latin typeface="Buxton Sketch" panose="03080500000500000004" pitchFamily="66" charset="0"/>
+            <a:rPr lang="en-US" sz="1800" dirty="0" smtClean="0">
+              <a:latin typeface="Cambria Math" panose="02040503050406030204" pitchFamily="18" charset="0"/>
+              <a:ea typeface="Cambria Math" panose="02040503050406030204" pitchFamily="18" charset="0"/>
             </a:rPr>
             <a:t>string </a:t>
           </a:r>
           <a:r>
-            <a:rPr lang="en-US" sz="2000" dirty="0" err="1" smtClean="0">
+            <a:rPr lang="en-US" sz="1800" dirty="0" err="1" smtClean="0">
               <a:solidFill>
                 <a:srgbClr val="00B0F0"/>
               </a:solidFill>
-              <a:latin typeface="Buxton Sketch" panose="03080500000500000004" pitchFamily="66" charset="0"/>
+              <a:latin typeface="Cambria Math" panose="02040503050406030204" pitchFamily="18" charset="0"/>
+              <a:ea typeface="Cambria Math" panose="02040503050406030204" pitchFamily="18" charset="0"/>
             </a:rPr>
             <a:t>myName</a:t>
           </a:r>
           <a:r>
-            <a:rPr lang="en-US" sz="2000" dirty="0" smtClean="0">
-              <a:latin typeface="Buxton Sketch" panose="03080500000500000004" pitchFamily="66" charset="0"/>
+            <a:rPr lang="en-US" sz="1800" dirty="0" smtClean="0">
+              <a:latin typeface="Cambria Math" panose="02040503050406030204" pitchFamily="18" charset="0"/>
+              <a:ea typeface="Cambria Math" panose="02040503050406030204" pitchFamily="18" charset="0"/>
             </a:rPr>
             <a:t> = </a:t>
           </a:r>
           <a:r>
-            <a:rPr lang="en-US" sz="2000" dirty="0" err="1" smtClean="0">
+            <a:rPr lang="en-US" sz="1800" dirty="0" err="1" smtClean="0">
               <a:solidFill>
                 <a:srgbClr val="00B050"/>
               </a:solidFill>
-              <a:latin typeface="Buxton Sketch" panose="03080500000500000004" pitchFamily="66" charset="0"/>
+              <a:latin typeface="Cambria Math" panose="02040503050406030204" pitchFamily="18" charset="0"/>
+              <a:ea typeface="Cambria Math" panose="02040503050406030204" pitchFamily="18" charset="0"/>
             </a:rPr>
             <a:t>Console</a:t>
           </a:r>
           <a:r>
-            <a:rPr lang="en-US" sz="2000" dirty="0" err="1" smtClean="0">
-              <a:latin typeface="Buxton Sketch" panose="03080500000500000004" pitchFamily="66" charset="0"/>
+            <a:rPr lang="en-US" sz="1800" dirty="0" err="1" smtClean="0">
+              <a:latin typeface="Cambria Math" panose="02040503050406030204" pitchFamily="18" charset="0"/>
+              <a:ea typeface="Cambria Math" panose="02040503050406030204" pitchFamily="18" charset="0"/>
             </a:rPr>
             <a:t>.ReadLine</a:t>
           </a:r>
           <a:r>
-            <a:rPr lang="en-US" sz="2000" dirty="0" smtClean="0">
-              <a:latin typeface="Buxton Sketch" panose="03080500000500000004" pitchFamily="66" charset="0"/>
+            <a:rPr lang="en-US" sz="1800" dirty="0" smtClean="0">
+              <a:latin typeface="Cambria Math" panose="02040503050406030204" pitchFamily="18" charset="0"/>
+              <a:ea typeface="Cambria Math" panose="02040503050406030204" pitchFamily="18" charset="0"/>
             </a:rPr>
             <a:t>();</a:t>
           </a:r>
@@ -8720,23 +8707,26 @@
         <a:p>
           <a:pPr algn="l"/>
           <a:r>
-            <a:rPr lang="en-US" sz="2000" dirty="0" smtClean="0">
-              <a:latin typeface="Buxton Sketch" panose="03080500000500000004" pitchFamily="66" charset="0"/>
+            <a:rPr lang="en-US" sz="1800" dirty="0" smtClean="0">
+              <a:latin typeface="Cambria Math" panose="02040503050406030204" pitchFamily="18" charset="0"/>
+              <a:ea typeface="Cambria Math" panose="02040503050406030204" pitchFamily="18" charset="0"/>
             </a:rPr>
             <a:t>while(</a:t>
           </a:r>
           <a:r>
-            <a:rPr lang="en-US" sz="2000" dirty="0" err="1" smtClean="0">
+            <a:rPr lang="en-US" sz="1800" dirty="0" err="1" smtClean="0">
               <a:solidFill>
                 <a:srgbClr val="00B0F0"/>
               </a:solidFill>
-              <a:latin typeface="Buxton Sketch" panose="03080500000500000004" pitchFamily="66" charset="0"/>
+              <a:latin typeface="Cambria Math" panose="02040503050406030204" pitchFamily="18" charset="0"/>
+              <a:ea typeface="Cambria Math" panose="02040503050406030204" pitchFamily="18" charset="0"/>
             </a:rPr>
             <a:t>myName</a:t>
           </a:r>
           <a:r>
-            <a:rPr lang="en-US" sz="2000" dirty="0" smtClean="0">
-              <a:latin typeface="Buxton Sketch" panose="03080500000500000004" pitchFamily="66" charset="0"/>
+            <a:rPr lang="en-US" sz="1800" dirty="0" smtClean="0">
+              <a:latin typeface="Cambria Math" panose="02040503050406030204" pitchFamily="18" charset="0"/>
+              <a:ea typeface="Cambria Math" panose="02040503050406030204" pitchFamily="18" charset="0"/>
             </a:rPr>
             <a:t> != “Bugs Bunny”)</a:t>
           </a:r>
@@ -8744,8 +8734,9 @@
         <a:p>
           <a:pPr algn="l"/>
           <a:r>
-            <a:rPr lang="en-US" sz="2000" dirty="0" smtClean="0">
-              <a:latin typeface="Buxton Sketch" panose="03080500000500000004" pitchFamily="66" charset="0"/>
+            <a:rPr lang="en-US" sz="1800" dirty="0" smtClean="0">
+              <a:latin typeface="Cambria Math" panose="02040503050406030204" pitchFamily="18" charset="0"/>
+              <a:ea typeface="Cambria Math" panose="02040503050406030204" pitchFamily="18" charset="0"/>
             </a:rPr>
             <a:t>{</a:t>
           </a:r>
@@ -8753,29 +8744,33 @@
         <a:p>
           <a:pPr algn="l"/>
           <a:r>
-            <a:rPr lang="en-US" sz="2000" dirty="0" smtClean="0">
-              <a:latin typeface="Buxton Sketch" panose="03080500000500000004" pitchFamily="66" charset="0"/>
+            <a:rPr lang="en-US" sz="1800" dirty="0" smtClean="0">
+              <a:latin typeface="Cambria Math" panose="02040503050406030204" pitchFamily="18" charset="0"/>
+              <a:ea typeface="Cambria Math" panose="02040503050406030204" pitchFamily="18" charset="0"/>
             </a:rPr>
             <a:t>    </a:t>
           </a:r>
           <a:r>
-            <a:rPr lang="en-US" sz="2000" dirty="0" err="1" smtClean="0">
+            <a:rPr lang="en-US" sz="1800" dirty="0" err="1" smtClean="0">
               <a:solidFill>
                 <a:srgbClr val="00B050"/>
               </a:solidFill>
-              <a:latin typeface="Buxton Sketch" panose="03080500000500000004" pitchFamily="66" charset="0"/>
+              <a:latin typeface="Cambria Math" panose="02040503050406030204" pitchFamily="18" charset="0"/>
+              <a:ea typeface="Cambria Math" panose="02040503050406030204" pitchFamily="18" charset="0"/>
             </a:rPr>
             <a:t>Console</a:t>
           </a:r>
           <a:r>
-            <a:rPr lang="en-US" sz="2000" dirty="0" err="1" smtClean="0">
-              <a:latin typeface="Buxton Sketch" panose="03080500000500000004" pitchFamily="66" charset="0"/>
+            <a:rPr lang="en-US" sz="1800" dirty="0" err="1" smtClean="0">
+              <a:latin typeface="Cambria Math" panose="02040503050406030204" pitchFamily="18" charset="0"/>
+              <a:ea typeface="Cambria Math" panose="02040503050406030204" pitchFamily="18" charset="0"/>
             </a:rPr>
             <a:t>.WriteLine</a:t>
           </a:r>
           <a:r>
-            <a:rPr lang="en-US" sz="2000" dirty="0" smtClean="0">
-              <a:latin typeface="Buxton Sketch" panose="03080500000500000004" pitchFamily="66" charset="0"/>
+            <a:rPr lang="en-US" sz="1800" dirty="0" smtClean="0">
+              <a:latin typeface="Cambria Math" panose="02040503050406030204" pitchFamily="18" charset="0"/>
+              <a:ea typeface="Cambria Math" panose="02040503050406030204" pitchFamily="18" charset="0"/>
             </a:rPr>
             <a:t>(“Enter your name!”);</a:t>
           </a:r>
@@ -8783,44 +8778,50 @@
         <a:p>
           <a:pPr algn="l"/>
           <a:r>
-            <a:rPr lang="en-US" sz="2000" dirty="0" smtClean="0">
-              <a:latin typeface="Buxton Sketch" panose="03080500000500000004" pitchFamily="66" charset="0"/>
+            <a:rPr lang="en-US" sz="1800" dirty="0" smtClean="0">
+              <a:latin typeface="Cambria Math" panose="02040503050406030204" pitchFamily="18" charset="0"/>
+              <a:ea typeface="Cambria Math" panose="02040503050406030204" pitchFamily="18" charset="0"/>
             </a:rPr>
             <a:t>    </a:t>
           </a:r>
           <a:r>
-            <a:rPr lang="en-US" sz="2000" dirty="0" err="1" smtClean="0">
+            <a:rPr lang="en-US" sz="1800" dirty="0" err="1" smtClean="0">
               <a:solidFill>
                 <a:srgbClr val="00B0F0"/>
               </a:solidFill>
-              <a:latin typeface="Buxton Sketch" panose="03080500000500000004" pitchFamily="66" charset="0"/>
+              <a:latin typeface="Cambria Math" panose="02040503050406030204" pitchFamily="18" charset="0"/>
+              <a:ea typeface="Cambria Math" panose="02040503050406030204" pitchFamily="18" charset="0"/>
             </a:rPr>
             <a:t>myName</a:t>
           </a:r>
           <a:r>
-            <a:rPr lang="en-US" sz="2000" dirty="0" smtClean="0">
-              <a:latin typeface="Buxton Sketch" panose="03080500000500000004" pitchFamily="66" charset="0"/>
+            <a:rPr lang="en-US" sz="1800" dirty="0" smtClean="0">
+              <a:latin typeface="Cambria Math" panose="02040503050406030204" pitchFamily="18" charset="0"/>
+              <a:ea typeface="Cambria Math" panose="02040503050406030204" pitchFamily="18" charset="0"/>
             </a:rPr>
             <a:t> = </a:t>
           </a:r>
           <a:r>
-            <a:rPr lang="en-US" sz="2000" dirty="0" err="1" smtClean="0">
+            <a:rPr lang="en-US" sz="1800" dirty="0" err="1" smtClean="0">
               <a:solidFill>
                 <a:srgbClr val="00B050"/>
               </a:solidFill>
-              <a:latin typeface="Buxton Sketch" panose="03080500000500000004" pitchFamily="66" charset="0"/>
+              <a:latin typeface="Cambria Math" panose="02040503050406030204" pitchFamily="18" charset="0"/>
+              <a:ea typeface="Cambria Math" panose="02040503050406030204" pitchFamily="18" charset="0"/>
             </a:rPr>
             <a:t>Console</a:t>
           </a:r>
           <a:r>
-            <a:rPr lang="en-US" sz="2000" dirty="0" err="1" smtClean="0">
-              <a:latin typeface="Buxton Sketch" panose="03080500000500000004" pitchFamily="66" charset="0"/>
+            <a:rPr lang="en-US" sz="1800" dirty="0" err="1" smtClean="0">
+              <a:latin typeface="Cambria Math" panose="02040503050406030204" pitchFamily="18" charset="0"/>
+              <a:ea typeface="Cambria Math" panose="02040503050406030204" pitchFamily="18" charset="0"/>
             </a:rPr>
             <a:t>.ReadLIne</a:t>
           </a:r>
           <a:r>
-            <a:rPr lang="en-US" sz="2000" dirty="0" smtClean="0">
-              <a:latin typeface="Buxton Sketch" panose="03080500000500000004" pitchFamily="66" charset="0"/>
+            <a:rPr lang="en-US" sz="1800" dirty="0" smtClean="0">
+              <a:latin typeface="Cambria Math" panose="02040503050406030204" pitchFamily="18" charset="0"/>
+              <a:ea typeface="Cambria Math" panose="02040503050406030204" pitchFamily="18" charset="0"/>
             </a:rPr>
             <a:t>();	</a:t>
           </a:r>
@@ -8828,16 +8829,18 @@
         <a:p>
           <a:pPr algn="l"/>
           <a:r>
-            <a:rPr lang="en-US" sz="2000" dirty="0" smtClean="0">
-              <a:latin typeface="Buxton Sketch" panose="03080500000500000004" pitchFamily="66" charset="0"/>
+            <a:rPr lang="en-US" sz="1800" dirty="0" smtClean="0">
+              <a:latin typeface="Cambria Math" panose="02040503050406030204" pitchFamily="18" charset="0"/>
+              <a:ea typeface="Cambria Math" panose="02040503050406030204" pitchFamily="18" charset="0"/>
             </a:rPr>
             <a:t>}</a:t>
           </a:r>
         </a:p>
         <a:p>
-          <a:pPr algn="ctr"/>
-          <a:endParaRPr lang="en-US" sz="2800" dirty="0">
-            <a:latin typeface="Buxton Sketch" panose="03080500000500000004" pitchFamily="66" charset="0"/>
+          <a:pPr algn="l"/>
+          <a:endParaRPr lang="en-US" sz="1800" dirty="0">
+            <a:latin typeface="Cambria Math" panose="02040503050406030204" pitchFamily="18" charset="0"/>
+            <a:ea typeface="Cambria Math" panose="02040503050406030204" pitchFamily="18" charset="0"/>
           </a:endParaRPr>
         </a:p>
       </dgm:t>
@@ -8849,7 +8852,11 @@
         <a:bodyPr/>
         <a:lstStyle/>
         <a:p>
-          <a:endParaRPr lang="en-US"/>
+          <a:pPr algn="l"/>
+          <a:endParaRPr lang="en-US" sz="1800">
+            <a:latin typeface="Cambria Math" panose="02040503050406030204" pitchFamily="18" charset="0"/>
+            <a:ea typeface="Cambria Math" panose="02040503050406030204" pitchFamily="18" charset="0"/>
+          </a:endParaRPr>
         </a:p>
       </dgm:t>
     </dgm:pt>
@@ -8871,70 +8878,102 @@
         <a:bodyPr/>
         <a:lstStyle/>
         <a:p>
-          <a:endParaRPr lang="en-US" sz="3200" dirty="0" smtClean="0">
+          <a:pPr algn="l"/>
+          <a:endParaRPr lang="en-US" sz="1800" dirty="0" smtClean="0">
             <a:solidFill>
               <a:srgbClr val="FFFF00"/>
             </a:solidFill>
-            <a:latin typeface="Buxton Sketch" panose="03080500000500000004" pitchFamily="66" charset="0"/>
+            <a:latin typeface="Cambria Math" panose="02040503050406030204" pitchFamily="18" charset="0"/>
+            <a:ea typeface="Cambria Math" panose="02040503050406030204" pitchFamily="18" charset="0"/>
           </a:endParaRPr>
         </a:p>
         <a:p>
+          <a:pPr algn="ctr"/>
           <a:r>
-            <a:rPr lang="en-US" sz="2800" dirty="0" smtClean="0">
+            <a:rPr lang="en-US" sz="1800" dirty="0" smtClean="0">
               <a:solidFill>
                 <a:srgbClr val="FFFF00"/>
               </a:solidFill>
-              <a:latin typeface="Buxton Sketch" panose="03080500000500000004" pitchFamily="66" charset="0"/>
+              <a:latin typeface="Cambria Math" panose="02040503050406030204" pitchFamily="18" charset="0"/>
+              <a:ea typeface="Cambria Math" panose="02040503050406030204" pitchFamily="18" charset="0"/>
             </a:rPr>
             <a:t>Do-While Loops</a:t>
           </a:r>
         </a:p>
         <a:p>
+          <a:pPr algn="ctr"/>
           <a:r>
-            <a:rPr lang="en-US" sz="2800" dirty="0" err="1" smtClean="0">
+            <a:rPr lang="en-US" sz="1800" dirty="0" err="1" smtClean="0">
               <a:solidFill>
                 <a:srgbClr val="FFFF00"/>
               </a:solidFill>
-              <a:latin typeface="Buxton Sketch" panose="03080500000500000004" pitchFamily="66" charset="0"/>
+              <a:latin typeface="Cambria Math" panose="02040503050406030204" pitchFamily="18" charset="0"/>
+              <a:ea typeface="Cambria Math" panose="02040503050406030204" pitchFamily="18" charset="0"/>
             </a:rPr>
             <a:t>Foreach</a:t>
           </a:r>
           <a:r>
-            <a:rPr lang="en-US" sz="2800" dirty="0" smtClean="0">
+            <a:rPr lang="en-US" sz="1800" dirty="0" smtClean="0">
               <a:solidFill>
                 <a:srgbClr val="FFFF00"/>
               </a:solidFill>
-              <a:latin typeface="Buxton Sketch" panose="03080500000500000004" pitchFamily="66" charset="0"/>
+              <a:latin typeface="Cambria Math" panose="02040503050406030204" pitchFamily="18" charset="0"/>
+              <a:ea typeface="Cambria Math" panose="02040503050406030204" pitchFamily="18" charset="0"/>
             </a:rPr>
             <a:t> Loop</a:t>
           </a:r>
         </a:p>
         <a:p>
+          <a:pPr algn="ctr"/>
           <a:r>
-            <a:rPr lang="en-US" sz="2800" dirty="0" smtClean="0">
+            <a:rPr lang="en-US" sz="1800" dirty="0" smtClean="0">
               <a:solidFill>
                 <a:srgbClr val="FFFF00"/>
               </a:solidFill>
-              <a:latin typeface="Buxton Sketch" panose="03080500000500000004" pitchFamily="66" charset="0"/>
+              <a:latin typeface="Cambria Math" panose="02040503050406030204" pitchFamily="18" charset="0"/>
+              <a:ea typeface="Cambria Math" panose="02040503050406030204" pitchFamily="18" charset="0"/>
             </a:rPr>
             <a:t>Nested Loops </a:t>
           </a:r>
+          <a:endParaRPr lang="en-US" sz="1800" dirty="0" smtClean="0">
+            <a:solidFill>
+              <a:srgbClr val="FFFF00"/>
+            </a:solidFill>
+            <a:latin typeface="Cambria Math" panose="02040503050406030204" pitchFamily="18" charset="0"/>
+            <a:ea typeface="Cambria Math" panose="02040503050406030204" pitchFamily="18" charset="0"/>
+          </a:endParaRPr>
+        </a:p>
+        <a:p>
+          <a:pPr algn="ctr"/>
           <a:r>
-            <a:rPr lang="en-US" sz="2800" dirty="0" smtClean="0">
+            <a:rPr lang="en-US" sz="1800" dirty="0" smtClean="0">
               <a:solidFill>
                 <a:schemeClr val="tx1"/>
               </a:solidFill>
-              <a:latin typeface="Buxton Sketch" panose="03080500000500000004" pitchFamily="66" charset="0"/>
+              <a:latin typeface="Cambria Math" panose="02040503050406030204" pitchFamily="18" charset="0"/>
+              <a:ea typeface="Cambria Math" panose="02040503050406030204" pitchFamily="18" charset="0"/>
             </a:rPr>
-            <a:t>-&gt; programming construct consisting several loops located into each other.</a:t>
+            <a:t>-&gt; </a:t>
+          </a:r>
+          <a:r>
+            <a:rPr lang="en-US" sz="1800" dirty="0" smtClean="0">
+              <a:solidFill>
+                <a:schemeClr val="tx1"/>
+              </a:solidFill>
+              <a:latin typeface="Cambria Math" panose="02040503050406030204" pitchFamily="18" charset="0"/>
+              <a:ea typeface="Cambria Math" panose="02040503050406030204" pitchFamily="18" charset="0"/>
+            </a:rPr>
+            <a:t>programming construct consisting several loops located into each other.</a:t>
           </a:r>
         </a:p>
         <a:p>
-          <a:endParaRPr lang="en-US" sz="3200" dirty="0">
+          <a:pPr algn="l"/>
+          <a:endParaRPr lang="en-US" sz="1800" dirty="0">
             <a:solidFill>
               <a:srgbClr val="FFFF00"/>
             </a:solidFill>
-            <a:latin typeface="Buxton Sketch" panose="03080500000500000004" pitchFamily="66" charset="0"/>
+            <a:latin typeface="Cambria Math" panose="02040503050406030204" pitchFamily="18" charset="0"/>
+            <a:ea typeface="Cambria Math" panose="02040503050406030204" pitchFamily="18" charset="0"/>
           </a:endParaRPr>
         </a:p>
       </dgm:t>
@@ -8946,7 +8985,11 @@
         <a:bodyPr/>
         <a:lstStyle/>
         <a:p>
-          <a:endParaRPr lang="en-US"/>
+          <a:pPr algn="l"/>
+          <a:endParaRPr lang="en-US" sz="1800">
+            <a:latin typeface="Cambria Math" panose="02040503050406030204" pitchFamily="18" charset="0"/>
+            <a:ea typeface="Cambria Math" panose="02040503050406030204" pitchFamily="18" charset="0"/>
+          </a:endParaRPr>
         </a:p>
       </dgm:t>
     </dgm:pt>
@@ -8968,315 +9011,340 @@
         <a:bodyPr/>
         <a:lstStyle/>
         <a:p>
-          <a:pPr algn="ctr"/>
-          <a:endParaRPr lang="en-US" sz="2800" dirty="0" smtClean="0">
+          <a:pPr algn="l"/>
+          <a:endParaRPr lang="en-US" sz="1800" dirty="0" smtClean="0">
             <a:solidFill>
               <a:srgbClr val="FFFF00"/>
             </a:solidFill>
-            <a:latin typeface="Buxton Sketch" panose="03080500000500000004" pitchFamily="66" charset="0"/>
+            <a:latin typeface="Cambria Math" panose="02040503050406030204" pitchFamily="18" charset="0"/>
+            <a:ea typeface="Cambria Math" panose="02040503050406030204" pitchFamily="18" charset="0"/>
           </a:endParaRPr>
         </a:p>
         <a:p>
-          <a:pPr algn="ctr"/>
-          <a:endParaRPr lang="en-US" sz="2800" dirty="0" smtClean="0">
+          <a:pPr algn="l"/>
+          <a:endParaRPr lang="en-US" sz="1800" dirty="0" smtClean="0">
             <a:solidFill>
               <a:srgbClr val="FFFF00"/>
             </a:solidFill>
-            <a:latin typeface="Buxton Sketch" panose="03080500000500000004" pitchFamily="66" charset="0"/>
+            <a:latin typeface="Cambria Math" panose="02040503050406030204" pitchFamily="18" charset="0"/>
+            <a:ea typeface="Cambria Math" panose="02040503050406030204" pitchFamily="18" charset="0"/>
           </a:endParaRPr>
         </a:p>
         <a:p>
-          <a:pPr algn="ctr"/>
-          <a:endParaRPr lang="en-US" sz="2800" dirty="0" smtClean="0">
+          <a:pPr algn="l"/>
+          <a:endParaRPr lang="en-US" sz="1800" dirty="0" smtClean="0">
             <a:solidFill>
               <a:srgbClr val="FFFF00"/>
             </a:solidFill>
-            <a:latin typeface="Buxton Sketch" panose="03080500000500000004" pitchFamily="66" charset="0"/>
+            <a:latin typeface="Cambria Math" panose="02040503050406030204" pitchFamily="18" charset="0"/>
+            <a:ea typeface="Cambria Math" panose="02040503050406030204" pitchFamily="18" charset="0"/>
           </a:endParaRPr>
         </a:p>
         <a:p>
-          <a:pPr algn="ctr"/>
+          <a:pPr algn="l"/>
           <a:r>
-            <a:rPr lang="en-US" sz="2800" dirty="0" smtClean="0">
+            <a:rPr lang="en-US" sz="1800" dirty="0" smtClean="0">
               <a:solidFill>
                 <a:srgbClr val="FFFF00"/>
               </a:solidFill>
-              <a:latin typeface="Buxton Sketch" panose="03080500000500000004" pitchFamily="66" charset="0"/>
+              <a:latin typeface="Cambria Math" panose="02040503050406030204" pitchFamily="18" charset="0"/>
+              <a:ea typeface="Cambria Math" panose="02040503050406030204" pitchFamily="18" charset="0"/>
             </a:rPr>
             <a:t>For Loop</a:t>
           </a:r>
         </a:p>
         <a:p>
-          <a:pPr algn="just"/>
+          <a:pPr algn="l"/>
           <a:r>
-            <a:rPr lang="en-US" sz="2000" dirty="0" smtClean="0">
+            <a:rPr lang="en-US" sz="1800" dirty="0" smtClean="0">
               <a:solidFill>
                 <a:schemeClr val="tx1"/>
               </a:solidFill>
-              <a:latin typeface="Buxton Sketch" panose="03080500000500000004" pitchFamily="66" charset="0"/>
+              <a:latin typeface="Cambria Math" panose="02040503050406030204" pitchFamily="18" charset="0"/>
+              <a:ea typeface="Cambria Math" panose="02040503050406030204" pitchFamily="18" charset="0"/>
             </a:rPr>
             <a:t>for(</a:t>
           </a:r>
           <a:r>
-            <a:rPr lang="en-US" sz="2000" dirty="0" err="1" smtClean="0">
+            <a:rPr lang="en-US" sz="1800" dirty="0" err="1" smtClean="0">
               <a:solidFill>
                 <a:schemeClr val="tx1"/>
               </a:solidFill>
-              <a:latin typeface="Buxton Sketch" panose="03080500000500000004" pitchFamily="66" charset="0"/>
+              <a:latin typeface="Cambria Math" panose="02040503050406030204" pitchFamily="18" charset="0"/>
+              <a:ea typeface="Cambria Math" panose="02040503050406030204" pitchFamily="18" charset="0"/>
             </a:rPr>
             <a:t>i</a:t>
           </a:r>
           <a:r>
-            <a:rPr lang="en-US" sz="2000" dirty="0" smtClean="0">
+            <a:rPr lang="en-US" sz="1800" dirty="0" smtClean="0">
               <a:solidFill>
                 <a:schemeClr val="tx1"/>
               </a:solidFill>
-              <a:latin typeface="Buxton Sketch" panose="03080500000500000004" pitchFamily="66" charset="0"/>
+              <a:latin typeface="Cambria Math" panose="02040503050406030204" pitchFamily="18" charset="0"/>
+              <a:ea typeface="Cambria Math" panose="02040503050406030204" pitchFamily="18" charset="0"/>
             </a:rPr>
             <a:t> = 0; </a:t>
           </a:r>
           <a:r>
-            <a:rPr lang="en-US" sz="2000" dirty="0" err="1" smtClean="0">
+            <a:rPr lang="en-US" sz="1800" dirty="0" err="1" smtClean="0">
               <a:solidFill>
                 <a:schemeClr val="tx1"/>
               </a:solidFill>
-              <a:latin typeface="Buxton Sketch" panose="03080500000500000004" pitchFamily="66" charset="0"/>
+              <a:latin typeface="Cambria Math" panose="02040503050406030204" pitchFamily="18" charset="0"/>
+              <a:ea typeface="Cambria Math" panose="02040503050406030204" pitchFamily="18" charset="0"/>
             </a:rPr>
             <a:t>i</a:t>
           </a:r>
           <a:r>
-            <a:rPr lang="en-US" sz="2000" dirty="0" smtClean="0">
+            <a:rPr lang="en-US" sz="1800" dirty="0" smtClean="0">
               <a:solidFill>
                 <a:schemeClr val="tx1"/>
               </a:solidFill>
-              <a:latin typeface="Buxton Sketch" panose="03080500000500000004" pitchFamily="66" charset="0"/>
+              <a:latin typeface="Cambria Math" panose="02040503050406030204" pitchFamily="18" charset="0"/>
+              <a:ea typeface="Cambria Math" panose="02040503050406030204" pitchFamily="18" charset="0"/>
             </a:rPr>
             <a:t> &lt;= 10; </a:t>
           </a:r>
           <a:r>
-            <a:rPr lang="en-US" sz="2000" dirty="0" err="1" smtClean="0">
+            <a:rPr lang="en-US" sz="1800" dirty="0" err="1" smtClean="0">
               <a:solidFill>
                 <a:schemeClr val="tx1"/>
               </a:solidFill>
-              <a:latin typeface="Buxton Sketch" panose="03080500000500000004" pitchFamily="66" charset="0"/>
+              <a:latin typeface="Cambria Math" panose="02040503050406030204" pitchFamily="18" charset="0"/>
+              <a:ea typeface="Cambria Math" panose="02040503050406030204" pitchFamily="18" charset="0"/>
             </a:rPr>
             <a:t>i</a:t>
           </a:r>
           <a:r>
-            <a:rPr lang="en-US" sz="2000" dirty="0" smtClean="0">
+            <a:rPr lang="en-US" sz="1800" dirty="0" smtClean="0">
               <a:solidFill>
                 <a:schemeClr val="tx1"/>
               </a:solidFill>
-              <a:latin typeface="Buxton Sketch" panose="03080500000500000004" pitchFamily="66" charset="0"/>
+              <a:latin typeface="Cambria Math" panose="02040503050406030204" pitchFamily="18" charset="0"/>
+              <a:ea typeface="Cambria Math" panose="02040503050406030204" pitchFamily="18" charset="0"/>
             </a:rPr>
             <a:t>++)</a:t>
           </a:r>
         </a:p>
         <a:p>
-          <a:pPr algn="just"/>
+          <a:pPr algn="l"/>
           <a:r>
-            <a:rPr lang="en-US" sz="2000" dirty="0" smtClean="0">
+            <a:rPr lang="en-US" sz="1800" dirty="0" smtClean="0">
               <a:solidFill>
                 <a:schemeClr val="tx1"/>
               </a:solidFill>
-              <a:latin typeface="Buxton Sketch" panose="03080500000500000004" pitchFamily="66" charset="0"/>
+              <a:latin typeface="Cambria Math" panose="02040503050406030204" pitchFamily="18" charset="0"/>
+              <a:ea typeface="Cambria Math" panose="02040503050406030204" pitchFamily="18" charset="0"/>
             </a:rPr>
             <a:t>{</a:t>
           </a:r>
         </a:p>
         <a:p>
-          <a:pPr algn="just"/>
+          <a:pPr algn="l"/>
           <a:r>
-            <a:rPr lang="en-US" sz="2000" dirty="0" smtClean="0">
+            <a:rPr lang="en-US" sz="1800" dirty="0" smtClean="0">
               <a:solidFill>
                 <a:schemeClr val="tx1"/>
               </a:solidFill>
-              <a:latin typeface="Buxton Sketch" panose="03080500000500000004" pitchFamily="66" charset="0"/>
+              <a:latin typeface="Cambria Math" panose="02040503050406030204" pitchFamily="18" charset="0"/>
+              <a:ea typeface="Cambria Math" panose="02040503050406030204" pitchFamily="18" charset="0"/>
             </a:rPr>
             <a:t>    </a:t>
           </a:r>
           <a:r>
-            <a:rPr lang="en-US" sz="2000" dirty="0" err="1" smtClean="0">
+            <a:rPr lang="en-US" sz="1800" dirty="0" err="1" smtClean="0">
               <a:solidFill>
                 <a:srgbClr val="00B050"/>
               </a:solidFill>
-              <a:latin typeface="Buxton Sketch" panose="03080500000500000004" pitchFamily="66" charset="0"/>
+              <a:latin typeface="Cambria Math" panose="02040503050406030204" pitchFamily="18" charset="0"/>
+              <a:ea typeface="Cambria Math" panose="02040503050406030204" pitchFamily="18" charset="0"/>
             </a:rPr>
             <a:t>Console</a:t>
           </a:r>
           <a:r>
-            <a:rPr lang="en-US" sz="2000" dirty="0" err="1" smtClean="0">
+            <a:rPr lang="en-US" sz="1800" dirty="0" err="1" smtClean="0">
               <a:solidFill>
                 <a:schemeClr val="tx1"/>
               </a:solidFill>
-              <a:latin typeface="Buxton Sketch" panose="03080500000500000004" pitchFamily="66" charset="0"/>
+              <a:latin typeface="Cambria Math" panose="02040503050406030204" pitchFamily="18" charset="0"/>
+              <a:ea typeface="Cambria Math" panose="02040503050406030204" pitchFamily="18" charset="0"/>
             </a:rPr>
             <a:t>.WriteLine</a:t>
           </a:r>
           <a:r>
-            <a:rPr lang="en-US" sz="2000" dirty="0" smtClean="0">
+            <a:rPr lang="en-US" sz="1800" dirty="0" smtClean="0">
               <a:solidFill>
                 <a:schemeClr val="tx1"/>
               </a:solidFill>
-              <a:latin typeface="Buxton Sketch" panose="03080500000500000004" pitchFamily="66" charset="0"/>
+              <a:latin typeface="Cambria Math" panose="02040503050406030204" pitchFamily="18" charset="0"/>
+              <a:ea typeface="Cambria Math" panose="02040503050406030204" pitchFamily="18" charset="0"/>
             </a:rPr>
             <a:t>(“Your name is </a:t>
           </a:r>
           <a:r>
-            <a:rPr lang="en-US" sz="2000" dirty="0" smtClean="0">
+            <a:rPr lang="en-US" sz="1800" dirty="0" smtClean="0">
               <a:solidFill>
                 <a:srgbClr val="00B0F0"/>
               </a:solidFill>
-              <a:latin typeface="Buxton Sketch" panose="03080500000500000004" pitchFamily="66" charset="0"/>
+              <a:latin typeface="Cambria Math" panose="02040503050406030204" pitchFamily="18" charset="0"/>
+              <a:ea typeface="Cambria Math" panose="02040503050406030204" pitchFamily="18" charset="0"/>
             </a:rPr>
             <a:t>Daffy Duck</a:t>
           </a:r>
           <a:r>
-            <a:rPr lang="en-US" sz="2000" dirty="0" smtClean="0">
+            <a:rPr lang="en-US" sz="1800" dirty="0" smtClean="0">
               <a:solidFill>
                 <a:schemeClr val="tx1"/>
               </a:solidFill>
-              <a:latin typeface="Buxton Sketch" panose="03080500000500000004" pitchFamily="66" charset="0"/>
+              <a:latin typeface="Cambria Math" panose="02040503050406030204" pitchFamily="18" charset="0"/>
+              <a:ea typeface="Cambria Math" panose="02040503050406030204" pitchFamily="18" charset="0"/>
             </a:rPr>
             <a:t>”);</a:t>
           </a:r>
         </a:p>
         <a:p>
-          <a:pPr algn="just"/>
+          <a:pPr algn="l"/>
           <a:r>
-            <a:rPr lang="en-US" sz="2000" dirty="0" smtClean="0">
+            <a:rPr lang="en-US" sz="1800" dirty="0" smtClean="0">
               <a:solidFill>
                 <a:schemeClr val="tx1"/>
               </a:solidFill>
-              <a:latin typeface="Buxton Sketch" panose="03080500000500000004" pitchFamily="66" charset="0"/>
+              <a:latin typeface="Cambria Math" panose="02040503050406030204" pitchFamily="18" charset="0"/>
+              <a:ea typeface="Cambria Math" panose="02040503050406030204" pitchFamily="18" charset="0"/>
             </a:rPr>
             <a:t>}</a:t>
           </a:r>
         </a:p>
         <a:p>
-          <a:pPr algn="just"/>
-          <a:endParaRPr lang="en-US" sz="2000" dirty="0" smtClean="0">
+          <a:pPr algn="l"/>
+          <a:endParaRPr lang="en-US" sz="1800" dirty="0" smtClean="0">
             <a:solidFill>
               <a:schemeClr val="tx1"/>
             </a:solidFill>
-            <a:latin typeface="Buxton Sketch" panose="03080500000500000004" pitchFamily="66" charset="0"/>
+            <a:latin typeface="Cambria Math" panose="02040503050406030204" pitchFamily="18" charset="0"/>
+            <a:ea typeface="Cambria Math" panose="02040503050406030204" pitchFamily="18" charset="0"/>
           </a:endParaRPr>
         </a:p>
         <a:p>
-          <a:pPr algn="just"/>
+          <a:pPr algn="l"/>
           <a:r>
-            <a:rPr lang="en-US" sz="2000" dirty="0" smtClean="0">
+            <a:rPr lang="en-US" sz="1800" dirty="0" smtClean="0">
               <a:solidFill>
                 <a:schemeClr val="tx1"/>
               </a:solidFill>
-              <a:latin typeface="Buxton Sketch" panose="03080500000500000004" pitchFamily="66" charset="0"/>
+              <a:latin typeface="Cambria Math" panose="02040503050406030204" pitchFamily="18" charset="0"/>
+              <a:ea typeface="Cambria Math" panose="02040503050406030204" pitchFamily="18" charset="0"/>
             </a:rPr>
             <a:t>// Your name is </a:t>
           </a:r>
           <a:r>
-            <a:rPr lang="en-US" sz="2000" dirty="0" smtClean="0">
+            <a:rPr lang="en-US" sz="1800" dirty="0" smtClean="0">
               <a:solidFill>
                 <a:srgbClr val="00B0F0"/>
               </a:solidFill>
-              <a:latin typeface="Buxton Sketch" panose="03080500000500000004" pitchFamily="66" charset="0"/>
+              <a:latin typeface="Cambria Math" panose="02040503050406030204" pitchFamily="18" charset="0"/>
+              <a:ea typeface="Cambria Math" panose="02040503050406030204" pitchFamily="18" charset="0"/>
             </a:rPr>
             <a:t>Daffy Duck</a:t>
           </a:r>
         </a:p>
         <a:p>
-          <a:pPr algn="just"/>
+          <a:pPr algn="l"/>
           <a:r>
-            <a:rPr lang="en-US" sz="2000" dirty="0" smtClean="0">
+            <a:rPr lang="en-US" sz="1800" dirty="0" smtClean="0">
               <a:solidFill>
                 <a:schemeClr val="tx1"/>
               </a:solidFill>
-              <a:latin typeface="Buxton Sketch" panose="03080500000500000004" pitchFamily="66" charset="0"/>
+              <a:latin typeface="Cambria Math" panose="02040503050406030204" pitchFamily="18" charset="0"/>
+              <a:ea typeface="Cambria Math" panose="02040503050406030204" pitchFamily="18" charset="0"/>
             </a:rPr>
             <a:t>// Your name is </a:t>
           </a:r>
           <a:r>
-            <a:rPr lang="en-US" sz="2000" dirty="0" smtClean="0">
+            <a:rPr lang="en-US" sz="1800" dirty="0" smtClean="0">
               <a:solidFill>
                 <a:srgbClr val="00B0F0"/>
               </a:solidFill>
-              <a:latin typeface="Buxton Sketch" panose="03080500000500000004" pitchFamily="66" charset="0"/>
+              <a:latin typeface="Cambria Math" panose="02040503050406030204" pitchFamily="18" charset="0"/>
+              <a:ea typeface="Cambria Math" panose="02040503050406030204" pitchFamily="18" charset="0"/>
             </a:rPr>
             <a:t>Daffy Duck</a:t>
           </a:r>
         </a:p>
         <a:p>
-          <a:pPr algn="just"/>
+          <a:pPr algn="l"/>
           <a:r>
-            <a:rPr lang="en-US" sz="2000" dirty="0" smtClean="0">
+            <a:rPr lang="en-US" sz="1800" dirty="0" smtClean="0">
               <a:solidFill>
                 <a:schemeClr val="tx1"/>
               </a:solidFill>
-              <a:latin typeface="Buxton Sketch" panose="03080500000500000004" pitchFamily="66" charset="0"/>
+              <a:latin typeface="Cambria Math" panose="02040503050406030204" pitchFamily="18" charset="0"/>
+              <a:ea typeface="Cambria Math" panose="02040503050406030204" pitchFamily="18" charset="0"/>
             </a:rPr>
             <a:t>// Your name is </a:t>
           </a:r>
           <a:r>
-            <a:rPr lang="en-US" sz="2000" dirty="0" smtClean="0">
+            <a:rPr lang="en-US" sz="1800" dirty="0" smtClean="0">
               <a:solidFill>
                 <a:srgbClr val="00B0F0"/>
               </a:solidFill>
-              <a:latin typeface="Buxton Sketch" panose="03080500000500000004" pitchFamily="66" charset="0"/>
+              <a:latin typeface="Cambria Math" panose="02040503050406030204" pitchFamily="18" charset="0"/>
+              <a:ea typeface="Cambria Math" panose="02040503050406030204" pitchFamily="18" charset="0"/>
             </a:rPr>
             <a:t>Daffy Duck</a:t>
           </a:r>
         </a:p>
         <a:p>
-          <a:pPr algn="just"/>
+          <a:pPr algn="l"/>
           <a:r>
-            <a:rPr lang="en-US" sz="2000" dirty="0" smtClean="0">
+            <a:rPr lang="en-US" sz="1800" dirty="0" smtClean="0">
               <a:solidFill>
                 <a:schemeClr val="tx1"/>
               </a:solidFill>
-              <a:latin typeface="Buxton Sketch" panose="03080500000500000004" pitchFamily="66" charset="0"/>
+              <a:latin typeface="Cambria Math" panose="02040503050406030204" pitchFamily="18" charset="0"/>
+              <a:ea typeface="Cambria Math" panose="02040503050406030204" pitchFamily="18" charset="0"/>
             </a:rPr>
             <a:t>… 10 times will be looped</a:t>
           </a:r>
-          <a:endParaRPr lang="en-US" sz="2400" dirty="0" smtClean="0">
+        </a:p>
+        <a:p>
+          <a:pPr algn="l"/>
+          <a:endParaRPr lang="en-US" sz="1800" dirty="0" smtClean="0">
             <a:solidFill>
-              <a:schemeClr val="tx1"/>
+              <a:srgbClr val="FFFF00"/>
             </a:solidFill>
-            <a:latin typeface="Buxton Sketch" panose="03080500000500000004" pitchFamily="66" charset="0"/>
+            <a:latin typeface="Cambria Math" panose="02040503050406030204" pitchFamily="18" charset="0"/>
+            <a:ea typeface="Cambria Math" panose="02040503050406030204" pitchFamily="18" charset="0"/>
           </a:endParaRPr>
         </a:p>
         <a:p>
-          <a:pPr algn="ctr"/>
-          <a:endParaRPr lang="en-US" sz="2800" dirty="0" smtClean="0">
+          <a:pPr algn="l"/>
+          <a:endParaRPr lang="en-US" sz="1800" dirty="0" smtClean="0">
             <a:solidFill>
               <a:srgbClr val="FFFF00"/>
             </a:solidFill>
-            <a:latin typeface="Buxton Sketch" panose="03080500000500000004" pitchFamily="66" charset="0"/>
+            <a:latin typeface="Cambria Math" panose="02040503050406030204" pitchFamily="18" charset="0"/>
+            <a:ea typeface="Cambria Math" panose="02040503050406030204" pitchFamily="18" charset="0"/>
           </a:endParaRPr>
         </a:p>
         <a:p>
-          <a:pPr algn="ctr"/>
-          <a:endParaRPr lang="en-US" sz="2800" dirty="0" smtClean="0">
+          <a:pPr algn="l"/>
+          <a:endParaRPr lang="en-US" sz="1800" dirty="0" smtClean="0">
             <a:solidFill>
               <a:srgbClr val="FFFF00"/>
             </a:solidFill>
-            <a:latin typeface="Buxton Sketch" panose="03080500000500000004" pitchFamily="66" charset="0"/>
+            <a:latin typeface="Cambria Math" panose="02040503050406030204" pitchFamily="18" charset="0"/>
+            <a:ea typeface="Cambria Math" panose="02040503050406030204" pitchFamily="18" charset="0"/>
           </a:endParaRPr>
         </a:p>
         <a:p>
-          <a:pPr algn="ctr"/>
-          <a:endParaRPr lang="en-US" sz="2800" dirty="0" smtClean="0">
+          <a:pPr algn="l"/>
+          <a:endParaRPr lang="en-US" sz="1800" dirty="0">
             <a:solidFill>
               <a:srgbClr val="FFFF00"/>
             </a:solidFill>
-            <a:latin typeface="Buxton Sketch" panose="03080500000500000004" pitchFamily="66" charset="0"/>
-          </a:endParaRPr>
-        </a:p>
-        <a:p>
-          <a:pPr algn="ctr"/>
-          <a:endParaRPr lang="en-US" sz="2800" dirty="0">
-            <a:solidFill>
-              <a:srgbClr val="FFFF00"/>
-            </a:solidFill>
-            <a:latin typeface="Buxton Sketch" panose="03080500000500000004" pitchFamily="66" charset="0"/>
+            <a:latin typeface="Cambria Math" panose="02040503050406030204" pitchFamily="18" charset="0"/>
+            <a:ea typeface="Cambria Math" panose="02040503050406030204" pitchFamily="18" charset="0"/>
           </a:endParaRPr>
         </a:p>
       </dgm:t>
@@ -9288,7 +9356,11 @@
         <a:bodyPr/>
         <a:lstStyle/>
         <a:p>
-          <a:endParaRPr lang="en-US"/>
+          <a:pPr algn="l"/>
+          <a:endParaRPr lang="en-US" sz="1800">
+            <a:latin typeface="Cambria Math" panose="02040503050406030204" pitchFamily="18" charset="0"/>
+            <a:ea typeface="Cambria Math" panose="02040503050406030204" pitchFamily="18" charset="0"/>
+          </a:endParaRPr>
         </a:p>
       </dgm:t>
     </dgm:pt>
@@ -9336,7 +9408,7 @@
       <dgm:spPr/>
     </dgm:pt>
     <dgm:pt modelId="{C64EB97F-321C-4C39-8BEA-081097216017}" type="pres">
-      <dgm:prSet presAssocID="{05669515-C7AD-43E7-93DA-C37464BD057F}" presName="rootText1" presStyleLbl="node0" presStyleIdx="0" presStyleCnt="1" custScaleY="137438" custLinFactNeighborX="-1568" custLinFactNeighborY="-76823">
+      <dgm:prSet presAssocID="{05669515-C7AD-43E7-93DA-C37464BD057F}" presName="rootText1" presStyleLbl="node0" presStyleIdx="0" presStyleCnt="1" custScaleX="197574" custScaleY="50930" custLinFactNeighborX="-1568" custLinFactNeighborY="-76823">
         <dgm:presLayoutVars>
           <dgm:chPref val="3"/>
         </dgm:presLayoutVars>
@@ -9446,7 +9518,7 @@
       <dgm:spPr/>
     </dgm:pt>
     <dgm:pt modelId="{BC0C9976-79C2-4CCD-9FCC-AEDADFE68DB4}" type="pres">
-      <dgm:prSet presAssocID="{A78ED3B0-0F0C-4007-BBB8-10DD84BC0913}" presName="rootText" presStyleLbl="node2" presStyleIdx="1" presStyleCnt="3" custScaleY="335862">
+      <dgm:prSet presAssocID="{A78ED3B0-0F0C-4007-BBB8-10DD84BC0913}" presName="rootText" presStyleLbl="node2" presStyleIdx="1" presStyleCnt="3" custScaleY="187738">
         <dgm:presLayoutVars>
           <dgm:chPref val="3"/>
         </dgm:presLayoutVars>
@@ -9503,7 +9575,7 @@
       <dgm:spPr/>
     </dgm:pt>
     <dgm:pt modelId="{CECD2C1A-D1AF-4B3F-BCEC-0C6E19DFFA0D}" type="pres">
-      <dgm:prSet presAssocID="{AEEB09C7-4FB5-48E4-9523-C56B03EF0B5B}" presName="rootText" presStyleLbl="node2" presStyleIdx="2" presStyleCnt="3" custScaleX="197829" custScaleY="372542" custLinFactNeighborX="-3886" custLinFactNeighborY="3964">
+      <dgm:prSet presAssocID="{AEEB09C7-4FB5-48E4-9523-C56B03EF0B5B}" presName="rootText" presStyleLbl="node2" presStyleIdx="2" presStyleCnt="3" custScaleX="171405" custScaleY="372542" custLinFactNeighborX="-3886" custLinFactNeighborY="3964">
         <dgm:presLayoutVars>
           <dgm:chPref val="3"/>
         </dgm:presLayoutVars>
@@ -9825,7 +9897,7 @@
       <dgm:spPr/>
     </dgm:pt>
     <dgm:pt modelId="{ACDE8485-05B1-406B-AD3C-368A19FF8F21}" type="pres">
-      <dgm:prSet presAssocID="{5026F749-70FD-4720-9858-7B81314E8CF0}" presName="rootText" presStyleLbl="node2" presStyleIdx="0" presStyleCnt="2" custScaleY="17700" custLinFactNeighborX="-2262" custLinFactNeighborY="-37833">
+      <dgm:prSet presAssocID="{5026F749-70FD-4720-9858-7B81314E8CF0}" presName="rootText" presStyleLbl="node2" presStyleIdx="0" presStyleCnt="2" custScaleY="17700" custLinFactNeighborX="2564" custLinFactNeighborY="-85250">
         <dgm:presLayoutVars>
           <dgm:chPref val="3"/>
         </dgm:presLayoutVars>
@@ -9882,7 +9954,7 @@
       <dgm:spPr/>
     </dgm:pt>
     <dgm:pt modelId="{07BD9B31-3415-4AE7-BD62-D4E049D8396D}" type="pres">
-      <dgm:prSet presAssocID="{EEC3C2B6-CCB3-4CDB-84D9-93741BAF41A2}" presName="rootText" presStyleLbl="node2" presStyleIdx="1" presStyleCnt="2" custScaleY="22635" custLinFactNeighborX="-2879" custLinFactNeighborY="-50170">
+      <dgm:prSet presAssocID="{EEC3C2B6-CCB3-4CDB-84D9-93741BAF41A2}" presName="rootText" presStyleLbl="node2" presStyleIdx="1" presStyleCnt="2" custScaleY="22635" custLinFactNeighborX="-2687" custLinFactNeighborY="-87516">
         <dgm:presLayoutVars>
           <dgm:chPref val="3"/>
         </dgm:presLayoutVars>
@@ -9921,18 +9993,18 @@
     </dgm:pt>
   </dgm:ptLst>
   <dgm:cxnLst>
+    <dgm:cxn modelId="{3F461B40-14D3-4DE0-B156-B004FD9F8ED9}" type="presOf" srcId="{F53C9289-97E1-4D2D-97C9-1AAC80980444}" destId="{066BF7EA-934B-4060-B6BF-0796EB1E4F44}" srcOrd="0" destOrd="0" presId="urn:microsoft.com/office/officeart/2005/8/layout/orgChart1"/>
+    <dgm:cxn modelId="{9FD2703E-D7D4-488C-B86F-89B4AAEC8866}" type="presOf" srcId="{5026F749-70FD-4720-9858-7B81314E8CF0}" destId="{ACDE8485-05B1-406B-AD3C-368A19FF8F21}" srcOrd="0" destOrd="0" presId="urn:microsoft.com/office/officeart/2005/8/layout/orgChart1"/>
     <dgm:cxn modelId="{1A9B7C33-D180-4BAD-BAB0-48F9CC52E7D7}" srcId="{36FF7C4C-C18C-46F5-8FE8-C426B93A9095}" destId="{47581A9E-5E40-406D-BE0A-38AA3E89F7F8}" srcOrd="0" destOrd="0" parTransId="{B9257DBC-4964-4109-BE29-5A9463C79B30}" sibTransId="{36D4FCD3-96C9-4F49-A64F-A25212C98BE3}"/>
-    <dgm:cxn modelId="{3F461B40-14D3-4DE0-B156-B004FD9F8ED9}" type="presOf" srcId="{F53C9289-97E1-4D2D-97C9-1AAC80980444}" destId="{066BF7EA-934B-4060-B6BF-0796EB1E4F44}" srcOrd="0" destOrd="0" presId="urn:microsoft.com/office/officeart/2005/8/layout/orgChart1"/>
+    <dgm:cxn modelId="{12C6268D-B3F0-4C5C-B9B7-4269BF5D55F1}" type="presOf" srcId="{47581A9E-5E40-406D-BE0A-38AA3E89F7F8}" destId="{7C14404F-4974-49DB-96E9-942AA1195F7A}" srcOrd="1" destOrd="0" presId="urn:microsoft.com/office/officeart/2005/8/layout/orgChart1"/>
+    <dgm:cxn modelId="{5D9FF610-E795-476D-86FC-E015F8FDA489}" srcId="{47581A9E-5E40-406D-BE0A-38AA3E89F7F8}" destId="{EEC3C2B6-CCB3-4CDB-84D9-93741BAF41A2}" srcOrd="1" destOrd="0" parTransId="{EFFAFC6C-F906-450E-8595-D15AC71B243F}" sibTransId="{F512F933-B839-42F7-8E57-EDFA719F737F}"/>
+    <dgm:cxn modelId="{8AB80DB9-7B40-4065-83A0-8DAD0D36E386}" type="presOf" srcId="{EFFAFC6C-F906-450E-8595-D15AC71B243F}" destId="{973CA2BD-28A9-4084-9A56-C43D3E3B0316}" srcOrd="0" destOrd="0" presId="urn:microsoft.com/office/officeart/2005/8/layout/orgChart1"/>
     <dgm:cxn modelId="{9FC334A9-4E29-4794-8BF1-2134E895F76D}" type="presOf" srcId="{EEC3C2B6-CCB3-4CDB-84D9-93741BAF41A2}" destId="{54470973-FF4C-4094-83FC-25652F5582EF}" srcOrd="1" destOrd="0" presId="urn:microsoft.com/office/officeart/2005/8/layout/orgChart1"/>
-    <dgm:cxn modelId="{8AB80DB9-7B40-4065-83A0-8DAD0D36E386}" type="presOf" srcId="{EFFAFC6C-F906-450E-8595-D15AC71B243F}" destId="{973CA2BD-28A9-4084-9A56-C43D3E3B0316}" srcOrd="0" destOrd="0" presId="urn:microsoft.com/office/officeart/2005/8/layout/orgChart1"/>
-    <dgm:cxn modelId="{9FD2703E-D7D4-488C-B86F-89B4AAEC8866}" type="presOf" srcId="{5026F749-70FD-4720-9858-7B81314E8CF0}" destId="{ACDE8485-05B1-406B-AD3C-368A19FF8F21}" srcOrd="0" destOrd="0" presId="urn:microsoft.com/office/officeart/2005/8/layout/orgChart1"/>
+    <dgm:cxn modelId="{5C91C76A-FC00-4920-9159-50F3665C6692}" type="presOf" srcId="{5026F749-70FD-4720-9858-7B81314E8CF0}" destId="{5ABA39A4-A26D-4F82-AF53-3A39C640F9C3}" srcOrd="1" destOrd="0" presId="urn:microsoft.com/office/officeart/2005/8/layout/orgChart1"/>
+    <dgm:cxn modelId="{FF9EFE8B-F6D5-4585-A95F-EFE7E2BAD83F}" type="presOf" srcId="{36FF7C4C-C18C-46F5-8FE8-C426B93A9095}" destId="{F28535A8-9D85-4AB8-B7C4-4EDBC1F9E41B}" srcOrd="0" destOrd="0" presId="urn:microsoft.com/office/officeart/2005/8/layout/orgChart1"/>
+    <dgm:cxn modelId="{E0C3EF0D-090E-4E04-B581-91BAC77C7E75}" type="presOf" srcId="{EEC3C2B6-CCB3-4CDB-84D9-93741BAF41A2}" destId="{07BD9B31-3415-4AE7-BD62-D4E049D8396D}" srcOrd="0" destOrd="0" presId="urn:microsoft.com/office/officeart/2005/8/layout/orgChart1"/>
+    <dgm:cxn modelId="{3BFAD681-DCC6-47B1-AAF1-2EEA17BB839A}" type="presOf" srcId="{47581A9E-5E40-406D-BE0A-38AA3E89F7F8}" destId="{36FDA7F1-3CE0-45DA-99EE-C2DAE976718C}" srcOrd="0" destOrd="0" presId="urn:microsoft.com/office/officeart/2005/8/layout/orgChart1"/>
     <dgm:cxn modelId="{BC82667A-EDA1-43CA-B93C-FF9003F535FB}" srcId="{47581A9E-5E40-406D-BE0A-38AA3E89F7F8}" destId="{5026F749-70FD-4720-9858-7B81314E8CF0}" srcOrd="0" destOrd="0" parTransId="{F53C9289-97E1-4D2D-97C9-1AAC80980444}" sibTransId="{1A494AB9-3AE1-4FA4-9DB7-96C622E19841}"/>
-    <dgm:cxn modelId="{3BFAD681-DCC6-47B1-AAF1-2EEA17BB839A}" type="presOf" srcId="{47581A9E-5E40-406D-BE0A-38AA3E89F7F8}" destId="{36FDA7F1-3CE0-45DA-99EE-C2DAE976718C}" srcOrd="0" destOrd="0" presId="urn:microsoft.com/office/officeart/2005/8/layout/orgChart1"/>
-    <dgm:cxn modelId="{5D9FF610-E795-476D-86FC-E015F8FDA489}" srcId="{47581A9E-5E40-406D-BE0A-38AA3E89F7F8}" destId="{EEC3C2B6-CCB3-4CDB-84D9-93741BAF41A2}" srcOrd="1" destOrd="0" parTransId="{EFFAFC6C-F906-450E-8595-D15AC71B243F}" sibTransId="{F512F933-B839-42F7-8E57-EDFA719F737F}"/>
-    <dgm:cxn modelId="{12C6268D-B3F0-4C5C-B9B7-4269BF5D55F1}" type="presOf" srcId="{47581A9E-5E40-406D-BE0A-38AA3E89F7F8}" destId="{7C14404F-4974-49DB-96E9-942AA1195F7A}" srcOrd="1" destOrd="0" presId="urn:microsoft.com/office/officeart/2005/8/layout/orgChart1"/>
-    <dgm:cxn modelId="{5C91C76A-FC00-4920-9159-50F3665C6692}" type="presOf" srcId="{5026F749-70FD-4720-9858-7B81314E8CF0}" destId="{5ABA39A4-A26D-4F82-AF53-3A39C640F9C3}" srcOrd="1" destOrd="0" presId="urn:microsoft.com/office/officeart/2005/8/layout/orgChart1"/>
-    <dgm:cxn modelId="{E0C3EF0D-090E-4E04-B581-91BAC77C7E75}" type="presOf" srcId="{EEC3C2B6-CCB3-4CDB-84D9-93741BAF41A2}" destId="{07BD9B31-3415-4AE7-BD62-D4E049D8396D}" srcOrd="0" destOrd="0" presId="urn:microsoft.com/office/officeart/2005/8/layout/orgChart1"/>
-    <dgm:cxn modelId="{FF9EFE8B-F6D5-4585-A95F-EFE7E2BAD83F}" type="presOf" srcId="{36FF7C4C-C18C-46F5-8FE8-C426B93A9095}" destId="{F28535A8-9D85-4AB8-B7C4-4EDBC1F9E41B}" srcOrd="0" destOrd="0" presId="urn:microsoft.com/office/officeart/2005/8/layout/orgChart1"/>
     <dgm:cxn modelId="{F6821DBF-9971-46BE-A30B-50B3DE2134F5}" type="presParOf" srcId="{F28535A8-9D85-4AB8-B7C4-4EDBC1F9E41B}" destId="{1CB2309C-DD81-4BD9-A73C-645D5FDB1293}" srcOrd="0" destOrd="0" presId="urn:microsoft.com/office/officeart/2005/8/layout/orgChart1"/>
     <dgm:cxn modelId="{E911AD6C-0919-436D-B78F-19613774E640}" type="presParOf" srcId="{1CB2309C-DD81-4BD9-A73C-645D5FDB1293}" destId="{A2FA31AE-5C86-4A6F-87F7-2ACB8FE62327}" srcOrd="0" destOrd="0" presId="urn:microsoft.com/office/officeart/2005/8/layout/orgChart1"/>
     <dgm:cxn modelId="{3675E7BE-30B3-46E8-8476-632CA79381E9}" type="presParOf" srcId="{A2FA31AE-5C86-4A6F-87F7-2ACB8FE62327}" destId="{36FDA7F1-3CE0-45DA-99EE-C2DAE976718C}" srcOrd="0" destOrd="0" presId="urn:microsoft.com/office/officeart/2005/8/layout/orgChart1"/>
@@ -12761,25 +12833,7 @@
               </a:solidFill>
               <a:latin typeface="Constantia" panose="02030602050306030303" pitchFamily="18" charset="0"/>
             </a:rPr>
-            <a:t>- Comparison, Binary</a:t>
-          </a:r>
-          <a:r>
-            <a:rPr lang="en-US" sz="1600" kern="1200" dirty="0" smtClean="0">
-              <a:solidFill>
-                <a:schemeClr val="tx1"/>
-              </a:solidFill>
-              <a:latin typeface="Constantia" panose="02030602050306030303" pitchFamily="18" charset="0"/>
-            </a:rPr>
-            <a:t>, Concatenation </a:t>
-          </a:r>
-          <a:r>
-            <a:rPr lang="en-US" sz="1600" kern="1200" dirty="0" smtClean="0">
-              <a:solidFill>
-                <a:schemeClr val="tx1"/>
-              </a:solidFill>
-              <a:latin typeface="Constantia" panose="02030602050306030303" pitchFamily="18" charset="0"/>
-            </a:rPr>
-            <a:t>…</a:t>
+            <a:t>- Comparison, Binary, Concatenation …</a:t>
           </a:r>
           <a:endParaRPr lang="en-US" sz="1600" kern="1200" dirty="0" smtClean="0">
             <a:solidFill>
@@ -13900,8 +13954,8 @@
       </dsp:nvSpPr>
       <dsp:spPr>
         <a:xfrm>
-          <a:off x="5947690" y="1624078"/>
-          <a:ext cx="3590962" cy="575631"/>
+          <a:off x="5945685" y="634386"/>
+          <a:ext cx="3785218" cy="974542"/>
         </a:xfrm>
         <a:custGeom>
           <a:avLst/>
@@ -13915,13 +13969,13 @@
                 <a:pt x="0" y="0"/>
               </a:moveTo>
               <a:lnTo>
-                <a:pt x="0" y="327478"/>
+                <a:pt x="0" y="712965"/>
               </a:lnTo>
               <a:lnTo>
-                <a:pt x="3590962" y="327478"/>
+                <a:pt x="3785218" y="712965"/>
               </a:lnTo>
               <a:lnTo>
-                <a:pt x="3590962" y="575631"/>
+                <a:pt x="3785218" y="974542"/>
               </a:lnTo>
             </a:path>
           </a:pathLst>
@@ -13961,8 +14015,8 @@
       </dsp:nvSpPr>
       <dsp:spPr>
         <a:xfrm>
-          <a:off x="5614799" y="1624078"/>
-          <a:ext cx="332891" cy="535968"/>
+          <a:off x="5878205" y="634386"/>
+          <a:ext cx="91440" cy="925167"/>
         </a:xfrm>
         <a:custGeom>
           <a:avLst/>
@@ -13973,16 +14027,16 @@
           <a:pathLst>
             <a:path>
               <a:moveTo>
-                <a:pt x="332891" y="0"/>
+                <a:pt x="67480" y="0"/>
               </a:moveTo>
               <a:lnTo>
-                <a:pt x="332891" y="287815"/>
+                <a:pt x="67480" y="663590"/>
               </a:lnTo>
               <a:lnTo>
-                <a:pt x="0" y="287815"/>
+                <a:pt x="45720" y="663590"/>
               </a:lnTo>
               <a:lnTo>
-                <a:pt x="0" y="535968"/>
+                <a:pt x="45720" y="925167"/>
               </a:lnTo>
             </a:path>
           </a:pathLst>
@@ -14022,8 +14076,8 @@
       </dsp:nvSpPr>
       <dsp:spPr>
         <a:xfrm>
-          <a:off x="1981910" y="1624078"/>
-          <a:ext cx="3965780" cy="535968"/>
+          <a:off x="2094512" y="634386"/>
+          <a:ext cx="3851173" cy="925167"/>
         </a:xfrm>
         <a:custGeom>
           <a:avLst/>
@@ -14034,16 +14088,16 @@
           <a:pathLst>
             <a:path>
               <a:moveTo>
-                <a:pt x="3965780" y="0"/>
+                <a:pt x="3851173" y="0"/>
               </a:moveTo>
               <a:lnTo>
-                <a:pt x="3965780" y="287815"/>
+                <a:pt x="3851173" y="663590"/>
               </a:lnTo>
               <a:lnTo>
-                <a:pt x="0" y="287815"/>
+                <a:pt x="0" y="663590"/>
               </a:lnTo>
               <a:lnTo>
-                <a:pt x="0" y="535968"/>
+                <a:pt x="0" y="925167"/>
               </a:lnTo>
             </a:path>
           </a:pathLst>
@@ -14083,8 +14137,8 @@
       </dsp:nvSpPr>
       <dsp:spPr>
         <a:xfrm>
-          <a:off x="4766009" y="0"/>
-          <a:ext cx="2363361" cy="1624078"/>
+          <a:off x="3484694" y="0"/>
+          <a:ext cx="4921982" cy="634386"/>
         </a:xfrm>
         <a:prstGeom prst="rect">
           <a:avLst/>
@@ -14125,12 +14179,12 @@
         </a:fontRef>
       </dsp:style>
       <dsp:txBody>
-        <a:bodyPr spcFirstLastPara="0" vert="horz" wrap="square" lIns="41275" tIns="41275" rIns="41275" bIns="41275" numCol="1" spcCol="1270" anchor="ctr" anchorCtr="0">
+        <a:bodyPr spcFirstLastPara="0" vert="horz" wrap="square" lIns="25400" tIns="25400" rIns="25400" bIns="25400" numCol="1" spcCol="1270" anchor="ctr" anchorCtr="0">
           <a:noAutofit/>
         </a:bodyPr>
         <a:lstStyle/>
         <a:p>
-          <a:pPr lvl="0" algn="ctr" defTabSz="2889250">
+          <a:pPr lvl="0" algn="ctr" defTabSz="1778000">
             <a:lnSpc>
               <a:spcPct val="90000"/>
             </a:lnSpc>
@@ -14142,25 +14196,27 @@
             </a:spcAft>
           </a:pPr>
           <a:r>
-            <a:rPr lang="en-US" sz="6500" kern="1200" dirty="0" smtClean="0">
+            <a:rPr lang="en-US" sz="4000" kern="1200" dirty="0" smtClean="0">
               <a:solidFill>
                 <a:srgbClr val="FFFF00"/>
               </a:solidFill>
-              <a:latin typeface="Informal Roman" panose="030604020304060B0204" pitchFamily="66" charset="0"/>
+              <a:latin typeface="Cambria Math" panose="02040503050406030204" pitchFamily="18" charset="0"/>
+              <a:ea typeface="Cambria Math" panose="02040503050406030204" pitchFamily="18" charset="0"/>
             </a:rPr>
             <a:t>Loops</a:t>
           </a:r>
-          <a:endParaRPr lang="en-US" sz="6500" kern="1200" dirty="0">
+          <a:endParaRPr lang="en-US" sz="4000" kern="1200" dirty="0">
             <a:solidFill>
               <a:srgbClr val="FFFF00"/>
             </a:solidFill>
-            <a:latin typeface="Informal Roman" panose="030604020304060B0204" pitchFamily="66" charset="0"/>
+            <a:latin typeface="Cambria Math" panose="02040503050406030204" pitchFamily="18" charset="0"/>
+            <a:ea typeface="Cambria Math" panose="02040503050406030204" pitchFamily="18" charset="0"/>
           </a:endParaRPr>
         </a:p>
       </dsp:txBody>
       <dsp:txXfrm>
-        <a:off x="4766009" y="0"/>
-        <a:ext cx="2363361" cy="1624078"/>
+        <a:off x="3484694" y="0"/>
+        <a:ext cx="4921982" cy="634386"/>
       </dsp:txXfrm>
     </dsp:sp>
     <dsp:sp modelId="{7E667D03-8B49-4B4A-BDB0-10855DA49168}">
@@ -14170,8 +14226,8 @@
       </dsp:nvSpPr>
       <dsp:spPr>
         <a:xfrm>
-          <a:off x="14151" y="2160047"/>
-          <a:ext cx="3935517" cy="3530401"/>
+          <a:off x="20305" y="1559553"/>
+          <a:ext cx="4148412" cy="3721381"/>
         </a:xfrm>
         <a:prstGeom prst="rect">
           <a:avLst/>
@@ -14212,12 +14268,12 @@
         </a:fontRef>
       </dsp:style>
       <dsp:txBody>
-        <a:bodyPr spcFirstLastPara="0" vert="horz" wrap="square" lIns="17780" tIns="17780" rIns="17780" bIns="17780" numCol="1" spcCol="1270" anchor="ctr" anchorCtr="0">
+        <a:bodyPr spcFirstLastPara="0" vert="horz" wrap="square" lIns="11430" tIns="11430" rIns="11430" bIns="11430" numCol="1" spcCol="1270" anchor="ctr" anchorCtr="0">
           <a:noAutofit/>
         </a:bodyPr>
         <a:lstStyle/>
         <a:p>
-          <a:pPr lvl="0" algn="ctr" defTabSz="1244600">
+          <a:pPr lvl="0" algn="l" defTabSz="800100">
             <a:lnSpc>
               <a:spcPct val="90000"/>
             </a:lnSpc>
@@ -14228,15 +14284,16 @@
               <a:spcPct val="35000"/>
             </a:spcAft>
           </a:pPr>
-          <a:endParaRPr lang="en-US" sz="2800" kern="1200" dirty="0" smtClean="0">
+          <a:endParaRPr lang="en-US" sz="1800" kern="1200" dirty="0" smtClean="0">
             <a:solidFill>
               <a:srgbClr val="FFFF00"/>
             </a:solidFill>
-            <a:latin typeface="Buxton Sketch" panose="03080500000500000004" pitchFamily="66" charset="0"/>
+            <a:latin typeface="Cambria Math" panose="02040503050406030204" pitchFamily="18" charset="0"/>
+            <a:ea typeface="Cambria Math" panose="02040503050406030204" pitchFamily="18" charset="0"/>
           </a:endParaRPr>
         </a:p>
         <a:p>
-          <a:pPr lvl="0" algn="ctr" defTabSz="1244600">
+          <a:pPr lvl="0" algn="l" defTabSz="800100">
             <a:lnSpc>
               <a:spcPct val="90000"/>
             </a:lnSpc>
@@ -14248,17 +14305,18 @@
             </a:spcAft>
           </a:pPr>
           <a:r>
-            <a:rPr lang="en-US" sz="2800" kern="1200" dirty="0" smtClean="0">
+            <a:rPr lang="en-US" sz="1800" kern="1200" dirty="0" smtClean="0">
               <a:solidFill>
                 <a:srgbClr val="FFFF00"/>
               </a:solidFill>
-              <a:latin typeface="Buxton Sketch" panose="03080500000500000004" pitchFamily="66" charset="0"/>
+              <a:latin typeface="Cambria Math" panose="02040503050406030204" pitchFamily="18" charset="0"/>
+              <a:ea typeface="Cambria Math" panose="02040503050406030204" pitchFamily="18" charset="0"/>
             </a:rPr>
             <a:t>While Loops</a:t>
           </a:r>
         </a:p>
         <a:p>
-          <a:pPr lvl="0" algn="l" defTabSz="1244600">
+          <a:pPr lvl="0" algn="l" defTabSz="800100">
             <a:lnSpc>
               <a:spcPct val="90000"/>
             </a:lnSpc>
@@ -14270,50 +14328,56 @@
             </a:spcAft>
           </a:pPr>
           <a:r>
-            <a:rPr lang="en-US" sz="2000" kern="1200" dirty="0" smtClean="0">
-              <a:latin typeface="Buxton Sketch" panose="03080500000500000004" pitchFamily="66" charset="0"/>
+            <a:rPr lang="en-US" sz="1800" kern="1200" dirty="0" smtClean="0">
+              <a:latin typeface="Cambria Math" panose="02040503050406030204" pitchFamily="18" charset="0"/>
+              <a:ea typeface="Cambria Math" panose="02040503050406030204" pitchFamily="18" charset="0"/>
             </a:rPr>
             <a:t>string </a:t>
           </a:r>
           <a:r>
-            <a:rPr lang="en-US" sz="2000" kern="1200" dirty="0" err="1" smtClean="0">
+            <a:rPr lang="en-US" sz="1800" kern="1200" dirty="0" err="1" smtClean="0">
               <a:solidFill>
                 <a:srgbClr val="00B0F0"/>
               </a:solidFill>
-              <a:latin typeface="Buxton Sketch" panose="03080500000500000004" pitchFamily="66" charset="0"/>
+              <a:latin typeface="Cambria Math" panose="02040503050406030204" pitchFamily="18" charset="0"/>
+              <a:ea typeface="Cambria Math" panose="02040503050406030204" pitchFamily="18" charset="0"/>
             </a:rPr>
             <a:t>myName</a:t>
           </a:r>
           <a:r>
-            <a:rPr lang="en-US" sz="2000" kern="1200" dirty="0" smtClean="0">
-              <a:latin typeface="Buxton Sketch" panose="03080500000500000004" pitchFamily="66" charset="0"/>
+            <a:rPr lang="en-US" sz="1800" kern="1200" dirty="0" smtClean="0">
+              <a:latin typeface="Cambria Math" panose="02040503050406030204" pitchFamily="18" charset="0"/>
+              <a:ea typeface="Cambria Math" panose="02040503050406030204" pitchFamily="18" charset="0"/>
             </a:rPr>
             <a:t> = </a:t>
           </a:r>
           <a:r>
-            <a:rPr lang="en-US" sz="2000" kern="1200" dirty="0" err="1" smtClean="0">
+            <a:rPr lang="en-US" sz="1800" kern="1200" dirty="0" err="1" smtClean="0">
               <a:solidFill>
                 <a:srgbClr val="00B050"/>
               </a:solidFill>
-              <a:latin typeface="Buxton Sketch" panose="03080500000500000004" pitchFamily="66" charset="0"/>
+              <a:latin typeface="Cambria Math" panose="02040503050406030204" pitchFamily="18" charset="0"/>
+              <a:ea typeface="Cambria Math" panose="02040503050406030204" pitchFamily="18" charset="0"/>
             </a:rPr>
             <a:t>Console</a:t>
           </a:r>
           <a:r>
-            <a:rPr lang="en-US" sz="2000" kern="1200" dirty="0" err="1" smtClean="0">
-              <a:latin typeface="Buxton Sketch" panose="03080500000500000004" pitchFamily="66" charset="0"/>
+            <a:rPr lang="en-US" sz="1800" kern="1200" dirty="0" err="1" smtClean="0">
+              <a:latin typeface="Cambria Math" panose="02040503050406030204" pitchFamily="18" charset="0"/>
+              <a:ea typeface="Cambria Math" panose="02040503050406030204" pitchFamily="18" charset="0"/>
             </a:rPr>
             <a:t>.ReadLine</a:t>
           </a:r>
           <a:r>
-            <a:rPr lang="en-US" sz="2000" kern="1200" dirty="0" smtClean="0">
-              <a:latin typeface="Buxton Sketch" panose="03080500000500000004" pitchFamily="66" charset="0"/>
+            <a:rPr lang="en-US" sz="1800" kern="1200" dirty="0" smtClean="0">
+              <a:latin typeface="Cambria Math" panose="02040503050406030204" pitchFamily="18" charset="0"/>
+              <a:ea typeface="Cambria Math" panose="02040503050406030204" pitchFamily="18" charset="0"/>
             </a:rPr>
             <a:t>();</a:t>
           </a:r>
         </a:p>
         <a:p>
-          <a:pPr lvl="0" algn="l" defTabSz="1244600">
+          <a:pPr lvl="0" algn="l" defTabSz="800100">
             <a:lnSpc>
               <a:spcPct val="90000"/>
             </a:lnSpc>
@@ -14325,29 +14389,32 @@
             </a:spcAft>
           </a:pPr>
           <a:r>
-            <a:rPr lang="en-US" sz="2000" kern="1200" dirty="0" smtClean="0">
-              <a:latin typeface="Buxton Sketch" panose="03080500000500000004" pitchFamily="66" charset="0"/>
+            <a:rPr lang="en-US" sz="1800" kern="1200" dirty="0" smtClean="0">
+              <a:latin typeface="Cambria Math" panose="02040503050406030204" pitchFamily="18" charset="0"/>
+              <a:ea typeface="Cambria Math" panose="02040503050406030204" pitchFamily="18" charset="0"/>
             </a:rPr>
             <a:t>while(</a:t>
           </a:r>
           <a:r>
-            <a:rPr lang="en-US" sz="2000" kern="1200" dirty="0" err="1" smtClean="0">
+            <a:rPr lang="en-US" sz="1800" kern="1200" dirty="0" err="1" smtClean="0">
               <a:solidFill>
                 <a:srgbClr val="00B0F0"/>
               </a:solidFill>
-              <a:latin typeface="Buxton Sketch" panose="03080500000500000004" pitchFamily="66" charset="0"/>
+              <a:latin typeface="Cambria Math" panose="02040503050406030204" pitchFamily="18" charset="0"/>
+              <a:ea typeface="Cambria Math" panose="02040503050406030204" pitchFamily="18" charset="0"/>
             </a:rPr>
             <a:t>myName</a:t>
           </a:r>
           <a:r>
-            <a:rPr lang="en-US" sz="2000" kern="1200" dirty="0" smtClean="0">
-              <a:latin typeface="Buxton Sketch" panose="03080500000500000004" pitchFamily="66" charset="0"/>
+            <a:rPr lang="en-US" sz="1800" kern="1200" dirty="0" smtClean="0">
+              <a:latin typeface="Cambria Math" panose="02040503050406030204" pitchFamily="18" charset="0"/>
+              <a:ea typeface="Cambria Math" panose="02040503050406030204" pitchFamily="18" charset="0"/>
             </a:rPr>
             <a:t> != “Bugs Bunny”)</a:t>
           </a:r>
         </a:p>
         <a:p>
-          <a:pPr lvl="0" algn="l" defTabSz="1244600">
+          <a:pPr lvl="0" algn="l" defTabSz="800100">
             <a:lnSpc>
               <a:spcPct val="90000"/>
             </a:lnSpc>
@@ -14359,14 +14426,15 @@
             </a:spcAft>
           </a:pPr>
           <a:r>
-            <a:rPr lang="en-US" sz="2000" kern="1200" dirty="0" smtClean="0">
-              <a:latin typeface="Buxton Sketch" panose="03080500000500000004" pitchFamily="66" charset="0"/>
+            <a:rPr lang="en-US" sz="1800" kern="1200" dirty="0" smtClean="0">
+              <a:latin typeface="Cambria Math" panose="02040503050406030204" pitchFamily="18" charset="0"/>
+              <a:ea typeface="Cambria Math" panose="02040503050406030204" pitchFamily="18" charset="0"/>
             </a:rPr>
             <a:t>{</a:t>
           </a:r>
         </a:p>
         <a:p>
-          <a:pPr lvl="0" algn="l" defTabSz="1244600">
+          <a:pPr lvl="0" algn="l" defTabSz="800100">
             <a:lnSpc>
               <a:spcPct val="90000"/>
             </a:lnSpc>
@@ -14378,35 +14446,39 @@
             </a:spcAft>
           </a:pPr>
           <a:r>
-            <a:rPr lang="en-US" sz="2000" kern="1200" dirty="0" smtClean="0">
-              <a:latin typeface="Buxton Sketch" panose="03080500000500000004" pitchFamily="66" charset="0"/>
+            <a:rPr lang="en-US" sz="1800" kern="1200" dirty="0" smtClean="0">
+              <a:latin typeface="Cambria Math" panose="02040503050406030204" pitchFamily="18" charset="0"/>
+              <a:ea typeface="Cambria Math" panose="02040503050406030204" pitchFamily="18" charset="0"/>
             </a:rPr>
             <a:t>    </a:t>
           </a:r>
           <a:r>
-            <a:rPr lang="en-US" sz="2000" kern="1200" dirty="0" err="1" smtClean="0">
+            <a:rPr lang="en-US" sz="1800" kern="1200" dirty="0" err="1" smtClean="0">
               <a:solidFill>
                 <a:srgbClr val="00B050"/>
               </a:solidFill>
-              <a:latin typeface="Buxton Sketch" panose="03080500000500000004" pitchFamily="66" charset="0"/>
+              <a:latin typeface="Cambria Math" panose="02040503050406030204" pitchFamily="18" charset="0"/>
+              <a:ea typeface="Cambria Math" panose="02040503050406030204" pitchFamily="18" charset="0"/>
             </a:rPr>
             <a:t>Console</a:t>
           </a:r>
           <a:r>
-            <a:rPr lang="en-US" sz="2000" kern="1200" dirty="0" err="1" smtClean="0">
-              <a:latin typeface="Buxton Sketch" panose="03080500000500000004" pitchFamily="66" charset="0"/>
+            <a:rPr lang="en-US" sz="1800" kern="1200" dirty="0" err="1" smtClean="0">
+              <a:latin typeface="Cambria Math" panose="02040503050406030204" pitchFamily="18" charset="0"/>
+              <a:ea typeface="Cambria Math" panose="02040503050406030204" pitchFamily="18" charset="0"/>
             </a:rPr>
             <a:t>.WriteLine</a:t>
           </a:r>
           <a:r>
-            <a:rPr lang="en-US" sz="2000" kern="1200" dirty="0" smtClean="0">
-              <a:latin typeface="Buxton Sketch" panose="03080500000500000004" pitchFamily="66" charset="0"/>
+            <a:rPr lang="en-US" sz="1800" kern="1200" dirty="0" smtClean="0">
+              <a:latin typeface="Cambria Math" panose="02040503050406030204" pitchFamily="18" charset="0"/>
+              <a:ea typeface="Cambria Math" panose="02040503050406030204" pitchFamily="18" charset="0"/>
             </a:rPr>
             <a:t>(“Enter your name!”);</a:t>
           </a:r>
         </a:p>
         <a:p>
-          <a:pPr lvl="0" algn="l" defTabSz="1244600">
+          <a:pPr lvl="0" algn="l" defTabSz="800100">
             <a:lnSpc>
               <a:spcPct val="90000"/>
             </a:lnSpc>
@@ -14418,50 +14490,56 @@
             </a:spcAft>
           </a:pPr>
           <a:r>
-            <a:rPr lang="en-US" sz="2000" kern="1200" dirty="0" smtClean="0">
-              <a:latin typeface="Buxton Sketch" panose="03080500000500000004" pitchFamily="66" charset="0"/>
+            <a:rPr lang="en-US" sz="1800" kern="1200" dirty="0" smtClean="0">
+              <a:latin typeface="Cambria Math" panose="02040503050406030204" pitchFamily="18" charset="0"/>
+              <a:ea typeface="Cambria Math" panose="02040503050406030204" pitchFamily="18" charset="0"/>
             </a:rPr>
             <a:t>    </a:t>
           </a:r>
           <a:r>
-            <a:rPr lang="en-US" sz="2000" kern="1200" dirty="0" err="1" smtClean="0">
+            <a:rPr lang="en-US" sz="1800" kern="1200" dirty="0" err="1" smtClean="0">
               <a:solidFill>
                 <a:srgbClr val="00B0F0"/>
               </a:solidFill>
-              <a:latin typeface="Buxton Sketch" panose="03080500000500000004" pitchFamily="66" charset="0"/>
+              <a:latin typeface="Cambria Math" panose="02040503050406030204" pitchFamily="18" charset="0"/>
+              <a:ea typeface="Cambria Math" panose="02040503050406030204" pitchFamily="18" charset="0"/>
             </a:rPr>
             <a:t>myName</a:t>
           </a:r>
           <a:r>
-            <a:rPr lang="en-US" sz="2000" kern="1200" dirty="0" smtClean="0">
-              <a:latin typeface="Buxton Sketch" panose="03080500000500000004" pitchFamily="66" charset="0"/>
+            <a:rPr lang="en-US" sz="1800" kern="1200" dirty="0" smtClean="0">
+              <a:latin typeface="Cambria Math" panose="02040503050406030204" pitchFamily="18" charset="0"/>
+              <a:ea typeface="Cambria Math" panose="02040503050406030204" pitchFamily="18" charset="0"/>
             </a:rPr>
             <a:t> = </a:t>
           </a:r>
           <a:r>
-            <a:rPr lang="en-US" sz="2000" kern="1200" dirty="0" err="1" smtClean="0">
+            <a:rPr lang="en-US" sz="1800" kern="1200" dirty="0" err="1" smtClean="0">
               <a:solidFill>
                 <a:srgbClr val="00B050"/>
               </a:solidFill>
-              <a:latin typeface="Buxton Sketch" panose="03080500000500000004" pitchFamily="66" charset="0"/>
+              <a:latin typeface="Cambria Math" panose="02040503050406030204" pitchFamily="18" charset="0"/>
+              <a:ea typeface="Cambria Math" panose="02040503050406030204" pitchFamily="18" charset="0"/>
             </a:rPr>
             <a:t>Console</a:t>
           </a:r>
           <a:r>
-            <a:rPr lang="en-US" sz="2000" kern="1200" dirty="0" err="1" smtClean="0">
-              <a:latin typeface="Buxton Sketch" panose="03080500000500000004" pitchFamily="66" charset="0"/>
+            <a:rPr lang="en-US" sz="1800" kern="1200" dirty="0" err="1" smtClean="0">
+              <a:latin typeface="Cambria Math" panose="02040503050406030204" pitchFamily="18" charset="0"/>
+              <a:ea typeface="Cambria Math" panose="02040503050406030204" pitchFamily="18" charset="0"/>
             </a:rPr>
             <a:t>.ReadLIne</a:t>
           </a:r>
           <a:r>
-            <a:rPr lang="en-US" sz="2000" kern="1200" dirty="0" smtClean="0">
-              <a:latin typeface="Buxton Sketch" panose="03080500000500000004" pitchFamily="66" charset="0"/>
+            <a:rPr lang="en-US" sz="1800" kern="1200" dirty="0" smtClean="0">
+              <a:latin typeface="Cambria Math" panose="02040503050406030204" pitchFamily="18" charset="0"/>
+              <a:ea typeface="Cambria Math" panose="02040503050406030204" pitchFamily="18" charset="0"/>
             </a:rPr>
             <a:t>();	</a:t>
           </a:r>
         </a:p>
         <a:p>
-          <a:pPr lvl="0" algn="l" defTabSz="1244600">
+          <a:pPr lvl="0" algn="l" defTabSz="800100">
             <a:lnSpc>
               <a:spcPct val="90000"/>
             </a:lnSpc>
@@ -14473,14 +14551,15 @@
             </a:spcAft>
           </a:pPr>
           <a:r>
-            <a:rPr lang="en-US" sz="2000" kern="1200" dirty="0" smtClean="0">
-              <a:latin typeface="Buxton Sketch" panose="03080500000500000004" pitchFamily="66" charset="0"/>
+            <a:rPr lang="en-US" sz="1800" kern="1200" dirty="0" smtClean="0">
+              <a:latin typeface="Cambria Math" panose="02040503050406030204" pitchFamily="18" charset="0"/>
+              <a:ea typeface="Cambria Math" panose="02040503050406030204" pitchFamily="18" charset="0"/>
             </a:rPr>
             <a:t>}</a:t>
           </a:r>
         </a:p>
         <a:p>
-          <a:pPr lvl="0" algn="ctr" defTabSz="1244600">
+          <a:pPr lvl="0" algn="l" defTabSz="800100">
             <a:lnSpc>
               <a:spcPct val="90000"/>
             </a:lnSpc>
@@ -14491,14 +14570,15 @@
               <a:spcPct val="35000"/>
             </a:spcAft>
           </a:pPr>
-          <a:endParaRPr lang="en-US" sz="2800" kern="1200" dirty="0">
-            <a:latin typeface="Buxton Sketch" panose="03080500000500000004" pitchFamily="66" charset="0"/>
+          <a:endParaRPr lang="en-US" sz="1800" kern="1200" dirty="0">
+            <a:latin typeface="Cambria Math" panose="02040503050406030204" pitchFamily="18" charset="0"/>
+            <a:ea typeface="Cambria Math" panose="02040503050406030204" pitchFamily="18" charset="0"/>
           </a:endParaRPr>
         </a:p>
       </dsp:txBody>
       <dsp:txXfrm>
-        <a:off x="14151" y="2160047"/>
-        <a:ext cx="3935517" cy="3530401"/>
+        <a:off x="20305" y="1559553"/>
+        <a:ext cx="4148412" cy="3721381"/>
       </dsp:txXfrm>
     </dsp:sp>
     <dsp:sp modelId="{BC0C9976-79C2-4CCD-9FCC-AEDADFE68DB4}">
@@ -14508,8 +14588,8 @@
       </dsp:nvSpPr>
       <dsp:spPr>
         <a:xfrm>
-          <a:off x="4433118" y="2160047"/>
-          <a:ext cx="2363361" cy="3968817"/>
+          <a:off x="4678320" y="1559553"/>
+          <a:ext cx="2491209" cy="2338473"/>
         </a:xfrm>
         <a:prstGeom prst="rect">
           <a:avLst/>
@@ -14550,12 +14630,12 @@
         </a:fontRef>
       </dsp:style>
       <dsp:txBody>
-        <a:bodyPr spcFirstLastPara="0" vert="horz" wrap="square" lIns="20320" tIns="20320" rIns="20320" bIns="20320" numCol="1" spcCol="1270" anchor="ctr" anchorCtr="0">
+        <a:bodyPr spcFirstLastPara="0" vert="horz" wrap="square" lIns="11430" tIns="11430" rIns="11430" bIns="11430" numCol="1" spcCol="1270" anchor="ctr" anchorCtr="0">
           <a:noAutofit/>
         </a:bodyPr>
         <a:lstStyle/>
         <a:p>
-          <a:pPr lvl="0" algn="ctr" defTabSz="1422400">
+          <a:pPr lvl="0" algn="l" defTabSz="800100">
             <a:lnSpc>
               <a:spcPct val="90000"/>
             </a:lnSpc>
@@ -14566,15 +14646,16 @@
               <a:spcPct val="35000"/>
             </a:spcAft>
           </a:pPr>
-          <a:endParaRPr lang="en-US" sz="3200" kern="1200" dirty="0" smtClean="0">
+          <a:endParaRPr lang="en-US" sz="1800" kern="1200" dirty="0" smtClean="0">
             <a:solidFill>
               <a:srgbClr val="FFFF00"/>
             </a:solidFill>
-            <a:latin typeface="Buxton Sketch" panose="03080500000500000004" pitchFamily="66" charset="0"/>
+            <a:latin typeface="Cambria Math" panose="02040503050406030204" pitchFamily="18" charset="0"/>
+            <a:ea typeface="Cambria Math" panose="02040503050406030204" pitchFamily="18" charset="0"/>
           </a:endParaRPr>
         </a:p>
         <a:p>
-          <a:pPr lvl="0" algn="ctr" defTabSz="1422400">
+          <a:pPr lvl="0" algn="ctr" defTabSz="800100">
             <a:lnSpc>
               <a:spcPct val="90000"/>
             </a:lnSpc>
@@ -14586,17 +14667,18 @@
             </a:spcAft>
           </a:pPr>
           <a:r>
-            <a:rPr lang="en-US" sz="2800" kern="1200" dirty="0" smtClean="0">
+            <a:rPr lang="en-US" sz="1800" kern="1200" dirty="0" smtClean="0">
               <a:solidFill>
                 <a:srgbClr val="FFFF00"/>
               </a:solidFill>
-              <a:latin typeface="Buxton Sketch" panose="03080500000500000004" pitchFamily="66" charset="0"/>
+              <a:latin typeface="Cambria Math" panose="02040503050406030204" pitchFamily="18" charset="0"/>
+              <a:ea typeface="Cambria Math" panose="02040503050406030204" pitchFamily="18" charset="0"/>
             </a:rPr>
             <a:t>Do-While Loops</a:t>
           </a:r>
         </a:p>
         <a:p>
-          <a:pPr lvl="0" algn="ctr" defTabSz="1422400">
+          <a:pPr lvl="0" algn="ctr" defTabSz="800100">
             <a:lnSpc>
               <a:spcPct val="90000"/>
             </a:lnSpc>
@@ -14608,26 +14690,28 @@
             </a:spcAft>
           </a:pPr>
           <a:r>
-            <a:rPr lang="en-US" sz="2800" kern="1200" dirty="0" err="1" smtClean="0">
+            <a:rPr lang="en-US" sz="1800" kern="1200" dirty="0" err="1" smtClean="0">
               <a:solidFill>
                 <a:srgbClr val="FFFF00"/>
               </a:solidFill>
-              <a:latin typeface="Buxton Sketch" panose="03080500000500000004" pitchFamily="66" charset="0"/>
+              <a:latin typeface="Cambria Math" panose="02040503050406030204" pitchFamily="18" charset="0"/>
+              <a:ea typeface="Cambria Math" panose="02040503050406030204" pitchFamily="18" charset="0"/>
             </a:rPr>
             <a:t>Foreach</a:t>
           </a:r>
           <a:r>
-            <a:rPr lang="en-US" sz="2800" kern="1200" dirty="0" smtClean="0">
+            <a:rPr lang="en-US" sz="1800" kern="1200" dirty="0" smtClean="0">
               <a:solidFill>
                 <a:srgbClr val="FFFF00"/>
               </a:solidFill>
-              <a:latin typeface="Buxton Sketch" panose="03080500000500000004" pitchFamily="66" charset="0"/>
+              <a:latin typeface="Cambria Math" panose="02040503050406030204" pitchFamily="18" charset="0"/>
+              <a:ea typeface="Cambria Math" panose="02040503050406030204" pitchFamily="18" charset="0"/>
             </a:rPr>
             <a:t> Loop</a:t>
           </a:r>
         </a:p>
         <a:p>
-          <a:pPr lvl="0" algn="ctr" defTabSz="1422400">
+          <a:pPr lvl="0" algn="ctr" defTabSz="800100">
             <a:lnSpc>
               <a:spcPct val="90000"/>
             </a:lnSpc>
@@ -14639,26 +14723,25 @@
             </a:spcAft>
           </a:pPr>
           <a:r>
-            <a:rPr lang="en-US" sz="2800" kern="1200" dirty="0" smtClean="0">
+            <a:rPr lang="en-US" sz="1800" kern="1200" dirty="0" smtClean="0">
               <a:solidFill>
                 <a:srgbClr val="FFFF00"/>
               </a:solidFill>
-              <a:latin typeface="Buxton Sketch" panose="03080500000500000004" pitchFamily="66" charset="0"/>
+              <a:latin typeface="Cambria Math" panose="02040503050406030204" pitchFamily="18" charset="0"/>
+              <a:ea typeface="Cambria Math" panose="02040503050406030204" pitchFamily="18" charset="0"/>
             </a:rPr>
             <a:t>Nested Loops </a:t>
           </a:r>
-          <a:r>
-            <a:rPr lang="en-US" sz="2800" kern="1200" dirty="0" smtClean="0">
-              <a:solidFill>
-                <a:schemeClr val="tx1"/>
-              </a:solidFill>
-              <a:latin typeface="Buxton Sketch" panose="03080500000500000004" pitchFamily="66" charset="0"/>
-            </a:rPr>
-            <a:t>-&gt; programming construct consisting several loops located into each other.</a:t>
-          </a:r>
+          <a:endParaRPr lang="en-US" sz="1800" kern="1200" dirty="0" smtClean="0">
+            <a:solidFill>
+              <a:srgbClr val="FFFF00"/>
+            </a:solidFill>
+            <a:latin typeface="Cambria Math" panose="02040503050406030204" pitchFamily="18" charset="0"/>
+            <a:ea typeface="Cambria Math" panose="02040503050406030204" pitchFamily="18" charset="0"/>
+          </a:endParaRPr>
         </a:p>
         <a:p>
-          <a:pPr lvl="0" algn="ctr" defTabSz="1422400">
+          <a:pPr lvl="0" algn="ctr" defTabSz="800100">
             <a:lnSpc>
               <a:spcPct val="90000"/>
             </a:lnSpc>
@@ -14669,17 +14752,51 @@
               <a:spcPct val="35000"/>
             </a:spcAft>
           </a:pPr>
-          <a:endParaRPr lang="en-US" sz="3200" kern="1200" dirty="0">
+          <a:r>
+            <a:rPr lang="en-US" sz="1800" kern="1200" dirty="0" smtClean="0">
+              <a:solidFill>
+                <a:schemeClr val="tx1"/>
+              </a:solidFill>
+              <a:latin typeface="Cambria Math" panose="02040503050406030204" pitchFamily="18" charset="0"/>
+              <a:ea typeface="Cambria Math" panose="02040503050406030204" pitchFamily="18" charset="0"/>
+            </a:rPr>
+            <a:t>-&gt; </a:t>
+          </a:r>
+          <a:r>
+            <a:rPr lang="en-US" sz="1800" kern="1200" dirty="0" smtClean="0">
+              <a:solidFill>
+                <a:schemeClr val="tx1"/>
+              </a:solidFill>
+              <a:latin typeface="Cambria Math" panose="02040503050406030204" pitchFamily="18" charset="0"/>
+              <a:ea typeface="Cambria Math" panose="02040503050406030204" pitchFamily="18" charset="0"/>
+            </a:rPr>
+            <a:t>programming construct consisting several loops located into each other.</a:t>
+          </a:r>
+        </a:p>
+        <a:p>
+          <a:pPr lvl="0" algn="l" defTabSz="800100">
+            <a:lnSpc>
+              <a:spcPct val="90000"/>
+            </a:lnSpc>
+            <a:spcBef>
+              <a:spcPct val="0"/>
+            </a:spcBef>
+            <a:spcAft>
+              <a:spcPct val="35000"/>
+            </a:spcAft>
+          </a:pPr>
+          <a:endParaRPr lang="en-US" sz="1800" kern="1200" dirty="0">
             <a:solidFill>
               <a:srgbClr val="FFFF00"/>
             </a:solidFill>
-            <a:latin typeface="Buxton Sketch" panose="03080500000500000004" pitchFamily="66" charset="0"/>
+            <a:latin typeface="Cambria Math" panose="02040503050406030204" pitchFamily="18" charset="0"/>
+            <a:ea typeface="Cambria Math" panose="02040503050406030204" pitchFamily="18" charset="0"/>
           </a:endParaRPr>
         </a:p>
       </dsp:txBody>
       <dsp:txXfrm>
-        <a:off x="4433118" y="2160047"/>
-        <a:ext cx="2363361" cy="3968817"/>
+        <a:off x="4678320" y="1559553"/>
+        <a:ext cx="2491209" cy="2338473"/>
       </dsp:txXfrm>
     </dsp:sp>
     <dsp:sp modelId="{CECD2C1A-D1AF-4B3F-BCEC-0C6E19DFFA0D}">
@@ -14689,8 +14806,8 @@
       </dsp:nvSpPr>
       <dsp:spPr>
         <a:xfrm>
-          <a:off x="7200945" y="2199710"/>
-          <a:ext cx="4675414" cy="4402257"/>
+          <a:off x="7595875" y="1608929"/>
+          <a:ext cx="4270058" cy="4640401"/>
         </a:xfrm>
         <a:prstGeom prst="rect">
           <a:avLst/>
@@ -14731,12 +14848,12 @@
         </a:fontRef>
       </dsp:style>
       <dsp:txBody>
-        <a:bodyPr spcFirstLastPara="0" vert="horz" wrap="square" lIns="17780" tIns="17780" rIns="17780" bIns="17780" numCol="1" spcCol="1270" anchor="ctr" anchorCtr="0">
+        <a:bodyPr spcFirstLastPara="0" vert="horz" wrap="square" lIns="11430" tIns="11430" rIns="11430" bIns="11430" numCol="1" spcCol="1270" anchor="ctr" anchorCtr="0">
           <a:noAutofit/>
         </a:bodyPr>
         <a:lstStyle/>
         <a:p>
-          <a:pPr lvl="0" algn="ctr" defTabSz="1244600">
+          <a:pPr lvl="0" algn="l" defTabSz="800100">
             <a:lnSpc>
               <a:spcPct val="90000"/>
             </a:lnSpc>
@@ -14747,15 +14864,16 @@
               <a:spcPct val="35000"/>
             </a:spcAft>
           </a:pPr>
-          <a:endParaRPr lang="en-US" sz="2800" kern="1200" dirty="0" smtClean="0">
+          <a:endParaRPr lang="en-US" sz="1800" kern="1200" dirty="0" smtClean="0">
             <a:solidFill>
               <a:srgbClr val="FFFF00"/>
             </a:solidFill>
-            <a:latin typeface="Buxton Sketch" panose="03080500000500000004" pitchFamily="66" charset="0"/>
+            <a:latin typeface="Cambria Math" panose="02040503050406030204" pitchFamily="18" charset="0"/>
+            <a:ea typeface="Cambria Math" panose="02040503050406030204" pitchFamily="18" charset="0"/>
           </a:endParaRPr>
         </a:p>
         <a:p>
-          <a:pPr lvl="0" algn="ctr" defTabSz="1244600">
+          <a:pPr lvl="0" algn="l" defTabSz="800100">
             <a:lnSpc>
               <a:spcPct val="90000"/>
             </a:lnSpc>
@@ -14766,15 +14884,16 @@
               <a:spcPct val="35000"/>
             </a:spcAft>
           </a:pPr>
-          <a:endParaRPr lang="en-US" sz="2800" kern="1200" dirty="0" smtClean="0">
+          <a:endParaRPr lang="en-US" sz="1800" kern="1200" dirty="0" smtClean="0">
             <a:solidFill>
               <a:srgbClr val="FFFF00"/>
             </a:solidFill>
-            <a:latin typeface="Buxton Sketch" panose="03080500000500000004" pitchFamily="66" charset="0"/>
+            <a:latin typeface="Cambria Math" panose="02040503050406030204" pitchFamily="18" charset="0"/>
+            <a:ea typeface="Cambria Math" panose="02040503050406030204" pitchFamily="18" charset="0"/>
           </a:endParaRPr>
         </a:p>
         <a:p>
-          <a:pPr lvl="0" algn="ctr" defTabSz="1244600">
+          <a:pPr lvl="0" algn="l" defTabSz="800100">
             <a:lnSpc>
               <a:spcPct val="90000"/>
             </a:lnSpc>
@@ -14785,15 +14904,16 @@
               <a:spcPct val="35000"/>
             </a:spcAft>
           </a:pPr>
-          <a:endParaRPr lang="en-US" sz="2800" kern="1200" dirty="0" smtClean="0">
+          <a:endParaRPr lang="en-US" sz="1800" kern="1200" dirty="0" smtClean="0">
             <a:solidFill>
               <a:srgbClr val="FFFF00"/>
             </a:solidFill>
-            <a:latin typeface="Buxton Sketch" panose="03080500000500000004" pitchFamily="66" charset="0"/>
+            <a:latin typeface="Cambria Math" panose="02040503050406030204" pitchFamily="18" charset="0"/>
+            <a:ea typeface="Cambria Math" panose="02040503050406030204" pitchFamily="18" charset="0"/>
           </a:endParaRPr>
         </a:p>
         <a:p>
-          <a:pPr lvl="0" algn="ctr" defTabSz="1244600">
+          <a:pPr lvl="0" algn="l" defTabSz="800100">
             <a:lnSpc>
               <a:spcPct val="90000"/>
             </a:lnSpc>
@@ -14805,17 +14925,18 @@
             </a:spcAft>
           </a:pPr>
           <a:r>
-            <a:rPr lang="en-US" sz="2800" kern="1200" dirty="0" smtClean="0">
+            <a:rPr lang="en-US" sz="1800" kern="1200" dirty="0" smtClean="0">
               <a:solidFill>
                 <a:srgbClr val="FFFF00"/>
               </a:solidFill>
-              <a:latin typeface="Buxton Sketch" panose="03080500000500000004" pitchFamily="66" charset="0"/>
+              <a:latin typeface="Cambria Math" panose="02040503050406030204" pitchFamily="18" charset="0"/>
+              <a:ea typeface="Cambria Math" panose="02040503050406030204" pitchFamily="18" charset="0"/>
             </a:rPr>
             <a:t>For Loop</a:t>
           </a:r>
         </a:p>
         <a:p>
-          <a:pPr lvl="0" algn="just" defTabSz="1244600">
+          <a:pPr lvl="0" algn="l" defTabSz="800100">
             <a:lnSpc>
               <a:spcPct val="90000"/>
             </a:lnSpc>
@@ -14827,71 +14948,78 @@
             </a:spcAft>
           </a:pPr>
           <a:r>
-            <a:rPr lang="en-US" sz="2000" kern="1200" dirty="0" smtClean="0">
+            <a:rPr lang="en-US" sz="1800" kern="1200" dirty="0" smtClean="0">
               <a:solidFill>
                 <a:schemeClr val="tx1"/>
               </a:solidFill>
-              <a:latin typeface="Buxton Sketch" panose="03080500000500000004" pitchFamily="66" charset="0"/>
+              <a:latin typeface="Cambria Math" panose="02040503050406030204" pitchFamily="18" charset="0"/>
+              <a:ea typeface="Cambria Math" panose="02040503050406030204" pitchFamily="18" charset="0"/>
             </a:rPr>
             <a:t>for(</a:t>
           </a:r>
           <a:r>
-            <a:rPr lang="en-US" sz="2000" kern="1200" dirty="0" err="1" smtClean="0">
+            <a:rPr lang="en-US" sz="1800" kern="1200" dirty="0" err="1" smtClean="0">
               <a:solidFill>
                 <a:schemeClr val="tx1"/>
               </a:solidFill>
-              <a:latin typeface="Buxton Sketch" panose="03080500000500000004" pitchFamily="66" charset="0"/>
+              <a:latin typeface="Cambria Math" panose="02040503050406030204" pitchFamily="18" charset="0"/>
+              <a:ea typeface="Cambria Math" panose="02040503050406030204" pitchFamily="18" charset="0"/>
             </a:rPr>
             <a:t>i</a:t>
           </a:r>
           <a:r>
-            <a:rPr lang="en-US" sz="2000" kern="1200" dirty="0" smtClean="0">
+            <a:rPr lang="en-US" sz="1800" kern="1200" dirty="0" smtClean="0">
               <a:solidFill>
                 <a:schemeClr val="tx1"/>
               </a:solidFill>
-              <a:latin typeface="Buxton Sketch" panose="03080500000500000004" pitchFamily="66" charset="0"/>
+              <a:latin typeface="Cambria Math" panose="02040503050406030204" pitchFamily="18" charset="0"/>
+              <a:ea typeface="Cambria Math" panose="02040503050406030204" pitchFamily="18" charset="0"/>
             </a:rPr>
             <a:t> = 0; </a:t>
           </a:r>
           <a:r>
-            <a:rPr lang="en-US" sz="2000" kern="1200" dirty="0" err="1" smtClean="0">
+            <a:rPr lang="en-US" sz="1800" kern="1200" dirty="0" err="1" smtClean="0">
               <a:solidFill>
                 <a:schemeClr val="tx1"/>
               </a:solidFill>
-              <a:latin typeface="Buxton Sketch" panose="03080500000500000004" pitchFamily="66" charset="0"/>
+              <a:latin typeface="Cambria Math" panose="02040503050406030204" pitchFamily="18" charset="0"/>
+              <a:ea typeface="Cambria Math" panose="02040503050406030204" pitchFamily="18" charset="0"/>
             </a:rPr>
             <a:t>i</a:t>
           </a:r>
           <a:r>
-            <a:rPr lang="en-US" sz="2000" kern="1200" dirty="0" smtClean="0">
+            <a:rPr lang="en-US" sz="1800" kern="1200" dirty="0" smtClean="0">
               <a:solidFill>
                 <a:schemeClr val="tx1"/>
               </a:solidFill>
-              <a:latin typeface="Buxton Sketch" panose="03080500000500000004" pitchFamily="66" charset="0"/>
+              <a:latin typeface="Cambria Math" panose="02040503050406030204" pitchFamily="18" charset="0"/>
+              <a:ea typeface="Cambria Math" panose="02040503050406030204" pitchFamily="18" charset="0"/>
             </a:rPr>
             <a:t> &lt;= 10; </a:t>
           </a:r>
           <a:r>
-            <a:rPr lang="en-US" sz="2000" kern="1200" dirty="0" err="1" smtClean="0">
+            <a:rPr lang="en-US" sz="1800" kern="1200" dirty="0" err="1" smtClean="0">
               <a:solidFill>
                 <a:schemeClr val="tx1"/>
               </a:solidFill>
-              <a:latin typeface="Buxton Sketch" panose="03080500000500000004" pitchFamily="66" charset="0"/>
+              <a:latin typeface="Cambria Math" panose="02040503050406030204" pitchFamily="18" charset="0"/>
+              <a:ea typeface="Cambria Math" panose="02040503050406030204" pitchFamily="18" charset="0"/>
             </a:rPr>
             <a:t>i</a:t>
           </a:r>
           <a:r>
-            <a:rPr lang="en-US" sz="2000" kern="1200" dirty="0" smtClean="0">
+            <a:rPr lang="en-US" sz="1800" kern="1200" dirty="0" smtClean="0">
               <a:solidFill>
                 <a:schemeClr val="tx1"/>
               </a:solidFill>
-              <a:latin typeface="Buxton Sketch" panose="03080500000500000004" pitchFamily="66" charset="0"/>
+              <a:latin typeface="Cambria Math" panose="02040503050406030204" pitchFamily="18" charset="0"/>
+              <a:ea typeface="Cambria Math" panose="02040503050406030204" pitchFamily="18" charset="0"/>
             </a:rPr>
             <a:t>++)</a:t>
           </a:r>
         </a:p>
         <a:p>
-          <a:pPr lvl="0" algn="just" defTabSz="1244600">
+          <a:pPr lvl="0" algn="l" defTabSz="800100">
             <a:lnSpc>
               <a:spcPct val="90000"/>
             </a:lnSpc>
@@ -14903,17 +15031,18 @@
             </a:spcAft>
           </a:pPr>
           <a:r>
-            <a:rPr lang="en-US" sz="2000" kern="1200" dirty="0" smtClean="0">
+            <a:rPr lang="en-US" sz="1800" kern="1200" dirty="0" smtClean="0">
               <a:solidFill>
                 <a:schemeClr val="tx1"/>
               </a:solidFill>
-              <a:latin typeface="Buxton Sketch" panose="03080500000500000004" pitchFamily="66" charset="0"/>
+              <a:latin typeface="Cambria Math" panose="02040503050406030204" pitchFamily="18" charset="0"/>
+              <a:ea typeface="Cambria Math" panose="02040503050406030204" pitchFamily="18" charset="0"/>
             </a:rPr>
             <a:t>{</a:t>
           </a:r>
         </a:p>
         <a:p>
-          <a:pPr lvl="0" algn="just" defTabSz="1244600">
+          <a:pPr lvl="0" algn="l" defTabSz="800100">
             <a:lnSpc>
               <a:spcPct val="90000"/>
             </a:lnSpc>
@@ -14925,62 +15054,68 @@
             </a:spcAft>
           </a:pPr>
           <a:r>
-            <a:rPr lang="en-US" sz="2000" kern="1200" dirty="0" smtClean="0">
+            <a:rPr lang="en-US" sz="1800" kern="1200" dirty="0" smtClean="0">
               <a:solidFill>
                 <a:schemeClr val="tx1"/>
               </a:solidFill>
-              <a:latin typeface="Buxton Sketch" panose="03080500000500000004" pitchFamily="66" charset="0"/>
+              <a:latin typeface="Cambria Math" panose="02040503050406030204" pitchFamily="18" charset="0"/>
+              <a:ea typeface="Cambria Math" panose="02040503050406030204" pitchFamily="18" charset="0"/>
             </a:rPr>
             <a:t>    </a:t>
           </a:r>
           <a:r>
-            <a:rPr lang="en-US" sz="2000" kern="1200" dirty="0" err="1" smtClean="0">
+            <a:rPr lang="en-US" sz="1800" kern="1200" dirty="0" err="1" smtClean="0">
               <a:solidFill>
                 <a:srgbClr val="00B050"/>
               </a:solidFill>
-              <a:latin typeface="Buxton Sketch" panose="03080500000500000004" pitchFamily="66" charset="0"/>
+              <a:latin typeface="Cambria Math" panose="02040503050406030204" pitchFamily="18" charset="0"/>
+              <a:ea typeface="Cambria Math" panose="02040503050406030204" pitchFamily="18" charset="0"/>
             </a:rPr>
             <a:t>Console</a:t>
           </a:r>
           <a:r>
-            <a:rPr lang="en-US" sz="2000" kern="1200" dirty="0" err="1" smtClean="0">
+            <a:rPr lang="en-US" sz="1800" kern="1200" dirty="0" err="1" smtClean="0">
               <a:solidFill>
                 <a:schemeClr val="tx1"/>
               </a:solidFill>
-              <a:latin typeface="Buxton Sketch" panose="03080500000500000004" pitchFamily="66" charset="0"/>
+              <a:latin typeface="Cambria Math" panose="02040503050406030204" pitchFamily="18" charset="0"/>
+              <a:ea typeface="Cambria Math" panose="02040503050406030204" pitchFamily="18" charset="0"/>
             </a:rPr>
             <a:t>.WriteLine</a:t>
           </a:r>
           <a:r>
-            <a:rPr lang="en-US" sz="2000" kern="1200" dirty="0" smtClean="0">
+            <a:rPr lang="en-US" sz="1800" kern="1200" dirty="0" smtClean="0">
               <a:solidFill>
                 <a:schemeClr val="tx1"/>
               </a:solidFill>
-              <a:latin typeface="Buxton Sketch" panose="03080500000500000004" pitchFamily="66" charset="0"/>
+              <a:latin typeface="Cambria Math" panose="02040503050406030204" pitchFamily="18" charset="0"/>
+              <a:ea typeface="Cambria Math" panose="02040503050406030204" pitchFamily="18" charset="0"/>
             </a:rPr>
             <a:t>(“Your name is </a:t>
           </a:r>
           <a:r>
-            <a:rPr lang="en-US" sz="2000" kern="1200" dirty="0" smtClean="0">
+            <a:rPr lang="en-US" sz="1800" kern="1200" dirty="0" smtClean="0">
               <a:solidFill>
                 <a:srgbClr val="00B0F0"/>
               </a:solidFill>
-              <a:latin typeface="Buxton Sketch" panose="03080500000500000004" pitchFamily="66" charset="0"/>
+              <a:latin typeface="Cambria Math" panose="02040503050406030204" pitchFamily="18" charset="0"/>
+              <a:ea typeface="Cambria Math" panose="02040503050406030204" pitchFamily="18" charset="0"/>
             </a:rPr>
             <a:t>Daffy Duck</a:t>
           </a:r>
           <a:r>
-            <a:rPr lang="en-US" sz="2000" kern="1200" dirty="0" smtClean="0">
+            <a:rPr lang="en-US" sz="1800" kern="1200" dirty="0" smtClean="0">
               <a:solidFill>
                 <a:schemeClr val="tx1"/>
               </a:solidFill>
-              <a:latin typeface="Buxton Sketch" panose="03080500000500000004" pitchFamily="66" charset="0"/>
+              <a:latin typeface="Cambria Math" panose="02040503050406030204" pitchFamily="18" charset="0"/>
+              <a:ea typeface="Cambria Math" panose="02040503050406030204" pitchFamily="18" charset="0"/>
             </a:rPr>
             <a:t>”);</a:t>
           </a:r>
         </a:p>
         <a:p>
-          <a:pPr lvl="0" algn="just" defTabSz="1244600">
+          <a:pPr lvl="0" algn="l" defTabSz="800100">
             <a:lnSpc>
               <a:spcPct val="90000"/>
             </a:lnSpc>
@@ -14992,17 +15127,18 @@
             </a:spcAft>
           </a:pPr>
           <a:r>
-            <a:rPr lang="en-US" sz="2000" kern="1200" dirty="0" smtClean="0">
+            <a:rPr lang="en-US" sz="1800" kern="1200" dirty="0" smtClean="0">
               <a:solidFill>
                 <a:schemeClr val="tx1"/>
               </a:solidFill>
-              <a:latin typeface="Buxton Sketch" panose="03080500000500000004" pitchFamily="66" charset="0"/>
+              <a:latin typeface="Cambria Math" panose="02040503050406030204" pitchFamily="18" charset="0"/>
+              <a:ea typeface="Cambria Math" panose="02040503050406030204" pitchFamily="18" charset="0"/>
             </a:rPr>
             <a:t>}</a:t>
           </a:r>
         </a:p>
         <a:p>
-          <a:pPr lvl="0" algn="just" defTabSz="1244600">
+          <a:pPr lvl="0" algn="l" defTabSz="800100">
             <a:lnSpc>
               <a:spcPct val="90000"/>
             </a:lnSpc>
@@ -15013,15 +15149,16 @@
               <a:spcPct val="35000"/>
             </a:spcAft>
           </a:pPr>
-          <a:endParaRPr lang="en-US" sz="2000" kern="1200" dirty="0" smtClean="0">
+          <a:endParaRPr lang="en-US" sz="1800" kern="1200" dirty="0" smtClean="0">
             <a:solidFill>
               <a:schemeClr val="tx1"/>
             </a:solidFill>
-            <a:latin typeface="Buxton Sketch" panose="03080500000500000004" pitchFamily="66" charset="0"/>
+            <a:latin typeface="Cambria Math" panose="02040503050406030204" pitchFamily="18" charset="0"/>
+            <a:ea typeface="Cambria Math" panose="02040503050406030204" pitchFamily="18" charset="0"/>
           </a:endParaRPr>
         </a:p>
         <a:p>
-          <a:pPr lvl="0" algn="just" defTabSz="1244600">
+          <a:pPr lvl="0" algn="l" defTabSz="800100">
             <a:lnSpc>
               <a:spcPct val="90000"/>
             </a:lnSpc>
@@ -15033,26 +15170,28 @@
             </a:spcAft>
           </a:pPr>
           <a:r>
-            <a:rPr lang="en-US" sz="2000" kern="1200" dirty="0" smtClean="0">
+            <a:rPr lang="en-US" sz="1800" kern="1200" dirty="0" smtClean="0">
               <a:solidFill>
                 <a:schemeClr val="tx1"/>
               </a:solidFill>
-              <a:latin typeface="Buxton Sketch" panose="03080500000500000004" pitchFamily="66" charset="0"/>
+              <a:latin typeface="Cambria Math" panose="02040503050406030204" pitchFamily="18" charset="0"/>
+              <a:ea typeface="Cambria Math" panose="02040503050406030204" pitchFamily="18" charset="0"/>
             </a:rPr>
             <a:t>// Your name is </a:t>
           </a:r>
           <a:r>
-            <a:rPr lang="en-US" sz="2000" kern="1200" dirty="0" smtClean="0">
+            <a:rPr lang="en-US" sz="1800" kern="1200" dirty="0" smtClean="0">
               <a:solidFill>
                 <a:srgbClr val="00B0F0"/>
               </a:solidFill>
-              <a:latin typeface="Buxton Sketch" panose="03080500000500000004" pitchFamily="66" charset="0"/>
+              <a:latin typeface="Cambria Math" panose="02040503050406030204" pitchFamily="18" charset="0"/>
+              <a:ea typeface="Cambria Math" panose="02040503050406030204" pitchFamily="18" charset="0"/>
             </a:rPr>
             <a:t>Daffy Duck</a:t>
           </a:r>
         </a:p>
         <a:p>
-          <a:pPr lvl="0" algn="just" defTabSz="1244600">
+          <a:pPr lvl="0" algn="l" defTabSz="800100">
             <a:lnSpc>
               <a:spcPct val="90000"/>
             </a:lnSpc>
@@ -15064,26 +15203,28 @@
             </a:spcAft>
           </a:pPr>
           <a:r>
-            <a:rPr lang="en-US" sz="2000" kern="1200" dirty="0" smtClean="0">
+            <a:rPr lang="en-US" sz="1800" kern="1200" dirty="0" smtClean="0">
               <a:solidFill>
                 <a:schemeClr val="tx1"/>
               </a:solidFill>
-              <a:latin typeface="Buxton Sketch" panose="03080500000500000004" pitchFamily="66" charset="0"/>
+              <a:latin typeface="Cambria Math" panose="02040503050406030204" pitchFamily="18" charset="0"/>
+              <a:ea typeface="Cambria Math" panose="02040503050406030204" pitchFamily="18" charset="0"/>
             </a:rPr>
             <a:t>// Your name is </a:t>
           </a:r>
           <a:r>
-            <a:rPr lang="en-US" sz="2000" kern="1200" dirty="0" smtClean="0">
+            <a:rPr lang="en-US" sz="1800" kern="1200" dirty="0" smtClean="0">
               <a:solidFill>
                 <a:srgbClr val="00B0F0"/>
               </a:solidFill>
-              <a:latin typeface="Buxton Sketch" panose="03080500000500000004" pitchFamily="66" charset="0"/>
+              <a:latin typeface="Cambria Math" panose="02040503050406030204" pitchFamily="18" charset="0"/>
+              <a:ea typeface="Cambria Math" panose="02040503050406030204" pitchFamily="18" charset="0"/>
             </a:rPr>
             <a:t>Daffy Duck</a:t>
           </a:r>
         </a:p>
         <a:p>
-          <a:pPr lvl="0" algn="just" defTabSz="1244600">
+          <a:pPr lvl="0" algn="l" defTabSz="800100">
             <a:lnSpc>
               <a:spcPct val="90000"/>
             </a:lnSpc>
@@ -15095,26 +15236,28 @@
             </a:spcAft>
           </a:pPr>
           <a:r>
-            <a:rPr lang="en-US" sz="2000" kern="1200" dirty="0" smtClean="0">
+            <a:rPr lang="en-US" sz="1800" kern="1200" dirty="0" smtClean="0">
               <a:solidFill>
                 <a:schemeClr val="tx1"/>
               </a:solidFill>
-              <a:latin typeface="Buxton Sketch" panose="03080500000500000004" pitchFamily="66" charset="0"/>
+              <a:latin typeface="Cambria Math" panose="02040503050406030204" pitchFamily="18" charset="0"/>
+              <a:ea typeface="Cambria Math" panose="02040503050406030204" pitchFamily="18" charset="0"/>
             </a:rPr>
             <a:t>// Your name is </a:t>
           </a:r>
           <a:r>
-            <a:rPr lang="en-US" sz="2000" kern="1200" dirty="0" smtClean="0">
+            <a:rPr lang="en-US" sz="1800" kern="1200" dirty="0" smtClean="0">
               <a:solidFill>
                 <a:srgbClr val="00B0F0"/>
               </a:solidFill>
-              <a:latin typeface="Buxton Sketch" panose="03080500000500000004" pitchFamily="66" charset="0"/>
+              <a:latin typeface="Cambria Math" panose="02040503050406030204" pitchFamily="18" charset="0"/>
+              <a:ea typeface="Cambria Math" panose="02040503050406030204" pitchFamily="18" charset="0"/>
             </a:rPr>
             <a:t>Daffy Duck</a:t>
           </a:r>
         </a:p>
         <a:p>
-          <a:pPr lvl="0" algn="just" defTabSz="1244600">
+          <a:pPr lvl="0" algn="l" defTabSz="800100">
             <a:lnSpc>
               <a:spcPct val="90000"/>
             </a:lnSpc>
@@ -15126,23 +15269,18 @@
             </a:spcAft>
           </a:pPr>
           <a:r>
-            <a:rPr lang="en-US" sz="2000" kern="1200" dirty="0" smtClean="0">
+            <a:rPr lang="en-US" sz="1800" kern="1200" dirty="0" smtClean="0">
               <a:solidFill>
                 <a:schemeClr val="tx1"/>
               </a:solidFill>
-              <a:latin typeface="Buxton Sketch" panose="03080500000500000004" pitchFamily="66" charset="0"/>
+              <a:latin typeface="Cambria Math" panose="02040503050406030204" pitchFamily="18" charset="0"/>
+              <a:ea typeface="Cambria Math" panose="02040503050406030204" pitchFamily="18" charset="0"/>
             </a:rPr>
             <a:t>… 10 times will be looped</a:t>
           </a:r>
-          <a:endParaRPr lang="en-US" sz="2400" kern="1200" dirty="0" smtClean="0">
-            <a:solidFill>
-              <a:schemeClr val="tx1"/>
-            </a:solidFill>
-            <a:latin typeface="Buxton Sketch" panose="03080500000500000004" pitchFamily="66" charset="0"/>
-          </a:endParaRPr>
         </a:p>
         <a:p>
-          <a:pPr lvl="0" algn="ctr" defTabSz="1244600">
+          <a:pPr lvl="0" algn="l" defTabSz="800100">
             <a:lnSpc>
               <a:spcPct val="90000"/>
             </a:lnSpc>
@@ -15153,15 +15291,16 @@
               <a:spcPct val="35000"/>
             </a:spcAft>
           </a:pPr>
-          <a:endParaRPr lang="en-US" sz="2800" kern="1200" dirty="0" smtClean="0">
+          <a:endParaRPr lang="en-US" sz="1800" kern="1200" dirty="0" smtClean="0">
             <a:solidFill>
               <a:srgbClr val="FFFF00"/>
             </a:solidFill>
-            <a:latin typeface="Buxton Sketch" panose="03080500000500000004" pitchFamily="66" charset="0"/>
+            <a:latin typeface="Cambria Math" panose="02040503050406030204" pitchFamily="18" charset="0"/>
+            <a:ea typeface="Cambria Math" panose="02040503050406030204" pitchFamily="18" charset="0"/>
           </a:endParaRPr>
         </a:p>
         <a:p>
-          <a:pPr lvl="0" algn="ctr" defTabSz="1244600">
+          <a:pPr lvl="0" algn="l" defTabSz="800100">
             <a:lnSpc>
               <a:spcPct val="90000"/>
             </a:lnSpc>
@@ -15172,15 +15311,16 @@
               <a:spcPct val="35000"/>
             </a:spcAft>
           </a:pPr>
-          <a:endParaRPr lang="en-US" sz="2800" kern="1200" dirty="0" smtClean="0">
+          <a:endParaRPr lang="en-US" sz="1800" kern="1200" dirty="0" smtClean="0">
             <a:solidFill>
               <a:srgbClr val="FFFF00"/>
             </a:solidFill>
-            <a:latin typeface="Buxton Sketch" panose="03080500000500000004" pitchFamily="66" charset="0"/>
+            <a:latin typeface="Cambria Math" panose="02040503050406030204" pitchFamily="18" charset="0"/>
+            <a:ea typeface="Cambria Math" panose="02040503050406030204" pitchFamily="18" charset="0"/>
           </a:endParaRPr>
         </a:p>
         <a:p>
-          <a:pPr lvl="0" algn="ctr" defTabSz="1244600">
+          <a:pPr lvl="0" algn="l" defTabSz="800100">
             <a:lnSpc>
               <a:spcPct val="90000"/>
             </a:lnSpc>
@@ -15191,15 +15331,16 @@
               <a:spcPct val="35000"/>
             </a:spcAft>
           </a:pPr>
-          <a:endParaRPr lang="en-US" sz="2800" kern="1200" dirty="0" smtClean="0">
+          <a:endParaRPr lang="en-US" sz="1800" kern="1200" dirty="0" smtClean="0">
             <a:solidFill>
               <a:srgbClr val="FFFF00"/>
             </a:solidFill>
-            <a:latin typeface="Buxton Sketch" panose="03080500000500000004" pitchFamily="66" charset="0"/>
+            <a:latin typeface="Cambria Math" panose="02040503050406030204" pitchFamily="18" charset="0"/>
+            <a:ea typeface="Cambria Math" panose="02040503050406030204" pitchFamily="18" charset="0"/>
           </a:endParaRPr>
         </a:p>
         <a:p>
-          <a:pPr lvl="0" algn="ctr" defTabSz="1244600">
+          <a:pPr lvl="0" algn="l" defTabSz="800100">
             <a:lnSpc>
               <a:spcPct val="90000"/>
             </a:lnSpc>
@@ -15210,17 +15351,18 @@
               <a:spcPct val="35000"/>
             </a:spcAft>
           </a:pPr>
-          <a:endParaRPr lang="en-US" sz="2800" kern="1200" dirty="0">
+          <a:endParaRPr lang="en-US" sz="1800" kern="1200" dirty="0">
             <a:solidFill>
               <a:srgbClr val="FFFF00"/>
             </a:solidFill>
-            <a:latin typeface="Buxton Sketch" panose="03080500000500000004" pitchFamily="66" charset="0"/>
+            <a:latin typeface="Cambria Math" panose="02040503050406030204" pitchFamily="18" charset="0"/>
+            <a:ea typeface="Cambria Math" panose="02040503050406030204" pitchFamily="18" charset="0"/>
           </a:endParaRPr>
         </a:p>
       </dsp:txBody>
       <dsp:txXfrm>
-        <a:off x="7200945" y="2199710"/>
-        <a:ext cx="4675414" cy="4402257"/>
+        <a:off x="7595875" y="1608929"/>
+        <a:ext cx="4270058" cy="4640401"/>
       </dsp:txXfrm>
     </dsp:sp>
   </dsp:spTree>
@@ -15242,8 +15384,8 @@
       </dsp:nvSpPr>
       <dsp:spPr>
         <a:xfrm>
-          <a:off x="5417739" y="1087141"/>
-          <a:ext cx="2558008" cy="1308199"/>
+          <a:off x="5731041" y="983441"/>
+          <a:ext cx="2714967" cy="505410"/>
         </a:xfrm>
         <a:custGeom>
           <a:avLst/>
@@ -15257,13 +15399,13 @@
                 <a:pt x="0" y="0"/>
               </a:moveTo>
               <a:lnTo>
-                <a:pt x="0" y="841247"/>
+                <a:pt x="0" y="11455"/>
               </a:lnTo>
               <a:lnTo>
-                <a:pt x="2558008" y="841247"/>
+                <a:pt x="2714967" y="11455"/>
               </a:lnTo>
               <a:lnTo>
-                <a:pt x="2558008" y="1308199"/>
+                <a:pt x="2714967" y="505410"/>
               </a:lnTo>
             </a:path>
           </a:pathLst>
@@ -15303,8 +15445,8 @@
       </dsp:nvSpPr>
       <dsp:spPr>
         <a:xfrm>
-          <a:off x="2622119" y="1087141"/>
-          <a:ext cx="2795620" cy="1582522"/>
+          <a:off x="3000785" y="983441"/>
+          <a:ext cx="2730256" cy="558710"/>
         </a:xfrm>
         <a:custGeom>
           <a:avLst/>
@@ -15315,16 +15457,16 @@
           <a:pathLst>
             <a:path>
               <a:moveTo>
-                <a:pt x="2795620" y="0"/>
+                <a:pt x="2730256" y="0"/>
               </a:moveTo>
               <a:lnTo>
-                <a:pt x="2795620" y="1115570"/>
+                <a:pt x="2730256" y="64755"/>
               </a:lnTo>
               <a:lnTo>
-                <a:pt x="0" y="1115570"/>
+                <a:pt x="0" y="64755"/>
               </a:lnTo>
               <a:lnTo>
-                <a:pt x="0" y="1582522"/>
+                <a:pt x="0" y="558710"/>
               </a:lnTo>
             </a:path>
           </a:pathLst>
@@ -15364,8 +15506,8 @@
       </dsp:nvSpPr>
       <dsp:spPr>
         <a:xfrm>
-          <a:off x="8988" y="256633"/>
-          <a:ext cx="10817501" cy="830507"/>
+          <a:off x="9508" y="104906"/>
+          <a:ext cx="11443065" cy="878535"/>
         </a:xfrm>
         <a:prstGeom prst="rect">
           <a:avLst/>
@@ -15440,8 +15582,8 @@
         </a:p>
       </dsp:txBody>
       <dsp:txXfrm>
-        <a:off x="8988" y="256633"/>
-        <a:ext cx="10817501" cy="830507"/>
+        <a:off x="9508" y="104906"/>
+        <a:ext cx="11443065" cy="878535"/>
       </dsp:txXfrm>
     </dsp:sp>
     <dsp:sp modelId="{ACDE8485-05B1-406B-AD3C-368A19FF8F21}">
@@ -15451,8 +15593,8 @@
       </dsp:nvSpPr>
       <dsp:spPr>
         <a:xfrm>
-          <a:off x="398538" y="2669664"/>
-          <a:ext cx="4447162" cy="393573"/>
+          <a:off x="648616" y="1542152"/>
+          <a:ext cx="4704337" cy="416333"/>
         </a:xfrm>
         <a:prstGeom prst="rect">
           <a:avLst/>
@@ -15521,8 +15663,8 @@
         </a:p>
       </dsp:txBody>
       <dsp:txXfrm>
-        <a:off x="398538" y="2669664"/>
-        <a:ext cx="4447162" cy="393573"/>
+        <a:off x="648616" y="1542152"/>
+        <a:ext cx="4704337" cy="416333"/>
       </dsp:txXfrm>
     </dsp:sp>
     <dsp:sp modelId="{07BD9B31-3415-4AE7-BD62-D4E049D8396D}">
@@ -15532,8 +15674,8 @@
       </dsp:nvSpPr>
       <dsp:spPr>
         <a:xfrm>
-          <a:off x="5752166" y="2395341"/>
-          <a:ext cx="4447162" cy="503307"/>
+          <a:off x="6093839" y="1488852"/>
+          <a:ext cx="4704337" cy="532413"/>
         </a:xfrm>
         <a:prstGeom prst="rect">
           <a:avLst/>
@@ -15602,8 +15744,8 @@
         </a:p>
       </dsp:txBody>
       <dsp:txXfrm>
-        <a:off x="5752166" y="2395341"/>
-        <a:ext cx="4447162" cy="503307"/>
+        <a:off x="6093839" y="1488852"/>
+        <a:ext cx="4704337" cy="532413"/>
       </dsp:txXfrm>
     </dsp:sp>
   </dsp:spTree>
@@ -30284,7 +30426,7 @@
           <a:p>
             <a:fld id="{86BC5D83-A6BD-448A-8B7D-D487C0AC34D1}" type="datetimeFigureOut">
               <a:rPr lang="en-US" smtClean="0"/>
-              <a:t>17-Oct-17</a:t>
+              <a:t>28-Oct-17</a:t>
             </a:fld>
             <a:endParaRPr lang="en-US"/>
           </a:p>
@@ -32037,7 +32179,7 @@
             <a:fld id="{B61BEF0D-F0BB-DE4B-95CE-6DB70DBA9567}" type="datetimeFigureOut">
               <a:rPr lang="en-US" dirty="0"/>
               <a:pPr/>
-              <a:t>17-Oct-17</a:t>
+              <a:t>28-Oct-17</a:t>
             </a:fld>
             <a:endParaRPr lang="en-US" dirty="0"/>
           </a:p>
@@ -32368,7 +32510,7 @@
             <a:fld id="{B61BEF0D-F0BB-DE4B-95CE-6DB70DBA9567}" type="datetimeFigureOut">
               <a:rPr lang="en-US" dirty="0"/>
               <a:pPr/>
-              <a:t>17-Oct-17</a:t>
+              <a:t>28-Oct-17</a:t>
             </a:fld>
             <a:endParaRPr lang="en-US" dirty="0"/>
           </a:p>
@@ -32643,7 +32785,7 @@
             <a:fld id="{B61BEF0D-F0BB-DE4B-95CE-6DB70DBA9567}" type="datetimeFigureOut">
               <a:rPr lang="en-US" dirty="0"/>
               <a:pPr/>
-              <a:t>17-Oct-17</a:t>
+              <a:t>28-Oct-17</a:t>
             </a:fld>
             <a:endParaRPr lang="en-US" dirty="0"/>
           </a:p>
@@ -33208,7 +33350,7 @@
             <a:fld id="{B61BEF0D-F0BB-DE4B-95CE-6DB70DBA9567}" type="datetimeFigureOut">
               <a:rPr lang="en-US" dirty="0"/>
               <a:pPr/>
-              <a:t>17-Oct-17</a:t>
+              <a:t>28-Oct-17</a:t>
             </a:fld>
             <a:endParaRPr lang="en-US" dirty="0"/>
           </a:p>
@@ -33483,7 +33625,7 @@
             <a:fld id="{B61BEF0D-F0BB-DE4B-95CE-6DB70DBA9567}" type="datetimeFigureOut">
               <a:rPr lang="en-US" dirty="0"/>
               <a:pPr/>
-              <a:t>17-Oct-17</a:t>
+              <a:t>28-Oct-17</a:t>
             </a:fld>
             <a:endParaRPr lang="en-US" dirty="0"/>
           </a:p>
@@ -34042,7 +34184,7 @@
             <a:fld id="{B61BEF0D-F0BB-DE4B-95CE-6DB70DBA9567}" type="datetimeFigureOut">
               <a:rPr lang="en-US" dirty="0"/>
               <a:pPr/>
-              <a:t>17-Oct-17</a:t>
+              <a:t>28-Oct-17</a:t>
             </a:fld>
             <a:endParaRPr lang="en-US" dirty="0"/>
           </a:p>
@@ -34366,7 +34508,7 @@
             <a:fld id="{B61BEF0D-F0BB-DE4B-95CE-6DB70DBA9567}" type="datetimeFigureOut">
               <a:rPr lang="en-US" dirty="0"/>
               <a:pPr/>
-              <a:t>17-Oct-17</a:t>
+              <a:t>28-Oct-17</a:t>
             </a:fld>
             <a:endParaRPr lang="en-US" dirty="0"/>
           </a:p>
@@ -34540,7 +34682,7 @@
             <a:fld id="{B61BEF0D-F0BB-DE4B-95CE-6DB70DBA9567}" type="datetimeFigureOut">
               <a:rPr lang="en-US" dirty="0"/>
               <a:pPr/>
-              <a:t>17-Oct-17</a:t>
+              <a:t>28-Oct-17</a:t>
             </a:fld>
             <a:endParaRPr lang="en-US" dirty="0"/>
           </a:p>
@@ -34775,7 +34917,7 @@
             <a:fld id="{B61BEF0D-F0BB-DE4B-95CE-6DB70DBA9567}" type="datetimeFigureOut">
               <a:rPr lang="en-US" dirty="0"/>
               <a:pPr/>
-              <a:t>17-Oct-17</a:t>
+              <a:t>28-Oct-17</a:t>
             </a:fld>
             <a:endParaRPr lang="en-US" dirty="0"/>
           </a:p>
@@ -34972,7 +35114,7 @@
             <a:fld id="{B61BEF0D-F0BB-DE4B-95CE-6DB70DBA9567}" type="datetimeFigureOut">
               <a:rPr lang="en-US" dirty="0"/>
               <a:pPr/>
-              <a:t>17-Oct-17</a:t>
+              <a:t>28-Oct-17</a:t>
             </a:fld>
             <a:endParaRPr lang="en-US" dirty="0"/>
           </a:p>
@@ -35245,7 +35387,7 @@
             <a:fld id="{B61BEF0D-F0BB-DE4B-95CE-6DB70DBA9567}" type="datetimeFigureOut">
               <a:rPr lang="en-US" dirty="0"/>
               <a:pPr/>
-              <a:t>17-Oct-17</a:t>
+              <a:t>28-Oct-17</a:t>
             </a:fld>
             <a:endParaRPr lang="en-US" dirty="0"/>
           </a:p>
@@ -35508,7 +35650,7 @@
             <a:fld id="{B61BEF0D-F0BB-DE4B-95CE-6DB70DBA9567}" type="datetimeFigureOut">
               <a:rPr lang="en-US" dirty="0"/>
               <a:pPr/>
-              <a:t>17-Oct-17</a:t>
+              <a:t>28-Oct-17</a:t>
             </a:fld>
             <a:endParaRPr lang="en-US" dirty="0"/>
           </a:p>
@@ -35879,7 +36021,7 @@
             <a:fld id="{B61BEF0D-F0BB-DE4B-95CE-6DB70DBA9567}" type="datetimeFigureOut">
               <a:rPr lang="en-US" dirty="0"/>
               <a:pPr/>
-              <a:t>17-Oct-17</a:t>
+              <a:t>28-Oct-17</a:t>
             </a:fld>
             <a:endParaRPr lang="en-US" dirty="0"/>
           </a:p>
@@ -36024,7 +36166,7 @@
             <a:fld id="{B61BEF0D-F0BB-DE4B-95CE-6DB70DBA9567}" type="datetimeFigureOut">
               <a:rPr lang="en-US" dirty="0"/>
               <a:pPr/>
-              <a:t>17-Oct-17</a:t>
+              <a:t>28-Oct-17</a:t>
             </a:fld>
             <a:endParaRPr lang="en-US" dirty="0"/>
           </a:p>
@@ -36146,7 +36288,7 @@
             <a:fld id="{B61BEF0D-F0BB-DE4B-95CE-6DB70DBA9567}" type="datetimeFigureOut">
               <a:rPr lang="en-US" dirty="0"/>
               <a:pPr/>
-              <a:t>17-Oct-17</a:t>
+              <a:t>28-Oct-17</a:t>
             </a:fld>
             <a:endParaRPr lang="en-US" dirty="0"/>
           </a:p>
@@ -36428,7 +36570,7 @@
             <a:fld id="{B61BEF0D-F0BB-DE4B-95CE-6DB70DBA9567}" type="datetimeFigureOut">
               <a:rPr lang="en-US" dirty="0"/>
               <a:pPr/>
-              <a:t>17-Oct-17</a:t>
+              <a:t>28-Oct-17</a:t>
             </a:fld>
             <a:endParaRPr lang="en-US" dirty="0"/>
           </a:p>
@@ -36749,7 +36891,7 @@
             <a:fld id="{B61BEF0D-F0BB-DE4B-95CE-6DB70DBA9567}" type="datetimeFigureOut">
               <a:rPr lang="en-US" dirty="0"/>
               <a:pPr/>
-              <a:t>17-Oct-17</a:t>
+              <a:t>28-Oct-17</a:t>
             </a:fld>
             <a:endParaRPr lang="en-US" dirty="0"/>
           </a:p>
@@ -36960,7 +37102,7 @@
             <a:fld id="{B61BEF0D-F0BB-DE4B-95CE-6DB70DBA9567}" type="datetimeFigureOut">
               <a:rPr lang="en-US" dirty="0"/>
               <a:pPr/>
-              <a:t>17-Oct-17</a:t>
+              <a:t>28-Oct-17</a:t>
             </a:fld>
             <a:endParaRPr lang="en-US" dirty="0"/>
           </a:p>
@@ -37569,85 +37711,6 @@
 </p:sld>
 </file>
 
-<file path=ppt/slides/slide10.xml><?xml version="1.0" encoding="utf-8"?>
-<p:sld xmlns:a="http://schemas.openxmlformats.org/drawingml/2006/main" xmlns:r="http://schemas.openxmlformats.org/officeDocument/2006/relationships" xmlns:p="http://schemas.openxmlformats.org/presentationml/2006/main">
-  <p:cSld>
-    <p:spTree>
-      <p:nvGrpSpPr>
-        <p:cNvPr id="1" name=""/>
-        <p:cNvGrpSpPr/>
-        <p:nvPr/>
-      </p:nvGrpSpPr>
-      <p:grpSpPr>
-        <a:xfrm>
-          <a:off x="0" y="0"/>
-          <a:ext cx="0" cy="0"/>
-          <a:chOff x="0" y="0"/>
-          <a:chExt cx="0" cy="0"/>
-        </a:xfrm>
-      </p:grpSpPr>
-      <p:sp>
-        <p:nvSpPr>
-          <p:cNvPr id="2" name="Заглавие 1"/>
-          <p:cNvSpPr>
-            <a:spLocks noGrp="1"/>
-          </p:cNvSpPr>
-          <p:nvPr>
-            <p:ph type="title"/>
-          </p:nvPr>
-        </p:nvSpPr>
-        <p:spPr/>
-        <p:txBody>
-          <a:bodyPr/>
-          <a:lstStyle/>
-          <a:p>
-            <a:r>
-              <a:rPr lang="en-US" dirty="0" smtClean="0"/>
-              <a:t>To do</a:t>
-            </a:r>
-            <a:endParaRPr lang="bg-BG" dirty="0"/>
-          </a:p>
-        </p:txBody>
-      </p:sp>
-      <p:sp>
-        <p:nvSpPr>
-          <p:cNvPr id="3" name="Контейнер за съдържание 2"/>
-          <p:cNvSpPr>
-            <a:spLocks noGrp="1"/>
-          </p:cNvSpPr>
-          <p:nvPr>
-            <p:ph idx="1"/>
-          </p:nvPr>
-        </p:nvSpPr>
-        <p:spPr/>
-        <p:txBody>
-          <a:bodyPr/>
-          <a:lstStyle/>
-          <a:p>
-            <a:endParaRPr lang="bg-BG" dirty="0"/>
-          </a:p>
-        </p:txBody>
-      </p:sp>
-    </p:spTree>
-    <p:extLst>
-      <p:ext uri="{BB962C8B-B14F-4D97-AF65-F5344CB8AC3E}">
-        <p14:creationId xmlns:p14="http://schemas.microsoft.com/office/powerpoint/2010/main" val="2467945582"/>
-      </p:ext>
-    </p:extLst>
-  </p:cSld>
-  <p:clrMapOvr>
-    <a:masterClrMapping/>
-  </p:clrMapOvr>
-  <p:timing>
-    <p:tnLst>
-      <p:par>
-        <p:cTn id="1" dur="indefinite" restart="never" nodeType="tmRoot"/>
-      </p:par>
-    </p:tnLst>
-  </p:timing>
-</p:sld>
-</file>
-
 <file path=ppt/slides/slide2.xml><?xml version="1.0" encoding="utf-8"?>
 <p:sld xmlns:a="http://schemas.openxmlformats.org/drawingml/2006/main" xmlns:r="http://schemas.openxmlformats.org/officeDocument/2006/relationships" xmlns:p="http://schemas.openxmlformats.org/presentationml/2006/main" show="0">
   <p:cSld>
@@ -37700,11 +37763,11 @@
   <p:clrMapOvr>
     <a:masterClrMapping/>
   </p:clrMapOvr>
-  <mc:AlternateContent xmlns:mc="http://schemas.openxmlformats.org/markup-compatibility/2006">
-    <mc:Choice xmlns:p14="http://schemas.microsoft.com/office/powerpoint/2010/main" Requires="p14">
+  <mc:AlternateContent xmlns:mc="http://schemas.openxmlformats.org/markup-compatibility/2006" xmlns:p14="http://schemas.microsoft.com/office/powerpoint/2010/main">
+    <mc:Choice Requires="p14">
       <p:transition spd="slow" p14:dur="2000"/>
     </mc:Choice>
-    <mc:Fallback>
+    <mc:Fallback xmlns="">
       <p:transition spd="slow"/>
     </mc:Fallback>
   </mc:AlternateContent>
@@ -39014,7 +39077,7 @@
             <p:ph idx="1"/>
             <p:extLst>
               <p:ext uri="{D42A27DB-BD31-4B8C-83A1-F6EECF244321}">
-                <p14:modId xmlns:p14="http://schemas.microsoft.com/office/powerpoint/2010/main" val="1345158045"/>
+                <p14:modId xmlns:p14="http://schemas.microsoft.com/office/powerpoint/2010/main" val="3230948392"/>
               </p:ext>
             </p:extLst>
           </p:nvPr>
@@ -39076,14 +39139,14 @@
             <p:ph idx="1"/>
             <p:extLst>
               <p:ext uri="{D42A27DB-BD31-4B8C-83A1-F6EECF244321}">
-                <p14:modId xmlns:p14="http://schemas.microsoft.com/office/powerpoint/2010/main" val="1552164821"/>
+                <p14:modId xmlns:p14="http://schemas.microsoft.com/office/powerpoint/2010/main" val="1335487284"/>
               </p:ext>
             </p:extLst>
           </p:nvPr>
         </p:nvGraphicFramePr>
         <p:xfrm>
-          <a:off x="649224" y="429768"/>
-          <a:ext cx="10826496" cy="5760720"/>
+          <a:off x="229347" y="252486"/>
+          <a:ext cx="11452580" cy="5760720"/>
         </p:xfrm>
         <a:graphic>
           <a:graphicData uri="http://schemas.openxmlformats.org/drawingml/2006/diagram">
@@ -39099,7 +39162,7 @@
         </p:nvSpPr>
         <p:spPr>
           <a:xfrm>
-            <a:off x="1133856" y="4114800"/>
+            <a:off x="1199171" y="2911151"/>
             <a:ext cx="4480560" cy="2031325"/>
           </a:xfrm>
           <a:prstGeom prst="rect">
@@ -39118,7 +39181,8 @@
                 <a:solidFill>
                   <a:srgbClr val="00B0F0"/>
                 </a:solidFill>
-                <a:latin typeface="Buxton Sketch" panose="03080500000500000004" pitchFamily="66" charset="0"/>
+                <a:latin typeface="Cambria Math" panose="02040503050406030204" pitchFamily="18" charset="0"/>
+                <a:ea typeface="Cambria Math" panose="02040503050406030204" pitchFamily="18" charset="0"/>
               </a:rPr>
               <a:t> </a:t>
             </a:r>
@@ -39127,25 +39191,29 @@
                 <a:solidFill>
                   <a:srgbClr val="00B0F0"/>
                 </a:solidFill>
-                <a:latin typeface="Buxton Sketch" panose="03080500000500000004" pitchFamily="66" charset="0"/>
+                <a:latin typeface="Cambria Math" panose="02040503050406030204" pitchFamily="18" charset="0"/>
+                <a:ea typeface="Cambria Math" panose="02040503050406030204" pitchFamily="18" charset="0"/>
               </a:rPr>
               <a:t>int</a:t>
             </a:r>
             <a:r>
               <a:rPr lang="en-US" dirty="0">
-                <a:latin typeface="Buxton Sketch" panose="03080500000500000004" pitchFamily="66" charset="0"/>
+                <a:latin typeface="Cambria Math" panose="02040503050406030204" pitchFamily="18" charset="0"/>
+                <a:ea typeface="Cambria Math" panose="02040503050406030204" pitchFamily="18" charset="0"/>
               </a:rPr>
               <a:t>[] </a:t>
             </a:r>
             <a:r>
               <a:rPr lang="en-US" dirty="0" err="1">
-                <a:latin typeface="Buxton Sketch" panose="03080500000500000004" pitchFamily="66" charset="0"/>
+                <a:latin typeface="Cambria Math" panose="02040503050406030204" pitchFamily="18" charset="0"/>
+                <a:ea typeface="Cambria Math" panose="02040503050406030204" pitchFamily="18" charset="0"/>
               </a:rPr>
               <a:t>studentId</a:t>
             </a:r>
             <a:r>
               <a:rPr lang="en-US" dirty="0">
-                <a:latin typeface="Buxton Sketch" panose="03080500000500000004" pitchFamily="66" charset="0"/>
+                <a:latin typeface="Cambria Math" panose="02040503050406030204" pitchFamily="18" charset="0"/>
+                <a:ea typeface="Cambria Math" panose="02040503050406030204" pitchFamily="18" charset="0"/>
               </a:rPr>
               <a:t> = </a:t>
             </a:r>
@@ -39154,31 +39222,38 @@
                 <a:solidFill>
                   <a:srgbClr val="00B0F0"/>
                 </a:solidFill>
-                <a:latin typeface="Buxton Sketch" panose="03080500000500000004" pitchFamily="66" charset="0"/>
+                <a:latin typeface="Cambria Math" panose="02040503050406030204" pitchFamily="18" charset="0"/>
+                <a:ea typeface="Cambria Math" panose="02040503050406030204" pitchFamily="18" charset="0"/>
               </a:rPr>
               <a:t>new</a:t>
             </a:r>
             <a:r>
               <a:rPr lang="en-US" dirty="0">
-                <a:latin typeface="Buxton Sketch" panose="03080500000500000004" pitchFamily="66" charset="0"/>
+                <a:latin typeface="Cambria Math" panose="02040503050406030204" pitchFamily="18" charset="0"/>
+                <a:ea typeface="Cambria Math" panose="02040503050406030204" pitchFamily="18" charset="0"/>
               </a:rPr>
               <a:t>[] {12, 56, 77, 88</a:t>
             </a:r>
             <a:r>
               <a:rPr lang="en-US" dirty="0" smtClean="0">
-                <a:latin typeface="Buxton Sketch" panose="03080500000500000004" pitchFamily="66" charset="0"/>
+                <a:latin typeface="Cambria Math" panose="02040503050406030204" pitchFamily="18" charset="0"/>
+                <a:ea typeface="Cambria Math" panose="02040503050406030204" pitchFamily="18" charset="0"/>
               </a:rPr>
               <a:t>};</a:t>
             </a:r>
           </a:p>
           <a:p>
             <a:endParaRPr lang="en-US" dirty="0">
-              <a:latin typeface="Buxton Sketch" panose="03080500000500000004" pitchFamily="66" charset="0"/>
+              <a:latin typeface="Cambria Math" panose="02040503050406030204" pitchFamily="18" charset="0"/>
+              <a:ea typeface="Cambria Math" panose="02040503050406030204" pitchFamily="18" charset="0"/>
             </a:endParaRPr>
           </a:p>
           <a:p>
             <a:r>
-              <a:rPr lang="en-US" dirty="0"/>
+              <a:rPr lang="en-US" dirty="0">
+                <a:latin typeface="Cambria Math" panose="02040503050406030204" pitchFamily="18" charset="0"/>
+                <a:ea typeface="Cambria Math" panose="02040503050406030204" pitchFamily="18" charset="0"/>
+              </a:rPr>
               <a:t> </a:t>
             </a:r>
             <a:r>
@@ -39186,13 +39261,15 @@
                 <a:solidFill>
                   <a:srgbClr val="00B0F0"/>
                 </a:solidFill>
-                <a:latin typeface="Buxton Sketch" panose="03080500000500000004" pitchFamily="66" charset="0"/>
+                <a:latin typeface="Cambria Math" panose="02040503050406030204" pitchFamily="18" charset="0"/>
+                <a:ea typeface="Cambria Math" panose="02040503050406030204" pitchFamily="18" charset="0"/>
               </a:rPr>
               <a:t>string</a:t>
             </a:r>
             <a:r>
               <a:rPr lang="en-US" dirty="0">
-                <a:latin typeface="Buxton Sketch" panose="03080500000500000004" pitchFamily="66" charset="0"/>
+                <a:latin typeface="Cambria Math" panose="02040503050406030204" pitchFamily="18" charset="0"/>
+                <a:ea typeface="Cambria Math" panose="02040503050406030204" pitchFamily="18" charset="0"/>
               </a:rPr>
               <a:t>[] cars = </a:t>
             </a:r>
@@ -39201,7 +39278,8 @@
                 <a:solidFill>
                   <a:srgbClr val="00B0F0"/>
                 </a:solidFill>
-                <a:latin typeface="Buxton Sketch" panose="03080500000500000004" pitchFamily="66" charset="0"/>
+                <a:latin typeface="Cambria Math" panose="02040503050406030204" pitchFamily="18" charset="0"/>
+                <a:ea typeface="Cambria Math" panose="02040503050406030204" pitchFamily="18" charset="0"/>
               </a:rPr>
               <a:t>new </a:t>
             </a:r>
@@ -39210,30 +39288,35 @@
                 <a:solidFill>
                   <a:srgbClr val="00B0F0"/>
                 </a:solidFill>
-                <a:latin typeface="Buxton Sketch" panose="03080500000500000004" pitchFamily="66" charset="0"/>
+                <a:latin typeface="Cambria Math" panose="02040503050406030204" pitchFamily="18" charset="0"/>
+                <a:ea typeface="Cambria Math" panose="02040503050406030204" pitchFamily="18" charset="0"/>
               </a:rPr>
               <a:t>string</a:t>
             </a:r>
             <a:r>
               <a:rPr lang="en-US" dirty="0" smtClean="0">
-                <a:latin typeface="Buxton Sketch" panose="03080500000500000004" pitchFamily="66" charset="0"/>
+                <a:latin typeface="Cambria Math" panose="02040503050406030204" pitchFamily="18" charset="0"/>
+                <a:ea typeface="Cambria Math" panose="02040503050406030204" pitchFamily="18" charset="0"/>
               </a:rPr>
               <a:t>[4];</a:t>
             </a:r>
             <a:endParaRPr lang="en-US" dirty="0">
-              <a:latin typeface="Buxton Sketch" panose="03080500000500000004" pitchFamily="66" charset="0"/>
+              <a:latin typeface="Cambria Math" panose="02040503050406030204" pitchFamily="18" charset="0"/>
+              <a:ea typeface="Cambria Math" panose="02040503050406030204" pitchFamily="18" charset="0"/>
             </a:endParaRPr>
           </a:p>
           <a:p>
             <a:r>
               <a:rPr lang="en-US" dirty="0">
-                <a:latin typeface="Buxton Sketch" panose="03080500000500000004" pitchFamily="66" charset="0"/>
+                <a:latin typeface="Cambria Math" panose="02040503050406030204" pitchFamily="18" charset="0"/>
+                <a:ea typeface="Cambria Math" panose="02040503050406030204" pitchFamily="18" charset="0"/>
               </a:rPr>
               <a:t> </a:t>
             </a:r>
             <a:r>
               <a:rPr lang="en-US" dirty="0" smtClean="0">
-                <a:latin typeface="Buxton Sketch" panose="03080500000500000004" pitchFamily="66" charset="0"/>
+                <a:latin typeface="Cambria Math" panose="02040503050406030204" pitchFamily="18" charset="0"/>
+                <a:ea typeface="Cambria Math" panose="02040503050406030204" pitchFamily="18" charset="0"/>
               </a:rPr>
               <a:t>cars[</a:t>
             </a:r>
@@ -39242,30 +39325,35 @@
                 <a:solidFill>
                   <a:srgbClr val="FFFF00"/>
                 </a:solidFill>
-                <a:latin typeface="Buxton Sketch" panose="03080500000500000004" pitchFamily="66" charset="0"/>
+                <a:latin typeface="Cambria Math" panose="02040503050406030204" pitchFamily="18" charset="0"/>
+                <a:ea typeface="Cambria Math" panose="02040503050406030204" pitchFamily="18" charset="0"/>
               </a:rPr>
               <a:t>0</a:t>
             </a:r>
             <a:r>
               <a:rPr lang="en-US" dirty="0">
-                <a:latin typeface="Buxton Sketch" panose="03080500000500000004" pitchFamily="66" charset="0"/>
+                <a:latin typeface="Cambria Math" panose="02040503050406030204" pitchFamily="18" charset="0"/>
+                <a:ea typeface="Cambria Math" panose="02040503050406030204" pitchFamily="18" charset="0"/>
               </a:rPr>
               <a:t>] = "</a:t>
             </a:r>
             <a:r>
               <a:rPr lang="en-US" dirty="0" smtClean="0">
-                <a:latin typeface="Buxton Sketch" panose="03080500000500000004" pitchFamily="66" charset="0"/>
+                <a:latin typeface="Cambria Math" panose="02040503050406030204" pitchFamily="18" charset="0"/>
+                <a:ea typeface="Cambria Math" panose="02040503050406030204" pitchFamily="18" charset="0"/>
               </a:rPr>
               <a:t>Audi";</a:t>
             </a:r>
             <a:endParaRPr lang="en-US" dirty="0">
-              <a:latin typeface="Buxton Sketch" panose="03080500000500000004" pitchFamily="66" charset="0"/>
+              <a:latin typeface="Cambria Math" panose="02040503050406030204" pitchFamily="18" charset="0"/>
+              <a:ea typeface="Cambria Math" panose="02040503050406030204" pitchFamily="18" charset="0"/>
             </a:endParaRPr>
           </a:p>
           <a:p>
             <a:r>
               <a:rPr lang="en-US" dirty="0" smtClean="0">
-                <a:latin typeface="Buxton Sketch" panose="03080500000500000004" pitchFamily="66" charset="0"/>
+                <a:latin typeface="Cambria Math" panose="02040503050406030204" pitchFamily="18" charset="0"/>
+                <a:ea typeface="Cambria Math" panose="02040503050406030204" pitchFamily="18" charset="0"/>
               </a:rPr>
               <a:t> cars[</a:t>
             </a:r>
@@ -39274,13 +39362,15 @@
                 <a:solidFill>
                   <a:srgbClr val="FFFF00"/>
                 </a:solidFill>
-                <a:latin typeface="Buxton Sketch" panose="03080500000500000004" pitchFamily="66" charset="0"/>
+                <a:latin typeface="Cambria Math" panose="02040503050406030204" pitchFamily="18" charset="0"/>
+                <a:ea typeface="Cambria Math" panose="02040503050406030204" pitchFamily="18" charset="0"/>
               </a:rPr>
               <a:t>1</a:t>
             </a:r>
             <a:r>
               <a:rPr lang="en-US" dirty="0">
-                <a:latin typeface="Buxton Sketch" panose="03080500000500000004" pitchFamily="66" charset="0"/>
+                <a:latin typeface="Cambria Math" panose="02040503050406030204" pitchFamily="18" charset="0"/>
+                <a:ea typeface="Cambria Math" panose="02040503050406030204" pitchFamily="18" charset="0"/>
               </a:rPr>
               <a:t>] = "Mercedes";</a:t>
             </a:r>
@@ -39288,7 +39378,8 @@
           <a:p>
             <a:r>
               <a:rPr lang="en-US" dirty="0" smtClean="0">
-                <a:latin typeface="Buxton Sketch" panose="03080500000500000004" pitchFamily="66" charset="0"/>
+                <a:latin typeface="Cambria Math" panose="02040503050406030204" pitchFamily="18" charset="0"/>
+                <a:ea typeface="Cambria Math" panose="02040503050406030204" pitchFamily="18" charset="0"/>
               </a:rPr>
               <a:t> cars[</a:t>
             </a:r>
@@ -39297,19 +39388,22 @@
                 <a:solidFill>
                   <a:srgbClr val="FFFF00"/>
                 </a:solidFill>
-                <a:latin typeface="Buxton Sketch" panose="03080500000500000004" pitchFamily="66" charset="0"/>
+                <a:latin typeface="Cambria Math" panose="02040503050406030204" pitchFamily="18" charset="0"/>
+                <a:ea typeface="Cambria Math" panose="02040503050406030204" pitchFamily="18" charset="0"/>
               </a:rPr>
               <a:t>2</a:t>
             </a:r>
             <a:r>
               <a:rPr lang="en-US" dirty="0">
-                <a:latin typeface="Buxton Sketch" panose="03080500000500000004" pitchFamily="66" charset="0"/>
+                <a:latin typeface="Cambria Math" panose="02040503050406030204" pitchFamily="18" charset="0"/>
+                <a:ea typeface="Cambria Math" panose="02040503050406030204" pitchFamily="18" charset="0"/>
               </a:rPr>
               <a:t>] = "Jaguar</a:t>
             </a:r>
             <a:r>
               <a:rPr lang="en-US" dirty="0" smtClean="0">
-                <a:latin typeface="Buxton Sketch" panose="03080500000500000004" pitchFamily="66" charset="0"/>
+                <a:latin typeface="Cambria Math" panose="02040503050406030204" pitchFamily="18" charset="0"/>
+                <a:ea typeface="Cambria Math" panose="02040503050406030204" pitchFamily="18" charset="0"/>
               </a:rPr>
               <a:t>";</a:t>
             </a:r>
@@ -39317,7 +39411,8 @@
           <a:p>
             <a:r>
               <a:rPr lang="en-US" dirty="0" smtClean="0">
-                <a:latin typeface="Buxton Sketch" panose="03080500000500000004" pitchFamily="66" charset="0"/>
+                <a:latin typeface="Cambria Math" panose="02040503050406030204" pitchFamily="18" charset="0"/>
+                <a:ea typeface="Cambria Math" panose="02040503050406030204" pitchFamily="18" charset="0"/>
               </a:rPr>
               <a:t> cars[</a:t>
             </a:r>
@@ -39326,18 +39421,21 @@
                 <a:solidFill>
                   <a:srgbClr val="FFFF00"/>
                 </a:solidFill>
-                <a:latin typeface="Buxton Sketch" panose="03080500000500000004" pitchFamily="66" charset="0"/>
+                <a:latin typeface="Cambria Math" panose="02040503050406030204" pitchFamily="18" charset="0"/>
+                <a:ea typeface="Cambria Math" panose="02040503050406030204" pitchFamily="18" charset="0"/>
               </a:rPr>
               <a:t>3</a:t>
             </a:r>
             <a:r>
               <a:rPr lang="en-US" dirty="0" smtClean="0">
-                <a:latin typeface="Buxton Sketch" panose="03080500000500000004" pitchFamily="66" charset="0"/>
+                <a:latin typeface="Cambria Math" panose="02040503050406030204" pitchFamily="18" charset="0"/>
+                <a:ea typeface="Cambria Math" panose="02040503050406030204" pitchFamily="18" charset="0"/>
               </a:rPr>
               <a:t>] = “Lamborghini”;</a:t>
             </a:r>
             <a:endParaRPr lang="en-US" dirty="0">
-              <a:latin typeface="Buxton Sketch" panose="03080500000500000004" pitchFamily="66" charset="0"/>
+              <a:latin typeface="Cambria Math" panose="02040503050406030204" pitchFamily="18" charset="0"/>
+              <a:ea typeface="Cambria Math" panose="02040503050406030204" pitchFamily="18" charset="0"/>
             </a:endParaRPr>
           </a:p>
         </p:txBody>
@@ -39350,8 +39448,8 @@
         </p:nvSpPr>
         <p:spPr>
           <a:xfrm>
-            <a:off x="6409944" y="3647116"/>
-            <a:ext cx="4855464" cy="2862322"/>
+            <a:off x="6512580" y="2774168"/>
+            <a:ext cx="5514579" cy="3416320"/>
           </a:xfrm>
           <a:prstGeom prst="rect">
             <a:avLst/>
@@ -39366,7 +39464,8 @@
           <a:p>
             <a:r>
               <a:rPr lang="en-US" dirty="0">
-                <a:latin typeface="Buxton Sketch" panose="03080500000500000004" pitchFamily="66" charset="0"/>
+                <a:latin typeface="Cambria Math" panose="02040503050406030204" pitchFamily="18" charset="0"/>
+                <a:ea typeface="Cambria Math" panose="02040503050406030204" pitchFamily="18" charset="0"/>
               </a:rPr>
               <a:t> </a:t>
             </a:r>
@@ -39375,13 +39474,15 @@
                 <a:solidFill>
                   <a:srgbClr val="00B050"/>
                 </a:solidFill>
-                <a:latin typeface="Buxton Sketch" panose="03080500000500000004" pitchFamily="66" charset="0"/>
+                <a:latin typeface="Cambria Math" panose="02040503050406030204" pitchFamily="18" charset="0"/>
+                <a:ea typeface="Cambria Math" panose="02040503050406030204" pitchFamily="18" charset="0"/>
               </a:rPr>
               <a:t>List</a:t>
             </a:r>
             <a:r>
               <a:rPr lang="en-US" dirty="0">
-                <a:latin typeface="Buxton Sketch" panose="03080500000500000004" pitchFamily="66" charset="0"/>
+                <a:latin typeface="Cambria Math" panose="02040503050406030204" pitchFamily="18" charset="0"/>
+                <a:ea typeface="Cambria Math" panose="02040503050406030204" pitchFamily="18" charset="0"/>
               </a:rPr>
               <a:t>&lt;</a:t>
             </a:r>
@@ -39390,40 +39491,53 @@
                 <a:solidFill>
                   <a:srgbClr val="00B0F0"/>
                 </a:solidFill>
-                <a:latin typeface="Buxton Sketch" panose="03080500000500000004" pitchFamily="66" charset="0"/>
+                <a:latin typeface="Cambria Math" panose="02040503050406030204" pitchFamily="18" charset="0"/>
+                <a:ea typeface="Cambria Math" panose="02040503050406030204" pitchFamily="18" charset="0"/>
               </a:rPr>
               <a:t>string</a:t>
             </a:r>
             <a:r>
               <a:rPr lang="en-US" dirty="0">
-                <a:latin typeface="Buxton Sketch" panose="03080500000500000004" pitchFamily="66" charset="0"/>
+                <a:latin typeface="Cambria Math" panose="02040503050406030204" pitchFamily="18" charset="0"/>
+                <a:ea typeface="Cambria Math" panose="02040503050406030204" pitchFamily="18" charset="0"/>
               </a:rPr>
               <a:t>&gt;  </a:t>
             </a:r>
             <a:r>
               <a:rPr lang="en-US" dirty="0" err="1">
-                <a:latin typeface="Buxton Sketch" panose="03080500000500000004" pitchFamily="66" charset="0"/>
+                <a:latin typeface="Cambria Math" panose="02040503050406030204" pitchFamily="18" charset="0"/>
+                <a:ea typeface="Cambria Math" panose="02040503050406030204" pitchFamily="18" charset="0"/>
               </a:rPr>
               <a:t>studentNames</a:t>
             </a:r>
             <a:r>
               <a:rPr lang="en-US" dirty="0">
-                <a:latin typeface="Buxton Sketch" panose="03080500000500000004" pitchFamily="66" charset="0"/>
+                <a:latin typeface="Cambria Math" panose="02040503050406030204" pitchFamily="18" charset="0"/>
+                <a:ea typeface="Cambria Math" panose="02040503050406030204" pitchFamily="18" charset="0"/>
               </a:rPr>
               <a:t> = </a:t>
             </a:r>
+            <a:endParaRPr lang="en-US" dirty="0" smtClean="0">
+              <a:latin typeface="Cambria Math" panose="02040503050406030204" pitchFamily="18" charset="0"/>
+              <a:ea typeface="Cambria Math" panose="02040503050406030204" pitchFamily="18" charset="0"/>
+            </a:endParaRPr>
+          </a:p>
+          <a:p>
+            <a:pPr lvl="1"/>
             <a:r>
-              <a:rPr lang="en-US" dirty="0">
+              <a:rPr lang="en-US" dirty="0" smtClean="0">
                 <a:solidFill>
                   <a:srgbClr val="00B0F0"/>
                 </a:solidFill>
-                <a:latin typeface="Buxton Sketch" panose="03080500000500000004" pitchFamily="66" charset="0"/>
+                <a:latin typeface="Cambria Math" panose="02040503050406030204" pitchFamily="18" charset="0"/>
+                <a:ea typeface="Cambria Math" panose="02040503050406030204" pitchFamily="18" charset="0"/>
               </a:rPr>
               <a:t>new</a:t>
             </a:r>
             <a:r>
-              <a:rPr lang="en-US" dirty="0">
-                <a:latin typeface="Buxton Sketch" panose="03080500000500000004" pitchFamily="66" charset="0"/>
+              <a:rPr lang="en-US" dirty="0" smtClean="0">
+                <a:latin typeface="Cambria Math" panose="02040503050406030204" pitchFamily="18" charset="0"/>
+                <a:ea typeface="Cambria Math" panose="02040503050406030204" pitchFamily="18" charset="0"/>
               </a:rPr>
               <a:t> </a:t>
             </a:r>
@@ -39432,13 +39546,15 @@
                 <a:solidFill>
                   <a:srgbClr val="00B050"/>
                 </a:solidFill>
-                <a:latin typeface="Buxton Sketch" panose="03080500000500000004" pitchFamily="66" charset="0"/>
+                <a:latin typeface="Cambria Math" panose="02040503050406030204" pitchFamily="18" charset="0"/>
+                <a:ea typeface="Cambria Math" panose="02040503050406030204" pitchFamily="18" charset="0"/>
               </a:rPr>
               <a:t>List</a:t>
             </a:r>
             <a:r>
               <a:rPr lang="en-US" dirty="0">
-                <a:latin typeface="Buxton Sketch" panose="03080500000500000004" pitchFamily="66" charset="0"/>
+                <a:latin typeface="Cambria Math" panose="02040503050406030204" pitchFamily="18" charset="0"/>
+                <a:ea typeface="Cambria Math" panose="02040503050406030204" pitchFamily="18" charset="0"/>
               </a:rPr>
               <a:t>&lt;</a:t>
             </a:r>
@@ -39447,64 +39563,86 @@
                 <a:solidFill>
                   <a:srgbClr val="00B0F0"/>
                 </a:solidFill>
-                <a:latin typeface="Buxton Sketch" panose="03080500000500000004" pitchFamily="66" charset="0"/>
+                <a:latin typeface="Cambria Math" panose="02040503050406030204" pitchFamily="18" charset="0"/>
+                <a:ea typeface="Cambria Math" panose="02040503050406030204" pitchFamily="18" charset="0"/>
               </a:rPr>
               <a:t>string</a:t>
             </a:r>
             <a:r>
               <a:rPr lang="en-US" dirty="0">
-                <a:latin typeface="Buxton Sketch" panose="03080500000500000004" pitchFamily="66" charset="0"/>
+                <a:latin typeface="Cambria Math" panose="02040503050406030204" pitchFamily="18" charset="0"/>
+                <a:ea typeface="Cambria Math" panose="02040503050406030204" pitchFamily="18" charset="0"/>
               </a:rPr>
               <a:t>&gt;() </a:t>
             </a:r>
             <a:endParaRPr lang="en-US" dirty="0" smtClean="0">
-              <a:latin typeface="Buxton Sketch" panose="03080500000500000004" pitchFamily="66" charset="0"/>
+              <a:latin typeface="Cambria Math" panose="02040503050406030204" pitchFamily="18" charset="0"/>
+              <a:ea typeface="Cambria Math" panose="02040503050406030204" pitchFamily="18" charset="0"/>
             </a:endParaRPr>
           </a:p>
           <a:p>
+            <a:pPr lvl="1"/>
             <a:r>
               <a:rPr lang="en-US" dirty="0" smtClean="0">
-                <a:latin typeface="Buxton Sketch" panose="03080500000500000004" pitchFamily="66" charset="0"/>
+                <a:latin typeface="Cambria Math" panose="02040503050406030204" pitchFamily="18" charset="0"/>
+                <a:ea typeface="Cambria Math" panose="02040503050406030204" pitchFamily="18" charset="0"/>
               </a:rPr>
               <a:t>{</a:t>
+            </a:r>
+          </a:p>
+          <a:p>
+            <a:pPr lvl="2"/>
+            <a:r>
+              <a:rPr lang="en-US" dirty="0" smtClean="0">
+                <a:latin typeface="Cambria Math" panose="02040503050406030204" pitchFamily="18" charset="0"/>
+                <a:ea typeface="Cambria Math" panose="02040503050406030204" pitchFamily="18" charset="0"/>
+              </a:rPr>
+              <a:t>“Kermit“,</a:t>
+            </a:r>
+          </a:p>
+          <a:p>
+            <a:pPr lvl="2"/>
+            <a:r>
+              <a:rPr lang="en-US" dirty="0" smtClean="0">
+                <a:latin typeface="Cambria Math" panose="02040503050406030204" pitchFamily="18" charset="0"/>
+                <a:ea typeface="Cambria Math" panose="02040503050406030204" pitchFamily="18" charset="0"/>
+              </a:rPr>
+              <a:t>“Miss Piggy”</a:t>
             </a:r>
           </a:p>
           <a:p>
             <a:pPr lvl="1"/>
             <a:r>
               <a:rPr lang="en-US" dirty="0" smtClean="0">
-                <a:latin typeface="Buxton Sketch" panose="03080500000500000004" pitchFamily="66" charset="0"/>
+                <a:latin typeface="Cambria Math" panose="02040503050406030204" pitchFamily="18" charset="0"/>
+                <a:ea typeface="Cambria Math" panose="02040503050406030204" pitchFamily="18" charset="0"/>
               </a:rPr>
-              <a:t>“Kermit“,</a:t>
+              <a:t>}; </a:t>
             </a:r>
+            <a:endParaRPr lang="en-US" dirty="0" smtClean="0">
+              <a:latin typeface="Cambria Math" panose="02040503050406030204" pitchFamily="18" charset="0"/>
+              <a:ea typeface="Cambria Math" panose="02040503050406030204" pitchFamily="18" charset="0"/>
+            </a:endParaRPr>
           </a:p>
           <a:p>
             <a:pPr lvl="1"/>
-            <a:r>
-              <a:rPr lang="en-US" dirty="0" smtClean="0">
-                <a:latin typeface="Buxton Sketch" panose="03080500000500000004" pitchFamily="66" charset="0"/>
-              </a:rPr>
-              <a:t>“Miss Piggy”</a:t>
-            </a:r>
-          </a:p>
-          <a:p>
-            <a:r>
-              <a:rPr lang="en-US" dirty="0" smtClean="0">
-                <a:latin typeface="Buxton Sketch" panose="03080500000500000004" pitchFamily="66" charset="0"/>
-              </a:rPr>
-              <a:t>}; </a:t>
-            </a:r>
+            <a:endParaRPr lang="en-US" dirty="0" smtClean="0">
+              <a:latin typeface="Cambria Math" panose="02040503050406030204" pitchFamily="18" charset="0"/>
+              <a:ea typeface="Cambria Math" panose="02040503050406030204" pitchFamily="18" charset="0"/>
+            </a:endParaRPr>
           </a:p>
           <a:p>
             <a:r>
               <a:rPr lang="en-US" dirty="0" err="1" smtClean="0">
-                <a:latin typeface="Buxton Sketch" panose="03080500000500000004" pitchFamily="66" charset="0"/>
+                <a:latin typeface="Cambria Math" panose="02040503050406030204" pitchFamily="18" charset="0"/>
+                <a:ea typeface="Cambria Math" panose="02040503050406030204" pitchFamily="18" charset="0"/>
               </a:rPr>
               <a:t>studentNames.Add</a:t>
             </a:r>
             <a:r>
               <a:rPr lang="en-US" dirty="0" smtClean="0">
-                <a:latin typeface="Buxton Sketch" panose="03080500000500000004" pitchFamily="66" charset="0"/>
+                <a:latin typeface="Cambria Math" panose="02040503050406030204" pitchFamily="18" charset="0"/>
+                <a:ea typeface="Cambria Math" panose="02040503050406030204" pitchFamily="18" charset="0"/>
               </a:rPr>
               <a:t>(</a:t>
             </a:r>
@@ -39513,37 +39651,43 @@
                 <a:solidFill>
                   <a:srgbClr val="00B050"/>
                 </a:solidFill>
-                <a:latin typeface="Buxton Sketch" panose="03080500000500000004" pitchFamily="66" charset="0"/>
+                <a:latin typeface="Cambria Math" panose="02040503050406030204" pitchFamily="18" charset="0"/>
+                <a:ea typeface="Cambria Math" panose="02040503050406030204" pitchFamily="18" charset="0"/>
               </a:rPr>
               <a:t>Convert</a:t>
             </a:r>
             <a:r>
               <a:rPr lang="en-US" dirty="0" err="1" smtClean="0">
-                <a:latin typeface="Buxton Sketch" panose="03080500000500000004" pitchFamily="66" charset="0"/>
+                <a:latin typeface="Cambria Math" panose="02040503050406030204" pitchFamily="18" charset="0"/>
+                <a:ea typeface="Cambria Math" panose="02040503050406030204" pitchFamily="18" charset="0"/>
               </a:rPr>
               <a:t>.ToString</a:t>
             </a:r>
             <a:r>
               <a:rPr lang="en-US" dirty="0" smtClean="0">
-                <a:latin typeface="Buxton Sketch" panose="03080500000500000004" pitchFamily="66" charset="0"/>
+                <a:latin typeface="Cambria Math" panose="02040503050406030204" pitchFamily="18" charset="0"/>
+                <a:ea typeface="Cambria Math" panose="02040503050406030204" pitchFamily="18" charset="0"/>
               </a:rPr>
               <a:t>(</a:t>
             </a:r>
             <a:r>
               <a:rPr lang="en-US" dirty="0" err="1" smtClean="0">
-                <a:latin typeface="Buxton Sketch" panose="03080500000500000004" pitchFamily="66" charset="0"/>
+                <a:latin typeface="Cambria Math" panose="02040503050406030204" pitchFamily="18" charset="0"/>
+                <a:ea typeface="Cambria Math" panose="02040503050406030204" pitchFamily="18" charset="0"/>
               </a:rPr>
               <a:t>studentId</a:t>
             </a:r>
             <a:r>
               <a:rPr lang="en-US" dirty="0" smtClean="0">
-                <a:latin typeface="Buxton Sketch" panose="03080500000500000004" pitchFamily="66" charset="0"/>
+                <a:latin typeface="Cambria Math" panose="02040503050406030204" pitchFamily="18" charset="0"/>
+                <a:ea typeface="Cambria Math" panose="02040503050406030204" pitchFamily="18" charset="0"/>
               </a:rPr>
               <a:t>[2</a:t>
             </a:r>
             <a:r>
               <a:rPr lang="en-US" dirty="0">
-                <a:latin typeface="Buxton Sketch" panose="03080500000500000004" pitchFamily="66" charset="0"/>
+                <a:latin typeface="Cambria Math" panose="02040503050406030204" pitchFamily="18" charset="0"/>
+                <a:ea typeface="Cambria Math" panose="02040503050406030204" pitchFamily="18" charset="0"/>
               </a:rPr>
               <a:t>]));</a:t>
             </a:r>
@@ -39551,13 +39695,15 @@
           <a:p>
             <a:r>
               <a:rPr lang="en-US" dirty="0" err="1" smtClean="0">
-                <a:latin typeface="Buxton Sketch" panose="03080500000500000004" pitchFamily="66" charset="0"/>
+                <a:latin typeface="Cambria Math" panose="02040503050406030204" pitchFamily="18" charset="0"/>
+                <a:ea typeface="Cambria Math" panose="02040503050406030204" pitchFamily="18" charset="0"/>
               </a:rPr>
               <a:t>studentNames.Add</a:t>
             </a:r>
             <a:r>
               <a:rPr lang="en-US" dirty="0" smtClean="0">
-                <a:latin typeface="Buxton Sketch" panose="03080500000500000004" pitchFamily="66" charset="0"/>
+                <a:latin typeface="Cambria Math" panose="02040503050406030204" pitchFamily="18" charset="0"/>
+                <a:ea typeface="Cambria Math" panose="02040503050406030204" pitchFamily="18" charset="0"/>
               </a:rPr>
               <a:t>(cars[3]);</a:t>
             </a:r>
@@ -39565,13 +39711,15 @@
           <a:p>
             <a:r>
               <a:rPr lang="en-US" dirty="0" err="1" smtClean="0">
-                <a:latin typeface="Buxton Sketch" panose="03080500000500000004" pitchFamily="66" charset="0"/>
+                <a:latin typeface="Cambria Math" panose="02040503050406030204" pitchFamily="18" charset="0"/>
+                <a:ea typeface="Cambria Math" panose="02040503050406030204" pitchFamily="18" charset="0"/>
               </a:rPr>
               <a:t>studentNames.Add</a:t>
             </a:r>
             <a:r>
               <a:rPr lang="en-US" dirty="0" smtClean="0">
-                <a:latin typeface="Buxton Sketch" panose="03080500000500000004" pitchFamily="66" charset="0"/>
+                <a:latin typeface="Cambria Math" panose="02040503050406030204" pitchFamily="18" charset="0"/>
+                <a:ea typeface="Cambria Math" panose="02040503050406030204" pitchFamily="18" charset="0"/>
               </a:rPr>
               <a:t>(“Cheese”);</a:t>
             </a:r>
@@ -39579,23 +39727,27 @@
           <a:p>
             <a:r>
               <a:rPr lang="en-US" dirty="0" err="1">
-                <a:latin typeface="Buxton Sketch" panose="03080500000500000004" pitchFamily="66" charset="0"/>
+                <a:latin typeface="Cambria Math" panose="02040503050406030204" pitchFamily="18" charset="0"/>
+                <a:ea typeface="Cambria Math" panose="02040503050406030204" pitchFamily="18" charset="0"/>
               </a:rPr>
               <a:t>studentNames.Add</a:t>
             </a:r>
             <a:r>
               <a:rPr lang="en-US" dirty="0" smtClean="0">
-                <a:latin typeface="Buxton Sketch" panose="03080500000500000004" pitchFamily="66" charset="0"/>
+                <a:latin typeface="Cambria Math" panose="02040503050406030204" pitchFamily="18" charset="0"/>
+                <a:ea typeface="Cambria Math" panose="02040503050406030204" pitchFamily="18" charset="0"/>
               </a:rPr>
               <a:t>(“69”);</a:t>
             </a:r>
             <a:endParaRPr lang="en-US" dirty="0">
-              <a:latin typeface="Buxton Sketch" panose="03080500000500000004" pitchFamily="66" charset="0"/>
+              <a:latin typeface="Cambria Math" panose="02040503050406030204" pitchFamily="18" charset="0"/>
+              <a:ea typeface="Cambria Math" panose="02040503050406030204" pitchFamily="18" charset="0"/>
             </a:endParaRPr>
           </a:p>
           <a:p>
             <a:endParaRPr lang="en-US" dirty="0">
-              <a:latin typeface="Buxton Sketch" panose="03080500000500000004" pitchFamily="66" charset="0"/>
+              <a:latin typeface="Cambria Math" panose="02040503050406030204" pitchFamily="18" charset="0"/>
+              <a:ea typeface="Cambria Math" panose="02040503050406030204" pitchFamily="18" charset="0"/>
             </a:endParaRPr>
           </a:p>
         </p:txBody>
